--- a/Esercitazione_8/esercitazione8.pptx
+++ b/Esercitazione_8/esercitazione8.pptx
@@ -251,7 +251,7 @@
           <a:p>
             <a:fld id="{B55857BA-F4AF-4FDB-9BD7-33CC67AEAE19}" type="datetimeFigureOut">
               <a:rPr lang="it-IT" smtClean="0"/>
-              <a:t>03/12/2021</a:t>
+              <a:t>04/12/2021</a:t>
             </a:fld>
             <a:endParaRPr lang="it-IT"/>
           </a:p>
@@ -429,7 +429,7 @@
           <a:p>
             <a:fld id="{1FCC0C39-E717-4206-B48F-03024D75E04C}" type="datetimeFigureOut">
               <a:rPr lang="it-IT" noProof="0" smtClean="0"/>
-              <a:t>03/12/2021</a:t>
+              <a:t>04/12/2021</a:t>
             </a:fld>
             <a:endParaRPr lang="it-IT" noProof="0"/>
           </a:p>
@@ -747,7 +747,7 @@
           <a:noFill/>
           <a:extLst>
             <a:ext uri="{909E8E84-426E-40dd-AFC4-6F175D3DCCD1}">
-              <a14:hiddenFill xmlns:a14="http://schemas.microsoft.com/office/drawing/2010/main" xmlns="">
+              <a14:hiddenFill xmlns="" xmlns:a14="http://schemas.microsoft.com/office/drawing/2010/main">
                 <a:solidFill>
                   <a:srgbClr val="FFFFFF"/>
                 </a:solidFill>
@@ -807,7 +807,7 @@
             </a:ln>
             <a:extLst>
               <a:ext uri="{91240B29-F687-4f45-9708-019B960494DF}">
-                <a14:hiddenLine xmlns:a14="http://schemas.microsoft.com/office/drawing/2010/main" xmlns="" w="9525">
+                <a14:hiddenLine xmlns="" xmlns:a14="http://schemas.microsoft.com/office/drawing/2010/main" w="9525">
                   <a:solidFill>
                     <a:srgbClr val="000000"/>
                   </a:solidFill>
@@ -897,7 +897,7 @@
             </a:ln>
             <a:extLst>
               <a:ext uri="{91240B29-F687-4f45-9708-019B960494DF}">
-                <a14:hiddenLine xmlns:a14="http://schemas.microsoft.com/office/drawing/2010/main" xmlns="" w="9525">
+                <a14:hiddenLine xmlns="" xmlns:a14="http://schemas.microsoft.com/office/drawing/2010/main" w="9525">
                   <a:solidFill>
                     <a:srgbClr val="000000"/>
                   </a:solidFill>
@@ -987,7 +987,7 @@
             </a:ln>
             <a:extLst>
               <a:ext uri="{91240B29-F687-4f45-9708-019B960494DF}">
-                <a14:hiddenLine xmlns:a14="http://schemas.microsoft.com/office/drawing/2010/main" xmlns="" w="9525">
+                <a14:hiddenLine xmlns="" xmlns:a14="http://schemas.microsoft.com/office/drawing/2010/main" w="9525">
                   <a:solidFill>
                     <a:srgbClr val="000000"/>
                   </a:solidFill>
@@ -1021,7 +1021,7 @@
             </a:ln>
             <a:extLst>
               <a:ext uri="{91240B29-F687-4f45-9708-019B960494DF}">
-                <a14:hiddenLine xmlns:a14="http://schemas.microsoft.com/office/drawing/2010/main" xmlns="" w="9525">
+                <a14:hiddenLine xmlns="" xmlns:a14="http://schemas.microsoft.com/office/drawing/2010/main" w="9525">
                   <a:solidFill>
                     <a:srgbClr val="000000"/>
                   </a:solidFill>
@@ -1111,7 +1111,7 @@
             </a:ln>
             <a:extLst>
               <a:ext uri="{91240B29-F687-4f45-9708-019B960494DF}">
-                <a14:hiddenLine xmlns:a14="http://schemas.microsoft.com/office/drawing/2010/main" xmlns="" w="9525">
+                <a14:hiddenLine xmlns="" xmlns:a14="http://schemas.microsoft.com/office/drawing/2010/main" w="9525">
                   <a:solidFill>
                     <a:srgbClr val="000000"/>
                   </a:solidFill>
@@ -1173,7 +1173,7 @@
             </a:ln>
             <a:extLst>
               <a:ext uri="{91240B29-F687-4f45-9708-019B960494DF}">
-                <a14:hiddenLine xmlns:a14="http://schemas.microsoft.com/office/drawing/2010/main" xmlns="" w="9525">
+                <a14:hiddenLine xmlns="" xmlns:a14="http://schemas.microsoft.com/office/drawing/2010/main" w="9525">
                   <a:solidFill>
                     <a:srgbClr val="000000"/>
                   </a:solidFill>
@@ -1235,7 +1235,7 @@
             </a:ln>
             <a:extLst>
               <a:ext uri="{91240B29-F687-4f45-9708-019B960494DF}">
-                <a14:hiddenLine xmlns:a14="http://schemas.microsoft.com/office/drawing/2010/main" xmlns="" w="9525">
+                <a14:hiddenLine xmlns="" xmlns:a14="http://schemas.microsoft.com/office/drawing/2010/main" w="9525">
                   <a:solidFill>
                     <a:srgbClr val="000000"/>
                   </a:solidFill>
@@ -1325,7 +1325,7 @@
             </a:ln>
             <a:extLst>
               <a:ext uri="{91240B29-F687-4f45-9708-019B960494DF}">
-                <a14:hiddenLine xmlns:a14="http://schemas.microsoft.com/office/drawing/2010/main" xmlns="" w="9525">
+                <a14:hiddenLine xmlns="" xmlns:a14="http://schemas.microsoft.com/office/drawing/2010/main" w="9525">
                   <a:solidFill>
                     <a:srgbClr val="000000"/>
                   </a:solidFill>
@@ -1387,7 +1387,7 @@
             </a:ln>
             <a:extLst>
               <a:ext uri="{91240B29-F687-4f45-9708-019B960494DF}">
-                <a14:hiddenLine xmlns:a14="http://schemas.microsoft.com/office/drawing/2010/main" xmlns="" w="9525">
+                <a14:hiddenLine xmlns="" xmlns:a14="http://schemas.microsoft.com/office/drawing/2010/main" w="9525">
                   <a:solidFill>
                     <a:srgbClr val="000000"/>
                   </a:solidFill>
@@ -1449,7 +1449,7 @@
             </a:ln>
             <a:extLst>
               <a:ext uri="{91240B29-F687-4f45-9708-019B960494DF}">
-                <a14:hiddenLine xmlns:a14="http://schemas.microsoft.com/office/drawing/2010/main" xmlns="" w="9525">
+                <a14:hiddenLine xmlns="" xmlns:a14="http://schemas.microsoft.com/office/drawing/2010/main" w="9525">
                   <a:solidFill>
                     <a:srgbClr val="000000"/>
                   </a:solidFill>
@@ -1539,7 +1539,7 @@
             </a:ln>
             <a:extLst>
               <a:ext uri="{91240B29-F687-4f45-9708-019B960494DF}">
-                <a14:hiddenLine xmlns:a14="http://schemas.microsoft.com/office/drawing/2010/main" xmlns="" w="9525">
+                <a14:hiddenLine xmlns="" xmlns:a14="http://schemas.microsoft.com/office/drawing/2010/main" w="9525">
                   <a:solidFill>
                     <a:srgbClr val="000000"/>
                   </a:solidFill>
@@ -1629,7 +1629,7 @@
             </a:ln>
             <a:extLst>
               <a:ext uri="{91240B29-F687-4f45-9708-019B960494DF}">
-                <a14:hiddenLine xmlns:a14="http://schemas.microsoft.com/office/drawing/2010/main" xmlns="" w="9525">
+                <a14:hiddenLine xmlns="" xmlns:a14="http://schemas.microsoft.com/office/drawing/2010/main" w="9525">
                   <a:solidFill>
                     <a:srgbClr val="000000"/>
                   </a:solidFill>
@@ -1691,7 +1691,7 @@
             </a:ln>
             <a:extLst>
               <a:ext uri="{91240B29-F687-4f45-9708-019B960494DF}">
-                <a14:hiddenLine xmlns:a14="http://schemas.microsoft.com/office/drawing/2010/main" xmlns="" w="9525">
+                <a14:hiddenLine xmlns="" xmlns:a14="http://schemas.microsoft.com/office/drawing/2010/main" w="9525">
                   <a:solidFill>
                     <a:srgbClr val="000000"/>
                   </a:solidFill>
@@ -1801,7 +1801,7 @@
             </a:ln>
             <a:extLst>
               <a:ext uri="{91240B29-F687-4f45-9708-019B960494DF}">
-                <a14:hiddenLine xmlns:a14="http://schemas.microsoft.com/office/drawing/2010/main" xmlns="" w="9525">
+                <a14:hiddenLine xmlns="" xmlns:a14="http://schemas.microsoft.com/office/drawing/2010/main" w="9525">
                   <a:solidFill>
                     <a:srgbClr val="000000"/>
                   </a:solidFill>
@@ -1863,7 +1863,7 @@
             </a:ln>
             <a:extLst>
               <a:ext uri="{91240B29-F687-4f45-9708-019B960494DF}">
-                <a14:hiddenLine xmlns:a14="http://schemas.microsoft.com/office/drawing/2010/main" xmlns="" w="9525">
+                <a14:hiddenLine xmlns="" xmlns:a14="http://schemas.microsoft.com/office/drawing/2010/main" w="9525">
                   <a:solidFill>
                     <a:srgbClr val="000000"/>
                   </a:solidFill>
@@ -1953,7 +1953,7 @@
             </a:ln>
             <a:extLst>
               <a:ext uri="{91240B29-F687-4f45-9708-019B960494DF}">
-                <a14:hiddenLine xmlns:a14="http://schemas.microsoft.com/office/drawing/2010/main" xmlns="" w="9525">
+                <a14:hiddenLine xmlns="" xmlns:a14="http://schemas.microsoft.com/office/drawing/2010/main" w="9525">
                   <a:solidFill>
                     <a:srgbClr val="000000"/>
                   </a:solidFill>
@@ -2043,7 +2043,7 @@
             </a:ln>
             <a:extLst>
               <a:ext uri="{91240B29-F687-4f45-9708-019B960494DF}">
-                <a14:hiddenLine xmlns:a14="http://schemas.microsoft.com/office/drawing/2010/main" xmlns="" w="9525">
+                <a14:hiddenLine xmlns="" xmlns:a14="http://schemas.microsoft.com/office/drawing/2010/main" w="9525">
                   <a:solidFill>
                     <a:srgbClr val="000000"/>
                   </a:solidFill>
@@ -2105,7 +2105,7 @@
             </a:ln>
             <a:extLst>
               <a:ext uri="{91240B29-F687-4f45-9708-019B960494DF}">
-                <a14:hiddenLine xmlns:a14="http://schemas.microsoft.com/office/drawing/2010/main" xmlns="" w="9525">
+                <a14:hiddenLine xmlns="" xmlns:a14="http://schemas.microsoft.com/office/drawing/2010/main" w="9525">
                   <a:solidFill>
                     <a:srgbClr val="000000"/>
                   </a:solidFill>
@@ -2195,7 +2195,7 @@
             </a:ln>
             <a:extLst>
               <a:ext uri="{91240B29-F687-4f45-9708-019B960494DF}">
-                <a14:hiddenLine xmlns:a14="http://schemas.microsoft.com/office/drawing/2010/main" xmlns="" w="9525">
+                <a14:hiddenLine xmlns="" xmlns:a14="http://schemas.microsoft.com/office/drawing/2010/main" w="9525">
                   <a:solidFill>
                     <a:srgbClr val="000000"/>
                   </a:solidFill>
@@ -2285,7 +2285,7 @@
             </a:ln>
             <a:extLst>
               <a:ext uri="{91240B29-F687-4f45-9708-019B960494DF}">
-                <a14:hiddenLine xmlns:a14="http://schemas.microsoft.com/office/drawing/2010/main" xmlns="" w="9525">
+                <a14:hiddenLine xmlns="" xmlns:a14="http://schemas.microsoft.com/office/drawing/2010/main" w="9525">
                   <a:solidFill>
                     <a:srgbClr val="000000"/>
                   </a:solidFill>
@@ -2341,7 +2341,7 @@
             </a:ln>
             <a:extLst>
               <a:ext uri="{91240B29-F687-4f45-9708-019B960494DF}">
-                <a14:hiddenLine xmlns:a14="http://schemas.microsoft.com/office/drawing/2010/main" xmlns="" w="9525">
+                <a14:hiddenLine xmlns="" xmlns:a14="http://schemas.microsoft.com/office/drawing/2010/main" w="9525">
                   <a:solidFill>
                     <a:srgbClr val="000000"/>
                   </a:solidFill>
@@ -2431,7 +2431,7 @@
             </a:ln>
             <a:extLst>
               <a:ext uri="{91240B29-F687-4f45-9708-019B960494DF}">
-                <a14:hiddenLine xmlns:a14="http://schemas.microsoft.com/office/drawing/2010/main" xmlns="" w="9525">
+                <a14:hiddenLine xmlns="" xmlns:a14="http://schemas.microsoft.com/office/drawing/2010/main" w="9525">
                   <a:solidFill>
                     <a:srgbClr val="000000"/>
                   </a:solidFill>
@@ -2487,7 +2487,7 @@
             </a:ln>
             <a:extLst>
               <a:ext uri="{91240B29-F687-4f45-9708-019B960494DF}">
-                <a14:hiddenLine xmlns:a14="http://schemas.microsoft.com/office/drawing/2010/main" xmlns="" w="9525">
+                <a14:hiddenLine xmlns="" xmlns:a14="http://schemas.microsoft.com/office/drawing/2010/main" w="9525">
                   <a:solidFill>
                     <a:srgbClr val="000000"/>
                   </a:solidFill>
@@ -2577,7 +2577,7 @@
             </a:ln>
             <a:extLst>
               <a:ext uri="{91240B29-F687-4f45-9708-019B960494DF}">
-                <a14:hiddenLine xmlns:a14="http://schemas.microsoft.com/office/drawing/2010/main" xmlns="" w="9525">
+                <a14:hiddenLine xmlns="" xmlns:a14="http://schemas.microsoft.com/office/drawing/2010/main" w="9525">
                   <a:solidFill>
                     <a:srgbClr val="000000"/>
                   </a:solidFill>
@@ -2645,7 +2645,7 @@
             </a:ln>
             <a:extLst>
               <a:ext uri="{91240B29-F687-4f45-9708-019B960494DF}">
-                <a14:hiddenLine xmlns:a14="http://schemas.microsoft.com/office/drawing/2010/main" xmlns="" w="9525">
+                <a14:hiddenLine xmlns="" xmlns:a14="http://schemas.microsoft.com/office/drawing/2010/main" w="9525">
                   <a:solidFill>
                     <a:srgbClr val="000000"/>
                   </a:solidFill>
@@ -2735,7 +2735,7 @@
             </a:ln>
             <a:extLst>
               <a:ext uri="{91240B29-F687-4f45-9708-019B960494DF}">
-                <a14:hiddenLine xmlns:a14="http://schemas.microsoft.com/office/drawing/2010/main" xmlns="" w="9525">
+                <a14:hiddenLine xmlns="" xmlns:a14="http://schemas.microsoft.com/office/drawing/2010/main" w="9525">
                   <a:solidFill>
                     <a:srgbClr val="000000"/>
                   </a:solidFill>
@@ -2803,7 +2803,7 @@
             </a:ln>
             <a:extLst>
               <a:ext uri="{91240B29-F687-4f45-9708-019B960494DF}">
-                <a14:hiddenLine xmlns:a14="http://schemas.microsoft.com/office/drawing/2010/main" xmlns="" w="9525">
+                <a14:hiddenLine xmlns="" xmlns:a14="http://schemas.microsoft.com/office/drawing/2010/main" w="9525">
                   <a:solidFill>
                     <a:srgbClr val="000000"/>
                   </a:solidFill>
@@ -2893,7 +2893,7 @@
             </a:ln>
             <a:extLst>
               <a:ext uri="{91240B29-F687-4f45-9708-019B960494DF}">
-                <a14:hiddenLine xmlns:a14="http://schemas.microsoft.com/office/drawing/2010/main" xmlns="" w="9525">
+                <a14:hiddenLine xmlns="" xmlns:a14="http://schemas.microsoft.com/office/drawing/2010/main" w="9525">
                   <a:solidFill>
                     <a:srgbClr val="000000"/>
                   </a:solidFill>
@@ -2927,7 +2927,7 @@
             </a:ln>
             <a:extLst>
               <a:ext uri="{91240B29-F687-4f45-9708-019B960494DF}">
-                <a14:hiddenLine xmlns:a14="http://schemas.microsoft.com/office/drawing/2010/main" xmlns="" w="9525">
+                <a14:hiddenLine xmlns="" xmlns:a14="http://schemas.microsoft.com/office/drawing/2010/main" w="9525">
                   <a:solidFill>
                     <a:srgbClr val="000000"/>
                   </a:solidFill>
@@ -3017,7 +3017,7 @@
             </a:ln>
             <a:extLst>
               <a:ext uri="{91240B29-F687-4f45-9708-019B960494DF}">
-                <a14:hiddenLine xmlns:a14="http://schemas.microsoft.com/office/drawing/2010/main" xmlns="" w="9525">
+                <a14:hiddenLine xmlns="" xmlns:a14="http://schemas.microsoft.com/office/drawing/2010/main" w="9525">
                   <a:solidFill>
                     <a:srgbClr val="000000"/>
                   </a:solidFill>
@@ -3079,7 +3079,7 @@
             </a:ln>
             <a:extLst>
               <a:ext uri="{91240B29-F687-4f45-9708-019B960494DF}">
-                <a14:hiddenLine xmlns:a14="http://schemas.microsoft.com/office/drawing/2010/main" xmlns="" w="9525">
+                <a14:hiddenLine xmlns="" xmlns:a14="http://schemas.microsoft.com/office/drawing/2010/main" w="9525">
                   <a:solidFill>
                     <a:srgbClr val="000000"/>
                   </a:solidFill>
@@ -3141,7 +3141,7 @@
             </a:ln>
             <a:extLst>
               <a:ext uri="{91240B29-F687-4f45-9708-019B960494DF}">
-                <a14:hiddenLine xmlns:a14="http://schemas.microsoft.com/office/drawing/2010/main" xmlns="" w="9525">
+                <a14:hiddenLine xmlns="" xmlns:a14="http://schemas.microsoft.com/office/drawing/2010/main" w="9525">
                   <a:solidFill>
                     <a:srgbClr val="000000"/>
                   </a:solidFill>
@@ -3231,7 +3231,7 @@
             </a:ln>
             <a:extLst>
               <a:ext uri="{91240B29-F687-4f45-9708-019B960494DF}">
-                <a14:hiddenLine xmlns:a14="http://schemas.microsoft.com/office/drawing/2010/main" xmlns="" w="9525">
+                <a14:hiddenLine xmlns="" xmlns:a14="http://schemas.microsoft.com/office/drawing/2010/main" w="9525">
                   <a:solidFill>
                     <a:srgbClr val="000000"/>
                   </a:solidFill>
@@ -3299,7 +3299,7 @@
             </a:ln>
             <a:extLst>
               <a:ext uri="{91240B29-F687-4f45-9708-019B960494DF}">
-                <a14:hiddenLine xmlns:a14="http://schemas.microsoft.com/office/drawing/2010/main" xmlns="" w="9525">
+                <a14:hiddenLine xmlns="" xmlns:a14="http://schemas.microsoft.com/office/drawing/2010/main" w="9525">
                   <a:solidFill>
                     <a:srgbClr val="000000"/>
                   </a:solidFill>
@@ -3361,7 +3361,7 @@
             </a:ln>
             <a:extLst>
               <a:ext uri="{91240B29-F687-4f45-9708-019B960494DF}">
-                <a14:hiddenLine xmlns:a14="http://schemas.microsoft.com/office/drawing/2010/main" xmlns="" w="9525">
+                <a14:hiddenLine xmlns="" xmlns:a14="http://schemas.microsoft.com/office/drawing/2010/main" w="9525">
                   <a:solidFill>
                     <a:srgbClr val="000000"/>
                   </a:solidFill>
@@ -3451,7 +3451,7 @@
             </a:ln>
             <a:extLst>
               <a:ext uri="{91240B29-F687-4f45-9708-019B960494DF}">
-                <a14:hiddenLine xmlns:a14="http://schemas.microsoft.com/office/drawing/2010/main" xmlns="" w="9525">
+                <a14:hiddenLine xmlns="" xmlns:a14="http://schemas.microsoft.com/office/drawing/2010/main" w="9525">
                   <a:solidFill>
                     <a:srgbClr val="000000"/>
                   </a:solidFill>
@@ -3513,7 +3513,7 @@
             </a:ln>
             <a:extLst>
               <a:ext uri="{91240B29-F687-4f45-9708-019B960494DF}">
-                <a14:hiddenLine xmlns:a14="http://schemas.microsoft.com/office/drawing/2010/main" xmlns="" w="9525">
+                <a14:hiddenLine xmlns="" xmlns:a14="http://schemas.microsoft.com/office/drawing/2010/main" w="9525">
                   <a:solidFill>
                     <a:srgbClr val="000000"/>
                   </a:solidFill>
@@ -3603,7 +3603,7 @@
             </a:ln>
             <a:extLst>
               <a:ext uri="{91240B29-F687-4f45-9708-019B960494DF}">
-                <a14:hiddenLine xmlns:a14="http://schemas.microsoft.com/office/drawing/2010/main" xmlns="" w="9525">
+                <a14:hiddenLine xmlns="" xmlns:a14="http://schemas.microsoft.com/office/drawing/2010/main" w="9525">
                   <a:solidFill>
                     <a:srgbClr val="000000"/>
                   </a:solidFill>
@@ -3665,7 +3665,7 @@
             </a:ln>
             <a:extLst>
               <a:ext uri="{91240B29-F687-4f45-9708-019B960494DF}">
-                <a14:hiddenLine xmlns:a14="http://schemas.microsoft.com/office/drawing/2010/main" xmlns="" w="9525">
+                <a14:hiddenLine xmlns="" xmlns:a14="http://schemas.microsoft.com/office/drawing/2010/main" w="9525">
                   <a:solidFill>
                     <a:srgbClr val="000000"/>
                   </a:solidFill>
@@ -3755,7 +3755,7 @@
             </a:ln>
             <a:extLst>
               <a:ext uri="{91240B29-F687-4f45-9708-019B960494DF}">
-                <a14:hiddenLine xmlns:a14="http://schemas.microsoft.com/office/drawing/2010/main" xmlns="" w="9525">
+                <a14:hiddenLine xmlns="" xmlns:a14="http://schemas.microsoft.com/office/drawing/2010/main" w="9525">
                   <a:solidFill>
                     <a:srgbClr val="000000"/>
                   </a:solidFill>
@@ -3789,7 +3789,7 @@
             </a:ln>
             <a:extLst>
               <a:ext uri="{91240B29-F687-4f45-9708-019B960494DF}">
-                <a14:hiddenLine xmlns:a14="http://schemas.microsoft.com/office/drawing/2010/main" xmlns="" w="9525">
+                <a14:hiddenLine xmlns="" xmlns:a14="http://schemas.microsoft.com/office/drawing/2010/main" w="9525">
                   <a:solidFill>
                     <a:srgbClr val="000000"/>
                   </a:solidFill>
@@ -3854,7 +3854,7 @@
             </a:ln>
             <a:extLst>
               <a:ext uri="{91240B29-F687-4f45-9708-019B960494DF}">
-                <a14:hiddenLine xmlns:a14="http://schemas.microsoft.com/office/drawing/2010/main" xmlns="" w="9525">
+                <a14:hiddenLine xmlns="" xmlns:a14="http://schemas.microsoft.com/office/drawing/2010/main" w="9525">
                   <a:solidFill>
                     <a:srgbClr val="000000"/>
                   </a:solidFill>
@@ -3944,7 +3944,7 @@
             </a:ln>
             <a:extLst>
               <a:ext uri="{91240B29-F687-4f45-9708-019B960494DF}">
-                <a14:hiddenLine xmlns:a14="http://schemas.microsoft.com/office/drawing/2010/main" xmlns="" w="9525">
+                <a14:hiddenLine xmlns="" xmlns:a14="http://schemas.microsoft.com/office/drawing/2010/main" w="9525">
                   <a:solidFill>
                     <a:srgbClr val="000000"/>
                   </a:solidFill>
@@ -4006,7 +4006,7 @@
             </a:ln>
             <a:extLst>
               <a:ext uri="{91240B29-F687-4f45-9708-019B960494DF}">
-                <a14:hiddenLine xmlns:a14="http://schemas.microsoft.com/office/drawing/2010/main" xmlns="" w="9525">
+                <a14:hiddenLine xmlns="" xmlns:a14="http://schemas.microsoft.com/office/drawing/2010/main" w="9525">
                   <a:solidFill>
                     <a:srgbClr val="000000"/>
                   </a:solidFill>
@@ -4096,7 +4096,7 @@
             </a:ln>
             <a:extLst>
               <a:ext uri="{91240B29-F687-4f45-9708-019B960494DF}">
-                <a14:hiddenLine xmlns:a14="http://schemas.microsoft.com/office/drawing/2010/main" xmlns="" w="9525">
+                <a14:hiddenLine xmlns="" xmlns:a14="http://schemas.microsoft.com/office/drawing/2010/main" w="9525">
                   <a:solidFill>
                     <a:srgbClr val="000000"/>
                   </a:solidFill>
@@ -4186,7 +4186,7 @@
             </a:ln>
             <a:extLst>
               <a:ext uri="{91240B29-F687-4f45-9708-019B960494DF}">
-                <a14:hiddenLine xmlns:a14="http://schemas.microsoft.com/office/drawing/2010/main" xmlns="" w="9525">
+                <a14:hiddenLine xmlns="" xmlns:a14="http://schemas.microsoft.com/office/drawing/2010/main" w="9525">
                   <a:solidFill>
                     <a:srgbClr val="000000"/>
                   </a:solidFill>
@@ -4251,7 +4251,7 @@
             </a:ln>
             <a:extLst>
               <a:ext uri="{91240B29-F687-4f45-9708-019B960494DF}">
-                <a14:hiddenLine xmlns:a14="http://schemas.microsoft.com/office/drawing/2010/main" xmlns="" w="9525">
+                <a14:hiddenLine xmlns="" xmlns:a14="http://schemas.microsoft.com/office/drawing/2010/main" w="9525">
                   <a:solidFill>
                     <a:srgbClr val="000000"/>
                   </a:solidFill>
@@ -4313,7 +4313,7 @@
             </a:ln>
             <a:extLst>
               <a:ext uri="{91240B29-F687-4f45-9708-019B960494DF}">
-                <a14:hiddenLine xmlns:a14="http://schemas.microsoft.com/office/drawing/2010/main" xmlns="" w="9525">
+                <a14:hiddenLine xmlns="" xmlns:a14="http://schemas.microsoft.com/office/drawing/2010/main" w="9525">
                   <a:solidFill>
                     <a:srgbClr val="000000"/>
                   </a:solidFill>
@@ -4403,7 +4403,7 @@
             </a:ln>
             <a:extLst>
               <a:ext uri="{91240B29-F687-4f45-9708-019B960494DF}">
-                <a14:hiddenLine xmlns:a14="http://schemas.microsoft.com/office/drawing/2010/main" xmlns="" w="9525">
+                <a14:hiddenLine xmlns="" xmlns:a14="http://schemas.microsoft.com/office/drawing/2010/main" w="9525">
                   <a:solidFill>
                     <a:srgbClr val="000000"/>
                   </a:solidFill>
@@ -4493,7 +4493,7 @@
             </a:ln>
             <a:extLst>
               <a:ext uri="{91240B29-F687-4f45-9708-019B960494DF}">
-                <a14:hiddenLine xmlns:a14="http://schemas.microsoft.com/office/drawing/2010/main" xmlns="" w="9525">
+                <a14:hiddenLine xmlns="" xmlns:a14="http://schemas.microsoft.com/office/drawing/2010/main" w="9525">
                   <a:solidFill>
                     <a:srgbClr val="000000"/>
                   </a:solidFill>
@@ -4555,7 +4555,7 @@
             </a:ln>
             <a:extLst>
               <a:ext uri="{91240B29-F687-4f45-9708-019B960494DF}">
-                <a14:hiddenLine xmlns:a14="http://schemas.microsoft.com/office/drawing/2010/main" xmlns="" w="9525">
+                <a14:hiddenLine xmlns="" xmlns:a14="http://schemas.microsoft.com/office/drawing/2010/main" w="9525">
                   <a:solidFill>
                     <a:srgbClr val="000000"/>
                   </a:solidFill>
@@ -4675,7 +4675,7 @@
             </a:ln>
             <a:extLst>
               <a:ext uri="{91240B29-F687-4f45-9708-019B960494DF}">
-                <a14:hiddenLine xmlns:a14="http://schemas.microsoft.com/office/drawing/2010/main" xmlns="" w="9525">
+                <a14:hiddenLine xmlns="" xmlns:a14="http://schemas.microsoft.com/office/drawing/2010/main" w="9525">
                   <a:solidFill>
                     <a:srgbClr val="000000"/>
                   </a:solidFill>
@@ -4743,7 +4743,7 @@
             </a:ln>
             <a:extLst>
               <a:ext uri="{91240B29-F687-4f45-9708-019B960494DF}">
-                <a14:hiddenLine xmlns:a14="http://schemas.microsoft.com/office/drawing/2010/main" xmlns="" w="9525">
+                <a14:hiddenLine xmlns="" xmlns:a14="http://schemas.microsoft.com/office/drawing/2010/main" w="9525">
                   <a:solidFill>
                     <a:srgbClr val="000000"/>
                   </a:solidFill>
@@ -4833,7 +4833,7 @@
             </a:ln>
             <a:extLst>
               <a:ext uri="{91240B29-F687-4f45-9708-019B960494DF}">
-                <a14:hiddenLine xmlns:a14="http://schemas.microsoft.com/office/drawing/2010/main" xmlns="" w="9525">
+                <a14:hiddenLine xmlns="" xmlns:a14="http://schemas.microsoft.com/office/drawing/2010/main" w="9525">
                   <a:solidFill>
                     <a:srgbClr val="000000"/>
                   </a:solidFill>
@@ -9738,7 +9738,7 @@
           <a:noFill/>
           <a:extLst>
             <a:ext uri="{909E8E84-426E-40dd-AFC4-6F175D3DCCD1}">
-              <a14:hiddenFill xmlns:a14="http://schemas.microsoft.com/office/drawing/2010/main" xmlns="">
+              <a14:hiddenFill xmlns="" xmlns:a14="http://schemas.microsoft.com/office/drawing/2010/main">
                 <a:solidFill>
                   <a:srgbClr val="FFFFFF"/>
                 </a:solidFill>
@@ -9812,7 +9812,7 @@
               </a:ln>
               <a:extLst>
                 <a:ext uri="{91240B29-F687-4f45-9708-019B960494DF}">
-                  <a14:hiddenLine xmlns:a14="http://schemas.microsoft.com/office/drawing/2010/main" xmlns="" w="9525">
+                  <a14:hiddenLine xmlns="" xmlns:a14="http://schemas.microsoft.com/office/drawing/2010/main" w="9525">
                     <a:solidFill>
                       <a:srgbClr val="000000"/>
                     </a:solidFill>
@@ -9902,7 +9902,7 @@
               </a:ln>
               <a:extLst>
                 <a:ext uri="{91240B29-F687-4f45-9708-019B960494DF}">
-                  <a14:hiddenLine xmlns:a14="http://schemas.microsoft.com/office/drawing/2010/main" xmlns="" w="9525">
+                  <a14:hiddenLine xmlns="" xmlns:a14="http://schemas.microsoft.com/office/drawing/2010/main" w="9525">
                     <a:solidFill>
                       <a:srgbClr val="000000"/>
                     </a:solidFill>
@@ -9992,7 +9992,7 @@
               </a:ln>
               <a:extLst>
                 <a:ext uri="{91240B29-F687-4f45-9708-019B960494DF}">
-                  <a14:hiddenLine xmlns:a14="http://schemas.microsoft.com/office/drawing/2010/main" xmlns="" w="9525">
+                  <a14:hiddenLine xmlns="" xmlns:a14="http://schemas.microsoft.com/office/drawing/2010/main" w="9525">
                     <a:solidFill>
                       <a:srgbClr val="000000"/>
                     </a:solidFill>
@@ -10054,7 +10054,7 @@
               </a:ln>
               <a:extLst>
                 <a:ext uri="{91240B29-F687-4f45-9708-019B960494DF}">
-                  <a14:hiddenLine xmlns:a14="http://schemas.microsoft.com/office/drawing/2010/main" xmlns="" w="9525">
+                  <a14:hiddenLine xmlns="" xmlns:a14="http://schemas.microsoft.com/office/drawing/2010/main" w="9525">
                     <a:solidFill>
                       <a:srgbClr val="000000"/>
                     </a:solidFill>
@@ -10144,7 +10144,7 @@
               </a:ln>
               <a:extLst>
                 <a:ext uri="{91240B29-F687-4f45-9708-019B960494DF}">
-                  <a14:hiddenLine xmlns:a14="http://schemas.microsoft.com/office/drawing/2010/main" xmlns="" w="9525">
+                  <a14:hiddenLine xmlns="" xmlns:a14="http://schemas.microsoft.com/office/drawing/2010/main" w="9525">
                     <a:solidFill>
                       <a:srgbClr val="000000"/>
                     </a:solidFill>
@@ -10206,7 +10206,7 @@
               </a:ln>
               <a:extLst>
                 <a:ext uri="{91240B29-F687-4f45-9708-019B960494DF}">
-                  <a14:hiddenLine xmlns:a14="http://schemas.microsoft.com/office/drawing/2010/main" xmlns="" w="9525">
+                  <a14:hiddenLine xmlns="" xmlns:a14="http://schemas.microsoft.com/office/drawing/2010/main" w="9525">
                     <a:solidFill>
                       <a:srgbClr val="000000"/>
                     </a:solidFill>
@@ -10268,7 +10268,7 @@
               </a:ln>
               <a:extLst>
                 <a:ext uri="{91240B29-F687-4f45-9708-019B960494DF}">
-                  <a14:hiddenLine xmlns:a14="http://schemas.microsoft.com/office/drawing/2010/main" xmlns="" w="9525">
+                  <a14:hiddenLine xmlns="" xmlns:a14="http://schemas.microsoft.com/office/drawing/2010/main" w="9525">
                     <a:solidFill>
                       <a:srgbClr val="000000"/>
                     </a:solidFill>
@@ -10358,7 +10358,7 @@
               </a:ln>
               <a:extLst>
                 <a:ext uri="{91240B29-F687-4f45-9708-019B960494DF}">
-                  <a14:hiddenLine xmlns:a14="http://schemas.microsoft.com/office/drawing/2010/main" xmlns="" w="9525">
+                  <a14:hiddenLine xmlns="" xmlns:a14="http://schemas.microsoft.com/office/drawing/2010/main" w="9525">
                     <a:solidFill>
                       <a:srgbClr val="000000"/>
                     </a:solidFill>
@@ -10448,7 +10448,7 @@
               </a:ln>
               <a:extLst>
                 <a:ext uri="{91240B29-F687-4f45-9708-019B960494DF}">
-                  <a14:hiddenLine xmlns:a14="http://schemas.microsoft.com/office/drawing/2010/main" xmlns="" w="9525">
+                  <a14:hiddenLine xmlns="" xmlns:a14="http://schemas.microsoft.com/office/drawing/2010/main" w="9525">
                     <a:solidFill>
                       <a:srgbClr val="000000"/>
                     </a:solidFill>
@@ -10510,7 +10510,7 @@
               </a:ln>
               <a:extLst>
                 <a:ext uri="{91240B29-F687-4f45-9708-019B960494DF}">
-                  <a14:hiddenLine xmlns:a14="http://schemas.microsoft.com/office/drawing/2010/main" xmlns="" w="9525">
+                  <a14:hiddenLine xmlns="" xmlns:a14="http://schemas.microsoft.com/office/drawing/2010/main" w="9525">
                     <a:solidFill>
                       <a:srgbClr val="000000"/>
                     </a:solidFill>
@@ -10620,7 +10620,7 @@
               </a:ln>
               <a:extLst>
                 <a:ext uri="{91240B29-F687-4f45-9708-019B960494DF}">
-                  <a14:hiddenLine xmlns:a14="http://schemas.microsoft.com/office/drawing/2010/main" xmlns="" w="9525">
+                  <a14:hiddenLine xmlns="" xmlns:a14="http://schemas.microsoft.com/office/drawing/2010/main" w="9525">
                     <a:solidFill>
                       <a:srgbClr val="000000"/>
                     </a:solidFill>
@@ -10704,7 +10704,7 @@
               </a:ln>
               <a:extLst>
                 <a:ext uri="{91240B29-F687-4f45-9708-019B960494DF}">
-                  <a14:hiddenLine xmlns:a14="http://schemas.microsoft.com/office/drawing/2010/main" xmlns="" w="9525">
+                  <a14:hiddenLine xmlns="" xmlns:a14="http://schemas.microsoft.com/office/drawing/2010/main" w="9525">
                     <a:solidFill>
                       <a:srgbClr val="000000"/>
                     </a:solidFill>
@@ -10766,7 +10766,7 @@
               </a:ln>
               <a:extLst>
                 <a:ext uri="{91240B29-F687-4f45-9708-019B960494DF}">
-                  <a14:hiddenLine xmlns:a14="http://schemas.microsoft.com/office/drawing/2010/main" xmlns="" w="9525">
+                  <a14:hiddenLine xmlns="" xmlns:a14="http://schemas.microsoft.com/office/drawing/2010/main" w="9525">
                     <a:solidFill>
                       <a:srgbClr val="000000"/>
                     </a:solidFill>
@@ -10828,7 +10828,7 @@
               </a:ln>
               <a:extLst>
                 <a:ext uri="{91240B29-F687-4f45-9708-019B960494DF}">
-                  <a14:hiddenLine xmlns:a14="http://schemas.microsoft.com/office/drawing/2010/main" xmlns="" w="9525">
+                  <a14:hiddenLine xmlns="" xmlns:a14="http://schemas.microsoft.com/office/drawing/2010/main" w="9525">
                     <a:solidFill>
                       <a:srgbClr val="000000"/>
                     </a:solidFill>
@@ -10918,7 +10918,7 @@
               </a:ln>
               <a:extLst>
                 <a:ext uri="{91240B29-F687-4f45-9708-019B960494DF}">
-                  <a14:hiddenLine xmlns:a14="http://schemas.microsoft.com/office/drawing/2010/main" xmlns="" w="9525">
+                  <a14:hiddenLine xmlns="" xmlns:a14="http://schemas.microsoft.com/office/drawing/2010/main" w="9525">
                     <a:solidFill>
                       <a:srgbClr val="000000"/>
                     </a:solidFill>
@@ -10952,7 +10952,7 @@
               </a:ln>
               <a:extLst>
                 <a:ext uri="{91240B29-F687-4f45-9708-019B960494DF}">
-                  <a14:hiddenLine xmlns:a14="http://schemas.microsoft.com/office/drawing/2010/main" xmlns="" w="9525">
+                  <a14:hiddenLine xmlns="" xmlns:a14="http://schemas.microsoft.com/office/drawing/2010/main" w="9525">
                     <a:solidFill>
                       <a:srgbClr val="000000"/>
                     </a:solidFill>
@@ -11017,7 +11017,7 @@
               </a:ln>
               <a:extLst>
                 <a:ext uri="{91240B29-F687-4f45-9708-019B960494DF}">
-                  <a14:hiddenLine xmlns:a14="http://schemas.microsoft.com/office/drawing/2010/main" xmlns="" w="9525">
+                  <a14:hiddenLine xmlns="" xmlns:a14="http://schemas.microsoft.com/office/drawing/2010/main" w="9525">
                     <a:solidFill>
                       <a:srgbClr val="000000"/>
                     </a:solidFill>
@@ -11107,7 +11107,7 @@
               </a:ln>
               <a:extLst>
                 <a:ext uri="{91240B29-F687-4f45-9708-019B960494DF}">
-                  <a14:hiddenLine xmlns:a14="http://schemas.microsoft.com/office/drawing/2010/main" xmlns="" w="9525">
+                  <a14:hiddenLine xmlns="" xmlns:a14="http://schemas.microsoft.com/office/drawing/2010/main" w="9525">
                     <a:solidFill>
                       <a:srgbClr val="000000"/>
                     </a:solidFill>
@@ -11169,7 +11169,7 @@
               </a:ln>
               <a:extLst>
                 <a:ext uri="{91240B29-F687-4f45-9708-019B960494DF}">
-                  <a14:hiddenLine xmlns:a14="http://schemas.microsoft.com/office/drawing/2010/main" xmlns="" w="9525">
+                  <a14:hiddenLine xmlns="" xmlns:a14="http://schemas.microsoft.com/office/drawing/2010/main" w="9525">
                     <a:solidFill>
                       <a:srgbClr val="000000"/>
                     </a:solidFill>
@@ -11259,7 +11259,7 @@
               </a:ln>
               <a:extLst>
                 <a:ext uri="{91240B29-F687-4f45-9708-019B960494DF}">
-                  <a14:hiddenLine xmlns:a14="http://schemas.microsoft.com/office/drawing/2010/main" xmlns="" w="9525">
+                  <a14:hiddenLine xmlns="" xmlns:a14="http://schemas.microsoft.com/office/drawing/2010/main" w="9525">
                     <a:solidFill>
                       <a:srgbClr val="000000"/>
                     </a:solidFill>
@@ -11324,7 +11324,7 @@
               </a:ln>
               <a:extLst>
                 <a:ext uri="{91240B29-F687-4f45-9708-019B960494DF}">
-                  <a14:hiddenLine xmlns:a14="http://schemas.microsoft.com/office/drawing/2010/main" xmlns="" w="9525">
+                  <a14:hiddenLine xmlns="" xmlns:a14="http://schemas.microsoft.com/office/drawing/2010/main" w="9525">
                     <a:solidFill>
                       <a:srgbClr val="000000"/>
                     </a:solidFill>
@@ -11386,7 +11386,7 @@
               </a:ln>
               <a:extLst>
                 <a:ext uri="{91240B29-F687-4f45-9708-019B960494DF}">
-                  <a14:hiddenLine xmlns:a14="http://schemas.microsoft.com/office/drawing/2010/main" xmlns="" w="9525">
+                  <a14:hiddenLine xmlns="" xmlns:a14="http://schemas.microsoft.com/office/drawing/2010/main" w="9525">
                     <a:solidFill>
                       <a:srgbClr val="000000"/>
                     </a:solidFill>
@@ -11476,7 +11476,7 @@
               </a:ln>
               <a:extLst>
                 <a:ext uri="{91240B29-F687-4f45-9708-019B960494DF}">
-                  <a14:hiddenLine xmlns:a14="http://schemas.microsoft.com/office/drawing/2010/main" xmlns="" w="9525">
+                  <a14:hiddenLine xmlns="" xmlns:a14="http://schemas.microsoft.com/office/drawing/2010/main" w="9525">
                     <a:solidFill>
                       <a:srgbClr val="000000"/>
                     </a:solidFill>
@@ -11566,7 +11566,7 @@
               </a:ln>
               <a:extLst>
                 <a:ext uri="{91240B29-F687-4f45-9708-019B960494DF}">
-                  <a14:hiddenLine xmlns:a14="http://schemas.microsoft.com/office/drawing/2010/main" xmlns="" w="9525">
+                  <a14:hiddenLine xmlns="" xmlns:a14="http://schemas.microsoft.com/office/drawing/2010/main" w="9525">
                     <a:solidFill>
                       <a:srgbClr val="000000"/>
                     </a:solidFill>
@@ -11631,7 +11631,7 @@
               </a:ln>
               <a:extLst>
                 <a:ext uri="{91240B29-F687-4f45-9708-019B960494DF}">
-                  <a14:hiddenLine xmlns:a14="http://schemas.microsoft.com/office/drawing/2010/main" xmlns="" w="9525">
+                  <a14:hiddenLine xmlns="" xmlns:a14="http://schemas.microsoft.com/office/drawing/2010/main" w="9525">
                     <a:solidFill>
                       <a:srgbClr val="000000"/>
                     </a:solidFill>
@@ -11751,7 +11751,7 @@
               </a:ln>
               <a:extLst>
                 <a:ext uri="{91240B29-F687-4f45-9708-019B960494DF}">
-                  <a14:hiddenLine xmlns:a14="http://schemas.microsoft.com/office/drawing/2010/main" xmlns="" w="9525">
+                  <a14:hiddenLine xmlns="" xmlns:a14="http://schemas.microsoft.com/office/drawing/2010/main" w="9525">
                     <a:solidFill>
                       <a:srgbClr val="000000"/>
                     </a:solidFill>
@@ -11849,7 +11849,7 @@
               </a:ln>
               <a:extLst>
                 <a:ext uri="{91240B29-F687-4f45-9708-019B960494DF}">
-                  <a14:hiddenLine xmlns:a14="http://schemas.microsoft.com/office/drawing/2010/main" xmlns="" w="9525">
+                  <a14:hiddenLine xmlns="" xmlns:a14="http://schemas.microsoft.com/office/drawing/2010/main" w="9525">
                     <a:solidFill>
                       <a:srgbClr val="000000"/>
                     </a:solidFill>
@@ -11964,7 +11964,7 @@
               </a:ln>
               <a:extLst>
                 <a:ext uri="{91240B29-F687-4f45-9708-019B960494DF}">
-                  <a14:hiddenLine xmlns:a14="http://schemas.microsoft.com/office/drawing/2010/main" xmlns="" w="9525">
+                  <a14:hiddenLine xmlns="" xmlns:a14="http://schemas.microsoft.com/office/drawing/2010/main" w="9525">
                     <a:solidFill>
                       <a:srgbClr val="000000"/>
                     </a:solidFill>
@@ -12054,7 +12054,7 @@
               </a:ln>
               <a:extLst>
                 <a:ext uri="{91240B29-F687-4f45-9708-019B960494DF}">
-                  <a14:hiddenLine xmlns:a14="http://schemas.microsoft.com/office/drawing/2010/main" xmlns="" w="9525">
+                  <a14:hiddenLine xmlns="" xmlns:a14="http://schemas.microsoft.com/office/drawing/2010/main" w="9525">
                     <a:solidFill>
                       <a:srgbClr val="000000"/>
                     </a:solidFill>
@@ -12119,7 +12119,7 @@
               </a:ln>
               <a:extLst>
                 <a:ext uri="{91240B29-F687-4f45-9708-019B960494DF}">
-                  <a14:hiddenLine xmlns:a14="http://schemas.microsoft.com/office/drawing/2010/main" xmlns="" w="9525">
+                  <a14:hiddenLine xmlns="" xmlns:a14="http://schemas.microsoft.com/office/drawing/2010/main" w="9525">
                     <a:solidFill>
                       <a:srgbClr val="000000"/>
                     </a:solidFill>
@@ -12209,7 +12209,7 @@
               </a:ln>
               <a:extLst>
                 <a:ext uri="{91240B29-F687-4f45-9708-019B960494DF}">
-                  <a14:hiddenLine xmlns:a14="http://schemas.microsoft.com/office/drawing/2010/main" xmlns="" w="9525">
+                  <a14:hiddenLine xmlns="" xmlns:a14="http://schemas.microsoft.com/office/drawing/2010/main" w="9525">
                     <a:solidFill>
                       <a:srgbClr val="000000"/>
                     </a:solidFill>
@@ -12277,7 +12277,7 @@
               </a:ln>
               <a:extLst>
                 <a:ext uri="{91240B29-F687-4f45-9708-019B960494DF}">
-                  <a14:hiddenLine xmlns:a14="http://schemas.microsoft.com/office/drawing/2010/main" xmlns="" w="9525">
+                  <a14:hiddenLine xmlns="" xmlns:a14="http://schemas.microsoft.com/office/drawing/2010/main" w="9525">
                     <a:solidFill>
                       <a:srgbClr val="000000"/>
                     </a:solidFill>
@@ -12367,7 +12367,7 @@
               </a:ln>
               <a:extLst>
                 <a:ext uri="{91240B29-F687-4f45-9708-019B960494DF}">
-                  <a14:hiddenLine xmlns:a14="http://schemas.microsoft.com/office/drawing/2010/main" xmlns="" w="9525">
+                  <a14:hiddenLine xmlns="" xmlns:a14="http://schemas.microsoft.com/office/drawing/2010/main" w="9525">
                     <a:solidFill>
                       <a:srgbClr val="000000"/>
                     </a:solidFill>
@@ -12435,7 +12435,7 @@
               </a:ln>
               <a:extLst>
                 <a:ext uri="{91240B29-F687-4f45-9708-019B960494DF}">
-                  <a14:hiddenLine xmlns:a14="http://schemas.microsoft.com/office/drawing/2010/main" xmlns="" w="9525">
+                  <a14:hiddenLine xmlns="" xmlns:a14="http://schemas.microsoft.com/office/drawing/2010/main" w="9525">
                     <a:solidFill>
                       <a:srgbClr val="000000"/>
                     </a:solidFill>
@@ -12525,7 +12525,7 @@
               </a:ln>
               <a:extLst>
                 <a:ext uri="{91240B29-F687-4f45-9708-019B960494DF}">
-                  <a14:hiddenLine xmlns:a14="http://schemas.microsoft.com/office/drawing/2010/main" xmlns="" w="9525">
+                  <a14:hiddenLine xmlns="" xmlns:a14="http://schemas.microsoft.com/office/drawing/2010/main" w="9525">
                     <a:solidFill>
                       <a:srgbClr val="000000"/>
                     </a:solidFill>
@@ -12559,7 +12559,7 @@
               </a:ln>
               <a:extLst>
                 <a:ext uri="{91240B29-F687-4f45-9708-019B960494DF}">
-                  <a14:hiddenLine xmlns:a14="http://schemas.microsoft.com/office/drawing/2010/main" xmlns="" w="9525">
+                  <a14:hiddenLine xmlns="" xmlns:a14="http://schemas.microsoft.com/office/drawing/2010/main" w="9525">
                     <a:solidFill>
                       <a:srgbClr val="000000"/>
                     </a:solidFill>
@@ -14400,6 +14400,41 @@
           </a:p>
         </p:txBody>
       </p:sp>
+      <p:pic>
+        <p:nvPicPr>
+          <p:cNvPr id="29" name="Elemento grafico 28" descr="Idrante antincendio rotto con riempimento a tinta unita">
+            <a:extLst>
+              <a:ext uri="{FF2B5EF4-FFF2-40B4-BE49-F238E27FC236}">
+                <a16:creationId xmlns:a16="http://schemas.microsoft.com/office/drawing/2014/main" id="{8646750D-EAD6-4DCF-81E4-A03C9C1EC101}"/>
+              </a:ext>
+            </a:extLst>
+          </p:cNvPr>
+          <p:cNvPicPr>
+            <a:picLocks noChangeAspect="1"/>
+          </p:cNvPicPr>
+          <p:nvPr/>
+        </p:nvPicPr>
+        <p:blipFill>
+          <a:blip r:embed="rId29">
+            <a:extLst>
+              <a:ext uri="{96DAC541-7B7A-43D3-8B79-37D633B846F1}">
+                <asvg:svgBlip xmlns:asvg="http://schemas.microsoft.com/office/drawing/2016/SVG/main" r:embed="rId30"/>
+              </a:ext>
+            </a:extLst>
+          </a:blip>
+          <a:srcRect/>
+          <a:stretch/>
+        </p:blipFill>
+        <p:spPr>
+          <a:xfrm>
+            <a:off x="-869791" y="5744747"/>
+            <a:ext cx="720000" cy="720000"/>
+          </a:xfrm>
+          <a:prstGeom prst="rect">
+            <a:avLst/>
+          </a:prstGeom>
+        </p:spPr>
+      </p:pic>
     </p:spTree>
     <p:extLst>
       <p:ext uri="{BB962C8B-B14F-4D97-AF65-F5344CB8AC3E}">
@@ -17333,6 +17368,41 @@
           </a:p>
         </p:txBody>
       </p:sp>
+      <p:pic>
+        <p:nvPicPr>
+          <p:cNvPr id="27" name="Elemento grafico 26" descr="Idrante antincendio rotto con riempimento a tinta unita">
+            <a:extLst>
+              <a:ext uri="{FF2B5EF4-FFF2-40B4-BE49-F238E27FC236}">
+                <a16:creationId xmlns:a16="http://schemas.microsoft.com/office/drawing/2014/main" id="{C5D1D819-8E3F-4F37-A3D9-B9A18687EBC7}"/>
+              </a:ext>
+            </a:extLst>
+          </p:cNvPr>
+          <p:cNvPicPr>
+            <a:picLocks noChangeAspect="1"/>
+          </p:cNvPicPr>
+          <p:nvPr/>
+        </p:nvPicPr>
+        <p:blipFill>
+          <a:blip r:embed="rId28">
+            <a:extLst>
+              <a:ext uri="{96DAC541-7B7A-43D3-8B79-37D633B846F1}">
+                <asvg:svgBlip xmlns:asvg="http://schemas.microsoft.com/office/drawing/2016/SVG/main" r:embed="rId29"/>
+              </a:ext>
+            </a:extLst>
+          </a:blip>
+          <a:srcRect/>
+          <a:stretch/>
+        </p:blipFill>
+        <p:spPr>
+          <a:xfrm>
+            <a:off x="-869791" y="5744747"/>
+            <a:ext cx="720000" cy="720000"/>
+          </a:xfrm>
+          <a:prstGeom prst="rect">
+            <a:avLst/>
+          </a:prstGeom>
+        </p:spPr>
+      </p:pic>
     </p:spTree>
     <p:extLst>
       <p:ext uri="{BB962C8B-B14F-4D97-AF65-F5344CB8AC3E}">
@@ -18557,6 +18627,41 @@
           </a:p>
         </p:txBody>
       </p:sp>
+      <p:pic>
+        <p:nvPicPr>
+          <p:cNvPr id="32" name="Elemento grafico 31" descr="Idrante antincendio rotto con riempimento a tinta unita">
+            <a:extLst>
+              <a:ext uri="{FF2B5EF4-FFF2-40B4-BE49-F238E27FC236}">
+                <a16:creationId xmlns:a16="http://schemas.microsoft.com/office/drawing/2014/main" id="{07A94852-5017-4CC7-A420-5B2C252CAF6A}"/>
+              </a:ext>
+            </a:extLst>
+          </p:cNvPr>
+          <p:cNvPicPr>
+            <a:picLocks noChangeAspect="1"/>
+          </p:cNvPicPr>
+          <p:nvPr/>
+        </p:nvPicPr>
+        <p:blipFill>
+          <a:blip r:embed="rId28">
+            <a:extLst>
+              <a:ext uri="{96DAC541-7B7A-43D3-8B79-37D633B846F1}">
+                <asvg:svgBlip xmlns:asvg="http://schemas.microsoft.com/office/drawing/2016/SVG/main" r:embed="rId29"/>
+              </a:ext>
+            </a:extLst>
+          </a:blip>
+          <a:srcRect/>
+          <a:stretch/>
+        </p:blipFill>
+        <p:spPr>
+          <a:xfrm>
+            <a:off x="-869791" y="5744747"/>
+            <a:ext cx="720000" cy="720000"/>
+          </a:xfrm>
+          <a:prstGeom prst="rect">
+            <a:avLst/>
+          </a:prstGeom>
+        </p:spPr>
+      </p:pic>
     </p:spTree>
     <p:extLst>
       <p:ext uri="{BB962C8B-B14F-4D97-AF65-F5344CB8AC3E}">
@@ -19804,6 +19909,41 @@
           </a:p>
         </p:txBody>
       </p:sp>
+      <p:pic>
+        <p:nvPicPr>
+          <p:cNvPr id="30" name="Elemento grafico 29" descr="Idrante antincendio rotto con riempimento a tinta unita">
+            <a:extLst>
+              <a:ext uri="{FF2B5EF4-FFF2-40B4-BE49-F238E27FC236}">
+                <a16:creationId xmlns:a16="http://schemas.microsoft.com/office/drawing/2014/main" id="{1A09BB6D-917A-4B0D-92A1-832A3598801C}"/>
+              </a:ext>
+            </a:extLst>
+          </p:cNvPr>
+          <p:cNvPicPr>
+            <a:picLocks noChangeAspect="1"/>
+          </p:cNvPicPr>
+          <p:nvPr/>
+        </p:nvPicPr>
+        <p:blipFill>
+          <a:blip r:embed="rId28">
+            <a:extLst>
+              <a:ext uri="{96DAC541-7B7A-43D3-8B79-37D633B846F1}">
+                <asvg:svgBlip xmlns:asvg="http://schemas.microsoft.com/office/drawing/2016/SVG/main" r:embed="rId29"/>
+              </a:ext>
+            </a:extLst>
+          </a:blip>
+          <a:srcRect/>
+          <a:stretch/>
+        </p:blipFill>
+        <p:spPr>
+          <a:xfrm>
+            <a:off x="-869791" y="5744747"/>
+            <a:ext cx="720000" cy="720000"/>
+          </a:xfrm>
+          <a:prstGeom prst="rect">
+            <a:avLst/>
+          </a:prstGeom>
+        </p:spPr>
+      </p:pic>
     </p:spTree>
     <p:extLst>
       <p:ext uri="{BB962C8B-B14F-4D97-AF65-F5344CB8AC3E}">
@@ -21081,6 +21221,41 @@
           </a:p>
         </p:txBody>
       </p:sp>
+      <p:pic>
+        <p:nvPicPr>
+          <p:cNvPr id="31" name="Elemento grafico 30" descr="Idrante antincendio rotto con riempimento a tinta unita">
+            <a:extLst>
+              <a:ext uri="{FF2B5EF4-FFF2-40B4-BE49-F238E27FC236}">
+                <a16:creationId xmlns:a16="http://schemas.microsoft.com/office/drawing/2014/main" id="{015F62F2-753F-491A-90CD-3DBE0DE848DD}"/>
+              </a:ext>
+            </a:extLst>
+          </p:cNvPr>
+          <p:cNvPicPr>
+            <a:picLocks noChangeAspect="1"/>
+          </p:cNvPicPr>
+          <p:nvPr/>
+        </p:nvPicPr>
+        <p:blipFill>
+          <a:blip r:embed="rId29">
+            <a:extLst>
+              <a:ext uri="{96DAC541-7B7A-43D3-8B79-37D633B846F1}">
+                <asvg:svgBlip xmlns:asvg="http://schemas.microsoft.com/office/drawing/2016/SVG/main" r:embed="rId30"/>
+              </a:ext>
+            </a:extLst>
+          </a:blip>
+          <a:srcRect/>
+          <a:stretch/>
+        </p:blipFill>
+        <p:spPr>
+          <a:xfrm>
+            <a:off x="-869791" y="5744747"/>
+            <a:ext cx="720000" cy="720000"/>
+          </a:xfrm>
+          <a:prstGeom prst="rect">
+            <a:avLst/>
+          </a:prstGeom>
+        </p:spPr>
+      </p:pic>
     </p:spTree>
     <p:extLst>
       <p:ext uri="{BB962C8B-B14F-4D97-AF65-F5344CB8AC3E}">
@@ -23487,6 +23662,21 @@
 </file>
 
 <file path=customXml/item1.xml><?xml version="1.0" encoding="utf-8"?>
+<p:properties xmlns:p="http://schemas.microsoft.com/office/2006/metadata/properties" xmlns:xsi="http://www.w3.org/2001/XMLSchema-instance" xmlns:pc="http://schemas.microsoft.com/office/infopath/2007/PartnerControls">
+  <documentManagement/>
+</p:properties>
+</file>
+
+<file path=customXml/item2.xml><?xml version="1.0" encoding="utf-8"?>
+<?mso-contentType ?>
+<FormTemplates xmlns="http://schemas.microsoft.com/sharepoint/v3/contenttype/forms">
+  <Display>DocumentLibraryForm</Display>
+  <Edit>DocumentLibraryForm</Edit>
+  <New>DocumentLibraryForm</New>
+</FormTemplates>
+</file>
+
+<file path=customXml/item3.xml><?xml version="1.0" encoding="utf-8"?>
 <ct:contentTypeSchema xmlns:ct="http://schemas.microsoft.com/office/2006/metadata/contentType" xmlns:ma="http://schemas.microsoft.com/office/2006/metadata/properties/metaAttributes" ct:_="" ma:_="" ma:contentTypeName="Document" ma:contentTypeID="0x010100F6544C1E39CC704E9B655547C2A8EEA9" ma:contentTypeVersion="2" ma:contentTypeDescription="Create a new document." ma:contentTypeScope="" ma:versionID="3fe2086bbb13892a04151ef672109fb5">
   <xsd:schema xmlns:xsd="http://www.w3.org/2001/XMLSchema" xmlns:xs="http://www.w3.org/2001/XMLSchema" xmlns:p="http://schemas.microsoft.com/office/2006/metadata/properties" xmlns:ns3="b4ea0a96-3951-4160-baca-c74dadb8c17f" targetNamespace="http://schemas.microsoft.com/office/2006/metadata/properties" ma:root="true" ma:fieldsID="00c6c909f9b37d6c43d157d3aea4a463" ns3:_="">
     <xsd:import namespace="b4ea0a96-3951-4160-baca-c74dadb8c17f"/>
@@ -23618,22 +23808,31 @@
 </ct:contentTypeSchema>
 </file>
 
-<file path=customXml/item2.xml><?xml version="1.0" encoding="utf-8"?>
-<?mso-contentType ?>
-<FormTemplates xmlns="http://schemas.microsoft.com/sharepoint/v3/contenttype/forms">
-  <Display>DocumentLibraryForm</Display>
-  <Edit>DocumentLibraryForm</Edit>
-  <New>DocumentLibraryForm</New>
-</FormTemplates>
+<file path=customXml/itemProps1.xml><?xml version="1.0" encoding="utf-8"?>
+<ds:datastoreItem xmlns:ds="http://schemas.openxmlformats.org/officeDocument/2006/customXml" ds:itemID="{D8463AF2-9ABC-4087-AAED-E5A30A3C4C54}">
+  <ds:schemaRefs>
+    <ds:schemaRef ds:uri="http://schemas.openxmlformats.org/package/2006/metadata/core-properties"/>
+    <ds:schemaRef ds:uri="http://schemas.microsoft.com/office/2006/documentManagement/types"/>
+    <ds:schemaRef ds:uri="http://purl.org/dc/elements/1.1/"/>
+    <ds:schemaRef ds:uri="b4ea0a96-3951-4160-baca-c74dadb8c17f"/>
+    <ds:schemaRef ds:uri="http://schemas.microsoft.com/office/2006/metadata/properties"/>
+    <ds:schemaRef ds:uri="http://www.w3.org/XML/1998/namespace"/>
+    <ds:schemaRef ds:uri="http://purl.org/dc/dcmitype/"/>
+    <ds:schemaRef ds:uri="http://purl.org/dc/terms/"/>
+    <ds:schemaRef ds:uri="http://schemas.microsoft.com/office/infopath/2007/PartnerControls"/>
+  </ds:schemaRefs>
+</ds:datastoreItem>
 </file>
 
-<file path=customXml/item3.xml><?xml version="1.0" encoding="utf-8"?>
-<p:properties xmlns:p="http://schemas.microsoft.com/office/2006/metadata/properties" xmlns:xsi="http://www.w3.org/2001/XMLSchema-instance" xmlns:pc="http://schemas.microsoft.com/office/infopath/2007/PartnerControls">
-  <documentManagement/>
-</p:properties>
+<file path=customXml/itemProps2.xml><?xml version="1.0" encoding="utf-8"?>
+<ds:datastoreItem xmlns:ds="http://schemas.openxmlformats.org/officeDocument/2006/customXml" ds:itemID="{3057252C-AA3B-4053-A64D-51B970623905}">
+  <ds:schemaRefs>
+    <ds:schemaRef ds:uri="http://schemas.microsoft.com/sharepoint/v3/contenttype/forms"/>
+  </ds:schemaRefs>
+</ds:datastoreItem>
 </file>
 
-<file path=customXml/itemProps1.xml><?xml version="1.0" encoding="utf-8"?>
+<file path=customXml/itemProps3.xml><?xml version="1.0" encoding="utf-8"?>
 <ds:datastoreItem xmlns:ds="http://schemas.openxmlformats.org/officeDocument/2006/customXml" ds:itemID="{44ED1FCC-97A6-4B60-A765-2D292F04234A}">
   <ds:schemaRefs>
     <ds:schemaRef ds:uri="http://schemas.microsoft.com/office/2006/metadata/contentType"/>
@@ -23649,28 +23848,4 @@
     <ds:schemaRef ds:uri="http://schemas.microsoft.com/internal/obd"/>
   </ds:schemaRefs>
 </ds:datastoreItem>
-</file>
-
-<file path=customXml/itemProps2.xml><?xml version="1.0" encoding="utf-8"?>
-<ds:datastoreItem xmlns:ds="http://schemas.openxmlformats.org/officeDocument/2006/customXml" ds:itemID="{3057252C-AA3B-4053-A64D-51B970623905}">
-  <ds:schemaRefs>
-    <ds:schemaRef ds:uri="http://schemas.microsoft.com/sharepoint/v3/contenttype/forms"/>
-  </ds:schemaRefs>
-</ds:datastoreItem>
-</file>
-
-<file path=customXml/itemProps3.xml><?xml version="1.0" encoding="utf-8"?>
-<ds:datastoreItem xmlns:ds="http://schemas.openxmlformats.org/officeDocument/2006/customXml" ds:itemID="{D8463AF2-9ABC-4087-AAED-E5A30A3C4C54}">
-  <ds:schemaRefs>
-    <ds:schemaRef ds:uri="http://schemas.openxmlformats.org/package/2006/metadata/core-properties"/>
-    <ds:schemaRef ds:uri="http://schemas.microsoft.com/office/2006/documentManagement/types"/>
-    <ds:schemaRef ds:uri="http://purl.org/dc/elements/1.1/"/>
-    <ds:schemaRef ds:uri="b4ea0a96-3951-4160-baca-c74dadb8c17f"/>
-    <ds:schemaRef ds:uri="http://schemas.microsoft.com/office/2006/metadata/properties"/>
-    <ds:schemaRef ds:uri="http://www.w3.org/XML/1998/namespace"/>
-    <ds:schemaRef ds:uri="http://purl.org/dc/dcmitype/"/>
-    <ds:schemaRef ds:uri="http://purl.org/dc/terms/"/>
-    <ds:schemaRef ds:uri="http://schemas.microsoft.com/office/infopath/2007/PartnerControls"/>
-  </ds:schemaRefs>
-</ds:datastoreItem>
 </file>
--- a/Esercitazione_8/esercitazione8.pptx
+++ b/Esercitazione_8/esercitazione8.pptx
@@ -5,18 +5,19 @@
     <p:sldMasterId id="2147483687" r:id="rId4"/>
   </p:sldMasterIdLst>
   <p:notesMasterIdLst>
-    <p:notesMasterId r:id="rId11"/>
+    <p:notesMasterId r:id="rId12"/>
   </p:notesMasterIdLst>
   <p:handoutMasterIdLst>
-    <p:handoutMasterId r:id="rId12"/>
+    <p:handoutMasterId r:id="rId13"/>
   </p:handoutMasterIdLst>
   <p:sldIdLst>
-    <p:sldId id="329" r:id="rId5"/>
-    <p:sldId id="325" r:id="rId6"/>
-    <p:sldId id="326" r:id="rId7"/>
-    <p:sldId id="327" r:id="rId8"/>
-    <p:sldId id="330" r:id="rId9"/>
-    <p:sldId id="331" r:id="rId10"/>
+    <p:sldId id="312" r:id="rId5"/>
+    <p:sldId id="329" r:id="rId6"/>
+    <p:sldId id="325" r:id="rId7"/>
+    <p:sldId id="326" r:id="rId8"/>
+    <p:sldId id="327" r:id="rId9"/>
+    <p:sldId id="330" r:id="rId10"/>
+    <p:sldId id="331" r:id="rId11"/>
   </p:sldIdLst>
   <p:sldSz cx="12192000" cy="6858000"/>
   <p:notesSz cx="6858000" cy="9144000"/>
@@ -152,7 +153,7 @@
 <file path=ppt/revisionInfo.xml><?xml version="1.0" encoding="utf-8"?>
 <p1510:revInfo xmlns:a="http://schemas.openxmlformats.org/drawingml/2006/main" xmlns:r="http://schemas.openxmlformats.org/officeDocument/2006/relationships" xmlns:p1510="http://schemas.microsoft.com/office/powerpoint/2015/10/main">
   <p1510:revLst>
-    <p1510:client id="{09533034-06E5-47C0-9AA8-04AE353BCB86}" v="59" dt="2021-12-02T21:32:23.909"/>
+    <p1510:client id="{09533034-06E5-47C0-9AA8-04AE353BCB86}" v="72" dt="2021-12-05T10:57:48.855"/>
   </p1510:revLst>
 </p1510:revInfo>
 </file>
@@ -251,7 +252,7 @@
           <a:p>
             <a:fld id="{B55857BA-F4AF-4FDB-9BD7-33CC67AEAE19}" type="datetimeFigureOut">
               <a:rPr lang="it-IT" smtClean="0"/>
-              <a:t>04/12/2021</a:t>
+              <a:t>06/12/2021</a:t>
             </a:fld>
             <a:endParaRPr lang="it-IT"/>
           </a:p>
@@ -429,7 +430,7 @@
           <a:p>
             <a:fld id="{1FCC0C39-E717-4206-B48F-03024D75E04C}" type="datetimeFigureOut">
               <a:rPr lang="it-IT" noProof="0" smtClean="0"/>
-              <a:t>04/12/2021</a:t>
+              <a:t>06/12/2021</a:t>
             </a:fld>
             <a:endParaRPr lang="it-IT" noProof="0"/>
           </a:p>
@@ -747,7 +748,7 @@
           <a:noFill/>
           <a:extLst>
             <a:ext uri="{909E8E84-426E-40dd-AFC4-6F175D3DCCD1}">
-              <a14:hiddenFill xmlns="" xmlns:a14="http://schemas.microsoft.com/office/drawing/2010/main">
+              <a14:hiddenFill xmlns:a14="http://schemas.microsoft.com/office/drawing/2010/main" xmlns="">
                 <a:solidFill>
                   <a:srgbClr val="FFFFFF"/>
                 </a:solidFill>
@@ -807,7 +808,7 @@
             </a:ln>
             <a:extLst>
               <a:ext uri="{91240B29-F687-4f45-9708-019B960494DF}">
-                <a14:hiddenLine xmlns="" xmlns:a14="http://schemas.microsoft.com/office/drawing/2010/main" w="9525">
+                <a14:hiddenLine xmlns:a14="http://schemas.microsoft.com/office/drawing/2010/main" xmlns="" w="9525">
                   <a:solidFill>
                     <a:srgbClr val="000000"/>
                   </a:solidFill>
@@ -897,7 +898,7 @@
             </a:ln>
             <a:extLst>
               <a:ext uri="{91240B29-F687-4f45-9708-019B960494DF}">
-                <a14:hiddenLine xmlns="" xmlns:a14="http://schemas.microsoft.com/office/drawing/2010/main" w="9525">
+                <a14:hiddenLine xmlns:a14="http://schemas.microsoft.com/office/drawing/2010/main" xmlns="" w="9525">
                   <a:solidFill>
                     <a:srgbClr val="000000"/>
                   </a:solidFill>
@@ -987,7 +988,7 @@
             </a:ln>
             <a:extLst>
               <a:ext uri="{91240B29-F687-4f45-9708-019B960494DF}">
-                <a14:hiddenLine xmlns="" xmlns:a14="http://schemas.microsoft.com/office/drawing/2010/main" w="9525">
+                <a14:hiddenLine xmlns:a14="http://schemas.microsoft.com/office/drawing/2010/main" xmlns="" w="9525">
                   <a:solidFill>
                     <a:srgbClr val="000000"/>
                   </a:solidFill>
@@ -1021,7 +1022,7 @@
             </a:ln>
             <a:extLst>
               <a:ext uri="{91240B29-F687-4f45-9708-019B960494DF}">
-                <a14:hiddenLine xmlns="" xmlns:a14="http://schemas.microsoft.com/office/drawing/2010/main" w="9525">
+                <a14:hiddenLine xmlns:a14="http://schemas.microsoft.com/office/drawing/2010/main" xmlns="" w="9525">
                   <a:solidFill>
                     <a:srgbClr val="000000"/>
                   </a:solidFill>
@@ -1111,7 +1112,7 @@
             </a:ln>
             <a:extLst>
               <a:ext uri="{91240B29-F687-4f45-9708-019B960494DF}">
-                <a14:hiddenLine xmlns="" xmlns:a14="http://schemas.microsoft.com/office/drawing/2010/main" w="9525">
+                <a14:hiddenLine xmlns:a14="http://schemas.microsoft.com/office/drawing/2010/main" xmlns="" w="9525">
                   <a:solidFill>
                     <a:srgbClr val="000000"/>
                   </a:solidFill>
@@ -1173,7 +1174,7 @@
             </a:ln>
             <a:extLst>
               <a:ext uri="{91240B29-F687-4f45-9708-019B960494DF}">
-                <a14:hiddenLine xmlns="" xmlns:a14="http://schemas.microsoft.com/office/drawing/2010/main" w="9525">
+                <a14:hiddenLine xmlns:a14="http://schemas.microsoft.com/office/drawing/2010/main" xmlns="" w="9525">
                   <a:solidFill>
                     <a:srgbClr val="000000"/>
                   </a:solidFill>
@@ -1235,7 +1236,7 @@
             </a:ln>
             <a:extLst>
               <a:ext uri="{91240B29-F687-4f45-9708-019B960494DF}">
-                <a14:hiddenLine xmlns="" xmlns:a14="http://schemas.microsoft.com/office/drawing/2010/main" w="9525">
+                <a14:hiddenLine xmlns:a14="http://schemas.microsoft.com/office/drawing/2010/main" xmlns="" w="9525">
                   <a:solidFill>
                     <a:srgbClr val="000000"/>
                   </a:solidFill>
@@ -1325,7 +1326,7 @@
             </a:ln>
             <a:extLst>
               <a:ext uri="{91240B29-F687-4f45-9708-019B960494DF}">
-                <a14:hiddenLine xmlns="" xmlns:a14="http://schemas.microsoft.com/office/drawing/2010/main" w="9525">
+                <a14:hiddenLine xmlns:a14="http://schemas.microsoft.com/office/drawing/2010/main" xmlns="" w="9525">
                   <a:solidFill>
                     <a:srgbClr val="000000"/>
                   </a:solidFill>
@@ -1387,7 +1388,7 @@
             </a:ln>
             <a:extLst>
               <a:ext uri="{91240B29-F687-4f45-9708-019B960494DF}">
-                <a14:hiddenLine xmlns="" xmlns:a14="http://schemas.microsoft.com/office/drawing/2010/main" w="9525">
+                <a14:hiddenLine xmlns:a14="http://schemas.microsoft.com/office/drawing/2010/main" xmlns="" w="9525">
                   <a:solidFill>
                     <a:srgbClr val="000000"/>
                   </a:solidFill>
@@ -1449,7 +1450,7 @@
             </a:ln>
             <a:extLst>
               <a:ext uri="{91240B29-F687-4f45-9708-019B960494DF}">
-                <a14:hiddenLine xmlns="" xmlns:a14="http://schemas.microsoft.com/office/drawing/2010/main" w="9525">
+                <a14:hiddenLine xmlns:a14="http://schemas.microsoft.com/office/drawing/2010/main" xmlns="" w="9525">
                   <a:solidFill>
                     <a:srgbClr val="000000"/>
                   </a:solidFill>
@@ -1539,7 +1540,7 @@
             </a:ln>
             <a:extLst>
               <a:ext uri="{91240B29-F687-4f45-9708-019B960494DF}">
-                <a14:hiddenLine xmlns="" xmlns:a14="http://schemas.microsoft.com/office/drawing/2010/main" w="9525">
+                <a14:hiddenLine xmlns:a14="http://schemas.microsoft.com/office/drawing/2010/main" xmlns="" w="9525">
                   <a:solidFill>
                     <a:srgbClr val="000000"/>
                   </a:solidFill>
@@ -1629,7 +1630,7 @@
             </a:ln>
             <a:extLst>
               <a:ext uri="{91240B29-F687-4f45-9708-019B960494DF}">
-                <a14:hiddenLine xmlns="" xmlns:a14="http://schemas.microsoft.com/office/drawing/2010/main" w="9525">
+                <a14:hiddenLine xmlns:a14="http://schemas.microsoft.com/office/drawing/2010/main" xmlns="" w="9525">
                   <a:solidFill>
                     <a:srgbClr val="000000"/>
                   </a:solidFill>
@@ -1691,7 +1692,7 @@
             </a:ln>
             <a:extLst>
               <a:ext uri="{91240B29-F687-4f45-9708-019B960494DF}">
-                <a14:hiddenLine xmlns="" xmlns:a14="http://schemas.microsoft.com/office/drawing/2010/main" w="9525">
+                <a14:hiddenLine xmlns:a14="http://schemas.microsoft.com/office/drawing/2010/main" xmlns="" w="9525">
                   <a:solidFill>
                     <a:srgbClr val="000000"/>
                   </a:solidFill>
@@ -1801,7 +1802,7 @@
             </a:ln>
             <a:extLst>
               <a:ext uri="{91240B29-F687-4f45-9708-019B960494DF}">
-                <a14:hiddenLine xmlns="" xmlns:a14="http://schemas.microsoft.com/office/drawing/2010/main" w="9525">
+                <a14:hiddenLine xmlns:a14="http://schemas.microsoft.com/office/drawing/2010/main" xmlns="" w="9525">
                   <a:solidFill>
                     <a:srgbClr val="000000"/>
                   </a:solidFill>
@@ -1863,7 +1864,7 @@
             </a:ln>
             <a:extLst>
               <a:ext uri="{91240B29-F687-4f45-9708-019B960494DF}">
-                <a14:hiddenLine xmlns="" xmlns:a14="http://schemas.microsoft.com/office/drawing/2010/main" w="9525">
+                <a14:hiddenLine xmlns:a14="http://schemas.microsoft.com/office/drawing/2010/main" xmlns="" w="9525">
                   <a:solidFill>
                     <a:srgbClr val="000000"/>
                   </a:solidFill>
@@ -1953,7 +1954,7 @@
             </a:ln>
             <a:extLst>
               <a:ext uri="{91240B29-F687-4f45-9708-019B960494DF}">
-                <a14:hiddenLine xmlns="" xmlns:a14="http://schemas.microsoft.com/office/drawing/2010/main" w="9525">
+                <a14:hiddenLine xmlns:a14="http://schemas.microsoft.com/office/drawing/2010/main" xmlns="" w="9525">
                   <a:solidFill>
                     <a:srgbClr val="000000"/>
                   </a:solidFill>
@@ -2043,7 +2044,7 @@
             </a:ln>
             <a:extLst>
               <a:ext uri="{91240B29-F687-4f45-9708-019B960494DF}">
-                <a14:hiddenLine xmlns="" xmlns:a14="http://schemas.microsoft.com/office/drawing/2010/main" w="9525">
+                <a14:hiddenLine xmlns:a14="http://schemas.microsoft.com/office/drawing/2010/main" xmlns="" w="9525">
                   <a:solidFill>
                     <a:srgbClr val="000000"/>
                   </a:solidFill>
@@ -2105,7 +2106,7 @@
             </a:ln>
             <a:extLst>
               <a:ext uri="{91240B29-F687-4f45-9708-019B960494DF}">
-                <a14:hiddenLine xmlns="" xmlns:a14="http://schemas.microsoft.com/office/drawing/2010/main" w="9525">
+                <a14:hiddenLine xmlns:a14="http://schemas.microsoft.com/office/drawing/2010/main" xmlns="" w="9525">
                   <a:solidFill>
                     <a:srgbClr val="000000"/>
                   </a:solidFill>
@@ -2195,7 +2196,7 @@
             </a:ln>
             <a:extLst>
               <a:ext uri="{91240B29-F687-4f45-9708-019B960494DF}">
-                <a14:hiddenLine xmlns="" xmlns:a14="http://schemas.microsoft.com/office/drawing/2010/main" w="9525">
+                <a14:hiddenLine xmlns:a14="http://schemas.microsoft.com/office/drawing/2010/main" xmlns="" w="9525">
                   <a:solidFill>
                     <a:srgbClr val="000000"/>
                   </a:solidFill>
@@ -2285,7 +2286,7 @@
             </a:ln>
             <a:extLst>
               <a:ext uri="{91240B29-F687-4f45-9708-019B960494DF}">
-                <a14:hiddenLine xmlns="" xmlns:a14="http://schemas.microsoft.com/office/drawing/2010/main" w="9525">
+                <a14:hiddenLine xmlns:a14="http://schemas.microsoft.com/office/drawing/2010/main" xmlns="" w="9525">
                   <a:solidFill>
                     <a:srgbClr val="000000"/>
                   </a:solidFill>
@@ -2341,7 +2342,7 @@
             </a:ln>
             <a:extLst>
               <a:ext uri="{91240B29-F687-4f45-9708-019B960494DF}">
-                <a14:hiddenLine xmlns="" xmlns:a14="http://schemas.microsoft.com/office/drawing/2010/main" w="9525">
+                <a14:hiddenLine xmlns:a14="http://schemas.microsoft.com/office/drawing/2010/main" xmlns="" w="9525">
                   <a:solidFill>
                     <a:srgbClr val="000000"/>
                   </a:solidFill>
@@ -2431,7 +2432,7 @@
             </a:ln>
             <a:extLst>
               <a:ext uri="{91240B29-F687-4f45-9708-019B960494DF}">
-                <a14:hiddenLine xmlns="" xmlns:a14="http://schemas.microsoft.com/office/drawing/2010/main" w="9525">
+                <a14:hiddenLine xmlns:a14="http://schemas.microsoft.com/office/drawing/2010/main" xmlns="" w="9525">
                   <a:solidFill>
                     <a:srgbClr val="000000"/>
                   </a:solidFill>
@@ -2487,7 +2488,7 @@
             </a:ln>
             <a:extLst>
               <a:ext uri="{91240B29-F687-4f45-9708-019B960494DF}">
-                <a14:hiddenLine xmlns="" xmlns:a14="http://schemas.microsoft.com/office/drawing/2010/main" w="9525">
+                <a14:hiddenLine xmlns:a14="http://schemas.microsoft.com/office/drawing/2010/main" xmlns="" w="9525">
                   <a:solidFill>
                     <a:srgbClr val="000000"/>
                   </a:solidFill>
@@ -2577,7 +2578,7 @@
             </a:ln>
             <a:extLst>
               <a:ext uri="{91240B29-F687-4f45-9708-019B960494DF}">
-                <a14:hiddenLine xmlns="" xmlns:a14="http://schemas.microsoft.com/office/drawing/2010/main" w="9525">
+                <a14:hiddenLine xmlns:a14="http://schemas.microsoft.com/office/drawing/2010/main" xmlns="" w="9525">
                   <a:solidFill>
                     <a:srgbClr val="000000"/>
                   </a:solidFill>
@@ -2645,7 +2646,7 @@
             </a:ln>
             <a:extLst>
               <a:ext uri="{91240B29-F687-4f45-9708-019B960494DF}">
-                <a14:hiddenLine xmlns="" xmlns:a14="http://schemas.microsoft.com/office/drawing/2010/main" w="9525">
+                <a14:hiddenLine xmlns:a14="http://schemas.microsoft.com/office/drawing/2010/main" xmlns="" w="9525">
                   <a:solidFill>
                     <a:srgbClr val="000000"/>
                   </a:solidFill>
@@ -2735,7 +2736,7 @@
             </a:ln>
             <a:extLst>
               <a:ext uri="{91240B29-F687-4f45-9708-019B960494DF}">
-                <a14:hiddenLine xmlns="" xmlns:a14="http://schemas.microsoft.com/office/drawing/2010/main" w="9525">
+                <a14:hiddenLine xmlns:a14="http://schemas.microsoft.com/office/drawing/2010/main" xmlns="" w="9525">
                   <a:solidFill>
                     <a:srgbClr val="000000"/>
                   </a:solidFill>
@@ -2803,7 +2804,7 @@
             </a:ln>
             <a:extLst>
               <a:ext uri="{91240B29-F687-4f45-9708-019B960494DF}">
-                <a14:hiddenLine xmlns="" xmlns:a14="http://schemas.microsoft.com/office/drawing/2010/main" w="9525">
+                <a14:hiddenLine xmlns:a14="http://schemas.microsoft.com/office/drawing/2010/main" xmlns="" w="9525">
                   <a:solidFill>
                     <a:srgbClr val="000000"/>
                   </a:solidFill>
@@ -2893,7 +2894,7 @@
             </a:ln>
             <a:extLst>
               <a:ext uri="{91240B29-F687-4f45-9708-019B960494DF}">
-                <a14:hiddenLine xmlns="" xmlns:a14="http://schemas.microsoft.com/office/drawing/2010/main" w="9525">
+                <a14:hiddenLine xmlns:a14="http://schemas.microsoft.com/office/drawing/2010/main" xmlns="" w="9525">
                   <a:solidFill>
                     <a:srgbClr val="000000"/>
                   </a:solidFill>
@@ -2927,7 +2928,7 @@
             </a:ln>
             <a:extLst>
               <a:ext uri="{91240B29-F687-4f45-9708-019B960494DF}">
-                <a14:hiddenLine xmlns="" xmlns:a14="http://schemas.microsoft.com/office/drawing/2010/main" w="9525">
+                <a14:hiddenLine xmlns:a14="http://schemas.microsoft.com/office/drawing/2010/main" xmlns="" w="9525">
                   <a:solidFill>
                     <a:srgbClr val="000000"/>
                   </a:solidFill>
@@ -3017,7 +3018,7 @@
             </a:ln>
             <a:extLst>
               <a:ext uri="{91240B29-F687-4f45-9708-019B960494DF}">
-                <a14:hiddenLine xmlns="" xmlns:a14="http://schemas.microsoft.com/office/drawing/2010/main" w="9525">
+                <a14:hiddenLine xmlns:a14="http://schemas.microsoft.com/office/drawing/2010/main" xmlns="" w="9525">
                   <a:solidFill>
                     <a:srgbClr val="000000"/>
                   </a:solidFill>
@@ -3079,7 +3080,7 @@
             </a:ln>
             <a:extLst>
               <a:ext uri="{91240B29-F687-4f45-9708-019B960494DF}">
-                <a14:hiddenLine xmlns="" xmlns:a14="http://schemas.microsoft.com/office/drawing/2010/main" w="9525">
+                <a14:hiddenLine xmlns:a14="http://schemas.microsoft.com/office/drawing/2010/main" xmlns="" w="9525">
                   <a:solidFill>
                     <a:srgbClr val="000000"/>
                   </a:solidFill>
@@ -3141,7 +3142,7 @@
             </a:ln>
             <a:extLst>
               <a:ext uri="{91240B29-F687-4f45-9708-019B960494DF}">
-                <a14:hiddenLine xmlns="" xmlns:a14="http://schemas.microsoft.com/office/drawing/2010/main" w="9525">
+                <a14:hiddenLine xmlns:a14="http://schemas.microsoft.com/office/drawing/2010/main" xmlns="" w="9525">
                   <a:solidFill>
                     <a:srgbClr val="000000"/>
                   </a:solidFill>
@@ -3231,7 +3232,7 @@
             </a:ln>
             <a:extLst>
               <a:ext uri="{91240B29-F687-4f45-9708-019B960494DF}">
-                <a14:hiddenLine xmlns="" xmlns:a14="http://schemas.microsoft.com/office/drawing/2010/main" w="9525">
+                <a14:hiddenLine xmlns:a14="http://schemas.microsoft.com/office/drawing/2010/main" xmlns="" w="9525">
                   <a:solidFill>
                     <a:srgbClr val="000000"/>
                   </a:solidFill>
@@ -3299,7 +3300,7 @@
             </a:ln>
             <a:extLst>
               <a:ext uri="{91240B29-F687-4f45-9708-019B960494DF}">
-                <a14:hiddenLine xmlns="" xmlns:a14="http://schemas.microsoft.com/office/drawing/2010/main" w="9525">
+                <a14:hiddenLine xmlns:a14="http://schemas.microsoft.com/office/drawing/2010/main" xmlns="" w="9525">
                   <a:solidFill>
                     <a:srgbClr val="000000"/>
                   </a:solidFill>
@@ -3361,7 +3362,7 @@
             </a:ln>
             <a:extLst>
               <a:ext uri="{91240B29-F687-4f45-9708-019B960494DF}">
-                <a14:hiddenLine xmlns="" xmlns:a14="http://schemas.microsoft.com/office/drawing/2010/main" w="9525">
+                <a14:hiddenLine xmlns:a14="http://schemas.microsoft.com/office/drawing/2010/main" xmlns="" w="9525">
                   <a:solidFill>
                     <a:srgbClr val="000000"/>
                   </a:solidFill>
@@ -3451,7 +3452,7 @@
             </a:ln>
             <a:extLst>
               <a:ext uri="{91240B29-F687-4f45-9708-019B960494DF}">
-                <a14:hiddenLine xmlns="" xmlns:a14="http://schemas.microsoft.com/office/drawing/2010/main" w="9525">
+                <a14:hiddenLine xmlns:a14="http://schemas.microsoft.com/office/drawing/2010/main" xmlns="" w="9525">
                   <a:solidFill>
                     <a:srgbClr val="000000"/>
                   </a:solidFill>
@@ -3513,7 +3514,7 @@
             </a:ln>
             <a:extLst>
               <a:ext uri="{91240B29-F687-4f45-9708-019B960494DF}">
-                <a14:hiddenLine xmlns="" xmlns:a14="http://schemas.microsoft.com/office/drawing/2010/main" w="9525">
+                <a14:hiddenLine xmlns:a14="http://schemas.microsoft.com/office/drawing/2010/main" xmlns="" w="9525">
                   <a:solidFill>
                     <a:srgbClr val="000000"/>
                   </a:solidFill>
@@ -3603,7 +3604,7 @@
             </a:ln>
             <a:extLst>
               <a:ext uri="{91240B29-F687-4f45-9708-019B960494DF}">
-                <a14:hiddenLine xmlns="" xmlns:a14="http://schemas.microsoft.com/office/drawing/2010/main" w="9525">
+                <a14:hiddenLine xmlns:a14="http://schemas.microsoft.com/office/drawing/2010/main" xmlns="" w="9525">
                   <a:solidFill>
                     <a:srgbClr val="000000"/>
                   </a:solidFill>
@@ -3665,7 +3666,7 @@
             </a:ln>
             <a:extLst>
               <a:ext uri="{91240B29-F687-4f45-9708-019B960494DF}">
-                <a14:hiddenLine xmlns="" xmlns:a14="http://schemas.microsoft.com/office/drawing/2010/main" w="9525">
+                <a14:hiddenLine xmlns:a14="http://schemas.microsoft.com/office/drawing/2010/main" xmlns="" w="9525">
                   <a:solidFill>
                     <a:srgbClr val="000000"/>
                   </a:solidFill>
@@ -3755,7 +3756,7 @@
             </a:ln>
             <a:extLst>
               <a:ext uri="{91240B29-F687-4f45-9708-019B960494DF}">
-                <a14:hiddenLine xmlns="" xmlns:a14="http://schemas.microsoft.com/office/drawing/2010/main" w="9525">
+                <a14:hiddenLine xmlns:a14="http://schemas.microsoft.com/office/drawing/2010/main" xmlns="" w="9525">
                   <a:solidFill>
                     <a:srgbClr val="000000"/>
                   </a:solidFill>
@@ -3789,7 +3790,7 @@
             </a:ln>
             <a:extLst>
               <a:ext uri="{91240B29-F687-4f45-9708-019B960494DF}">
-                <a14:hiddenLine xmlns="" xmlns:a14="http://schemas.microsoft.com/office/drawing/2010/main" w="9525">
+                <a14:hiddenLine xmlns:a14="http://schemas.microsoft.com/office/drawing/2010/main" xmlns="" w="9525">
                   <a:solidFill>
                     <a:srgbClr val="000000"/>
                   </a:solidFill>
@@ -3854,7 +3855,7 @@
             </a:ln>
             <a:extLst>
               <a:ext uri="{91240B29-F687-4f45-9708-019B960494DF}">
-                <a14:hiddenLine xmlns="" xmlns:a14="http://schemas.microsoft.com/office/drawing/2010/main" w="9525">
+                <a14:hiddenLine xmlns:a14="http://schemas.microsoft.com/office/drawing/2010/main" xmlns="" w="9525">
                   <a:solidFill>
                     <a:srgbClr val="000000"/>
                   </a:solidFill>
@@ -3944,7 +3945,7 @@
             </a:ln>
             <a:extLst>
               <a:ext uri="{91240B29-F687-4f45-9708-019B960494DF}">
-                <a14:hiddenLine xmlns="" xmlns:a14="http://schemas.microsoft.com/office/drawing/2010/main" w="9525">
+                <a14:hiddenLine xmlns:a14="http://schemas.microsoft.com/office/drawing/2010/main" xmlns="" w="9525">
                   <a:solidFill>
                     <a:srgbClr val="000000"/>
                   </a:solidFill>
@@ -4006,7 +4007,7 @@
             </a:ln>
             <a:extLst>
               <a:ext uri="{91240B29-F687-4f45-9708-019B960494DF}">
-                <a14:hiddenLine xmlns="" xmlns:a14="http://schemas.microsoft.com/office/drawing/2010/main" w="9525">
+                <a14:hiddenLine xmlns:a14="http://schemas.microsoft.com/office/drawing/2010/main" xmlns="" w="9525">
                   <a:solidFill>
                     <a:srgbClr val="000000"/>
                   </a:solidFill>
@@ -4096,7 +4097,7 @@
             </a:ln>
             <a:extLst>
               <a:ext uri="{91240B29-F687-4f45-9708-019B960494DF}">
-                <a14:hiddenLine xmlns="" xmlns:a14="http://schemas.microsoft.com/office/drawing/2010/main" w="9525">
+                <a14:hiddenLine xmlns:a14="http://schemas.microsoft.com/office/drawing/2010/main" xmlns="" w="9525">
                   <a:solidFill>
                     <a:srgbClr val="000000"/>
                   </a:solidFill>
@@ -4186,7 +4187,7 @@
             </a:ln>
             <a:extLst>
               <a:ext uri="{91240B29-F687-4f45-9708-019B960494DF}">
-                <a14:hiddenLine xmlns="" xmlns:a14="http://schemas.microsoft.com/office/drawing/2010/main" w="9525">
+                <a14:hiddenLine xmlns:a14="http://schemas.microsoft.com/office/drawing/2010/main" xmlns="" w="9525">
                   <a:solidFill>
                     <a:srgbClr val="000000"/>
                   </a:solidFill>
@@ -4251,7 +4252,7 @@
             </a:ln>
             <a:extLst>
               <a:ext uri="{91240B29-F687-4f45-9708-019B960494DF}">
-                <a14:hiddenLine xmlns="" xmlns:a14="http://schemas.microsoft.com/office/drawing/2010/main" w="9525">
+                <a14:hiddenLine xmlns:a14="http://schemas.microsoft.com/office/drawing/2010/main" xmlns="" w="9525">
                   <a:solidFill>
                     <a:srgbClr val="000000"/>
                   </a:solidFill>
@@ -4313,7 +4314,7 @@
             </a:ln>
             <a:extLst>
               <a:ext uri="{91240B29-F687-4f45-9708-019B960494DF}">
-                <a14:hiddenLine xmlns="" xmlns:a14="http://schemas.microsoft.com/office/drawing/2010/main" w="9525">
+                <a14:hiddenLine xmlns:a14="http://schemas.microsoft.com/office/drawing/2010/main" xmlns="" w="9525">
                   <a:solidFill>
                     <a:srgbClr val="000000"/>
                   </a:solidFill>
@@ -4403,7 +4404,7 @@
             </a:ln>
             <a:extLst>
               <a:ext uri="{91240B29-F687-4f45-9708-019B960494DF}">
-                <a14:hiddenLine xmlns="" xmlns:a14="http://schemas.microsoft.com/office/drawing/2010/main" w="9525">
+                <a14:hiddenLine xmlns:a14="http://schemas.microsoft.com/office/drawing/2010/main" xmlns="" w="9525">
                   <a:solidFill>
                     <a:srgbClr val="000000"/>
                   </a:solidFill>
@@ -4493,7 +4494,7 @@
             </a:ln>
             <a:extLst>
               <a:ext uri="{91240B29-F687-4f45-9708-019B960494DF}">
-                <a14:hiddenLine xmlns="" xmlns:a14="http://schemas.microsoft.com/office/drawing/2010/main" w="9525">
+                <a14:hiddenLine xmlns:a14="http://schemas.microsoft.com/office/drawing/2010/main" xmlns="" w="9525">
                   <a:solidFill>
                     <a:srgbClr val="000000"/>
                   </a:solidFill>
@@ -4555,7 +4556,7 @@
             </a:ln>
             <a:extLst>
               <a:ext uri="{91240B29-F687-4f45-9708-019B960494DF}">
-                <a14:hiddenLine xmlns="" xmlns:a14="http://schemas.microsoft.com/office/drawing/2010/main" w="9525">
+                <a14:hiddenLine xmlns:a14="http://schemas.microsoft.com/office/drawing/2010/main" xmlns="" w="9525">
                   <a:solidFill>
                     <a:srgbClr val="000000"/>
                   </a:solidFill>
@@ -4675,7 +4676,7 @@
             </a:ln>
             <a:extLst>
               <a:ext uri="{91240B29-F687-4f45-9708-019B960494DF}">
-                <a14:hiddenLine xmlns="" xmlns:a14="http://schemas.microsoft.com/office/drawing/2010/main" w="9525">
+                <a14:hiddenLine xmlns:a14="http://schemas.microsoft.com/office/drawing/2010/main" xmlns="" w="9525">
                   <a:solidFill>
                     <a:srgbClr val="000000"/>
                   </a:solidFill>
@@ -4743,7 +4744,7 @@
             </a:ln>
             <a:extLst>
               <a:ext uri="{91240B29-F687-4f45-9708-019B960494DF}">
-                <a14:hiddenLine xmlns="" xmlns:a14="http://schemas.microsoft.com/office/drawing/2010/main" w="9525">
+                <a14:hiddenLine xmlns:a14="http://schemas.microsoft.com/office/drawing/2010/main" xmlns="" w="9525">
                   <a:solidFill>
                     <a:srgbClr val="000000"/>
                   </a:solidFill>
@@ -4833,7 +4834,7 @@
             </a:ln>
             <a:extLst>
               <a:ext uri="{91240B29-F687-4f45-9708-019B960494DF}">
-                <a14:hiddenLine xmlns="" xmlns:a14="http://schemas.microsoft.com/office/drawing/2010/main" w="9525">
+                <a14:hiddenLine xmlns:a14="http://schemas.microsoft.com/office/drawing/2010/main" xmlns="" w="9525">
                   <a:solidFill>
                     <a:srgbClr val="000000"/>
                   </a:solidFill>
@@ -9738,7 +9739,7 @@
           <a:noFill/>
           <a:extLst>
             <a:ext uri="{909E8E84-426E-40dd-AFC4-6F175D3DCCD1}">
-              <a14:hiddenFill xmlns="" xmlns:a14="http://schemas.microsoft.com/office/drawing/2010/main">
+              <a14:hiddenFill xmlns:a14="http://schemas.microsoft.com/office/drawing/2010/main" xmlns="">
                 <a:solidFill>
                   <a:srgbClr val="FFFFFF"/>
                 </a:solidFill>
@@ -9812,7 +9813,7 @@
               </a:ln>
               <a:extLst>
                 <a:ext uri="{91240B29-F687-4f45-9708-019B960494DF}">
-                  <a14:hiddenLine xmlns="" xmlns:a14="http://schemas.microsoft.com/office/drawing/2010/main" w="9525">
+                  <a14:hiddenLine xmlns:a14="http://schemas.microsoft.com/office/drawing/2010/main" xmlns="" w="9525">
                     <a:solidFill>
                       <a:srgbClr val="000000"/>
                     </a:solidFill>
@@ -9902,7 +9903,7 @@
               </a:ln>
               <a:extLst>
                 <a:ext uri="{91240B29-F687-4f45-9708-019B960494DF}">
-                  <a14:hiddenLine xmlns="" xmlns:a14="http://schemas.microsoft.com/office/drawing/2010/main" w="9525">
+                  <a14:hiddenLine xmlns:a14="http://schemas.microsoft.com/office/drawing/2010/main" xmlns="" w="9525">
                     <a:solidFill>
                       <a:srgbClr val="000000"/>
                     </a:solidFill>
@@ -9992,7 +9993,7 @@
               </a:ln>
               <a:extLst>
                 <a:ext uri="{91240B29-F687-4f45-9708-019B960494DF}">
-                  <a14:hiddenLine xmlns="" xmlns:a14="http://schemas.microsoft.com/office/drawing/2010/main" w="9525">
+                  <a14:hiddenLine xmlns:a14="http://schemas.microsoft.com/office/drawing/2010/main" xmlns="" w="9525">
                     <a:solidFill>
                       <a:srgbClr val="000000"/>
                     </a:solidFill>
@@ -10054,7 +10055,7 @@
               </a:ln>
               <a:extLst>
                 <a:ext uri="{91240B29-F687-4f45-9708-019B960494DF}">
-                  <a14:hiddenLine xmlns="" xmlns:a14="http://schemas.microsoft.com/office/drawing/2010/main" w="9525">
+                  <a14:hiddenLine xmlns:a14="http://schemas.microsoft.com/office/drawing/2010/main" xmlns="" w="9525">
                     <a:solidFill>
                       <a:srgbClr val="000000"/>
                     </a:solidFill>
@@ -10144,7 +10145,7 @@
               </a:ln>
               <a:extLst>
                 <a:ext uri="{91240B29-F687-4f45-9708-019B960494DF}">
-                  <a14:hiddenLine xmlns="" xmlns:a14="http://schemas.microsoft.com/office/drawing/2010/main" w="9525">
+                  <a14:hiddenLine xmlns:a14="http://schemas.microsoft.com/office/drawing/2010/main" xmlns="" w="9525">
                     <a:solidFill>
                       <a:srgbClr val="000000"/>
                     </a:solidFill>
@@ -10206,7 +10207,7 @@
               </a:ln>
               <a:extLst>
                 <a:ext uri="{91240B29-F687-4f45-9708-019B960494DF}">
-                  <a14:hiddenLine xmlns="" xmlns:a14="http://schemas.microsoft.com/office/drawing/2010/main" w="9525">
+                  <a14:hiddenLine xmlns:a14="http://schemas.microsoft.com/office/drawing/2010/main" xmlns="" w="9525">
                     <a:solidFill>
                       <a:srgbClr val="000000"/>
                     </a:solidFill>
@@ -10268,7 +10269,7 @@
               </a:ln>
               <a:extLst>
                 <a:ext uri="{91240B29-F687-4f45-9708-019B960494DF}">
-                  <a14:hiddenLine xmlns="" xmlns:a14="http://schemas.microsoft.com/office/drawing/2010/main" w="9525">
+                  <a14:hiddenLine xmlns:a14="http://schemas.microsoft.com/office/drawing/2010/main" xmlns="" w="9525">
                     <a:solidFill>
                       <a:srgbClr val="000000"/>
                     </a:solidFill>
@@ -10358,7 +10359,7 @@
               </a:ln>
               <a:extLst>
                 <a:ext uri="{91240B29-F687-4f45-9708-019B960494DF}">
-                  <a14:hiddenLine xmlns="" xmlns:a14="http://schemas.microsoft.com/office/drawing/2010/main" w="9525">
+                  <a14:hiddenLine xmlns:a14="http://schemas.microsoft.com/office/drawing/2010/main" xmlns="" w="9525">
                     <a:solidFill>
                       <a:srgbClr val="000000"/>
                     </a:solidFill>
@@ -10448,7 +10449,7 @@
               </a:ln>
               <a:extLst>
                 <a:ext uri="{91240B29-F687-4f45-9708-019B960494DF}">
-                  <a14:hiddenLine xmlns="" xmlns:a14="http://schemas.microsoft.com/office/drawing/2010/main" w="9525">
+                  <a14:hiddenLine xmlns:a14="http://schemas.microsoft.com/office/drawing/2010/main" xmlns="" w="9525">
                     <a:solidFill>
                       <a:srgbClr val="000000"/>
                     </a:solidFill>
@@ -10510,7 +10511,7 @@
               </a:ln>
               <a:extLst>
                 <a:ext uri="{91240B29-F687-4f45-9708-019B960494DF}">
-                  <a14:hiddenLine xmlns="" xmlns:a14="http://schemas.microsoft.com/office/drawing/2010/main" w="9525">
+                  <a14:hiddenLine xmlns:a14="http://schemas.microsoft.com/office/drawing/2010/main" xmlns="" w="9525">
                     <a:solidFill>
                       <a:srgbClr val="000000"/>
                     </a:solidFill>
@@ -10620,7 +10621,7 @@
               </a:ln>
               <a:extLst>
                 <a:ext uri="{91240B29-F687-4f45-9708-019B960494DF}">
-                  <a14:hiddenLine xmlns="" xmlns:a14="http://schemas.microsoft.com/office/drawing/2010/main" w="9525">
+                  <a14:hiddenLine xmlns:a14="http://schemas.microsoft.com/office/drawing/2010/main" xmlns="" w="9525">
                     <a:solidFill>
                       <a:srgbClr val="000000"/>
                     </a:solidFill>
@@ -10704,7 +10705,7 @@
               </a:ln>
               <a:extLst>
                 <a:ext uri="{91240B29-F687-4f45-9708-019B960494DF}">
-                  <a14:hiddenLine xmlns="" xmlns:a14="http://schemas.microsoft.com/office/drawing/2010/main" w="9525">
+                  <a14:hiddenLine xmlns:a14="http://schemas.microsoft.com/office/drawing/2010/main" xmlns="" w="9525">
                     <a:solidFill>
                       <a:srgbClr val="000000"/>
                     </a:solidFill>
@@ -10766,7 +10767,7 @@
               </a:ln>
               <a:extLst>
                 <a:ext uri="{91240B29-F687-4f45-9708-019B960494DF}">
-                  <a14:hiddenLine xmlns="" xmlns:a14="http://schemas.microsoft.com/office/drawing/2010/main" w="9525">
+                  <a14:hiddenLine xmlns:a14="http://schemas.microsoft.com/office/drawing/2010/main" xmlns="" w="9525">
                     <a:solidFill>
                       <a:srgbClr val="000000"/>
                     </a:solidFill>
@@ -10828,7 +10829,7 @@
               </a:ln>
               <a:extLst>
                 <a:ext uri="{91240B29-F687-4f45-9708-019B960494DF}">
-                  <a14:hiddenLine xmlns="" xmlns:a14="http://schemas.microsoft.com/office/drawing/2010/main" w="9525">
+                  <a14:hiddenLine xmlns:a14="http://schemas.microsoft.com/office/drawing/2010/main" xmlns="" w="9525">
                     <a:solidFill>
                       <a:srgbClr val="000000"/>
                     </a:solidFill>
@@ -10918,7 +10919,7 @@
               </a:ln>
               <a:extLst>
                 <a:ext uri="{91240B29-F687-4f45-9708-019B960494DF}">
-                  <a14:hiddenLine xmlns="" xmlns:a14="http://schemas.microsoft.com/office/drawing/2010/main" w="9525">
+                  <a14:hiddenLine xmlns:a14="http://schemas.microsoft.com/office/drawing/2010/main" xmlns="" w="9525">
                     <a:solidFill>
                       <a:srgbClr val="000000"/>
                     </a:solidFill>
@@ -10952,7 +10953,7 @@
               </a:ln>
               <a:extLst>
                 <a:ext uri="{91240B29-F687-4f45-9708-019B960494DF}">
-                  <a14:hiddenLine xmlns="" xmlns:a14="http://schemas.microsoft.com/office/drawing/2010/main" w="9525">
+                  <a14:hiddenLine xmlns:a14="http://schemas.microsoft.com/office/drawing/2010/main" xmlns="" w="9525">
                     <a:solidFill>
                       <a:srgbClr val="000000"/>
                     </a:solidFill>
@@ -11017,7 +11018,7 @@
               </a:ln>
               <a:extLst>
                 <a:ext uri="{91240B29-F687-4f45-9708-019B960494DF}">
-                  <a14:hiddenLine xmlns="" xmlns:a14="http://schemas.microsoft.com/office/drawing/2010/main" w="9525">
+                  <a14:hiddenLine xmlns:a14="http://schemas.microsoft.com/office/drawing/2010/main" xmlns="" w="9525">
                     <a:solidFill>
                       <a:srgbClr val="000000"/>
                     </a:solidFill>
@@ -11107,7 +11108,7 @@
               </a:ln>
               <a:extLst>
                 <a:ext uri="{91240B29-F687-4f45-9708-019B960494DF}">
-                  <a14:hiddenLine xmlns="" xmlns:a14="http://schemas.microsoft.com/office/drawing/2010/main" w="9525">
+                  <a14:hiddenLine xmlns:a14="http://schemas.microsoft.com/office/drawing/2010/main" xmlns="" w="9525">
                     <a:solidFill>
                       <a:srgbClr val="000000"/>
                     </a:solidFill>
@@ -11169,7 +11170,7 @@
               </a:ln>
               <a:extLst>
                 <a:ext uri="{91240B29-F687-4f45-9708-019B960494DF}">
-                  <a14:hiddenLine xmlns="" xmlns:a14="http://schemas.microsoft.com/office/drawing/2010/main" w="9525">
+                  <a14:hiddenLine xmlns:a14="http://schemas.microsoft.com/office/drawing/2010/main" xmlns="" w="9525">
                     <a:solidFill>
                       <a:srgbClr val="000000"/>
                     </a:solidFill>
@@ -11259,7 +11260,7 @@
               </a:ln>
               <a:extLst>
                 <a:ext uri="{91240B29-F687-4f45-9708-019B960494DF}">
-                  <a14:hiddenLine xmlns="" xmlns:a14="http://schemas.microsoft.com/office/drawing/2010/main" w="9525">
+                  <a14:hiddenLine xmlns:a14="http://schemas.microsoft.com/office/drawing/2010/main" xmlns="" w="9525">
                     <a:solidFill>
                       <a:srgbClr val="000000"/>
                     </a:solidFill>
@@ -11324,7 +11325,7 @@
               </a:ln>
               <a:extLst>
                 <a:ext uri="{91240B29-F687-4f45-9708-019B960494DF}">
-                  <a14:hiddenLine xmlns="" xmlns:a14="http://schemas.microsoft.com/office/drawing/2010/main" w="9525">
+                  <a14:hiddenLine xmlns:a14="http://schemas.microsoft.com/office/drawing/2010/main" xmlns="" w="9525">
                     <a:solidFill>
                       <a:srgbClr val="000000"/>
                     </a:solidFill>
@@ -11386,7 +11387,7 @@
               </a:ln>
               <a:extLst>
                 <a:ext uri="{91240B29-F687-4f45-9708-019B960494DF}">
-                  <a14:hiddenLine xmlns="" xmlns:a14="http://schemas.microsoft.com/office/drawing/2010/main" w="9525">
+                  <a14:hiddenLine xmlns:a14="http://schemas.microsoft.com/office/drawing/2010/main" xmlns="" w="9525">
                     <a:solidFill>
                       <a:srgbClr val="000000"/>
                     </a:solidFill>
@@ -11476,7 +11477,7 @@
               </a:ln>
               <a:extLst>
                 <a:ext uri="{91240B29-F687-4f45-9708-019B960494DF}">
-                  <a14:hiddenLine xmlns="" xmlns:a14="http://schemas.microsoft.com/office/drawing/2010/main" w="9525">
+                  <a14:hiddenLine xmlns:a14="http://schemas.microsoft.com/office/drawing/2010/main" xmlns="" w="9525">
                     <a:solidFill>
                       <a:srgbClr val="000000"/>
                     </a:solidFill>
@@ -11566,7 +11567,7 @@
               </a:ln>
               <a:extLst>
                 <a:ext uri="{91240B29-F687-4f45-9708-019B960494DF}">
-                  <a14:hiddenLine xmlns="" xmlns:a14="http://schemas.microsoft.com/office/drawing/2010/main" w="9525">
+                  <a14:hiddenLine xmlns:a14="http://schemas.microsoft.com/office/drawing/2010/main" xmlns="" w="9525">
                     <a:solidFill>
                       <a:srgbClr val="000000"/>
                     </a:solidFill>
@@ -11631,7 +11632,7 @@
               </a:ln>
               <a:extLst>
                 <a:ext uri="{91240B29-F687-4f45-9708-019B960494DF}">
-                  <a14:hiddenLine xmlns="" xmlns:a14="http://schemas.microsoft.com/office/drawing/2010/main" w="9525">
+                  <a14:hiddenLine xmlns:a14="http://schemas.microsoft.com/office/drawing/2010/main" xmlns="" w="9525">
                     <a:solidFill>
                       <a:srgbClr val="000000"/>
                     </a:solidFill>
@@ -11751,7 +11752,7 @@
               </a:ln>
               <a:extLst>
                 <a:ext uri="{91240B29-F687-4f45-9708-019B960494DF}">
-                  <a14:hiddenLine xmlns="" xmlns:a14="http://schemas.microsoft.com/office/drawing/2010/main" w="9525">
+                  <a14:hiddenLine xmlns:a14="http://schemas.microsoft.com/office/drawing/2010/main" xmlns="" w="9525">
                     <a:solidFill>
                       <a:srgbClr val="000000"/>
                     </a:solidFill>
@@ -11849,7 +11850,7 @@
               </a:ln>
               <a:extLst>
                 <a:ext uri="{91240B29-F687-4f45-9708-019B960494DF}">
-                  <a14:hiddenLine xmlns="" xmlns:a14="http://schemas.microsoft.com/office/drawing/2010/main" w="9525">
+                  <a14:hiddenLine xmlns:a14="http://schemas.microsoft.com/office/drawing/2010/main" xmlns="" w="9525">
                     <a:solidFill>
                       <a:srgbClr val="000000"/>
                     </a:solidFill>
@@ -11964,7 +11965,7 @@
               </a:ln>
               <a:extLst>
                 <a:ext uri="{91240B29-F687-4f45-9708-019B960494DF}">
-                  <a14:hiddenLine xmlns="" xmlns:a14="http://schemas.microsoft.com/office/drawing/2010/main" w="9525">
+                  <a14:hiddenLine xmlns:a14="http://schemas.microsoft.com/office/drawing/2010/main" xmlns="" w="9525">
                     <a:solidFill>
                       <a:srgbClr val="000000"/>
                     </a:solidFill>
@@ -12054,7 +12055,7 @@
               </a:ln>
               <a:extLst>
                 <a:ext uri="{91240B29-F687-4f45-9708-019B960494DF}">
-                  <a14:hiddenLine xmlns="" xmlns:a14="http://schemas.microsoft.com/office/drawing/2010/main" w="9525">
+                  <a14:hiddenLine xmlns:a14="http://schemas.microsoft.com/office/drawing/2010/main" xmlns="" w="9525">
                     <a:solidFill>
                       <a:srgbClr val="000000"/>
                     </a:solidFill>
@@ -12119,7 +12120,7 @@
               </a:ln>
               <a:extLst>
                 <a:ext uri="{91240B29-F687-4f45-9708-019B960494DF}">
-                  <a14:hiddenLine xmlns="" xmlns:a14="http://schemas.microsoft.com/office/drawing/2010/main" w="9525">
+                  <a14:hiddenLine xmlns:a14="http://schemas.microsoft.com/office/drawing/2010/main" xmlns="" w="9525">
                     <a:solidFill>
                       <a:srgbClr val="000000"/>
                     </a:solidFill>
@@ -12209,7 +12210,7 @@
               </a:ln>
               <a:extLst>
                 <a:ext uri="{91240B29-F687-4f45-9708-019B960494DF}">
-                  <a14:hiddenLine xmlns="" xmlns:a14="http://schemas.microsoft.com/office/drawing/2010/main" w="9525">
+                  <a14:hiddenLine xmlns:a14="http://schemas.microsoft.com/office/drawing/2010/main" xmlns="" w="9525">
                     <a:solidFill>
                       <a:srgbClr val="000000"/>
                     </a:solidFill>
@@ -12277,7 +12278,7 @@
               </a:ln>
               <a:extLst>
                 <a:ext uri="{91240B29-F687-4f45-9708-019B960494DF}">
-                  <a14:hiddenLine xmlns="" xmlns:a14="http://schemas.microsoft.com/office/drawing/2010/main" w="9525">
+                  <a14:hiddenLine xmlns:a14="http://schemas.microsoft.com/office/drawing/2010/main" xmlns="" w="9525">
                     <a:solidFill>
                       <a:srgbClr val="000000"/>
                     </a:solidFill>
@@ -12367,7 +12368,7 @@
               </a:ln>
               <a:extLst>
                 <a:ext uri="{91240B29-F687-4f45-9708-019B960494DF}">
-                  <a14:hiddenLine xmlns="" xmlns:a14="http://schemas.microsoft.com/office/drawing/2010/main" w="9525">
+                  <a14:hiddenLine xmlns:a14="http://schemas.microsoft.com/office/drawing/2010/main" xmlns="" w="9525">
                     <a:solidFill>
                       <a:srgbClr val="000000"/>
                     </a:solidFill>
@@ -12435,7 +12436,7 @@
               </a:ln>
               <a:extLst>
                 <a:ext uri="{91240B29-F687-4f45-9708-019B960494DF}">
-                  <a14:hiddenLine xmlns="" xmlns:a14="http://schemas.microsoft.com/office/drawing/2010/main" w="9525">
+                  <a14:hiddenLine xmlns:a14="http://schemas.microsoft.com/office/drawing/2010/main" xmlns="" w="9525">
                     <a:solidFill>
                       <a:srgbClr val="000000"/>
                     </a:solidFill>
@@ -12525,7 +12526,7 @@
               </a:ln>
               <a:extLst>
                 <a:ext uri="{91240B29-F687-4f45-9708-019B960494DF}">
-                  <a14:hiddenLine xmlns="" xmlns:a14="http://schemas.microsoft.com/office/drawing/2010/main" w="9525">
+                  <a14:hiddenLine xmlns:a14="http://schemas.microsoft.com/office/drawing/2010/main" xmlns="" w="9525">
                     <a:solidFill>
                       <a:srgbClr val="000000"/>
                     </a:solidFill>
@@ -12559,7 +12560,7 @@
               </a:ln>
               <a:extLst>
                 <a:ext uri="{91240B29-F687-4f45-9708-019B960494DF}">
-                  <a14:hiddenLine xmlns="" xmlns:a14="http://schemas.microsoft.com/office/drawing/2010/main" w="9525">
+                  <a14:hiddenLine xmlns:a14="http://schemas.microsoft.com/office/drawing/2010/main" xmlns="" w="9525">
                     <a:solidFill>
                       <a:srgbClr val="000000"/>
                     </a:solidFill>
@@ -13137,10 +13138,10 @@
       </p:grpSpPr>
       <p:pic>
         <p:nvPicPr>
-          <p:cNvPr id="5" name="Immagine 4">
+          <p:cNvPr id="54" name="Immagine 53">
             <a:extLst>
               <a:ext uri="{FF2B5EF4-FFF2-40B4-BE49-F238E27FC236}">
-                <a16:creationId xmlns:a16="http://schemas.microsoft.com/office/drawing/2014/main" id="{BE882C53-E1ED-48FB-8173-0ABE19D483DD}"/>
+                <a16:creationId xmlns:a16="http://schemas.microsoft.com/office/drawing/2014/main" id="{8E27E68F-D466-495D-A2FA-FF8468F13E25}"/>
               </a:ext>
             </a:extLst>
           </p:cNvPr>
@@ -13157,7 +13158,7 @@
         </p:blipFill>
         <p:spPr>
           <a:xfrm>
-            <a:off x="115918" y="-265174"/>
+            <a:off x="170615" y="-1262336"/>
             <a:ext cx="1000265" cy="5534797"/>
           </a:xfrm>
           <a:prstGeom prst="rect">
@@ -13167,45 +13168,10 @@
       </p:pic>
       <p:sp>
         <p:nvSpPr>
-          <p:cNvPr id="16" name="Segnaposto numero diapositiva 5">
+          <p:cNvPr id="46" name="Figura a mano libera: forma 45">
             <a:extLst>
               <a:ext uri="{FF2B5EF4-FFF2-40B4-BE49-F238E27FC236}">
-                <a16:creationId xmlns:a16="http://schemas.microsoft.com/office/drawing/2014/main" id="{02CA51CB-D57C-4543-8737-F2B5C2866E1C}"/>
-              </a:ext>
-            </a:extLst>
-          </p:cNvPr>
-          <p:cNvSpPr>
-            <a:spLocks noGrp="1"/>
-          </p:cNvSpPr>
-          <p:nvPr>
-            <p:ph type="sldNum" sz="quarter" idx="12"/>
-          </p:nvPr>
-        </p:nvSpPr>
-        <p:spPr>
-          <a:xfrm>
-            <a:off x="10266795" y="6388793"/>
-            <a:ext cx="771089" cy="365125"/>
-          </a:xfrm>
-        </p:spPr>
-        <p:txBody>
-          <a:bodyPr/>
-          <a:lstStyle/>
-          <a:p>
-            <a:pPr rtl="0"/>
-            <a:fld id="{6D22F896-40B5-4ADD-8801-0D06FADFA095}" type="slidenum">
-              <a:rPr lang="it-IT" noProof="0" smtClean="0"/>
-              <a:t>1</a:t>
-            </a:fld>
-            <a:endParaRPr lang="it-IT" noProof="0" dirty="0"/>
-          </a:p>
-        </p:txBody>
-      </p:sp>
-      <p:sp>
-        <p:nvSpPr>
-          <p:cNvPr id="7" name="Ovale 6">
-            <a:extLst>
-              <a:ext uri="{FF2B5EF4-FFF2-40B4-BE49-F238E27FC236}">
-                <a16:creationId xmlns:a16="http://schemas.microsoft.com/office/drawing/2014/main" id="{671CC795-53B5-453F-AED8-D1FCB84A3BF5}"/>
+                <a16:creationId xmlns:a16="http://schemas.microsoft.com/office/drawing/2014/main" id="{31491C78-9247-42A3-AE9C-49B7EA160F95}"/>
               </a:ext>
             </a:extLst>
           </p:cNvPr>
@@ -13213,588 +13179,9 @@
           <p:nvPr/>
         </p:nvSpPr>
         <p:spPr>
-          <a:xfrm>
-            <a:off x="-921548" y="2091071"/>
-            <a:ext cx="828000" cy="828000"/>
-          </a:xfrm>
-          <a:prstGeom prst="ellipse">
-            <a:avLst/>
-          </a:prstGeom>
-          <a:solidFill>
-            <a:schemeClr val="tx1"/>
-          </a:solidFill>
-          <a:ln>
-            <a:noFill/>
-          </a:ln>
-        </p:spPr>
-        <p:style>
-          <a:lnRef idx="2">
-            <a:schemeClr val="accent1">
-              <a:shade val="50000"/>
-            </a:schemeClr>
-          </a:lnRef>
-          <a:fillRef idx="1">
-            <a:schemeClr val="accent1"/>
-          </a:fillRef>
-          <a:effectRef idx="0">
-            <a:schemeClr val="accent1"/>
-          </a:effectRef>
-          <a:fontRef idx="minor">
-            <a:schemeClr val="lt1"/>
-          </a:fontRef>
-        </p:style>
-        <p:txBody>
-          <a:bodyPr rtlCol="0" anchor="ctr"/>
-          <a:lstStyle/>
-          <a:p>
-            <a:pPr algn="ctr"/>
-            <a:endParaRPr lang="it-IT" b="1"/>
-          </a:p>
-        </p:txBody>
-      </p:sp>
-      <p:sp>
-        <p:nvSpPr>
-          <p:cNvPr id="8" name="Ovale 7">
-            <a:extLst>
-              <a:ext uri="{FF2B5EF4-FFF2-40B4-BE49-F238E27FC236}">
-                <a16:creationId xmlns:a16="http://schemas.microsoft.com/office/drawing/2014/main" id="{7FA072E8-1074-48BD-B36C-972DA8EB2E4F}"/>
-              </a:ext>
-            </a:extLst>
-          </p:cNvPr>
-          <p:cNvSpPr/>
-          <p:nvPr/>
-        </p:nvSpPr>
-        <p:spPr>
-          <a:xfrm>
-            <a:off x="881775" y="1231433"/>
-            <a:ext cx="828000" cy="828000"/>
-          </a:xfrm>
-          <a:prstGeom prst="ellipse">
-            <a:avLst/>
-          </a:prstGeom>
-          <a:solidFill>
-            <a:schemeClr val="tx1"/>
-          </a:solidFill>
-          <a:ln>
-            <a:noFill/>
-          </a:ln>
-        </p:spPr>
-        <p:style>
-          <a:lnRef idx="2">
-            <a:schemeClr val="accent1">
-              <a:shade val="50000"/>
-            </a:schemeClr>
-          </a:lnRef>
-          <a:fillRef idx="1">
-            <a:schemeClr val="accent1"/>
-          </a:fillRef>
-          <a:effectRef idx="0">
-            <a:schemeClr val="accent1"/>
-          </a:effectRef>
-          <a:fontRef idx="minor">
-            <a:schemeClr val="lt1"/>
-          </a:fontRef>
-        </p:style>
-        <p:txBody>
-          <a:bodyPr rtlCol="0" anchor="ctr"/>
-          <a:lstStyle/>
-          <a:p>
-            <a:pPr algn="ctr"/>
-            <a:endParaRPr lang="it-IT" b="1"/>
-          </a:p>
-        </p:txBody>
-      </p:sp>
-      <p:sp>
-        <p:nvSpPr>
-          <p:cNvPr id="9" name="Ovale 8">
-            <a:extLst>
-              <a:ext uri="{FF2B5EF4-FFF2-40B4-BE49-F238E27FC236}">
-                <a16:creationId xmlns:a16="http://schemas.microsoft.com/office/drawing/2014/main" id="{94FC5E84-FF8C-46EB-9CFF-4FBC959449F3}"/>
-              </a:ext>
-            </a:extLst>
-          </p:cNvPr>
-          <p:cNvSpPr/>
-          <p:nvPr/>
-        </p:nvSpPr>
-        <p:spPr>
-          <a:xfrm>
-            <a:off x="-921548" y="264233"/>
-            <a:ext cx="828000" cy="828000"/>
-          </a:xfrm>
-          <a:prstGeom prst="ellipse">
-            <a:avLst/>
-          </a:prstGeom>
-          <a:solidFill>
-            <a:schemeClr val="tx1"/>
-          </a:solidFill>
-          <a:ln>
-            <a:noFill/>
-          </a:ln>
-        </p:spPr>
-        <p:style>
-          <a:lnRef idx="2">
-            <a:schemeClr val="accent1">
-              <a:shade val="50000"/>
-            </a:schemeClr>
-          </a:lnRef>
-          <a:fillRef idx="1">
-            <a:schemeClr val="accent1"/>
-          </a:fillRef>
-          <a:effectRef idx="0">
-            <a:schemeClr val="accent1"/>
-          </a:effectRef>
-          <a:fontRef idx="minor">
-            <a:schemeClr val="lt1"/>
-          </a:fontRef>
-        </p:style>
-        <p:txBody>
-          <a:bodyPr rtlCol="0" anchor="ctr"/>
-          <a:lstStyle/>
-          <a:p>
-            <a:pPr algn="ctr"/>
-            <a:endParaRPr lang="it-IT" b="1" dirty="0"/>
-          </a:p>
-        </p:txBody>
-      </p:sp>
-      <p:sp>
-        <p:nvSpPr>
-          <p:cNvPr id="10" name="Ovale 9">
-            <a:extLst>
-              <a:ext uri="{FF2B5EF4-FFF2-40B4-BE49-F238E27FC236}">
-                <a16:creationId xmlns:a16="http://schemas.microsoft.com/office/drawing/2014/main" id="{2ED130A9-1ACE-45D9-A9DF-15C0186F661B}"/>
-              </a:ext>
-            </a:extLst>
-          </p:cNvPr>
-          <p:cNvSpPr/>
-          <p:nvPr/>
-        </p:nvSpPr>
-        <p:spPr>
-          <a:xfrm>
-            <a:off x="-921548" y="3915593"/>
-            <a:ext cx="828000" cy="828000"/>
-          </a:xfrm>
-          <a:prstGeom prst="ellipse">
-            <a:avLst/>
-          </a:prstGeom>
-          <a:solidFill>
-            <a:schemeClr val="tx1"/>
-          </a:solidFill>
-          <a:ln>
-            <a:noFill/>
-          </a:ln>
-        </p:spPr>
-        <p:style>
-          <a:lnRef idx="2">
-            <a:schemeClr val="accent1">
-              <a:shade val="50000"/>
-            </a:schemeClr>
-          </a:lnRef>
-          <a:fillRef idx="1">
-            <a:schemeClr val="accent1"/>
-          </a:fillRef>
-          <a:effectRef idx="0">
-            <a:schemeClr val="accent1"/>
-          </a:effectRef>
-          <a:fontRef idx="minor">
-            <a:schemeClr val="lt1"/>
-          </a:fontRef>
-        </p:style>
-        <p:txBody>
-          <a:bodyPr rtlCol="0" anchor="ctr"/>
-          <a:lstStyle/>
-          <a:p>
-            <a:pPr algn="ctr"/>
-            <a:endParaRPr lang="it-IT" b="1"/>
-          </a:p>
-        </p:txBody>
-      </p:sp>
-      <p:sp>
-        <p:nvSpPr>
-          <p:cNvPr id="11" name="Ovale 10">
-            <a:extLst>
-              <a:ext uri="{FF2B5EF4-FFF2-40B4-BE49-F238E27FC236}">
-                <a16:creationId xmlns:a16="http://schemas.microsoft.com/office/drawing/2014/main" id="{F45D1D58-5653-4B97-8C87-4DF368AF30AC}"/>
-              </a:ext>
-            </a:extLst>
-          </p:cNvPr>
-          <p:cNvSpPr/>
-          <p:nvPr/>
-        </p:nvSpPr>
-        <p:spPr>
-          <a:xfrm>
-            <a:off x="-921548" y="4826696"/>
-            <a:ext cx="828000" cy="828000"/>
-          </a:xfrm>
-          <a:prstGeom prst="ellipse">
-            <a:avLst/>
-          </a:prstGeom>
-          <a:solidFill>
-            <a:schemeClr val="tx1"/>
-          </a:solidFill>
-          <a:ln>
-            <a:noFill/>
-          </a:ln>
-        </p:spPr>
-        <p:style>
-          <a:lnRef idx="2">
-            <a:schemeClr val="accent1">
-              <a:shade val="50000"/>
-            </a:schemeClr>
-          </a:lnRef>
-          <a:fillRef idx="1">
-            <a:schemeClr val="accent1"/>
-          </a:fillRef>
-          <a:effectRef idx="0">
-            <a:schemeClr val="accent1"/>
-          </a:effectRef>
-          <a:fontRef idx="minor">
-            <a:schemeClr val="lt1"/>
-          </a:fontRef>
-        </p:style>
-        <p:txBody>
-          <a:bodyPr rtlCol="0" anchor="ctr"/>
-          <a:lstStyle/>
-          <a:p>
-            <a:pPr algn="ctr"/>
-            <a:endParaRPr lang="it-IT" b="1"/>
-          </a:p>
-        </p:txBody>
-      </p:sp>
-      <p:sp>
-        <p:nvSpPr>
-          <p:cNvPr id="13" name="Ovale 12">
-            <a:extLst>
-              <a:ext uri="{FF2B5EF4-FFF2-40B4-BE49-F238E27FC236}">
-                <a16:creationId xmlns:a16="http://schemas.microsoft.com/office/drawing/2014/main" id="{74E17BCF-9E84-4DAD-B1CA-6C9D26666E93}"/>
-              </a:ext>
-            </a:extLst>
-          </p:cNvPr>
-          <p:cNvSpPr/>
-          <p:nvPr/>
-        </p:nvSpPr>
-        <p:spPr>
-          <a:xfrm>
-            <a:off x="-921548" y="5744747"/>
-            <a:ext cx="828000" cy="828000"/>
-          </a:xfrm>
-          <a:prstGeom prst="ellipse">
-            <a:avLst/>
-          </a:prstGeom>
-          <a:solidFill>
-            <a:schemeClr val="tx1"/>
-          </a:solidFill>
-          <a:ln>
-            <a:noFill/>
-          </a:ln>
-        </p:spPr>
-        <p:style>
-          <a:lnRef idx="2">
-            <a:schemeClr val="accent1">
-              <a:shade val="50000"/>
-            </a:schemeClr>
-          </a:lnRef>
-          <a:fillRef idx="1">
-            <a:schemeClr val="accent1"/>
-          </a:fillRef>
-          <a:effectRef idx="0">
-            <a:schemeClr val="accent1"/>
-          </a:effectRef>
-          <a:fontRef idx="minor">
-            <a:schemeClr val="lt1"/>
-          </a:fontRef>
-        </p:style>
-        <p:txBody>
-          <a:bodyPr rtlCol="0" anchor="ctr"/>
-          <a:lstStyle/>
-          <a:p>
-            <a:pPr algn="ctr"/>
-            <a:endParaRPr lang="it-IT" b="1"/>
-          </a:p>
-        </p:txBody>
-      </p:sp>
-      <p:pic>
-        <p:nvPicPr>
-          <p:cNvPr id="14" name="Elemento grafico 13" descr="Tiro a segno contorno">
-            <a:extLst>
-              <a:ext uri="{FF2B5EF4-FFF2-40B4-BE49-F238E27FC236}">
-                <a16:creationId xmlns:a16="http://schemas.microsoft.com/office/drawing/2014/main" id="{67F7D67F-E6A7-4DC1-A06C-072C775790D4}"/>
-              </a:ext>
-            </a:extLst>
-          </p:cNvPr>
-          <p:cNvPicPr>
-            <a:picLocks noChangeAspect="1"/>
-          </p:cNvPicPr>
-          <p:nvPr/>
-        </p:nvPicPr>
-        <p:blipFill>
-          <a:blip r:embed="rId3">
-            <a:extLst>
-              <a:ext uri="{96DAC541-7B7A-43D3-8B79-37D633B846F1}">
-                <asvg:svgBlip xmlns:asvg="http://schemas.microsoft.com/office/drawing/2016/SVG/main" r:embed="rId4"/>
-              </a:ext>
-            </a:extLst>
-          </a:blip>
-          <a:stretch>
-            <a:fillRect/>
-          </a:stretch>
-        </p:blipFill>
-        <p:spPr>
-          <a:xfrm>
-            <a:off x="-866732" y="320812"/>
-            <a:ext cx="718368" cy="718368"/>
-          </a:xfrm>
-          <a:prstGeom prst="rect">
-            <a:avLst/>
-          </a:prstGeom>
-        </p:spPr>
-      </p:pic>
-      <p:pic>
-        <p:nvPicPr>
-          <p:cNvPr id="15" name="Elemento grafico 14" descr="Singolo ingranaggio con riempimento a tinta unita">
-            <a:extLst>
-              <a:ext uri="{FF2B5EF4-FFF2-40B4-BE49-F238E27FC236}">
-                <a16:creationId xmlns:a16="http://schemas.microsoft.com/office/drawing/2014/main" id="{7A983A31-68C2-4D8D-91CA-020486551B05}"/>
-              </a:ext>
-            </a:extLst>
-          </p:cNvPr>
-          <p:cNvPicPr>
-            <a:picLocks noChangeAspect="1"/>
-          </p:cNvPicPr>
-          <p:nvPr/>
-        </p:nvPicPr>
-        <p:blipFill>
-          <a:blip r:embed="rId5">
-            <a:extLst>
-              <a:ext uri="{96DAC541-7B7A-43D3-8B79-37D633B846F1}">
-                <asvg:svgBlip xmlns:asvg="http://schemas.microsoft.com/office/drawing/2016/SVG/main" r:embed="rId6"/>
-              </a:ext>
-            </a:extLst>
-          </a:blip>
-          <a:srcRect/>
-          <a:stretch/>
-        </p:blipFill>
-        <p:spPr>
-          <a:xfrm>
-            <a:off x="936591" y="1287018"/>
-            <a:ext cx="718368" cy="718368"/>
-          </a:xfrm>
-          <a:prstGeom prst="rect">
-            <a:avLst/>
-          </a:prstGeom>
-        </p:spPr>
-      </p:pic>
-      <p:pic>
-        <p:nvPicPr>
-          <p:cNvPr id="17" name="Elemento grafico 16" descr="Condividi con riempimento a tinta unita">
-            <a:extLst>
-              <a:ext uri="{FF2B5EF4-FFF2-40B4-BE49-F238E27FC236}">
-                <a16:creationId xmlns:a16="http://schemas.microsoft.com/office/drawing/2014/main" id="{D92B4FC2-CD2D-48FC-999D-892731CB178B}"/>
-              </a:ext>
-            </a:extLst>
-          </p:cNvPr>
-          <p:cNvPicPr>
-            <a:picLocks noChangeAspect="1"/>
-          </p:cNvPicPr>
-          <p:nvPr/>
-        </p:nvPicPr>
-        <p:blipFill>
-          <a:blip r:embed="rId7">
-            <a:extLst>
-              <a:ext uri="{96DAC541-7B7A-43D3-8B79-37D633B846F1}">
-                <asvg:svgBlip xmlns:asvg="http://schemas.microsoft.com/office/drawing/2016/SVG/main" r:embed="rId8"/>
-              </a:ext>
-            </a:extLst>
-          </a:blip>
-          <a:stretch>
-            <a:fillRect/>
-          </a:stretch>
-        </p:blipFill>
-        <p:spPr>
-          <a:xfrm>
-            <a:off x="-897865" y="2111908"/>
-            <a:ext cx="780634" cy="780634"/>
-          </a:xfrm>
-          <a:prstGeom prst="rect">
-            <a:avLst/>
-          </a:prstGeom>
-        </p:spPr>
-      </p:pic>
-      <p:pic>
-        <p:nvPicPr>
-          <p:cNvPr id="18" name="Segnaposto contenuto 9" descr="Utente contorno">
-            <a:extLst>
-              <a:ext uri="{FF2B5EF4-FFF2-40B4-BE49-F238E27FC236}">
-                <a16:creationId xmlns:a16="http://schemas.microsoft.com/office/drawing/2014/main" id="{5FE9CD15-FB94-408C-B105-59C0C8EC610E}"/>
-              </a:ext>
-            </a:extLst>
-          </p:cNvPr>
-          <p:cNvPicPr>
-            <a:picLocks noChangeAspect="1"/>
-          </p:cNvPicPr>
-          <p:nvPr/>
-        </p:nvPicPr>
-        <p:blipFill>
-          <a:blip r:embed="rId9">
-            <a:extLst>
-              <a:ext uri="{96DAC541-7B7A-43D3-8B79-37D633B846F1}">
-                <asvg:svgBlip xmlns:asvg="http://schemas.microsoft.com/office/drawing/2016/SVG/main" r:embed="rId10"/>
-              </a:ext>
-            </a:extLst>
-          </a:blip>
-          <a:stretch>
-            <a:fillRect/>
-          </a:stretch>
-        </p:blipFill>
-        <p:spPr>
-          <a:xfrm>
-            <a:off x="-866732" y="3913277"/>
-            <a:ext cx="718368" cy="718368"/>
-          </a:xfrm>
-          <a:prstGeom prst="rect">
-            <a:avLst/>
-          </a:prstGeom>
-        </p:spPr>
-      </p:pic>
-      <p:pic>
-        <p:nvPicPr>
-          <p:cNvPr id="19" name="Elemento grafico 18" descr="Database contorno">
-            <a:extLst>
-              <a:ext uri="{FF2B5EF4-FFF2-40B4-BE49-F238E27FC236}">
-                <a16:creationId xmlns:a16="http://schemas.microsoft.com/office/drawing/2014/main" id="{C1FDE6B0-852D-4F07-8435-68C4B37E9C01}"/>
-              </a:ext>
-            </a:extLst>
-          </p:cNvPr>
-          <p:cNvPicPr>
-            <a:picLocks noChangeAspect="1"/>
-          </p:cNvPicPr>
-          <p:nvPr/>
-        </p:nvPicPr>
-        <p:blipFill>
-          <a:blip r:embed="rId11">
-            <a:extLst>
-              <a:ext uri="{96DAC541-7B7A-43D3-8B79-37D633B846F1}">
-                <asvg:svgBlip xmlns:asvg="http://schemas.microsoft.com/office/drawing/2016/SVG/main" r:embed="rId12"/>
-              </a:ext>
-            </a:extLst>
-          </a:blip>
-          <a:stretch>
-            <a:fillRect/>
-          </a:stretch>
-        </p:blipFill>
-        <p:spPr>
-          <a:xfrm>
-            <a:off x="-866732" y="4885375"/>
-            <a:ext cx="718368" cy="718368"/>
-          </a:xfrm>
-          <a:prstGeom prst="rect">
-            <a:avLst/>
-          </a:prstGeom>
-        </p:spPr>
-      </p:pic>
-      <p:sp>
-        <p:nvSpPr>
-          <p:cNvPr id="20" name="Ovale 19">
-            <a:extLst>
-              <a:ext uri="{FF2B5EF4-FFF2-40B4-BE49-F238E27FC236}">
-                <a16:creationId xmlns:a16="http://schemas.microsoft.com/office/drawing/2014/main" id="{FADC2B51-9DB8-4F38-A295-33F7A4103BA1}"/>
-              </a:ext>
-            </a:extLst>
-          </p:cNvPr>
-          <p:cNvSpPr/>
-          <p:nvPr/>
-        </p:nvSpPr>
-        <p:spPr>
-          <a:xfrm>
-            <a:off x="-902182" y="3004490"/>
-            <a:ext cx="828000" cy="828000"/>
-          </a:xfrm>
-          <a:prstGeom prst="ellipse">
-            <a:avLst/>
-          </a:prstGeom>
-          <a:solidFill>
-            <a:schemeClr val="tx1"/>
-          </a:solidFill>
-          <a:ln>
-            <a:noFill/>
-          </a:ln>
-        </p:spPr>
-        <p:style>
-          <a:lnRef idx="2">
-            <a:schemeClr val="accent1">
-              <a:shade val="50000"/>
-            </a:schemeClr>
-          </a:lnRef>
-          <a:fillRef idx="1">
-            <a:schemeClr val="accent1"/>
-          </a:fillRef>
-          <a:effectRef idx="0">
-            <a:schemeClr val="accent1"/>
-          </a:effectRef>
-          <a:fontRef idx="minor">
-            <a:schemeClr val="lt1"/>
-          </a:fontRef>
-        </p:style>
-        <p:txBody>
-          <a:bodyPr rtlCol="0" anchor="ctr"/>
-          <a:lstStyle/>
-          <a:p>
-            <a:pPr algn="ctr"/>
-            <a:endParaRPr lang="it-IT" b="1"/>
-          </a:p>
-        </p:txBody>
-      </p:sp>
-      <p:pic>
-        <p:nvPicPr>
-          <p:cNvPr id="21" name="Segnaposto contenuto 7" descr="Blockchain contorno">
-            <a:extLst>
-              <a:ext uri="{FF2B5EF4-FFF2-40B4-BE49-F238E27FC236}">
-                <a16:creationId xmlns:a16="http://schemas.microsoft.com/office/drawing/2014/main" id="{A7F4AB94-7AC0-4E1D-BB56-43BED00D0F78}"/>
-              </a:ext>
-            </a:extLst>
-          </p:cNvPr>
-          <p:cNvPicPr>
-            <a:picLocks noChangeAspect="1"/>
-          </p:cNvPicPr>
-          <p:nvPr/>
-        </p:nvPicPr>
-        <p:blipFill>
-          <a:blip r:embed="rId13">
-            <a:extLst>
-              <a:ext uri="{96DAC541-7B7A-43D3-8B79-37D633B846F1}">
-                <asvg:svgBlip xmlns:asvg="http://schemas.microsoft.com/office/drawing/2016/SVG/main" r:embed="rId14"/>
-              </a:ext>
-            </a:extLst>
-          </a:blip>
-          <a:stretch>
-            <a:fillRect/>
-          </a:stretch>
-        </p:blipFill>
-        <p:spPr>
-          <a:xfrm>
-            <a:off x="-847366" y="3052022"/>
-            <a:ext cx="718368" cy="718368"/>
-          </a:xfrm>
-          <a:prstGeom prst="rect">
-            <a:avLst/>
-          </a:prstGeom>
-        </p:spPr>
-      </p:pic>
-      <p:sp>
-        <p:nvSpPr>
-          <p:cNvPr id="22" name="Figura a mano libera: forma 21">
-            <a:extLst>
-              <a:ext uri="{FF2B5EF4-FFF2-40B4-BE49-F238E27FC236}">
-                <a16:creationId xmlns:a16="http://schemas.microsoft.com/office/drawing/2014/main" id="{45F6969B-6C0E-464D-BC27-11F3ABB32A22}"/>
-              </a:ext>
-            </a:extLst>
-          </p:cNvPr>
-          <p:cNvSpPr/>
-          <p:nvPr/>
-        </p:nvSpPr>
-        <p:spPr>
           <a:xfrm flipH="1">
-            <a:off x="-1" y="-9832784"/>
-            <a:ext cx="1337094" cy="22957972"/>
+            <a:off x="0" y="-10821613"/>
+            <a:ext cx="1229723" cy="22957972"/>
           </a:xfrm>
           <a:custGeom>
             <a:avLst/>
@@ -14038,12 +13425,703 @@
           </a:p>
         </p:txBody>
       </p:sp>
+      <p:sp>
+        <p:nvSpPr>
+          <p:cNvPr id="12" name="CasellaDiTesto 11">
+            <a:extLst>
+              <a:ext uri="{FF2B5EF4-FFF2-40B4-BE49-F238E27FC236}">
+                <a16:creationId xmlns:a16="http://schemas.microsoft.com/office/drawing/2014/main" id="{434CFEA2-0E27-4960-B725-29A3D9AB8B48}"/>
+              </a:ext>
+            </a:extLst>
+          </p:cNvPr>
+          <p:cNvSpPr txBox="1"/>
+          <p:nvPr/>
+        </p:nvSpPr>
+        <p:spPr>
+          <a:xfrm>
+            <a:off x="2112301" y="6388793"/>
+            <a:ext cx="7967397" cy="338554"/>
+          </a:xfrm>
+          <a:prstGeom prst="rect">
+            <a:avLst/>
+          </a:prstGeom>
+          <a:noFill/>
+        </p:spPr>
+        <p:txBody>
+          <a:bodyPr wrap="square" rtlCol="0">
+            <a:spAutoFit/>
+          </a:bodyPr>
+          <a:lstStyle/>
+          <a:p>
+            <a:pPr algn="r"/>
+            <a:r>
+              <a:rPr lang="it-IT" sz="1600" dirty="0">
+                <a:solidFill>
+                  <a:schemeClr val="tx1"/>
+                </a:solidFill>
+              </a:rPr>
+              <a:t>Davide di </a:t>
+            </a:r>
+            <a:r>
+              <a:rPr lang="it-IT" sz="1600" dirty="0"/>
+              <a:t>M</a:t>
+            </a:r>
+            <a:r>
+              <a:rPr lang="it-IT" sz="1600" dirty="0">
+                <a:solidFill>
+                  <a:schemeClr val="tx1"/>
+                </a:solidFill>
+              </a:rPr>
+              <a:t>olfetta, Mirko Legnini, Daniele </a:t>
+            </a:r>
+            <a:r>
+              <a:rPr lang="it-IT" sz="1600" dirty="0"/>
+              <a:t>N</a:t>
+            </a:r>
+            <a:r>
+              <a:rPr lang="it-IT" sz="1600" dirty="0">
+                <a:solidFill>
+                  <a:schemeClr val="tx1"/>
+                </a:solidFill>
+              </a:rPr>
+              <a:t>anni </a:t>
+            </a:r>
+            <a:r>
+              <a:rPr lang="it-IT" sz="1600" dirty="0"/>
+              <a:t>C</a:t>
+            </a:r>
+            <a:r>
+              <a:rPr lang="it-IT" sz="1600" dirty="0">
+                <a:solidFill>
+                  <a:schemeClr val="tx1"/>
+                </a:solidFill>
+              </a:rPr>
+              <a:t>irulli, Natanaele Stagni, Lorenzo Venerandi</a:t>
+            </a:r>
+            <a:endParaRPr lang="it-IT" sz="1600" dirty="0"/>
+          </a:p>
+        </p:txBody>
+      </p:sp>
+      <p:sp>
+        <p:nvSpPr>
+          <p:cNvPr id="16" name="Segnaposto numero diapositiva 5">
+            <a:extLst>
+              <a:ext uri="{FF2B5EF4-FFF2-40B4-BE49-F238E27FC236}">
+                <a16:creationId xmlns:a16="http://schemas.microsoft.com/office/drawing/2014/main" id="{02CA51CB-D57C-4543-8737-F2B5C2866E1C}"/>
+              </a:ext>
+            </a:extLst>
+          </p:cNvPr>
+          <p:cNvSpPr>
+            <a:spLocks noGrp="1"/>
+          </p:cNvSpPr>
+          <p:nvPr>
+            <p:ph type="sldNum" sz="quarter" idx="12"/>
+          </p:nvPr>
+        </p:nvSpPr>
+        <p:spPr>
+          <a:xfrm>
+            <a:off x="10266795" y="6388793"/>
+            <a:ext cx="771089" cy="365125"/>
+          </a:xfrm>
+        </p:spPr>
+        <p:txBody>
+          <a:bodyPr/>
+          <a:lstStyle/>
+          <a:p>
+            <a:pPr rtl="0"/>
+            <a:fld id="{6D22F896-40B5-4ADD-8801-0D06FADFA095}" type="slidenum">
+              <a:rPr lang="it-IT" b="1" noProof="0" smtClean="0"/>
+              <a:t>1</a:t>
+            </a:fld>
+            <a:endParaRPr lang="it-IT" b="1" noProof="0" dirty="0"/>
+          </a:p>
+        </p:txBody>
+      </p:sp>
+      <p:sp>
+        <p:nvSpPr>
+          <p:cNvPr id="33" name="Ovale 32">
+            <a:extLst>
+              <a:ext uri="{FF2B5EF4-FFF2-40B4-BE49-F238E27FC236}">
+                <a16:creationId xmlns:a16="http://schemas.microsoft.com/office/drawing/2014/main" id="{0C2A60A5-0279-438B-80D5-6D10A13A8589}"/>
+              </a:ext>
+            </a:extLst>
+          </p:cNvPr>
+          <p:cNvSpPr/>
+          <p:nvPr/>
+        </p:nvSpPr>
+        <p:spPr>
+          <a:xfrm>
+            <a:off x="-921548" y="2091071"/>
+            <a:ext cx="828000" cy="828000"/>
+          </a:xfrm>
+          <a:prstGeom prst="ellipse">
+            <a:avLst/>
+          </a:prstGeom>
+          <a:solidFill>
+            <a:schemeClr val="tx1"/>
+          </a:solidFill>
+          <a:ln>
+            <a:noFill/>
+          </a:ln>
+        </p:spPr>
+        <p:style>
+          <a:lnRef idx="2">
+            <a:schemeClr val="accent1">
+              <a:shade val="50000"/>
+            </a:schemeClr>
+          </a:lnRef>
+          <a:fillRef idx="1">
+            <a:schemeClr val="accent1"/>
+          </a:fillRef>
+          <a:effectRef idx="0">
+            <a:schemeClr val="accent1"/>
+          </a:effectRef>
+          <a:fontRef idx="minor">
+            <a:schemeClr val="lt1"/>
+          </a:fontRef>
+        </p:style>
+        <p:txBody>
+          <a:bodyPr rtlCol="0" anchor="ctr"/>
+          <a:lstStyle/>
+          <a:p>
+            <a:pPr algn="ctr"/>
+            <a:endParaRPr lang="it-IT" b="1"/>
+          </a:p>
+        </p:txBody>
+      </p:sp>
+      <p:sp>
+        <p:nvSpPr>
+          <p:cNvPr id="34" name="Ovale 33">
+            <a:extLst>
+              <a:ext uri="{FF2B5EF4-FFF2-40B4-BE49-F238E27FC236}">
+                <a16:creationId xmlns:a16="http://schemas.microsoft.com/office/drawing/2014/main" id="{D3AC2F22-FB95-46BF-9DCF-415FDA1BA300}"/>
+              </a:ext>
+            </a:extLst>
+          </p:cNvPr>
+          <p:cNvSpPr/>
+          <p:nvPr/>
+        </p:nvSpPr>
+        <p:spPr>
+          <a:xfrm>
+            <a:off x="-921548" y="1177652"/>
+            <a:ext cx="828000" cy="828000"/>
+          </a:xfrm>
+          <a:prstGeom prst="ellipse">
+            <a:avLst/>
+          </a:prstGeom>
+          <a:solidFill>
+            <a:schemeClr val="tx1"/>
+          </a:solidFill>
+          <a:ln>
+            <a:noFill/>
+          </a:ln>
+        </p:spPr>
+        <p:style>
+          <a:lnRef idx="2">
+            <a:schemeClr val="accent1">
+              <a:shade val="50000"/>
+            </a:schemeClr>
+          </a:lnRef>
+          <a:fillRef idx="1">
+            <a:schemeClr val="accent1"/>
+          </a:fillRef>
+          <a:effectRef idx="0">
+            <a:schemeClr val="accent1"/>
+          </a:effectRef>
+          <a:fontRef idx="minor">
+            <a:schemeClr val="lt1"/>
+          </a:fontRef>
+        </p:style>
+        <p:txBody>
+          <a:bodyPr rtlCol="0" anchor="ctr"/>
+          <a:lstStyle/>
+          <a:p>
+            <a:pPr algn="ctr"/>
+            <a:endParaRPr lang="it-IT" b="1"/>
+          </a:p>
+        </p:txBody>
+      </p:sp>
+      <p:sp>
+        <p:nvSpPr>
+          <p:cNvPr id="35" name="Ovale 34">
+            <a:extLst>
+              <a:ext uri="{FF2B5EF4-FFF2-40B4-BE49-F238E27FC236}">
+                <a16:creationId xmlns:a16="http://schemas.microsoft.com/office/drawing/2014/main" id="{74E7B7C7-3A95-4D42-B43F-8DB529DA3CC2}"/>
+              </a:ext>
+            </a:extLst>
+          </p:cNvPr>
+          <p:cNvSpPr/>
+          <p:nvPr/>
+        </p:nvSpPr>
+        <p:spPr>
+          <a:xfrm>
+            <a:off x="843012" y="240541"/>
+            <a:ext cx="828000" cy="828000"/>
+          </a:xfrm>
+          <a:prstGeom prst="ellipse">
+            <a:avLst/>
+          </a:prstGeom>
+          <a:solidFill>
+            <a:schemeClr val="tx1"/>
+          </a:solidFill>
+          <a:ln>
+            <a:noFill/>
+          </a:ln>
+        </p:spPr>
+        <p:style>
+          <a:lnRef idx="2">
+            <a:schemeClr val="accent1">
+              <a:shade val="50000"/>
+            </a:schemeClr>
+          </a:lnRef>
+          <a:fillRef idx="1">
+            <a:schemeClr val="accent1"/>
+          </a:fillRef>
+          <a:effectRef idx="0">
+            <a:schemeClr val="accent1"/>
+          </a:effectRef>
+          <a:fontRef idx="minor">
+            <a:schemeClr val="lt1"/>
+          </a:fontRef>
+        </p:style>
+        <p:txBody>
+          <a:bodyPr rtlCol="0" anchor="ctr"/>
+          <a:lstStyle/>
+          <a:p>
+            <a:pPr algn="ctr"/>
+            <a:endParaRPr lang="it-IT" b="1" dirty="0"/>
+          </a:p>
+        </p:txBody>
+      </p:sp>
+      <p:sp>
+        <p:nvSpPr>
+          <p:cNvPr id="36" name="Ovale 35">
+            <a:extLst>
+              <a:ext uri="{FF2B5EF4-FFF2-40B4-BE49-F238E27FC236}">
+                <a16:creationId xmlns:a16="http://schemas.microsoft.com/office/drawing/2014/main" id="{04C21FF1-62D1-4FC0-AD16-E92F15F1721B}"/>
+              </a:ext>
+            </a:extLst>
+          </p:cNvPr>
+          <p:cNvSpPr/>
+          <p:nvPr/>
+        </p:nvSpPr>
+        <p:spPr>
+          <a:xfrm>
+            <a:off x="-921548" y="3915593"/>
+            <a:ext cx="828000" cy="828000"/>
+          </a:xfrm>
+          <a:prstGeom prst="ellipse">
+            <a:avLst/>
+          </a:prstGeom>
+          <a:solidFill>
+            <a:schemeClr val="tx1"/>
+          </a:solidFill>
+          <a:ln>
+            <a:noFill/>
+          </a:ln>
+        </p:spPr>
+        <p:style>
+          <a:lnRef idx="2">
+            <a:schemeClr val="accent1">
+              <a:shade val="50000"/>
+            </a:schemeClr>
+          </a:lnRef>
+          <a:fillRef idx="1">
+            <a:schemeClr val="accent1"/>
+          </a:fillRef>
+          <a:effectRef idx="0">
+            <a:schemeClr val="accent1"/>
+          </a:effectRef>
+          <a:fontRef idx="minor">
+            <a:schemeClr val="lt1"/>
+          </a:fontRef>
+        </p:style>
+        <p:txBody>
+          <a:bodyPr rtlCol="0" anchor="ctr"/>
+          <a:lstStyle/>
+          <a:p>
+            <a:pPr algn="ctr"/>
+            <a:endParaRPr lang="it-IT" b="1"/>
+          </a:p>
+        </p:txBody>
+      </p:sp>
+      <p:sp>
+        <p:nvSpPr>
+          <p:cNvPr id="37" name="Ovale 36">
+            <a:extLst>
+              <a:ext uri="{FF2B5EF4-FFF2-40B4-BE49-F238E27FC236}">
+                <a16:creationId xmlns:a16="http://schemas.microsoft.com/office/drawing/2014/main" id="{1D88484A-4A5C-4C39-8803-41B298BC713B}"/>
+              </a:ext>
+            </a:extLst>
+          </p:cNvPr>
+          <p:cNvSpPr/>
+          <p:nvPr/>
+        </p:nvSpPr>
+        <p:spPr>
+          <a:xfrm>
+            <a:off x="-921548" y="4826696"/>
+            <a:ext cx="828000" cy="828000"/>
+          </a:xfrm>
+          <a:prstGeom prst="ellipse">
+            <a:avLst/>
+          </a:prstGeom>
+          <a:solidFill>
+            <a:schemeClr val="tx1"/>
+          </a:solidFill>
+          <a:ln>
+            <a:noFill/>
+          </a:ln>
+        </p:spPr>
+        <p:style>
+          <a:lnRef idx="2">
+            <a:schemeClr val="accent1">
+              <a:shade val="50000"/>
+            </a:schemeClr>
+          </a:lnRef>
+          <a:fillRef idx="1">
+            <a:schemeClr val="accent1"/>
+          </a:fillRef>
+          <a:effectRef idx="0">
+            <a:schemeClr val="accent1"/>
+          </a:effectRef>
+          <a:fontRef idx="minor">
+            <a:schemeClr val="lt1"/>
+          </a:fontRef>
+        </p:style>
+        <p:txBody>
+          <a:bodyPr rtlCol="0" anchor="ctr"/>
+          <a:lstStyle/>
+          <a:p>
+            <a:pPr algn="ctr"/>
+            <a:endParaRPr lang="it-IT" b="1"/>
+          </a:p>
+        </p:txBody>
+      </p:sp>
+      <p:sp>
+        <p:nvSpPr>
+          <p:cNvPr id="38" name="Ovale 37">
+            <a:extLst>
+              <a:ext uri="{FF2B5EF4-FFF2-40B4-BE49-F238E27FC236}">
+                <a16:creationId xmlns:a16="http://schemas.microsoft.com/office/drawing/2014/main" id="{FF876CDD-7F74-4DEF-811F-4600E883D877}"/>
+              </a:ext>
+            </a:extLst>
+          </p:cNvPr>
+          <p:cNvSpPr/>
+          <p:nvPr/>
+        </p:nvSpPr>
+        <p:spPr>
+          <a:xfrm>
+            <a:off x="-921548" y="5744747"/>
+            <a:ext cx="828000" cy="828000"/>
+          </a:xfrm>
+          <a:prstGeom prst="ellipse">
+            <a:avLst/>
+          </a:prstGeom>
+          <a:solidFill>
+            <a:schemeClr val="tx1"/>
+          </a:solidFill>
+          <a:ln>
+            <a:noFill/>
+          </a:ln>
+        </p:spPr>
+        <p:style>
+          <a:lnRef idx="2">
+            <a:schemeClr val="accent1">
+              <a:shade val="50000"/>
+            </a:schemeClr>
+          </a:lnRef>
+          <a:fillRef idx="1">
+            <a:schemeClr val="accent1"/>
+          </a:fillRef>
+          <a:effectRef idx="0">
+            <a:schemeClr val="accent1"/>
+          </a:effectRef>
+          <a:fontRef idx="minor">
+            <a:schemeClr val="lt1"/>
+          </a:fontRef>
+        </p:style>
+        <p:txBody>
+          <a:bodyPr rtlCol="0" anchor="ctr"/>
+          <a:lstStyle/>
+          <a:p>
+            <a:pPr algn="ctr"/>
+            <a:endParaRPr lang="it-IT" b="1"/>
+          </a:p>
+        </p:txBody>
+      </p:sp>
       <p:pic>
         <p:nvPicPr>
-          <p:cNvPr id="23" name="Elemento grafico 22" descr="Tiro a segno con riempimento a tinta unita">
+          <p:cNvPr id="39" name="Elemento grafico 38" descr="Tiro a segno con riempimento a tinta unita">
             <a:extLst>
               <a:ext uri="{FF2B5EF4-FFF2-40B4-BE49-F238E27FC236}">
-                <a16:creationId xmlns:a16="http://schemas.microsoft.com/office/drawing/2014/main" id="{879820B3-FCCA-41F1-864B-997EE45B50B6}"/>
+                <a16:creationId xmlns:a16="http://schemas.microsoft.com/office/drawing/2014/main" id="{4EDBAD58-44A3-4A31-B226-F37D3021A305}"/>
+              </a:ext>
+            </a:extLst>
+          </p:cNvPr>
+          <p:cNvPicPr>
+            <a:picLocks noChangeAspect="1"/>
+          </p:cNvPicPr>
+          <p:nvPr/>
+        </p:nvPicPr>
+        <p:blipFill>
+          <a:blip r:embed="rId3">
+            <a:extLst>
+              <a:ext uri="{96DAC541-7B7A-43D3-8B79-37D633B846F1}">
+                <asvg:svgBlip xmlns:asvg="http://schemas.microsoft.com/office/drawing/2016/SVG/main" r:embed="rId4"/>
+              </a:ext>
+            </a:extLst>
+          </a:blip>
+          <a:srcRect/>
+          <a:stretch/>
+        </p:blipFill>
+        <p:spPr>
+          <a:xfrm>
+            <a:off x="897828" y="297120"/>
+            <a:ext cx="718368" cy="718368"/>
+          </a:xfrm>
+          <a:prstGeom prst="rect">
+            <a:avLst/>
+          </a:prstGeom>
+        </p:spPr>
+      </p:pic>
+      <p:pic>
+        <p:nvPicPr>
+          <p:cNvPr id="40" name="Elemento grafico 39" descr="Ingranaggi contorno">
+            <a:extLst>
+              <a:ext uri="{FF2B5EF4-FFF2-40B4-BE49-F238E27FC236}">
+                <a16:creationId xmlns:a16="http://schemas.microsoft.com/office/drawing/2014/main" id="{3A7A700C-B01E-448A-A477-893FF62DCCEB}"/>
+              </a:ext>
+            </a:extLst>
+          </p:cNvPr>
+          <p:cNvPicPr>
+            <a:picLocks noChangeAspect="1"/>
+          </p:cNvPicPr>
+          <p:nvPr/>
+        </p:nvPicPr>
+        <p:blipFill>
+          <a:blip r:embed="rId5">
+            <a:extLst>
+              <a:ext uri="{96DAC541-7B7A-43D3-8B79-37D633B846F1}">
+                <asvg:svgBlip xmlns:asvg="http://schemas.microsoft.com/office/drawing/2016/SVG/main" r:embed="rId6"/>
+              </a:ext>
+            </a:extLst>
+          </a:blip>
+          <a:stretch>
+            <a:fillRect/>
+          </a:stretch>
+        </p:blipFill>
+        <p:spPr>
+          <a:xfrm>
+            <a:off x="-866732" y="1233237"/>
+            <a:ext cx="718368" cy="718368"/>
+          </a:xfrm>
+          <a:prstGeom prst="rect">
+            <a:avLst/>
+          </a:prstGeom>
+        </p:spPr>
+      </p:pic>
+      <p:pic>
+        <p:nvPicPr>
+          <p:cNvPr id="41" name="Elemento grafico 40" descr="Condividi con riempimento a tinta unita">
+            <a:extLst>
+              <a:ext uri="{FF2B5EF4-FFF2-40B4-BE49-F238E27FC236}">
+                <a16:creationId xmlns:a16="http://schemas.microsoft.com/office/drawing/2014/main" id="{CD95655B-0339-4481-889B-11388E609685}"/>
+              </a:ext>
+            </a:extLst>
+          </p:cNvPr>
+          <p:cNvPicPr>
+            <a:picLocks noChangeAspect="1"/>
+          </p:cNvPicPr>
+          <p:nvPr/>
+        </p:nvPicPr>
+        <p:blipFill>
+          <a:blip r:embed="rId7">
+            <a:extLst>
+              <a:ext uri="{96DAC541-7B7A-43D3-8B79-37D633B846F1}">
+                <asvg:svgBlip xmlns:asvg="http://schemas.microsoft.com/office/drawing/2016/SVG/main" r:embed="rId8"/>
+              </a:ext>
+            </a:extLst>
+          </a:blip>
+          <a:stretch>
+            <a:fillRect/>
+          </a:stretch>
+        </p:blipFill>
+        <p:spPr>
+          <a:xfrm>
+            <a:off x="-897865" y="2111908"/>
+            <a:ext cx="780634" cy="780634"/>
+          </a:xfrm>
+          <a:prstGeom prst="rect">
+            <a:avLst/>
+          </a:prstGeom>
+        </p:spPr>
+      </p:pic>
+      <p:pic>
+        <p:nvPicPr>
+          <p:cNvPr id="42" name="Segnaposto contenuto 9" descr="Utente contorno">
+            <a:extLst>
+              <a:ext uri="{FF2B5EF4-FFF2-40B4-BE49-F238E27FC236}">
+                <a16:creationId xmlns:a16="http://schemas.microsoft.com/office/drawing/2014/main" id="{3A26241F-080B-4A12-A8E3-A13007E69F79}"/>
+              </a:ext>
+            </a:extLst>
+          </p:cNvPr>
+          <p:cNvPicPr>
+            <a:picLocks noChangeAspect="1"/>
+          </p:cNvPicPr>
+          <p:nvPr/>
+        </p:nvPicPr>
+        <p:blipFill>
+          <a:blip r:embed="rId9">
+            <a:extLst>
+              <a:ext uri="{96DAC541-7B7A-43D3-8B79-37D633B846F1}">
+                <asvg:svgBlip xmlns:asvg="http://schemas.microsoft.com/office/drawing/2016/SVG/main" r:embed="rId10"/>
+              </a:ext>
+            </a:extLst>
+          </a:blip>
+          <a:stretch>
+            <a:fillRect/>
+          </a:stretch>
+        </p:blipFill>
+        <p:spPr>
+          <a:xfrm>
+            <a:off x="-866732" y="3913277"/>
+            <a:ext cx="718368" cy="718368"/>
+          </a:xfrm>
+          <a:prstGeom prst="rect">
+            <a:avLst/>
+          </a:prstGeom>
+        </p:spPr>
+      </p:pic>
+      <p:pic>
+        <p:nvPicPr>
+          <p:cNvPr id="43" name="Elemento grafico 42" descr="Database contorno">
+            <a:extLst>
+              <a:ext uri="{FF2B5EF4-FFF2-40B4-BE49-F238E27FC236}">
+                <a16:creationId xmlns:a16="http://schemas.microsoft.com/office/drawing/2014/main" id="{96F0F38F-E0F4-408E-9A36-88D708B31BF9}"/>
+              </a:ext>
+            </a:extLst>
+          </p:cNvPr>
+          <p:cNvPicPr>
+            <a:picLocks noChangeAspect="1"/>
+          </p:cNvPicPr>
+          <p:nvPr/>
+        </p:nvPicPr>
+        <p:blipFill>
+          <a:blip r:embed="rId11">
+            <a:extLst>
+              <a:ext uri="{96DAC541-7B7A-43D3-8B79-37D633B846F1}">
+                <asvg:svgBlip xmlns:asvg="http://schemas.microsoft.com/office/drawing/2016/SVG/main" r:embed="rId12"/>
+              </a:ext>
+            </a:extLst>
+          </a:blip>
+          <a:stretch>
+            <a:fillRect/>
+          </a:stretch>
+        </p:blipFill>
+        <p:spPr>
+          <a:xfrm>
+            <a:off x="-866732" y="4885375"/>
+            <a:ext cx="718368" cy="718368"/>
+          </a:xfrm>
+          <a:prstGeom prst="rect">
+            <a:avLst/>
+          </a:prstGeom>
+        </p:spPr>
+      </p:pic>
+      <p:sp>
+        <p:nvSpPr>
+          <p:cNvPr id="44" name="Ovale 43">
+            <a:extLst>
+              <a:ext uri="{FF2B5EF4-FFF2-40B4-BE49-F238E27FC236}">
+                <a16:creationId xmlns:a16="http://schemas.microsoft.com/office/drawing/2014/main" id="{01323FF3-ACC8-44A0-89B9-06F650FAD869}"/>
+              </a:ext>
+            </a:extLst>
+          </p:cNvPr>
+          <p:cNvSpPr/>
+          <p:nvPr/>
+        </p:nvSpPr>
+        <p:spPr>
+          <a:xfrm>
+            <a:off x="-976364" y="3022284"/>
+            <a:ext cx="828000" cy="828000"/>
+          </a:xfrm>
+          <a:prstGeom prst="ellipse">
+            <a:avLst/>
+          </a:prstGeom>
+          <a:solidFill>
+            <a:schemeClr val="tx1"/>
+          </a:solidFill>
+          <a:ln>
+            <a:noFill/>
+          </a:ln>
+        </p:spPr>
+        <p:style>
+          <a:lnRef idx="2">
+            <a:schemeClr val="accent1">
+              <a:shade val="50000"/>
+            </a:schemeClr>
+          </a:lnRef>
+          <a:fillRef idx="1">
+            <a:schemeClr val="accent1"/>
+          </a:fillRef>
+          <a:effectRef idx="0">
+            <a:schemeClr val="accent1"/>
+          </a:effectRef>
+          <a:fontRef idx="minor">
+            <a:schemeClr val="lt1"/>
+          </a:fontRef>
+        </p:style>
+        <p:txBody>
+          <a:bodyPr rtlCol="0" anchor="ctr"/>
+          <a:lstStyle/>
+          <a:p>
+            <a:pPr algn="ctr"/>
+            <a:endParaRPr lang="it-IT" b="1"/>
+          </a:p>
+        </p:txBody>
+      </p:sp>
+      <p:pic>
+        <p:nvPicPr>
+          <p:cNvPr id="45" name="Segnaposto contenuto 7" descr="Blockchain contorno">
+            <a:extLst>
+              <a:ext uri="{FF2B5EF4-FFF2-40B4-BE49-F238E27FC236}">
+                <a16:creationId xmlns:a16="http://schemas.microsoft.com/office/drawing/2014/main" id="{299EA23F-0317-4158-B586-5389499EF169}"/>
+              </a:ext>
+            </a:extLst>
+          </p:cNvPr>
+          <p:cNvPicPr>
+            <a:picLocks noChangeAspect="1"/>
+          </p:cNvPicPr>
+          <p:nvPr/>
+        </p:nvPicPr>
+        <p:blipFill>
+          <a:blip r:embed="rId13">
+            <a:extLst>
+              <a:ext uri="{96DAC541-7B7A-43D3-8B79-37D633B846F1}">
+                <asvg:svgBlip xmlns:asvg="http://schemas.microsoft.com/office/drawing/2016/SVG/main" r:embed="rId14"/>
+              </a:ext>
+            </a:extLst>
+          </a:blip>
+          <a:stretch>
+            <a:fillRect/>
+          </a:stretch>
+        </p:blipFill>
+        <p:spPr>
+          <a:xfrm>
+            <a:off x="-921548" y="3069816"/>
+            <a:ext cx="718368" cy="718368"/>
+          </a:xfrm>
+          <a:prstGeom prst="rect">
+            <a:avLst/>
+          </a:prstGeom>
+        </p:spPr>
+      </p:pic>
+      <p:pic>
+        <p:nvPicPr>
+          <p:cNvPr id="47" name="Elemento grafico 46" descr="Tiro a segno contorno">
+            <a:extLst>
+              <a:ext uri="{FF2B5EF4-FFF2-40B4-BE49-F238E27FC236}">
+                <a16:creationId xmlns:a16="http://schemas.microsoft.com/office/drawing/2014/main" id="{D58D57E4-2115-4EE6-A270-6C8EDEA4D3FE}"/>
               </a:ext>
             </a:extLst>
           </p:cNvPr>
@@ -14060,8 +14138,9 @@
               </a:ext>
             </a:extLst>
           </a:blip>
-          <a:srcRect/>
-          <a:stretch/>
+          <a:stretch>
+            <a:fillRect/>
+          </a:stretch>
         </p:blipFill>
         <p:spPr>
           <a:xfrm>
@@ -14075,10 +14154,10 @@
       </p:pic>
       <p:pic>
         <p:nvPicPr>
-          <p:cNvPr id="24" name="Elemento grafico 23" descr="Ingranaggi contorno">
+          <p:cNvPr id="48" name="Elemento grafico 47" descr="Singolo ingranaggio con riempimento a tinta unita">
             <a:extLst>
               <a:ext uri="{FF2B5EF4-FFF2-40B4-BE49-F238E27FC236}">
-                <a16:creationId xmlns:a16="http://schemas.microsoft.com/office/drawing/2014/main" id="{FC474AD0-13F6-43C1-BC58-CCB35736CF8E}"/>
+                <a16:creationId xmlns:a16="http://schemas.microsoft.com/office/drawing/2014/main" id="{3F6F1215-00C0-4B41-AF55-A32C982C4E9A}"/>
               </a:ext>
             </a:extLst>
           </p:cNvPr>
@@ -14095,9 +14174,8 @@
               </a:ext>
             </a:extLst>
           </a:blip>
-          <a:stretch>
-            <a:fillRect/>
-          </a:stretch>
+          <a:srcRect/>
+          <a:stretch/>
         </p:blipFill>
         <p:spPr>
           <a:xfrm>
@@ -14111,10 +14189,10 @@
       </p:pic>
       <p:pic>
         <p:nvPicPr>
-          <p:cNvPr id="25" name="Elemento grafico 24" descr="Condividi con riempimento a tinta unita">
+          <p:cNvPr id="49" name="Elemento grafico 48" descr="Condividi con riempimento a tinta unita">
             <a:extLst>
               <a:ext uri="{FF2B5EF4-FFF2-40B4-BE49-F238E27FC236}">
-                <a16:creationId xmlns:a16="http://schemas.microsoft.com/office/drawing/2014/main" id="{DB1EF8F5-F64D-416F-90A8-C9DFD075096A}"/>
+                <a16:creationId xmlns:a16="http://schemas.microsoft.com/office/drawing/2014/main" id="{05B0D961-3E03-4788-ACD6-CF9EAB96E815}"/>
               </a:ext>
             </a:extLst>
           </p:cNvPr>
@@ -14147,10 +14225,10 @@
       </p:pic>
       <p:pic>
         <p:nvPicPr>
-          <p:cNvPr id="26" name="Segnaposto contenuto 7" descr="Blockchain contorno">
+          <p:cNvPr id="50" name="Segnaposto contenuto 7" descr="Blockchain contorno">
             <a:extLst>
               <a:ext uri="{FF2B5EF4-FFF2-40B4-BE49-F238E27FC236}">
-                <a16:creationId xmlns:a16="http://schemas.microsoft.com/office/drawing/2014/main" id="{0D521C08-D3A5-4783-A799-1FFF1521F409}"/>
+                <a16:creationId xmlns:a16="http://schemas.microsoft.com/office/drawing/2014/main" id="{7CB27159-711B-4E6B-AAB6-A0F9523E98F0}"/>
               </a:ext>
             </a:extLst>
           </p:cNvPr>
@@ -14183,10 +14261,10 @@
       </p:pic>
       <p:pic>
         <p:nvPicPr>
-          <p:cNvPr id="27" name="Segnaposto contenuto 9" descr="Utente con riempimento a tinta unita">
+          <p:cNvPr id="51" name="Segnaposto contenuto 9" descr="Utente con riempimento a tinta unita">
             <a:extLst>
               <a:ext uri="{FF2B5EF4-FFF2-40B4-BE49-F238E27FC236}">
-                <a16:creationId xmlns:a16="http://schemas.microsoft.com/office/drawing/2014/main" id="{DB618DFC-AF08-47B5-ACAD-654A0E8A31CE}"/>
+                <a16:creationId xmlns:a16="http://schemas.microsoft.com/office/drawing/2014/main" id="{ADB85AA4-D27F-49D2-8E71-D813A5DE69DA}"/>
               </a:ext>
             </a:extLst>
           </p:cNvPr>
@@ -14218,10 +14296,10 @@
       </p:pic>
       <p:pic>
         <p:nvPicPr>
-          <p:cNvPr id="28" name="Elemento grafico 27" descr="Database con riempimento a tinta unita">
+          <p:cNvPr id="52" name="Elemento grafico 51" descr="Database con riempimento a tinta unita">
             <a:extLst>
               <a:ext uri="{FF2B5EF4-FFF2-40B4-BE49-F238E27FC236}">
-                <a16:creationId xmlns:a16="http://schemas.microsoft.com/office/drawing/2014/main" id="{1DAD710D-6D99-4E58-A029-1FA40864DD91}"/>
+                <a16:creationId xmlns:a16="http://schemas.microsoft.com/office/drawing/2014/main" id="{A970440D-786D-49FB-A39B-C9FF9F4967C1}"/>
               </a:ext>
             </a:extLst>
           </p:cNvPr>
@@ -14251,12 +14329,65 @@
           </a:prstGeom>
         </p:spPr>
       </p:pic>
+      <p:sp>
+        <p:nvSpPr>
+          <p:cNvPr id="56" name="CasellaDiTesto 55">
+            <a:extLst>
+              <a:ext uri="{FF2B5EF4-FFF2-40B4-BE49-F238E27FC236}">
+                <a16:creationId xmlns:a16="http://schemas.microsoft.com/office/drawing/2014/main" id="{1D23F40E-577C-4704-BDD1-53C6A313D6D2}"/>
+              </a:ext>
+            </a:extLst>
+          </p:cNvPr>
+          <p:cNvSpPr txBox="1"/>
+          <p:nvPr/>
+        </p:nvSpPr>
+        <p:spPr>
+          <a:xfrm>
+            <a:off x="2112300" y="209818"/>
+            <a:ext cx="3983699" cy="1015663"/>
+          </a:xfrm>
+          <a:prstGeom prst="rect">
+            <a:avLst/>
+          </a:prstGeom>
+          <a:noFill/>
+        </p:spPr>
+        <p:txBody>
+          <a:bodyPr wrap="square" rtlCol="0">
+            <a:spAutoFit/>
+          </a:bodyPr>
+          <a:lstStyle/>
+          <a:p>
+            <a:r>
+              <a:rPr lang="it-IT" sz="3600" dirty="0"/>
+              <a:t>ESERCITAZIONE</a:t>
+            </a:r>
+            <a:r>
+              <a:rPr lang="it-IT" sz="2400" dirty="0"/>
+              <a:t> </a:t>
+            </a:r>
+            <a:r>
+              <a:rPr lang="it-IT" sz="3600" dirty="0"/>
+              <a:t>8</a:t>
+            </a:r>
+            <a:r>
+              <a:rPr lang="it-IT" sz="2400" dirty="0"/>
+              <a:t>:</a:t>
+            </a:r>
+          </a:p>
+          <a:p>
+            <a:r>
+              <a:rPr lang="it-IT" sz="2400" dirty="0"/>
+              <a:t>Remote Procedure Call (RPC)</a:t>
+            </a:r>
+          </a:p>
+        </p:txBody>
+      </p:sp>
       <p:pic>
         <p:nvPicPr>
-          <p:cNvPr id="30" name="Elemento grafico 29" descr="Idrante antincendio rotto con riempimento a tinta unita">
+          <p:cNvPr id="27" name="Elemento grafico 26" descr="Idrante antincendio rotto con riempimento a tinta unita">
             <a:extLst>
               <a:ext uri="{FF2B5EF4-FFF2-40B4-BE49-F238E27FC236}">
-                <a16:creationId xmlns:a16="http://schemas.microsoft.com/office/drawing/2014/main" id="{B86FA234-F9F0-4DC7-B194-841544775C90}"/>
+                <a16:creationId xmlns:a16="http://schemas.microsoft.com/office/drawing/2014/main" id="{6AED2CD4-7E9D-48D4-92CC-DD47C6F6E2CB}"/>
               </a:ext>
             </a:extLst>
           </p:cNvPr>
@@ -14288,10 +14419,10 @@
       </p:pic>
       <p:sp>
         <p:nvSpPr>
-          <p:cNvPr id="31" name="CasellaDiTesto 30">
+          <p:cNvPr id="2" name="CasellaDiTesto 1">
             <a:extLst>
               <a:ext uri="{FF2B5EF4-FFF2-40B4-BE49-F238E27FC236}">
-                <a16:creationId xmlns:a16="http://schemas.microsoft.com/office/drawing/2014/main" id="{0E156E2A-A88A-4D5F-81AD-81979975A960}"/>
+                <a16:creationId xmlns:a16="http://schemas.microsoft.com/office/drawing/2014/main" id="{655435D6-7EED-41EE-960A-BEE7615438E2}"/>
               </a:ext>
             </a:extLst>
           </p:cNvPr>
@@ -14300,8 +14431,8 @@
         </p:nvSpPr>
         <p:spPr>
           <a:xfrm>
-            <a:off x="-93548" y="1456406"/>
-            <a:ext cx="1030139" cy="292388"/>
+            <a:off x="-70225" y="466434"/>
+            <a:ext cx="1067536" cy="307777"/>
           </a:xfrm>
           <a:prstGeom prst="rect">
             <a:avLst/>
@@ -14315,24 +14446,24 @@
           <a:lstStyle/>
           <a:p>
             <a:r>
-              <a:rPr lang="it-IT" sz="1300" dirty="0">
+              <a:rPr lang="it-IT" sz="1400" dirty="0">
                 <a:solidFill>
                   <a:schemeClr val="accent2">
                     <a:lumMod val="75000"/>
                   </a:schemeClr>
                 </a:solidFill>
               </a:rPr>
-              <a:t>PROCEDURE</a:t>
+              <a:t>OBIETTIVI</a:t>
             </a:r>
           </a:p>
         </p:txBody>
       </p:sp>
       <p:sp>
         <p:nvSpPr>
-          <p:cNvPr id="2" name="CasellaDiTesto 1">
+          <p:cNvPr id="3" name="CasellaDiTesto 2">
             <a:extLst>
               <a:ext uri="{FF2B5EF4-FFF2-40B4-BE49-F238E27FC236}">
-                <a16:creationId xmlns:a16="http://schemas.microsoft.com/office/drawing/2014/main" id="{72D924BB-7FB1-4C82-91A5-C34F9D2F547A}"/>
+                <a16:creationId xmlns:a16="http://schemas.microsoft.com/office/drawing/2014/main" id="{8EE036CC-8F6D-4AB6-9BBB-00504CEE01F3}"/>
               </a:ext>
             </a:extLst>
           </p:cNvPr>
@@ -14341,8 +14472,8 @@
         </p:nvSpPr>
         <p:spPr>
           <a:xfrm>
-            <a:off x="2102950" y="805253"/>
-            <a:ext cx="3027872" cy="2246769"/>
+            <a:off x="2449901" y="2502225"/>
+            <a:ext cx="8039819" cy="1938992"/>
           </a:xfrm>
           <a:prstGeom prst="rect">
             <a:avLst/>
@@ -14355,48 +14486,24 @@
           </a:bodyPr>
           <a:lstStyle/>
           <a:p>
+            <a:pPr marL="285750" indent="-285750">
+              <a:buFont typeface="Arial" panose="020B0604020202020204" pitchFamily="34" charset="0"/>
+              <a:buChar char="•"/>
+            </a:pPr>
             <a:r>
-              <a:rPr lang="it-IT" sz="2000" dirty="0"/>
-              <a:t>• FILE_SCAN: accetta come parametro d’ingresso il nome del file e restituisce tre interi che indicano: numero di caratteri, parole e linee nel file. Altrimenti un codice di errore.</a:t>
+              <a:rPr lang="it-IT" sz="2400" dirty="0"/>
+              <a:t>contare i caratteri, le parole e le linee di un file di testo presente sul server remoto.</a:t>
             </a:r>
           </a:p>
-        </p:txBody>
-      </p:sp>
-      <p:sp>
-        <p:nvSpPr>
-          <p:cNvPr id="3" name="CasellaDiTesto 2">
-            <a:extLst>
-              <a:ext uri="{FF2B5EF4-FFF2-40B4-BE49-F238E27FC236}">
-                <a16:creationId xmlns:a16="http://schemas.microsoft.com/office/drawing/2014/main" id="{DF07D647-1EBF-4A37-A91B-9D9732B72F6B}"/>
-              </a:ext>
-            </a:extLst>
-          </p:cNvPr>
-          <p:cNvSpPr txBox="1"/>
-          <p:nvPr/>
-        </p:nvSpPr>
-        <p:spPr>
-          <a:xfrm>
-            <a:off x="2102950" y="3633203"/>
-            <a:ext cx="3140015" cy="2831544"/>
-          </a:xfrm>
-          <a:prstGeom prst="rect">
-            <a:avLst/>
-          </a:prstGeom>
-          <a:noFill/>
-        </p:spPr>
-        <p:txBody>
-          <a:bodyPr wrap="square" rtlCol="0">
-            <a:spAutoFit/>
-          </a:bodyPr>
-          <a:lstStyle/>
-          <a:p>
+          <a:p>
+            <a:pPr marL="285750" indent="-285750">
+              <a:buFont typeface="Arial" panose="020B0604020202020204" pitchFamily="34" charset="0"/>
+              <a:buChar char="•"/>
+            </a:pPr>
             <a:r>
-              <a:rPr lang="it-IT" sz="2000" dirty="0"/>
-              <a:t>• DIR_SCAN: accetta come parametro d’ingresso il nome del direttorio remoto e una soglia numerica. In caso di successo, restituisce un intero positivo con il numero di file la cui dimensione supera la soglia inserita, altrimenti -1.</a:t>
+              <a:rPr lang="it-IT" sz="2400" dirty="0"/>
+              <a:t>contare il numero di file (presenti nel direttorio remoto indicato dal client) la cui dimensione è maggiore di un intero indicato dal client.</a:t>
             </a:r>
-          </a:p>
-          <a:p>
-            <a:endParaRPr lang="it-IT" dirty="0"/>
           </a:p>
         </p:txBody>
       </p:sp>
@@ -14405,7 +14512,7 @@
           <p:cNvPr id="29" name="Elemento grafico 28" descr="Idrante antincendio rotto con riempimento a tinta unita">
             <a:extLst>
               <a:ext uri="{FF2B5EF4-FFF2-40B4-BE49-F238E27FC236}">
-                <a16:creationId xmlns:a16="http://schemas.microsoft.com/office/drawing/2014/main" id="{8646750D-EAD6-4DCF-81E4-A03C9C1EC101}"/>
+                <a16:creationId xmlns:a16="http://schemas.microsoft.com/office/drawing/2014/main" id="{B76F72A4-D2D6-4461-B013-19C39F881AB4}"/>
               </a:ext>
             </a:extLst>
           </p:cNvPr>
@@ -14427,18 +14534,100 @@
         </p:blipFill>
         <p:spPr>
           <a:xfrm>
-            <a:off x="-869791" y="5744747"/>
+            <a:off x="-867548" y="5798747"/>
             <a:ext cx="720000" cy="720000"/>
           </a:xfrm>
           <a:prstGeom prst="rect">
             <a:avLst/>
           </a:prstGeom>
+        </p:spPr>
+      </p:pic>
+      <p:pic>
+        <p:nvPicPr>
+          <p:cNvPr id="30" name="Immagine 29">
+            <a:extLst>
+              <a:ext uri="{FF2B5EF4-FFF2-40B4-BE49-F238E27FC236}">
+                <a16:creationId xmlns:a16="http://schemas.microsoft.com/office/drawing/2014/main" id="{5AC1F13B-A53C-4375-BF94-1B5158675E9B}"/>
+              </a:ext>
+            </a:extLst>
+          </p:cNvPr>
+          <p:cNvPicPr>
+            <a:picLocks noChangeAspect="1"/>
+          </p:cNvPicPr>
+          <p:nvPr/>
+        </p:nvPicPr>
+        <p:blipFill>
+          <a:blip r:embed="rId31"/>
+          <a:stretch>
+            <a:fillRect/>
+          </a:stretch>
+        </p:blipFill>
+        <p:spPr>
+          <a:xfrm>
+            <a:off x="8075300" y="-1854076"/>
+            <a:ext cx="1372494" cy="1404626"/>
+          </a:xfrm>
+          <a:prstGeom prst="roundRect">
+            <a:avLst>
+              <a:gd name="adj" fmla="val 5263"/>
+            </a:avLst>
+          </a:prstGeom>
+          <a:solidFill>
+            <a:srgbClr val="FFFFFF">
+              <a:shade val="85000"/>
+            </a:srgbClr>
+          </a:solidFill>
+          <a:ln>
+            <a:noFill/>
+          </a:ln>
+          <a:effectLst/>
+        </p:spPr>
+      </p:pic>
+      <p:pic>
+        <p:nvPicPr>
+          <p:cNvPr id="31" name="Immagine 30">
+            <a:extLst>
+              <a:ext uri="{FF2B5EF4-FFF2-40B4-BE49-F238E27FC236}">
+                <a16:creationId xmlns:a16="http://schemas.microsoft.com/office/drawing/2014/main" id="{490B36B6-BBC5-484B-A361-6113D03E7959}"/>
+              </a:ext>
+            </a:extLst>
+          </p:cNvPr>
+          <p:cNvPicPr>
+            <a:picLocks noChangeAspect="1"/>
+          </p:cNvPicPr>
+          <p:nvPr/>
+        </p:nvPicPr>
+        <p:blipFill>
+          <a:blip r:embed="rId32"/>
+          <a:stretch>
+            <a:fillRect/>
+          </a:stretch>
+        </p:blipFill>
+        <p:spPr>
+          <a:xfrm>
+            <a:off x="7855367" y="7538824"/>
+            <a:ext cx="1812359" cy="830261"/>
+          </a:xfrm>
+          <a:prstGeom prst="roundRect">
+            <a:avLst>
+              <a:gd name="adj" fmla="val 4366"/>
+            </a:avLst>
+          </a:prstGeom>
+          <a:solidFill>
+            <a:srgbClr val="FFFFFF">
+              <a:shade val="85000"/>
+            </a:srgbClr>
+          </a:solidFill>
+          <a:ln>
+            <a:noFill/>
+          </a:ln>
+          <a:effectLst/>
         </p:spPr>
       </p:pic>
     </p:spTree>
     <p:extLst>
       <p:ext uri="{BB962C8B-B14F-4D97-AF65-F5344CB8AC3E}">
-        <p14:creationId xmlns:p14="http://schemas.microsoft.com/office/powerpoint/2010/main" val="4053070553"/>
+        <p14:creationId xmlns:p14="http://schemas.microsoft.com/office/powerpoint/2010/main" val="627313348"/>
       </p:ext>
     </p:extLst>
   </p:cSld>
@@ -14485,6 +14674,36 @@
           <a:chExt cx="0" cy="0"/>
         </a:xfrm>
       </p:grpSpPr>
+      <p:pic>
+        <p:nvPicPr>
+          <p:cNvPr id="5" name="Immagine 4">
+            <a:extLst>
+              <a:ext uri="{FF2B5EF4-FFF2-40B4-BE49-F238E27FC236}">
+                <a16:creationId xmlns:a16="http://schemas.microsoft.com/office/drawing/2014/main" id="{BE882C53-E1ED-48FB-8173-0ABE19D483DD}"/>
+              </a:ext>
+            </a:extLst>
+          </p:cNvPr>
+          <p:cNvPicPr>
+            <a:picLocks noChangeAspect="1"/>
+          </p:cNvPicPr>
+          <p:nvPr/>
+        </p:nvPicPr>
+        <p:blipFill>
+          <a:blip r:embed="rId2"/>
+          <a:stretch>
+            <a:fillRect/>
+          </a:stretch>
+        </p:blipFill>
+        <p:spPr>
+          <a:xfrm>
+            <a:off x="115918" y="-265174"/>
+            <a:ext cx="1000265" cy="5534797"/>
+          </a:xfrm>
+          <a:prstGeom prst="rect">
+            <a:avLst/>
+          </a:prstGeom>
+        </p:spPr>
+      </p:pic>
       <p:sp>
         <p:nvSpPr>
           <p:cNvPr id="16" name="Segnaposto numero diapositiva 5">
@@ -14522,10 +14741,10 @@
       </p:sp>
       <p:sp>
         <p:nvSpPr>
-          <p:cNvPr id="29" name="Ovale 28">
+          <p:cNvPr id="7" name="Ovale 6">
             <a:extLst>
               <a:ext uri="{FF2B5EF4-FFF2-40B4-BE49-F238E27FC236}">
-                <a16:creationId xmlns:a16="http://schemas.microsoft.com/office/drawing/2014/main" id="{8BDF5A38-5DAA-4652-B24D-132DC9A4418A}"/>
+                <a16:creationId xmlns:a16="http://schemas.microsoft.com/office/drawing/2014/main" id="{671CC795-53B5-453F-AED8-D1FCB84A3BF5}"/>
               </a:ext>
             </a:extLst>
           </p:cNvPr>
@@ -14534,7 +14753,7 @@
         </p:nvSpPr>
         <p:spPr>
           <a:xfrm>
-            <a:off x="815723" y="2062684"/>
+            <a:off x="-921548" y="2091071"/>
             <a:ext cx="828000" cy="828000"/>
           </a:xfrm>
           <a:prstGeom prst="ellipse">
@@ -14574,10 +14793,10 @@
       </p:sp>
       <p:sp>
         <p:nvSpPr>
-          <p:cNvPr id="30" name="Ovale 29">
+          <p:cNvPr id="8" name="Ovale 7">
             <a:extLst>
               <a:ext uri="{FF2B5EF4-FFF2-40B4-BE49-F238E27FC236}">
-                <a16:creationId xmlns:a16="http://schemas.microsoft.com/office/drawing/2014/main" id="{7FC5FCFD-AA6A-4A57-8233-C33BE27E4977}"/>
+                <a16:creationId xmlns:a16="http://schemas.microsoft.com/office/drawing/2014/main" id="{7FA072E8-1074-48BD-B36C-972DA8EB2E4F}"/>
               </a:ext>
             </a:extLst>
           </p:cNvPr>
@@ -14586,7 +14805,7 @@
         </p:nvSpPr>
         <p:spPr>
           <a:xfrm>
-            <a:off x="-921548" y="1177652"/>
+            <a:off x="881775" y="1231433"/>
             <a:ext cx="828000" cy="828000"/>
           </a:xfrm>
           <a:prstGeom prst="ellipse">
@@ -14626,10 +14845,10 @@
       </p:sp>
       <p:sp>
         <p:nvSpPr>
-          <p:cNvPr id="31" name="Ovale 30">
+          <p:cNvPr id="9" name="Ovale 8">
             <a:extLst>
               <a:ext uri="{FF2B5EF4-FFF2-40B4-BE49-F238E27FC236}">
-                <a16:creationId xmlns:a16="http://schemas.microsoft.com/office/drawing/2014/main" id="{0F5A0048-7E26-4166-8460-210AE43053B5}"/>
+                <a16:creationId xmlns:a16="http://schemas.microsoft.com/office/drawing/2014/main" id="{94FC5E84-FF8C-46EB-9CFF-4FBC959449F3}"/>
               </a:ext>
             </a:extLst>
           </p:cNvPr>
@@ -14678,10 +14897,10 @@
       </p:sp>
       <p:sp>
         <p:nvSpPr>
-          <p:cNvPr id="32" name="Ovale 31">
+          <p:cNvPr id="10" name="Ovale 9">
             <a:extLst>
               <a:ext uri="{FF2B5EF4-FFF2-40B4-BE49-F238E27FC236}">
-                <a16:creationId xmlns:a16="http://schemas.microsoft.com/office/drawing/2014/main" id="{11253363-C25D-4D4E-8A20-84B83C3D3B88}"/>
+                <a16:creationId xmlns:a16="http://schemas.microsoft.com/office/drawing/2014/main" id="{2ED130A9-1ACE-45D9-A9DF-15C0186F661B}"/>
               </a:ext>
             </a:extLst>
           </p:cNvPr>
@@ -14730,10 +14949,10 @@
       </p:sp>
       <p:sp>
         <p:nvSpPr>
-          <p:cNvPr id="33" name="Ovale 32">
+          <p:cNvPr id="11" name="Ovale 10">
             <a:extLst>
               <a:ext uri="{FF2B5EF4-FFF2-40B4-BE49-F238E27FC236}">
-                <a16:creationId xmlns:a16="http://schemas.microsoft.com/office/drawing/2014/main" id="{3B5834CB-2D85-43AB-A4E1-5AA2D7AB67CC}"/>
+                <a16:creationId xmlns:a16="http://schemas.microsoft.com/office/drawing/2014/main" id="{F45D1D58-5653-4B97-8C87-4DF368AF30AC}"/>
               </a:ext>
             </a:extLst>
           </p:cNvPr>
@@ -14782,10 +15001,10 @@
       </p:sp>
       <p:sp>
         <p:nvSpPr>
-          <p:cNvPr id="34" name="Ovale 33">
+          <p:cNvPr id="13" name="Ovale 12">
             <a:extLst>
               <a:ext uri="{FF2B5EF4-FFF2-40B4-BE49-F238E27FC236}">
-                <a16:creationId xmlns:a16="http://schemas.microsoft.com/office/drawing/2014/main" id="{EBE12D95-23B5-40EA-942C-249C49F49539}"/>
+                <a16:creationId xmlns:a16="http://schemas.microsoft.com/office/drawing/2014/main" id="{74E17BCF-9E84-4DAD-B1CA-6C9D26666E93}"/>
               </a:ext>
             </a:extLst>
           </p:cNvPr>
@@ -14834,10 +15053,10 @@
       </p:sp>
       <p:pic>
         <p:nvPicPr>
-          <p:cNvPr id="35" name="Elemento grafico 34" descr="Tiro a segno contorno">
+          <p:cNvPr id="14" name="Elemento grafico 13" descr="Tiro a segno contorno">
             <a:extLst>
               <a:ext uri="{FF2B5EF4-FFF2-40B4-BE49-F238E27FC236}">
-                <a16:creationId xmlns:a16="http://schemas.microsoft.com/office/drawing/2014/main" id="{753A4E9C-1310-4DA4-B30E-4F3078A6BBB8}"/>
+                <a16:creationId xmlns:a16="http://schemas.microsoft.com/office/drawing/2014/main" id="{67F7D67F-E6A7-4DC1-A06C-072C775790D4}"/>
               </a:ext>
             </a:extLst>
           </p:cNvPr>
@@ -14847,10 +15066,10 @@
           <p:nvPr/>
         </p:nvPicPr>
         <p:blipFill>
-          <a:blip r:embed="rId2">
+          <a:blip r:embed="rId3">
             <a:extLst>
               <a:ext uri="{96DAC541-7B7A-43D3-8B79-37D633B846F1}">
-                <asvg:svgBlip xmlns:asvg="http://schemas.microsoft.com/office/drawing/2016/SVG/main" r:embed="rId3"/>
+                <asvg:svgBlip xmlns:asvg="http://schemas.microsoft.com/office/drawing/2016/SVG/main" r:embed="rId4"/>
               </a:ext>
             </a:extLst>
           </a:blip>
@@ -14870,10 +15089,10 @@
       </p:pic>
       <p:pic>
         <p:nvPicPr>
-          <p:cNvPr id="36" name="Elemento grafico 35" descr="Ingranaggi contorno">
+          <p:cNvPr id="15" name="Elemento grafico 14" descr="Singolo ingranaggio con riempimento a tinta unita">
             <a:extLst>
               <a:ext uri="{FF2B5EF4-FFF2-40B4-BE49-F238E27FC236}">
-                <a16:creationId xmlns:a16="http://schemas.microsoft.com/office/drawing/2014/main" id="{9F8C930C-6A6E-4240-9DF7-B80EF516B48A}"/>
+                <a16:creationId xmlns:a16="http://schemas.microsoft.com/office/drawing/2014/main" id="{7A983A31-68C2-4D8D-91CA-020486551B05}"/>
               </a:ext>
             </a:extLst>
           </p:cNvPr>
@@ -14883,20 +15102,19 @@
           <p:nvPr/>
         </p:nvPicPr>
         <p:blipFill>
-          <a:blip r:embed="rId4">
+          <a:blip r:embed="rId5">
             <a:extLst>
               <a:ext uri="{96DAC541-7B7A-43D3-8B79-37D633B846F1}">
-                <asvg:svgBlip xmlns:asvg="http://schemas.microsoft.com/office/drawing/2016/SVG/main" r:embed="rId5"/>
+                <asvg:svgBlip xmlns:asvg="http://schemas.microsoft.com/office/drawing/2016/SVG/main" r:embed="rId6"/>
               </a:ext>
             </a:extLst>
           </a:blip>
-          <a:stretch>
-            <a:fillRect/>
-          </a:stretch>
+          <a:srcRect/>
+          <a:stretch/>
         </p:blipFill>
         <p:spPr>
           <a:xfrm>
-            <a:off x="-866732" y="1233237"/>
+            <a:off x="936591" y="1287018"/>
             <a:ext cx="718368" cy="718368"/>
           </a:xfrm>
           <a:prstGeom prst="rect">
@@ -14906,10 +15124,10 @@
       </p:pic>
       <p:pic>
         <p:nvPicPr>
-          <p:cNvPr id="37" name="Elemento grafico 36" descr="Condividi con riempimento a tinta unita">
+          <p:cNvPr id="17" name="Elemento grafico 16" descr="Condividi con riempimento a tinta unita">
             <a:extLst>
               <a:ext uri="{FF2B5EF4-FFF2-40B4-BE49-F238E27FC236}">
-                <a16:creationId xmlns:a16="http://schemas.microsoft.com/office/drawing/2014/main" id="{42C2C5AA-49F6-4E55-8889-7F4AA048DBD0}"/>
+                <a16:creationId xmlns:a16="http://schemas.microsoft.com/office/drawing/2014/main" id="{D92B4FC2-CD2D-48FC-999D-892731CB178B}"/>
               </a:ext>
             </a:extLst>
           </p:cNvPr>
@@ -14919,10 +15137,10 @@
           <p:nvPr/>
         </p:nvPicPr>
         <p:blipFill>
-          <a:blip r:embed="rId6">
+          <a:blip r:embed="rId7">
             <a:extLst>
               <a:ext uri="{96DAC541-7B7A-43D3-8B79-37D633B846F1}">
-                <asvg:svgBlip xmlns:asvg="http://schemas.microsoft.com/office/drawing/2016/SVG/main" r:embed="rId7"/>
+                <asvg:svgBlip xmlns:asvg="http://schemas.microsoft.com/office/drawing/2016/SVG/main" r:embed="rId8"/>
               </a:ext>
             </a:extLst>
           </a:blip>
@@ -14932,7 +15150,7 @@
         </p:blipFill>
         <p:spPr>
           <a:xfrm>
-            <a:off x="839406" y="2083521"/>
+            <a:off x="-897865" y="2111908"/>
             <a:ext cx="780634" cy="780634"/>
           </a:xfrm>
           <a:prstGeom prst="rect">
@@ -14942,10 +15160,10 @@
       </p:pic>
       <p:pic>
         <p:nvPicPr>
-          <p:cNvPr id="38" name="Segnaposto contenuto 9" descr="Utente contorno">
+          <p:cNvPr id="18" name="Segnaposto contenuto 9" descr="Utente contorno">
             <a:extLst>
               <a:ext uri="{FF2B5EF4-FFF2-40B4-BE49-F238E27FC236}">
-                <a16:creationId xmlns:a16="http://schemas.microsoft.com/office/drawing/2014/main" id="{5762467F-B95A-420D-80B5-ED3BFC5C5D68}"/>
+                <a16:creationId xmlns:a16="http://schemas.microsoft.com/office/drawing/2014/main" id="{5FE9CD15-FB94-408C-B105-59C0C8EC610E}"/>
               </a:ext>
             </a:extLst>
           </p:cNvPr>
@@ -14955,10 +15173,10 @@
           <p:nvPr/>
         </p:nvPicPr>
         <p:blipFill>
-          <a:blip r:embed="rId8">
+          <a:blip r:embed="rId9">
             <a:extLst>
               <a:ext uri="{96DAC541-7B7A-43D3-8B79-37D633B846F1}">
-                <asvg:svgBlip xmlns:asvg="http://schemas.microsoft.com/office/drawing/2016/SVG/main" r:embed="rId9"/>
+                <asvg:svgBlip xmlns:asvg="http://schemas.microsoft.com/office/drawing/2016/SVG/main" r:embed="rId10"/>
               </a:ext>
             </a:extLst>
           </a:blip>
@@ -14978,10 +15196,10 @@
       </p:pic>
       <p:pic>
         <p:nvPicPr>
-          <p:cNvPr id="39" name="Elemento grafico 38" descr="Database contorno">
+          <p:cNvPr id="19" name="Elemento grafico 18" descr="Database contorno">
             <a:extLst>
               <a:ext uri="{FF2B5EF4-FFF2-40B4-BE49-F238E27FC236}">
-                <a16:creationId xmlns:a16="http://schemas.microsoft.com/office/drawing/2014/main" id="{CB70ACF4-5EAE-42AC-A9C4-6EBA2D5F17BF}"/>
+                <a16:creationId xmlns:a16="http://schemas.microsoft.com/office/drawing/2014/main" id="{C1FDE6B0-852D-4F07-8435-68C4B37E9C01}"/>
               </a:ext>
             </a:extLst>
           </p:cNvPr>
@@ -14991,10 +15209,10 @@
           <p:nvPr/>
         </p:nvPicPr>
         <p:blipFill>
-          <a:blip r:embed="rId10">
+          <a:blip r:embed="rId11">
             <a:extLst>
               <a:ext uri="{96DAC541-7B7A-43D3-8B79-37D633B846F1}">
-                <asvg:svgBlip xmlns:asvg="http://schemas.microsoft.com/office/drawing/2016/SVG/main" r:embed="rId11"/>
+                <asvg:svgBlip xmlns:asvg="http://schemas.microsoft.com/office/drawing/2016/SVG/main" r:embed="rId12"/>
               </a:ext>
             </a:extLst>
           </a:blip>
@@ -15014,10 +15232,10 @@
       </p:pic>
       <p:sp>
         <p:nvSpPr>
-          <p:cNvPr id="40" name="Ovale 39">
+          <p:cNvPr id="20" name="Ovale 19">
             <a:extLst>
               <a:ext uri="{FF2B5EF4-FFF2-40B4-BE49-F238E27FC236}">
-                <a16:creationId xmlns:a16="http://schemas.microsoft.com/office/drawing/2014/main" id="{A1D0670A-1449-4213-BDEE-5653870A65D5}"/>
+                <a16:creationId xmlns:a16="http://schemas.microsoft.com/office/drawing/2014/main" id="{FADC2B51-9DB8-4F38-A295-33F7A4103BA1}"/>
               </a:ext>
             </a:extLst>
           </p:cNvPr>
@@ -15026,7 +15244,7 @@
         </p:nvSpPr>
         <p:spPr>
           <a:xfrm>
-            <a:off x="-949054" y="3004490"/>
+            <a:off x="-902182" y="3004490"/>
             <a:ext cx="828000" cy="828000"/>
           </a:xfrm>
           <a:prstGeom prst="ellipse">
@@ -15066,10 +15284,10 @@
       </p:sp>
       <p:pic>
         <p:nvPicPr>
-          <p:cNvPr id="41" name="Segnaposto contenuto 7" descr="Blockchain contorno">
+          <p:cNvPr id="21" name="Segnaposto contenuto 7" descr="Blockchain contorno">
             <a:extLst>
               <a:ext uri="{FF2B5EF4-FFF2-40B4-BE49-F238E27FC236}">
-                <a16:creationId xmlns:a16="http://schemas.microsoft.com/office/drawing/2014/main" id="{C7DF65FA-79A5-410F-A8A4-01BFAD0BF399}"/>
+                <a16:creationId xmlns:a16="http://schemas.microsoft.com/office/drawing/2014/main" id="{A7F4AB94-7AC0-4E1D-BB56-43BED00D0F78}"/>
               </a:ext>
             </a:extLst>
           </p:cNvPr>
@@ -15079,10 +15297,10 @@
           <p:nvPr/>
         </p:nvPicPr>
         <p:blipFill>
-          <a:blip r:embed="rId12">
+          <a:blip r:embed="rId13">
             <a:extLst>
               <a:ext uri="{96DAC541-7B7A-43D3-8B79-37D633B846F1}">
-                <asvg:svgBlip xmlns:asvg="http://schemas.microsoft.com/office/drawing/2016/SVG/main" r:embed="rId13"/>
+                <asvg:svgBlip xmlns:asvg="http://schemas.microsoft.com/office/drawing/2016/SVG/main" r:embed="rId14"/>
               </a:ext>
             </a:extLst>
           </a:blip>
@@ -15092,7 +15310,7 @@
         </p:blipFill>
         <p:spPr>
           <a:xfrm>
-            <a:off x="-894238" y="3052022"/>
+            <a:off x="-847366" y="3052022"/>
             <a:ext cx="718368" cy="718368"/>
           </a:xfrm>
           <a:prstGeom prst="rect">
@@ -15102,10 +15320,10 @@
       </p:pic>
       <p:sp>
         <p:nvSpPr>
-          <p:cNvPr id="42" name="Figura a mano libera: forma 41">
+          <p:cNvPr id="22" name="Figura a mano libera: forma 21">
             <a:extLst>
               <a:ext uri="{FF2B5EF4-FFF2-40B4-BE49-F238E27FC236}">
-                <a16:creationId xmlns:a16="http://schemas.microsoft.com/office/drawing/2014/main" id="{DE6D121D-8749-4F9D-B356-C9649DDE3A82}"/>
+                <a16:creationId xmlns:a16="http://schemas.microsoft.com/office/drawing/2014/main" id="{45F6969B-6C0E-464D-BC27-11F3ABB32A22}"/>
               </a:ext>
             </a:extLst>
           </p:cNvPr>
@@ -15114,8 +15332,8 @@
         </p:nvSpPr>
         <p:spPr>
           <a:xfrm flipH="1">
-            <a:off x="0" y="-9003445"/>
-            <a:ext cx="1229723" cy="22957972"/>
+            <a:off x="-1" y="-9832784"/>
+            <a:ext cx="1337094" cy="22957972"/>
           </a:xfrm>
           <a:custGeom>
             <a:avLst/>
@@ -15361,10 +15579,10 @@
       </p:sp>
       <p:pic>
         <p:nvPicPr>
-          <p:cNvPr id="43" name="Elemento grafico 42" descr="Tiro a segno con riempimento a tinta unita">
+          <p:cNvPr id="23" name="Elemento grafico 22" descr="Tiro a segno con riempimento a tinta unita">
             <a:extLst>
               <a:ext uri="{FF2B5EF4-FFF2-40B4-BE49-F238E27FC236}">
-                <a16:creationId xmlns:a16="http://schemas.microsoft.com/office/drawing/2014/main" id="{1A338E8B-D893-4E9B-B5D1-535E1466CE57}"/>
+                <a16:creationId xmlns:a16="http://schemas.microsoft.com/office/drawing/2014/main" id="{879820B3-FCCA-41F1-864B-997EE45B50B6}"/>
               </a:ext>
             </a:extLst>
           </p:cNvPr>
@@ -15374,10 +15592,10 @@
           <p:nvPr/>
         </p:nvPicPr>
         <p:blipFill>
-          <a:blip r:embed="rId14">
+          <a:blip r:embed="rId15">
             <a:extLst>
               <a:ext uri="{96DAC541-7B7A-43D3-8B79-37D633B846F1}">
-                <asvg:svgBlip xmlns:asvg="http://schemas.microsoft.com/office/drawing/2016/SVG/main" r:embed="rId15"/>
+                <asvg:svgBlip xmlns:asvg="http://schemas.microsoft.com/office/drawing/2016/SVG/main" r:embed="rId16"/>
               </a:ext>
             </a:extLst>
           </a:blip>
@@ -15396,10 +15614,10 @@
       </p:pic>
       <p:pic>
         <p:nvPicPr>
-          <p:cNvPr id="44" name="Elemento grafico 43" descr="Singolo ingranaggio con riempimento a tinta unita">
+          <p:cNvPr id="24" name="Elemento grafico 23" descr="Ingranaggi contorno">
             <a:extLst>
               <a:ext uri="{FF2B5EF4-FFF2-40B4-BE49-F238E27FC236}">
-                <a16:creationId xmlns:a16="http://schemas.microsoft.com/office/drawing/2014/main" id="{8C7E79AB-0C64-45F1-8709-0E49F8F76923}"/>
+                <a16:creationId xmlns:a16="http://schemas.microsoft.com/office/drawing/2014/main" id="{FC474AD0-13F6-43C1-BC58-CCB35736CF8E}"/>
               </a:ext>
             </a:extLst>
           </p:cNvPr>
@@ -15409,15 +15627,16 @@
           <p:nvPr/>
         </p:nvPicPr>
         <p:blipFill>
-          <a:blip r:embed="rId16">
+          <a:blip r:embed="rId17">
             <a:extLst>
               <a:ext uri="{96DAC541-7B7A-43D3-8B79-37D633B846F1}">
-                <asvg:svgBlip xmlns:asvg="http://schemas.microsoft.com/office/drawing/2016/SVG/main" r:embed="rId17"/>
+                <asvg:svgBlip xmlns:asvg="http://schemas.microsoft.com/office/drawing/2016/SVG/main" r:embed="rId18"/>
               </a:ext>
             </a:extLst>
           </a:blip>
-          <a:srcRect/>
-          <a:stretch/>
+          <a:stretch>
+            <a:fillRect/>
+          </a:stretch>
         </p:blipFill>
         <p:spPr>
           <a:xfrm>
@@ -15431,10 +15650,10 @@
       </p:pic>
       <p:pic>
         <p:nvPicPr>
-          <p:cNvPr id="45" name="Elemento grafico 44" descr="Condividi con riempimento a tinta unita">
+          <p:cNvPr id="25" name="Elemento grafico 24" descr="Condividi con riempimento a tinta unita">
             <a:extLst>
               <a:ext uri="{FF2B5EF4-FFF2-40B4-BE49-F238E27FC236}">
-                <a16:creationId xmlns:a16="http://schemas.microsoft.com/office/drawing/2014/main" id="{E3E4DDF8-E9A7-4A75-988D-3AAF47D690B4}"/>
+                <a16:creationId xmlns:a16="http://schemas.microsoft.com/office/drawing/2014/main" id="{DB1EF8F5-F64D-416F-90A8-C9DFD075096A}"/>
               </a:ext>
             </a:extLst>
           </p:cNvPr>
@@ -15444,10 +15663,10 @@
           <p:nvPr/>
         </p:nvPicPr>
         <p:blipFill>
-          <a:blip r:embed="rId18">
+          <a:blip r:embed="rId19">
             <a:extLst>
               <a:ext uri="{96DAC541-7B7A-43D3-8B79-37D633B846F1}">
-                <asvg:svgBlip xmlns:asvg="http://schemas.microsoft.com/office/drawing/2016/SVG/main" r:embed="rId19"/>
+                <asvg:svgBlip xmlns:asvg="http://schemas.microsoft.com/office/drawing/2016/SVG/main" r:embed="rId20"/>
               </a:ext>
             </a:extLst>
           </a:blip>
@@ -15467,10 +15686,10 @@
       </p:pic>
       <p:pic>
         <p:nvPicPr>
-          <p:cNvPr id="46" name="Segnaposto contenuto 7" descr="Blockchain contorno">
+          <p:cNvPr id="26" name="Segnaposto contenuto 7" descr="Blockchain contorno">
             <a:extLst>
               <a:ext uri="{FF2B5EF4-FFF2-40B4-BE49-F238E27FC236}">
-                <a16:creationId xmlns:a16="http://schemas.microsoft.com/office/drawing/2014/main" id="{C4809F84-C440-4AFE-8E72-4C1F1BC9F01A}"/>
+                <a16:creationId xmlns:a16="http://schemas.microsoft.com/office/drawing/2014/main" id="{0D521C08-D3A5-4783-A799-1FFF1521F409}"/>
               </a:ext>
             </a:extLst>
           </p:cNvPr>
@@ -15480,10 +15699,10 @@
           <p:nvPr/>
         </p:nvPicPr>
         <p:blipFill>
-          <a:blip r:embed="rId20">
+          <a:blip r:embed="rId21">
             <a:extLst>
               <a:ext uri="{96DAC541-7B7A-43D3-8B79-37D633B846F1}">
-                <asvg:svgBlip xmlns:asvg="http://schemas.microsoft.com/office/drawing/2016/SVG/main" r:embed="rId21"/>
+                <asvg:svgBlip xmlns:asvg="http://schemas.microsoft.com/office/drawing/2016/SVG/main" r:embed="rId22"/>
               </a:ext>
             </a:extLst>
           </a:blip>
@@ -15503,10 +15722,10 @@
       </p:pic>
       <p:pic>
         <p:nvPicPr>
-          <p:cNvPr id="47" name="Segnaposto contenuto 9" descr="Utente con riempimento a tinta unita">
+          <p:cNvPr id="27" name="Segnaposto contenuto 9" descr="Utente con riempimento a tinta unita">
             <a:extLst>
               <a:ext uri="{FF2B5EF4-FFF2-40B4-BE49-F238E27FC236}">
-                <a16:creationId xmlns:a16="http://schemas.microsoft.com/office/drawing/2014/main" id="{853C4ED5-572D-4ACF-8F3E-9A4AB7BD11C5}"/>
+                <a16:creationId xmlns:a16="http://schemas.microsoft.com/office/drawing/2014/main" id="{DB618DFC-AF08-47B5-ACAD-654A0E8A31CE}"/>
               </a:ext>
             </a:extLst>
           </p:cNvPr>
@@ -15516,10 +15735,10 @@
           <p:nvPr/>
         </p:nvPicPr>
         <p:blipFill>
-          <a:blip r:embed="rId22">
+          <a:blip r:embed="rId23">
             <a:extLst>
               <a:ext uri="{96DAC541-7B7A-43D3-8B79-37D633B846F1}">
-                <asvg:svgBlip xmlns:asvg="http://schemas.microsoft.com/office/drawing/2016/SVG/main" r:embed="rId23"/>
+                <asvg:svgBlip xmlns:asvg="http://schemas.microsoft.com/office/drawing/2016/SVG/main" r:embed="rId24"/>
               </a:ext>
             </a:extLst>
           </a:blip>
@@ -15538,10 +15757,10 @@
       </p:pic>
       <p:pic>
         <p:nvPicPr>
-          <p:cNvPr id="48" name="Elemento grafico 47" descr="Database con riempimento a tinta unita">
+          <p:cNvPr id="28" name="Elemento grafico 27" descr="Database con riempimento a tinta unita">
             <a:extLst>
               <a:ext uri="{FF2B5EF4-FFF2-40B4-BE49-F238E27FC236}">
-                <a16:creationId xmlns:a16="http://schemas.microsoft.com/office/drawing/2014/main" id="{CE8951B4-5E13-486E-8FF8-2985C73E930C}"/>
+                <a16:creationId xmlns:a16="http://schemas.microsoft.com/office/drawing/2014/main" id="{1DAD710D-6D99-4E58-A029-1FA40864DD91}"/>
               </a:ext>
             </a:extLst>
           </p:cNvPr>
@@ -15551,10 +15770,10 @@
           <p:nvPr/>
         </p:nvPicPr>
         <p:blipFill>
-          <a:blip r:embed="rId24">
+          <a:blip r:embed="rId25">
             <a:extLst>
               <a:ext uri="{96DAC541-7B7A-43D3-8B79-37D633B846F1}">
-                <asvg:svgBlip xmlns:asvg="http://schemas.microsoft.com/office/drawing/2016/SVG/main" r:embed="rId25"/>
+                <asvg:svgBlip xmlns:asvg="http://schemas.microsoft.com/office/drawing/2016/SVG/main" r:embed="rId26"/>
               </a:ext>
             </a:extLst>
           </a:blip>
@@ -15573,10 +15792,10 @@
       </p:pic>
       <p:pic>
         <p:nvPicPr>
-          <p:cNvPr id="24" name="Elemento grafico 23" descr="Idrante antincendio rotto con riempimento a tinta unita">
+          <p:cNvPr id="30" name="Elemento grafico 29" descr="Idrante antincendio rotto con riempimento a tinta unita">
             <a:extLst>
               <a:ext uri="{FF2B5EF4-FFF2-40B4-BE49-F238E27FC236}">
-                <a16:creationId xmlns:a16="http://schemas.microsoft.com/office/drawing/2014/main" id="{DE3A58D8-B7D6-4D92-B6D7-76573AFA2D9E}"/>
+                <a16:creationId xmlns:a16="http://schemas.microsoft.com/office/drawing/2014/main" id="{B86FA234-F9F0-4DC7-B194-841544775C90}"/>
               </a:ext>
             </a:extLst>
           </p:cNvPr>
@@ -15586,10 +15805,10 @@
           <p:nvPr/>
         </p:nvPicPr>
         <p:blipFill>
-          <a:blip r:embed="rId26">
+          <a:blip r:embed="rId27">
             <a:extLst>
               <a:ext uri="{96DAC541-7B7A-43D3-8B79-37D633B846F1}">
-                <asvg:svgBlip xmlns:asvg="http://schemas.microsoft.com/office/drawing/2016/SVG/main" r:embed="rId27"/>
+                <asvg:svgBlip xmlns:asvg="http://schemas.microsoft.com/office/drawing/2016/SVG/main" r:embed="rId28"/>
               </a:ext>
             </a:extLst>
           </a:blip>
@@ -15608,10 +15827,10 @@
       </p:pic>
       <p:sp>
         <p:nvSpPr>
-          <p:cNvPr id="25" name="CasellaDiTesto 24">
+          <p:cNvPr id="31" name="CasellaDiTesto 30">
             <a:extLst>
               <a:ext uri="{FF2B5EF4-FFF2-40B4-BE49-F238E27FC236}">
-                <a16:creationId xmlns:a16="http://schemas.microsoft.com/office/drawing/2014/main" id="{0E3F4E56-1545-4E64-BBE1-5322C02ED0EA}"/>
+                <a16:creationId xmlns:a16="http://schemas.microsoft.com/office/drawing/2014/main" id="{0E156E2A-A88A-4D5F-81AD-81979975A960}"/>
               </a:ext>
             </a:extLst>
           </p:cNvPr>
@@ -15620,8 +15839,8 @@
         </p:nvSpPr>
         <p:spPr>
           <a:xfrm>
-            <a:off x="-107059" y="2362131"/>
-            <a:ext cx="1067536" cy="307777"/>
+            <a:off x="-93548" y="1456406"/>
+            <a:ext cx="1030139" cy="292388"/>
           </a:xfrm>
           <a:prstGeom prst="rect">
             <a:avLst/>
@@ -15635,78 +15854,24 @@
           <a:lstStyle/>
           <a:p>
             <a:r>
-              <a:rPr lang="it-IT" sz="1400" dirty="0">
+              <a:rPr lang="it-IT" sz="1300" dirty="0">
                 <a:solidFill>
                   <a:schemeClr val="accent2">
                     <a:lumMod val="75000"/>
                   </a:schemeClr>
                 </a:solidFill>
               </a:rPr>
-              <a:t>INTERFACE</a:t>
+              <a:t>PROCEDURE</a:t>
             </a:r>
           </a:p>
         </p:txBody>
       </p:sp>
       <p:sp>
         <p:nvSpPr>
-          <p:cNvPr id="15" name="Rettangolo con angoli arrotondati 14">
+          <p:cNvPr id="2" name="CasellaDiTesto 1">
             <a:extLst>
               <a:ext uri="{FF2B5EF4-FFF2-40B4-BE49-F238E27FC236}">
-                <a16:creationId xmlns:a16="http://schemas.microsoft.com/office/drawing/2014/main" id="{2ADA2808-CB86-4D61-A09D-4EB36251AD2A}"/>
-              </a:ext>
-            </a:extLst>
-          </p:cNvPr>
-          <p:cNvSpPr/>
-          <p:nvPr/>
-        </p:nvSpPr>
-        <p:spPr>
-          <a:xfrm>
-            <a:off x="7177178" y="1039180"/>
-            <a:ext cx="4063042" cy="4309197"/>
-          </a:xfrm>
-          <a:prstGeom prst="roundRect">
-            <a:avLst>
-              <a:gd name="adj" fmla="val 5138"/>
-            </a:avLst>
-          </a:prstGeom>
-          <a:solidFill>
-            <a:srgbClr val="FFFFFF"/>
-          </a:solidFill>
-          <a:ln>
-            <a:noFill/>
-          </a:ln>
-        </p:spPr>
-        <p:style>
-          <a:lnRef idx="2">
-            <a:schemeClr val="accent1">
-              <a:shade val="50000"/>
-            </a:schemeClr>
-          </a:lnRef>
-          <a:fillRef idx="1">
-            <a:schemeClr val="accent1"/>
-          </a:fillRef>
-          <a:effectRef idx="0">
-            <a:schemeClr val="accent1"/>
-          </a:effectRef>
-          <a:fontRef idx="minor">
-            <a:schemeClr val="lt1"/>
-          </a:fontRef>
-        </p:style>
-        <p:txBody>
-          <a:bodyPr rtlCol="0" anchor="ctr"/>
-          <a:lstStyle/>
-          <a:p>
-            <a:pPr algn="ctr"/>
-            <a:endParaRPr lang="it-IT"/>
-          </a:p>
-        </p:txBody>
-      </p:sp>
-      <p:sp>
-        <p:nvSpPr>
-          <p:cNvPr id="17" name="CasellaDiTesto 16">
-            <a:extLst>
-              <a:ext uri="{FF2B5EF4-FFF2-40B4-BE49-F238E27FC236}">
-                <a16:creationId xmlns:a16="http://schemas.microsoft.com/office/drawing/2014/main" id="{99C9D50F-D01B-404D-8E92-9097F57F1674}"/>
+                <a16:creationId xmlns:a16="http://schemas.microsoft.com/office/drawing/2014/main" id="{72D924BB-7FB1-4C82-91A5-C34F9D2F547A}"/>
               </a:ext>
             </a:extLst>
           </p:cNvPr>
@@ -15715,8 +15880,8 @@
         </p:nvSpPr>
         <p:spPr>
           <a:xfrm>
-            <a:off x="7177178" y="1039180"/>
-            <a:ext cx="4063042" cy="4524315"/>
+            <a:off x="2102950" y="805253"/>
+            <a:ext cx="3027872" cy="2246769"/>
           </a:xfrm>
           <a:prstGeom prst="rect">
             <a:avLst/>
@@ -15730,1650 +15895,56 @@
           <a:lstStyle/>
           <a:p>
             <a:r>
-              <a:rPr lang="it-IT" b="0" dirty="0">
-                <a:solidFill>
-                  <a:srgbClr val="383A42"/>
-                </a:solidFill>
-                <a:effectLst/>
-                <a:latin typeface="Consolas" panose="020B0609020204030204" pitchFamily="49" charset="0"/>
-              </a:rPr>
-              <a:t> </a:t>
+              <a:rPr lang="it-IT" sz="2000" dirty="0"/>
+              <a:t>• FILE_SCAN: accetta come parametro d’ingresso il nome del file e restituisce tre interi che indicano: numero di caratteri, parole e linee nel file. Altrimenti un codice di errore.</a:t>
             </a:r>
+          </a:p>
+        </p:txBody>
+      </p:sp>
+      <p:sp>
+        <p:nvSpPr>
+          <p:cNvPr id="3" name="CasellaDiTesto 2">
+            <a:extLst>
+              <a:ext uri="{FF2B5EF4-FFF2-40B4-BE49-F238E27FC236}">
+                <a16:creationId xmlns:a16="http://schemas.microsoft.com/office/drawing/2014/main" id="{DF07D647-1EBF-4A37-A91B-9D9732B72F6B}"/>
+              </a:ext>
+            </a:extLst>
+          </p:cNvPr>
+          <p:cNvSpPr txBox="1"/>
+          <p:nvPr/>
+        </p:nvSpPr>
+        <p:spPr>
+          <a:xfrm>
+            <a:off x="2102950" y="3633203"/>
+            <a:ext cx="3140015" cy="2831544"/>
+          </a:xfrm>
+          <a:prstGeom prst="rect">
+            <a:avLst/>
+          </a:prstGeom>
+          <a:noFill/>
+        </p:spPr>
+        <p:txBody>
+          <a:bodyPr wrap="square" rtlCol="0">
+            <a:spAutoFit/>
+          </a:bodyPr>
+          <a:lstStyle/>
+          <a:p>
             <a:r>
-              <a:rPr lang="it-IT" sz="1000" b="0" dirty="0">
-                <a:solidFill>
-                  <a:srgbClr val="A626A4"/>
-                </a:solidFill>
-                <a:effectLst/>
-                <a:latin typeface="Consolas" panose="020B0609020204030204" pitchFamily="49" charset="0"/>
-              </a:rPr>
-              <a:t>public</a:t>
+              <a:rPr lang="it-IT" sz="2000" dirty="0"/>
+              <a:t>• DIR_SCAN: accetta come parametro d’ingresso il nome del direttorio remoto e una soglia numerica. In caso di successo, restituisce un intero positivo con il numero di file la cui dimensione supera la soglia inserita, altrimenti -1.</a:t>
             </a:r>
-            <a:r>
-              <a:rPr lang="it-IT" sz="1000" b="0" dirty="0">
-                <a:solidFill>
-                  <a:srgbClr val="383A42"/>
-                </a:solidFill>
-                <a:effectLst/>
-                <a:latin typeface="Consolas" panose="020B0609020204030204" pitchFamily="49" charset="0"/>
-              </a:rPr>
-              <a:t> </a:t>
-            </a:r>
-            <a:r>
-              <a:rPr lang="it-IT" sz="1000" b="0" dirty="0" err="1">
-                <a:solidFill>
-                  <a:srgbClr val="A626A4"/>
-                </a:solidFill>
-                <a:effectLst/>
-                <a:latin typeface="Consolas" panose="020B0609020204030204" pitchFamily="49" charset="0"/>
-              </a:rPr>
-              <a:t>static</a:t>
-            </a:r>
-            <a:r>
-              <a:rPr lang="it-IT" sz="1000" b="0" dirty="0">
-                <a:solidFill>
-                  <a:srgbClr val="383A42"/>
-                </a:solidFill>
-                <a:effectLst/>
-                <a:latin typeface="Consolas" panose="020B0609020204030204" pitchFamily="49" charset="0"/>
-              </a:rPr>
-              <a:t> </a:t>
-            </a:r>
-            <a:r>
-              <a:rPr lang="it-IT" sz="1000" b="0" dirty="0" err="1">
-                <a:solidFill>
-                  <a:srgbClr val="A626A4"/>
-                </a:solidFill>
-                <a:effectLst/>
-                <a:latin typeface="Consolas" panose="020B0609020204030204" pitchFamily="49" charset="0"/>
-              </a:rPr>
-              <a:t>void</a:t>
-            </a:r>
-            <a:r>
-              <a:rPr lang="it-IT" sz="1000" b="0" dirty="0">
-                <a:solidFill>
-                  <a:srgbClr val="383A42"/>
-                </a:solidFill>
-                <a:effectLst/>
-                <a:latin typeface="Consolas" panose="020B0609020204030204" pitchFamily="49" charset="0"/>
-              </a:rPr>
-              <a:t> </a:t>
-            </a:r>
-            <a:r>
-              <a:rPr lang="it-IT" sz="1000" b="0" dirty="0" err="1">
-                <a:solidFill>
-                  <a:srgbClr val="4078F2"/>
-                </a:solidFill>
-                <a:effectLst/>
-                <a:latin typeface="Consolas" panose="020B0609020204030204" pitchFamily="49" charset="0"/>
-              </a:rPr>
-              <a:t>main</a:t>
-            </a:r>
-            <a:r>
-              <a:rPr lang="it-IT" sz="1000" b="0" dirty="0">
-                <a:solidFill>
-                  <a:srgbClr val="383A42"/>
-                </a:solidFill>
-                <a:effectLst/>
-                <a:latin typeface="Consolas" panose="020B0609020204030204" pitchFamily="49" charset="0"/>
-              </a:rPr>
-              <a:t>(</a:t>
-            </a:r>
-            <a:r>
-              <a:rPr lang="it-IT" sz="1000" b="0" dirty="0" err="1">
-                <a:solidFill>
-                  <a:srgbClr val="C18401"/>
-                </a:solidFill>
-                <a:effectLst/>
-                <a:latin typeface="Consolas" panose="020B0609020204030204" pitchFamily="49" charset="0"/>
-              </a:rPr>
-              <a:t>String</a:t>
-            </a:r>
-            <a:r>
-              <a:rPr lang="it-IT" sz="1000" b="0" dirty="0">
-                <a:solidFill>
-                  <a:srgbClr val="383A42"/>
-                </a:solidFill>
-                <a:effectLst/>
-                <a:latin typeface="Consolas" panose="020B0609020204030204" pitchFamily="49" charset="0"/>
-              </a:rPr>
-              <a:t>[] </a:t>
-            </a:r>
-            <a:r>
-              <a:rPr lang="it-IT" sz="1000" b="0" dirty="0" err="1">
-                <a:solidFill>
-                  <a:srgbClr val="383A42"/>
-                </a:solidFill>
-                <a:effectLst/>
-                <a:latin typeface="Consolas" panose="020B0609020204030204" pitchFamily="49" charset="0"/>
-              </a:rPr>
-              <a:t>args</a:t>
-            </a:r>
-            <a:r>
-              <a:rPr lang="it-IT" sz="1000" b="0" dirty="0">
-                <a:solidFill>
-                  <a:srgbClr val="383A42"/>
-                </a:solidFill>
-                <a:effectLst/>
-                <a:latin typeface="Consolas" panose="020B0609020204030204" pitchFamily="49" charset="0"/>
-              </a:rPr>
-              <a:t>) {</a:t>
-            </a:r>
-          </a:p>
-          <a:p>
-            <a:r>
-              <a:rPr lang="it-IT" sz="1000" b="0" dirty="0">
-                <a:solidFill>
-                  <a:srgbClr val="383A42"/>
-                </a:solidFill>
-                <a:effectLst/>
-                <a:latin typeface="Consolas" panose="020B0609020204030204" pitchFamily="49" charset="0"/>
-              </a:rPr>
-              <a:t>        </a:t>
-            </a:r>
-            <a:r>
-              <a:rPr lang="it-IT" sz="1000" b="0" dirty="0" err="1">
-                <a:solidFill>
-                  <a:srgbClr val="A626A4"/>
-                </a:solidFill>
-                <a:effectLst/>
-                <a:latin typeface="Consolas" panose="020B0609020204030204" pitchFamily="49" charset="0"/>
-              </a:rPr>
-              <a:t>int</a:t>
-            </a:r>
-            <a:r>
-              <a:rPr lang="it-IT" sz="1000" b="0" dirty="0">
-                <a:solidFill>
-                  <a:srgbClr val="E45649"/>
-                </a:solidFill>
-                <a:effectLst/>
-                <a:latin typeface="Consolas" panose="020B0609020204030204" pitchFamily="49" charset="0"/>
-              </a:rPr>
-              <a:t> </a:t>
-            </a:r>
-            <a:r>
-              <a:rPr lang="it-IT" sz="1000" b="0" dirty="0" err="1">
-                <a:solidFill>
-                  <a:srgbClr val="E45649"/>
-                </a:solidFill>
-                <a:effectLst/>
-                <a:latin typeface="Consolas" panose="020B0609020204030204" pitchFamily="49" charset="0"/>
-              </a:rPr>
-              <a:t>registryRemotoPort</a:t>
-            </a:r>
-            <a:r>
-              <a:rPr lang="it-IT" sz="1000" b="0" dirty="0">
-                <a:solidFill>
-                  <a:srgbClr val="E45649"/>
-                </a:solidFill>
-                <a:effectLst/>
-                <a:latin typeface="Consolas" panose="020B0609020204030204" pitchFamily="49" charset="0"/>
-              </a:rPr>
-              <a:t> </a:t>
-            </a:r>
-            <a:r>
-              <a:rPr lang="it-IT" sz="1000" b="0" dirty="0">
-                <a:solidFill>
-                  <a:srgbClr val="383A42"/>
-                </a:solidFill>
-                <a:effectLst/>
-                <a:latin typeface="Consolas" panose="020B0609020204030204" pitchFamily="49" charset="0"/>
-              </a:rPr>
-              <a:t>= </a:t>
-            </a:r>
-            <a:r>
-              <a:rPr lang="it-IT" sz="1000" b="0" dirty="0">
-                <a:solidFill>
-                  <a:srgbClr val="986801"/>
-                </a:solidFill>
-                <a:effectLst/>
-                <a:latin typeface="Consolas" panose="020B0609020204030204" pitchFamily="49" charset="0"/>
-              </a:rPr>
-              <a:t>1099</a:t>
-            </a:r>
-            <a:r>
-              <a:rPr lang="it-IT" sz="1000" b="0" dirty="0">
-                <a:solidFill>
-                  <a:srgbClr val="383A42"/>
-                </a:solidFill>
-                <a:effectLst/>
-                <a:latin typeface="Consolas" panose="020B0609020204030204" pitchFamily="49" charset="0"/>
-              </a:rPr>
-              <a:t>;</a:t>
-            </a:r>
-          </a:p>
-          <a:p>
-            <a:r>
-              <a:rPr lang="it-IT" sz="1000" b="0" dirty="0">
-                <a:solidFill>
-                  <a:srgbClr val="383A42"/>
-                </a:solidFill>
-                <a:effectLst/>
-                <a:latin typeface="Consolas" panose="020B0609020204030204" pitchFamily="49" charset="0"/>
-              </a:rPr>
-              <a:t>        </a:t>
-            </a:r>
-            <a:r>
-              <a:rPr lang="it-IT" sz="1000" b="0" dirty="0" err="1">
-                <a:solidFill>
-                  <a:srgbClr val="C18401"/>
-                </a:solidFill>
-                <a:effectLst/>
-                <a:latin typeface="Consolas" panose="020B0609020204030204" pitchFamily="49" charset="0"/>
-              </a:rPr>
-              <a:t>String</a:t>
-            </a:r>
-            <a:r>
-              <a:rPr lang="it-IT" sz="1000" b="0" dirty="0">
-                <a:solidFill>
-                  <a:srgbClr val="E45649"/>
-                </a:solidFill>
-                <a:effectLst/>
-                <a:latin typeface="Consolas" panose="020B0609020204030204" pitchFamily="49" charset="0"/>
-              </a:rPr>
-              <a:t> </a:t>
-            </a:r>
-            <a:r>
-              <a:rPr lang="it-IT" sz="1000" b="0" dirty="0" err="1">
-                <a:solidFill>
-                  <a:srgbClr val="E45649"/>
-                </a:solidFill>
-                <a:effectLst/>
-                <a:latin typeface="Consolas" panose="020B0609020204030204" pitchFamily="49" charset="0"/>
-              </a:rPr>
-              <a:t>registryRemotoHost</a:t>
-            </a:r>
-            <a:r>
-              <a:rPr lang="it-IT" sz="1000" b="0" dirty="0">
-                <a:solidFill>
-                  <a:srgbClr val="E45649"/>
-                </a:solidFill>
-                <a:effectLst/>
-                <a:latin typeface="Consolas" panose="020B0609020204030204" pitchFamily="49" charset="0"/>
-              </a:rPr>
-              <a:t> </a:t>
-            </a:r>
-            <a:r>
-              <a:rPr lang="it-IT" sz="1000" b="0" dirty="0">
-                <a:solidFill>
-                  <a:srgbClr val="383A42"/>
-                </a:solidFill>
-                <a:effectLst/>
-                <a:latin typeface="Consolas" panose="020B0609020204030204" pitchFamily="49" charset="0"/>
-              </a:rPr>
-              <a:t>= </a:t>
-            </a:r>
-            <a:r>
-              <a:rPr lang="it-IT" sz="1000" b="0" dirty="0">
-                <a:solidFill>
-                  <a:srgbClr val="50A14F"/>
-                </a:solidFill>
-                <a:effectLst/>
-                <a:latin typeface="Consolas" panose="020B0609020204030204" pitchFamily="49" charset="0"/>
-              </a:rPr>
-              <a:t>"</a:t>
-            </a:r>
-            <a:r>
-              <a:rPr lang="it-IT" sz="1000" b="0" dirty="0" err="1">
-                <a:solidFill>
-                  <a:srgbClr val="50A14F"/>
-                </a:solidFill>
-                <a:effectLst/>
-                <a:latin typeface="Consolas" panose="020B0609020204030204" pitchFamily="49" charset="0"/>
-              </a:rPr>
-              <a:t>localhost</a:t>
-            </a:r>
-            <a:r>
-              <a:rPr lang="it-IT" sz="1000" b="0" dirty="0">
-                <a:solidFill>
-                  <a:srgbClr val="50A14F"/>
-                </a:solidFill>
-                <a:effectLst/>
-                <a:latin typeface="Consolas" panose="020B0609020204030204" pitchFamily="49" charset="0"/>
-              </a:rPr>
-              <a:t>"</a:t>
-            </a:r>
-            <a:r>
-              <a:rPr lang="it-IT" sz="1000" b="0" dirty="0">
-                <a:solidFill>
-                  <a:srgbClr val="383A42"/>
-                </a:solidFill>
-                <a:effectLst/>
-                <a:latin typeface="Consolas" panose="020B0609020204030204" pitchFamily="49" charset="0"/>
-              </a:rPr>
-              <a:t>;</a:t>
-            </a:r>
-          </a:p>
-          <a:p>
-            <a:r>
-              <a:rPr lang="it-IT" sz="1000" b="0" dirty="0">
-                <a:solidFill>
-                  <a:srgbClr val="383A42"/>
-                </a:solidFill>
-                <a:effectLst/>
-                <a:latin typeface="Consolas" panose="020B0609020204030204" pitchFamily="49" charset="0"/>
-              </a:rPr>
-              <a:t>        </a:t>
-            </a:r>
-            <a:r>
-              <a:rPr lang="it-IT" sz="1000" b="0" dirty="0" err="1">
-                <a:solidFill>
-                  <a:srgbClr val="C18401"/>
-                </a:solidFill>
-                <a:effectLst/>
-                <a:latin typeface="Consolas" panose="020B0609020204030204" pitchFamily="49" charset="0"/>
-              </a:rPr>
-              <a:t>String</a:t>
-            </a:r>
-            <a:r>
-              <a:rPr lang="it-IT" sz="1000" b="0" dirty="0">
-                <a:solidFill>
-                  <a:srgbClr val="E45649"/>
-                </a:solidFill>
-                <a:effectLst/>
-                <a:latin typeface="Consolas" panose="020B0609020204030204" pitchFamily="49" charset="0"/>
-              </a:rPr>
-              <a:t> </a:t>
-            </a:r>
-            <a:r>
-              <a:rPr lang="it-IT" sz="1000" b="0" dirty="0" err="1">
-                <a:solidFill>
-                  <a:srgbClr val="E45649"/>
-                </a:solidFill>
-                <a:effectLst/>
-                <a:latin typeface="Consolas" panose="020B0609020204030204" pitchFamily="49" charset="0"/>
-              </a:rPr>
-              <a:t>registryRemotoName</a:t>
-            </a:r>
-            <a:r>
-              <a:rPr lang="it-IT" sz="1000" b="0" dirty="0">
-                <a:solidFill>
-                  <a:srgbClr val="E45649"/>
-                </a:solidFill>
-                <a:effectLst/>
-                <a:latin typeface="Consolas" panose="020B0609020204030204" pitchFamily="49" charset="0"/>
-              </a:rPr>
-              <a:t> </a:t>
-            </a:r>
-            <a:r>
-              <a:rPr lang="it-IT" sz="1000" b="0" dirty="0">
-                <a:solidFill>
-                  <a:srgbClr val="383A42"/>
-                </a:solidFill>
-                <a:effectLst/>
-                <a:latin typeface="Consolas" panose="020B0609020204030204" pitchFamily="49" charset="0"/>
-              </a:rPr>
-              <a:t>= </a:t>
-            </a:r>
-            <a:r>
-              <a:rPr lang="it-IT" sz="1000" b="0" dirty="0">
-                <a:solidFill>
-                  <a:srgbClr val="50A14F"/>
-                </a:solidFill>
-                <a:effectLst/>
-                <a:latin typeface="Consolas" panose="020B0609020204030204" pitchFamily="49" charset="0"/>
-              </a:rPr>
-              <a:t>"</a:t>
-            </a:r>
-            <a:r>
-              <a:rPr lang="it-IT" sz="1000" b="0" dirty="0" err="1">
-                <a:solidFill>
-                  <a:srgbClr val="50A14F"/>
-                </a:solidFill>
-                <a:effectLst/>
-                <a:latin typeface="Consolas" panose="020B0609020204030204" pitchFamily="49" charset="0"/>
-              </a:rPr>
-              <a:t>RegistryRemoto</a:t>
-            </a:r>
-            <a:r>
-              <a:rPr lang="it-IT" sz="1000" b="0" dirty="0">
-                <a:solidFill>
-                  <a:srgbClr val="50A14F"/>
-                </a:solidFill>
-                <a:effectLst/>
-                <a:latin typeface="Consolas" panose="020B0609020204030204" pitchFamily="49" charset="0"/>
-              </a:rPr>
-              <a:t>"</a:t>
-            </a:r>
-            <a:r>
-              <a:rPr lang="it-IT" sz="1000" b="0" dirty="0">
-                <a:solidFill>
-                  <a:srgbClr val="383A42"/>
-                </a:solidFill>
-                <a:effectLst/>
-                <a:latin typeface="Consolas" panose="020B0609020204030204" pitchFamily="49" charset="0"/>
-              </a:rPr>
-              <a:t>;</a:t>
-            </a:r>
-          </a:p>
-          <a:p>
-            <a:r>
-              <a:rPr lang="it-IT" sz="1000" b="0" dirty="0">
-                <a:solidFill>
-                  <a:srgbClr val="383A42"/>
-                </a:solidFill>
-                <a:effectLst/>
-                <a:latin typeface="Consolas" panose="020B0609020204030204" pitchFamily="49" charset="0"/>
-              </a:rPr>
-              <a:t>        </a:t>
-            </a:r>
-            <a:r>
-              <a:rPr lang="it-IT" sz="1000" b="0" dirty="0" err="1">
-                <a:solidFill>
-                  <a:srgbClr val="A626A4"/>
-                </a:solidFill>
-                <a:effectLst/>
-                <a:latin typeface="Consolas" panose="020B0609020204030204" pitchFamily="49" charset="0"/>
-              </a:rPr>
-              <a:t>if</a:t>
-            </a:r>
-            <a:r>
-              <a:rPr lang="it-IT" sz="1000" b="0" dirty="0">
-                <a:solidFill>
-                  <a:srgbClr val="383A42"/>
-                </a:solidFill>
-                <a:effectLst/>
-                <a:latin typeface="Consolas" panose="020B0609020204030204" pitchFamily="49" charset="0"/>
-              </a:rPr>
-              <a:t> (</a:t>
-            </a:r>
-            <a:r>
-              <a:rPr lang="it-IT" sz="1000" b="0" dirty="0" err="1">
-                <a:solidFill>
-                  <a:srgbClr val="E45649"/>
-                </a:solidFill>
-                <a:effectLst/>
-                <a:latin typeface="Consolas" panose="020B0609020204030204" pitchFamily="49" charset="0"/>
-              </a:rPr>
-              <a:t>args</a:t>
-            </a:r>
-            <a:r>
-              <a:rPr lang="it-IT" sz="1000" b="0" dirty="0" err="1">
-                <a:solidFill>
-                  <a:srgbClr val="383A42"/>
-                </a:solidFill>
-                <a:effectLst/>
-                <a:latin typeface="Consolas" panose="020B0609020204030204" pitchFamily="49" charset="0"/>
-              </a:rPr>
-              <a:t>.</a:t>
-            </a:r>
-            <a:r>
-              <a:rPr lang="it-IT" sz="1000" b="0" dirty="0" err="1">
-                <a:solidFill>
-                  <a:srgbClr val="E45649"/>
-                </a:solidFill>
-                <a:effectLst/>
-                <a:latin typeface="Consolas" panose="020B0609020204030204" pitchFamily="49" charset="0"/>
-              </a:rPr>
-              <a:t>length</a:t>
-            </a:r>
-            <a:r>
-              <a:rPr lang="it-IT" sz="1000" b="0" dirty="0">
-                <a:solidFill>
-                  <a:srgbClr val="383A42"/>
-                </a:solidFill>
-                <a:effectLst/>
-                <a:latin typeface="Consolas" panose="020B0609020204030204" pitchFamily="49" charset="0"/>
-              </a:rPr>
-              <a:t> != </a:t>
-            </a:r>
-            <a:r>
-              <a:rPr lang="it-IT" sz="1000" b="0" dirty="0">
-                <a:solidFill>
-                  <a:srgbClr val="986801"/>
-                </a:solidFill>
-                <a:effectLst/>
-                <a:latin typeface="Consolas" panose="020B0609020204030204" pitchFamily="49" charset="0"/>
-              </a:rPr>
-              <a:t>0</a:t>
-            </a:r>
-            <a:r>
-              <a:rPr lang="it-IT" sz="1000" b="0" dirty="0">
-                <a:solidFill>
-                  <a:srgbClr val="383A42"/>
-                </a:solidFill>
-                <a:effectLst/>
-                <a:latin typeface="Consolas" panose="020B0609020204030204" pitchFamily="49" charset="0"/>
-              </a:rPr>
-              <a:t> &amp;&amp; </a:t>
-            </a:r>
-            <a:r>
-              <a:rPr lang="it-IT" sz="1000" b="0" dirty="0" err="1">
-                <a:solidFill>
-                  <a:srgbClr val="E45649"/>
-                </a:solidFill>
-                <a:effectLst/>
-                <a:latin typeface="Consolas" panose="020B0609020204030204" pitchFamily="49" charset="0"/>
-              </a:rPr>
-              <a:t>args</a:t>
-            </a:r>
-            <a:r>
-              <a:rPr lang="it-IT" sz="1000" b="0" dirty="0" err="1">
-                <a:solidFill>
-                  <a:srgbClr val="383A42"/>
-                </a:solidFill>
-                <a:effectLst/>
-                <a:latin typeface="Consolas" panose="020B0609020204030204" pitchFamily="49" charset="0"/>
-              </a:rPr>
-              <a:t>.</a:t>
-            </a:r>
-            <a:r>
-              <a:rPr lang="it-IT" sz="1000" b="0" dirty="0" err="1">
-                <a:solidFill>
-                  <a:srgbClr val="E45649"/>
-                </a:solidFill>
-                <a:effectLst/>
-                <a:latin typeface="Consolas" panose="020B0609020204030204" pitchFamily="49" charset="0"/>
-              </a:rPr>
-              <a:t>length</a:t>
-            </a:r>
-            <a:r>
-              <a:rPr lang="it-IT" sz="1000" b="0" dirty="0">
-                <a:solidFill>
-                  <a:srgbClr val="383A42"/>
-                </a:solidFill>
-                <a:effectLst/>
-                <a:latin typeface="Consolas" panose="020B0609020204030204" pitchFamily="49" charset="0"/>
-              </a:rPr>
-              <a:t> != </a:t>
-            </a:r>
-            <a:r>
-              <a:rPr lang="it-IT" sz="1000" b="0" dirty="0">
-                <a:solidFill>
-                  <a:srgbClr val="986801"/>
-                </a:solidFill>
-                <a:effectLst/>
-                <a:latin typeface="Consolas" panose="020B0609020204030204" pitchFamily="49" charset="0"/>
-              </a:rPr>
-              <a:t>1</a:t>
-            </a:r>
-            <a:r>
-              <a:rPr lang="it-IT" sz="1000" b="0" dirty="0">
-                <a:solidFill>
-                  <a:srgbClr val="383A42"/>
-                </a:solidFill>
-                <a:effectLst/>
-                <a:latin typeface="Consolas" panose="020B0609020204030204" pitchFamily="49" charset="0"/>
-              </a:rPr>
-              <a:t>) </a:t>
-            </a:r>
-            <a:r>
-              <a:rPr lang="it-IT" sz="1000" b="0" i="1" dirty="0">
-                <a:solidFill>
-                  <a:srgbClr val="A0A1A7"/>
-                </a:solidFill>
-                <a:effectLst/>
-                <a:latin typeface="Consolas" panose="020B0609020204030204" pitchFamily="49" charset="0"/>
-              </a:rPr>
-              <a:t>// Controllo </a:t>
-            </a:r>
-            <a:r>
-              <a:rPr lang="it-IT" sz="1000" b="0" i="1" dirty="0" err="1">
-                <a:solidFill>
-                  <a:srgbClr val="A0A1A7"/>
-                </a:solidFill>
-                <a:effectLst/>
-                <a:latin typeface="Consolas" panose="020B0609020204030204" pitchFamily="49" charset="0"/>
-              </a:rPr>
-              <a:t>args</a:t>
-            </a:r>
-            <a:endParaRPr lang="it-IT" sz="1000" b="0" dirty="0">
-              <a:solidFill>
-                <a:srgbClr val="383A42"/>
-              </a:solidFill>
-              <a:effectLst/>
-              <a:latin typeface="Consolas" panose="020B0609020204030204" pitchFamily="49" charset="0"/>
-            </a:endParaRPr>
-          </a:p>
-          <a:p>
-            <a:r>
-              <a:rPr lang="it-IT" sz="1000" b="0" dirty="0">
-                <a:solidFill>
-                  <a:srgbClr val="383A42"/>
-                </a:solidFill>
-                <a:effectLst/>
-                <a:latin typeface="Consolas" panose="020B0609020204030204" pitchFamily="49" charset="0"/>
-              </a:rPr>
-              <a:t>        {</a:t>
-            </a:r>
-          </a:p>
-          <a:p>
-            <a:r>
-              <a:rPr lang="it-IT" sz="1000" b="0" dirty="0">
-                <a:solidFill>
-                  <a:srgbClr val="383A42"/>
-                </a:solidFill>
-                <a:effectLst/>
-                <a:latin typeface="Consolas" panose="020B0609020204030204" pitchFamily="49" charset="0"/>
-              </a:rPr>
-              <a:t>            </a:t>
-            </a:r>
-            <a:r>
-              <a:rPr lang="it-IT" sz="1000" b="0" dirty="0" err="1">
-                <a:solidFill>
-                  <a:srgbClr val="E45649"/>
-                </a:solidFill>
-                <a:effectLst/>
-                <a:latin typeface="Consolas" panose="020B0609020204030204" pitchFamily="49" charset="0"/>
-              </a:rPr>
-              <a:t>System</a:t>
-            </a:r>
-            <a:r>
-              <a:rPr lang="it-IT" sz="1000" b="0" dirty="0" err="1">
-                <a:solidFill>
-                  <a:srgbClr val="383A42"/>
-                </a:solidFill>
-                <a:effectLst/>
-                <a:latin typeface="Consolas" panose="020B0609020204030204" pitchFamily="49" charset="0"/>
-              </a:rPr>
-              <a:t>.</a:t>
-            </a:r>
-            <a:r>
-              <a:rPr lang="it-IT" sz="1000" b="0" dirty="0" err="1">
-                <a:solidFill>
-                  <a:srgbClr val="E45649"/>
-                </a:solidFill>
-                <a:effectLst/>
-                <a:latin typeface="Consolas" panose="020B0609020204030204" pitchFamily="49" charset="0"/>
-              </a:rPr>
-              <a:t>out</a:t>
-            </a:r>
-            <a:r>
-              <a:rPr lang="it-IT" sz="1000" b="0" dirty="0" err="1">
-                <a:solidFill>
-                  <a:srgbClr val="383A42"/>
-                </a:solidFill>
-                <a:effectLst/>
-                <a:latin typeface="Consolas" panose="020B0609020204030204" pitchFamily="49" charset="0"/>
-              </a:rPr>
-              <a:t>.</a:t>
-            </a:r>
-            <a:r>
-              <a:rPr lang="it-IT" sz="1000" b="0" dirty="0" err="1">
-                <a:solidFill>
-                  <a:srgbClr val="4078F2"/>
-                </a:solidFill>
-                <a:effectLst/>
-                <a:latin typeface="Consolas" panose="020B0609020204030204" pitchFamily="49" charset="0"/>
-              </a:rPr>
-              <a:t>println</a:t>
-            </a:r>
-            <a:r>
-              <a:rPr lang="it-IT" sz="1000" b="0" dirty="0">
-                <a:solidFill>
-                  <a:srgbClr val="383A42"/>
-                </a:solidFill>
-                <a:effectLst/>
-                <a:latin typeface="Consolas" panose="020B0609020204030204" pitchFamily="49" charset="0"/>
-              </a:rPr>
-              <a:t>(</a:t>
-            </a:r>
-            <a:r>
-              <a:rPr lang="it-IT" sz="1000" b="0" dirty="0">
-                <a:solidFill>
-                  <a:srgbClr val="50A14F"/>
-                </a:solidFill>
-                <a:effectLst/>
-                <a:latin typeface="Consolas" panose="020B0609020204030204" pitchFamily="49" charset="0"/>
-              </a:rPr>
-              <a:t>"..."</a:t>
-            </a:r>
-            <a:r>
-              <a:rPr lang="it-IT" sz="1000" b="0" dirty="0">
-                <a:solidFill>
-                  <a:srgbClr val="383A42"/>
-                </a:solidFill>
-                <a:effectLst/>
-                <a:latin typeface="Consolas" panose="020B0609020204030204" pitchFamily="49" charset="0"/>
-              </a:rPr>
-              <a:t>);</a:t>
-            </a:r>
-          </a:p>
-          <a:p>
-            <a:r>
-              <a:rPr lang="it-IT" sz="1000" b="0" dirty="0">
-                <a:solidFill>
-                  <a:srgbClr val="383A42"/>
-                </a:solidFill>
-                <a:effectLst/>
-                <a:latin typeface="Consolas" panose="020B0609020204030204" pitchFamily="49" charset="0"/>
-              </a:rPr>
-              <a:t>            </a:t>
-            </a:r>
-            <a:r>
-              <a:rPr lang="it-IT" sz="1000" b="0" dirty="0" err="1">
-                <a:solidFill>
-                  <a:srgbClr val="E45649"/>
-                </a:solidFill>
-                <a:effectLst/>
-                <a:latin typeface="Consolas" panose="020B0609020204030204" pitchFamily="49" charset="0"/>
-              </a:rPr>
-              <a:t>System</a:t>
-            </a:r>
-            <a:r>
-              <a:rPr lang="it-IT" sz="1000" b="0" dirty="0" err="1">
-                <a:solidFill>
-                  <a:srgbClr val="383A42"/>
-                </a:solidFill>
-                <a:effectLst/>
-                <a:latin typeface="Consolas" panose="020B0609020204030204" pitchFamily="49" charset="0"/>
-              </a:rPr>
-              <a:t>.</a:t>
-            </a:r>
-            <a:r>
-              <a:rPr lang="it-IT" sz="1000" b="0" dirty="0" err="1">
-                <a:solidFill>
-                  <a:srgbClr val="4078F2"/>
-                </a:solidFill>
-                <a:effectLst/>
-                <a:latin typeface="Consolas" panose="020B0609020204030204" pitchFamily="49" charset="0"/>
-              </a:rPr>
-              <a:t>exit</a:t>
-            </a:r>
-            <a:r>
-              <a:rPr lang="it-IT" sz="1000" b="0" dirty="0">
-                <a:solidFill>
-                  <a:srgbClr val="383A42"/>
-                </a:solidFill>
-                <a:effectLst/>
-                <a:latin typeface="Consolas" panose="020B0609020204030204" pitchFamily="49" charset="0"/>
-              </a:rPr>
-              <a:t>(</a:t>
-            </a:r>
-            <a:r>
-              <a:rPr lang="it-IT" sz="1000" b="0" dirty="0">
-                <a:solidFill>
-                  <a:srgbClr val="986801"/>
-                </a:solidFill>
-                <a:effectLst/>
-                <a:latin typeface="Consolas" panose="020B0609020204030204" pitchFamily="49" charset="0"/>
-              </a:rPr>
-              <a:t>1</a:t>
-            </a:r>
-            <a:r>
-              <a:rPr lang="it-IT" sz="1000" b="0" dirty="0">
-                <a:solidFill>
-                  <a:srgbClr val="383A42"/>
-                </a:solidFill>
-                <a:effectLst/>
-                <a:latin typeface="Consolas" panose="020B0609020204030204" pitchFamily="49" charset="0"/>
-              </a:rPr>
-              <a:t>);</a:t>
-            </a:r>
-          </a:p>
-          <a:p>
-            <a:r>
-              <a:rPr lang="it-IT" sz="1000" b="0" dirty="0">
-                <a:solidFill>
-                  <a:srgbClr val="383A42"/>
-                </a:solidFill>
-                <a:effectLst/>
-                <a:latin typeface="Consolas" panose="020B0609020204030204" pitchFamily="49" charset="0"/>
-              </a:rPr>
-              <a:t>        }</a:t>
-            </a:r>
-          </a:p>
-          <a:p>
-            <a:r>
-              <a:rPr lang="it-IT" sz="1000" b="0" dirty="0">
-                <a:solidFill>
-                  <a:srgbClr val="383A42"/>
-                </a:solidFill>
-                <a:effectLst/>
-                <a:latin typeface="Consolas" panose="020B0609020204030204" pitchFamily="49" charset="0"/>
-              </a:rPr>
-              <a:t>        </a:t>
-            </a:r>
-            <a:r>
-              <a:rPr lang="it-IT" sz="1000" b="0" dirty="0" err="1">
-                <a:solidFill>
-                  <a:srgbClr val="A626A4"/>
-                </a:solidFill>
-                <a:effectLst/>
-                <a:latin typeface="Consolas" panose="020B0609020204030204" pitchFamily="49" charset="0"/>
-              </a:rPr>
-              <a:t>if</a:t>
-            </a:r>
-            <a:r>
-              <a:rPr lang="it-IT" sz="1000" b="0" dirty="0">
-                <a:solidFill>
-                  <a:srgbClr val="383A42"/>
-                </a:solidFill>
-                <a:effectLst/>
-                <a:latin typeface="Consolas" panose="020B0609020204030204" pitchFamily="49" charset="0"/>
-              </a:rPr>
-              <a:t> (</a:t>
-            </a:r>
-            <a:r>
-              <a:rPr lang="it-IT" sz="1000" b="0" dirty="0" err="1">
-                <a:solidFill>
-                  <a:srgbClr val="E45649"/>
-                </a:solidFill>
-                <a:effectLst/>
-                <a:latin typeface="Consolas" panose="020B0609020204030204" pitchFamily="49" charset="0"/>
-              </a:rPr>
-              <a:t>args</a:t>
-            </a:r>
-            <a:r>
-              <a:rPr lang="it-IT" sz="1000" b="0" dirty="0" err="1">
-                <a:solidFill>
-                  <a:srgbClr val="383A42"/>
-                </a:solidFill>
-                <a:effectLst/>
-                <a:latin typeface="Consolas" panose="020B0609020204030204" pitchFamily="49" charset="0"/>
-              </a:rPr>
-              <a:t>.</a:t>
-            </a:r>
-            <a:r>
-              <a:rPr lang="it-IT" sz="1000" b="0" dirty="0" err="1">
-                <a:solidFill>
-                  <a:srgbClr val="E45649"/>
-                </a:solidFill>
-                <a:effectLst/>
-                <a:latin typeface="Consolas" panose="020B0609020204030204" pitchFamily="49" charset="0"/>
-              </a:rPr>
-              <a:t>length</a:t>
-            </a:r>
-            <a:r>
-              <a:rPr lang="it-IT" sz="1000" b="0" dirty="0">
-                <a:solidFill>
-                  <a:srgbClr val="383A42"/>
-                </a:solidFill>
-                <a:effectLst/>
-                <a:latin typeface="Consolas" panose="020B0609020204030204" pitchFamily="49" charset="0"/>
-              </a:rPr>
-              <a:t> == </a:t>
-            </a:r>
-            <a:r>
-              <a:rPr lang="it-IT" sz="1000" b="0" dirty="0">
-                <a:solidFill>
-                  <a:srgbClr val="986801"/>
-                </a:solidFill>
-                <a:effectLst/>
-                <a:latin typeface="Consolas" panose="020B0609020204030204" pitchFamily="49" charset="0"/>
-              </a:rPr>
-              <a:t>1</a:t>
-            </a:r>
-            <a:r>
-              <a:rPr lang="it-IT" sz="1000" b="0" dirty="0">
-                <a:solidFill>
-                  <a:srgbClr val="383A42"/>
-                </a:solidFill>
-                <a:effectLst/>
-                <a:latin typeface="Consolas" panose="020B0609020204030204" pitchFamily="49" charset="0"/>
-              </a:rPr>
-              <a:t>) {</a:t>
-            </a:r>
-          </a:p>
-          <a:p>
-            <a:r>
-              <a:rPr lang="it-IT" sz="1000" b="0" dirty="0">
-                <a:solidFill>
-                  <a:srgbClr val="383A42"/>
-                </a:solidFill>
-                <a:effectLst/>
-                <a:latin typeface="Consolas" panose="020B0609020204030204" pitchFamily="49" charset="0"/>
-              </a:rPr>
-              <a:t>            </a:t>
-            </a:r>
-            <a:r>
-              <a:rPr lang="it-IT" sz="1000" b="0" dirty="0" err="1">
-                <a:solidFill>
-                  <a:srgbClr val="A626A4"/>
-                </a:solidFill>
-                <a:effectLst/>
-                <a:latin typeface="Consolas" panose="020B0609020204030204" pitchFamily="49" charset="0"/>
-              </a:rPr>
-              <a:t>try</a:t>
-            </a:r>
-            <a:r>
-              <a:rPr lang="it-IT" sz="1000" b="0" dirty="0">
-                <a:solidFill>
-                  <a:srgbClr val="383A42"/>
-                </a:solidFill>
-                <a:effectLst/>
-                <a:latin typeface="Consolas" panose="020B0609020204030204" pitchFamily="49" charset="0"/>
-              </a:rPr>
-              <a:t> {</a:t>
-            </a:r>
-          </a:p>
-          <a:p>
-            <a:r>
-              <a:rPr lang="it-IT" sz="1000" b="0" dirty="0">
-                <a:solidFill>
-                  <a:srgbClr val="383A42"/>
-                </a:solidFill>
-                <a:effectLst/>
-                <a:latin typeface="Consolas" panose="020B0609020204030204" pitchFamily="49" charset="0"/>
-              </a:rPr>
-              <a:t>                </a:t>
-            </a:r>
-            <a:r>
-              <a:rPr lang="it-IT" sz="1000" b="0" dirty="0" err="1">
-                <a:solidFill>
-                  <a:srgbClr val="383A42"/>
-                </a:solidFill>
-                <a:effectLst/>
-                <a:latin typeface="Consolas" panose="020B0609020204030204" pitchFamily="49" charset="0"/>
-              </a:rPr>
-              <a:t>registryRemotoPort</a:t>
-            </a:r>
-            <a:r>
-              <a:rPr lang="it-IT" sz="1000" b="0" dirty="0">
-                <a:solidFill>
-                  <a:srgbClr val="383A42"/>
-                </a:solidFill>
-                <a:effectLst/>
-                <a:latin typeface="Consolas" panose="020B0609020204030204" pitchFamily="49" charset="0"/>
-              </a:rPr>
-              <a:t> = </a:t>
-            </a:r>
-            <a:r>
-              <a:rPr lang="it-IT" sz="1000" b="0" dirty="0" err="1">
-                <a:solidFill>
-                  <a:srgbClr val="E45649"/>
-                </a:solidFill>
-                <a:effectLst/>
-                <a:latin typeface="Consolas" panose="020B0609020204030204" pitchFamily="49" charset="0"/>
-              </a:rPr>
-              <a:t>Integer</a:t>
-            </a:r>
-            <a:r>
-              <a:rPr lang="it-IT" sz="1000" b="0" dirty="0" err="1">
-                <a:solidFill>
-                  <a:srgbClr val="383A42"/>
-                </a:solidFill>
-                <a:effectLst/>
-                <a:latin typeface="Consolas" panose="020B0609020204030204" pitchFamily="49" charset="0"/>
-              </a:rPr>
-              <a:t>.</a:t>
-            </a:r>
-            <a:r>
-              <a:rPr lang="it-IT" sz="1000" b="0" dirty="0" err="1">
-                <a:solidFill>
-                  <a:srgbClr val="4078F2"/>
-                </a:solidFill>
-                <a:effectLst/>
-                <a:latin typeface="Consolas" panose="020B0609020204030204" pitchFamily="49" charset="0"/>
-              </a:rPr>
-              <a:t>parseInt</a:t>
-            </a:r>
-            <a:r>
-              <a:rPr lang="it-IT" sz="1000" b="0" dirty="0">
-                <a:solidFill>
-                  <a:srgbClr val="383A42"/>
-                </a:solidFill>
-                <a:effectLst/>
-                <a:latin typeface="Consolas" panose="020B0609020204030204" pitchFamily="49" charset="0"/>
-              </a:rPr>
-              <a:t>(</a:t>
-            </a:r>
-            <a:r>
-              <a:rPr lang="it-IT" sz="1000" b="0" dirty="0" err="1">
-                <a:solidFill>
-                  <a:srgbClr val="383A42"/>
-                </a:solidFill>
-                <a:effectLst/>
-                <a:latin typeface="Consolas" panose="020B0609020204030204" pitchFamily="49" charset="0"/>
-              </a:rPr>
-              <a:t>args</a:t>
-            </a:r>
-            <a:r>
-              <a:rPr lang="it-IT" sz="1000" b="0" dirty="0">
-                <a:solidFill>
-                  <a:srgbClr val="383A42"/>
-                </a:solidFill>
-                <a:effectLst/>
-                <a:latin typeface="Consolas" panose="020B0609020204030204" pitchFamily="49" charset="0"/>
-              </a:rPr>
-              <a:t>[</a:t>
-            </a:r>
-            <a:r>
-              <a:rPr lang="it-IT" sz="1000" b="0" dirty="0">
-                <a:solidFill>
-                  <a:srgbClr val="986801"/>
-                </a:solidFill>
-                <a:effectLst/>
-                <a:latin typeface="Consolas" panose="020B0609020204030204" pitchFamily="49" charset="0"/>
-              </a:rPr>
-              <a:t>0</a:t>
-            </a:r>
-            <a:r>
-              <a:rPr lang="it-IT" sz="1000" b="0" dirty="0">
-                <a:solidFill>
-                  <a:srgbClr val="383A42"/>
-                </a:solidFill>
-                <a:effectLst/>
-                <a:latin typeface="Consolas" panose="020B0609020204030204" pitchFamily="49" charset="0"/>
-              </a:rPr>
-              <a:t>]);</a:t>
-            </a:r>
-          </a:p>
-          <a:p>
-            <a:r>
-              <a:rPr lang="it-IT" sz="1000" b="0" dirty="0">
-                <a:solidFill>
-                  <a:srgbClr val="383A42"/>
-                </a:solidFill>
-                <a:effectLst/>
-                <a:latin typeface="Consolas" panose="020B0609020204030204" pitchFamily="49" charset="0"/>
-              </a:rPr>
-              <a:t>            } </a:t>
-            </a:r>
-            <a:r>
-              <a:rPr lang="it-IT" sz="1000" b="0" dirty="0">
-                <a:solidFill>
-                  <a:srgbClr val="A626A4"/>
-                </a:solidFill>
-                <a:effectLst/>
-                <a:latin typeface="Consolas" panose="020B0609020204030204" pitchFamily="49" charset="0"/>
-              </a:rPr>
-              <a:t>catch</a:t>
-            </a:r>
-            <a:r>
-              <a:rPr lang="it-IT" sz="1000" b="0" dirty="0">
-                <a:solidFill>
-                  <a:srgbClr val="383A42"/>
-                </a:solidFill>
-                <a:effectLst/>
-                <a:latin typeface="Consolas" panose="020B0609020204030204" pitchFamily="49" charset="0"/>
-              </a:rPr>
-              <a:t> (</a:t>
-            </a:r>
-            <a:r>
-              <a:rPr lang="it-IT" sz="1000" b="0" dirty="0" err="1">
-                <a:solidFill>
-                  <a:srgbClr val="C18401"/>
-                </a:solidFill>
-                <a:effectLst/>
-                <a:latin typeface="Consolas" panose="020B0609020204030204" pitchFamily="49" charset="0"/>
-              </a:rPr>
-              <a:t>Exception</a:t>
-            </a:r>
-            <a:r>
-              <a:rPr lang="it-IT" sz="1000" b="0" dirty="0">
-                <a:solidFill>
-                  <a:srgbClr val="383A42"/>
-                </a:solidFill>
-                <a:effectLst/>
-                <a:latin typeface="Consolas" panose="020B0609020204030204" pitchFamily="49" charset="0"/>
-              </a:rPr>
-              <a:t> e) {</a:t>
-            </a:r>
-          </a:p>
-          <a:p>
-            <a:r>
-              <a:rPr lang="it-IT" sz="1000" b="0" dirty="0">
-                <a:solidFill>
-                  <a:srgbClr val="383A42"/>
-                </a:solidFill>
-                <a:effectLst/>
-                <a:latin typeface="Consolas" panose="020B0609020204030204" pitchFamily="49" charset="0"/>
-              </a:rPr>
-              <a:t>            }</a:t>
-            </a:r>
-          </a:p>
-          <a:p>
-            <a:r>
-              <a:rPr lang="it-IT" sz="1000" b="0" dirty="0">
-                <a:solidFill>
-                  <a:srgbClr val="383A42"/>
-                </a:solidFill>
-                <a:effectLst/>
-                <a:latin typeface="Consolas" panose="020B0609020204030204" pitchFamily="49" charset="0"/>
-              </a:rPr>
-              <a:t>        }</a:t>
-            </a:r>
-          </a:p>
-          <a:p>
-            <a:r>
-              <a:rPr lang="it-IT" sz="1000" b="0" dirty="0">
-                <a:solidFill>
-                  <a:srgbClr val="383A42"/>
-                </a:solidFill>
-                <a:effectLst/>
-                <a:latin typeface="Consolas" panose="020B0609020204030204" pitchFamily="49" charset="0"/>
-              </a:rPr>
-              <a:t>        </a:t>
-            </a:r>
-            <a:r>
-              <a:rPr lang="it-IT" sz="1000" b="0" i="1" dirty="0">
-                <a:solidFill>
-                  <a:srgbClr val="A0A1A7"/>
-                </a:solidFill>
-                <a:effectLst/>
-                <a:latin typeface="Consolas" panose="020B0609020204030204" pitchFamily="49" charset="0"/>
-              </a:rPr>
-              <a:t>// Registrazione </a:t>
-            </a:r>
-            <a:r>
-              <a:rPr lang="it-IT" sz="1000" b="0" i="1" dirty="0" err="1">
-                <a:solidFill>
-                  <a:srgbClr val="A0A1A7"/>
-                </a:solidFill>
-                <a:effectLst/>
-                <a:latin typeface="Consolas" panose="020B0609020204030204" pitchFamily="49" charset="0"/>
-              </a:rPr>
-              <a:t>RegistryRemoto</a:t>
-            </a:r>
-            <a:r>
-              <a:rPr lang="it-IT" sz="1000" b="0" i="1" dirty="0">
-                <a:solidFill>
-                  <a:srgbClr val="A0A1A7"/>
-                </a:solidFill>
-                <a:effectLst/>
-                <a:latin typeface="Consolas" panose="020B0609020204030204" pitchFamily="49" charset="0"/>
-              </a:rPr>
-              <a:t> presso </a:t>
-            </a:r>
-            <a:r>
-              <a:rPr lang="it-IT" sz="1000" b="0" i="1" dirty="0" err="1">
-                <a:solidFill>
-                  <a:srgbClr val="A0A1A7"/>
-                </a:solidFill>
-                <a:effectLst/>
-                <a:latin typeface="Consolas" panose="020B0609020204030204" pitchFamily="49" charset="0"/>
-              </a:rPr>
-              <a:t>rmiregistry</a:t>
-            </a:r>
-            <a:r>
-              <a:rPr lang="it-IT" sz="1000" b="0" i="1" dirty="0">
-                <a:solidFill>
-                  <a:srgbClr val="A0A1A7"/>
-                </a:solidFill>
-                <a:effectLst/>
-                <a:latin typeface="Consolas" panose="020B0609020204030204" pitchFamily="49" charset="0"/>
-              </a:rPr>
-              <a:t> locale</a:t>
-            </a:r>
-            <a:endParaRPr lang="it-IT" sz="1000" b="0" dirty="0">
-              <a:solidFill>
-                <a:srgbClr val="383A42"/>
-              </a:solidFill>
-              <a:effectLst/>
-              <a:latin typeface="Consolas" panose="020B0609020204030204" pitchFamily="49" charset="0"/>
-            </a:endParaRPr>
-          </a:p>
-          <a:p>
-            <a:r>
-              <a:rPr lang="it-IT" sz="1000" b="0" dirty="0">
-                <a:solidFill>
-                  <a:srgbClr val="383A42"/>
-                </a:solidFill>
-                <a:effectLst/>
-                <a:latin typeface="Consolas" panose="020B0609020204030204" pitchFamily="49" charset="0"/>
-              </a:rPr>
-              <a:t>        </a:t>
-            </a:r>
-            <a:r>
-              <a:rPr lang="it-IT" sz="1000" b="0" dirty="0" err="1">
-                <a:solidFill>
-                  <a:srgbClr val="C18401"/>
-                </a:solidFill>
-                <a:effectLst/>
-                <a:latin typeface="Consolas" panose="020B0609020204030204" pitchFamily="49" charset="0"/>
-              </a:rPr>
-              <a:t>String</a:t>
-            </a:r>
-            <a:r>
-              <a:rPr lang="it-IT" sz="1000" b="0" dirty="0">
-                <a:solidFill>
-                  <a:srgbClr val="E45649"/>
-                </a:solidFill>
-                <a:effectLst/>
-                <a:latin typeface="Consolas" panose="020B0609020204030204" pitchFamily="49" charset="0"/>
-              </a:rPr>
-              <a:t> </a:t>
-            </a:r>
-            <a:r>
-              <a:rPr lang="it-IT" sz="1000" b="0" dirty="0" err="1">
-                <a:solidFill>
-                  <a:srgbClr val="E45649"/>
-                </a:solidFill>
-                <a:effectLst/>
-                <a:latin typeface="Consolas" panose="020B0609020204030204" pitchFamily="49" charset="0"/>
-              </a:rPr>
-              <a:t>completeName</a:t>
-            </a:r>
-            <a:r>
-              <a:rPr lang="it-IT" sz="1000" b="0" dirty="0">
-                <a:solidFill>
-                  <a:srgbClr val="E45649"/>
-                </a:solidFill>
-                <a:effectLst/>
-                <a:latin typeface="Consolas" panose="020B0609020204030204" pitchFamily="49" charset="0"/>
-              </a:rPr>
-              <a:t> </a:t>
-            </a:r>
-            <a:r>
-              <a:rPr lang="it-IT" sz="1000" b="0" dirty="0">
-                <a:solidFill>
-                  <a:srgbClr val="383A42"/>
-                </a:solidFill>
-                <a:effectLst/>
-                <a:latin typeface="Consolas" panose="020B0609020204030204" pitchFamily="49" charset="0"/>
-              </a:rPr>
-              <a:t>= </a:t>
-            </a:r>
-            <a:r>
-              <a:rPr lang="it-IT" sz="1000" b="0" dirty="0">
-                <a:solidFill>
-                  <a:srgbClr val="50A14F"/>
-                </a:solidFill>
-                <a:effectLst/>
-                <a:latin typeface="Consolas" panose="020B0609020204030204" pitchFamily="49" charset="0"/>
-              </a:rPr>
-              <a:t>"//"</a:t>
-            </a:r>
-            <a:r>
-              <a:rPr lang="it-IT" sz="1000" b="0" dirty="0">
-                <a:solidFill>
-                  <a:srgbClr val="383A42"/>
-                </a:solidFill>
-                <a:effectLst/>
-                <a:latin typeface="Consolas" panose="020B0609020204030204" pitchFamily="49" charset="0"/>
-              </a:rPr>
-              <a:t> + </a:t>
-            </a:r>
-            <a:r>
-              <a:rPr lang="it-IT" sz="1000" b="0" dirty="0" err="1">
-                <a:solidFill>
-                  <a:srgbClr val="383A42"/>
-                </a:solidFill>
-                <a:effectLst/>
-                <a:latin typeface="Consolas" panose="020B0609020204030204" pitchFamily="49" charset="0"/>
-              </a:rPr>
-              <a:t>registryRemotoHost</a:t>
-            </a:r>
-            <a:r>
-              <a:rPr lang="it-IT" sz="1000" b="0" dirty="0">
-                <a:solidFill>
-                  <a:srgbClr val="383A42"/>
-                </a:solidFill>
-                <a:effectLst/>
-                <a:latin typeface="Consolas" panose="020B0609020204030204" pitchFamily="49" charset="0"/>
-              </a:rPr>
-              <a:t> + </a:t>
-            </a:r>
-            <a:r>
-              <a:rPr lang="it-IT" sz="1000" b="0" dirty="0">
-                <a:solidFill>
-                  <a:srgbClr val="50A14F"/>
-                </a:solidFill>
-                <a:effectLst/>
-                <a:latin typeface="Consolas" panose="020B0609020204030204" pitchFamily="49" charset="0"/>
-              </a:rPr>
-              <a:t>":"</a:t>
-            </a:r>
-            <a:r>
-              <a:rPr lang="it-IT" sz="1000" b="0" dirty="0">
-                <a:solidFill>
-                  <a:srgbClr val="383A42"/>
-                </a:solidFill>
-                <a:effectLst/>
-                <a:latin typeface="Consolas" panose="020B0609020204030204" pitchFamily="49" charset="0"/>
-              </a:rPr>
-              <a:t> + </a:t>
-            </a:r>
-            <a:r>
-              <a:rPr lang="it-IT" sz="1000" b="0" dirty="0" err="1">
-                <a:solidFill>
-                  <a:srgbClr val="383A42"/>
-                </a:solidFill>
-                <a:effectLst/>
-                <a:latin typeface="Consolas" panose="020B0609020204030204" pitchFamily="49" charset="0"/>
-              </a:rPr>
-              <a:t>registryRemotoPort</a:t>
-            </a:r>
-            <a:r>
-              <a:rPr lang="it-IT" sz="1000" b="0" dirty="0">
-                <a:solidFill>
-                  <a:srgbClr val="383A42"/>
-                </a:solidFill>
-                <a:effectLst/>
-                <a:latin typeface="Consolas" panose="020B0609020204030204" pitchFamily="49" charset="0"/>
-              </a:rPr>
-              <a:t> + </a:t>
-            </a:r>
-            <a:r>
-              <a:rPr lang="it-IT" sz="1000" b="0" dirty="0">
-                <a:solidFill>
-                  <a:srgbClr val="50A14F"/>
-                </a:solidFill>
-                <a:effectLst/>
-                <a:latin typeface="Consolas" panose="020B0609020204030204" pitchFamily="49" charset="0"/>
-              </a:rPr>
-              <a:t>"/"</a:t>
-            </a:r>
-            <a:r>
-              <a:rPr lang="it-IT" sz="1000" b="0" dirty="0">
-                <a:solidFill>
-                  <a:srgbClr val="383A42"/>
-                </a:solidFill>
-                <a:effectLst/>
-                <a:latin typeface="Consolas" panose="020B0609020204030204" pitchFamily="49" charset="0"/>
-              </a:rPr>
-              <a:t> + </a:t>
-            </a:r>
-            <a:r>
-              <a:rPr lang="it-IT" sz="1000" b="0" dirty="0" err="1">
-                <a:solidFill>
-                  <a:srgbClr val="383A42"/>
-                </a:solidFill>
-                <a:effectLst/>
-                <a:latin typeface="Consolas" panose="020B0609020204030204" pitchFamily="49" charset="0"/>
-              </a:rPr>
-              <a:t>registryRemotoName</a:t>
-            </a:r>
-            <a:r>
-              <a:rPr lang="it-IT" sz="1000" b="0" dirty="0">
-                <a:solidFill>
-                  <a:srgbClr val="383A42"/>
-                </a:solidFill>
-                <a:effectLst/>
-                <a:latin typeface="Consolas" panose="020B0609020204030204" pitchFamily="49" charset="0"/>
-              </a:rPr>
-              <a:t>;</a:t>
-            </a:r>
-          </a:p>
-          <a:p>
-            <a:r>
-              <a:rPr lang="it-IT" sz="1000" b="0" dirty="0">
-                <a:solidFill>
-                  <a:srgbClr val="383A42"/>
-                </a:solidFill>
-                <a:effectLst/>
-                <a:latin typeface="Consolas" panose="020B0609020204030204" pitchFamily="49" charset="0"/>
-              </a:rPr>
-              <a:t>        </a:t>
-            </a:r>
-            <a:r>
-              <a:rPr lang="it-IT" sz="1000" b="0" dirty="0" err="1">
-                <a:solidFill>
-                  <a:srgbClr val="A626A4"/>
-                </a:solidFill>
-                <a:effectLst/>
-                <a:latin typeface="Consolas" panose="020B0609020204030204" pitchFamily="49" charset="0"/>
-              </a:rPr>
-              <a:t>try</a:t>
-            </a:r>
-            <a:r>
-              <a:rPr lang="it-IT" sz="1000" b="0" dirty="0">
-                <a:solidFill>
-                  <a:srgbClr val="383A42"/>
-                </a:solidFill>
-                <a:effectLst/>
-                <a:latin typeface="Consolas" panose="020B0609020204030204" pitchFamily="49" charset="0"/>
-              </a:rPr>
-              <a:t> {</a:t>
-            </a:r>
-          </a:p>
-          <a:p>
-            <a:r>
-              <a:rPr lang="it-IT" sz="1000" b="0" dirty="0">
-                <a:solidFill>
-                  <a:srgbClr val="383A42"/>
-                </a:solidFill>
-                <a:effectLst/>
-                <a:latin typeface="Consolas" panose="020B0609020204030204" pitchFamily="49" charset="0"/>
-              </a:rPr>
-              <a:t>            </a:t>
-            </a:r>
-            <a:r>
-              <a:rPr lang="it-IT" sz="1000" b="0" dirty="0" err="1">
-                <a:solidFill>
-                  <a:srgbClr val="C18401"/>
-                </a:solidFill>
-                <a:effectLst/>
-                <a:latin typeface="Consolas" panose="020B0609020204030204" pitchFamily="49" charset="0"/>
-              </a:rPr>
-              <a:t>RegistryRemotoImpl</a:t>
-            </a:r>
-            <a:r>
-              <a:rPr lang="it-IT" sz="1000" b="0" dirty="0">
-                <a:solidFill>
-                  <a:srgbClr val="E45649"/>
-                </a:solidFill>
-                <a:effectLst/>
-                <a:latin typeface="Consolas" panose="020B0609020204030204" pitchFamily="49" charset="0"/>
-              </a:rPr>
-              <a:t> </a:t>
-            </a:r>
-            <a:r>
-              <a:rPr lang="it-IT" sz="1000" b="0" dirty="0" err="1">
-                <a:solidFill>
-                  <a:srgbClr val="E45649"/>
-                </a:solidFill>
-                <a:effectLst/>
-                <a:latin typeface="Consolas" panose="020B0609020204030204" pitchFamily="49" charset="0"/>
-              </a:rPr>
-              <a:t>serverRMI</a:t>
-            </a:r>
-            <a:r>
-              <a:rPr lang="it-IT" sz="1000" b="0" dirty="0">
-                <a:solidFill>
-                  <a:srgbClr val="E45649"/>
-                </a:solidFill>
-                <a:effectLst/>
-                <a:latin typeface="Consolas" panose="020B0609020204030204" pitchFamily="49" charset="0"/>
-              </a:rPr>
-              <a:t> </a:t>
-            </a:r>
-            <a:r>
-              <a:rPr lang="it-IT" sz="1000" b="0" dirty="0">
-                <a:solidFill>
-                  <a:srgbClr val="383A42"/>
-                </a:solidFill>
-                <a:effectLst/>
-                <a:latin typeface="Consolas" panose="020B0609020204030204" pitchFamily="49" charset="0"/>
-              </a:rPr>
-              <a:t>= </a:t>
-            </a:r>
-            <a:r>
-              <a:rPr lang="it-IT" sz="1000" b="0" dirty="0">
-                <a:solidFill>
-                  <a:srgbClr val="A626A4"/>
-                </a:solidFill>
-                <a:effectLst/>
-                <a:latin typeface="Consolas" panose="020B0609020204030204" pitchFamily="49" charset="0"/>
-              </a:rPr>
-              <a:t>new</a:t>
-            </a:r>
-            <a:r>
-              <a:rPr lang="it-IT" sz="1000" b="0" dirty="0">
-                <a:solidFill>
-                  <a:srgbClr val="383A42"/>
-                </a:solidFill>
-                <a:effectLst/>
-                <a:latin typeface="Consolas" panose="020B0609020204030204" pitchFamily="49" charset="0"/>
-              </a:rPr>
-              <a:t> </a:t>
-            </a:r>
-            <a:r>
-              <a:rPr lang="it-IT" sz="1000" b="0" dirty="0" err="1">
-                <a:solidFill>
-                  <a:srgbClr val="4078F2"/>
-                </a:solidFill>
-                <a:effectLst/>
-                <a:latin typeface="Consolas" panose="020B0609020204030204" pitchFamily="49" charset="0"/>
-              </a:rPr>
-              <a:t>RegistryRemotoImpl</a:t>
-            </a:r>
-            <a:r>
-              <a:rPr lang="it-IT" sz="1000" b="0" dirty="0">
-                <a:solidFill>
-                  <a:srgbClr val="383A42"/>
-                </a:solidFill>
-                <a:effectLst/>
-                <a:latin typeface="Consolas" panose="020B0609020204030204" pitchFamily="49" charset="0"/>
-              </a:rPr>
-              <a:t>();</a:t>
-            </a:r>
-          </a:p>
-          <a:p>
-            <a:r>
-              <a:rPr lang="it-IT" sz="1000" b="0" dirty="0">
-                <a:solidFill>
-                  <a:srgbClr val="383A42"/>
-                </a:solidFill>
-                <a:effectLst/>
-                <a:latin typeface="Consolas" panose="020B0609020204030204" pitchFamily="49" charset="0"/>
-              </a:rPr>
-              <a:t>            </a:t>
-            </a:r>
-            <a:r>
-              <a:rPr lang="it-IT" sz="1000" b="0" dirty="0" err="1">
-                <a:solidFill>
-                  <a:srgbClr val="E45649"/>
-                </a:solidFill>
-                <a:effectLst/>
-                <a:latin typeface="Consolas" panose="020B0609020204030204" pitchFamily="49" charset="0"/>
-              </a:rPr>
-              <a:t>Naming</a:t>
-            </a:r>
-            <a:r>
-              <a:rPr lang="it-IT" sz="1000" b="0" dirty="0" err="1">
-                <a:solidFill>
-                  <a:srgbClr val="383A42"/>
-                </a:solidFill>
-                <a:effectLst/>
-                <a:latin typeface="Consolas" panose="020B0609020204030204" pitchFamily="49" charset="0"/>
-              </a:rPr>
-              <a:t>.</a:t>
-            </a:r>
-            <a:r>
-              <a:rPr lang="it-IT" sz="1000" b="0" dirty="0" err="1">
-                <a:solidFill>
-                  <a:srgbClr val="4078F2"/>
-                </a:solidFill>
-                <a:effectLst/>
-                <a:latin typeface="Consolas" panose="020B0609020204030204" pitchFamily="49" charset="0"/>
-              </a:rPr>
-              <a:t>rebind</a:t>
-            </a:r>
-            <a:r>
-              <a:rPr lang="it-IT" sz="1000" b="0" dirty="0">
-                <a:solidFill>
-                  <a:srgbClr val="383A42"/>
-                </a:solidFill>
-                <a:effectLst/>
-                <a:latin typeface="Consolas" panose="020B0609020204030204" pitchFamily="49" charset="0"/>
-              </a:rPr>
-              <a:t>(</a:t>
-            </a:r>
-            <a:r>
-              <a:rPr lang="it-IT" sz="1000" b="0" dirty="0" err="1">
-                <a:solidFill>
-                  <a:srgbClr val="383A42"/>
-                </a:solidFill>
-                <a:effectLst/>
-                <a:latin typeface="Consolas" panose="020B0609020204030204" pitchFamily="49" charset="0"/>
-              </a:rPr>
-              <a:t>completeName</a:t>
-            </a:r>
-            <a:r>
-              <a:rPr lang="it-IT" sz="1000" b="0" dirty="0">
-                <a:solidFill>
-                  <a:srgbClr val="383A42"/>
-                </a:solidFill>
-                <a:effectLst/>
-                <a:latin typeface="Consolas" panose="020B0609020204030204" pitchFamily="49" charset="0"/>
-              </a:rPr>
-              <a:t>, </a:t>
-            </a:r>
-            <a:r>
-              <a:rPr lang="it-IT" sz="1000" b="0" dirty="0" err="1">
-                <a:solidFill>
-                  <a:srgbClr val="383A42"/>
-                </a:solidFill>
-                <a:effectLst/>
-                <a:latin typeface="Consolas" panose="020B0609020204030204" pitchFamily="49" charset="0"/>
-              </a:rPr>
-              <a:t>serverRMI</a:t>
-            </a:r>
-            <a:r>
-              <a:rPr lang="it-IT" sz="1000" b="0" dirty="0">
-                <a:solidFill>
-                  <a:srgbClr val="383A42"/>
-                </a:solidFill>
-                <a:effectLst/>
-                <a:latin typeface="Consolas" panose="020B0609020204030204" pitchFamily="49" charset="0"/>
-              </a:rPr>
-              <a:t>);</a:t>
-            </a:r>
-          </a:p>
-          <a:p>
-            <a:r>
-              <a:rPr lang="it-IT" sz="1000" b="0" dirty="0">
-                <a:solidFill>
-                  <a:srgbClr val="383A42"/>
-                </a:solidFill>
-                <a:effectLst/>
-                <a:latin typeface="Consolas" panose="020B0609020204030204" pitchFamily="49" charset="0"/>
-              </a:rPr>
-              <a:t>        } </a:t>
-            </a:r>
-            <a:r>
-              <a:rPr lang="it-IT" sz="1000" b="0" dirty="0">
-                <a:solidFill>
-                  <a:srgbClr val="A626A4"/>
-                </a:solidFill>
-                <a:effectLst/>
-                <a:latin typeface="Consolas" panose="020B0609020204030204" pitchFamily="49" charset="0"/>
-              </a:rPr>
-              <a:t>catch</a:t>
-            </a:r>
-            <a:r>
-              <a:rPr lang="it-IT" sz="1000" b="0" dirty="0">
-                <a:solidFill>
-                  <a:srgbClr val="383A42"/>
-                </a:solidFill>
-                <a:effectLst/>
-                <a:latin typeface="Consolas" panose="020B0609020204030204" pitchFamily="49" charset="0"/>
-              </a:rPr>
-              <a:t> (</a:t>
-            </a:r>
-            <a:r>
-              <a:rPr lang="it-IT" sz="1000" b="0" dirty="0" err="1">
-                <a:solidFill>
-                  <a:srgbClr val="C18401"/>
-                </a:solidFill>
-                <a:effectLst/>
-                <a:latin typeface="Consolas" panose="020B0609020204030204" pitchFamily="49" charset="0"/>
-              </a:rPr>
-              <a:t>Exception</a:t>
-            </a:r>
-            <a:r>
-              <a:rPr lang="it-IT" sz="1000" b="0" dirty="0">
-                <a:solidFill>
-                  <a:srgbClr val="383A42"/>
-                </a:solidFill>
-                <a:effectLst/>
-                <a:latin typeface="Consolas" panose="020B0609020204030204" pitchFamily="49" charset="0"/>
-              </a:rPr>
-              <a:t> e) {</a:t>
-            </a:r>
-          </a:p>
-          <a:p>
-            <a:r>
-              <a:rPr lang="it-IT" sz="1000" b="0" dirty="0">
-                <a:solidFill>
-                  <a:srgbClr val="383A42"/>
-                </a:solidFill>
-                <a:effectLst/>
-                <a:latin typeface="Consolas" panose="020B0609020204030204" pitchFamily="49" charset="0"/>
-              </a:rPr>
-              <a:t>        }</a:t>
-            </a:r>
+          </a:p>
+          <a:p>
+            <a:endParaRPr lang="it-IT" dirty="0"/>
           </a:p>
         </p:txBody>
       </p:sp>
       <p:pic>
         <p:nvPicPr>
-          <p:cNvPr id="27" name="Elemento grafico 26" descr="Idrante antincendio rotto con riempimento a tinta unita">
+          <p:cNvPr id="29" name="Elemento grafico 28" descr="Idrante antincendio rotto con riempimento a tinta unita">
             <a:extLst>
               <a:ext uri="{FF2B5EF4-FFF2-40B4-BE49-F238E27FC236}">
-                <a16:creationId xmlns:a16="http://schemas.microsoft.com/office/drawing/2014/main" id="{C5D1D819-8E3F-4F37-A3D9-B9A18687EBC7}"/>
+                <a16:creationId xmlns:a16="http://schemas.microsoft.com/office/drawing/2014/main" id="{3A89474A-13D7-4E2E-BF72-A9861040F803}"/>
               </a:ext>
             </a:extLst>
           </p:cNvPr>
@@ -17383,10 +15954,10 @@
           <p:nvPr/>
         </p:nvPicPr>
         <p:blipFill>
-          <a:blip r:embed="rId28">
+          <a:blip r:embed="rId29">
             <a:extLst>
               <a:ext uri="{96DAC541-7B7A-43D3-8B79-37D633B846F1}">
-                <asvg:svgBlip xmlns:asvg="http://schemas.microsoft.com/office/drawing/2016/SVG/main" r:embed="rId29"/>
+                <asvg:svgBlip xmlns:asvg="http://schemas.microsoft.com/office/drawing/2016/SVG/main" r:embed="rId30"/>
               </a:ext>
             </a:extLst>
           </a:blip>
@@ -17395,18 +15966,100 @@
         </p:blipFill>
         <p:spPr>
           <a:xfrm>
-            <a:off x="-869791" y="5744747"/>
+            <a:off x="-867548" y="5798747"/>
             <a:ext cx="720000" cy="720000"/>
           </a:xfrm>
           <a:prstGeom prst="rect">
             <a:avLst/>
           </a:prstGeom>
+        </p:spPr>
+      </p:pic>
+      <p:pic>
+        <p:nvPicPr>
+          <p:cNvPr id="35" name="Immagine 34">
+            <a:extLst>
+              <a:ext uri="{FF2B5EF4-FFF2-40B4-BE49-F238E27FC236}">
+                <a16:creationId xmlns:a16="http://schemas.microsoft.com/office/drawing/2014/main" id="{DBD411AA-9CB3-462B-AE4F-A0E1D77F85C4}"/>
+              </a:ext>
+            </a:extLst>
+          </p:cNvPr>
+          <p:cNvPicPr>
+            <a:picLocks noChangeAspect="1"/>
+          </p:cNvPicPr>
+          <p:nvPr/>
+        </p:nvPicPr>
+        <p:blipFill>
+          <a:blip r:embed="rId31"/>
+          <a:stretch>
+            <a:fillRect/>
+          </a:stretch>
+        </p:blipFill>
+        <p:spPr>
+          <a:xfrm>
+            <a:off x="7061180" y="471108"/>
+            <a:ext cx="2848373" cy="2915057"/>
+          </a:xfrm>
+          <a:prstGeom prst="roundRect">
+            <a:avLst>
+              <a:gd name="adj" fmla="val 5263"/>
+            </a:avLst>
+          </a:prstGeom>
+          <a:solidFill>
+            <a:srgbClr val="FFFFFF">
+              <a:shade val="85000"/>
+            </a:srgbClr>
+          </a:solidFill>
+          <a:ln>
+            <a:noFill/>
+          </a:ln>
+          <a:effectLst/>
+        </p:spPr>
+      </p:pic>
+      <p:pic>
+        <p:nvPicPr>
+          <p:cNvPr id="39" name="Immagine 38">
+            <a:extLst>
+              <a:ext uri="{FF2B5EF4-FFF2-40B4-BE49-F238E27FC236}">
+                <a16:creationId xmlns:a16="http://schemas.microsoft.com/office/drawing/2014/main" id="{17265EAE-8FA3-470E-B353-457A084FEAD8}"/>
+              </a:ext>
+            </a:extLst>
+          </p:cNvPr>
+          <p:cNvPicPr>
+            <a:picLocks noChangeAspect="1"/>
+          </p:cNvPicPr>
+          <p:nvPr/>
+        </p:nvPicPr>
+        <p:blipFill>
+          <a:blip r:embed="rId32"/>
+          <a:stretch>
+            <a:fillRect/>
+          </a:stretch>
+        </p:blipFill>
+        <p:spPr>
+          <a:xfrm>
+            <a:off x="5813230" y="3730426"/>
+            <a:ext cx="5344271" cy="2448267"/>
+          </a:xfrm>
+          <a:prstGeom prst="roundRect">
+            <a:avLst>
+              <a:gd name="adj" fmla="val 5106"/>
+            </a:avLst>
+          </a:prstGeom>
+          <a:solidFill>
+            <a:srgbClr val="FFFFFF">
+              <a:shade val="85000"/>
+            </a:srgbClr>
+          </a:solidFill>
+          <a:ln>
+            <a:noFill/>
+          </a:ln>
+          <a:effectLst/>
         </p:spPr>
       </p:pic>
     </p:spTree>
     <p:extLst>
       <p:ext uri="{BB962C8B-B14F-4D97-AF65-F5344CB8AC3E}">
-        <p14:creationId xmlns:p14="http://schemas.microsoft.com/office/powerpoint/2010/main" val="2340589119"/>
+        <p14:creationId xmlns:p14="http://schemas.microsoft.com/office/powerpoint/2010/main" val="4053070553"/>
       </p:ext>
     </p:extLst>
   </p:cSld>
@@ -17455,10 +16108,45 @@
       </p:grpSpPr>
       <p:sp>
         <p:nvSpPr>
-          <p:cNvPr id="8" name="Ovale 7">
+          <p:cNvPr id="16" name="Segnaposto numero diapositiva 5">
             <a:extLst>
               <a:ext uri="{FF2B5EF4-FFF2-40B4-BE49-F238E27FC236}">
-                <a16:creationId xmlns:a16="http://schemas.microsoft.com/office/drawing/2014/main" id="{CD629D74-F096-4080-B149-8187386A577E}"/>
+                <a16:creationId xmlns:a16="http://schemas.microsoft.com/office/drawing/2014/main" id="{02CA51CB-D57C-4543-8737-F2B5C2866E1C}"/>
+              </a:ext>
+            </a:extLst>
+          </p:cNvPr>
+          <p:cNvSpPr>
+            <a:spLocks noGrp="1"/>
+          </p:cNvSpPr>
+          <p:nvPr>
+            <p:ph type="sldNum" sz="quarter" idx="12"/>
+          </p:nvPr>
+        </p:nvSpPr>
+        <p:spPr>
+          <a:xfrm>
+            <a:off x="10266795" y="6388793"/>
+            <a:ext cx="771089" cy="365125"/>
+          </a:xfrm>
+        </p:spPr>
+        <p:txBody>
+          <a:bodyPr/>
+          <a:lstStyle/>
+          <a:p>
+            <a:pPr rtl="0"/>
+            <a:fld id="{6D22F896-40B5-4ADD-8801-0D06FADFA095}" type="slidenum">
+              <a:rPr lang="it-IT" noProof="0" smtClean="0"/>
+              <a:t>3</a:t>
+            </a:fld>
+            <a:endParaRPr lang="it-IT" noProof="0" dirty="0"/>
+          </a:p>
+        </p:txBody>
+      </p:sp>
+      <p:sp>
+        <p:nvSpPr>
+          <p:cNvPr id="29" name="Ovale 28">
+            <a:extLst>
+              <a:ext uri="{FF2B5EF4-FFF2-40B4-BE49-F238E27FC236}">
+                <a16:creationId xmlns:a16="http://schemas.microsoft.com/office/drawing/2014/main" id="{8BDF5A38-5DAA-4652-B24D-132DC9A4418A}"/>
               </a:ext>
             </a:extLst>
           </p:cNvPr>
@@ -17467,7 +16155,7 @@
         </p:nvSpPr>
         <p:spPr>
           <a:xfrm>
-            <a:off x="-921548" y="2091071"/>
+            <a:off x="815723" y="2062684"/>
             <a:ext cx="828000" cy="828000"/>
           </a:xfrm>
           <a:prstGeom prst="ellipse">
@@ -17507,10 +16195,10 @@
       </p:sp>
       <p:sp>
         <p:nvSpPr>
-          <p:cNvPr id="9" name="Ovale 8">
+          <p:cNvPr id="30" name="Ovale 29">
             <a:extLst>
               <a:ext uri="{FF2B5EF4-FFF2-40B4-BE49-F238E27FC236}">
-                <a16:creationId xmlns:a16="http://schemas.microsoft.com/office/drawing/2014/main" id="{8C46C454-87C3-4560-9BFE-C5513764E15B}"/>
+                <a16:creationId xmlns:a16="http://schemas.microsoft.com/office/drawing/2014/main" id="{7FC5FCFD-AA6A-4A57-8233-C33BE27E4977}"/>
               </a:ext>
             </a:extLst>
           </p:cNvPr>
@@ -17559,10 +16247,10 @@
       </p:sp>
       <p:sp>
         <p:nvSpPr>
-          <p:cNvPr id="10" name="Ovale 9">
+          <p:cNvPr id="31" name="Ovale 30">
             <a:extLst>
               <a:ext uri="{FF2B5EF4-FFF2-40B4-BE49-F238E27FC236}">
-                <a16:creationId xmlns:a16="http://schemas.microsoft.com/office/drawing/2014/main" id="{DA75A8DD-643D-4EB8-84F2-14866949246F}"/>
+                <a16:creationId xmlns:a16="http://schemas.microsoft.com/office/drawing/2014/main" id="{0F5A0048-7E26-4166-8460-210AE43053B5}"/>
               </a:ext>
             </a:extLst>
           </p:cNvPr>
@@ -17611,10 +16299,10 @@
       </p:sp>
       <p:sp>
         <p:nvSpPr>
-          <p:cNvPr id="11" name="Ovale 10">
+          <p:cNvPr id="32" name="Ovale 31">
             <a:extLst>
               <a:ext uri="{FF2B5EF4-FFF2-40B4-BE49-F238E27FC236}">
-                <a16:creationId xmlns:a16="http://schemas.microsoft.com/office/drawing/2014/main" id="{8C0C9DE3-DBD1-4E0A-9601-3FC8309BAECE}"/>
+                <a16:creationId xmlns:a16="http://schemas.microsoft.com/office/drawing/2014/main" id="{11253363-C25D-4D4E-8A20-84B83C3D3B88}"/>
               </a:ext>
             </a:extLst>
           </p:cNvPr>
@@ -17663,10 +16351,10 @@
       </p:sp>
       <p:sp>
         <p:nvSpPr>
-          <p:cNvPr id="13" name="Ovale 12">
+          <p:cNvPr id="33" name="Ovale 32">
             <a:extLst>
               <a:ext uri="{FF2B5EF4-FFF2-40B4-BE49-F238E27FC236}">
-                <a16:creationId xmlns:a16="http://schemas.microsoft.com/office/drawing/2014/main" id="{E3C499B9-B0AB-4BA6-8595-98FDDB6D056D}"/>
+                <a16:creationId xmlns:a16="http://schemas.microsoft.com/office/drawing/2014/main" id="{3B5834CB-2D85-43AB-A4E1-5AA2D7AB67CC}"/>
               </a:ext>
             </a:extLst>
           </p:cNvPr>
@@ -17715,10 +16403,10 @@
       </p:sp>
       <p:sp>
         <p:nvSpPr>
-          <p:cNvPr id="14" name="Ovale 13">
+          <p:cNvPr id="34" name="Ovale 33">
             <a:extLst>
               <a:ext uri="{FF2B5EF4-FFF2-40B4-BE49-F238E27FC236}">
-                <a16:creationId xmlns:a16="http://schemas.microsoft.com/office/drawing/2014/main" id="{EE97289B-6EAD-4B0B-9050-C551748A52A0}"/>
+                <a16:creationId xmlns:a16="http://schemas.microsoft.com/office/drawing/2014/main" id="{EBE12D95-23B5-40EA-942C-249C49F49539}"/>
               </a:ext>
             </a:extLst>
           </p:cNvPr>
@@ -17767,10 +16455,10 @@
       </p:sp>
       <p:pic>
         <p:nvPicPr>
-          <p:cNvPr id="15" name="Elemento grafico 14" descr="Tiro a segno contorno">
+          <p:cNvPr id="35" name="Elemento grafico 34" descr="Tiro a segno contorno">
             <a:extLst>
               <a:ext uri="{FF2B5EF4-FFF2-40B4-BE49-F238E27FC236}">
-                <a16:creationId xmlns:a16="http://schemas.microsoft.com/office/drawing/2014/main" id="{EB10AEFA-EA37-450C-B6B9-A4784D75A7B9}"/>
+                <a16:creationId xmlns:a16="http://schemas.microsoft.com/office/drawing/2014/main" id="{753A4E9C-1310-4DA4-B30E-4F3078A6BBB8}"/>
               </a:ext>
             </a:extLst>
           </p:cNvPr>
@@ -17803,10 +16491,10 @@
       </p:pic>
       <p:pic>
         <p:nvPicPr>
-          <p:cNvPr id="17" name="Elemento grafico 16" descr="Ingranaggi contorno">
+          <p:cNvPr id="36" name="Elemento grafico 35" descr="Ingranaggi contorno">
             <a:extLst>
               <a:ext uri="{FF2B5EF4-FFF2-40B4-BE49-F238E27FC236}">
-                <a16:creationId xmlns:a16="http://schemas.microsoft.com/office/drawing/2014/main" id="{BDB117D3-9984-44AE-BBFF-E072A085F84E}"/>
+                <a16:creationId xmlns:a16="http://schemas.microsoft.com/office/drawing/2014/main" id="{9F8C930C-6A6E-4240-9DF7-B80EF516B48A}"/>
               </a:ext>
             </a:extLst>
           </p:cNvPr>
@@ -17839,10 +16527,10 @@
       </p:pic>
       <p:pic>
         <p:nvPicPr>
-          <p:cNvPr id="18" name="Elemento grafico 17" descr="Condividi con riempimento a tinta unita">
+          <p:cNvPr id="37" name="Elemento grafico 36" descr="Condividi con riempimento a tinta unita">
             <a:extLst>
               <a:ext uri="{FF2B5EF4-FFF2-40B4-BE49-F238E27FC236}">
-                <a16:creationId xmlns:a16="http://schemas.microsoft.com/office/drawing/2014/main" id="{85CAC16D-90F7-42C3-A9E5-7E158169A436}"/>
+                <a16:creationId xmlns:a16="http://schemas.microsoft.com/office/drawing/2014/main" id="{42C2C5AA-49F6-4E55-8889-7F4AA048DBD0}"/>
               </a:ext>
             </a:extLst>
           </p:cNvPr>
@@ -17865,7 +16553,7 @@
         </p:blipFill>
         <p:spPr>
           <a:xfrm>
-            <a:off x="-897865" y="2111908"/>
+            <a:off x="839406" y="2083521"/>
             <a:ext cx="780634" cy="780634"/>
           </a:xfrm>
           <a:prstGeom prst="rect">
@@ -17875,10 +16563,10 @@
       </p:pic>
       <p:pic>
         <p:nvPicPr>
-          <p:cNvPr id="20" name="Segnaposto contenuto 9" descr="Utente contorno">
+          <p:cNvPr id="38" name="Segnaposto contenuto 9" descr="Utente contorno">
             <a:extLst>
               <a:ext uri="{FF2B5EF4-FFF2-40B4-BE49-F238E27FC236}">
-                <a16:creationId xmlns:a16="http://schemas.microsoft.com/office/drawing/2014/main" id="{05F1C3D9-E9FB-4FAF-91D3-4C851747AF7D}"/>
+                <a16:creationId xmlns:a16="http://schemas.microsoft.com/office/drawing/2014/main" id="{5762467F-B95A-420D-80B5-ED3BFC5C5D68}"/>
               </a:ext>
             </a:extLst>
           </p:cNvPr>
@@ -17911,10 +16599,10 @@
       </p:pic>
       <p:pic>
         <p:nvPicPr>
-          <p:cNvPr id="21" name="Elemento grafico 20" descr="Database contorno">
+          <p:cNvPr id="39" name="Elemento grafico 38" descr="Database contorno">
             <a:extLst>
               <a:ext uri="{FF2B5EF4-FFF2-40B4-BE49-F238E27FC236}">
-                <a16:creationId xmlns:a16="http://schemas.microsoft.com/office/drawing/2014/main" id="{6D01C2E6-5FE9-4975-AD11-1F42B37B5AE6}"/>
+                <a16:creationId xmlns:a16="http://schemas.microsoft.com/office/drawing/2014/main" id="{CB70ACF4-5EAE-42AC-A9C4-6EBA2D5F17BF}"/>
               </a:ext>
             </a:extLst>
           </p:cNvPr>
@@ -17947,10 +16635,10 @@
       </p:pic>
       <p:sp>
         <p:nvSpPr>
-          <p:cNvPr id="7" name="Ovale 6">
+          <p:cNvPr id="40" name="Ovale 39">
             <a:extLst>
               <a:ext uri="{FF2B5EF4-FFF2-40B4-BE49-F238E27FC236}">
-                <a16:creationId xmlns:a16="http://schemas.microsoft.com/office/drawing/2014/main" id="{0FF573E0-F50A-4F4C-A0F3-94A1ECF4F69F}"/>
+                <a16:creationId xmlns:a16="http://schemas.microsoft.com/office/drawing/2014/main" id="{A1D0670A-1449-4213-BDEE-5653870A65D5}"/>
               </a:ext>
             </a:extLst>
           </p:cNvPr>
@@ -17959,7 +16647,7 @@
         </p:nvSpPr>
         <p:spPr>
           <a:xfrm>
-            <a:off x="815723" y="3004490"/>
+            <a:off x="-949054" y="3004490"/>
             <a:ext cx="828000" cy="828000"/>
           </a:xfrm>
           <a:prstGeom prst="ellipse">
@@ -17999,10 +16687,10 @@
       </p:sp>
       <p:pic>
         <p:nvPicPr>
-          <p:cNvPr id="19" name="Segnaposto contenuto 7" descr="Blockchain contorno">
+          <p:cNvPr id="41" name="Segnaposto contenuto 7" descr="Blockchain contorno">
             <a:extLst>
               <a:ext uri="{FF2B5EF4-FFF2-40B4-BE49-F238E27FC236}">
-                <a16:creationId xmlns:a16="http://schemas.microsoft.com/office/drawing/2014/main" id="{E6B1700F-9040-4682-98BB-7B2E969C0733}"/>
+                <a16:creationId xmlns:a16="http://schemas.microsoft.com/office/drawing/2014/main" id="{C7DF65FA-79A5-410F-A8A4-01BFAD0BF399}"/>
               </a:ext>
             </a:extLst>
           </p:cNvPr>
@@ -18025,7 +16713,7 @@
         </p:blipFill>
         <p:spPr>
           <a:xfrm>
-            <a:off x="870539" y="3052022"/>
+            <a:off x="-894238" y="3052022"/>
             <a:ext cx="718368" cy="718368"/>
           </a:xfrm>
           <a:prstGeom prst="rect">
@@ -18035,10 +16723,10 @@
       </p:pic>
       <p:sp>
         <p:nvSpPr>
-          <p:cNvPr id="29" name="Figura a mano libera: forma 28">
+          <p:cNvPr id="42" name="Figura a mano libera: forma 41">
             <a:extLst>
               <a:ext uri="{FF2B5EF4-FFF2-40B4-BE49-F238E27FC236}">
-                <a16:creationId xmlns:a16="http://schemas.microsoft.com/office/drawing/2014/main" id="{4C745E4D-8AD3-45CF-871D-07F126470D58}"/>
+                <a16:creationId xmlns:a16="http://schemas.microsoft.com/office/drawing/2014/main" id="{DE6D121D-8749-4F9D-B356-C9649DDE3A82}"/>
               </a:ext>
             </a:extLst>
           </p:cNvPr>
@@ -18047,7 +16735,7 @@
         </p:nvSpPr>
         <p:spPr>
           <a:xfrm flipH="1">
-            <a:off x="0" y="-8067780"/>
+            <a:off x="0" y="-9003445"/>
             <a:ext cx="1229723" cy="22957972"/>
           </a:xfrm>
           <a:custGeom>
@@ -18292,47 +16980,12 @@
           </a:p>
         </p:txBody>
       </p:sp>
-      <p:sp>
-        <p:nvSpPr>
-          <p:cNvPr id="16" name="Segnaposto numero diapositiva 5">
-            <a:extLst>
-              <a:ext uri="{FF2B5EF4-FFF2-40B4-BE49-F238E27FC236}">
-                <a16:creationId xmlns:a16="http://schemas.microsoft.com/office/drawing/2014/main" id="{02CA51CB-D57C-4543-8737-F2B5C2866E1C}"/>
-              </a:ext>
-            </a:extLst>
-          </p:cNvPr>
-          <p:cNvSpPr>
-            <a:spLocks noGrp="1"/>
-          </p:cNvSpPr>
-          <p:nvPr>
-            <p:ph type="sldNum" sz="quarter" idx="12"/>
-          </p:nvPr>
-        </p:nvSpPr>
-        <p:spPr>
-          <a:xfrm>
-            <a:off x="10266795" y="6388793"/>
-            <a:ext cx="771089" cy="365125"/>
-          </a:xfrm>
-        </p:spPr>
-        <p:txBody>
-          <a:bodyPr/>
-          <a:lstStyle/>
-          <a:p>
-            <a:pPr rtl="0"/>
-            <a:fld id="{6D22F896-40B5-4ADD-8801-0D06FADFA095}" type="slidenum">
-              <a:rPr lang="it-IT" noProof="0" smtClean="0"/>
-              <a:t>3</a:t>
-            </a:fld>
-            <a:endParaRPr lang="it-IT" noProof="0" dirty="0"/>
-          </a:p>
-        </p:txBody>
-      </p:sp>
       <p:pic>
         <p:nvPicPr>
-          <p:cNvPr id="23" name="Elemento grafico 22" descr="Tiro a segno con riempimento a tinta unita">
+          <p:cNvPr id="43" name="Elemento grafico 42" descr="Tiro a segno con riempimento a tinta unita">
             <a:extLst>
               <a:ext uri="{FF2B5EF4-FFF2-40B4-BE49-F238E27FC236}">
-                <a16:creationId xmlns:a16="http://schemas.microsoft.com/office/drawing/2014/main" id="{D502047B-C131-42CE-9B5F-78E23B8D71FB}"/>
+                <a16:creationId xmlns:a16="http://schemas.microsoft.com/office/drawing/2014/main" id="{1A338E8B-D893-4E9B-B5D1-535E1466CE57}"/>
               </a:ext>
             </a:extLst>
           </p:cNvPr>
@@ -18364,10 +17017,10 @@
       </p:pic>
       <p:pic>
         <p:nvPicPr>
-          <p:cNvPr id="24" name="Elemento grafico 23" descr="Singolo ingranaggio con riempimento a tinta unita">
+          <p:cNvPr id="44" name="Elemento grafico 43" descr="Singolo ingranaggio con riempimento a tinta unita">
             <a:extLst>
               <a:ext uri="{FF2B5EF4-FFF2-40B4-BE49-F238E27FC236}">
-                <a16:creationId xmlns:a16="http://schemas.microsoft.com/office/drawing/2014/main" id="{25706FE3-655D-483E-9825-9402757AD9A1}"/>
+                <a16:creationId xmlns:a16="http://schemas.microsoft.com/office/drawing/2014/main" id="{8C7E79AB-0C64-45F1-8709-0E49F8F76923}"/>
               </a:ext>
             </a:extLst>
           </p:cNvPr>
@@ -18399,10 +17052,10 @@
       </p:pic>
       <p:pic>
         <p:nvPicPr>
-          <p:cNvPr id="25" name="Elemento grafico 24" descr="Condividi con riempimento a tinta unita">
+          <p:cNvPr id="45" name="Elemento grafico 44" descr="Condividi con riempimento a tinta unita">
             <a:extLst>
               <a:ext uri="{FF2B5EF4-FFF2-40B4-BE49-F238E27FC236}">
-                <a16:creationId xmlns:a16="http://schemas.microsoft.com/office/drawing/2014/main" id="{959BDCFE-0E5A-4A4D-9BC3-5B839198CAA5}"/>
+                <a16:creationId xmlns:a16="http://schemas.microsoft.com/office/drawing/2014/main" id="{E3E4DDF8-E9A7-4A75-988D-3AAF47D690B4}"/>
               </a:ext>
             </a:extLst>
           </p:cNvPr>
@@ -18435,10 +17088,10 @@
       </p:pic>
       <p:pic>
         <p:nvPicPr>
-          <p:cNvPr id="26" name="Segnaposto contenuto 7" descr="Blockchain contorno">
+          <p:cNvPr id="46" name="Segnaposto contenuto 7" descr="Blockchain contorno">
             <a:extLst>
               <a:ext uri="{FF2B5EF4-FFF2-40B4-BE49-F238E27FC236}">
-                <a16:creationId xmlns:a16="http://schemas.microsoft.com/office/drawing/2014/main" id="{ACB43C8A-165D-48D7-BBE6-15784402C125}"/>
+                <a16:creationId xmlns:a16="http://schemas.microsoft.com/office/drawing/2014/main" id="{C4809F84-C440-4AFE-8E72-4C1F1BC9F01A}"/>
               </a:ext>
             </a:extLst>
           </p:cNvPr>
@@ -18471,10 +17124,10 @@
       </p:pic>
       <p:pic>
         <p:nvPicPr>
-          <p:cNvPr id="27" name="Segnaposto contenuto 9" descr="Utente con riempimento a tinta unita">
+          <p:cNvPr id="47" name="Segnaposto contenuto 9" descr="Utente con riempimento a tinta unita">
             <a:extLst>
               <a:ext uri="{FF2B5EF4-FFF2-40B4-BE49-F238E27FC236}">
-                <a16:creationId xmlns:a16="http://schemas.microsoft.com/office/drawing/2014/main" id="{0EBA6631-9D0B-4C08-82A7-DC5114B16570}"/>
+                <a16:creationId xmlns:a16="http://schemas.microsoft.com/office/drawing/2014/main" id="{853C4ED5-572D-4ACF-8F3E-9A4AB7BD11C5}"/>
               </a:ext>
             </a:extLst>
           </p:cNvPr>
@@ -18506,10 +17159,10 @@
       </p:pic>
       <p:pic>
         <p:nvPicPr>
-          <p:cNvPr id="28" name="Elemento grafico 27" descr="Database con riempimento a tinta unita">
+          <p:cNvPr id="48" name="Elemento grafico 47" descr="Database con riempimento a tinta unita">
             <a:extLst>
               <a:ext uri="{FF2B5EF4-FFF2-40B4-BE49-F238E27FC236}">
-                <a16:creationId xmlns:a16="http://schemas.microsoft.com/office/drawing/2014/main" id="{8F323B9E-9420-4774-911C-C367FD14FF4F}"/>
+                <a16:creationId xmlns:a16="http://schemas.microsoft.com/office/drawing/2014/main" id="{CE8951B4-5E13-486E-8FF8-2985C73E930C}"/>
               </a:ext>
             </a:extLst>
           </p:cNvPr>
@@ -18541,10 +17194,10 @@
       </p:pic>
       <p:pic>
         <p:nvPicPr>
-          <p:cNvPr id="30" name="Elemento grafico 29" descr="Idrante antincendio rotto con riempimento a tinta unita">
+          <p:cNvPr id="24" name="Elemento grafico 23" descr="Idrante antincendio rotto con riempimento a tinta unita">
             <a:extLst>
               <a:ext uri="{FF2B5EF4-FFF2-40B4-BE49-F238E27FC236}">
-                <a16:creationId xmlns:a16="http://schemas.microsoft.com/office/drawing/2014/main" id="{4C6B5D36-D1A9-4D89-8D81-22219E0511F6}"/>
+                <a16:creationId xmlns:a16="http://schemas.microsoft.com/office/drawing/2014/main" id="{DE3A58D8-B7D6-4D92-B6D7-76573AFA2D9E}"/>
               </a:ext>
             </a:extLst>
           </p:cNvPr>
@@ -18576,10 +17229,10 @@
       </p:pic>
       <p:sp>
         <p:nvSpPr>
-          <p:cNvPr id="31" name="CasellaDiTesto 30">
+          <p:cNvPr id="25" name="CasellaDiTesto 24">
             <a:extLst>
               <a:ext uri="{FF2B5EF4-FFF2-40B4-BE49-F238E27FC236}">
-                <a16:creationId xmlns:a16="http://schemas.microsoft.com/office/drawing/2014/main" id="{567C78B4-1DD2-4EFC-9E86-4EAAAEDF675D}"/>
+                <a16:creationId xmlns:a16="http://schemas.microsoft.com/office/drawing/2014/main" id="{0E3F4E56-1545-4E64-BBE1-5322C02ED0EA}"/>
               </a:ext>
             </a:extLst>
           </p:cNvPr>
@@ -18588,8 +17241,8 @@
         </p:nvSpPr>
         <p:spPr>
           <a:xfrm>
-            <a:off x="-98232" y="3263192"/>
-            <a:ext cx="1067536" cy="523220"/>
+            <a:off x="-107059" y="2362131"/>
+            <a:ext cx="1067536" cy="307777"/>
           </a:xfrm>
           <a:prstGeom prst="rect">
             <a:avLst/>
@@ -18601,18 +17254,6 @@
             <a:spAutoFit/>
           </a:bodyPr>
           <a:lstStyle/>
-          <a:p>
-            <a:r>
-              <a:rPr lang="it-IT" sz="1300" dirty="0">
-                <a:solidFill>
-                  <a:schemeClr val="accent2">
-                    <a:lumMod val="75000"/>
-                  </a:schemeClr>
-                </a:solidFill>
-              </a:rPr>
-              <a:t>STRUTTURA</a:t>
-            </a:r>
-          </a:p>
           <a:p>
             <a:r>
               <a:rPr lang="it-IT" sz="1400" dirty="0">
@@ -18622,17 +17263,17 @@
                   </a:schemeClr>
                 </a:solidFill>
               </a:rPr>
-              <a:t>DATI</a:t>
+              <a:t>INTERFACE</a:t>
             </a:r>
           </a:p>
         </p:txBody>
       </p:sp>
       <p:pic>
         <p:nvPicPr>
-          <p:cNvPr id="32" name="Elemento grafico 31" descr="Idrante antincendio rotto con riempimento a tinta unita">
+          <p:cNvPr id="27" name="Elemento grafico 26" descr="Idrante antincendio rotto con riempimento a tinta unita">
             <a:extLst>
               <a:ext uri="{FF2B5EF4-FFF2-40B4-BE49-F238E27FC236}">
-                <a16:creationId xmlns:a16="http://schemas.microsoft.com/office/drawing/2014/main" id="{07A94852-5017-4CC7-A420-5B2C252CAF6A}"/>
+                <a16:creationId xmlns:a16="http://schemas.microsoft.com/office/drawing/2014/main" id="{DDD07CA0-B809-499C-AB0E-1076F8BD57FA}"/>
               </a:ext>
             </a:extLst>
           </p:cNvPr>
@@ -18654,7 +17295,7 @@
         </p:blipFill>
         <p:spPr>
           <a:xfrm>
-            <a:off x="-869791" y="5744747"/>
+            <a:off x="-867548" y="5798747"/>
             <a:ext cx="720000" cy="720000"/>
           </a:xfrm>
           <a:prstGeom prst="rect">
@@ -18665,7 +17306,7 @@
     </p:spTree>
     <p:extLst>
       <p:ext uri="{BB962C8B-B14F-4D97-AF65-F5344CB8AC3E}">
-        <p14:creationId xmlns:p14="http://schemas.microsoft.com/office/powerpoint/2010/main" val="2134410294"/>
+        <p14:creationId xmlns:p14="http://schemas.microsoft.com/office/powerpoint/2010/main" val="2340589119"/>
       </p:ext>
     </p:extLst>
   </p:cSld>
@@ -18714,45 +17355,10 @@
       </p:grpSpPr>
       <p:sp>
         <p:nvSpPr>
-          <p:cNvPr id="16" name="Segnaposto numero diapositiva 5">
+          <p:cNvPr id="8" name="Ovale 7">
             <a:extLst>
               <a:ext uri="{FF2B5EF4-FFF2-40B4-BE49-F238E27FC236}">
-                <a16:creationId xmlns:a16="http://schemas.microsoft.com/office/drawing/2014/main" id="{02CA51CB-D57C-4543-8737-F2B5C2866E1C}"/>
-              </a:ext>
-            </a:extLst>
-          </p:cNvPr>
-          <p:cNvSpPr>
-            <a:spLocks noGrp="1"/>
-          </p:cNvSpPr>
-          <p:nvPr>
-            <p:ph type="sldNum" sz="quarter" idx="12"/>
-          </p:nvPr>
-        </p:nvSpPr>
-        <p:spPr>
-          <a:xfrm>
-            <a:off x="10266795" y="6388793"/>
-            <a:ext cx="771089" cy="365125"/>
-          </a:xfrm>
-        </p:spPr>
-        <p:txBody>
-          <a:bodyPr/>
-          <a:lstStyle/>
-          <a:p>
-            <a:pPr rtl="0"/>
-            <a:fld id="{6D22F896-40B5-4ADD-8801-0D06FADFA095}" type="slidenum">
-              <a:rPr lang="it-IT" noProof="0" smtClean="0"/>
-              <a:t>4</a:t>
-            </a:fld>
-            <a:endParaRPr lang="it-IT" noProof="0" dirty="0"/>
-          </a:p>
-        </p:txBody>
-      </p:sp>
-      <p:sp>
-        <p:nvSpPr>
-          <p:cNvPr id="7" name="Ovale 6">
-            <a:extLst>
-              <a:ext uri="{FF2B5EF4-FFF2-40B4-BE49-F238E27FC236}">
-                <a16:creationId xmlns:a16="http://schemas.microsoft.com/office/drawing/2014/main" id="{F936136B-0BBB-4725-A8B4-96B6E3534644}"/>
+                <a16:creationId xmlns:a16="http://schemas.microsoft.com/office/drawing/2014/main" id="{CD629D74-F096-4080-B149-8187386A577E}"/>
               </a:ext>
             </a:extLst>
           </p:cNvPr>
@@ -18801,10 +17407,10 @@
       </p:sp>
       <p:sp>
         <p:nvSpPr>
-          <p:cNvPr id="8" name="Ovale 7">
+          <p:cNvPr id="9" name="Ovale 8">
             <a:extLst>
               <a:ext uri="{FF2B5EF4-FFF2-40B4-BE49-F238E27FC236}">
-                <a16:creationId xmlns:a16="http://schemas.microsoft.com/office/drawing/2014/main" id="{608E348B-5C5B-4BD5-BE00-FC207FEB64D5}"/>
+                <a16:creationId xmlns:a16="http://schemas.microsoft.com/office/drawing/2014/main" id="{8C46C454-87C3-4560-9BFE-C5513764E15B}"/>
               </a:ext>
             </a:extLst>
           </p:cNvPr>
@@ -18853,10 +17459,10 @@
       </p:sp>
       <p:sp>
         <p:nvSpPr>
-          <p:cNvPr id="9" name="Ovale 8">
+          <p:cNvPr id="10" name="Ovale 9">
             <a:extLst>
               <a:ext uri="{FF2B5EF4-FFF2-40B4-BE49-F238E27FC236}">
-                <a16:creationId xmlns:a16="http://schemas.microsoft.com/office/drawing/2014/main" id="{C98B8E1B-D00E-4AB0-A4DA-EAC103B50F3F}"/>
+                <a16:creationId xmlns:a16="http://schemas.microsoft.com/office/drawing/2014/main" id="{DA75A8DD-643D-4EB8-84F2-14866949246F}"/>
               </a:ext>
             </a:extLst>
           </p:cNvPr>
@@ -18905,10 +17511,10 @@
       </p:sp>
       <p:sp>
         <p:nvSpPr>
-          <p:cNvPr id="10" name="Ovale 9">
+          <p:cNvPr id="11" name="Ovale 10">
             <a:extLst>
               <a:ext uri="{FF2B5EF4-FFF2-40B4-BE49-F238E27FC236}">
-                <a16:creationId xmlns:a16="http://schemas.microsoft.com/office/drawing/2014/main" id="{2769B434-B71C-4155-BB92-C9F5B3B0B0F3}"/>
+                <a16:creationId xmlns:a16="http://schemas.microsoft.com/office/drawing/2014/main" id="{8C0C9DE3-DBD1-4E0A-9601-3FC8309BAECE}"/>
               </a:ext>
             </a:extLst>
           </p:cNvPr>
@@ -18917,7 +17523,7 @@
         </p:nvSpPr>
         <p:spPr>
           <a:xfrm>
-            <a:off x="815723" y="3915593"/>
+            <a:off x="-921548" y="3915593"/>
             <a:ext cx="828000" cy="828000"/>
           </a:xfrm>
           <a:prstGeom prst="ellipse">
@@ -18957,10 +17563,10 @@
       </p:sp>
       <p:sp>
         <p:nvSpPr>
-          <p:cNvPr id="11" name="Ovale 10">
+          <p:cNvPr id="13" name="Ovale 12">
             <a:extLst>
               <a:ext uri="{FF2B5EF4-FFF2-40B4-BE49-F238E27FC236}">
-                <a16:creationId xmlns:a16="http://schemas.microsoft.com/office/drawing/2014/main" id="{EC76A17D-3242-4BD8-B005-6B712E1D20D3}"/>
+                <a16:creationId xmlns:a16="http://schemas.microsoft.com/office/drawing/2014/main" id="{E3C499B9-B0AB-4BA6-8595-98FDDB6D056D}"/>
               </a:ext>
             </a:extLst>
           </p:cNvPr>
@@ -19009,10 +17615,10 @@
       </p:sp>
       <p:sp>
         <p:nvSpPr>
-          <p:cNvPr id="13" name="Ovale 12">
+          <p:cNvPr id="14" name="Ovale 13">
             <a:extLst>
               <a:ext uri="{FF2B5EF4-FFF2-40B4-BE49-F238E27FC236}">
-                <a16:creationId xmlns:a16="http://schemas.microsoft.com/office/drawing/2014/main" id="{561EB7DC-28DB-4BE1-9152-D0201F3020AE}"/>
+                <a16:creationId xmlns:a16="http://schemas.microsoft.com/office/drawing/2014/main" id="{EE97289B-6EAD-4B0B-9050-C551748A52A0}"/>
               </a:ext>
             </a:extLst>
           </p:cNvPr>
@@ -19061,10 +17667,10 @@
       </p:sp>
       <p:pic>
         <p:nvPicPr>
-          <p:cNvPr id="14" name="Elemento grafico 13" descr="Tiro a segno contorno">
+          <p:cNvPr id="15" name="Elemento grafico 14" descr="Tiro a segno contorno">
             <a:extLst>
               <a:ext uri="{FF2B5EF4-FFF2-40B4-BE49-F238E27FC236}">
-                <a16:creationId xmlns:a16="http://schemas.microsoft.com/office/drawing/2014/main" id="{3C27E02F-4946-4FEC-BD68-B2104A1DA230}"/>
+                <a16:creationId xmlns:a16="http://schemas.microsoft.com/office/drawing/2014/main" id="{EB10AEFA-EA37-450C-B6B9-A4784D75A7B9}"/>
               </a:ext>
             </a:extLst>
           </p:cNvPr>
@@ -19097,10 +17703,10 @@
       </p:pic>
       <p:pic>
         <p:nvPicPr>
-          <p:cNvPr id="15" name="Elemento grafico 14" descr="Ingranaggi contorno">
+          <p:cNvPr id="17" name="Elemento grafico 16" descr="Ingranaggi contorno">
             <a:extLst>
               <a:ext uri="{FF2B5EF4-FFF2-40B4-BE49-F238E27FC236}">
-                <a16:creationId xmlns:a16="http://schemas.microsoft.com/office/drawing/2014/main" id="{C5039894-E757-4503-8F78-9ECB13AFDAED}"/>
+                <a16:creationId xmlns:a16="http://schemas.microsoft.com/office/drawing/2014/main" id="{BDB117D3-9984-44AE-BBFF-E072A085F84E}"/>
               </a:ext>
             </a:extLst>
           </p:cNvPr>
@@ -19133,10 +17739,10 @@
       </p:pic>
       <p:pic>
         <p:nvPicPr>
-          <p:cNvPr id="17" name="Elemento grafico 16" descr="Condividi con riempimento a tinta unita">
+          <p:cNvPr id="18" name="Elemento grafico 17" descr="Condividi con riempimento a tinta unita">
             <a:extLst>
               <a:ext uri="{FF2B5EF4-FFF2-40B4-BE49-F238E27FC236}">
-                <a16:creationId xmlns:a16="http://schemas.microsoft.com/office/drawing/2014/main" id="{40E6D582-9765-4E68-A2E2-2EA5686354B5}"/>
+                <a16:creationId xmlns:a16="http://schemas.microsoft.com/office/drawing/2014/main" id="{85CAC16D-90F7-42C3-A9E5-7E158169A436}"/>
               </a:ext>
             </a:extLst>
           </p:cNvPr>
@@ -19169,10 +17775,10 @@
       </p:pic>
       <p:pic>
         <p:nvPicPr>
-          <p:cNvPr id="18" name="Segnaposto contenuto 9" descr="Utente con riempimento a tinta unita">
+          <p:cNvPr id="20" name="Segnaposto contenuto 9" descr="Utente contorno">
             <a:extLst>
               <a:ext uri="{FF2B5EF4-FFF2-40B4-BE49-F238E27FC236}">
-                <a16:creationId xmlns:a16="http://schemas.microsoft.com/office/drawing/2014/main" id="{641F713D-465F-4B4B-938D-2DA6E056A207}"/>
+                <a16:creationId xmlns:a16="http://schemas.microsoft.com/office/drawing/2014/main" id="{05F1C3D9-E9FB-4FAF-91D3-4C851747AF7D}"/>
               </a:ext>
             </a:extLst>
           </p:cNvPr>
@@ -19189,12 +17795,13 @@
               </a:ext>
             </a:extLst>
           </a:blip>
-          <a:srcRect/>
-          <a:stretch/>
+          <a:stretch>
+            <a:fillRect/>
+          </a:stretch>
         </p:blipFill>
         <p:spPr>
           <a:xfrm>
-            <a:off x="870539" y="3913277"/>
+            <a:off x="-866732" y="3913277"/>
             <a:ext cx="718368" cy="718368"/>
           </a:xfrm>
           <a:prstGeom prst="rect">
@@ -19204,10 +17811,10 @@
       </p:pic>
       <p:pic>
         <p:nvPicPr>
-          <p:cNvPr id="19" name="Elemento grafico 18" descr="Database contorno">
+          <p:cNvPr id="21" name="Elemento grafico 20" descr="Database contorno">
             <a:extLst>
               <a:ext uri="{FF2B5EF4-FFF2-40B4-BE49-F238E27FC236}">
-                <a16:creationId xmlns:a16="http://schemas.microsoft.com/office/drawing/2014/main" id="{6B007BB4-3D91-406F-8527-FC090EE17250}"/>
+                <a16:creationId xmlns:a16="http://schemas.microsoft.com/office/drawing/2014/main" id="{6D01C2E6-5FE9-4975-AD11-1F42B37B5AE6}"/>
               </a:ext>
             </a:extLst>
           </p:cNvPr>
@@ -19240,10 +17847,10 @@
       </p:pic>
       <p:sp>
         <p:nvSpPr>
-          <p:cNvPr id="20" name="Ovale 19">
+          <p:cNvPr id="7" name="Ovale 6">
             <a:extLst>
               <a:ext uri="{FF2B5EF4-FFF2-40B4-BE49-F238E27FC236}">
-                <a16:creationId xmlns:a16="http://schemas.microsoft.com/office/drawing/2014/main" id="{A14AC0E5-863B-46F8-BEA7-832DDCAB9BCF}"/>
+                <a16:creationId xmlns:a16="http://schemas.microsoft.com/office/drawing/2014/main" id="{0FF573E0-F50A-4F4C-A0F3-94A1ECF4F69F}"/>
               </a:ext>
             </a:extLst>
           </p:cNvPr>
@@ -19252,7 +17859,7 @@
         </p:nvSpPr>
         <p:spPr>
           <a:xfrm>
-            <a:off x="-921548" y="3004490"/>
+            <a:off x="815723" y="3004490"/>
             <a:ext cx="828000" cy="828000"/>
           </a:xfrm>
           <a:prstGeom prst="ellipse">
@@ -19292,10 +17899,10 @@
       </p:sp>
       <p:pic>
         <p:nvPicPr>
-          <p:cNvPr id="21" name="Segnaposto contenuto 7" descr="Blockchain contorno">
+          <p:cNvPr id="19" name="Segnaposto contenuto 7" descr="Blockchain contorno">
             <a:extLst>
               <a:ext uri="{FF2B5EF4-FFF2-40B4-BE49-F238E27FC236}">
-                <a16:creationId xmlns:a16="http://schemas.microsoft.com/office/drawing/2014/main" id="{7A6AF9BE-EC89-47A6-9ED7-D20D7E216234}"/>
+                <a16:creationId xmlns:a16="http://schemas.microsoft.com/office/drawing/2014/main" id="{E6B1700F-9040-4682-98BB-7B2E969C0733}"/>
               </a:ext>
             </a:extLst>
           </p:cNvPr>
@@ -19318,7 +17925,7 @@
         </p:blipFill>
         <p:spPr>
           <a:xfrm>
-            <a:off x="-866732" y="3052022"/>
+            <a:off x="870539" y="3052022"/>
             <a:ext cx="718368" cy="718368"/>
           </a:xfrm>
           <a:prstGeom prst="rect">
@@ -19328,10 +17935,10 @@
       </p:pic>
       <p:sp>
         <p:nvSpPr>
-          <p:cNvPr id="22" name="Figura a mano libera: forma 21">
+          <p:cNvPr id="29" name="Figura a mano libera: forma 28">
             <a:extLst>
               <a:ext uri="{FF2B5EF4-FFF2-40B4-BE49-F238E27FC236}">
-                <a16:creationId xmlns:a16="http://schemas.microsoft.com/office/drawing/2014/main" id="{5F4D36A5-1D2D-4A2E-85BC-D6789A6158C7}"/>
+                <a16:creationId xmlns:a16="http://schemas.microsoft.com/office/drawing/2014/main" id="{4C745E4D-8AD3-45CF-871D-07F126470D58}"/>
               </a:ext>
             </a:extLst>
           </p:cNvPr>
@@ -19340,7 +17947,7 @@
         </p:nvSpPr>
         <p:spPr>
           <a:xfrm flipH="1">
-            <a:off x="0" y="-7149393"/>
+            <a:off x="0" y="-8067780"/>
             <a:ext cx="1229723" cy="22957972"/>
           </a:xfrm>
           <a:custGeom>
@@ -19585,12 +18192,47 @@
           </a:p>
         </p:txBody>
       </p:sp>
+      <p:sp>
+        <p:nvSpPr>
+          <p:cNvPr id="16" name="Segnaposto numero diapositiva 5">
+            <a:extLst>
+              <a:ext uri="{FF2B5EF4-FFF2-40B4-BE49-F238E27FC236}">
+                <a16:creationId xmlns:a16="http://schemas.microsoft.com/office/drawing/2014/main" id="{02CA51CB-D57C-4543-8737-F2B5C2866E1C}"/>
+              </a:ext>
+            </a:extLst>
+          </p:cNvPr>
+          <p:cNvSpPr>
+            <a:spLocks noGrp="1"/>
+          </p:cNvSpPr>
+          <p:nvPr>
+            <p:ph type="sldNum" sz="quarter" idx="12"/>
+          </p:nvPr>
+        </p:nvSpPr>
+        <p:spPr>
+          <a:xfrm>
+            <a:off x="10266795" y="6388793"/>
+            <a:ext cx="771089" cy="365125"/>
+          </a:xfrm>
+        </p:spPr>
+        <p:txBody>
+          <a:bodyPr/>
+          <a:lstStyle/>
+          <a:p>
+            <a:pPr rtl="0"/>
+            <a:fld id="{6D22F896-40B5-4ADD-8801-0D06FADFA095}" type="slidenum">
+              <a:rPr lang="it-IT" noProof="0" smtClean="0"/>
+              <a:t>4</a:t>
+            </a:fld>
+            <a:endParaRPr lang="it-IT" noProof="0" dirty="0"/>
+          </a:p>
+        </p:txBody>
+      </p:sp>
       <p:pic>
         <p:nvPicPr>
           <p:cNvPr id="23" name="Elemento grafico 22" descr="Tiro a segno con riempimento a tinta unita">
             <a:extLst>
               <a:ext uri="{FF2B5EF4-FFF2-40B4-BE49-F238E27FC236}">
-                <a16:creationId xmlns:a16="http://schemas.microsoft.com/office/drawing/2014/main" id="{8CFC18D5-1549-4780-ABA0-E1A9700B8BA3}"/>
+                <a16:creationId xmlns:a16="http://schemas.microsoft.com/office/drawing/2014/main" id="{D502047B-C131-42CE-9B5F-78E23B8D71FB}"/>
               </a:ext>
             </a:extLst>
           </p:cNvPr>
@@ -19625,7 +18267,7 @@
           <p:cNvPr id="24" name="Elemento grafico 23" descr="Singolo ingranaggio con riempimento a tinta unita">
             <a:extLst>
               <a:ext uri="{FF2B5EF4-FFF2-40B4-BE49-F238E27FC236}">
-                <a16:creationId xmlns:a16="http://schemas.microsoft.com/office/drawing/2014/main" id="{F09C701D-C4FF-49D0-8ACF-9081D6B21E82}"/>
+                <a16:creationId xmlns:a16="http://schemas.microsoft.com/office/drawing/2014/main" id="{25706FE3-655D-483E-9825-9402757AD9A1}"/>
               </a:ext>
             </a:extLst>
           </p:cNvPr>
@@ -19660,7 +18302,7 @@
           <p:cNvPr id="25" name="Elemento grafico 24" descr="Condividi con riempimento a tinta unita">
             <a:extLst>
               <a:ext uri="{FF2B5EF4-FFF2-40B4-BE49-F238E27FC236}">
-                <a16:creationId xmlns:a16="http://schemas.microsoft.com/office/drawing/2014/main" id="{F3E112FE-5D7F-46B8-AB3F-74FECA698A65}"/>
+                <a16:creationId xmlns:a16="http://schemas.microsoft.com/office/drawing/2014/main" id="{959BDCFE-0E5A-4A4D-9BC3-5B839198CAA5}"/>
               </a:ext>
             </a:extLst>
           </p:cNvPr>
@@ -19696,7 +18338,7 @@
           <p:cNvPr id="26" name="Segnaposto contenuto 7" descr="Blockchain contorno">
             <a:extLst>
               <a:ext uri="{FF2B5EF4-FFF2-40B4-BE49-F238E27FC236}">
-                <a16:creationId xmlns:a16="http://schemas.microsoft.com/office/drawing/2014/main" id="{51A6216D-564A-4B11-80EF-CD948BC17C72}"/>
+                <a16:creationId xmlns:a16="http://schemas.microsoft.com/office/drawing/2014/main" id="{ACB43C8A-165D-48D7-BBE6-15784402C125}"/>
               </a:ext>
             </a:extLst>
           </p:cNvPr>
@@ -19729,10 +18371,10 @@
       </p:pic>
       <p:pic>
         <p:nvPicPr>
-          <p:cNvPr id="27" name="Segnaposto contenuto 9" descr="Utente contorno">
+          <p:cNvPr id="27" name="Segnaposto contenuto 9" descr="Utente con riempimento a tinta unita">
             <a:extLst>
               <a:ext uri="{FF2B5EF4-FFF2-40B4-BE49-F238E27FC236}">
-                <a16:creationId xmlns:a16="http://schemas.microsoft.com/office/drawing/2014/main" id="{14582A50-71C2-4B6B-B5B7-5AF1C9507FE9}"/>
+                <a16:creationId xmlns:a16="http://schemas.microsoft.com/office/drawing/2014/main" id="{0EBA6631-9D0B-4C08-82A7-DC5114B16570}"/>
               </a:ext>
             </a:extLst>
           </p:cNvPr>
@@ -19749,9 +18391,8 @@
               </a:ext>
             </a:extLst>
           </a:blip>
-          <a:stretch>
-            <a:fillRect/>
-          </a:stretch>
+          <a:srcRect/>
+          <a:stretch/>
         </p:blipFill>
         <p:spPr>
           <a:xfrm>
@@ -19768,7 +18409,7 @@
           <p:cNvPr id="28" name="Elemento grafico 27" descr="Database con riempimento a tinta unita">
             <a:extLst>
               <a:ext uri="{FF2B5EF4-FFF2-40B4-BE49-F238E27FC236}">
-                <a16:creationId xmlns:a16="http://schemas.microsoft.com/office/drawing/2014/main" id="{FE08B14E-79F9-4B5A-8ABF-0ED56DDC9318}"/>
+                <a16:creationId xmlns:a16="http://schemas.microsoft.com/office/drawing/2014/main" id="{8F323B9E-9420-4774-911C-C367FD14FF4F}"/>
               </a:ext>
             </a:extLst>
           </p:cNvPr>
@@ -19800,10 +18441,10 @@
       </p:pic>
       <p:pic>
         <p:nvPicPr>
-          <p:cNvPr id="29" name="Elemento grafico 28" descr="Idrante antincendio rotto con riempimento a tinta unita">
+          <p:cNvPr id="30" name="Elemento grafico 29" descr="Idrante antincendio rotto con riempimento a tinta unita">
             <a:extLst>
               <a:ext uri="{FF2B5EF4-FFF2-40B4-BE49-F238E27FC236}">
-                <a16:creationId xmlns:a16="http://schemas.microsoft.com/office/drawing/2014/main" id="{9F24419D-4810-4125-8C07-19112F6BDF14}"/>
+                <a16:creationId xmlns:a16="http://schemas.microsoft.com/office/drawing/2014/main" id="{4C6B5D36-D1A9-4D89-8D81-22219E0511F6}"/>
               </a:ext>
             </a:extLst>
           </p:cNvPr>
@@ -19838,7 +18479,7 @@
           <p:cNvPr id="31" name="CasellaDiTesto 30">
             <a:extLst>
               <a:ext uri="{FF2B5EF4-FFF2-40B4-BE49-F238E27FC236}">
-                <a16:creationId xmlns:a16="http://schemas.microsoft.com/office/drawing/2014/main" id="{5F45BA78-6ED8-4582-862F-F58B9DD8CD9D}"/>
+                <a16:creationId xmlns:a16="http://schemas.microsoft.com/office/drawing/2014/main" id="{567C78B4-1DD2-4EFC-9E86-4EAAAEDF675D}"/>
               </a:ext>
             </a:extLst>
           </p:cNvPr>
@@ -19847,8 +18488,8 @@
         </p:nvSpPr>
         <p:spPr>
           <a:xfrm>
-            <a:off x="77214" y="4175704"/>
-            <a:ext cx="718368" cy="307777"/>
+            <a:off x="-98232" y="3263192"/>
+            <a:ext cx="1067536" cy="523220"/>
           </a:xfrm>
           <a:prstGeom prst="rect">
             <a:avLst/>
@@ -19860,6 +18501,18 @@
             <a:spAutoFit/>
           </a:bodyPr>
           <a:lstStyle/>
+          <a:p>
+            <a:r>
+              <a:rPr lang="it-IT" sz="1300" dirty="0">
+                <a:solidFill>
+                  <a:schemeClr val="accent2">
+                    <a:lumMod val="75000"/>
+                  </a:schemeClr>
+                </a:solidFill>
+              </a:rPr>
+              <a:t>STRUTTURA</a:t>
+            </a:r>
+          </a:p>
           <a:p>
             <a:r>
               <a:rPr lang="it-IT" sz="1400" dirty="0">
@@ -19869,52 +18522,17 @@
                   </a:schemeClr>
                 </a:solidFill>
               </a:rPr>
-              <a:t>CLIENT</a:t>
-            </a:r>
-          </a:p>
-        </p:txBody>
-      </p:sp>
-      <p:sp>
-        <p:nvSpPr>
-          <p:cNvPr id="2" name="CasellaDiTesto 1">
-            <a:extLst>
-              <a:ext uri="{FF2B5EF4-FFF2-40B4-BE49-F238E27FC236}">
-                <a16:creationId xmlns:a16="http://schemas.microsoft.com/office/drawing/2014/main" id="{DF001900-E05C-4984-8173-33AC8EE21AE5}"/>
-              </a:ext>
-            </a:extLst>
-          </p:cNvPr>
-          <p:cNvSpPr txBox="1"/>
-          <p:nvPr/>
-        </p:nvSpPr>
-        <p:spPr>
-          <a:xfrm>
-            <a:off x="2045446" y="2493117"/>
-            <a:ext cx="3640347" cy="2554545"/>
-          </a:xfrm>
-          <a:prstGeom prst="rect">
-            <a:avLst/>
-          </a:prstGeom>
-          <a:noFill/>
-        </p:spPr>
-        <p:txBody>
-          <a:bodyPr wrap="square" rtlCol="0">
-            <a:spAutoFit/>
-          </a:bodyPr>
-          <a:lstStyle/>
-          <a:p>
-            <a:r>
-              <a:rPr lang="it-IT" sz="2000" dirty="0"/>
-              <a:t>Il Client interagisce con l’utente proponendogli ciclicamente i servizi che utilizzano le due procedure remote. Richiede gli input necessari, invoca il servizio specificato e stampa a video gli esiti delle chiamate, fino alla fine del file di input da tastiera.</a:t>
+              <a:t>DATI</a:t>
             </a:r>
           </a:p>
         </p:txBody>
       </p:sp>
       <p:pic>
         <p:nvPicPr>
-          <p:cNvPr id="30" name="Elemento grafico 29" descr="Idrante antincendio rotto con riempimento a tinta unita">
+          <p:cNvPr id="32" name="Elemento grafico 31" descr="Idrante antincendio rotto con riempimento a tinta unita">
             <a:extLst>
               <a:ext uri="{FF2B5EF4-FFF2-40B4-BE49-F238E27FC236}">
-                <a16:creationId xmlns:a16="http://schemas.microsoft.com/office/drawing/2014/main" id="{1A09BB6D-917A-4B0D-92A1-832A3598801C}"/>
+                <a16:creationId xmlns:a16="http://schemas.microsoft.com/office/drawing/2014/main" id="{DDB8651A-C931-4084-8034-CE01FD763038}"/>
               </a:ext>
             </a:extLst>
           </p:cNvPr>
@@ -19936,18 +18554,61 @@
         </p:blipFill>
         <p:spPr>
           <a:xfrm>
-            <a:off x="-869791" y="5744747"/>
+            <a:off x="-867548" y="5798747"/>
             <a:ext cx="720000" cy="720000"/>
           </a:xfrm>
           <a:prstGeom prst="rect">
             <a:avLst/>
           </a:prstGeom>
+        </p:spPr>
+      </p:pic>
+      <p:pic>
+        <p:nvPicPr>
+          <p:cNvPr id="33" name="Immagine 32">
+            <a:extLst>
+              <a:ext uri="{FF2B5EF4-FFF2-40B4-BE49-F238E27FC236}">
+                <a16:creationId xmlns:a16="http://schemas.microsoft.com/office/drawing/2014/main" id="{E36666CA-8085-4D9B-9492-FD96F6CEA3BA}"/>
+              </a:ext>
+            </a:extLst>
+          </p:cNvPr>
+          <p:cNvPicPr>
+            <a:picLocks noChangeAspect="1"/>
+          </p:cNvPicPr>
+          <p:nvPr/>
+        </p:nvPicPr>
+        <p:blipFill>
+          <a:blip r:embed="rId30">
+            <a:alphaModFix/>
+          </a:blip>
+          <a:stretch>
+            <a:fillRect/>
+          </a:stretch>
+        </p:blipFill>
+        <p:spPr>
+          <a:xfrm>
+            <a:off x="12470270" y="2400507"/>
+            <a:ext cx="2802478" cy="1725369"/>
+          </a:xfrm>
+          <a:prstGeom prst="roundRect">
+            <a:avLst>
+              <a:gd name="adj" fmla="val 2487"/>
+            </a:avLst>
+          </a:prstGeom>
+          <a:solidFill>
+            <a:srgbClr val="FFFFFF">
+              <a:shade val="85000"/>
+            </a:srgbClr>
+          </a:solidFill>
+          <a:ln>
+            <a:noFill/>
+          </a:ln>
+          <a:effectLst/>
         </p:spPr>
       </p:pic>
     </p:spTree>
     <p:extLst>
       <p:ext uri="{BB962C8B-B14F-4D97-AF65-F5344CB8AC3E}">
-        <p14:creationId xmlns:p14="http://schemas.microsoft.com/office/powerpoint/2010/main" val="2451940063"/>
+        <p14:creationId xmlns:p14="http://schemas.microsoft.com/office/powerpoint/2010/main" val="2134410294"/>
       </p:ext>
     </p:extLst>
   </p:cSld>
@@ -19994,36 +18655,6 @@
           <a:chExt cx="0" cy="0"/>
         </a:xfrm>
       </p:grpSpPr>
-      <p:pic>
-        <p:nvPicPr>
-          <p:cNvPr id="3" name="Immagine 2">
-            <a:extLst>
-              <a:ext uri="{FF2B5EF4-FFF2-40B4-BE49-F238E27FC236}">
-                <a16:creationId xmlns:a16="http://schemas.microsoft.com/office/drawing/2014/main" id="{9FE48885-3C1A-4AFF-A249-2136F8D4632C}"/>
-              </a:ext>
-            </a:extLst>
-          </p:cNvPr>
-          <p:cNvPicPr>
-            <a:picLocks noChangeAspect="1"/>
-          </p:cNvPicPr>
-          <p:nvPr/>
-        </p:nvPicPr>
-        <p:blipFill>
-          <a:blip r:embed="rId2"/>
-          <a:stretch>
-            <a:fillRect/>
-          </a:stretch>
-        </p:blipFill>
-        <p:spPr>
-          <a:xfrm>
-            <a:off x="17183" y="1864246"/>
-            <a:ext cx="1212540" cy="5534797"/>
-          </a:xfrm>
-          <a:prstGeom prst="rect">
-            <a:avLst/>
-          </a:prstGeom>
-        </p:spPr>
-      </p:pic>
       <p:sp>
         <p:nvSpPr>
           <p:cNvPr id="16" name="Segnaposto numero diapositiva 5">
@@ -20229,7 +18860,7 @@
         </p:nvSpPr>
         <p:spPr>
           <a:xfrm>
-            <a:off x="-949054" y="3963851"/>
+            <a:off x="815723" y="3915593"/>
             <a:ext cx="828000" cy="828000"/>
           </a:xfrm>
           <a:prstGeom prst="ellipse">
@@ -20281,7 +18912,7 @@
         </p:nvSpPr>
         <p:spPr>
           <a:xfrm>
-            <a:off x="815723" y="4847716"/>
+            <a:off x="-921548" y="4826696"/>
             <a:ext cx="828000" cy="828000"/>
           </a:xfrm>
           <a:prstGeom prst="ellipse">
@@ -20386,10 +19017,10 @@
           <p:nvPr/>
         </p:nvPicPr>
         <p:blipFill>
-          <a:blip r:embed="rId3">
+          <a:blip r:embed="rId2">
             <a:extLst>
               <a:ext uri="{96DAC541-7B7A-43D3-8B79-37D633B846F1}">
-                <asvg:svgBlip xmlns:asvg="http://schemas.microsoft.com/office/drawing/2016/SVG/main" r:embed="rId4"/>
+                <asvg:svgBlip xmlns:asvg="http://schemas.microsoft.com/office/drawing/2016/SVG/main" r:embed="rId3"/>
               </a:ext>
             </a:extLst>
           </a:blip>
@@ -20422,10 +19053,10 @@
           <p:nvPr/>
         </p:nvPicPr>
         <p:blipFill>
-          <a:blip r:embed="rId5">
+          <a:blip r:embed="rId4">
             <a:extLst>
               <a:ext uri="{96DAC541-7B7A-43D3-8B79-37D633B846F1}">
-                <asvg:svgBlip xmlns:asvg="http://schemas.microsoft.com/office/drawing/2016/SVG/main" r:embed="rId6"/>
+                <asvg:svgBlip xmlns:asvg="http://schemas.microsoft.com/office/drawing/2016/SVG/main" r:embed="rId5"/>
               </a:ext>
             </a:extLst>
           </a:blip>
@@ -20458,10 +19089,10 @@
           <p:nvPr/>
         </p:nvPicPr>
         <p:blipFill>
-          <a:blip r:embed="rId7">
+          <a:blip r:embed="rId6">
             <a:extLst>
               <a:ext uri="{96DAC541-7B7A-43D3-8B79-37D633B846F1}">
-                <asvg:svgBlip xmlns:asvg="http://schemas.microsoft.com/office/drawing/2016/SVG/main" r:embed="rId8"/>
+                <asvg:svgBlip xmlns:asvg="http://schemas.microsoft.com/office/drawing/2016/SVG/main" r:embed="rId7"/>
               </a:ext>
             </a:extLst>
           </a:blip>
@@ -20481,7 +19112,7 @@
       </p:pic>
       <p:pic>
         <p:nvPicPr>
-          <p:cNvPr id="18" name="Segnaposto contenuto 9" descr="Utente contorno">
+          <p:cNvPr id="18" name="Segnaposto contenuto 9" descr="Utente con riempimento a tinta unita">
             <a:extLst>
               <a:ext uri="{FF2B5EF4-FFF2-40B4-BE49-F238E27FC236}">
                 <a16:creationId xmlns:a16="http://schemas.microsoft.com/office/drawing/2014/main" id="{641F713D-465F-4B4B-938D-2DA6E056A207}"/>
@@ -20494,20 +19125,19 @@
           <p:nvPr/>
         </p:nvPicPr>
         <p:blipFill>
-          <a:blip r:embed="rId9">
+          <a:blip r:embed="rId8">
             <a:extLst>
               <a:ext uri="{96DAC541-7B7A-43D3-8B79-37D633B846F1}">
-                <asvg:svgBlip xmlns:asvg="http://schemas.microsoft.com/office/drawing/2016/SVG/main" r:embed="rId10"/>
+                <asvg:svgBlip xmlns:asvg="http://schemas.microsoft.com/office/drawing/2016/SVG/main" r:embed="rId9"/>
               </a:ext>
             </a:extLst>
           </a:blip>
-          <a:stretch>
-            <a:fillRect/>
-          </a:stretch>
+          <a:srcRect/>
+          <a:stretch/>
         </p:blipFill>
         <p:spPr>
           <a:xfrm>
-            <a:off x="-894238" y="3961535"/>
+            <a:off x="870539" y="3913277"/>
             <a:ext cx="718368" cy="718368"/>
           </a:xfrm>
           <a:prstGeom prst="rect">
@@ -20517,7 +19147,7 @@
       </p:pic>
       <p:pic>
         <p:nvPicPr>
-          <p:cNvPr id="19" name="Elemento grafico 18" descr="Database con riempimento a tinta unita">
+          <p:cNvPr id="19" name="Elemento grafico 18" descr="Database contorno">
             <a:extLst>
               <a:ext uri="{FF2B5EF4-FFF2-40B4-BE49-F238E27FC236}">
                 <a16:creationId xmlns:a16="http://schemas.microsoft.com/office/drawing/2014/main" id="{6B007BB4-3D91-406F-8527-FC090EE17250}"/>
@@ -20530,19 +19160,20 @@
           <p:nvPr/>
         </p:nvPicPr>
         <p:blipFill>
-          <a:blip r:embed="rId11">
+          <a:blip r:embed="rId10">
             <a:extLst>
               <a:ext uri="{96DAC541-7B7A-43D3-8B79-37D633B846F1}">
-                <asvg:svgBlip xmlns:asvg="http://schemas.microsoft.com/office/drawing/2016/SVG/main" r:embed="rId12"/>
+                <asvg:svgBlip xmlns:asvg="http://schemas.microsoft.com/office/drawing/2016/SVG/main" r:embed="rId11"/>
               </a:ext>
             </a:extLst>
           </a:blip>
-          <a:srcRect/>
-          <a:stretch/>
+          <a:stretch>
+            <a:fillRect/>
+          </a:stretch>
         </p:blipFill>
         <p:spPr>
           <a:xfrm>
-            <a:off x="870539" y="4906395"/>
+            <a:off x="-866732" y="4885375"/>
             <a:ext cx="718368" cy="718368"/>
           </a:xfrm>
           <a:prstGeom prst="rect">
@@ -20617,10 +19248,10 @@
           <p:nvPr/>
         </p:nvPicPr>
         <p:blipFill>
-          <a:blip r:embed="rId13">
+          <a:blip r:embed="rId12">
             <a:extLst>
               <a:ext uri="{96DAC541-7B7A-43D3-8B79-37D633B846F1}">
-                <asvg:svgBlip xmlns:asvg="http://schemas.microsoft.com/office/drawing/2016/SVG/main" r:embed="rId14"/>
+                <asvg:svgBlip xmlns:asvg="http://schemas.microsoft.com/office/drawing/2016/SVG/main" r:embed="rId13"/>
               </a:ext>
             </a:extLst>
           </a:blip>
@@ -20652,7 +19283,7 @@
         </p:nvSpPr>
         <p:spPr>
           <a:xfrm flipH="1">
-            <a:off x="0" y="-6213728"/>
+            <a:off x="0" y="-7149393"/>
             <a:ext cx="1229723" cy="22957972"/>
           </a:xfrm>
           <a:custGeom>
@@ -20912,10 +19543,10 @@
           <p:nvPr/>
         </p:nvPicPr>
         <p:blipFill>
-          <a:blip r:embed="rId15">
+          <a:blip r:embed="rId14">
             <a:extLst>
               <a:ext uri="{96DAC541-7B7A-43D3-8B79-37D633B846F1}">
-                <asvg:svgBlip xmlns:asvg="http://schemas.microsoft.com/office/drawing/2016/SVG/main" r:embed="rId16"/>
+                <asvg:svgBlip xmlns:asvg="http://schemas.microsoft.com/office/drawing/2016/SVG/main" r:embed="rId15"/>
               </a:ext>
             </a:extLst>
           </a:blip>
@@ -20947,10 +19578,10 @@
           <p:nvPr/>
         </p:nvPicPr>
         <p:blipFill>
-          <a:blip r:embed="rId17">
+          <a:blip r:embed="rId16">
             <a:extLst>
               <a:ext uri="{96DAC541-7B7A-43D3-8B79-37D633B846F1}">
-                <asvg:svgBlip xmlns:asvg="http://schemas.microsoft.com/office/drawing/2016/SVG/main" r:embed="rId18"/>
+                <asvg:svgBlip xmlns:asvg="http://schemas.microsoft.com/office/drawing/2016/SVG/main" r:embed="rId17"/>
               </a:ext>
             </a:extLst>
           </a:blip>
@@ -20982,10 +19613,10 @@
           <p:nvPr/>
         </p:nvPicPr>
         <p:blipFill>
-          <a:blip r:embed="rId19">
+          <a:blip r:embed="rId18">
             <a:extLst>
               <a:ext uri="{96DAC541-7B7A-43D3-8B79-37D633B846F1}">
-                <asvg:svgBlip xmlns:asvg="http://schemas.microsoft.com/office/drawing/2016/SVG/main" r:embed="rId20"/>
+                <asvg:svgBlip xmlns:asvg="http://schemas.microsoft.com/office/drawing/2016/SVG/main" r:embed="rId19"/>
               </a:ext>
             </a:extLst>
           </a:blip>
@@ -21018,10 +19649,10 @@
           <p:nvPr/>
         </p:nvPicPr>
         <p:blipFill>
-          <a:blip r:embed="rId21">
+          <a:blip r:embed="rId20">
             <a:extLst>
               <a:ext uri="{96DAC541-7B7A-43D3-8B79-37D633B846F1}">
-                <asvg:svgBlip xmlns:asvg="http://schemas.microsoft.com/office/drawing/2016/SVG/main" r:embed="rId22"/>
+                <asvg:svgBlip xmlns:asvg="http://schemas.microsoft.com/office/drawing/2016/SVG/main" r:embed="rId21"/>
               </a:ext>
             </a:extLst>
           </a:blip>
@@ -21041,7 +19672,7 @@
       </p:pic>
       <p:pic>
         <p:nvPicPr>
-          <p:cNvPr id="27" name="Segnaposto contenuto 9" descr="Utente con riempimento a tinta unita">
+          <p:cNvPr id="27" name="Segnaposto contenuto 9" descr="Utente contorno">
             <a:extLst>
               <a:ext uri="{FF2B5EF4-FFF2-40B4-BE49-F238E27FC236}">
                 <a16:creationId xmlns:a16="http://schemas.microsoft.com/office/drawing/2014/main" id="{14582A50-71C2-4B6B-B5B7-5AF1C9507FE9}"/>
@@ -21054,15 +19685,16 @@
           <p:nvPr/>
         </p:nvPicPr>
         <p:blipFill>
-          <a:blip r:embed="rId23">
+          <a:blip r:embed="rId22">
             <a:extLst>
               <a:ext uri="{96DAC541-7B7A-43D3-8B79-37D633B846F1}">
-                <asvg:svgBlip xmlns:asvg="http://schemas.microsoft.com/office/drawing/2016/SVG/main" r:embed="rId24"/>
+                <asvg:svgBlip xmlns:asvg="http://schemas.microsoft.com/office/drawing/2016/SVG/main" r:embed="rId23"/>
               </a:ext>
             </a:extLst>
           </a:blip>
-          <a:srcRect/>
-          <a:stretch/>
+          <a:stretch>
+            <a:fillRect/>
+          </a:stretch>
         </p:blipFill>
         <p:spPr>
           <a:xfrm>
@@ -21076,7 +19708,7 @@
       </p:pic>
       <p:pic>
         <p:nvPicPr>
-          <p:cNvPr id="28" name="Elemento grafico 27" descr="Database contorno">
+          <p:cNvPr id="28" name="Elemento grafico 27" descr="Database con riempimento a tinta unita">
             <a:extLst>
               <a:ext uri="{FF2B5EF4-FFF2-40B4-BE49-F238E27FC236}">
                 <a16:creationId xmlns:a16="http://schemas.microsoft.com/office/drawing/2014/main" id="{FE08B14E-79F9-4B5A-8ABF-0ED56DDC9318}"/>
@@ -21089,16 +19721,15 @@
           <p:nvPr/>
         </p:nvPicPr>
         <p:blipFill>
-          <a:blip r:embed="rId25">
+          <a:blip r:embed="rId24">
             <a:extLst>
               <a:ext uri="{96DAC541-7B7A-43D3-8B79-37D633B846F1}">
-                <asvg:svgBlip xmlns:asvg="http://schemas.microsoft.com/office/drawing/2016/SVG/main" r:embed="rId26"/>
+                <asvg:svgBlip xmlns:asvg="http://schemas.microsoft.com/office/drawing/2016/SVG/main" r:embed="rId25"/>
               </a:ext>
             </a:extLst>
           </a:blip>
-          <a:stretch>
-            <a:fillRect/>
-          </a:stretch>
+          <a:srcRect/>
+          <a:stretch/>
         </p:blipFill>
         <p:spPr>
           <a:xfrm>
@@ -21112,10 +19743,10 @@
       </p:pic>
       <p:pic>
         <p:nvPicPr>
-          <p:cNvPr id="30" name="Elemento grafico 29" descr="Idrante antincendio rotto con riempimento a tinta unita">
+          <p:cNvPr id="29" name="Elemento grafico 28" descr="Idrante antincendio rotto con riempimento a tinta unita">
             <a:extLst>
               <a:ext uri="{FF2B5EF4-FFF2-40B4-BE49-F238E27FC236}">
-                <a16:creationId xmlns:a16="http://schemas.microsoft.com/office/drawing/2014/main" id="{16B4B142-B9C0-4291-A17F-DBFE84992048}"/>
+                <a16:creationId xmlns:a16="http://schemas.microsoft.com/office/drawing/2014/main" id="{9F24419D-4810-4125-8C07-19112F6BDF14}"/>
               </a:ext>
             </a:extLst>
           </p:cNvPr>
@@ -21125,10 +19756,10 @@
           <p:nvPr/>
         </p:nvPicPr>
         <p:blipFill>
-          <a:blip r:embed="rId27">
+          <a:blip r:embed="rId26">
             <a:extLst>
               <a:ext uri="{96DAC541-7B7A-43D3-8B79-37D633B846F1}">
-                <asvg:svgBlip xmlns:asvg="http://schemas.microsoft.com/office/drawing/2016/SVG/main" r:embed="rId28"/>
+                <asvg:svgBlip xmlns:asvg="http://schemas.microsoft.com/office/drawing/2016/SVG/main" r:embed="rId27"/>
               </a:ext>
             </a:extLst>
           </a:blip>
@@ -21147,10 +19778,10 @@
       </p:pic>
       <p:sp>
         <p:nvSpPr>
-          <p:cNvPr id="29" name="CasellaDiTesto 28">
+          <p:cNvPr id="31" name="CasellaDiTesto 30">
             <a:extLst>
               <a:ext uri="{FF2B5EF4-FFF2-40B4-BE49-F238E27FC236}">
-                <a16:creationId xmlns:a16="http://schemas.microsoft.com/office/drawing/2014/main" id="{7A0EA46D-D896-46C1-877F-4FFBDF137463}"/>
+                <a16:creationId xmlns:a16="http://schemas.microsoft.com/office/drawing/2014/main" id="{5F45BA78-6ED8-4582-862F-F58B9DD8CD9D}"/>
               </a:ext>
             </a:extLst>
           </p:cNvPr>
@@ -21159,7 +19790,7 @@
         </p:nvSpPr>
         <p:spPr>
           <a:xfrm>
-            <a:off x="62983" y="5129221"/>
+            <a:off x="77214" y="4175704"/>
             <a:ext cx="718368" cy="307777"/>
           </a:xfrm>
           <a:prstGeom prst="rect">
@@ -21181,7 +19812,7 @@
                   </a:schemeClr>
                 </a:solidFill>
               </a:rPr>
-              <a:t>SERVER</a:t>
+              <a:t>CLIENT</a:t>
             </a:r>
           </a:p>
         </p:txBody>
@@ -21191,7 +19822,7 @@
           <p:cNvPr id="2" name="CasellaDiTesto 1">
             <a:extLst>
               <a:ext uri="{FF2B5EF4-FFF2-40B4-BE49-F238E27FC236}">
-                <a16:creationId xmlns:a16="http://schemas.microsoft.com/office/drawing/2014/main" id="{2F1B6EEB-B3DD-41F3-A0CC-A48BAD86871F}"/>
+                <a16:creationId xmlns:a16="http://schemas.microsoft.com/office/drawing/2014/main" id="{DF001900-E05C-4984-8173-33AC8EE21AE5}"/>
               </a:ext>
             </a:extLst>
           </p:cNvPr>
@@ -21200,8 +19831,8 @@
         </p:nvSpPr>
         <p:spPr>
           <a:xfrm>
-            <a:off x="1837236" y="2595598"/>
-            <a:ext cx="3165894" cy="1631216"/>
+            <a:off x="1959182" y="2151728"/>
+            <a:ext cx="3640347" cy="2554545"/>
           </a:xfrm>
           <a:prstGeom prst="rect">
             <a:avLst/>
@@ -21216,17 +19847,17 @@
           <a:p>
             <a:r>
               <a:rPr lang="it-IT" sz="2000" dirty="0"/>
-              <a:t>Il Server implementa le procedure invocabili in remoto restituendo l’esito delle operazioni usando le RPC di SUN a default.</a:t>
+              <a:t>Il Client interagisce con l’utente proponendogli ciclicamente i servizi che utilizzano le due procedure remote. Richiede gli input necessari, invoca il servizio specificato e stampa a video gli esiti delle chiamate, fino alla fine del file di input da tastiera.</a:t>
             </a:r>
           </a:p>
         </p:txBody>
       </p:sp>
       <p:pic>
         <p:nvPicPr>
-          <p:cNvPr id="31" name="Elemento grafico 30" descr="Idrante antincendio rotto con riempimento a tinta unita">
+          <p:cNvPr id="30" name="Elemento grafico 29" descr="Idrante antincendio rotto con riempimento a tinta unita">
             <a:extLst>
               <a:ext uri="{FF2B5EF4-FFF2-40B4-BE49-F238E27FC236}">
-                <a16:creationId xmlns:a16="http://schemas.microsoft.com/office/drawing/2014/main" id="{015F62F2-753F-491A-90CD-3DBE0DE848DD}"/>
+                <a16:creationId xmlns:a16="http://schemas.microsoft.com/office/drawing/2014/main" id="{D9FA2ED8-9FF8-464E-97E7-F8738C7D56C5}"/>
               </a:ext>
             </a:extLst>
           </p:cNvPr>
@@ -21236,10 +19867,10 @@
           <p:nvPr/>
         </p:nvPicPr>
         <p:blipFill>
-          <a:blip r:embed="rId29">
+          <a:blip r:embed="rId28">
             <a:extLst>
               <a:ext uri="{96DAC541-7B7A-43D3-8B79-37D633B846F1}">
-                <asvg:svgBlip xmlns:asvg="http://schemas.microsoft.com/office/drawing/2016/SVG/main" r:embed="rId30"/>
+                <asvg:svgBlip xmlns:asvg="http://schemas.microsoft.com/office/drawing/2016/SVG/main" r:embed="rId29"/>
               </a:ext>
             </a:extLst>
           </a:blip>
@@ -21248,18 +19879,59 @@
         </p:blipFill>
         <p:spPr>
           <a:xfrm>
-            <a:off x="-869791" y="5744747"/>
+            <a:off x="-867548" y="5798747"/>
             <a:ext cx="720000" cy="720000"/>
           </a:xfrm>
           <a:prstGeom prst="rect">
             <a:avLst/>
           </a:prstGeom>
+        </p:spPr>
+      </p:pic>
+      <p:pic>
+        <p:nvPicPr>
+          <p:cNvPr id="4" name="Immagine 3">
+            <a:extLst>
+              <a:ext uri="{FF2B5EF4-FFF2-40B4-BE49-F238E27FC236}">
+                <a16:creationId xmlns:a16="http://schemas.microsoft.com/office/drawing/2014/main" id="{4D166457-A572-43CA-A804-6FA157B077CF}"/>
+              </a:ext>
+            </a:extLst>
+          </p:cNvPr>
+          <p:cNvPicPr>
+            <a:picLocks noChangeAspect="1"/>
+          </p:cNvPicPr>
+          <p:nvPr/>
+        </p:nvPicPr>
+        <p:blipFill>
+          <a:blip r:embed="rId30"/>
+          <a:stretch>
+            <a:fillRect/>
+          </a:stretch>
+        </p:blipFill>
+        <p:spPr>
+          <a:xfrm>
+            <a:off x="5599529" y="1480535"/>
+            <a:ext cx="6329694" cy="3896929"/>
+          </a:xfrm>
+          <a:prstGeom prst="roundRect">
+            <a:avLst>
+              <a:gd name="adj" fmla="val 3881"/>
+            </a:avLst>
+          </a:prstGeom>
+          <a:solidFill>
+            <a:srgbClr val="FFFFFF">
+              <a:shade val="85000"/>
+            </a:srgbClr>
+          </a:solidFill>
+          <a:ln>
+            <a:noFill/>
+          </a:ln>
+          <a:effectLst/>
         </p:spPr>
       </p:pic>
     </p:spTree>
     <p:extLst>
       <p:ext uri="{BB962C8B-B14F-4D97-AF65-F5344CB8AC3E}">
-        <p14:creationId xmlns:p14="http://schemas.microsoft.com/office/powerpoint/2010/main" val="3851975705"/>
+        <p14:creationId xmlns:p14="http://schemas.microsoft.com/office/powerpoint/2010/main" val="2451940063"/>
       </p:ext>
     </p:extLst>
   </p:cSld>
@@ -21308,10 +19980,10 @@
       </p:grpSpPr>
       <p:pic>
         <p:nvPicPr>
-          <p:cNvPr id="6" name="Immagine 5">
+          <p:cNvPr id="3" name="Immagine 2">
             <a:extLst>
               <a:ext uri="{FF2B5EF4-FFF2-40B4-BE49-F238E27FC236}">
-                <a16:creationId xmlns:a16="http://schemas.microsoft.com/office/drawing/2014/main" id="{34E6269D-AA7B-4BF2-9CDB-D2F5826A00E6}"/>
+                <a16:creationId xmlns:a16="http://schemas.microsoft.com/office/drawing/2014/main" id="{9FE48885-3C1A-4AFF-A249-2136F8D4632C}"/>
               </a:ext>
             </a:extLst>
           </p:cNvPr>
@@ -21328,8 +20000,8 @@
         </p:blipFill>
         <p:spPr>
           <a:xfrm>
-            <a:off x="25273" y="36513"/>
-            <a:ext cx="1000265" cy="6857999"/>
+            <a:off x="17183" y="1864246"/>
+            <a:ext cx="1212540" cy="5534797"/>
           </a:xfrm>
           <a:prstGeom prst="rect">
             <a:avLst/>
@@ -21338,10 +20010,45 @@
       </p:pic>
       <p:sp>
         <p:nvSpPr>
-          <p:cNvPr id="13" name="Ovale 12">
+          <p:cNvPr id="16" name="Segnaposto numero diapositiva 5">
             <a:extLst>
               <a:ext uri="{FF2B5EF4-FFF2-40B4-BE49-F238E27FC236}">
-                <a16:creationId xmlns:a16="http://schemas.microsoft.com/office/drawing/2014/main" id="{561EB7DC-28DB-4BE1-9152-D0201F3020AE}"/>
+                <a16:creationId xmlns:a16="http://schemas.microsoft.com/office/drawing/2014/main" id="{02CA51CB-D57C-4543-8737-F2B5C2866E1C}"/>
+              </a:ext>
+            </a:extLst>
+          </p:cNvPr>
+          <p:cNvSpPr>
+            <a:spLocks noGrp="1"/>
+          </p:cNvSpPr>
+          <p:nvPr>
+            <p:ph type="sldNum" sz="quarter" idx="12"/>
+          </p:nvPr>
+        </p:nvSpPr>
+        <p:spPr>
+          <a:xfrm>
+            <a:off x="10266795" y="6388793"/>
+            <a:ext cx="771089" cy="365125"/>
+          </a:xfrm>
+        </p:spPr>
+        <p:txBody>
+          <a:bodyPr/>
+          <a:lstStyle/>
+          <a:p>
+            <a:pPr rtl="0"/>
+            <a:fld id="{6D22F896-40B5-4ADD-8801-0D06FADFA095}" type="slidenum">
+              <a:rPr lang="it-IT" noProof="0" smtClean="0"/>
+              <a:t>6</a:t>
+            </a:fld>
+            <a:endParaRPr lang="it-IT" noProof="0" dirty="0"/>
+          </a:p>
+        </p:txBody>
+      </p:sp>
+      <p:sp>
+        <p:nvSpPr>
+          <p:cNvPr id="7" name="Ovale 6">
+            <a:extLst>
+              <a:ext uri="{FF2B5EF4-FFF2-40B4-BE49-F238E27FC236}">
+                <a16:creationId xmlns:a16="http://schemas.microsoft.com/office/drawing/2014/main" id="{F936136B-0BBB-4725-A8B4-96B6E3534644}"/>
               </a:ext>
             </a:extLst>
           </p:cNvPr>
@@ -21350,7 +20057,7 @@
         </p:nvSpPr>
         <p:spPr>
           <a:xfrm>
-            <a:off x="815723" y="5753502"/>
+            <a:off x="-921548" y="2091071"/>
             <a:ext cx="828000" cy="828000"/>
           </a:xfrm>
           <a:prstGeom prst="ellipse">
@@ -21388,12 +20095,272 @@
           </a:p>
         </p:txBody>
       </p:sp>
+      <p:sp>
+        <p:nvSpPr>
+          <p:cNvPr id="8" name="Ovale 7">
+            <a:extLst>
+              <a:ext uri="{FF2B5EF4-FFF2-40B4-BE49-F238E27FC236}">
+                <a16:creationId xmlns:a16="http://schemas.microsoft.com/office/drawing/2014/main" id="{608E348B-5C5B-4BD5-BE00-FC207FEB64D5}"/>
+              </a:ext>
+            </a:extLst>
+          </p:cNvPr>
+          <p:cNvSpPr/>
+          <p:nvPr/>
+        </p:nvSpPr>
+        <p:spPr>
+          <a:xfrm>
+            <a:off x="-921548" y="1177652"/>
+            <a:ext cx="828000" cy="828000"/>
+          </a:xfrm>
+          <a:prstGeom prst="ellipse">
+            <a:avLst/>
+          </a:prstGeom>
+          <a:solidFill>
+            <a:schemeClr val="tx1"/>
+          </a:solidFill>
+          <a:ln>
+            <a:noFill/>
+          </a:ln>
+        </p:spPr>
+        <p:style>
+          <a:lnRef idx="2">
+            <a:schemeClr val="accent1">
+              <a:shade val="50000"/>
+            </a:schemeClr>
+          </a:lnRef>
+          <a:fillRef idx="1">
+            <a:schemeClr val="accent1"/>
+          </a:fillRef>
+          <a:effectRef idx="0">
+            <a:schemeClr val="accent1"/>
+          </a:effectRef>
+          <a:fontRef idx="minor">
+            <a:schemeClr val="lt1"/>
+          </a:fontRef>
+        </p:style>
+        <p:txBody>
+          <a:bodyPr rtlCol="0" anchor="ctr"/>
+          <a:lstStyle/>
+          <a:p>
+            <a:pPr algn="ctr"/>
+            <a:endParaRPr lang="it-IT" b="1"/>
+          </a:p>
+        </p:txBody>
+      </p:sp>
+      <p:sp>
+        <p:nvSpPr>
+          <p:cNvPr id="9" name="Ovale 8">
+            <a:extLst>
+              <a:ext uri="{FF2B5EF4-FFF2-40B4-BE49-F238E27FC236}">
+                <a16:creationId xmlns:a16="http://schemas.microsoft.com/office/drawing/2014/main" id="{C98B8E1B-D00E-4AB0-A4DA-EAC103B50F3F}"/>
+              </a:ext>
+            </a:extLst>
+          </p:cNvPr>
+          <p:cNvSpPr/>
+          <p:nvPr/>
+        </p:nvSpPr>
+        <p:spPr>
+          <a:xfrm>
+            <a:off x="-921548" y="264233"/>
+            <a:ext cx="828000" cy="828000"/>
+          </a:xfrm>
+          <a:prstGeom prst="ellipse">
+            <a:avLst/>
+          </a:prstGeom>
+          <a:solidFill>
+            <a:schemeClr val="tx1"/>
+          </a:solidFill>
+          <a:ln>
+            <a:noFill/>
+          </a:ln>
+        </p:spPr>
+        <p:style>
+          <a:lnRef idx="2">
+            <a:schemeClr val="accent1">
+              <a:shade val="50000"/>
+            </a:schemeClr>
+          </a:lnRef>
+          <a:fillRef idx="1">
+            <a:schemeClr val="accent1"/>
+          </a:fillRef>
+          <a:effectRef idx="0">
+            <a:schemeClr val="accent1"/>
+          </a:effectRef>
+          <a:fontRef idx="minor">
+            <a:schemeClr val="lt1"/>
+          </a:fontRef>
+        </p:style>
+        <p:txBody>
+          <a:bodyPr rtlCol="0" anchor="ctr"/>
+          <a:lstStyle/>
+          <a:p>
+            <a:pPr algn="ctr"/>
+            <a:endParaRPr lang="it-IT" b="1" dirty="0"/>
+          </a:p>
+        </p:txBody>
+      </p:sp>
+      <p:sp>
+        <p:nvSpPr>
+          <p:cNvPr id="10" name="Ovale 9">
+            <a:extLst>
+              <a:ext uri="{FF2B5EF4-FFF2-40B4-BE49-F238E27FC236}">
+                <a16:creationId xmlns:a16="http://schemas.microsoft.com/office/drawing/2014/main" id="{2769B434-B71C-4155-BB92-C9F5B3B0B0F3}"/>
+              </a:ext>
+            </a:extLst>
+          </p:cNvPr>
+          <p:cNvSpPr/>
+          <p:nvPr/>
+        </p:nvSpPr>
+        <p:spPr>
+          <a:xfrm>
+            <a:off x="-949054" y="3963851"/>
+            <a:ext cx="828000" cy="828000"/>
+          </a:xfrm>
+          <a:prstGeom prst="ellipse">
+            <a:avLst/>
+          </a:prstGeom>
+          <a:solidFill>
+            <a:schemeClr val="tx1"/>
+          </a:solidFill>
+          <a:ln>
+            <a:noFill/>
+          </a:ln>
+        </p:spPr>
+        <p:style>
+          <a:lnRef idx="2">
+            <a:schemeClr val="accent1">
+              <a:shade val="50000"/>
+            </a:schemeClr>
+          </a:lnRef>
+          <a:fillRef idx="1">
+            <a:schemeClr val="accent1"/>
+          </a:fillRef>
+          <a:effectRef idx="0">
+            <a:schemeClr val="accent1"/>
+          </a:effectRef>
+          <a:fontRef idx="minor">
+            <a:schemeClr val="lt1"/>
+          </a:fontRef>
+        </p:style>
+        <p:txBody>
+          <a:bodyPr rtlCol="0" anchor="ctr"/>
+          <a:lstStyle/>
+          <a:p>
+            <a:pPr algn="ctr"/>
+            <a:endParaRPr lang="it-IT" b="1"/>
+          </a:p>
+        </p:txBody>
+      </p:sp>
+      <p:sp>
+        <p:nvSpPr>
+          <p:cNvPr id="11" name="Ovale 10">
+            <a:extLst>
+              <a:ext uri="{FF2B5EF4-FFF2-40B4-BE49-F238E27FC236}">
+                <a16:creationId xmlns:a16="http://schemas.microsoft.com/office/drawing/2014/main" id="{EC76A17D-3242-4BD8-B005-6B712E1D20D3}"/>
+              </a:ext>
+            </a:extLst>
+          </p:cNvPr>
+          <p:cNvSpPr/>
+          <p:nvPr/>
+        </p:nvSpPr>
+        <p:spPr>
+          <a:xfrm>
+            <a:off x="815723" y="4847716"/>
+            <a:ext cx="828000" cy="828000"/>
+          </a:xfrm>
+          <a:prstGeom prst="ellipse">
+            <a:avLst/>
+          </a:prstGeom>
+          <a:solidFill>
+            <a:schemeClr val="tx1"/>
+          </a:solidFill>
+          <a:ln>
+            <a:noFill/>
+          </a:ln>
+        </p:spPr>
+        <p:style>
+          <a:lnRef idx="2">
+            <a:schemeClr val="accent1">
+              <a:shade val="50000"/>
+            </a:schemeClr>
+          </a:lnRef>
+          <a:fillRef idx="1">
+            <a:schemeClr val="accent1"/>
+          </a:fillRef>
+          <a:effectRef idx="0">
+            <a:schemeClr val="accent1"/>
+          </a:effectRef>
+          <a:fontRef idx="minor">
+            <a:schemeClr val="lt1"/>
+          </a:fontRef>
+        </p:style>
+        <p:txBody>
+          <a:bodyPr rtlCol="0" anchor="ctr"/>
+          <a:lstStyle/>
+          <a:p>
+            <a:pPr algn="ctr"/>
+            <a:endParaRPr lang="it-IT" b="1"/>
+          </a:p>
+        </p:txBody>
+      </p:sp>
+      <p:sp>
+        <p:nvSpPr>
+          <p:cNvPr id="13" name="Ovale 12">
+            <a:extLst>
+              <a:ext uri="{FF2B5EF4-FFF2-40B4-BE49-F238E27FC236}">
+                <a16:creationId xmlns:a16="http://schemas.microsoft.com/office/drawing/2014/main" id="{561EB7DC-28DB-4BE1-9152-D0201F3020AE}"/>
+              </a:ext>
+            </a:extLst>
+          </p:cNvPr>
+          <p:cNvSpPr/>
+          <p:nvPr/>
+        </p:nvSpPr>
+        <p:spPr>
+          <a:xfrm>
+            <a:off x="-921548" y="5744747"/>
+            <a:ext cx="828000" cy="828000"/>
+          </a:xfrm>
+          <a:prstGeom prst="ellipse">
+            <a:avLst/>
+          </a:prstGeom>
+          <a:solidFill>
+            <a:schemeClr val="tx1"/>
+          </a:solidFill>
+          <a:ln>
+            <a:noFill/>
+          </a:ln>
+        </p:spPr>
+        <p:style>
+          <a:lnRef idx="2">
+            <a:schemeClr val="accent1">
+              <a:shade val="50000"/>
+            </a:schemeClr>
+          </a:lnRef>
+          <a:fillRef idx="1">
+            <a:schemeClr val="accent1"/>
+          </a:fillRef>
+          <a:effectRef idx="0">
+            <a:schemeClr val="accent1"/>
+          </a:effectRef>
+          <a:fontRef idx="minor">
+            <a:schemeClr val="lt1"/>
+          </a:fontRef>
+        </p:style>
+        <p:txBody>
+          <a:bodyPr rtlCol="0" anchor="ctr"/>
+          <a:lstStyle/>
+          <a:p>
+            <a:pPr algn="ctr"/>
+            <a:endParaRPr lang="it-IT" b="1"/>
+          </a:p>
+        </p:txBody>
+      </p:sp>
       <p:pic>
         <p:nvPicPr>
-          <p:cNvPr id="3" name="Elemento grafico 2" descr="Idrante antincendio rotto con riempimento a tinta unita">
+          <p:cNvPr id="14" name="Elemento grafico 13" descr="Tiro a segno contorno">
             <a:extLst>
               <a:ext uri="{FF2B5EF4-FFF2-40B4-BE49-F238E27FC236}">
-                <a16:creationId xmlns:a16="http://schemas.microsoft.com/office/drawing/2014/main" id="{E3606FC0-F891-4ED0-8CB2-E32D0784998D}"/>
+                <a16:creationId xmlns:a16="http://schemas.microsoft.com/office/drawing/2014/main" id="{3C27E02F-4946-4FEC-BD68-B2104A1DA230}"/>
               </a:ext>
             </a:extLst>
           </p:cNvPr>
@@ -21410,6 +20377,1023 @@
               </a:ext>
             </a:extLst>
           </a:blip>
+          <a:stretch>
+            <a:fillRect/>
+          </a:stretch>
+        </p:blipFill>
+        <p:spPr>
+          <a:xfrm>
+            <a:off x="-866732" y="320812"/>
+            <a:ext cx="718368" cy="718368"/>
+          </a:xfrm>
+          <a:prstGeom prst="rect">
+            <a:avLst/>
+          </a:prstGeom>
+        </p:spPr>
+      </p:pic>
+      <p:pic>
+        <p:nvPicPr>
+          <p:cNvPr id="15" name="Elemento grafico 14" descr="Ingranaggi contorno">
+            <a:extLst>
+              <a:ext uri="{FF2B5EF4-FFF2-40B4-BE49-F238E27FC236}">
+                <a16:creationId xmlns:a16="http://schemas.microsoft.com/office/drawing/2014/main" id="{C5039894-E757-4503-8F78-9ECB13AFDAED}"/>
+              </a:ext>
+            </a:extLst>
+          </p:cNvPr>
+          <p:cNvPicPr>
+            <a:picLocks noChangeAspect="1"/>
+          </p:cNvPicPr>
+          <p:nvPr/>
+        </p:nvPicPr>
+        <p:blipFill>
+          <a:blip r:embed="rId5">
+            <a:extLst>
+              <a:ext uri="{96DAC541-7B7A-43D3-8B79-37D633B846F1}">
+                <asvg:svgBlip xmlns:asvg="http://schemas.microsoft.com/office/drawing/2016/SVG/main" r:embed="rId6"/>
+              </a:ext>
+            </a:extLst>
+          </a:blip>
+          <a:stretch>
+            <a:fillRect/>
+          </a:stretch>
+        </p:blipFill>
+        <p:spPr>
+          <a:xfrm>
+            <a:off x="-866732" y="1233237"/>
+            <a:ext cx="718368" cy="718368"/>
+          </a:xfrm>
+          <a:prstGeom prst="rect">
+            <a:avLst/>
+          </a:prstGeom>
+        </p:spPr>
+      </p:pic>
+      <p:pic>
+        <p:nvPicPr>
+          <p:cNvPr id="17" name="Elemento grafico 16" descr="Condividi con riempimento a tinta unita">
+            <a:extLst>
+              <a:ext uri="{FF2B5EF4-FFF2-40B4-BE49-F238E27FC236}">
+                <a16:creationId xmlns:a16="http://schemas.microsoft.com/office/drawing/2014/main" id="{40E6D582-9765-4E68-A2E2-2EA5686354B5}"/>
+              </a:ext>
+            </a:extLst>
+          </p:cNvPr>
+          <p:cNvPicPr>
+            <a:picLocks noChangeAspect="1"/>
+          </p:cNvPicPr>
+          <p:nvPr/>
+        </p:nvPicPr>
+        <p:blipFill>
+          <a:blip r:embed="rId7">
+            <a:extLst>
+              <a:ext uri="{96DAC541-7B7A-43D3-8B79-37D633B846F1}">
+                <asvg:svgBlip xmlns:asvg="http://schemas.microsoft.com/office/drawing/2016/SVG/main" r:embed="rId8"/>
+              </a:ext>
+            </a:extLst>
+          </a:blip>
+          <a:stretch>
+            <a:fillRect/>
+          </a:stretch>
+        </p:blipFill>
+        <p:spPr>
+          <a:xfrm>
+            <a:off x="-897865" y="2111908"/>
+            <a:ext cx="780634" cy="780634"/>
+          </a:xfrm>
+          <a:prstGeom prst="rect">
+            <a:avLst/>
+          </a:prstGeom>
+        </p:spPr>
+      </p:pic>
+      <p:pic>
+        <p:nvPicPr>
+          <p:cNvPr id="18" name="Segnaposto contenuto 9" descr="Utente contorno">
+            <a:extLst>
+              <a:ext uri="{FF2B5EF4-FFF2-40B4-BE49-F238E27FC236}">
+                <a16:creationId xmlns:a16="http://schemas.microsoft.com/office/drawing/2014/main" id="{641F713D-465F-4B4B-938D-2DA6E056A207}"/>
+              </a:ext>
+            </a:extLst>
+          </p:cNvPr>
+          <p:cNvPicPr>
+            <a:picLocks noChangeAspect="1"/>
+          </p:cNvPicPr>
+          <p:nvPr/>
+        </p:nvPicPr>
+        <p:blipFill>
+          <a:blip r:embed="rId9">
+            <a:extLst>
+              <a:ext uri="{96DAC541-7B7A-43D3-8B79-37D633B846F1}">
+                <asvg:svgBlip xmlns:asvg="http://schemas.microsoft.com/office/drawing/2016/SVG/main" r:embed="rId10"/>
+              </a:ext>
+            </a:extLst>
+          </a:blip>
+          <a:stretch>
+            <a:fillRect/>
+          </a:stretch>
+        </p:blipFill>
+        <p:spPr>
+          <a:xfrm>
+            <a:off x="-894238" y="3961535"/>
+            <a:ext cx="718368" cy="718368"/>
+          </a:xfrm>
+          <a:prstGeom prst="rect">
+            <a:avLst/>
+          </a:prstGeom>
+        </p:spPr>
+      </p:pic>
+      <p:pic>
+        <p:nvPicPr>
+          <p:cNvPr id="19" name="Elemento grafico 18" descr="Database con riempimento a tinta unita">
+            <a:extLst>
+              <a:ext uri="{FF2B5EF4-FFF2-40B4-BE49-F238E27FC236}">
+                <a16:creationId xmlns:a16="http://schemas.microsoft.com/office/drawing/2014/main" id="{6B007BB4-3D91-406F-8527-FC090EE17250}"/>
+              </a:ext>
+            </a:extLst>
+          </p:cNvPr>
+          <p:cNvPicPr>
+            <a:picLocks noChangeAspect="1"/>
+          </p:cNvPicPr>
+          <p:nvPr/>
+        </p:nvPicPr>
+        <p:blipFill>
+          <a:blip r:embed="rId11">
+            <a:extLst>
+              <a:ext uri="{96DAC541-7B7A-43D3-8B79-37D633B846F1}">
+                <asvg:svgBlip xmlns:asvg="http://schemas.microsoft.com/office/drawing/2016/SVG/main" r:embed="rId12"/>
+              </a:ext>
+            </a:extLst>
+          </a:blip>
+          <a:srcRect/>
+          <a:stretch/>
+        </p:blipFill>
+        <p:spPr>
+          <a:xfrm>
+            <a:off x="870539" y="4906395"/>
+            <a:ext cx="718368" cy="718368"/>
+          </a:xfrm>
+          <a:prstGeom prst="rect">
+            <a:avLst/>
+          </a:prstGeom>
+        </p:spPr>
+      </p:pic>
+      <p:sp>
+        <p:nvSpPr>
+          <p:cNvPr id="20" name="Ovale 19">
+            <a:extLst>
+              <a:ext uri="{FF2B5EF4-FFF2-40B4-BE49-F238E27FC236}">
+                <a16:creationId xmlns:a16="http://schemas.microsoft.com/office/drawing/2014/main" id="{A14AC0E5-863B-46F8-BEA7-832DDCAB9BCF}"/>
+              </a:ext>
+            </a:extLst>
+          </p:cNvPr>
+          <p:cNvSpPr/>
+          <p:nvPr/>
+        </p:nvSpPr>
+        <p:spPr>
+          <a:xfrm>
+            <a:off x="-921548" y="3004490"/>
+            <a:ext cx="828000" cy="828000"/>
+          </a:xfrm>
+          <a:prstGeom prst="ellipse">
+            <a:avLst/>
+          </a:prstGeom>
+          <a:solidFill>
+            <a:schemeClr val="tx1"/>
+          </a:solidFill>
+          <a:ln>
+            <a:noFill/>
+          </a:ln>
+        </p:spPr>
+        <p:style>
+          <a:lnRef idx="2">
+            <a:schemeClr val="accent1">
+              <a:shade val="50000"/>
+            </a:schemeClr>
+          </a:lnRef>
+          <a:fillRef idx="1">
+            <a:schemeClr val="accent1"/>
+          </a:fillRef>
+          <a:effectRef idx="0">
+            <a:schemeClr val="accent1"/>
+          </a:effectRef>
+          <a:fontRef idx="minor">
+            <a:schemeClr val="lt1"/>
+          </a:fontRef>
+        </p:style>
+        <p:txBody>
+          <a:bodyPr rtlCol="0" anchor="ctr"/>
+          <a:lstStyle/>
+          <a:p>
+            <a:pPr algn="ctr"/>
+            <a:endParaRPr lang="it-IT" b="1"/>
+          </a:p>
+        </p:txBody>
+      </p:sp>
+      <p:pic>
+        <p:nvPicPr>
+          <p:cNvPr id="21" name="Segnaposto contenuto 7" descr="Blockchain contorno">
+            <a:extLst>
+              <a:ext uri="{FF2B5EF4-FFF2-40B4-BE49-F238E27FC236}">
+                <a16:creationId xmlns:a16="http://schemas.microsoft.com/office/drawing/2014/main" id="{7A6AF9BE-EC89-47A6-9ED7-D20D7E216234}"/>
+              </a:ext>
+            </a:extLst>
+          </p:cNvPr>
+          <p:cNvPicPr>
+            <a:picLocks noChangeAspect="1"/>
+          </p:cNvPicPr>
+          <p:nvPr/>
+        </p:nvPicPr>
+        <p:blipFill>
+          <a:blip r:embed="rId13">
+            <a:extLst>
+              <a:ext uri="{96DAC541-7B7A-43D3-8B79-37D633B846F1}">
+                <asvg:svgBlip xmlns:asvg="http://schemas.microsoft.com/office/drawing/2016/SVG/main" r:embed="rId14"/>
+              </a:ext>
+            </a:extLst>
+          </a:blip>
+          <a:stretch>
+            <a:fillRect/>
+          </a:stretch>
+        </p:blipFill>
+        <p:spPr>
+          <a:xfrm>
+            <a:off x="-866732" y="3052022"/>
+            <a:ext cx="718368" cy="718368"/>
+          </a:xfrm>
+          <a:prstGeom prst="rect">
+            <a:avLst/>
+          </a:prstGeom>
+        </p:spPr>
+      </p:pic>
+      <p:sp>
+        <p:nvSpPr>
+          <p:cNvPr id="22" name="Figura a mano libera: forma 21">
+            <a:extLst>
+              <a:ext uri="{FF2B5EF4-FFF2-40B4-BE49-F238E27FC236}">
+                <a16:creationId xmlns:a16="http://schemas.microsoft.com/office/drawing/2014/main" id="{5F4D36A5-1D2D-4A2E-85BC-D6789A6158C7}"/>
+              </a:ext>
+            </a:extLst>
+          </p:cNvPr>
+          <p:cNvSpPr/>
+          <p:nvPr/>
+        </p:nvSpPr>
+        <p:spPr>
+          <a:xfrm flipH="1">
+            <a:off x="0" y="-6213728"/>
+            <a:ext cx="1229723" cy="22957972"/>
+          </a:xfrm>
+          <a:custGeom>
+            <a:avLst/>
+            <a:gdLst>
+              <a:gd name="connsiteX0" fmla="*/ 0 w 1229710"/>
+              <a:gd name="connsiteY0" fmla="*/ 22957972 h 22957972"/>
+              <a:gd name="connsiteX1" fmla="*/ 0 w 1229710"/>
+              <a:gd name="connsiteY1" fmla="*/ 12288883 h 22957972"/>
+              <a:gd name="connsiteX2" fmla="*/ 533915 w 1229710"/>
+              <a:gd name="connsiteY2" fmla="*/ 11478986 h 22957972"/>
+              <a:gd name="connsiteX3" fmla="*/ 0 w 1229710"/>
+              <a:gd name="connsiteY3" fmla="*/ 10669089 h 22957972"/>
+              <a:gd name="connsiteX4" fmla="*/ 0 w 1229710"/>
+              <a:gd name="connsiteY4" fmla="*/ 0 h 22957972"/>
+              <a:gd name="connsiteX5" fmla="*/ 1229710 w 1229710"/>
+              <a:gd name="connsiteY5" fmla="*/ 0 h 22957972"/>
+              <a:gd name="connsiteX6" fmla="*/ 1229710 w 1229710"/>
+              <a:gd name="connsiteY6" fmla="*/ 22957972 h 22957972"/>
+              <a:gd name="connsiteX0" fmla="*/ 0 w 1229710"/>
+              <a:gd name="connsiteY0" fmla="*/ 22957972 h 22957972"/>
+              <a:gd name="connsiteX1" fmla="*/ 0 w 1229710"/>
+              <a:gd name="connsiteY1" fmla="*/ 12288883 h 22957972"/>
+              <a:gd name="connsiteX2" fmla="*/ 533915 w 1229710"/>
+              <a:gd name="connsiteY2" fmla="*/ 11478986 h 22957972"/>
+              <a:gd name="connsiteX3" fmla="*/ 0 w 1229710"/>
+              <a:gd name="connsiteY3" fmla="*/ 10669089 h 22957972"/>
+              <a:gd name="connsiteX4" fmla="*/ 0 w 1229710"/>
+              <a:gd name="connsiteY4" fmla="*/ 0 h 22957972"/>
+              <a:gd name="connsiteX5" fmla="*/ 1229710 w 1229710"/>
+              <a:gd name="connsiteY5" fmla="*/ 0 h 22957972"/>
+              <a:gd name="connsiteX6" fmla="*/ 1229710 w 1229710"/>
+              <a:gd name="connsiteY6" fmla="*/ 22957972 h 22957972"/>
+              <a:gd name="connsiteX7" fmla="*/ 0 w 1229710"/>
+              <a:gd name="connsiteY7" fmla="*/ 22957972 h 22957972"/>
+              <a:gd name="connsiteX0" fmla="*/ 295 w 1230005"/>
+              <a:gd name="connsiteY0" fmla="*/ 22957972 h 22957972"/>
+              <a:gd name="connsiteX1" fmla="*/ 295 w 1230005"/>
+              <a:gd name="connsiteY1" fmla="*/ 12288883 h 22957972"/>
+              <a:gd name="connsiteX2" fmla="*/ 534210 w 1230005"/>
+              <a:gd name="connsiteY2" fmla="*/ 11478986 h 22957972"/>
+              <a:gd name="connsiteX3" fmla="*/ 295 w 1230005"/>
+              <a:gd name="connsiteY3" fmla="*/ 10669089 h 22957972"/>
+              <a:gd name="connsiteX4" fmla="*/ 295 w 1230005"/>
+              <a:gd name="connsiteY4" fmla="*/ 0 h 22957972"/>
+              <a:gd name="connsiteX5" fmla="*/ 1230005 w 1230005"/>
+              <a:gd name="connsiteY5" fmla="*/ 0 h 22957972"/>
+              <a:gd name="connsiteX6" fmla="*/ 1230005 w 1230005"/>
+              <a:gd name="connsiteY6" fmla="*/ 22957972 h 22957972"/>
+              <a:gd name="connsiteX7" fmla="*/ 295 w 1230005"/>
+              <a:gd name="connsiteY7" fmla="*/ 22957972 h 22957972"/>
+              <a:gd name="connsiteX0" fmla="*/ 5 w 1229715"/>
+              <a:gd name="connsiteY0" fmla="*/ 22957972 h 22957972"/>
+              <a:gd name="connsiteX1" fmla="*/ 5 w 1229715"/>
+              <a:gd name="connsiteY1" fmla="*/ 12288883 h 22957972"/>
+              <a:gd name="connsiteX2" fmla="*/ 533920 w 1229715"/>
+              <a:gd name="connsiteY2" fmla="*/ 11478986 h 22957972"/>
+              <a:gd name="connsiteX3" fmla="*/ 5 w 1229715"/>
+              <a:gd name="connsiteY3" fmla="*/ 10669089 h 22957972"/>
+              <a:gd name="connsiteX4" fmla="*/ 5 w 1229715"/>
+              <a:gd name="connsiteY4" fmla="*/ 0 h 22957972"/>
+              <a:gd name="connsiteX5" fmla="*/ 1229715 w 1229715"/>
+              <a:gd name="connsiteY5" fmla="*/ 0 h 22957972"/>
+              <a:gd name="connsiteX6" fmla="*/ 1229715 w 1229715"/>
+              <a:gd name="connsiteY6" fmla="*/ 22957972 h 22957972"/>
+              <a:gd name="connsiteX7" fmla="*/ 5 w 1229715"/>
+              <a:gd name="connsiteY7" fmla="*/ 22957972 h 22957972"/>
+              <a:gd name="connsiteX0" fmla="*/ 12 w 1229722"/>
+              <a:gd name="connsiteY0" fmla="*/ 22957972 h 22957972"/>
+              <a:gd name="connsiteX1" fmla="*/ 12 w 1229722"/>
+              <a:gd name="connsiteY1" fmla="*/ 12288883 h 22957972"/>
+              <a:gd name="connsiteX2" fmla="*/ 533927 w 1229722"/>
+              <a:gd name="connsiteY2" fmla="*/ 11478986 h 22957972"/>
+              <a:gd name="connsiteX3" fmla="*/ 12 w 1229722"/>
+              <a:gd name="connsiteY3" fmla="*/ 10669089 h 22957972"/>
+              <a:gd name="connsiteX4" fmla="*/ 12 w 1229722"/>
+              <a:gd name="connsiteY4" fmla="*/ 0 h 22957972"/>
+              <a:gd name="connsiteX5" fmla="*/ 1229722 w 1229722"/>
+              <a:gd name="connsiteY5" fmla="*/ 0 h 22957972"/>
+              <a:gd name="connsiteX6" fmla="*/ 1229722 w 1229722"/>
+              <a:gd name="connsiteY6" fmla="*/ 22957972 h 22957972"/>
+              <a:gd name="connsiteX7" fmla="*/ 12 w 1229722"/>
+              <a:gd name="connsiteY7" fmla="*/ 22957972 h 22957972"/>
+              <a:gd name="connsiteX0" fmla="*/ 12 w 1229722"/>
+              <a:gd name="connsiteY0" fmla="*/ 22957972 h 22957972"/>
+              <a:gd name="connsiteX1" fmla="*/ 12 w 1229722"/>
+              <a:gd name="connsiteY1" fmla="*/ 12288883 h 22957972"/>
+              <a:gd name="connsiteX2" fmla="*/ 533927 w 1229722"/>
+              <a:gd name="connsiteY2" fmla="*/ 11478986 h 22957972"/>
+              <a:gd name="connsiteX3" fmla="*/ 12 w 1229722"/>
+              <a:gd name="connsiteY3" fmla="*/ 10669089 h 22957972"/>
+              <a:gd name="connsiteX4" fmla="*/ 12 w 1229722"/>
+              <a:gd name="connsiteY4" fmla="*/ 0 h 22957972"/>
+              <a:gd name="connsiteX5" fmla="*/ 1229722 w 1229722"/>
+              <a:gd name="connsiteY5" fmla="*/ 0 h 22957972"/>
+              <a:gd name="connsiteX6" fmla="*/ 1229722 w 1229722"/>
+              <a:gd name="connsiteY6" fmla="*/ 22957972 h 22957972"/>
+              <a:gd name="connsiteX7" fmla="*/ 12 w 1229722"/>
+              <a:gd name="connsiteY7" fmla="*/ 22957972 h 22957972"/>
+              <a:gd name="connsiteX0" fmla="*/ 13 w 1229723"/>
+              <a:gd name="connsiteY0" fmla="*/ 22957972 h 22957972"/>
+              <a:gd name="connsiteX1" fmla="*/ 13 w 1229723"/>
+              <a:gd name="connsiteY1" fmla="*/ 12288883 h 22957972"/>
+              <a:gd name="connsiteX2" fmla="*/ 474722 w 1229723"/>
+              <a:gd name="connsiteY2" fmla="*/ 11475696 h 22957972"/>
+              <a:gd name="connsiteX3" fmla="*/ 13 w 1229723"/>
+              <a:gd name="connsiteY3" fmla="*/ 10669089 h 22957972"/>
+              <a:gd name="connsiteX4" fmla="*/ 13 w 1229723"/>
+              <a:gd name="connsiteY4" fmla="*/ 0 h 22957972"/>
+              <a:gd name="connsiteX5" fmla="*/ 1229723 w 1229723"/>
+              <a:gd name="connsiteY5" fmla="*/ 0 h 22957972"/>
+              <a:gd name="connsiteX6" fmla="*/ 1229723 w 1229723"/>
+              <a:gd name="connsiteY6" fmla="*/ 22957972 h 22957972"/>
+              <a:gd name="connsiteX7" fmla="*/ 13 w 1229723"/>
+              <a:gd name="connsiteY7" fmla="*/ 22957972 h 22957972"/>
+              <a:gd name="connsiteX0" fmla="*/ 13 w 1229723"/>
+              <a:gd name="connsiteY0" fmla="*/ 22957972 h 22957972"/>
+              <a:gd name="connsiteX1" fmla="*/ 13 w 1229723"/>
+              <a:gd name="connsiteY1" fmla="*/ 12288883 h 22957972"/>
+              <a:gd name="connsiteX2" fmla="*/ 474722 w 1229723"/>
+              <a:gd name="connsiteY2" fmla="*/ 11475696 h 22957972"/>
+              <a:gd name="connsiteX3" fmla="*/ 13 w 1229723"/>
+              <a:gd name="connsiteY3" fmla="*/ 10669089 h 22957972"/>
+              <a:gd name="connsiteX4" fmla="*/ 13 w 1229723"/>
+              <a:gd name="connsiteY4" fmla="*/ 0 h 22957972"/>
+              <a:gd name="connsiteX5" fmla="*/ 1229723 w 1229723"/>
+              <a:gd name="connsiteY5" fmla="*/ 0 h 22957972"/>
+              <a:gd name="connsiteX6" fmla="*/ 1229723 w 1229723"/>
+              <a:gd name="connsiteY6" fmla="*/ 22957972 h 22957972"/>
+              <a:gd name="connsiteX7" fmla="*/ 13 w 1229723"/>
+              <a:gd name="connsiteY7" fmla="*/ 22957972 h 22957972"/>
+              <a:gd name="connsiteX0" fmla="*/ 13 w 1229723"/>
+              <a:gd name="connsiteY0" fmla="*/ 22957972 h 22957972"/>
+              <a:gd name="connsiteX1" fmla="*/ 13 w 1229723"/>
+              <a:gd name="connsiteY1" fmla="*/ 12288883 h 22957972"/>
+              <a:gd name="connsiteX2" fmla="*/ 474722 w 1229723"/>
+              <a:gd name="connsiteY2" fmla="*/ 11475696 h 22957972"/>
+              <a:gd name="connsiteX3" fmla="*/ 13 w 1229723"/>
+              <a:gd name="connsiteY3" fmla="*/ 10669089 h 22957972"/>
+              <a:gd name="connsiteX4" fmla="*/ 13 w 1229723"/>
+              <a:gd name="connsiteY4" fmla="*/ 0 h 22957972"/>
+              <a:gd name="connsiteX5" fmla="*/ 1229723 w 1229723"/>
+              <a:gd name="connsiteY5" fmla="*/ 0 h 22957972"/>
+              <a:gd name="connsiteX6" fmla="*/ 1229723 w 1229723"/>
+              <a:gd name="connsiteY6" fmla="*/ 22957972 h 22957972"/>
+              <a:gd name="connsiteX7" fmla="*/ 13 w 1229723"/>
+              <a:gd name="connsiteY7" fmla="*/ 22957972 h 22957972"/>
+            </a:gdLst>
+            <a:ahLst/>
+            <a:cxnLst>
+              <a:cxn ang="0">
+                <a:pos x="connsiteX0" y="connsiteY0"/>
+              </a:cxn>
+              <a:cxn ang="0">
+                <a:pos x="connsiteX1" y="connsiteY1"/>
+              </a:cxn>
+              <a:cxn ang="0">
+                <a:pos x="connsiteX2" y="connsiteY2"/>
+              </a:cxn>
+              <a:cxn ang="0">
+                <a:pos x="connsiteX3" y="connsiteY3"/>
+              </a:cxn>
+              <a:cxn ang="0">
+                <a:pos x="connsiteX4" y="connsiteY4"/>
+              </a:cxn>
+              <a:cxn ang="0">
+                <a:pos x="connsiteX5" y="connsiteY5"/>
+              </a:cxn>
+              <a:cxn ang="0">
+                <a:pos x="connsiteX6" y="connsiteY6"/>
+              </a:cxn>
+              <a:cxn ang="0">
+                <a:pos x="connsiteX7" y="connsiteY7"/>
+              </a:cxn>
+            </a:cxnLst>
+            <a:rect l="l" t="t" r="r" b="b"/>
+            <a:pathLst>
+              <a:path w="1229723" h="22957972">
+                <a:moveTo>
+                  <a:pt x="13" y="22957972"/>
+                </a:moveTo>
+                <a:lnTo>
+                  <a:pt x="13" y="12288883"/>
+                </a:lnTo>
+                <a:cubicBezTo>
+                  <a:pt x="-2919" y="11887349"/>
+                  <a:pt x="475585" y="11941716"/>
+                  <a:pt x="474722" y="11475696"/>
+                </a:cubicBezTo>
+                <a:cubicBezTo>
+                  <a:pt x="473859" y="11009676"/>
+                  <a:pt x="-1690" y="11083914"/>
+                  <a:pt x="13" y="10669089"/>
+                </a:cubicBezTo>
+                <a:lnTo>
+                  <a:pt x="13" y="0"/>
+                </a:lnTo>
+                <a:lnTo>
+                  <a:pt x="1229723" y="0"/>
+                </a:lnTo>
+                <a:lnTo>
+                  <a:pt x="1229723" y="22957972"/>
+                </a:lnTo>
+                <a:lnTo>
+                  <a:pt x="13" y="22957972"/>
+                </a:lnTo>
+                <a:close/>
+              </a:path>
+            </a:pathLst>
+          </a:custGeom>
+          <a:solidFill>
+            <a:schemeClr val="tx1"/>
+          </a:solidFill>
+          <a:ln>
+            <a:noFill/>
+          </a:ln>
+        </p:spPr>
+        <p:style>
+          <a:lnRef idx="2">
+            <a:schemeClr val="accent1">
+              <a:shade val="50000"/>
+            </a:schemeClr>
+          </a:lnRef>
+          <a:fillRef idx="1">
+            <a:schemeClr val="accent1"/>
+          </a:fillRef>
+          <a:effectRef idx="0">
+            <a:schemeClr val="accent1"/>
+          </a:effectRef>
+          <a:fontRef idx="minor">
+            <a:schemeClr val="lt1"/>
+          </a:fontRef>
+        </p:style>
+        <p:txBody>
+          <a:bodyPr wrap="square" rtlCol="0" anchor="ctr">
+            <a:noAutofit/>
+          </a:bodyPr>
+          <a:lstStyle/>
+          <a:p>
+            <a:pPr algn="ctr"/>
+            <a:endParaRPr lang="it-IT" b="1" dirty="0"/>
+          </a:p>
+        </p:txBody>
+      </p:sp>
+      <p:pic>
+        <p:nvPicPr>
+          <p:cNvPr id="23" name="Elemento grafico 22" descr="Tiro a segno con riempimento a tinta unita">
+            <a:extLst>
+              <a:ext uri="{FF2B5EF4-FFF2-40B4-BE49-F238E27FC236}">
+                <a16:creationId xmlns:a16="http://schemas.microsoft.com/office/drawing/2014/main" id="{8CFC18D5-1549-4780-ABA0-E1A9700B8BA3}"/>
+              </a:ext>
+            </a:extLst>
+          </p:cNvPr>
+          <p:cNvPicPr>
+            <a:picLocks noChangeAspect="1"/>
+          </p:cNvPicPr>
+          <p:nvPr/>
+        </p:nvPicPr>
+        <p:blipFill>
+          <a:blip r:embed="rId15">
+            <a:extLst>
+              <a:ext uri="{96DAC541-7B7A-43D3-8B79-37D633B846F1}">
+                <asvg:svgBlip xmlns:asvg="http://schemas.microsoft.com/office/drawing/2016/SVG/main" r:embed="rId16"/>
+              </a:ext>
+            </a:extLst>
+          </a:blip>
+          <a:srcRect/>
+          <a:stretch/>
+        </p:blipFill>
+        <p:spPr>
+          <a:xfrm>
+            <a:off x="242109" y="320812"/>
+            <a:ext cx="718368" cy="718368"/>
+          </a:xfrm>
+          <a:prstGeom prst="rect">
+            <a:avLst/>
+          </a:prstGeom>
+        </p:spPr>
+      </p:pic>
+      <p:pic>
+        <p:nvPicPr>
+          <p:cNvPr id="24" name="Elemento grafico 23" descr="Singolo ingranaggio con riempimento a tinta unita">
+            <a:extLst>
+              <a:ext uri="{FF2B5EF4-FFF2-40B4-BE49-F238E27FC236}">
+                <a16:creationId xmlns:a16="http://schemas.microsoft.com/office/drawing/2014/main" id="{F09C701D-C4FF-49D0-8ACF-9081D6B21E82}"/>
+              </a:ext>
+            </a:extLst>
+          </p:cNvPr>
+          <p:cNvPicPr>
+            <a:picLocks noChangeAspect="1"/>
+          </p:cNvPicPr>
+          <p:nvPr/>
+        </p:nvPicPr>
+        <p:blipFill>
+          <a:blip r:embed="rId17">
+            <a:extLst>
+              <a:ext uri="{96DAC541-7B7A-43D3-8B79-37D633B846F1}">
+                <asvg:svgBlip xmlns:asvg="http://schemas.microsoft.com/office/drawing/2016/SVG/main" r:embed="rId18"/>
+              </a:ext>
+            </a:extLst>
+          </a:blip>
+          <a:srcRect/>
+          <a:stretch/>
+        </p:blipFill>
+        <p:spPr>
+          <a:xfrm>
+            <a:off x="242109" y="1233237"/>
+            <a:ext cx="718368" cy="718368"/>
+          </a:xfrm>
+          <a:prstGeom prst="rect">
+            <a:avLst/>
+          </a:prstGeom>
+        </p:spPr>
+      </p:pic>
+      <p:pic>
+        <p:nvPicPr>
+          <p:cNvPr id="25" name="Elemento grafico 24" descr="Condividi con riempimento a tinta unita">
+            <a:extLst>
+              <a:ext uri="{FF2B5EF4-FFF2-40B4-BE49-F238E27FC236}">
+                <a16:creationId xmlns:a16="http://schemas.microsoft.com/office/drawing/2014/main" id="{F3E112FE-5D7F-46B8-AB3F-74FECA698A65}"/>
+              </a:ext>
+            </a:extLst>
+          </p:cNvPr>
+          <p:cNvPicPr>
+            <a:picLocks noChangeAspect="1"/>
+          </p:cNvPicPr>
+          <p:nvPr/>
+        </p:nvPicPr>
+        <p:blipFill>
+          <a:blip r:embed="rId19">
+            <a:extLst>
+              <a:ext uri="{96DAC541-7B7A-43D3-8B79-37D633B846F1}">
+                <asvg:svgBlip xmlns:asvg="http://schemas.microsoft.com/office/drawing/2016/SVG/main" r:embed="rId20"/>
+              </a:ext>
+            </a:extLst>
+          </a:blip>
+          <a:stretch>
+            <a:fillRect/>
+          </a:stretch>
+        </p:blipFill>
+        <p:spPr>
+          <a:xfrm>
+            <a:off x="210976" y="2111908"/>
+            <a:ext cx="780634" cy="780634"/>
+          </a:xfrm>
+          <a:prstGeom prst="rect">
+            <a:avLst/>
+          </a:prstGeom>
+        </p:spPr>
+      </p:pic>
+      <p:pic>
+        <p:nvPicPr>
+          <p:cNvPr id="26" name="Segnaposto contenuto 7" descr="Blockchain contorno">
+            <a:extLst>
+              <a:ext uri="{FF2B5EF4-FFF2-40B4-BE49-F238E27FC236}">
+                <a16:creationId xmlns:a16="http://schemas.microsoft.com/office/drawing/2014/main" id="{51A6216D-564A-4B11-80EF-CD948BC17C72}"/>
+              </a:ext>
+            </a:extLst>
+          </p:cNvPr>
+          <p:cNvPicPr>
+            <a:picLocks noChangeAspect="1"/>
+          </p:cNvPicPr>
+          <p:nvPr/>
+        </p:nvPicPr>
+        <p:blipFill>
+          <a:blip r:embed="rId21">
+            <a:extLst>
+              <a:ext uri="{96DAC541-7B7A-43D3-8B79-37D633B846F1}">
+                <asvg:svgBlip xmlns:asvg="http://schemas.microsoft.com/office/drawing/2016/SVG/main" r:embed="rId22"/>
+              </a:ext>
+            </a:extLst>
+          </a:blip>
+          <a:stretch>
+            <a:fillRect/>
+          </a:stretch>
+        </p:blipFill>
+        <p:spPr>
+          <a:xfrm>
+            <a:off x="242109" y="3052022"/>
+            <a:ext cx="718368" cy="718368"/>
+          </a:xfrm>
+          <a:prstGeom prst="rect">
+            <a:avLst/>
+          </a:prstGeom>
+        </p:spPr>
+      </p:pic>
+      <p:pic>
+        <p:nvPicPr>
+          <p:cNvPr id="27" name="Segnaposto contenuto 9" descr="Utente con riempimento a tinta unita">
+            <a:extLst>
+              <a:ext uri="{FF2B5EF4-FFF2-40B4-BE49-F238E27FC236}">
+                <a16:creationId xmlns:a16="http://schemas.microsoft.com/office/drawing/2014/main" id="{14582A50-71C2-4B6B-B5B7-5AF1C9507FE9}"/>
+              </a:ext>
+            </a:extLst>
+          </p:cNvPr>
+          <p:cNvPicPr>
+            <a:picLocks noChangeAspect="1"/>
+          </p:cNvPicPr>
+          <p:nvPr/>
+        </p:nvPicPr>
+        <p:blipFill>
+          <a:blip r:embed="rId23">
+            <a:extLst>
+              <a:ext uri="{96DAC541-7B7A-43D3-8B79-37D633B846F1}">
+                <asvg:svgBlip xmlns:asvg="http://schemas.microsoft.com/office/drawing/2016/SVG/main" r:embed="rId24"/>
+              </a:ext>
+            </a:extLst>
+          </a:blip>
+          <a:srcRect/>
+          <a:stretch/>
+        </p:blipFill>
+        <p:spPr>
+          <a:xfrm>
+            <a:off x="242109" y="3913277"/>
+            <a:ext cx="718368" cy="718368"/>
+          </a:xfrm>
+          <a:prstGeom prst="rect">
+            <a:avLst/>
+          </a:prstGeom>
+        </p:spPr>
+      </p:pic>
+      <p:pic>
+        <p:nvPicPr>
+          <p:cNvPr id="28" name="Elemento grafico 27" descr="Database contorno">
+            <a:extLst>
+              <a:ext uri="{FF2B5EF4-FFF2-40B4-BE49-F238E27FC236}">
+                <a16:creationId xmlns:a16="http://schemas.microsoft.com/office/drawing/2014/main" id="{FE08B14E-79F9-4B5A-8ABF-0ED56DDC9318}"/>
+              </a:ext>
+            </a:extLst>
+          </p:cNvPr>
+          <p:cNvPicPr>
+            <a:picLocks noChangeAspect="1"/>
+          </p:cNvPicPr>
+          <p:nvPr/>
+        </p:nvPicPr>
+        <p:blipFill>
+          <a:blip r:embed="rId25">
+            <a:extLst>
+              <a:ext uri="{96DAC541-7B7A-43D3-8B79-37D633B846F1}">
+                <asvg:svgBlip xmlns:asvg="http://schemas.microsoft.com/office/drawing/2016/SVG/main" r:embed="rId26"/>
+              </a:ext>
+            </a:extLst>
+          </a:blip>
+          <a:stretch>
+            <a:fillRect/>
+          </a:stretch>
+        </p:blipFill>
+        <p:spPr>
+          <a:xfrm>
+            <a:off x="242109" y="4885375"/>
+            <a:ext cx="718368" cy="718368"/>
+          </a:xfrm>
+          <a:prstGeom prst="rect">
+            <a:avLst/>
+          </a:prstGeom>
+        </p:spPr>
+      </p:pic>
+      <p:pic>
+        <p:nvPicPr>
+          <p:cNvPr id="30" name="Elemento grafico 29" descr="Idrante antincendio rotto con riempimento a tinta unita">
+            <a:extLst>
+              <a:ext uri="{FF2B5EF4-FFF2-40B4-BE49-F238E27FC236}">
+                <a16:creationId xmlns:a16="http://schemas.microsoft.com/office/drawing/2014/main" id="{16B4B142-B9C0-4291-A17F-DBFE84992048}"/>
+              </a:ext>
+            </a:extLst>
+          </p:cNvPr>
+          <p:cNvPicPr>
+            <a:picLocks noChangeAspect="1"/>
+          </p:cNvPicPr>
+          <p:nvPr/>
+        </p:nvPicPr>
+        <p:blipFill>
+          <a:blip r:embed="rId27">
+            <a:extLst>
+              <a:ext uri="{96DAC541-7B7A-43D3-8B79-37D633B846F1}">
+                <asvg:svgBlip xmlns:asvg="http://schemas.microsoft.com/office/drawing/2016/SVG/main" r:embed="rId28"/>
+              </a:ext>
+            </a:extLst>
+          </a:blip>
+          <a:srcRect/>
+          <a:stretch/>
+        </p:blipFill>
+        <p:spPr>
+          <a:xfrm>
+            <a:off x="242109" y="5744747"/>
+            <a:ext cx="720000" cy="720000"/>
+          </a:xfrm>
+          <a:prstGeom prst="rect">
+            <a:avLst/>
+          </a:prstGeom>
+        </p:spPr>
+      </p:pic>
+      <p:sp>
+        <p:nvSpPr>
+          <p:cNvPr id="29" name="CasellaDiTesto 28">
+            <a:extLst>
+              <a:ext uri="{FF2B5EF4-FFF2-40B4-BE49-F238E27FC236}">
+                <a16:creationId xmlns:a16="http://schemas.microsoft.com/office/drawing/2014/main" id="{7A0EA46D-D896-46C1-877F-4FFBDF137463}"/>
+              </a:ext>
+            </a:extLst>
+          </p:cNvPr>
+          <p:cNvSpPr txBox="1"/>
+          <p:nvPr/>
+        </p:nvSpPr>
+        <p:spPr>
+          <a:xfrm>
+            <a:off x="62983" y="5129221"/>
+            <a:ext cx="718368" cy="307777"/>
+          </a:xfrm>
+          <a:prstGeom prst="rect">
+            <a:avLst/>
+          </a:prstGeom>
+          <a:noFill/>
+        </p:spPr>
+        <p:txBody>
+          <a:bodyPr wrap="square" rtlCol="0">
+            <a:spAutoFit/>
+          </a:bodyPr>
+          <a:lstStyle/>
+          <a:p>
+            <a:r>
+              <a:rPr lang="it-IT" sz="1400" dirty="0">
+                <a:solidFill>
+                  <a:schemeClr val="accent2">
+                    <a:lumMod val="75000"/>
+                  </a:schemeClr>
+                </a:solidFill>
+              </a:rPr>
+              <a:t>SERVER</a:t>
+            </a:r>
+          </a:p>
+        </p:txBody>
+      </p:sp>
+      <p:sp>
+        <p:nvSpPr>
+          <p:cNvPr id="2" name="CasellaDiTesto 1">
+            <a:extLst>
+              <a:ext uri="{FF2B5EF4-FFF2-40B4-BE49-F238E27FC236}">
+                <a16:creationId xmlns:a16="http://schemas.microsoft.com/office/drawing/2014/main" id="{2F1B6EEB-B3DD-41F3-A0CC-A48BAD86871F}"/>
+              </a:ext>
+            </a:extLst>
+          </p:cNvPr>
+          <p:cNvSpPr txBox="1"/>
+          <p:nvPr/>
+        </p:nvSpPr>
+        <p:spPr>
+          <a:xfrm>
+            <a:off x="1837236" y="2595598"/>
+            <a:ext cx="3165894" cy="1631216"/>
+          </a:xfrm>
+          <a:prstGeom prst="rect">
+            <a:avLst/>
+          </a:prstGeom>
+          <a:noFill/>
+        </p:spPr>
+        <p:txBody>
+          <a:bodyPr wrap="square" rtlCol="0">
+            <a:spAutoFit/>
+          </a:bodyPr>
+          <a:lstStyle/>
+          <a:p>
+            <a:r>
+              <a:rPr lang="it-IT" sz="2000" dirty="0"/>
+              <a:t>Il Server implementa le procedure invocabili in remoto restituendo l’esito delle operazioni usando le RPC di SUN a default.</a:t>
+            </a:r>
+          </a:p>
+        </p:txBody>
+      </p:sp>
+      <p:pic>
+        <p:nvPicPr>
+          <p:cNvPr id="31" name="Elemento grafico 30" descr="Idrante antincendio rotto con riempimento a tinta unita">
+            <a:extLst>
+              <a:ext uri="{FF2B5EF4-FFF2-40B4-BE49-F238E27FC236}">
+                <a16:creationId xmlns:a16="http://schemas.microsoft.com/office/drawing/2014/main" id="{8F45B178-791B-4E21-ACCA-296C07446E95}"/>
+              </a:ext>
+            </a:extLst>
+          </p:cNvPr>
+          <p:cNvPicPr>
+            <a:picLocks noChangeAspect="1"/>
+          </p:cNvPicPr>
+          <p:nvPr/>
+        </p:nvPicPr>
+        <p:blipFill>
+          <a:blip r:embed="rId29">
+            <a:extLst>
+              <a:ext uri="{96DAC541-7B7A-43D3-8B79-37D633B846F1}">
+                <asvg:svgBlip xmlns:asvg="http://schemas.microsoft.com/office/drawing/2016/SVG/main" r:embed="rId30"/>
+              </a:ext>
+            </a:extLst>
+          </a:blip>
+          <a:srcRect/>
+          <a:stretch/>
+        </p:blipFill>
+        <p:spPr>
+          <a:xfrm>
+            <a:off x="-867548" y="5798747"/>
+            <a:ext cx="720000" cy="720000"/>
+          </a:xfrm>
+          <a:prstGeom prst="rect">
+            <a:avLst/>
+          </a:prstGeom>
+        </p:spPr>
+      </p:pic>
+    </p:spTree>
+    <p:extLst>
+      <p:ext uri="{BB962C8B-B14F-4D97-AF65-F5344CB8AC3E}">
+        <p14:creationId xmlns:p14="http://schemas.microsoft.com/office/powerpoint/2010/main" val="3851975705"/>
+      </p:ext>
+    </p:extLst>
+  </p:cSld>
+  <p:clrMapOvr>
+    <a:masterClrMapping/>
+  </p:clrMapOvr>
+  <mc:AlternateContent xmlns:mc="http://schemas.openxmlformats.org/markup-compatibility/2006" xmlns:p159="http://schemas.microsoft.com/office/powerpoint/2015/09/main">
+    <mc:Choice Requires="p159">
+      <p:transition>
+        <p159:morph option="byChar"/>
+      </p:transition>
+    </mc:Choice>
+    <mc:Fallback xmlns="">
+      <p:transition>
+        <p:fade/>
+      </p:transition>
+    </mc:Fallback>
+  </mc:AlternateContent>
+</p:sld>
+</file>
+
+<file path=ppt/slides/slide7.xml><?xml version="1.0" encoding="utf-8"?>
+<p:sld xmlns:a="http://schemas.openxmlformats.org/drawingml/2006/main" xmlns:r="http://schemas.openxmlformats.org/officeDocument/2006/relationships" xmlns:p="http://schemas.openxmlformats.org/presentationml/2006/main">
+  <p:cSld>
+    <p:bg>
+      <p:bgPr>
+        <a:solidFill>
+          <a:srgbClr val="013A63"/>
+        </a:solidFill>
+        <a:effectLst/>
+      </p:bgPr>
+    </p:bg>
+    <p:spTree>
+      <p:nvGrpSpPr>
+        <p:cNvPr id="1" name=""/>
+        <p:cNvGrpSpPr/>
+        <p:nvPr/>
+      </p:nvGrpSpPr>
+      <p:grpSpPr>
+        <a:xfrm>
+          <a:off x="0" y="0"/>
+          <a:ext cx="0" cy="0"/>
+          <a:chOff x="0" y="0"/>
+          <a:chExt cx="0" cy="0"/>
+        </a:xfrm>
+      </p:grpSpPr>
+      <p:pic>
+        <p:nvPicPr>
+          <p:cNvPr id="6" name="Immagine 5">
+            <a:extLst>
+              <a:ext uri="{FF2B5EF4-FFF2-40B4-BE49-F238E27FC236}">
+                <a16:creationId xmlns:a16="http://schemas.microsoft.com/office/drawing/2014/main" id="{34E6269D-AA7B-4BF2-9CDB-D2F5826A00E6}"/>
+              </a:ext>
+            </a:extLst>
+          </p:cNvPr>
+          <p:cNvPicPr>
+            <a:picLocks noChangeAspect="1"/>
+          </p:cNvPicPr>
+          <p:nvPr/>
+        </p:nvPicPr>
+        <p:blipFill>
+          <a:blip r:embed="rId2"/>
+          <a:stretch>
+            <a:fillRect/>
+          </a:stretch>
+        </p:blipFill>
+        <p:spPr>
+          <a:xfrm>
+            <a:off x="25273" y="36513"/>
+            <a:ext cx="1000265" cy="6857999"/>
+          </a:xfrm>
+          <a:prstGeom prst="rect">
+            <a:avLst/>
+          </a:prstGeom>
+        </p:spPr>
+      </p:pic>
+      <p:sp>
+        <p:nvSpPr>
+          <p:cNvPr id="13" name="Ovale 12">
+            <a:extLst>
+              <a:ext uri="{FF2B5EF4-FFF2-40B4-BE49-F238E27FC236}">
+                <a16:creationId xmlns:a16="http://schemas.microsoft.com/office/drawing/2014/main" id="{561EB7DC-28DB-4BE1-9152-D0201F3020AE}"/>
+              </a:ext>
+            </a:extLst>
+          </p:cNvPr>
+          <p:cNvSpPr/>
+          <p:nvPr/>
+        </p:nvSpPr>
+        <p:spPr>
+          <a:xfrm>
+            <a:off x="815723" y="5753502"/>
+            <a:ext cx="828000" cy="828000"/>
+          </a:xfrm>
+          <a:prstGeom prst="ellipse">
+            <a:avLst/>
+          </a:prstGeom>
+          <a:solidFill>
+            <a:schemeClr val="tx1"/>
+          </a:solidFill>
+          <a:ln>
+            <a:noFill/>
+          </a:ln>
+        </p:spPr>
+        <p:style>
+          <a:lnRef idx="2">
+            <a:schemeClr val="accent1">
+              <a:shade val="50000"/>
+            </a:schemeClr>
+          </a:lnRef>
+          <a:fillRef idx="1">
+            <a:schemeClr val="accent1"/>
+          </a:fillRef>
+          <a:effectRef idx="0">
+            <a:schemeClr val="accent1"/>
+          </a:effectRef>
+          <a:fontRef idx="minor">
+            <a:schemeClr val="lt1"/>
+          </a:fontRef>
+        </p:style>
+        <p:txBody>
+          <a:bodyPr rtlCol="0" anchor="ctr"/>
+          <a:lstStyle/>
+          <a:p>
+            <a:pPr algn="ctr"/>
+            <a:endParaRPr lang="it-IT" b="1"/>
+          </a:p>
+        </p:txBody>
+      </p:sp>
+      <p:pic>
+        <p:nvPicPr>
+          <p:cNvPr id="3" name="Elemento grafico 2" descr="Idrante antincendio rotto con riempimento a tinta unita">
+            <a:extLst>
+              <a:ext uri="{FF2B5EF4-FFF2-40B4-BE49-F238E27FC236}">
+                <a16:creationId xmlns:a16="http://schemas.microsoft.com/office/drawing/2014/main" id="{E3606FC0-F891-4ED0-8CB2-E32D0784998D}"/>
+              </a:ext>
+            </a:extLst>
+          </p:cNvPr>
+          <p:cNvPicPr>
+            <a:picLocks noChangeAspect="1"/>
+          </p:cNvPicPr>
+          <p:nvPr/>
+        </p:nvPicPr>
+        <p:blipFill>
+          <a:blip r:embed="rId3">
+            <a:extLst>
+              <a:ext uri="{96DAC541-7B7A-43D3-8B79-37D633B846F1}">
+                <asvg:svgBlip xmlns:asvg="http://schemas.microsoft.com/office/drawing/2016/SVG/main" r:embed="rId4"/>
+              </a:ext>
+            </a:extLst>
+          </a:blip>
           <a:srcRect/>
           <a:stretch/>
         </p:blipFill>
@@ -21452,7 +21436,7 @@
             <a:pPr rtl="0"/>
             <a:fld id="{6D22F896-40B5-4ADD-8801-0D06FADFA095}" type="slidenum">
               <a:rPr lang="it-IT" noProof="0" smtClean="0"/>
-              <a:t>6</a:t>
+              <a:t>7</a:t>
             </a:fld>
             <a:endParaRPr lang="it-IT" noProof="0" dirty="0"/>
           </a:p>
@@ -23668,15 +23652,6 @@
 </file>
 
 <file path=customXml/item2.xml><?xml version="1.0" encoding="utf-8"?>
-<?mso-contentType ?>
-<FormTemplates xmlns="http://schemas.microsoft.com/sharepoint/v3/contenttype/forms">
-  <Display>DocumentLibraryForm</Display>
-  <Edit>DocumentLibraryForm</Edit>
-  <New>DocumentLibraryForm</New>
-</FormTemplates>
-</file>
-
-<file path=customXml/item3.xml><?xml version="1.0" encoding="utf-8"?>
 <ct:contentTypeSchema xmlns:ct="http://schemas.microsoft.com/office/2006/metadata/contentType" xmlns:ma="http://schemas.microsoft.com/office/2006/metadata/properties/metaAttributes" ct:_="" ma:_="" ma:contentTypeName="Document" ma:contentTypeID="0x010100F6544C1E39CC704E9B655547C2A8EEA9" ma:contentTypeVersion="2" ma:contentTypeDescription="Create a new document." ma:contentTypeScope="" ma:versionID="3fe2086bbb13892a04151ef672109fb5">
   <xsd:schema xmlns:xsd="http://www.w3.org/2001/XMLSchema" xmlns:xs="http://www.w3.org/2001/XMLSchema" xmlns:p="http://schemas.microsoft.com/office/2006/metadata/properties" xmlns:ns3="b4ea0a96-3951-4160-baca-c74dadb8c17f" targetNamespace="http://schemas.microsoft.com/office/2006/metadata/properties" ma:root="true" ma:fieldsID="00c6c909f9b37d6c43d157d3aea4a463" ns3:_="">
     <xsd:import namespace="b4ea0a96-3951-4160-baca-c74dadb8c17f"/>
@@ -23808,31 +23783,32 @@
 </ct:contentTypeSchema>
 </file>
 
+<file path=customXml/item3.xml><?xml version="1.0" encoding="utf-8"?>
+<?mso-contentType ?>
+<FormTemplates xmlns="http://schemas.microsoft.com/sharepoint/v3/contenttype/forms">
+  <Display>DocumentLibraryForm</Display>
+  <Edit>DocumentLibraryForm</Edit>
+  <New>DocumentLibraryForm</New>
+</FormTemplates>
+</file>
+
 <file path=customXml/itemProps1.xml><?xml version="1.0" encoding="utf-8"?>
 <ds:datastoreItem xmlns:ds="http://schemas.openxmlformats.org/officeDocument/2006/customXml" ds:itemID="{D8463AF2-9ABC-4087-AAED-E5A30A3C4C54}">
   <ds:schemaRefs>
+    <ds:schemaRef ds:uri="http://schemas.microsoft.com/office/2006/documentManagement/types"/>
+    <ds:schemaRef ds:uri="http://schemas.microsoft.com/office/2006/metadata/properties"/>
+    <ds:schemaRef ds:uri="http://purl.org/dc/elements/1.1/"/>
+    <ds:schemaRef ds:uri="http://purl.org/dc/terms/"/>
+    <ds:schemaRef ds:uri="http://schemas.microsoft.com/office/infopath/2007/PartnerControls"/>
     <ds:schemaRef ds:uri="http://schemas.openxmlformats.org/package/2006/metadata/core-properties"/>
-    <ds:schemaRef ds:uri="http://schemas.microsoft.com/office/2006/documentManagement/types"/>
-    <ds:schemaRef ds:uri="http://purl.org/dc/elements/1.1/"/>
     <ds:schemaRef ds:uri="b4ea0a96-3951-4160-baca-c74dadb8c17f"/>
-    <ds:schemaRef ds:uri="http://schemas.microsoft.com/office/2006/metadata/properties"/>
     <ds:schemaRef ds:uri="http://www.w3.org/XML/1998/namespace"/>
     <ds:schemaRef ds:uri="http://purl.org/dc/dcmitype/"/>
-    <ds:schemaRef ds:uri="http://purl.org/dc/terms/"/>
-    <ds:schemaRef ds:uri="http://schemas.microsoft.com/office/infopath/2007/PartnerControls"/>
   </ds:schemaRefs>
 </ds:datastoreItem>
 </file>
 
 <file path=customXml/itemProps2.xml><?xml version="1.0" encoding="utf-8"?>
-<ds:datastoreItem xmlns:ds="http://schemas.openxmlformats.org/officeDocument/2006/customXml" ds:itemID="{3057252C-AA3B-4053-A64D-51B970623905}">
-  <ds:schemaRefs>
-    <ds:schemaRef ds:uri="http://schemas.microsoft.com/sharepoint/v3/contenttype/forms"/>
-  </ds:schemaRefs>
-</ds:datastoreItem>
-</file>
-
-<file path=customXml/itemProps3.xml><?xml version="1.0" encoding="utf-8"?>
 <ds:datastoreItem xmlns:ds="http://schemas.openxmlformats.org/officeDocument/2006/customXml" ds:itemID="{44ED1FCC-97A6-4B60-A765-2D292F04234A}">
   <ds:schemaRefs>
     <ds:schemaRef ds:uri="http://schemas.microsoft.com/office/2006/metadata/contentType"/>
@@ -23848,4 +23824,12 @@
     <ds:schemaRef ds:uri="http://schemas.microsoft.com/internal/obd"/>
   </ds:schemaRefs>
 </ds:datastoreItem>
+</file>
+
+<file path=customXml/itemProps3.xml><?xml version="1.0" encoding="utf-8"?>
+<ds:datastoreItem xmlns:ds="http://schemas.openxmlformats.org/officeDocument/2006/customXml" ds:itemID="{3057252C-AA3B-4053-A64D-51B970623905}">
+  <ds:schemaRefs>
+    <ds:schemaRef ds:uri="http://schemas.microsoft.com/sharepoint/v3/contenttype/forms"/>
+  </ds:schemaRefs>
+</ds:datastoreItem>
 </file>
--- a/Esercitazione_8/esercitazione8.pptx
+++ b/Esercitazione_8/esercitazione8.pptx
@@ -5,19 +5,18 @@
     <p:sldMasterId id="2147483687" r:id="rId4"/>
   </p:sldMasterIdLst>
   <p:notesMasterIdLst>
-    <p:notesMasterId r:id="rId12"/>
+    <p:notesMasterId r:id="rId11"/>
   </p:notesMasterIdLst>
   <p:handoutMasterIdLst>
-    <p:handoutMasterId r:id="rId13"/>
+    <p:handoutMasterId r:id="rId12"/>
   </p:handoutMasterIdLst>
   <p:sldIdLst>
     <p:sldId id="312" r:id="rId5"/>
     <p:sldId id="329" r:id="rId6"/>
-    <p:sldId id="325" r:id="rId7"/>
-    <p:sldId id="326" r:id="rId8"/>
-    <p:sldId id="327" r:id="rId9"/>
-    <p:sldId id="330" r:id="rId10"/>
-    <p:sldId id="331" r:id="rId11"/>
+    <p:sldId id="326" r:id="rId7"/>
+    <p:sldId id="327" r:id="rId8"/>
+    <p:sldId id="330" r:id="rId9"/>
+    <p:sldId id="331" r:id="rId10"/>
   </p:sldIdLst>
   <p:sldSz cx="12192000" cy="6858000"/>
   <p:notesSz cx="6858000" cy="9144000"/>
@@ -252,7 +251,7 @@
           <a:p>
             <a:fld id="{B55857BA-F4AF-4FDB-9BD7-33CC67AEAE19}" type="datetimeFigureOut">
               <a:rPr lang="it-IT" smtClean="0"/>
-              <a:t>06/12/2021</a:t>
+              <a:t>07/12/2021</a:t>
             </a:fld>
             <a:endParaRPr lang="it-IT"/>
           </a:p>
@@ -430,7 +429,7 @@
           <a:p>
             <a:fld id="{1FCC0C39-E717-4206-B48F-03024D75E04C}" type="datetimeFigureOut">
               <a:rPr lang="it-IT" noProof="0" smtClean="0"/>
-              <a:t>06/12/2021</a:t>
+              <a:t>07/12/2021</a:t>
             </a:fld>
             <a:endParaRPr lang="it-IT" noProof="0"/>
           </a:p>
@@ -748,7 +747,7 @@
           <a:noFill/>
           <a:extLst>
             <a:ext uri="{909E8E84-426E-40dd-AFC4-6F175D3DCCD1}">
-              <a14:hiddenFill xmlns:a14="http://schemas.microsoft.com/office/drawing/2010/main" xmlns="">
+              <a14:hiddenFill xmlns="" xmlns:a14="http://schemas.microsoft.com/office/drawing/2010/main">
                 <a:solidFill>
                   <a:srgbClr val="FFFFFF"/>
                 </a:solidFill>
@@ -808,7 +807,7 @@
             </a:ln>
             <a:extLst>
               <a:ext uri="{91240B29-F687-4f45-9708-019B960494DF}">
-                <a14:hiddenLine xmlns:a14="http://schemas.microsoft.com/office/drawing/2010/main" xmlns="" w="9525">
+                <a14:hiddenLine xmlns="" xmlns:a14="http://schemas.microsoft.com/office/drawing/2010/main" w="9525">
                   <a:solidFill>
                     <a:srgbClr val="000000"/>
                   </a:solidFill>
@@ -898,7 +897,7 @@
             </a:ln>
             <a:extLst>
               <a:ext uri="{91240B29-F687-4f45-9708-019B960494DF}">
-                <a14:hiddenLine xmlns:a14="http://schemas.microsoft.com/office/drawing/2010/main" xmlns="" w="9525">
+                <a14:hiddenLine xmlns="" xmlns:a14="http://schemas.microsoft.com/office/drawing/2010/main" w="9525">
                   <a:solidFill>
                     <a:srgbClr val="000000"/>
                   </a:solidFill>
@@ -988,7 +987,7 @@
             </a:ln>
             <a:extLst>
               <a:ext uri="{91240B29-F687-4f45-9708-019B960494DF}">
-                <a14:hiddenLine xmlns:a14="http://schemas.microsoft.com/office/drawing/2010/main" xmlns="" w="9525">
+                <a14:hiddenLine xmlns="" xmlns:a14="http://schemas.microsoft.com/office/drawing/2010/main" w="9525">
                   <a:solidFill>
                     <a:srgbClr val="000000"/>
                   </a:solidFill>
@@ -1022,7 +1021,7 @@
             </a:ln>
             <a:extLst>
               <a:ext uri="{91240B29-F687-4f45-9708-019B960494DF}">
-                <a14:hiddenLine xmlns:a14="http://schemas.microsoft.com/office/drawing/2010/main" xmlns="" w="9525">
+                <a14:hiddenLine xmlns="" xmlns:a14="http://schemas.microsoft.com/office/drawing/2010/main" w="9525">
                   <a:solidFill>
                     <a:srgbClr val="000000"/>
                   </a:solidFill>
@@ -1112,7 +1111,7 @@
             </a:ln>
             <a:extLst>
               <a:ext uri="{91240B29-F687-4f45-9708-019B960494DF}">
-                <a14:hiddenLine xmlns:a14="http://schemas.microsoft.com/office/drawing/2010/main" xmlns="" w="9525">
+                <a14:hiddenLine xmlns="" xmlns:a14="http://schemas.microsoft.com/office/drawing/2010/main" w="9525">
                   <a:solidFill>
                     <a:srgbClr val="000000"/>
                   </a:solidFill>
@@ -1174,7 +1173,7 @@
             </a:ln>
             <a:extLst>
               <a:ext uri="{91240B29-F687-4f45-9708-019B960494DF}">
-                <a14:hiddenLine xmlns:a14="http://schemas.microsoft.com/office/drawing/2010/main" xmlns="" w="9525">
+                <a14:hiddenLine xmlns="" xmlns:a14="http://schemas.microsoft.com/office/drawing/2010/main" w="9525">
                   <a:solidFill>
                     <a:srgbClr val="000000"/>
                   </a:solidFill>
@@ -1236,7 +1235,7 @@
             </a:ln>
             <a:extLst>
               <a:ext uri="{91240B29-F687-4f45-9708-019B960494DF}">
-                <a14:hiddenLine xmlns:a14="http://schemas.microsoft.com/office/drawing/2010/main" xmlns="" w="9525">
+                <a14:hiddenLine xmlns="" xmlns:a14="http://schemas.microsoft.com/office/drawing/2010/main" w="9525">
                   <a:solidFill>
                     <a:srgbClr val="000000"/>
                   </a:solidFill>
@@ -1326,7 +1325,7 @@
             </a:ln>
             <a:extLst>
               <a:ext uri="{91240B29-F687-4f45-9708-019B960494DF}">
-                <a14:hiddenLine xmlns:a14="http://schemas.microsoft.com/office/drawing/2010/main" xmlns="" w="9525">
+                <a14:hiddenLine xmlns="" xmlns:a14="http://schemas.microsoft.com/office/drawing/2010/main" w="9525">
                   <a:solidFill>
                     <a:srgbClr val="000000"/>
                   </a:solidFill>
@@ -1388,7 +1387,7 @@
             </a:ln>
             <a:extLst>
               <a:ext uri="{91240B29-F687-4f45-9708-019B960494DF}">
-                <a14:hiddenLine xmlns:a14="http://schemas.microsoft.com/office/drawing/2010/main" xmlns="" w="9525">
+                <a14:hiddenLine xmlns="" xmlns:a14="http://schemas.microsoft.com/office/drawing/2010/main" w="9525">
                   <a:solidFill>
                     <a:srgbClr val="000000"/>
                   </a:solidFill>
@@ -1450,7 +1449,7 @@
             </a:ln>
             <a:extLst>
               <a:ext uri="{91240B29-F687-4f45-9708-019B960494DF}">
-                <a14:hiddenLine xmlns:a14="http://schemas.microsoft.com/office/drawing/2010/main" xmlns="" w="9525">
+                <a14:hiddenLine xmlns="" xmlns:a14="http://schemas.microsoft.com/office/drawing/2010/main" w="9525">
                   <a:solidFill>
                     <a:srgbClr val="000000"/>
                   </a:solidFill>
@@ -1540,7 +1539,7 @@
             </a:ln>
             <a:extLst>
               <a:ext uri="{91240B29-F687-4f45-9708-019B960494DF}">
-                <a14:hiddenLine xmlns:a14="http://schemas.microsoft.com/office/drawing/2010/main" xmlns="" w="9525">
+                <a14:hiddenLine xmlns="" xmlns:a14="http://schemas.microsoft.com/office/drawing/2010/main" w="9525">
                   <a:solidFill>
                     <a:srgbClr val="000000"/>
                   </a:solidFill>
@@ -1630,7 +1629,7 @@
             </a:ln>
             <a:extLst>
               <a:ext uri="{91240B29-F687-4f45-9708-019B960494DF}">
-                <a14:hiddenLine xmlns:a14="http://schemas.microsoft.com/office/drawing/2010/main" xmlns="" w="9525">
+                <a14:hiddenLine xmlns="" xmlns:a14="http://schemas.microsoft.com/office/drawing/2010/main" w="9525">
                   <a:solidFill>
                     <a:srgbClr val="000000"/>
                   </a:solidFill>
@@ -1692,7 +1691,7 @@
             </a:ln>
             <a:extLst>
               <a:ext uri="{91240B29-F687-4f45-9708-019B960494DF}">
-                <a14:hiddenLine xmlns:a14="http://schemas.microsoft.com/office/drawing/2010/main" xmlns="" w="9525">
+                <a14:hiddenLine xmlns="" xmlns:a14="http://schemas.microsoft.com/office/drawing/2010/main" w="9525">
                   <a:solidFill>
                     <a:srgbClr val="000000"/>
                   </a:solidFill>
@@ -1802,7 +1801,7 @@
             </a:ln>
             <a:extLst>
               <a:ext uri="{91240B29-F687-4f45-9708-019B960494DF}">
-                <a14:hiddenLine xmlns:a14="http://schemas.microsoft.com/office/drawing/2010/main" xmlns="" w="9525">
+                <a14:hiddenLine xmlns="" xmlns:a14="http://schemas.microsoft.com/office/drawing/2010/main" w="9525">
                   <a:solidFill>
                     <a:srgbClr val="000000"/>
                   </a:solidFill>
@@ -1864,7 +1863,7 @@
             </a:ln>
             <a:extLst>
               <a:ext uri="{91240B29-F687-4f45-9708-019B960494DF}">
-                <a14:hiddenLine xmlns:a14="http://schemas.microsoft.com/office/drawing/2010/main" xmlns="" w="9525">
+                <a14:hiddenLine xmlns="" xmlns:a14="http://schemas.microsoft.com/office/drawing/2010/main" w="9525">
                   <a:solidFill>
                     <a:srgbClr val="000000"/>
                   </a:solidFill>
@@ -1954,7 +1953,7 @@
             </a:ln>
             <a:extLst>
               <a:ext uri="{91240B29-F687-4f45-9708-019B960494DF}">
-                <a14:hiddenLine xmlns:a14="http://schemas.microsoft.com/office/drawing/2010/main" xmlns="" w="9525">
+                <a14:hiddenLine xmlns="" xmlns:a14="http://schemas.microsoft.com/office/drawing/2010/main" w="9525">
                   <a:solidFill>
                     <a:srgbClr val="000000"/>
                   </a:solidFill>
@@ -2044,7 +2043,7 @@
             </a:ln>
             <a:extLst>
               <a:ext uri="{91240B29-F687-4f45-9708-019B960494DF}">
-                <a14:hiddenLine xmlns:a14="http://schemas.microsoft.com/office/drawing/2010/main" xmlns="" w="9525">
+                <a14:hiddenLine xmlns="" xmlns:a14="http://schemas.microsoft.com/office/drawing/2010/main" w="9525">
                   <a:solidFill>
                     <a:srgbClr val="000000"/>
                   </a:solidFill>
@@ -2106,7 +2105,7 @@
             </a:ln>
             <a:extLst>
               <a:ext uri="{91240B29-F687-4f45-9708-019B960494DF}">
-                <a14:hiddenLine xmlns:a14="http://schemas.microsoft.com/office/drawing/2010/main" xmlns="" w="9525">
+                <a14:hiddenLine xmlns="" xmlns:a14="http://schemas.microsoft.com/office/drawing/2010/main" w="9525">
                   <a:solidFill>
                     <a:srgbClr val="000000"/>
                   </a:solidFill>
@@ -2196,7 +2195,7 @@
             </a:ln>
             <a:extLst>
               <a:ext uri="{91240B29-F687-4f45-9708-019B960494DF}">
-                <a14:hiddenLine xmlns:a14="http://schemas.microsoft.com/office/drawing/2010/main" xmlns="" w="9525">
+                <a14:hiddenLine xmlns="" xmlns:a14="http://schemas.microsoft.com/office/drawing/2010/main" w="9525">
                   <a:solidFill>
                     <a:srgbClr val="000000"/>
                   </a:solidFill>
@@ -2286,7 +2285,7 @@
             </a:ln>
             <a:extLst>
               <a:ext uri="{91240B29-F687-4f45-9708-019B960494DF}">
-                <a14:hiddenLine xmlns:a14="http://schemas.microsoft.com/office/drawing/2010/main" xmlns="" w="9525">
+                <a14:hiddenLine xmlns="" xmlns:a14="http://schemas.microsoft.com/office/drawing/2010/main" w="9525">
                   <a:solidFill>
                     <a:srgbClr val="000000"/>
                   </a:solidFill>
@@ -2342,7 +2341,7 @@
             </a:ln>
             <a:extLst>
               <a:ext uri="{91240B29-F687-4f45-9708-019B960494DF}">
-                <a14:hiddenLine xmlns:a14="http://schemas.microsoft.com/office/drawing/2010/main" xmlns="" w="9525">
+                <a14:hiddenLine xmlns="" xmlns:a14="http://schemas.microsoft.com/office/drawing/2010/main" w="9525">
                   <a:solidFill>
                     <a:srgbClr val="000000"/>
                   </a:solidFill>
@@ -2432,7 +2431,7 @@
             </a:ln>
             <a:extLst>
               <a:ext uri="{91240B29-F687-4f45-9708-019B960494DF}">
-                <a14:hiddenLine xmlns:a14="http://schemas.microsoft.com/office/drawing/2010/main" xmlns="" w="9525">
+                <a14:hiddenLine xmlns="" xmlns:a14="http://schemas.microsoft.com/office/drawing/2010/main" w="9525">
                   <a:solidFill>
                     <a:srgbClr val="000000"/>
                   </a:solidFill>
@@ -2488,7 +2487,7 @@
             </a:ln>
             <a:extLst>
               <a:ext uri="{91240B29-F687-4f45-9708-019B960494DF}">
-                <a14:hiddenLine xmlns:a14="http://schemas.microsoft.com/office/drawing/2010/main" xmlns="" w="9525">
+                <a14:hiddenLine xmlns="" xmlns:a14="http://schemas.microsoft.com/office/drawing/2010/main" w="9525">
                   <a:solidFill>
                     <a:srgbClr val="000000"/>
                   </a:solidFill>
@@ -2578,7 +2577,7 @@
             </a:ln>
             <a:extLst>
               <a:ext uri="{91240B29-F687-4f45-9708-019B960494DF}">
-                <a14:hiddenLine xmlns:a14="http://schemas.microsoft.com/office/drawing/2010/main" xmlns="" w="9525">
+                <a14:hiddenLine xmlns="" xmlns:a14="http://schemas.microsoft.com/office/drawing/2010/main" w="9525">
                   <a:solidFill>
                     <a:srgbClr val="000000"/>
                   </a:solidFill>
@@ -2646,7 +2645,7 @@
             </a:ln>
             <a:extLst>
               <a:ext uri="{91240B29-F687-4f45-9708-019B960494DF}">
-                <a14:hiddenLine xmlns:a14="http://schemas.microsoft.com/office/drawing/2010/main" xmlns="" w="9525">
+                <a14:hiddenLine xmlns="" xmlns:a14="http://schemas.microsoft.com/office/drawing/2010/main" w="9525">
                   <a:solidFill>
                     <a:srgbClr val="000000"/>
                   </a:solidFill>
@@ -2736,7 +2735,7 @@
             </a:ln>
             <a:extLst>
               <a:ext uri="{91240B29-F687-4f45-9708-019B960494DF}">
-                <a14:hiddenLine xmlns:a14="http://schemas.microsoft.com/office/drawing/2010/main" xmlns="" w="9525">
+                <a14:hiddenLine xmlns="" xmlns:a14="http://schemas.microsoft.com/office/drawing/2010/main" w="9525">
                   <a:solidFill>
                     <a:srgbClr val="000000"/>
                   </a:solidFill>
@@ -2804,7 +2803,7 @@
             </a:ln>
             <a:extLst>
               <a:ext uri="{91240B29-F687-4f45-9708-019B960494DF}">
-                <a14:hiddenLine xmlns:a14="http://schemas.microsoft.com/office/drawing/2010/main" xmlns="" w="9525">
+                <a14:hiddenLine xmlns="" xmlns:a14="http://schemas.microsoft.com/office/drawing/2010/main" w="9525">
                   <a:solidFill>
                     <a:srgbClr val="000000"/>
                   </a:solidFill>
@@ -2894,7 +2893,7 @@
             </a:ln>
             <a:extLst>
               <a:ext uri="{91240B29-F687-4f45-9708-019B960494DF}">
-                <a14:hiddenLine xmlns:a14="http://schemas.microsoft.com/office/drawing/2010/main" xmlns="" w="9525">
+                <a14:hiddenLine xmlns="" xmlns:a14="http://schemas.microsoft.com/office/drawing/2010/main" w="9525">
                   <a:solidFill>
                     <a:srgbClr val="000000"/>
                   </a:solidFill>
@@ -2928,7 +2927,7 @@
             </a:ln>
             <a:extLst>
               <a:ext uri="{91240B29-F687-4f45-9708-019B960494DF}">
-                <a14:hiddenLine xmlns:a14="http://schemas.microsoft.com/office/drawing/2010/main" xmlns="" w="9525">
+                <a14:hiddenLine xmlns="" xmlns:a14="http://schemas.microsoft.com/office/drawing/2010/main" w="9525">
                   <a:solidFill>
                     <a:srgbClr val="000000"/>
                   </a:solidFill>
@@ -3018,7 +3017,7 @@
             </a:ln>
             <a:extLst>
               <a:ext uri="{91240B29-F687-4f45-9708-019B960494DF}">
-                <a14:hiddenLine xmlns:a14="http://schemas.microsoft.com/office/drawing/2010/main" xmlns="" w="9525">
+                <a14:hiddenLine xmlns="" xmlns:a14="http://schemas.microsoft.com/office/drawing/2010/main" w="9525">
                   <a:solidFill>
                     <a:srgbClr val="000000"/>
                   </a:solidFill>
@@ -3080,7 +3079,7 @@
             </a:ln>
             <a:extLst>
               <a:ext uri="{91240B29-F687-4f45-9708-019B960494DF}">
-                <a14:hiddenLine xmlns:a14="http://schemas.microsoft.com/office/drawing/2010/main" xmlns="" w="9525">
+                <a14:hiddenLine xmlns="" xmlns:a14="http://schemas.microsoft.com/office/drawing/2010/main" w="9525">
                   <a:solidFill>
                     <a:srgbClr val="000000"/>
                   </a:solidFill>
@@ -3142,7 +3141,7 @@
             </a:ln>
             <a:extLst>
               <a:ext uri="{91240B29-F687-4f45-9708-019B960494DF}">
-                <a14:hiddenLine xmlns:a14="http://schemas.microsoft.com/office/drawing/2010/main" xmlns="" w="9525">
+                <a14:hiddenLine xmlns="" xmlns:a14="http://schemas.microsoft.com/office/drawing/2010/main" w="9525">
                   <a:solidFill>
                     <a:srgbClr val="000000"/>
                   </a:solidFill>
@@ -3232,7 +3231,7 @@
             </a:ln>
             <a:extLst>
               <a:ext uri="{91240B29-F687-4f45-9708-019B960494DF}">
-                <a14:hiddenLine xmlns:a14="http://schemas.microsoft.com/office/drawing/2010/main" xmlns="" w="9525">
+                <a14:hiddenLine xmlns="" xmlns:a14="http://schemas.microsoft.com/office/drawing/2010/main" w="9525">
                   <a:solidFill>
                     <a:srgbClr val="000000"/>
                   </a:solidFill>
@@ -3300,7 +3299,7 @@
             </a:ln>
             <a:extLst>
               <a:ext uri="{91240B29-F687-4f45-9708-019B960494DF}">
-                <a14:hiddenLine xmlns:a14="http://schemas.microsoft.com/office/drawing/2010/main" xmlns="" w="9525">
+                <a14:hiddenLine xmlns="" xmlns:a14="http://schemas.microsoft.com/office/drawing/2010/main" w="9525">
                   <a:solidFill>
                     <a:srgbClr val="000000"/>
                   </a:solidFill>
@@ -3362,7 +3361,7 @@
             </a:ln>
             <a:extLst>
               <a:ext uri="{91240B29-F687-4f45-9708-019B960494DF}">
-                <a14:hiddenLine xmlns:a14="http://schemas.microsoft.com/office/drawing/2010/main" xmlns="" w="9525">
+                <a14:hiddenLine xmlns="" xmlns:a14="http://schemas.microsoft.com/office/drawing/2010/main" w="9525">
                   <a:solidFill>
                     <a:srgbClr val="000000"/>
                   </a:solidFill>
@@ -3452,7 +3451,7 @@
             </a:ln>
             <a:extLst>
               <a:ext uri="{91240B29-F687-4f45-9708-019B960494DF}">
-                <a14:hiddenLine xmlns:a14="http://schemas.microsoft.com/office/drawing/2010/main" xmlns="" w="9525">
+                <a14:hiddenLine xmlns="" xmlns:a14="http://schemas.microsoft.com/office/drawing/2010/main" w="9525">
                   <a:solidFill>
                     <a:srgbClr val="000000"/>
                   </a:solidFill>
@@ -3514,7 +3513,7 @@
             </a:ln>
             <a:extLst>
               <a:ext uri="{91240B29-F687-4f45-9708-019B960494DF}">
-                <a14:hiddenLine xmlns:a14="http://schemas.microsoft.com/office/drawing/2010/main" xmlns="" w="9525">
+                <a14:hiddenLine xmlns="" xmlns:a14="http://schemas.microsoft.com/office/drawing/2010/main" w="9525">
                   <a:solidFill>
                     <a:srgbClr val="000000"/>
                   </a:solidFill>
@@ -3604,7 +3603,7 @@
             </a:ln>
             <a:extLst>
               <a:ext uri="{91240B29-F687-4f45-9708-019B960494DF}">
-                <a14:hiddenLine xmlns:a14="http://schemas.microsoft.com/office/drawing/2010/main" xmlns="" w="9525">
+                <a14:hiddenLine xmlns="" xmlns:a14="http://schemas.microsoft.com/office/drawing/2010/main" w="9525">
                   <a:solidFill>
                     <a:srgbClr val="000000"/>
                   </a:solidFill>
@@ -3666,7 +3665,7 @@
             </a:ln>
             <a:extLst>
               <a:ext uri="{91240B29-F687-4f45-9708-019B960494DF}">
-                <a14:hiddenLine xmlns:a14="http://schemas.microsoft.com/office/drawing/2010/main" xmlns="" w="9525">
+                <a14:hiddenLine xmlns="" xmlns:a14="http://schemas.microsoft.com/office/drawing/2010/main" w="9525">
                   <a:solidFill>
                     <a:srgbClr val="000000"/>
                   </a:solidFill>
@@ -3756,7 +3755,7 @@
             </a:ln>
             <a:extLst>
               <a:ext uri="{91240B29-F687-4f45-9708-019B960494DF}">
-                <a14:hiddenLine xmlns:a14="http://schemas.microsoft.com/office/drawing/2010/main" xmlns="" w="9525">
+                <a14:hiddenLine xmlns="" xmlns:a14="http://schemas.microsoft.com/office/drawing/2010/main" w="9525">
                   <a:solidFill>
                     <a:srgbClr val="000000"/>
                   </a:solidFill>
@@ -3790,7 +3789,7 @@
             </a:ln>
             <a:extLst>
               <a:ext uri="{91240B29-F687-4f45-9708-019B960494DF}">
-                <a14:hiddenLine xmlns:a14="http://schemas.microsoft.com/office/drawing/2010/main" xmlns="" w="9525">
+                <a14:hiddenLine xmlns="" xmlns:a14="http://schemas.microsoft.com/office/drawing/2010/main" w="9525">
                   <a:solidFill>
                     <a:srgbClr val="000000"/>
                   </a:solidFill>
@@ -3855,7 +3854,7 @@
             </a:ln>
             <a:extLst>
               <a:ext uri="{91240B29-F687-4f45-9708-019B960494DF}">
-                <a14:hiddenLine xmlns:a14="http://schemas.microsoft.com/office/drawing/2010/main" xmlns="" w="9525">
+                <a14:hiddenLine xmlns="" xmlns:a14="http://schemas.microsoft.com/office/drawing/2010/main" w="9525">
                   <a:solidFill>
                     <a:srgbClr val="000000"/>
                   </a:solidFill>
@@ -3945,7 +3944,7 @@
             </a:ln>
             <a:extLst>
               <a:ext uri="{91240B29-F687-4f45-9708-019B960494DF}">
-                <a14:hiddenLine xmlns:a14="http://schemas.microsoft.com/office/drawing/2010/main" xmlns="" w="9525">
+                <a14:hiddenLine xmlns="" xmlns:a14="http://schemas.microsoft.com/office/drawing/2010/main" w="9525">
                   <a:solidFill>
                     <a:srgbClr val="000000"/>
                   </a:solidFill>
@@ -4007,7 +4006,7 @@
             </a:ln>
             <a:extLst>
               <a:ext uri="{91240B29-F687-4f45-9708-019B960494DF}">
-                <a14:hiddenLine xmlns:a14="http://schemas.microsoft.com/office/drawing/2010/main" xmlns="" w="9525">
+                <a14:hiddenLine xmlns="" xmlns:a14="http://schemas.microsoft.com/office/drawing/2010/main" w="9525">
                   <a:solidFill>
                     <a:srgbClr val="000000"/>
                   </a:solidFill>
@@ -4097,7 +4096,7 @@
             </a:ln>
             <a:extLst>
               <a:ext uri="{91240B29-F687-4f45-9708-019B960494DF}">
-                <a14:hiddenLine xmlns:a14="http://schemas.microsoft.com/office/drawing/2010/main" xmlns="" w="9525">
+                <a14:hiddenLine xmlns="" xmlns:a14="http://schemas.microsoft.com/office/drawing/2010/main" w="9525">
                   <a:solidFill>
                     <a:srgbClr val="000000"/>
                   </a:solidFill>
@@ -4187,7 +4186,7 @@
             </a:ln>
             <a:extLst>
               <a:ext uri="{91240B29-F687-4f45-9708-019B960494DF}">
-                <a14:hiddenLine xmlns:a14="http://schemas.microsoft.com/office/drawing/2010/main" xmlns="" w="9525">
+                <a14:hiddenLine xmlns="" xmlns:a14="http://schemas.microsoft.com/office/drawing/2010/main" w="9525">
                   <a:solidFill>
                     <a:srgbClr val="000000"/>
                   </a:solidFill>
@@ -4252,7 +4251,7 @@
             </a:ln>
             <a:extLst>
               <a:ext uri="{91240B29-F687-4f45-9708-019B960494DF}">
-                <a14:hiddenLine xmlns:a14="http://schemas.microsoft.com/office/drawing/2010/main" xmlns="" w="9525">
+                <a14:hiddenLine xmlns="" xmlns:a14="http://schemas.microsoft.com/office/drawing/2010/main" w="9525">
                   <a:solidFill>
                     <a:srgbClr val="000000"/>
                   </a:solidFill>
@@ -4314,7 +4313,7 @@
             </a:ln>
             <a:extLst>
               <a:ext uri="{91240B29-F687-4f45-9708-019B960494DF}">
-                <a14:hiddenLine xmlns:a14="http://schemas.microsoft.com/office/drawing/2010/main" xmlns="" w="9525">
+                <a14:hiddenLine xmlns="" xmlns:a14="http://schemas.microsoft.com/office/drawing/2010/main" w="9525">
                   <a:solidFill>
                     <a:srgbClr val="000000"/>
                   </a:solidFill>
@@ -4404,7 +4403,7 @@
             </a:ln>
             <a:extLst>
               <a:ext uri="{91240B29-F687-4f45-9708-019B960494DF}">
-                <a14:hiddenLine xmlns:a14="http://schemas.microsoft.com/office/drawing/2010/main" xmlns="" w="9525">
+                <a14:hiddenLine xmlns="" xmlns:a14="http://schemas.microsoft.com/office/drawing/2010/main" w="9525">
                   <a:solidFill>
                     <a:srgbClr val="000000"/>
                   </a:solidFill>
@@ -4494,7 +4493,7 @@
             </a:ln>
             <a:extLst>
               <a:ext uri="{91240B29-F687-4f45-9708-019B960494DF}">
-                <a14:hiddenLine xmlns:a14="http://schemas.microsoft.com/office/drawing/2010/main" xmlns="" w="9525">
+                <a14:hiddenLine xmlns="" xmlns:a14="http://schemas.microsoft.com/office/drawing/2010/main" w="9525">
                   <a:solidFill>
                     <a:srgbClr val="000000"/>
                   </a:solidFill>
@@ -4556,7 +4555,7 @@
             </a:ln>
             <a:extLst>
               <a:ext uri="{91240B29-F687-4f45-9708-019B960494DF}">
-                <a14:hiddenLine xmlns:a14="http://schemas.microsoft.com/office/drawing/2010/main" xmlns="" w="9525">
+                <a14:hiddenLine xmlns="" xmlns:a14="http://schemas.microsoft.com/office/drawing/2010/main" w="9525">
                   <a:solidFill>
                     <a:srgbClr val="000000"/>
                   </a:solidFill>
@@ -4676,7 +4675,7 @@
             </a:ln>
             <a:extLst>
               <a:ext uri="{91240B29-F687-4f45-9708-019B960494DF}">
-                <a14:hiddenLine xmlns:a14="http://schemas.microsoft.com/office/drawing/2010/main" xmlns="" w="9525">
+                <a14:hiddenLine xmlns="" xmlns:a14="http://schemas.microsoft.com/office/drawing/2010/main" w="9525">
                   <a:solidFill>
                     <a:srgbClr val="000000"/>
                   </a:solidFill>
@@ -4744,7 +4743,7 @@
             </a:ln>
             <a:extLst>
               <a:ext uri="{91240B29-F687-4f45-9708-019B960494DF}">
-                <a14:hiddenLine xmlns:a14="http://schemas.microsoft.com/office/drawing/2010/main" xmlns="" w="9525">
+                <a14:hiddenLine xmlns="" xmlns:a14="http://schemas.microsoft.com/office/drawing/2010/main" w="9525">
                   <a:solidFill>
                     <a:srgbClr val="000000"/>
                   </a:solidFill>
@@ -4834,7 +4833,7 @@
             </a:ln>
             <a:extLst>
               <a:ext uri="{91240B29-F687-4f45-9708-019B960494DF}">
-                <a14:hiddenLine xmlns:a14="http://schemas.microsoft.com/office/drawing/2010/main" xmlns="" w="9525">
+                <a14:hiddenLine xmlns="" xmlns:a14="http://schemas.microsoft.com/office/drawing/2010/main" w="9525">
                   <a:solidFill>
                     <a:srgbClr val="000000"/>
                   </a:solidFill>
@@ -9739,7 +9738,7 @@
           <a:noFill/>
           <a:extLst>
             <a:ext uri="{909E8E84-426E-40dd-AFC4-6F175D3DCCD1}">
-              <a14:hiddenFill xmlns:a14="http://schemas.microsoft.com/office/drawing/2010/main" xmlns="">
+              <a14:hiddenFill xmlns="" xmlns:a14="http://schemas.microsoft.com/office/drawing/2010/main">
                 <a:solidFill>
                   <a:srgbClr val="FFFFFF"/>
                 </a:solidFill>
@@ -9813,7 +9812,7 @@
               </a:ln>
               <a:extLst>
                 <a:ext uri="{91240B29-F687-4f45-9708-019B960494DF}">
-                  <a14:hiddenLine xmlns:a14="http://schemas.microsoft.com/office/drawing/2010/main" xmlns="" w="9525">
+                  <a14:hiddenLine xmlns="" xmlns:a14="http://schemas.microsoft.com/office/drawing/2010/main" w="9525">
                     <a:solidFill>
                       <a:srgbClr val="000000"/>
                     </a:solidFill>
@@ -9903,7 +9902,7 @@
               </a:ln>
               <a:extLst>
                 <a:ext uri="{91240B29-F687-4f45-9708-019B960494DF}">
-                  <a14:hiddenLine xmlns:a14="http://schemas.microsoft.com/office/drawing/2010/main" xmlns="" w="9525">
+                  <a14:hiddenLine xmlns="" xmlns:a14="http://schemas.microsoft.com/office/drawing/2010/main" w="9525">
                     <a:solidFill>
                       <a:srgbClr val="000000"/>
                     </a:solidFill>
@@ -9993,7 +9992,7 @@
               </a:ln>
               <a:extLst>
                 <a:ext uri="{91240B29-F687-4f45-9708-019B960494DF}">
-                  <a14:hiddenLine xmlns:a14="http://schemas.microsoft.com/office/drawing/2010/main" xmlns="" w="9525">
+                  <a14:hiddenLine xmlns="" xmlns:a14="http://schemas.microsoft.com/office/drawing/2010/main" w="9525">
                     <a:solidFill>
                       <a:srgbClr val="000000"/>
                     </a:solidFill>
@@ -10055,7 +10054,7 @@
               </a:ln>
               <a:extLst>
                 <a:ext uri="{91240B29-F687-4f45-9708-019B960494DF}">
-                  <a14:hiddenLine xmlns:a14="http://schemas.microsoft.com/office/drawing/2010/main" xmlns="" w="9525">
+                  <a14:hiddenLine xmlns="" xmlns:a14="http://schemas.microsoft.com/office/drawing/2010/main" w="9525">
                     <a:solidFill>
                       <a:srgbClr val="000000"/>
                     </a:solidFill>
@@ -10145,7 +10144,7 @@
               </a:ln>
               <a:extLst>
                 <a:ext uri="{91240B29-F687-4f45-9708-019B960494DF}">
-                  <a14:hiddenLine xmlns:a14="http://schemas.microsoft.com/office/drawing/2010/main" xmlns="" w="9525">
+                  <a14:hiddenLine xmlns="" xmlns:a14="http://schemas.microsoft.com/office/drawing/2010/main" w="9525">
                     <a:solidFill>
                       <a:srgbClr val="000000"/>
                     </a:solidFill>
@@ -10207,7 +10206,7 @@
               </a:ln>
               <a:extLst>
                 <a:ext uri="{91240B29-F687-4f45-9708-019B960494DF}">
-                  <a14:hiddenLine xmlns:a14="http://schemas.microsoft.com/office/drawing/2010/main" xmlns="" w="9525">
+                  <a14:hiddenLine xmlns="" xmlns:a14="http://schemas.microsoft.com/office/drawing/2010/main" w="9525">
                     <a:solidFill>
                       <a:srgbClr val="000000"/>
                     </a:solidFill>
@@ -10269,7 +10268,7 @@
               </a:ln>
               <a:extLst>
                 <a:ext uri="{91240B29-F687-4f45-9708-019B960494DF}">
-                  <a14:hiddenLine xmlns:a14="http://schemas.microsoft.com/office/drawing/2010/main" xmlns="" w="9525">
+                  <a14:hiddenLine xmlns="" xmlns:a14="http://schemas.microsoft.com/office/drawing/2010/main" w="9525">
                     <a:solidFill>
                       <a:srgbClr val="000000"/>
                     </a:solidFill>
@@ -10359,7 +10358,7 @@
               </a:ln>
               <a:extLst>
                 <a:ext uri="{91240B29-F687-4f45-9708-019B960494DF}">
-                  <a14:hiddenLine xmlns:a14="http://schemas.microsoft.com/office/drawing/2010/main" xmlns="" w="9525">
+                  <a14:hiddenLine xmlns="" xmlns:a14="http://schemas.microsoft.com/office/drawing/2010/main" w="9525">
                     <a:solidFill>
                       <a:srgbClr val="000000"/>
                     </a:solidFill>
@@ -10449,7 +10448,7 @@
               </a:ln>
               <a:extLst>
                 <a:ext uri="{91240B29-F687-4f45-9708-019B960494DF}">
-                  <a14:hiddenLine xmlns:a14="http://schemas.microsoft.com/office/drawing/2010/main" xmlns="" w="9525">
+                  <a14:hiddenLine xmlns="" xmlns:a14="http://schemas.microsoft.com/office/drawing/2010/main" w="9525">
                     <a:solidFill>
                       <a:srgbClr val="000000"/>
                     </a:solidFill>
@@ -10511,7 +10510,7 @@
               </a:ln>
               <a:extLst>
                 <a:ext uri="{91240B29-F687-4f45-9708-019B960494DF}">
-                  <a14:hiddenLine xmlns:a14="http://schemas.microsoft.com/office/drawing/2010/main" xmlns="" w="9525">
+                  <a14:hiddenLine xmlns="" xmlns:a14="http://schemas.microsoft.com/office/drawing/2010/main" w="9525">
                     <a:solidFill>
                       <a:srgbClr val="000000"/>
                     </a:solidFill>
@@ -10621,7 +10620,7 @@
               </a:ln>
               <a:extLst>
                 <a:ext uri="{91240B29-F687-4f45-9708-019B960494DF}">
-                  <a14:hiddenLine xmlns:a14="http://schemas.microsoft.com/office/drawing/2010/main" xmlns="" w="9525">
+                  <a14:hiddenLine xmlns="" xmlns:a14="http://schemas.microsoft.com/office/drawing/2010/main" w="9525">
                     <a:solidFill>
                       <a:srgbClr val="000000"/>
                     </a:solidFill>
@@ -10705,7 +10704,7 @@
               </a:ln>
               <a:extLst>
                 <a:ext uri="{91240B29-F687-4f45-9708-019B960494DF}">
-                  <a14:hiddenLine xmlns:a14="http://schemas.microsoft.com/office/drawing/2010/main" xmlns="" w="9525">
+                  <a14:hiddenLine xmlns="" xmlns:a14="http://schemas.microsoft.com/office/drawing/2010/main" w="9525">
                     <a:solidFill>
                       <a:srgbClr val="000000"/>
                     </a:solidFill>
@@ -10767,7 +10766,7 @@
               </a:ln>
               <a:extLst>
                 <a:ext uri="{91240B29-F687-4f45-9708-019B960494DF}">
-                  <a14:hiddenLine xmlns:a14="http://schemas.microsoft.com/office/drawing/2010/main" xmlns="" w="9525">
+                  <a14:hiddenLine xmlns="" xmlns:a14="http://schemas.microsoft.com/office/drawing/2010/main" w="9525">
                     <a:solidFill>
                       <a:srgbClr val="000000"/>
                     </a:solidFill>
@@ -10829,7 +10828,7 @@
               </a:ln>
               <a:extLst>
                 <a:ext uri="{91240B29-F687-4f45-9708-019B960494DF}">
-                  <a14:hiddenLine xmlns:a14="http://schemas.microsoft.com/office/drawing/2010/main" xmlns="" w="9525">
+                  <a14:hiddenLine xmlns="" xmlns:a14="http://schemas.microsoft.com/office/drawing/2010/main" w="9525">
                     <a:solidFill>
                       <a:srgbClr val="000000"/>
                     </a:solidFill>
@@ -10919,7 +10918,7 @@
               </a:ln>
               <a:extLst>
                 <a:ext uri="{91240B29-F687-4f45-9708-019B960494DF}">
-                  <a14:hiddenLine xmlns:a14="http://schemas.microsoft.com/office/drawing/2010/main" xmlns="" w="9525">
+                  <a14:hiddenLine xmlns="" xmlns:a14="http://schemas.microsoft.com/office/drawing/2010/main" w="9525">
                     <a:solidFill>
                       <a:srgbClr val="000000"/>
                     </a:solidFill>
@@ -10953,7 +10952,7 @@
               </a:ln>
               <a:extLst>
                 <a:ext uri="{91240B29-F687-4f45-9708-019B960494DF}">
-                  <a14:hiddenLine xmlns:a14="http://schemas.microsoft.com/office/drawing/2010/main" xmlns="" w="9525">
+                  <a14:hiddenLine xmlns="" xmlns:a14="http://schemas.microsoft.com/office/drawing/2010/main" w="9525">
                     <a:solidFill>
                       <a:srgbClr val="000000"/>
                     </a:solidFill>
@@ -11018,7 +11017,7 @@
               </a:ln>
               <a:extLst>
                 <a:ext uri="{91240B29-F687-4f45-9708-019B960494DF}">
-                  <a14:hiddenLine xmlns:a14="http://schemas.microsoft.com/office/drawing/2010/main" xmlns="" w="9525">
+                  <a14:hiddenLine xmlns="" xmlns:a14="http://schemas.microsoft.com/office/drawing/2010/main" w="9525">
                     <a:solidFill>
                       <a:srgbClr val="000000"/>
                     </a:solidFill>
@@ -11108,7 +11107,7 @@
               </a:ln>
               <a:extLst>
                 <a:ext uri="{91240B29-F687-4f45-9708-019B960494DF}">
-                  <a14:hiddenLine xmlns:a14="http://schemas.microsoft.com/office/drawing/2010/main" xmlns="" w="9525">
+                  <a14:hiddenLine xmlns="" xmlns:a14="http://schemas.microsoft.com/office/drawing/2010/main" w="9525">
                     <a:solidFill>
                       <a:srgbClr val="000000"/>
                     </a:solidFill>
@@ -11170,7 +11169,7 @@
               </a:ln>
               <a:extLst>
                 <a:ext uri="{91240B29-F687-4f45-9708-019B960494DF}">
-                  <a14:hiddenLine xmlns:a14="http://schemas.microsoft.com/office/drawing/2010/main" xmlns="" w="9525">
+                  <a14:hiddenLine xmlns="" xmlns:a14="http://schemas.microsoft.com/office/drawing/2010/main" w="9525">
                     <a:solidFill>
                       <a:srgbClr val="000000"/>
                     </a:solidFill>
@@ -11260,7 +11259,7 @@
               </a:ln>
               <a:extLst>
                 <a:ext uri="{91240B29-F687-4f45-9708-019B960494DF}">
-                  <a14:hiddenLine xmlns:a14="http://schemas.microsoft.com/office/drawing/2010/main" xmlns="" w="9525">
+                  <a14:hiddenLine xmlns="" xmlns:a14="http://schemas.microsoft.com/office/drawing/2010/main" w="9525">
                     <a:solidFill>
                       <a:srgbClr val="000000"/>
                     </a:solidFill>
@@ -11325,7 +11324,7 @@
               </a:ln>
               <a:extLst>
                 <a:ext uri="{91240B29-F687-4f45-9708-019B960494DF}">
-                  <a14:hiddenLine xmlns:a14="http://schemas.microsoft.com/office/drawing/2010/main" xmlns="" w="9525">
+                  <a14:hiddenLine xmlns="" xmlns:a14="http://schemas.microsoft.com/office/drawing/2010/main" w="9525">
                     <a:solidFill>
                       <a:srgbClr val="000000"/>
                     </a:solidFill>
@@ -11387,7 +11386,7 @@
               </a:ln>
               <a:extLst>
                 <a:ext uri="{91240B29-F687-4f45-9708-019B960494DF}">
-                  <a14:hiddenLine xmlns:a14="http://schemas.microsoft.com/office/drawing/2010/main" xmlns="" w="9525">
+                  <a14:hiddenLine xmlns="" xmlns:a14="http://schemas.microsoft.com/office/drawing/2010/main" w="9525">
                     <a:solidFill>
                       <a:srgbClr val="000000"/>
                     </a:solidFill>
@@ -11477,7 +11476,7 @@
               </a:ln>
               <a:extLst>
                 <a:ext uri="{91240B29-F687-4f45-9708-019B960494DF}">
-                  <a14:hiddenLine xmlns:a14="http://schemas.microsoft.com/office/drawing/2010/main" xmlns="" w="9525">
+                  <a14:hiddenLine xmlns="" xmlns:a14="http://schemas.microsoft.com/office/drawing/2010/main" w="9525">
                     <a:solidFill>
                       <a:srgbClr val="000000"/>
                     </a:solidFill>
@@ -11567,7 +11566,7 @@
               </a:ln>
               <a:extLst>
                 <a:ext uri="{91240B29-F687-4f45-9708-019B960494DF}">
-                  <a14:hiddenLine xmlns:a14="http://schemas.microsoft.com/office/drawing/2010/main" xmlns="" w="9525">
+                  <a14:hiddenLine xmlns="" xmlns:a14="http://schemas.microsoft.com/office/drawing/2010/main" w="9525">
                     <a:solidFill>
                       <a:srgbClr val="000000"/>
                     </a:solidFill>
@@ -11632,7 +11631,7 @@
               </a:ln>
               <a:extLst>
                 <a:ext uri="{91240B29-F687-4f45-9708-019B960494DF}">
-                  <a14:hiddenLine xmlns:a14="http://schemas.microsoft.com/office/drawing/2010/main" xmlns="" w="9525">
+                  <a14:hiddenLine xmlns="" xmlns:a14="http://schemas.microsoft.com/office/drawing/2010/main" w="9525">
                     <a:solidFill>
                       <a:srgbClr val="000000"/>
                     </a:solidFill>
@@ -11752,7 +11751,7 @@
               </a:ln>
               <a:extLst>
                 <a:ext uri="{91240B29-F687-4f45-9708-019B960494DF}">
-                  <a14:hiddenLine xmlns:a14="http://schemas.microsoft.com/office/drawing/2010/main" xmlns="" w="9525">
+                  <a14:hiddenLine xmlns="" xmlns:a14="http://schemas.microsoft.com/office/drawing/2010/main" w="9525">
                     <a:solidFill>
                       <a:srgbClr val="000000"/>
                     </a:solidFill>
@@ -11850,7 +11849,7 @@
               </a:ln>
               <a:extLst>
                 <a:ext uri="{91240B29-F687-4f45-9708-019B960494DF}">
-                  <a14:hiddenLine xmlns:a14="http://schemas.microsoft.com/office/drawing/2010/main" xmlns="" w="9525">
+                  <a14:hiddenLine xmlns="" xmlns:a14="http://schemas.microsoft.com/office/drawing/2010/main" w="9525">
                     <a:solidFill>
                       <a:srgbClr val="000000"/>
                     </a:solidFill>
@@ -11965,7 +11964,7 @@
               </a:ln>
               <a:extLst>
                 <a:ext uri="{91240B29-F687-4f45-9708-019B960494DF}">
-                  <a14:hiddenLine xmlns:a14="http://schemas.microsoft.com/office/drawing/2010/main" xmlns="" w="9525">
+                  <a14:hiddenLine xmlns="" xmlns:a14="http://schemas.microsoft.com/office/drawing/2010/main" w="9525">
                     <a:solidFill>
                       <a:srgbClr val="000000"/>
                     </a:solidFill>
@@ -12055,7 +12054,7 @@
               </a:ln>
               <a:extLst>
                 <a:ext uri="{91240B29-F687-4f45-9708-019B960494DF}">
-                  <a14:hiddenLine xmlns:a14="http://schemas.microsoft.com/office/drawing/2010/main" xmlns="" w="9525">
+                  <a14:hiddenLine xmlns="" xmlns:a14="http://schemas.microsoft.com/office/drawing/2010/main" w="9525">
                     <a:solidFill>
                       <a:srgbClr val="000000"/>
                     </a:solidFill>
@@ -12120,7 +12119,7 @@
               </a:ln>
               <a:extLst>
                 <a:ext uri="{91240B29-F687-4f45-9708-019B960494DF}">
-                  <a14:hiddenLine xmlns:a14="http://schemas.microsoft.com/office/drawing/2010/main" xmlns="" w="9525">
+                  <a14:hiddenLine xmlns="" xmlns:a14="http://schemas.microsoft.com/office/drawing/2010/main" w="9525">
                     <a:solidFill>
                       <a:srgbClr val="000000"/>
                     </a:solidFill>
@@ -12210,7 +12209,7 @@
               </a:ln>
               <a:extLst>
                 <a:ext uri="{91240B29-F687-4f45-9708-019B960494DF}">
-                  <a14:hiddenLine xmlns:a14="http://schemas.microsoft.com/office/drawing/2010/main" xmlns="" w="9525">
+                  <a14:hiddenLine xmlns="" xmlns:a14="http://schemas.microsoft.com/office/drawing/2010/main" w="9525">
                     <a:solidFill>
                       <a:srgbClr val="000000"/>
                     </a:solidFill>
@@ -12278,7 +12277,7 @@
               </a:ln>
               <a:extLst>
                 <a:ext uri="{91240B29-F687-4f45-9708-019B960494DF}">
-                  <a14:hiddenLine xmlns:a14="http://schemas.microsoft.com/office/drawing/2010/main" xmlns="" w="9525">
+                  <a14:hiddenLine xmlns="" xmlns:a14="http://schemas.microsoft.com/office/drawing/2010/main" w="9525">
                     <a:solidFill>
                       <a:srgbClr val="000000"/>
                     </a:solidFill>
@@ -12368,7 +12367,7 @@
               </a:ln>
               <a:extLst>
                 <a:ext uri="{91240B29-F687-4f45-9708-019B960494DF}">
-                  <a14:hiddenLine xmlns:a14="http://schemas.microsoft.com/office/drawing/2010/main" xmlns="" w="9525">
+                  <a14:hiddenLine xmlns="" xmlns:a14="http://schemas.microsoft.com/office/drawing/2010/main" w="9525">
                     <a:solidFill>
                       <a:srgbClr val="000000"/>
                     </a:solidFill>
@@ -12436,7 +12435,7 @@
               </a:ln>
               <a:extLst>
                 <a:ext uri="{91240B29-F687-4f45-9708-019B960494DF}">
-                  <a14:hiddenLine xmlns:a14="http://schemas.microsoft.com/office/drawing/2010/main" xmlns="" w="9525">
+                  <a14:hiddenLine xmlns="" xmlns:a14="http://schemas.microsoft.com/office/drawing/2010/main" w="9525">
                     <a:solidFill>
                       <a:srgbClr val="000000"/>
                     </a:solidFill>
@@ -12526,7 +12525,7 @@
               </a:ln>
               <a:extLst>
                 <a:ext uri="{91240B29-F687-4f45-9708-019B960494DF}">
-                  <a14:hiddenLine xmlns:a14="http://schemas.microsoft.com/office/drawing/2010/main" xmlns="" w="9525">
+                  <a14:hiddenLine xmlns="" xmlns:a14="http://schemas.microsoft.com/office/drawing/2010/main" w="9525">
                     <a:solidFill>
                       <a:srgbClr val="000000"/>
                     </a:solidFill>
@@ -12560,7 +12559,7 @@
               </a:ln>
               <a:extLst>
                 <a:ext uri="{91240B29-F687-4f45-9708-019B960494DF}">
-                  <a14:hiddenLine xmlns:a14="http://schemas.microsoft.com/office/drawing/2010/main" xmlns="" w="9525">
+                  <a14:hiddenLine xmlns="" xmlns:a14="http://schemas.microsoft.com/office/drawing/2010/main" w="9525">
                     <a:solidFill>
                       <a:srgbClr val="000000"/>
                     </a:solidFill>
@@ -13539,58 +13538,6 @@
       </p:sp>
       <p:sp>
         <p:nvSpPr>
-          <p:cNvPr id="33" name="Ovale 32">
-            <a:extLst>
-              <a:ext uri="{FF2B5EF4-FFF2-40B4-BE49-F238E27FC236}">
-                <a16:creationId xmlns:a16="http://schemas.microsoft.com/office/drawing/2014/main" id="{0C2A60A5-0279-438B-80D5-6D10A13A8589}"/>
-              </a:ext>
-            </a:extLst>
-          </p:cNvPr>
-          <p:cNvSpPr/>
-          <p:nvPr/>
-        </p:nvSpPr>
-        <p:spPr>
-          <a:xfrm>
-            <a:off x="-921548" y="2091071"/>
-            <a:ext cx="828000" cy="828000"/>
-          </a:xfrm>
-          <a:prstGeom prst="ellipse">
-            <a:avLst/>
-          </a:prstGeom>
-          <a:solidFill>
-            <a:schemeClr val="tx1"/>
-          </a:solidFill>
-          <a:ln>
-            <a:noFill/>
-          </a:ln>
-        </p:spPr>
-        <p:style>
-          <a:lnRef idx="2">
-            <a:schemeClr val="accent1">
-              <a:shade val="50000"/>
-            </a:schemeClr>
-          </a:lnRef>
-          <a:fillRef idx="1">
-            <a:schemeClr val="accent1"/>
-          </a:fillRef>
-          <a:effectRef idx="0">
-            <a:schemeClr val="accent1"/>
-          </a:effectRef>
-          <a:fontRef idx="minor">
-            <a:schemeClr val="lt1"/>
-          </a:fontRef>
-        </p:style>
-        <p:txBody>
-          <a:bodyPr rtlCol="0" anchor="ctr"/>
-          <a:lstStyle/>
-          <a:p>
-            <a:pPr algn="ctr"/>
-            <a:endParaRPr lang="it-IT" b="1"/>
-          </a:p>
-        </p:txBody>
-      </p:sp>
-      <p:sp>
-        <p:nvSpPr>
           <p:cNvPr id="34" name="Ovale 33">
             <a:extLst>
               <a:ext uri="{FF2B5EF4-FFF2-40B4-BE49-F238E27FC236}">
@@ -13707,7 +13654,7 @@
         </p:nvSpPr>
         <p:spPr>
           <a:xfrm>
-            <a:off x="-921548" y="3915593"/>
+            <a:off x="-983587" y="3468215"/>
             <a:ext cx="828000" cy="828000"/>
           </a:xfrm>
           <a:prstGeom prst="ellipse">
@@ -13759,7 +13706,7 @@
         </p:nvSpPr>
         <p:spPr>
           <a:xfrm>
-            <a:off x="-921548" y="4826696"/>
+            <a:off x="-986948" y="4579481"/>
             <a:ext cx="828000" cy="828000"/>
           </a:xfrm>
           <a:prstGeom prst="ellipse">
@@ -13811,7 +13758,7 @@
         </p:nvSpPr>
         <p:spPr>
           <a:xfrm>
-            <a:off x="-921548" y="5744747"/>
+            <a:off x="-987764" y="5690747"/>
             <a:ext cx="828000" cy="828000"/>
           </a:xfrm>
           <a:prstGeom prst="ellipse">
@@ -13922,10 +13869,10 @@
       </p:pic>
       <p:pic>
         <p:nvPicPr>
-          <p:cNvPr id="41" name="Elemento grafico 40" descr="Condividi con riempimento a tinta unita">
+          <p:cNvPr id="42" name="Segnaposto contenuto 9" descr="Utente contorno">
             <a:extLst>
               <a:ext uri="{FF2B5EF4-FFF2-40B4-BE49-F238E27FC236}">
-                <a16:creationId xmlns:a16="http://schemas.microsoft.com/office/drawing/2014/main" id="{CD95655B-0339-4481-889B-11388E609685}"/>
+                <a16:creationId xmlns:a16="http://schemas.microsoft.com/office/drawing/2014/main" id="{3A26241F-080B-4A12-A8E3-A13007E69F79}"/>
               </a:ext>
             </a:extLst>
           </p:cNvPr>
@@ -13948,43 +13895,7 @@
         </p:blipFill>
         <p:spPr>
           <a:xfrm>
-            <a:off x="-897865" y="2111908"/>
-            <a:ext cx="780634" cy="780634"/>
-          </a:xfrm>
-          <a:prstGeom prst="rect">
-            <a:avLst/>
-          </a:prstGeom>
-        </p:spPr>
-      </p:pic>
-      <p:pic>
-        <p:nvPicPr>
-          <p:cNvPr id="42" name="Segnaposto contenuto 9" descr="Utente contorno">
-            <a:extLst>
-              <a:ext uri="{FF2B5EF4-FFF2-40B4-BE49-F238E27FC236}">
-                <a16:creationId xmlns:a16="http://schemas.microsoft.com/office/drawing/2014/main" id="{3A26241F-080B-4A12-A8E3-A13007E69F79}"/>
-              </a:ext>
-            </a:extLst>
-          </p:cNvPr>
-          <p:cNvPicPr>
-            <a:picLocks noChangeAspect="1"/>
-          </p:cNvPicPr>
-          <p:nvPr/>
-        </p:nvPicPr>
-        <p:blipFill>
-          <a:blip r:embed="rId9">
-            <a:extLst>
-              <a:ext uri="{96DAC541-7B7A-43D3-8B79-37D633B846F1}">
-                <asvg:svgBlip xmlns:asvg="http://schemas.microsoft.com/office/drawing/2016/SVG/main" r:embed="rId10"/>
-              </a:ext>
-            </a:extLst>
-          </a:blip>
-          <a:stretch>
-            <a:fillRect/>
-          </a:stretch>
-        </p:blipFill>
-        <p:spPr>
-          <a:xfrm>
-            <a:off x="-866732" y="3913277"/>
+            <a:off x="-928771" y="3465899"/>
             <a:ext cx="718368" cy="718368"/>
           </a:xfrm>
           <a:prstGeom prst="rect">
@@ -14007,10 +13918,10 @@
           <p:nvPr/>
         </p:nvPicPr>
         <p:blipFill>
-          <a:blip r:embed="rId11">
+          <a:blip r:embed="rId9">
             <a:extLst>
               <a:ext uri="{96DAC541-7B7A-43D3-8B79-37D633B846F1}">
-                <asvg:svgBlip xmlns:asvg="http://schemas.microsoft.com/office/drawing/2016/SVG/main" r:embed="rId12"/>
+                <asvg:svgBlip xmlns:asvg="http://schemas.microsoft.com/office/drawing/2016/SVG/main" r:embed="rId10"/>
               </a:ext>
             </a:extLst>
           </a:blip>
@@ -14020,7 +13931,7 @@
         </p:blipFill>
         <p:spPr>
           <a:xfrm>
-            <a:off x="-866732" y="4885375"/>
+            <a:off x="-932132" y="4638160"/>
             <a:ext cx="718368" cy="718368"/>
           </a:xfrm>
           <a:prstGeom prst="rect">
@@ -14042,7 +13953,7 @@
         </p:nvSpPr>
         <p:spPr>
           <a:xfrm>
-            <a:off x="-976364" y="3022284"/>
+            <a:off x="-921548" y="2306298"/>
             <a:ext cx="828000" cy="828000"/>
           </a:xfrm>
           <a:prstGeom prst="ellipse">
@@ -14095,10 +14006,10 @@
           <p:nvPr/>
         </p:nvPicPr>
         <p:blipFill>
-          <a:blip r:embed="rId13">
+          <a:blip r:embed="rId11">
             <a:extLst>
               <a:ext uri="{96DAC541-7B7A-43D3-8B79-37D633B846F1}">
-                <asvg:svgBlip xmlns:asvg="http://schemas.microsoft.com/office/drawing/2016/SVG/main" r:embed="rId14"/>
+                <asvg:svgBlip xmlns:asvg="http://schemas.microsoft.com/office/drawing/2016/SVG/main" r:embed="rId12"/>
               </a:ext>
             </a:extLst>
           </a:blip>
@@ -14108,7 +14019,7 @@
         </p:blipFill>
         <p:spPr>
           <a:xfrm>
-            <a:off x="-921548" y="3069816"/>
+            <a:off x="-863636" y="2361114"/>
             <a:ext cx="718368" cy="718368"/>
           </a:xfrm>
           <a:prstGeom prst="rect">
@@ -14131,10 +14042,10 @@
           <p:nvPr/>
         </p:nvPicPr>
         <p:blipFill>
-          <a:blip r:embed="rId15">
+          <a:blip r:embed="rId13">
             <a:extLst>
               <a:ext uri="{96DAC541-7B7A-43D3-8B79-37D633B846F1}">
-                <asvg:svgBlip xmlns:asvg="http://schemas.microsoft.com/office/drawing/2016/SVG/main" r:embed="rId16"/>
+                <asvg:svgBlip xmlns:asvg="http://schemas.microsoft.com/office/drawing/2016/SVG/main" r:embed="rId14"/>
               </a:ext>
             </a:extLst>
           </a:blip>
@@ -14167,10 +14078,10 @@
           <p:nvPr/>
         </p:nvPicPr>
         <p:blipFill>
-          <a:blip r:embed="rId17">
+          <a:blip r:embed="rId15">
             <a:extLst>
               <a:ext uri="{96DAC541-7B7A-43D3-8B79-37D633B846F1}">
-                <asvg:svgBlip xmlns:asvg="http://schemas.microsoft.com/office/drawing/2016/SVG/main" r:embed="rId18"/>
+                <asvg:svgBlip xmlns:asvg="http://schemas.microsoft.com/office/drawing/2016/SVG/main" r:embed="rId16"/>
               </a:ext>
             </a:extLst>
           </a:blip>
@@ -14189,10 +14100,10 @@
       </p:pic>
       <p:pic>
         <p:nvPicPr>
-          <p:cNvPr id="49" name="Elemento grafico 48" descr="Condividi con riempimento a tinta unita">
+          <p:cNvPr id="50" name="Segnaposto contenuto 7" descr="Blockchain contorno">
             <a:extLst>
               <a:ext uri="{FF2B5EF4-FFF2-40B4-BE49-F238E27FC236}">
-                <a16:creationId xmlns:a16="http://schemas.microsoft.com/office/drawing/2014/main" id="{05B0D961-3E03-4788-ACD6-CF9EAB96E815}"/>
+                <a16:creationId xmlns:a16="http://schemas.microsoft.com/office/drawing/2014/main" id="{7CB27159-711B-4E6B-AAB6-A0F9523E98F0}"/>
               </a:ext>
             </a:extLst>
           </p:cNvPr>
@@ -14202,10 +14113,10 @@
           <p:nvPr/>
         </p:nvPicPr>
         <p:blipFill>
-          <a:blip r:embed="rId19">
+          <a:blip r:embed="rId17">
             <a:extLst>
               <a:ext uri="{96DAC541-7B7A-43D3-8B79-37D633B846F1}">
-                <asvg:svgBlip xmlns:asvg="http://schemas.microsoft.com/office/drawing/2016/SVG/main" r:embed="rId20"/>
+                <asvg:svgBlip xmlns:asvg="http://schemas.microsoft.com/office/drawing/2016/SVG/main" r:embed="rId18"/>
               </a:ext>
             </a:extLst>
           </a:blip>
@@ -14215,43 +14126,7 @@
         </p:blipFill>
         <p:spPr>
           <a:xfrm>
-            <a:off x="210976" y="2111908"/>
-            <a:ext cx="780634" cy="780634"/>
-          </a:xfrm>
-          <a:prstGeom prst="rect">
-            <a:avLst/>
-          </a:prstGeom>
-        </p:spPr>
-      </p:pic>
-      <p:pic>
-        <p:nvPicPr>
-          <p:cNvPr id="50" name="Segnaposto contenuto 7" descr="Blockchain contorno">
-            <a:extLst>
-              <a:ext uri="{FF2B5EF4-FFF2-40B4-BE49-F238E27FC236}">
-                <a16:creationId xmlns:a16="http://schemas.microsoft.com/office/drawing/2014/main" id="{7CB27159-711B-4E6B-AAB6-A0F9523E98F0}"/>
-              </a:ext>
-            </a:extLst>
-          </p:cNvPr>
-          <p:cNvPicPr>
-            <a:picLocks noChangeAspect="1"/>
-          </p:cNvPicPr>
-          <p:nvPr/>
-        </p:nvPicPr>
-        <p:blipFill>
-          <a:blip r:embed="rId21">
-            <a:extLst>
-              <a:ext uri="{96DAC541-7B7A-43D3-8B79-37D633B846F1}">
-                <asvg:svgBlip xmlns:asvg="http://schemas.microsoft.com/office/drawing/2016/SVG/main" r:embed="rId22"/>
-              </a:ext>
-            </a:extLst>
-          </a:blip>
-          <a:stretch>
-            <a:fillRect/>
-          </a:stretch>
-        </p:blipFill>
-        <p:spPr>
-          <a:xfrm>
-            <a:off x="242109" y="3052022"/>
+            <a:off x="242109" y="2361114"/>
             <a:ext cx="718368" cy="718368"/>
           </a:xfrm>
           <a:prstGeom prst="rect">
@@ -14274,10 +14149,10 @@
           <p:nvPr/>
         </p:nvPicPr>
         <p:blipFill>
-          <a:blip r:embed="rId23">
+          <a:blip r:embed="rId19">
             <a:extLst>
               <a:ext uri="{96DAC541-7B7A-43D3-8B79-37D633B846F1}">
-                <asvg:svgBlip xmlns:asvg="http://schemas.microsoft.com/office/drawing/2016/SVG/main" r:embed="rId24"/>
+                <asvg:svgBlip xmlns:asvg="http://schemas.microsoft.com/office/drawing/2016/SVG/main" r:embed="rId20"/>
               </a:ext>
             </a:extLst>
           </a:blip>
@@ -14286,7 +14161,7 @@
         </p:blipFill>
         <p:spPr>
           <a:xfrm>
-            <a:off x="242109" y="3913277"/>
+            <a:off x="242109" y="3488991"/>
             <a:ext cx="718368" cy="718368"/>
           </a:xfrm>
           <a:prstGeom prst="rect">
@@ -14309,10 +14184,10 @@
           <p:nvPr/>
         </p:nvPicPr>
         <p:blipFill>
-          <a:blip r:embed="rId25">
+          <a:blip r:embed="rId21">
             <a:extLst>
               <a:ext uri="{96DAC541-7B7A-43D3-8B79-37D633B846F1}">
-                <asvg:svgBlip xmlns:asvg="http://schemas.microsoft.com/office/drawing/2016/SVG/main" r:embed="rId26"/>
+                <asvg:svgBlip xmlns:asvg="http://schemas.microsoft.com/office/drawing/2016/SVG/main" r:embed="rId22"/>
               </a:ext>
             </a:extLst>
           </a:blip>
@@ -14321,7 +14196,7 @@
         </p:blipFill>
         <p:spPr>
           <a:xfrm>
-            <a:off x="242109" y="4885375"/>
+            <a:off x="242109" y="4616868"/>
             <a:ext cx="718368" cy="718368"/>
           </a:xfrm>
           <a:prstGeom prst="rect">
@@ -14397,10 +14272,10 @@
           <p:nvPr/>
         </p:nvPicPr>
         <p:blipFill>
-          <a:blip r:embed="rId27">
+          <a:blip r:embed="rId23">
             <a:extLst>
               <a:ext uri="{96DAC541-7B7A-43D3-8B79-37D633B846F1}">
-                <asvg:svgBlip xmlns:asvg="http://schemas.microsoft.com/office/drawing/2016/SVG/main" r:embed="rId28"/>
+                <asvg:svgBlip xmlns:asvg="http://schemas.microsoft.com/office/drawing/2016/SVG/main" r:embed="rId24"/>
               </a:ext>
             </a:extLst>
           </a:blip>
@@ -14522,10 +14397,10 @@
           <p:nvPr/>
         </p:nvPicPr>
         <p:blipFill>
-          <a:blip r:embed="rId29">
+          <a:blip r:embed="rId25">
             <a:extLst>
               <a:ext uri="{96DAC541-7B7A-43D3-8B79-37D633B846F1}">
-                <asvg:svgBlip xmlns:asvg="http://schemas.microsoft.com/office/drawing/2016/SVG/main" r:embed="rId30"/>
+                <asvg:svgBlip xmlns:asvg="http://schemas.microsoft.com/office/drawing/2016/SVG/main" r:embed="rId26"/>
               </a:ext>
             </a:extLst>
           </a:blip>
@@ -14534,7 +14409,7 @@
         </p:blipFill>
         <p:spPr>
           <a:xfrm>
-            <a:off x="-867548" y="5798747"/>
+            <a:off x="-933764" y="5744747"/>
             <a:ext cx="720000" cy="720000"/>
           </a:xfrm>
           <a:prstGeom prst="rect">
@@ -14557,7 +14432,7 @@
           <p:nvPr/>
         </p:nvPicPr>
         <p:blipFill>
-          <a:blip r:embed="rId31"/>
+          <a:blip r:embed="rId27"/>
           <a:stretch>
             <a:fillRect/>
           </a:stretch>
@@ -14598,7 +14473,7 @@
           <p:nvPr/>
         </p:nvPicPr>
         <p:blipFill>
-          <a:blip r:embed="rId32"/>
+          <a:blip r:embed="rId28"/>
           <a:stretch>
             <a:fillRect/>
           </a:stretch>
@@ -14741,10 +14616,10 @@
       </p:sp>
       <p:sp>
         <p:nvSpPr>
-          <p:cNvPr id="7" name="Ovale 6">
+          <p:cNvPr id="8" name="Ovale 7">
             <a:extLst>
               <a:ext uri="{FF2B5EF4-FFF2-40B4-BE49-F238E27FC236}">
-                <a16:creationId xmlns:a16="http://schemas.microsoft.com/office/drawing/2014/main" id="{671CC795-53B5-453F-AED8-D1FCB84A3BF5}"/>
+                <a16:creationId xmlns:a16="http://schemas.microsoft.com/office/drawing/2014/main" id="{7FA072E8-1074-48BD-B36C-972DA8EB2E4F}"/>
               </a:ext>
             </a:extLst>
           </p:cNvPr>
@@ -14753,59 +14628,7 @@
         </p:nvSpPr>
         <p:spPr>
           <a:xfrm>
-            <a:off x="-921548" y="2091071"/>
-            <a:ext cx="828000" cy="828000"/>
-          </a:xfrm>
-          <a:prstGeom prst="ellipse">
-            <a:avLst/>
-          </a:prstGeom>
-          <a:solidFill>
-            <a:schemeClr val="tx1"/>
-          </a:solidFill>
-          <a:ln>
-            <a:noFill/>
-          </a:ln>
-        </p:spPr>
-        <p:style>
-          <a:lnRef idx="2">
-            <a:schemeClr val="accent1">
-              <a:shade val="50000"/>
-            </a:schemeClr>
-          </a:lnRef>
-          <a:fillRef idx="1">
-            <a:schemeClr val="accent1"/>
-          </a:fillRef>
-          <a:effectRef idx="0">
-            <a:schemeClr val="accent1"/>
-          </a:effectRef>
-          <a:fontRef idx="minor">
-            <a:schemeClr val="lt1"/>
-          </a:fontRef>
-        </p:style>
-        <p:txBody>
-          <a:bodyPr rtlCol="0" anchor="ctr"/>
-          <a:lstStyle/>
-          <a:p>
-            <a:pPr algn="ctr"/>
-            <a:endParaRPr lang="it-IT" b="1"/>
-          </a:p>
-        </p:txBody>
-      </p:sp>
-      <p:sp>
-        <p:nvSpPr>
-          <p:cNvPr id="8" name="Ovale 7">
-            <a:extLst>
-              <a:ext uri="{FF2B5EF4-FFF2-40B4-BE49-F238E27FC236}">
-                <a16:creationId xmlns:a16="http://schemas.microsoft.com/office/drawing/2014/main" id="{7FA072E8-1074-48BD-B36C-972DA8EB2E4F}"/>
-              </a:ext>
-            </a:extLst>
-          </p:cNvPr>
-          <p:cNvSpPr/>
-          <p:nvPr/>
-        </p:nvSpPr>
-        <p:spPr>
-          <a:xfrm>
-            <a:off x="881775" y="1231433"/>
+            <a:off x="892022" y="1361167"/>
             <a:ext cx="828000" cy="828000"/>
           </a:xfrm>
           <a:prstGeom prst="ellipse">
@@ -14909,7 +14732,7 @@
         </p:nvSpPr>
         <p:spPr>
           <a:xfrm>
-            <a:off x="-921548" y="3915593"/>
+            <a:off x="-921548" y="3548529"/>
             <a:ext cx="828000" cy="828000"/>
           </a:xfrm>
           <a:prstGeom prst="ellipse">
@@ -14961,7 +14784,7 @@
         </p:nvSpPr>
         <p:spPr>
           <a:xfrm>
-            <a:off x="-921548" y="4826696"/>
+            <a:off x="-976364" y="4656979"/>
             <a:ext cx="828000" cy="828000"/>
           </a:xfrm>
           <a:prstGeom prst="ellipse">
@@ -15013,7 +14836,7 @@
         </p:nvSpPr>
         <p:spPr>
           <a:xfrm>
-            <a:off x="-921548" y="5744747"/>
+            <a:off x="-920732" y="5690747"/>
             <a:ext cx="828000" cy="828000"/>
           </a:xfrm>
           <a:prstGeom prst="ellipse">
@@ -15114,7 +14937,7 @@
         </p:blipFill>
         <p:spPr>
           <a:xfrm>
-            <a:off x="936591" y="1287018"/>
+            <a:off x="946838" y="1427294"/>
             <a:ext cx="718368" cy="718368"/>
           </a:xfrm>
           <a:prstGeom prst="rect">
@@ -15124,10 +14947,10 @@
       </p:pic>
       <p:pic>
         <p:nvPicPr>
-          <p:cNvPr id="17" name="Elemento grafico 16" descr="Condividi con riempimento a tinta unita">
+          <p:cNvPr id="18" name="Segnaposto contenuto 9" descr="Utente contorno">
             <a:extLst>
               <a:ext uri="{FF2B5EF4-FFF2-40B4-BE49-F238E27FC236}">
-                <a16:creationId xmlns:a16="http://schemas.microsoft.com/office/drawing/2014/main" id="{D92B4FC2-CD2D-48FC-999D-892731CB178B}"/>
+                <a16:creationId xmlns:a16="http://schemas.microsoft.com/office/drawing/2014/main" id="{5FE9CD15-FB94-408C-B105-59C0C8EC610E}"/>
               </a:ext>
             </a:extLst>
           </p:cNvPr>
@@ -15150,43 +14973,7 @@
         </p:blipFill>
         <p:spPr>
           <a:xfrm>
-            <a:off x="-897865" y="2111908"/>
-            <a:ext cx="780634" cy="780634"/>
-          </a:xfrm>
-          <a:prstGeom prst="rect">
-            <a:avLst/>
-          </a:prstGeom>
-        </p:spPr>
-      </p:pic>
-      <p:pic>
-        <p:nvPicPr>
-          <p:cNvPr id="18" name="Segnaposto contenuto 9" descr="Utente contorno">
-            <a:extLst>
-              <a:ext uri="{FF2B5EF4-FFF2-40B4-BE49-F238E27FC236}">
-                <a16:creationId xmlns:a16="http://schemas.microsoft.com/office/drawing/2014/main" id="{5FE9CD15-FB94-408C-B105-59C0C8EC610E}"/>
-              </a:ext>
-            </a:extLst>
-          </p:cNvPr>
-          <p:cNvPicPr>
-            <a:picLocks noChangeAspect="1"/>
-          </p:cNvPicPr>
-          <p:nvPr/>
-        </p:nvPicPr>
-        <p:blipFill>
-          <a:blip r:embed="rId9">
-            <a:extLst>
-              <a:ext uri="{96DAC541-7B7A-43D3-8B79-37D633B846F1}">
-                <asvg:svgBlip xmlns:asvg="http://schemas.microsoft.com/office/drawing/2016/SVG/main" r:embed="rId10"/>
-              </a:ext>
-            </a:extLst>
-          </a:blip>
-          <a:stretch>
-            <a:fillRect/>
-          </a:stretch>
-        </p:blipFill>
-        <p:spPr>
-          <a:xfrm>
-            <a:off x="-866732" y="3913277"/>
+            <a:off x="-866732" y="3546213"/>
             <a:ext cx="718368" cy="718368"/>
           </a:xfrm>
           <a:prstGeom prst="rect">
@@ -15209,10 +14996,10 @@
           <p:nvPr/>
         </p:nvPicPr>
         <p:blipFill>
-          <a:blip r:embed="rId11">
+          <a:blip r:embed="rId9">
             <a:extLst>
               <a:ext uri="{96DAC541-7B7A-43D3-8B79-37D633B846F1}">
-                <asvg:svgBlip xmlns:asvg="http://schemas.microsoft.com/office/drawing/2016/SVG/main" r:embed="rId12"/>
+                <asvg:svgBlip xmlns:asvg="http://schemas.microsoft.com/office/drawing/2016/SVG/main" r:embed="rId10"/>
               </a:ext>
             </a:extLst>
           </a:blip>
@@ -15222,7 +15009,7 @@
         </p:blipFill>
         <p:spPr>
           <a:xfrm>
-            <a:off x="-866732" y="4885375"/>
+            <a:off x="-921548" y="4715658"/>
             <a:ext cx="718368" cy="718368"/>
           </a:xfrm>
           <a:prstGeom prst="rect">
@@ -15244,7 +15031,7 @@
         </p:nvSpPr>
         <p:spPr>
           <a:xfrm>
-            <a:off x="-902182" y="3004490"/>
+            <a:off x="-921548" y="2440079"/>
             <a:ext cx="828000" cy="828000"/>
           </a:xfrm>
           <a:prstGeom prst="ellipse">
@@ -15297,10 +15084,10 @@
           <p:nvPr/>
         </p:nvPicPr>
         <p:blipFill>
-          <a:blip r:embed="rId13">
+          <a:blip r:embed="rId11">
             <a:extLst>
               <a:ext uri="{96DAC541-7B7A-43D3-8B79-37D633B846F1}">
-                <asvg:svgBlip xmlns:asvg="http://schemas.microsoft.com/office/drawing/2016/SVG/main" r:embed="rId14"/>
+                <asvg:svgBlip xmlns:asvg="http://schemas.microsoft.com/office/drawing/2016/SVG/main" r:embed="rId12"/>
               </a:ext>
             </a:extLst>
           </a:blip>
@@ -15310,7 +15097,7 @@
         </p:blipFill>
         <p:spPr>
           <a:xfrm>
-            <a:off x="-847366" y="3052022"/>
+            <a:off x="-866732" y="2487611"/>
             <a:ext cx="718368" cy="718368"/>
           </a:xfrm>
           <a:prstGeom prst="rect">
@@ -15332,7 +15119,7 @@
         </p:nvSpPr>
         <p:spPr>
           <a:xfrm flipH="1">
-            <a:off x="-1" y="-9832784"/>
+            <a:off x="0" y="-9714203"/>
             <a:ext cx="1337094" cy="22957972"/>
           </a:xfrm>
           <a:custGeom>
@@ -15592,10 +15379,10 @@
           <p:nvPr/>
         </p:nvPicPr>
         <p:blipFill>
-          <a:blip r:embed="rId15">
+          <a:blip r:embed="rId13">
             <a:extLst>
               <a:ext uri="{96DAC541-7B7A-43D3-8B79-37D633B846F1}">
-                <asvg:svgBlip xmlns:asvg="http://schemas.microsoft.com/office/drawing/2016/SVG/main" r:embed="rId16"/>
+                <asvg:svgBlip xmlns:asvg="http://schemas.microsoft.com/office/drawing/2016/SVG/main" r:embed="rId14"/>
               </a:ext>
             </a:extLst>
           </a:blip>
@@ -15627,10 +15414,10 @@
           <p:nvPr/>
         </p:nvPicPr>
         <p:blipFill>
-          <a:blip r:embed="rId17">
+          <a:blip r:embed="rId15">
             <a:extLst>
               <a:ext uri="{96DAC541-7B7A-43D3-8B79-37D633B846F1}">
-                <asvg:svgBlip xmlns:asvg="http://schemas.microsoft.com/office/drawing/2016/SVG/main" r:embed="rId18"/>
+                <asvg:svgBlip xmlns:asvg="http://schemas.microsoft.com/office/drawing/2016/SVG/main" r:embed="rId16"/>
               </a:ext>
             </a:extLst>
           </a:blip>
@@ -15650,10 +15437,10 @@
       </p:pic>
       <p:pic>
         <p:nvPicPr>
-          <p:cNvPr id="25" name="Elemento grafico 24" descr="Condividi con riempimento a tinta unita">
+          <p:cNvPr id="26" name="Segnaposto contenuto 7" descr="Blockchain contorno">
             <a:extLst>
               <a:ext uri="{FF2B5EF4-FFF2-40B4-BE49-F238E27FC236}">
-                <a16:creationId xmlns:a16="http://schemas.microsoft.com/office/drawing/2014/main" id="{DB1EF8F5-F64D-416F-90A8-C9DFD075096A}"/>
+                <a16:creationId xmlns:a16="http://schemas.microsoft.com/office/drawing/2014/main" id="{0D521C08-D3A5-4783-A799-1FFF1521F409}"/>
               </a:ext>
             </a:extLst>
           </p:cNvPr>
@@ -15663,10 +15450,10 @@
           <p:nvPr/>
         </p:nvPicPr>
         <p:blipFill>
-          <a:blip r:embed="rId19">
+          <a:blip r:embed="rId17">
             <a:extLst>
               <a:ext uri="{96DAC541-7B7A-43D3-8B79-37D633B846F1}">
-                <asvg:svgBlip xmlns:asvg="http://schemas.microsoft.com/office/drawing/2016/SVG/main" r:embed="rId20"/>
+                <asvg:svgBlip xmlns:asvg="http://schemas.microsoft.com/office/drawing/2016/SVG/main" r:embed="rId18"/>
               </a:ext>
             </a:extLst>
           </a:blip>
@@ -15676,43 +15463,7 @@
         </p:blipFill>
         <p:spPr>
           <a:xfrm>
-            <a:off x="210976" y="2111908"/>
-            <a:ext cx="780634" cy="780634"/>
-          </a:xfrm>
-          <a:prstGeom prst="rect">
-            <a:avLst/>
-          </a:prstGeom>
-        </p:spPr>
-      </p:pic>
-      <p:pic>
-        <p:nvPicPr>
-          <p:cNvPr id="26" name="Segnaposto contenuto 7" descr="Blockchain contorno">
-            <a:extLst>
-              <a:ext uri="{FF2B5EF4-FFF2-40B4-BE49-F238E27FC236}">
-                <a16:creationId xmlns:a16="http://schemas.microsoft.com/office/drawing/2014/main" id="{0D521C08-D3A5-4783-A799-1FFF1521F409}"/>
-              </a:ext>
-            </a:extLst>
-          </p:cNvPr>
-          <p:cNvPicPr>
-            <a:picLocks noChangeAspect="1"/>
-          </p:cNvPicPr>
-          <p:nvPr/>
-        </p:nvPicPr>
-        <p:blipFill>
-          <a:blip r:embed="rId21">
-            <a:extLst>
-              <a:ext uri="{96DAC541-7B7A-43D3-8B79-37D633B846F1}">
-                <asvg:svgBlip xmlns:asvg="http://schemas.microsoft.com/office/drawing/2016/SVG/main" r:embed="rId22"/>
-              </a:ext>
-            </a:extLst>
-          </a:blip>
-          <a:stretch>
-            <a:fillRect/>
-          </a:stretch>
-        </p:blipFill>
-        <p:spPr>
-          <a:xfrm>
-            <a:off x="242109" y="3052022"/>
+            <a:off x="242109" y="2490386"/>
             <a:ext cx="718368" cy="718368"/>
           </a:xfrm>
           <a:prstGeom prst="rect">
@@ -15735,10 +15486,10 @@
           <p:nvPr/>
         </p:nvPicPr>
         <p:blipFill>
-          <a:blip r:embed="rId23">
+          <a:blip r:embed="rId19">
             <a:extLst>
               <a:ext uri="{96DAC541-7B7A-43D3-8B79-37D633B846F1}">
-                <asvg:svgBlip xmlns:asvg="http://schemas.microsoft.com/office/drawing/2016/SVG/main" r:embed="rId24"/>
+                <asvg:svgBlip xmlns:asvg="http://schemas.microsoft.com/office/drawing/2016/SVG/main" r:embed="rId20"/>
               </a:ext>
             </a:extLst>
           </a:blip>
@@ -15747,7 +15498,7 @@
         </p:blipFill>
         <p:spPr>
           <a:xfrm>
-            <a:off x="242109" y="3913277"/>
+            <a:off x="242109" y="3575173"/>
             <a:ext cx="718368" cy="718368"/>
           </a:xfrm>
           <a:prstGeom prst="rect">
@@ -15770,10 +15521,10 @@
           <p:nvPr/>
         </p:nvPicPr>
         <p:blipFill>
-          <a:blip r:embed="rId25">
+          <a:blip r:embed="rId21">
             <a:extLst>
               <a:ext uri="{96DAC541-7B7A-43D3-8B79-37D633B846F1}">
-                <asvg:svgBlip xmlns:asvg="http://schemas.microsoft.com/office/drawing/2016/SVG/main" r:embed="rId26"/>
+                <asvg:svgBlip xmlns:asvg="http://schemas.microsoft.com/office/drawing/2016/SVG/main" r:embed="rId22"/>
               </a:ext>
             </a:extLst>
           </a:blip>
@@ -15782,7 +15533,7 @@
         </p:blipFill>
         <p:spPr>
           <a:xfrm>
-            <a:off x="242109" y="4885375"/>
+            <a:off x="242109" y="4659960"/>
             <a:ext cx="718368" cy="718368"/>
           </a:xfrm>
           <a:prstGeom prst="rect">
@@ -15805,10 +15556,10 @@
           <p:nvPr/>
         </p:nvPicPr>
         <p:blipFill>
-          <a:blip r:embed="rId27">
+          <a:blip r:embed="rId23">
             <a:extLst>
               <a:ext uri="{96DAC541-7B7A-43D3-8B79-37D633B846F1}">
-                <asvg:svgBlip xmlns:asvg="http://schemas.microsoft.com/office/drawing/2016/SVG/main" r:embed="rId28"/>
+                <asvg:svgBlip xmlns:asvg="http://schemas.microsoft.com/office/drawing/2016/SVG/main" r:embed="rId24"/>
               </a:ext>
             </a:extLst>
           </a:blip>
@@ -15954,10 +15705,10 @@
           <p:nvPr/>
         </p:nvPicPr>
         <p:blipFill>
-          <a:blip r:embed="rId29">
+          <a:blip r:embed="rId25">
             <a:extLst>
               <a:ext uri="{96DAC541-7B7A-43D3-8B79-37D633B846F1}">
-                <asvg:svgBlip xmlns:asvg="http://schemas.microsoft.com/office/drawing/2016/SVG/main" r:embed="rId30"/>
+                <asvg:svgBlip xmlns:asvg="http://schemas.microsoft.com/office/drawing/2016/SVG/main" r:embed="rId26"/>
               </a:ext>
             </a:extLst>
           </a:blip>
@@ -15966,7 +15717,7 @@
         </p:blipFill>
         <p:spPr>
           <a:xfrm>
-            <a:off x="-867548" y="5798747"/>
+            <a:off x="-866732" y="5744747"/>
             <a:ext cx="720000" cy="720000"/>
           </a:xfrm>
           <a:prstGeom prst="rect">
@@ -15989,7 +15740,7 @@
           <p:nvPr/>
         </p:nvPicPr>
         <p:blipFill>
-          <a:blip r:embed="rId31"/>
+          <a:blip r:embed="rId27"/>
           <a:stretch>
             <a:fillRect/>
           </a:stretch>
@@ -16030,7 +15781,7 @@
           <p:nvPr/>
         </p:nvPicPr>
         <p:blipFill>
-          <a:blip r:embed="rId32"/>
+          <a:blip r:embed="rId28"/>
           <a:stretch>
             <a:fillRect/>
           </a:stretch>
@@ -16108,97 +15859,10 @@
       </p:grpSpPr>
       <p:sp>
         <p:nvSpPr>
-          <p:cNvPr id="16" name="Segnaposto numero diapositiva 5">
+          <p:cNvPr id="9" name="Ovale 8">
             <a:extLst>
               <a:ext uri="{FF2B5EF4-FFF2-40B4-BE49-F238E27FC236}">
-                <a16:creationId xmlns:a16="http://schemas.microsoft.com/office/drawing/2014/main" id="{02CA51CB-D57C-4543-8737-F2B5C2866E1C}"/>
-              </a:ext>
-            </a:extLst>
-          </p:cNvPr>
-          <p:cNvSpPr>
-            <a:spLocks noGrp="1"/>
-          </p:cNvSpPr>
-          <p:nvPr>
-            <p:ph type="sldNum" sz="quarter" idx="12"/>
-          </p:nvPr>
-        </p:nvSpPr>
-        <p:spPr>
-          <a:xfrm>
-            <a:off x="10266795" y="6388793"/>
-            <a:ext cx="771089" cy="365125"/>
-          </a:xfrm>
-        </p:spPr>
-        <p:txBody>
-          <a:bodyPr/>
-          <a:lstStyle/>
-          <a:p>
-            <a:pPr rtl="0"/>
-            <a:fld id="{6D22F896-40B5-4ADD-8801-0D06FADFA095}" type="slidenum">
-              <a:rPr lang="it-IT" noProof="0" smtClean="0"/>
-              <a:t>3</a:t>
-            </a:fld>
-            <a:endParaRPr lang="it-IT" noProof="0" dirty="0"/>
-          </a:p>
-        </p:txBody>
-      </p:sp>
-      <p:sp>
-        <p:nvSpPr>
-          <p:cNvPr id="29" name="Ovale 28">
-            <a:extLst>
-              <a:ext uri="{FF2B5EF4-FFF2-40B4-BE49-F238E27FC236}">
-                <a16:creationId xmlns:a16="http://schemas.microsoft.com/office/drawing/2014/main" id="{8BDF5A38-5DAA-4652-B24D-132DC9A4418A}"/>
-              </a:ext>
-            </a:extLst>
-          </p:cNvPr>
-          <p:cNvSpPr/>
-          <p:nvPr/>
-        </p:nvSpPr>
-        <p:spPr>
-          <a:xfrm>
-            <a:off x="815723" y="2062684"/>
-            <a:ext cx="828000" cy="828000"/>
-          </a:xfrm>
-          <a:prstGeom prst="ellipse">
-            <a:avLst/>
-          </a:prstGeom>
-          <a:solidFill>
-            <a:schemeClr val="tx1"/>
-          </a:solidFill>
-          <a:ln>
-            <a:noFill/>
-          </a:ln>
-        </p:spPr>
-        <p:style>
-          <a:lnRef idx="2">
-            <a:schemeClr val="accent1">
-              <a:shade val="50000"/>
-            </a:schemeClr>
-          </a:lnRef>
-          <a:fillRef idx="1">
-            <a:schemeClr val="accent1"/>
-          </a:fillRef>
-          <a:effectRef idx="0">
-            <a:schemeClr val="accent1"/>
-          </a:effectRef>
-          <a:fontRef idx="minor">
-            <a:schemeClr val="lt1"/>
-          </a:fontRef>
-        </p:style>
-        <p:txBody>
-          <a:bodyPr rtlCol="0" anchor="ctr"/>
-          <a:lstStyle/>
-          <a:p>
-            <a:pPr algn="ctr"/>
-            <a:endParaRPr lang="it-IT" b="1"/>
-          </a:p>
-        </p:txBody>
-      </p:sp>
-      <p:sp>
-        <p:nvSpPr>
-          <p:cNvPr id="30" name="Ovale 29">
-            <a:extLst>
-              <a:ext uri="{FF2B5EF4-FFF2-40B4-BE49-F238E27FC236}">
-                <a16:creationId xmlns:a16="http://schemas.microsoft.com/office/drawing/2014/main" id="{7FC5FCFD-AA6A-4A57-8233-C33BE27E4977}"/>
+                <a16:creationId xmlns:a16="http://schemas.microsoft.com/office/drawing/2014/main" id="{8C46C454-87C3-4560-9BFE-C5513764E15B}"/>
               </a:ext>
             </a:extLst>
           </p:cNvPr>
@@ -16247,10 +15911,10 @@
       </p:sp>
       <p:sp>
         <p:nvSpPr>
-          <p:cNvPr id="31" name="Ovale 30">
+          <p:cNvPr id="10" name="Ovale 9">
             <a:extLst>
               <a:ext uri="{FF2B5EF4-FFF2-40B4-BE49-F238E27FC236}">
-                <a16:creationId xmlns:a16="http://schemas.microsoft.com/office/drawing/2014/main" id="{0F5A0048-7E26-4166-8460-210AE43053B5}"/>
+                <a16:creationId xmlns:a16="http://schemas.microsoft.com/office/drawing/2014/main" id="{DA75A8DD-643D-4EB8-84F2-14866949246F}"/>
               </a:ext>
             </a:extLst>
           </p:cNvPr>
@@ -16299,10 +15963,10 @@
       </p:sp>
       <p:sp>
         <p:nvSpPr>
-          <p:cNvPr id="32" name="Ovale 31">
+          <p:cNvPr id="11" name="Ovale 10">
             <a:extLst>
               <a:ext uri="{FF2B5EF4-FFF2-40B4-BE49-F238E27FC236}">
-                <a16:creationId xmlns:a16="http://schemas.microsoft.com/office/drawing/2014/main" id="{11253363-C25D-4D4E-8A20-84B83C3D3B88}"/>
+                <a16:creationId xmlns:a16="http://schemas.microsoft.com/office/drawing/2014/main" id="{8C0C9DE3-DBD1-4E0A-9601-3FC8309BAECE}"/>
               </a:ext>
             </a:extLst>
           </p:cNvPr>
@@ -16311,7 +15975,7 @@
         </p:nvSpPr>
         <p:spPr>
           <a:xfrm>
-            <a:off x="-921548" y="3915593"/>
+            <a:off x="-925122" y="3556409"/>
             <a:ext cx="828000" cy="828000"/>
           </a:xfrm>
           <a:prstGeom prst="ellipse">
@@ -16351,10 +16015,10 @@
       </p:sp>
       <p:sp>
         <p:nvSpPr>
-          <p:cNvPr id="33" name="Ovale 32">
+          <p:cNvPr id="13" name="Ovale 12">
             <a:extLst>
               <a:ext uri="{FF2B5EF4-FFF2-40B4-BE49-F238E27FC236}">
-                <a16:creationId xmlns:a16="http://schemas.microsoft.com/office/drawing/2014/main" id="{3B5834CB-2D85-43AB-A4E1-5AA2D7AB67CC}"/>
+                <a16:creationId xmlns:a16="http://schemas.microsoft.com/office/drawing/2014/main" id="{E3C499B9-B0AB-4BA6-8595-98FDDB6D056D}"/>
               </a:ext>
             </a:extLst>
           </p:cNvPr>
@@ -16363,7 +16027,7 @@
         </p:nvSpPr>
         <p:spPr>
           <a:xfrm>
-            <a:off x="-921548" y="4826696"/>
+            <a:off x="-925122" y="4605144"/>
             <a:ext cx="828000" cy="828000"/>
           </a:xfrm>
           <a:prstGeom prst="ellipse">
@@ -16403,10 +16067,10 @@
       </p:sp>
       <p:sp>
         <p:nvSpPr>
-          <p:cNvPr id="34" name="Ovale 33">
+          <p:cNvPr id="14" name="Ovale 13">
             <a:extLst>
               <a:ext uri="{FF2B5EF4-FFF2-40B4-BE49-F238E27FC236}">
-                <a16:creationId xmlns:a16="http://schemas.microsoft.com/office/drawing/2014/main" id="{EBE12D95-23B5-40EA-942C-249C49F49539}"/>
+                <a16:creationId xmlns:a16="http://schemas.microsoft.com/office/drawing/2014/main" id="{EE97289B-6EAD-4B0B-9050-C551748A52A0}"/>
               </a:ext>
             </a:extLst>
           </p:cNvPr>
@@ -16415,7 +16079,7 @@
         </p:nvSpPr>
         <p:spPr>
           <a:xfrm>
-            <a:off x="-921548" y="5744747"/>
+            <a:off x="-925938" y="5690747"/>
             <a:ext cx="828000" cy="828000"/>
           </a:xfrm>
           <a:prstGeom prst="ellipse">
@@ -16455,10 +16119,10 @@
       </p:sp>
       <p:pic>
         <p:nvPicPr>
-          <p:cNvPr id="35" name="Elemento grafico 34" descr="Tiro a segno contorno">
+          <p:cNvPr id="15" name="Elemento grafico 14" descr="Tiro a segno contorno">
             <a:extLst>
               <a:ext uri="{FF2B5EF4-FFF2-40B4-BE49-F238E27FC236}">
-                <a16:creationId xmlns:a16="http://schemas.microsoft.com/office/drawing/2014/main" id="{753A4E9C-1310-4DA4-B30E-4F3078A6BBB8}"/>
+                <a16:creationId xmlns:a16="http://schemas.microsoft.com/office/drawing/2014/main" id="{EB10AEFA-EA37-450C-B6B9-A4784D75A7B9}"/>
               </a:ext>
             </a:extLst>
           </p:cNvPr>
@@ -16491,10 +16155,10 @@
       </p:pic>
       <p:pic>
         <p:nvPicPr>
-          <p:cNvPr id="36" name="Elemento grafico 35" descr="Ingranaggi contorno">
+          <p:cNvPr id="17" name="Elemento grafico 16" descr="Ingranaggi contorno">
             <a:extLst>
               <a:ext uri="{FF2B5EF4-FFF2-40B4-BE49-F238E27FC236}">
-                <a16:creationId xmlns:a16="http://schemas.microsoft.com/office/drawing/2014/main" id="{9F8C930C-6A6E-4240-9DF7-B80EF516B48A}"/>
+                <a16:creationId xmlns:a16="http://schemas.microsoft.com/office/drawing/2014/main" id="{BDB117D3-9984-44AE-BBFF-E072A085F84E}"/>
               </a:ext>
             </a:extLst>
           </p:cNvPr>
@@ -16527,10 +16191,10 @@
       </p:pic>
       <p:pic>
         <p:nvPicPr>
-          <p:cNvPr id="37" name="Elemento grafico 36" descr="Condividi con riempimento a tinta unita">
+          <p:cNvPr id="20" name="Segnaposto contenuto 9" descr="Utente contorno">
             <a:extLst>
               <a:ext uri="{FF2B5EF4-FFF2-40B4-BE49-F238E27FC236}">
-                <a16:creationId xmlns:a16="http://schemas.microsoft.com/office/drawing/2014/main" id="{42C2C5AA-49F6-4E55-8889-7F4AA048DBD0}"/>
+                <a16:creationId xmlns:a16="http://schemas.microsoft.com/office/drawing/2014/main" id="{05F1C3D9-E9FB-4FAF-91D3-4C851747AF7D}"/>
               </a:ext>
             </a:extLst>
           </p:cNvPr>
@@ -16553,43 +16217,7 @@
         </p:blipFill>
         <p:spPr>
           <a:xfrm>
-            <a:off x="839406" y="2083521"/>
-            <a:ext cx="780634" cy="780634"/>
-          </a:xfrm>
-          <a:prstGeom prst="rect">
-            <a:avLst/>
-          </a:prstGeom>
-        </p:spPr>
-      </p:pic>
-      <p:pic>
-        <p:nvPicPr>
-          <p:cNvPr id="38" name="Segnaposto contenuto 9" descr="Utente contorno">
-            <a:extLst>
-              <a:ext uri="{FF2B5EF4-FFF2-40B4-BE49-F238E27FC236}">
-                <a16:creationId xmlns:a16="http://schemas.microsoft.com/office/drawing/2014/main" id="{5762467F-B95A-420D-80B5-ED3BFC5C5D68}"/>
-              </a:ext>
-            </a:extLst>
-          </p:cNvPr>
-          <p:cNvPicPr>
-            <a:picLocks noChangeAspect="1"/>
-          </p:cNvPicPr>
-          <p:nvPr/>
-        </p:nvPicPr>
-        <p:blipFill>
-          <a:blip r:embed="rId8">
-            <a:extLst>
-              <a:ext uri="{96DAC541-7B7A-43D3-8B79-37D633B846F1}">
-                <asvg:svgBlip xmlns:asvg="http://schemas.microsoft.com/office/drawing/2016/SVG/main" r:embed="rId9"/>
-              </a:ext>
-            </a:extLst>
-          </a:blip>
-          <a:stretch>
-            <a:fillRect/>
-          </a:stretch>
-        </p:blipFill>
-        <p:spPr>
-          <a:xfrm>
-            <a:off x="-866732" y="3913277"/>
+            <a:off x="-870306" y="3554093"/>
             <a:ext cx="718368" cy="718368"/>
           </a:xfrm>
           <a:prstGeom prst="rect">
@@ -16599,10 +16227,10 @@
       </p:pic>
       <p:pic>
         <p:nvPicPr>
-          <p:cNvPr id="39" name="Elemento grafico 38" descr="Database contorno">
+          <p:cNvPr id="21" name="Elemento grafico 20" descr="Database contorno">
             <a:extLst>
               <a:ext uri="{FF2B5EF4-FFF2-40B4-BE49-F238E27FC236}">
-                <a16:creationId xmlns:a16="http://schemas.microsoft.com/office/drawing/2014/main" id="{CB70ACF4-5EAE-42AC-A9C4-6EBA2D5F17BF}"/>
+                <a16:creationId xmlns:a16="http://schemas.microsoft.com/office/drawing/2014/main" id="{6D01C2E6-5FE9-4975-AD11-1F42B37B5AE6}"/>
               </a:ext>
             </a:extLst>
           </p:cNvPr>
@@ -16612,10 +16240,10 @@
           <p:nvPr/>
         </p:nvPicPr>
         <p:blipFill>
-          <a:blip r:embed="rId10">
+          <a:blip r:embed="rId8">
             <a:extLst>
               <a:ext uri="{96DAC541-7B7A-43D3-8B79-37D633B846F1}">
-                <asvg:svgBlip xmlns:asvg="http://schemas.microsoft.com/office/drawing/2016/SVG/main" r:embed="rId11"/>
+                <asvg:svgBlip xmlns:asvg="http://schemas.microsoft.com/office/drawing/2016/SVG/main" r:embed="rId9"/>
               </a:ext>
             </a:extLst>
           </a:blip>
@@ -16625,7 +16253,7 @@
         </p:blipFill>
         <p:spPr>
           <a:xfrm>
-            <a:off x="-866732" y="4885375"/>
+            <a:off x="-870306" y="4659960"/>
             <a:ext cx="718368" cy="718368"/>
           </a:xfrm>
           <a:prstGeom prst="rect">
@@ -16635,10 +16263,10 @@
       </p:pic>
       <p:sp>
         <p:nvSpPr>
-          <p:cNvPr id="40" name="Ovale 39">
+          <p:cNvPr id="7" name="Ovale 6">
             <a:extLst>
               <a:ext uri="{FF2B5EF4-FFF2-40B4-BE49-F238E27FC236}">
-                <a16:creationId xmlns:a16="http://schemas.microsoft.com/office/drawing/2014/main" id="{A1D0670A-1449-4213-BDEE-5653870A65D5}"/>
+                <a16:creationId xmlns:a16="http://schemas.microsoft.com/office/drawing/2014/main" id="{0FF573E0-F50A-4F4C-A0F3-94A1ECF4F69F}"/>
               </a:ext>
             </a:extLst>
           </p:cNvPr>
@@ -16647,7 +16275,7 @@
         </p:nvSpPr>
         <p:spPr>
           <a:xfrm>
-            <a:off x="-949054" y="3004490"/>
+            <a:off x="815723" y="2490386"/>
             <a:ext cx="828000" cy="828000"/>
           </a:xfrm>
           <a:prstGeom prst="ellipse">
@@ -16687,10 +16315,10 @@
       </p:sp>
       <p:pic>
         <p:nvPicPr>
-          <p:cNvPr id="41" name="Segnaposto contenuto 7" descr="Blockchain contorno">
+          <p:cNvPr id="19" name="Segnaposto contenuto 7" descr="Blockchain contorno">
             <a:extLst>
               <a:ext uri="{FF2B5EF4-FFF2-40B4-BE49-F238E27FC236}">
-                <a16:creationId xmlns:a16="http://schemas.microsoft.com/office/drawing/2014/main" id="{C7DF65FA-79A5-410F-A8A4-01BFAD0BF399}"/>
+                <a16:creationId xmlns:a16="http://schemas.microsoft.com/office/drawing/2014/main" id="{E6B1700F-9040-4682-98BB-7B2E969C0733}"/>
               </a:ext>
             </a:extLst>
           </p:cNvPr>
@@ -16700,10 +16328,10 @@
           <p:nvPr/>
         </p:nvPicPr>
         <p:blipFill>
-          <a:blip r:embed="rId12">
+          <a:blip r:embed="rId10">
             <a:extLst>
               <a:ext uri="{96DAC541-7B7A-43D3-8B79-37D633B846F1}">
-                <asvg:svgBlip xmlns:asvg="http://schemas.microsoft.com/office/drawing/2016/SVG/main" r:embed="rId13"/>
+                <asvg:svgBlip xmlns:asvg="http://schemas.microsoft.com/office/drawing/2016/SVG/main" r:embed="rId11"/>
               </a:ext>
             </a:extLst>
           </a:blip>
@@ -16713,7 +16341,7 @@
         </p:blipFill>
         <p:spPr>
           <a:xfrm>
-            <a:off x="-894238" y="3052022"/>
+            <a:off x="870539" y="2490386"/>
             <a:ext cx="718368" cy="718368"/>
           </a:xfrm>
           <a:prstGeom prst="rect">
@@ -16723,10 +16351,10 @@
       </p:pic>
       <p:sp>
         <p:nvSpPr>
-          <p:cNvPr id="42" name="Figura a mano libera: forma 41">
+          <p:cNvPr id="29" name="Figura a mano libera: forma 28">
             <a:extLst>
               <a:ext uri="{FF2B5EF4-FFF2-40B4-BE49-F238E27FC236}">
-                <a16:creationId xmlns:a16="http://schemas.microsoft.com/office/drawing/2014/main" id="{DE6D121D-8749-4F9D-B356-C9649DDE3A82}"/>
+                <a16:creationId xmlns:a16="http://schemas.microsoft.com/office/drawing/2014/main" id="{4C745E4D-8AD3-45CF-871D-07F126470D58}"/>
               </a:ext>
             </a:extLst>
           </p:cNvPr>
@@ -16735,7 +16363,7 @@
         </p:nvSpPr>
         <p:spPr>
           <a:xfrm flipH="1">
-            <a:off x="0" y="-9003445"/>
+            <a:off x="0" y="-8574600"/>
             <a:ext cx="1229723" cy="22957972"/>
           </a:xfrm>
           <a:custGeom>
@@ -16980,12 +16608,47 @@
           </a:p>
         </p:txBody>
       </p:sp>
+      <p:sp>
+        <p:nvSpPr>
+          <p:cNvPr id="16" name="Segnaposto numero diapositiva 5">
+            <a:extLst>
+              <a:ext uri="{FF2B5EF4-FFF2-40B4-BE49-F238E27FC236}">
+                <a16:creationId xmlns:a16="http://schemas.microsoft.com/office/drawing/2014/main" id="{02CA51CB-D57C-4543-8737-F2B5C2866E1C}"/>
+              </a:ext>
+            </a:extLst>
+          </p:cNvPr>
+          <p:cNvSpPr>
+            <a:spLocks noGrp="1"/>
+          </p:cNvSpPr>
+          <p:nvPr>
+            <p:ph type="sldNum" sz="quarter" idx="12"/>
+          </p:nvPr>
+        </p:nvSpPr>
+        <p:spPr>
+          <a:xfrm>
+            <a:off x="10266795" y="6388793"/>
+            <a:ext cx="771089" cy="365125"/>
+          </a:xfrm>
+        </p:spPr>
+        <p:txBody>
+          <a:bodyPr/>
+          <a:lstStyle/>
+          <a:p>
+            <a:pPr rtl="0"/>
+            <a:fld id="{6D22F896-40B5-4ADD-8801-0D06FADFA095}" type="slidenum">
+              <a:rPr lang="it-IT" noProof="0" smtClean="0"/>
+              <a:t>3</a:t>
+            </a:fld>
+            <a:endParaRPr lang="it-IT" noProof="0" dirty="0"/>
+          </a:p>
+        </p:txBody>
+      </p:sp>
       <p:pic>
         <p:nvPicPr>
-          <p:cNvPr id="43" name="Elemento grafico 42" descr="Tiro a segno con riempimento a tinta unita">
+          <p:cNvPr id="23" name="Elemento grafico 22" descr="Tiro a segno con riempimento a tinta unita">
             <a:extLst>
               <a:ext uri="{FF2B5EF4-FFF2-40B4-BE49-F238E27FC236}">
-                <a16:creationId xmlns:a16="http://schemas.microsoft.com/office/drawing/2014/main" id="{1A338E8B-D893-4E9B-B5D1-535E1466CE57}"/>
+                <a16:creationId xmlns:a16="http://schemas.microsoft.com/office/drawing/2014/main" id="{D502047B-C131-42CE-9B5F-78E23B8D71FB}"/>
               </a:ext>
             </a:extLst>
           </p:cNvPr>
@@ -16995,10 +16658,10 @@
           <p:nvPr/>
         </p:nvPicPr>
         <p:blipFill>
-          <a:blip r:embed="rId14">
+          <a:blip r:embed="rId12">
             <a:extLst>
               <a:ext uri="{96DAC541-7B7A-43D3-8B79-37D633B846F1}">
-                <asvg:svgBlip xmlns:asvg="http://schemas.microsoft.com/office/drawing/2016/SVG/main" r:embed="rId15"/>
+                <asvg:svgBlip xmlns:asvg="http://schemas.microsoft.com/office/drawing/2016/SVG/main" r:embed="rId13"/>
               </a:ext>
             </a:extLst>
           </a:blip>
@@ -17017,10 +16680,10 @@
       </p:pic>
       <p:pic>
         <p:nvPicPr>
-          <p:cNvPr id="44" name="Elemento grafico 43" descr="Singolo ingranaggio con riempimento a tinta unita">
+          <p:cNvPr id="24" name="Elemento grafico 23" descr="Singolo ingranaggio con riempimento a tinta unita">
             <a:extLst>
               <a:ext uri="{FF2B5EF4-FFF2-40B4-BE49-F238E27FC236}">
-                <a16:creationId xmlns:a16="http://schemas.microsoft.com/office/drawing/2014/main" id="{8C7E79AB-0C64-45F1-8709-0E49F8F76923}"/>
+                <a16:creationId xmlns:a16="http://schemas.microsoft.com/office/drawing/2014/main" id="{25706FE3-655D-483E-9825-9402757AD9A1}"/>
               </a:ext>
             </a:extLst>
           </p:cNvPr>
@@ -17030,10 +16693,10 @@
           <p:nvPr/>
         </p:nvPicPr>
         <p:blipFill>
-          <a:blip r:embed="rId16">
+          <a:blip r:embed="rId14">
             <a:extLst>
               <a:ext uri="{96DAC541-7B7A-43D3-8B79-37D633B846F1}">
-                <asvg:svgBlip xmlns:asvg="http://schemas.microsoft.com/office/drawing/2016/SVG/main" r:embed="rId17"/>
+                <asvg:svgBlip xmlns:asvg="http://schemas.microsoft.com/office/drawing/2016/SVG/main" r:embed="rId15"/>
               </a:ext>
             </a:extLst>
           </a:blip>
@@ -17042,7 +16705,7 @@
         </p:blipFill>
         <p:spPr>
           <a:xfrm>
-            <a:off x="242109" y="1233237"/>
+            <a:off x="242109" y="1405599"/>
             <a:ext cx="718368" cy="718368"/>
           </a:xfrm>
           <a:prstGeom prst="rect">
@@ -17052,10 +16715,10 @@
       </p:pic>
       <p:pic>
         <p:nvPicPr>
-          <p:cNvPr id="45" name="Elemento grafico 44" descr="Condividi con riempimento a tinta unita">
+          <p:cNvPr id="26" name="Segnaposto contenuto 7" descr="Blockchain contorno">
             <a:extLst>
               <a:ext uri="{FF2B5EF4-FFF2-40B4-BE49-F238E27FC236}">
-                <a16:creationId xmlns:a16="http://schemas.microsoft.com/office/drawing/2014/main" id="{E3E4DDF8-E9A7-4A75-988D-3AAF47D690B4}"/>
+                <a16:creationId xmlns:a16="http://schemas.microsoft.com/office/drawing/2014/main" id="{ACB43C8A-165D-48D7-BBE6-15784402C125}"/>
               </a:ext>
             </a:extLst>
           </p:cNvPr>
@@ -17065,46 +16728,10 @@
           <p:nvPr/>
         </p:nvPicPr>
         <p:blipFill>
-          <a:blip r:embed="rId18">
+          <a:blip r:embed="rId16">
             <a:extLst>
               <a:ext uri="{96DAC541-7B7A-43D3-8B79-37D633B846F1}">
-                <asvg:svgBlip xmlns:asvg="http://schemas.microsoft.com/office/drawing/2016/SVG/main" r:embed="rId19"/>
-              </a:ext>
-            </a:extLst>
-          </a:blip>
-          <a:stretch>
-            <a:fillRect/>
-          </a:stretch>
-        </p:blipFill>
-        <p:spPr>
-          <a:xfrm>
-            <a:off x="210976" y="2111908"/>
-            <a:ext cx="780634" cy="780634"/>
-          </a:xfrm>
-          <a:prstGeom prst="rect">
-            <a:avLst/>
-          </a:prstGeom>
-        </p:spPr>
-      </p:pic>
-      <p:pic>
-        <p:nvPicPr>
-          <p:cNvPr id="46" name="Segnaposto contenuto 7" descr="Blockchain contorno">
-            <a:extLst>
-              <a:ext uri="{FF2B5EF4-FFF2-40B4-BE49-F238E27FC236}">
-                <a16:creationId xmlns:a16="http://schemas.microsoft.com/office/drawing/2014/main" id="{C4809F84-C440-4AFE-8E72-4C1F1BC9F01A}"/>
-              </a:ext>
-            </a:extLst>
-          </p:cNvPr>
-          <p:cNvPicPr>
-            <a:picLocks noChangeAspect="1"/>
-          </p:cNvPicPr>
-          <p:nvPr/>
-        </p:nvPicPr>
-        <p:blipFill>
-          <a:blip r:embed="rId20">
-            <a:extLst>
-              <a:ext uri="{96DAC541-7B7A-43D3-8B79-37D633B846F1}">
-                <asvg:svgBlip xmlns:asvg="http://schemas.microsoft.com/office/drawing/2016/SVG/main" r:embed="rId21"/>
+                <asvg:svgBlip xmlns:asvg="http://schemas.microsoft.com/office/drawing/2016/SVG/main" r:embed="rId17"/>
               </a:ext>
             </a:extLst>
           </a:blip>
@@ -17124,10 +16751,10 @@
       </p:pic>
       <p:pic>
         <p:nvPicPr>
-          <p:cNvPr id="47" name="Segnaposto contenuto 9" descr="Utente con riempimento a tinta unita">
+          <p:cNvPr id="27" name="Segnaposto contenuto 9" descr="Utente con riempimento a tinta unita">
             <a:extLst>
               <a:ext uri="{FF2B5EF4-FFF2-40B4-BE49-F238E27FC236}">
-                <a16:creationId xmlns:a16="http://schemas.microsoft.com/office/drawing/2014/main" id="{853C4ED5-572D-4ACF-8F3E-9A4AB7BD11C5}"/>
+                <a16:creationId xmlns:a16="http://schemas.microsoft.com/office/drawing/2014/main" id="{0EBA6631-9D0B-4C08-82A7-DC5114B16570}"/>
               </a:ext>
             </a:extLst>
           </p:cNvPr>
@@ -17137,10 +16764,10 @@
           <p:nvPr/>
         </p:nvPicPr>
         <p:blipFill>
-          <a:blip r:embed="rId22">
+          <a:blip r:embed="rId18">
             <a:extLst>
               <a:ext uri="{96DAC541-7B7A-43D3-8B79-37D633B846F1}">
-                <asvg:svgBlip xmlns:asvg="http://schemas.microsoft.com/office/drawing/2016/SVG/main" r:embed="rId23"/>
+                <asvg:svgBlip xmlns:asvg="http://schemas.microsoft.com/office/drawing/2016/SVG/main" r:embed="rId19"/>
               </a:ext>
             </a:extLst>
           </a:blip>
@@ -17149,7 +16776,7 @@
         </p:blipFill>
         <p:spPr>
           <a:xfrm>
-            <a:off x="242109" y="3913277"/>
+            <a:off x="242109" y="3555251"/>
             <a:ext cx="718368" cy="718368"/>
           </a:xfrm>
           <a:prstGeom prst="rect">
@@ -17159,10 +16786,10 @@
       </p:pic>
       <p:pic>
         <p:nvPicPr>
-          <p:cNvPr id="48" name="Elemento grafico 47" descr="Database con riempimento a tinta unita">
+          <p:cNvPr id="28" name="Elemento grafico 27" descr="Database con riempimento a tinta unita">
             <a:extLst>
               <a:ext uri="{FF2B5EF4-FFF2-40B4-BE49-F238E27FC236}">
-                <a16:creationId xmlns:a16="http://schemas.microsoft.com/office/drawing/2014/main" id="{CE8951B4-5E13-486E-8FF8-2985C73E930C}"/>
+                <a16:creationId xmlns:a16="http://schemas.microsoft.com/office/drawing/2014/main" id="{8F323B9E-9420-4774-911C-C367FD14FF4F}"/>
               </a:ext>
             </a:extLst>
           </p:cNvPr>
@@ -17172,10 +16799,10 @@
           <p:nvPr/>
         </p:nvPicPr>
         <p:blipFill>
-          <a:blip r:embed="rId24">
+          <a:blip r:embed="rId20">
             <a:extLst>
               <a:ext uri="{96DAC541-7B7A-43D3-8B79-37D633B846F1}">
-                <asvg:svgBlip xmlns:asvg="http://schemas.microsoft.com/office/drawing/2016/SVG/main" r:embed="rId25"/>
+                <asvg:svgBlip xmlns:asvg="http://schemas.microsoft.com/office/drawing/2016/SVG/main" r:embed="rId21"/>
               </a:ext>
             </a:extLst>
           </a:blip>
@@ -17184,7 +16811,7 @@
         </p:blipFill>
         <p:spPr>
           <a:xfrm>
-            <a:off x="242109" y="4885375"/>
+            <a:off x="242109" y="4659960"/>
             <a:ext cx="718368" cy="718368"/>
           </a:xfrm>
           <a:prstGeom prst="rect">
@@ -17194,10 +16821,10 @@
       </p:pic>
       <p:pic>
         <p:nvPicPr>
-          <p:cNvPr id="24" name="Elemento grafico 23" descr="Idrante antincendio rotto con riempimento a tinta unita">
+          <p:cNvPr id="30" name="Elemento grafico 29" descr="Idrante antincendio rotto con riempimento a tinta unita">
             <a:extLst>
               <a:ext uri="{FF2B5EF4-FFF2-40B4-BE49-F238E27FC236}">
-                <a16:creationId xmlns:a16="http://schemas.microsoft.com/office/drawing/2014/main" id="{DE3A58D8-B7D6-4D92-B6D7-76573AFA2D9E}"/>
+                <a16:creationId xmlns:a16="http://schemas.microsoft.com/office/drawing/2014/main" id="{4C6B5D36-D1A9-4D89-8D81-22219E0511F6}"/>
               </a:ext>
             </a:extLst>
           </p:cNvPr>
@@ -17207,10 +16834,10 @@
           <p:nvPr/>
         </p:nvPicPr>
         <p:blipFill>
-          <a:blip r:embed="rId26">
+          <a:blip r:embed="rId22">
             <a:extLst>
               <a:ext uri="{96DAC541-7B7A-43D3-8B79-37D633B846F1}">
-                <asvg:svgBlip xmlns:asvg="http://schemas.microsoft.com/office/drawing/2016/SVG/main" r:embed="rId27"/>
+                <asvg:svgBlip xmlns:asvg="http://schemas.microsoft.com/office/drawing/2016/SVG/main" r:embed="rId23"/>
               </a:ext>
             </a:extLst>
           </a:blip>
@@ -17229,10 +16856,10 @@
       </p:pic>
       <p:sp>
         <p:nvSpPr>
-          <p:cNvPr id="25" name="CasellaDiTesto 24">
+          <p:cNvPr id="31" name="CasellaDiTesto 30">
             <a:extLst>
               <a:ext uri="{FF2B5EF4-FFF2-40B4-BE49-F238E27FC236}">
-                <a16:creationId xmlns:a16="http://schemas.microsoft.com/office/drawing/2014/main" id="{0E3F4E56-1545-4E64-BBE1-5322C02ED0EA}"/>
+                <a16:creationId xmlns:a16="http://schemas.microsoft.com/office/drawing/2014/main" id="{567C78B4-1DD2-4EFC-9E86-4EAAAEDF675D}"/>
               </a:ext>
             </a:extLst>
           </p:cNvPr>
@@ -17241,8 +16868,8 @@
         </p:nvSpPr>
         <p:spPr>
           <a:xfrm>
-            <a:off x="-107059" y="2362131"/>
-            <a:ext cx="1067536" cy="307777"/>
+            <a:off x="-97938" y="2404387"/>
+            <a:ext cx="1067536" cy="292388"/>
           </a:xfrm>
           <a:prstGeom prst="rect">
             <a:avLst/>
@@ -17256,24 +16883,31 @@
           <a:lstStyle/>
           <a:p>
             <a:r>
-              <a:rPr lang="it-IT" sz="1400" dirty="0">
+              <a:rPr lang="it-IT" sz="1300" dirty="0">
                 <a:solidFill>
                   <a:schemeClr val="accent2">
                     <a:lumMod val="75000"/>
                   </a:schemeClr>
                 </a:solidFill>
               </a:rPr>
-              <a:t>INTERFACE</a:t>
+              <a:t>OPERAZIONI</a:t>
             </a:r>
+            <a:endParaRPr lang="it-IT" sz="1400" dirty="0">
+              <a:solidFill>
+                <a:schemeClr val="accent2">
+                  <a:lumMod val="75000"/>
+                </a:schemeClr>
+              </a:solidFill>
+            </a:endParaRPr>
           </a:p>
         </p:txBody>
       </p:sp>
       <p:pic>
         <p:nvPicPr>
-          <p:cNvPr id="27" name="Elemento grafico 26" descr="Idrante antincendio rotto con riempimento a tinta unita">
+          <p:cNvPr id="32" name="Elemento grafico 31" descr="Idrante antincendio rotto con riempimento a tinta unita">
             <a:extLst>
               <a:ext uri="{FF2B5EF4-FFF2-40B4-BE49-F238E27FC236}">
-                <a16:creationId xmlns:a16="http://schemas.microsoft.com/office/drawing/2014/main" id="{DDD07CA0-B809-499C-AB0E-1076F8BD57FA}"/>
+                <a16:creationId xmlns:a16="http://schemas.microsoft.com/office/drawing/2014/main" id="{DDB8651A-C931-4084-8034-CE01FD763038}"/>
               </a:ext>
             </a:extLst>
           </p:cNvPr>
@@ -17283,10 +16917,10 @@
           <p:nvPr/>
         </p:nvPicPr>
         <p:blipFill>
-          <a:blip r:embed="rId28">
+          <a:blip r:embed="rId24">
             <a:extLst>
               <a:ext uri="{96DAC541-7B7A-43D3-8B79-37D633B846F1}">
-                <asvg:svgBlip xmlns:asvg="http://schemas.microsoft.com/office/drawing/2016/SVG/main" r:embed="rId29"/>
+                <asvg:svgBlip xmlns:asvg="http://schemas.microsoft.com/office/drawing/2016/SVG/main" r:embed="rId25"/>
               </a:ext>
             </a:extLst>
           </a:blip>
@@ -17295,7 +16929,7 @@
         </p:blipFill>
         <p:spPr>
           <a:xfrm>
-            <a:off x="-867548" y="5798747"/>
+            <a:off x="-871938" y="5744747"/>
             <a:ext cx="720000" cy="720000"/>
           </a:xfrm>
           <a:prstGeom prst="rect">
@@ -17303,10 +16937,53 @@
           </a:prstGeom>
         </p:spPr>
       </p:pic>
+      <p:pic>
+        <p:nvPicPr>
+          <p:cNvPr id="33" name="Immagine 32">
+            <a:extLst>
+              <a:ext uri="{FF2B5EF4-FFF2-40B4-BE49-F238E27FC236}">
+                <a16:creationId xmlns:a16="http://schemas.microsoft.com/office/drawing/2014/main" id="{E36666CA-8085-4D9B-9492-FD96F6CEA3BA}"/>
+              </a:ext>
+            </a:extLst>
+          </p:cNvPr>
+          <p:cNvPicPr>
+            <a:picLocks noChangeAspect="1"/>
+          </p:cNvPicPr>
+          <p:nvPr/>
+        </p:nvPicPr>
+        <p:blipFill>
+          <a:blip r:embed="rId26">
+            <a:alphaModFix/>
+          </a:blip>
+          <a:stretch>
+            <a:fillRect/>
+          </a:stretch>
+        </p:blipFill>
+        <p:spPr>
+          <a:xfrm>
+            <a:off x="12470270" y="2400507"/>
+            <a:ext cx="2802478" cy="1725369"/>
+          </a:xfrm>
+          <a:prstGeom prst="roundRect">
+            <a:avLst>
+              <a:gd name="adj" fmla="val 2487"/>
+            </a:avLst>
+          </a:prstGeom>
+          <a:solidFill>
+            <a:srgbClr val="FFFFFF">
+              <a:shade val="85000"/>
+            </a:srgbClr>
+          </a:solidFill>
+          <a:ln>
+            <a:noFill/>
+          </a:ln>
+          <a:effectLst/>
+        </p:spPr>
+      </p:pic>
     </p:spTree>
     <p:extLst>
       <p:ext uri="{BB962C8B-B14F-4D97-AF65-F5344CB8AC3E}">
-        <p14:creationId xmlns:p14="http://schemas.microsoft.com/office/powerpoint/2010/main" val="2340589119"/>
+        <p14:creationId xmlns:p14="http://schemas.microsoft.com/office/powerpoint/2010/main" val="2134410294"/>
       </p:ext>
     </p:extLst>
   </p:cSld>
@@ -17355,10 +17032,45 @@
       </p:grpSpPr>
       <p:sp>
         <p:nvSpPr>
+          <p:cNvPr id="16" name="Segnaposto numero diapositiva 5">
+            <a:extLst>
+              <a:ext uri="{FF2B5EF4-FFF2-40B4-BE49-F238E27FC236}">
+                <a16:creationId xmlns:a16="http://schemas.microsoft.com/office/drawing/2014/main" id="{02CA51CB-D57C-4543-8737-F2B5C2866E1C}"/>
+              </a:ext>
+            </a:extLst>
+          </p:cNvPr>
+          <p:cNvSpPr>
+            <a:spLocks noGrp="1"/>
+          </p:cNvSpPr>
+          <p:nvPr>
+            <p:ph type="sldNum" sz="quarter" idx="12"/>
+          </p:nvPr>
+        </p:nvSpPr>
+        <p:spPr>
+          <a:xfrm>
+            <a:off x="10266795" y="6388793"/>
+            <a:ext cx="771089" cy="365125"/>
+          </a:xfrm>
+        </p:spPr>
+        <p:txBody>
+          <a:bodyPr/>
+          <a:lstStyle/>
+          <a:p>
+            <a:pPr rtl="0"/>
+            <a:fld id="{6D22F896-40B5-4ADD-8801-0D06FADFA095}" type="slidenum">
+              <a:rPr lang="it-IT" noProof="0" smtClean="0"/>
+              <a:t>4</a:t>
+            </a:fld>
+            <a:endParaRPr lang="it-IT" noProof="0" dirty="0"/>
+          </a:p>
+        </p:txBody>
+      </p:sp>
+      <p:sp>
+        <p:nvSpPr>
           <p:cNvPr id="8" name="Ovale 7">
             <a:extLst>
               <a:ext uri="{FF2B5EF4-FFF2-40B4-BE49-F238E27FC236}">
-                <a16:creationId xmlns:a16="http://schemas.microsoft.com/office/drawing/2014/main" id="{CD629D74-F096-4080-B149-8187386A577E}"/>
+                <a16:creationId xmlns:a16="http://schemas.microsoft.com/office/drawing/2014/main" id="{608E348B-5C5B-4BD5-BE00-FC207FEB64D5}"/>
               </a:ext>
             </a:extLst>
           </p:cNvPr>
@@ -17367,7 +17079,7 @@
         </p:nvSpPr>
         <p:spPr>
           <a:xfrm>
-            <a:off x="-921548" y="2091071"/>
+            <a:off x="-902182" y="1360767"/>
             <a:ext cx="828000" cy="828000"/>
           </a:xfrm>
           <a:prstGeom prst="ellipse">
@@ -17410,59 +17122,7 @@
           <p:cNvPr id="9" name="Ovale 8">
             <a:extLst>
               <a:ext uri="{FF2B5EF4-FFF2-40B4-BE49-F238E27FC236}">
-                <a16:creationId xmlns:a16="http://schemas.microsoft.com/office/drawing/2014/main" id="{8C46C454-87C3-4560-9BFE-C5513764E15B}"/>
-              </a:ext>
-            </a:extLst>
-          </p:cNvPr>
-          <p:cNvSpPr/>
-          <p:nvPr/>
-        </p:nvSpPr>
-        <p:spPr>
-          <a:xfrm>
-            <a:off x="-921548" y="1177652"/>
-            <a:ext cx="828000" cy="828000"/>
-          </a:xfrm>
-          <a:prstGeom prst="ellipse">
-            <a:avLst/>
-          </a:prstGeom>
-          <a:solidFill>
-            <a:schemeClr val="tx1"/>
-          </a:solidFill>
-          <a:ln>
-            <a:noFill/>
-          </a:ln>
-        </p:spPr>
-        <p:style>
-          <a:lnRef idx="2">
-            <a:schemeClr val="accent1">
-              <a:shade val="50000"/>
-            </a:schemeClr>
-          </a:lnRef>
-          <a:fillRef idx="1">
-            <a:schemeClr val="accent1"/>
-          </a:fillRef>
-          <a:effectRef idx="0">
-            <a:schemeClr val="accent1"/>
-          </a:effectRef>
-          <a:fontRef idx="minor">
-            <a:schemeClr val="lt1"/>
-          </a:fontRef>
-        </p:style>
-        <p:txBody>
-          <a:bodyPr rtlCol="0" anchor="ctr"/>
-          <a:lstStyle/>
-          <a:p>
-            <a:pPr algn="ctr"/>
-            <a:endParaRPr lang="it-IT" b="1"/>
-          </a:p>
-        </p:txBody>
-      </p:sp>
-      <p:sp>
-        <p:nvSpPr>
-          <p:cNvPr id="10" name="Ovale 9">
-            <a:extLst>
-              <a:ext uri="{FF2B5EF4-FFF2-40B4-BE49-F238E27FC236}">
-                <a16:creationId xmlns:a16="http://schemas.microsoft.com/office/drawing/2014/main" id="{DA75A8DD-643D-4EB8-84F2-14866949246F}"/>
+                <a16:creationId xmlns:a16="http://schemas.microsoft.com/office/drawing/2014/main" id="{C98B8E1B-D00E-4AB0-A4DA-EAC103B50F3F}"/>
               </a:ext>
             </a:extLst>
           </p:cNvPr>
@@ -17511,10 +17171,10 @@
       </p:sp>
       <p:sp>
         <p:nvSpPr>
-          <p:cNvPr id="11" name="Ovale 10">
+          <p:cNvPr id="10" name="Ovale 9">
             <a:extLst>
               <a:ext uri="{FF2B5EF4-FFF2-40B4-BE49-F238E27FC236}">
-                <a16:creationId xmlns:a16="http://schemas.microsoft.com/office/drawing/2014/main" id="{8C0C9DE3-DBD1-4E0A-9601-3FC8309BAECE}"/>
+                <a16:creationId xmlns:a16="http://schemas.microsoft.com/office/drawing/2014/main" id="{2769B434-B71C-4155-BB92-C9F5B3B0B0F3}"/>
               </a:ext>
             </a:extLst>
           </p:cNvPr>
@@ -17523,7 +17183,7 @@
         </p:nvSpPr>
         <p:spPr>
           <a:xfrm>
-            <a:off x="-921548" y="3915593"/>
+            <a:off x="815723" y="3552757"/>
             <a:ext cx="828000" cy="828000"/>
           </a:xfrm>
           <a:prstGeom prst="ellipse">
@@ -17563,10 +17223,10 @@
       </p:sp>
       <p:sp>
         <p:nvSpPr>
-          <p:cNvPr id="13" name="Ovale 12">
+          <p:cNvPr id="11" name="Ovale 10">
             <a:extLst>
               <a:ext uri="{FF2B5EF4-FFF2-40B4-BE49-F238E27FC236}">
-                <a16:creationId xmlns:a16="http://schemas.microsoft.com/office/drawing/2014/main" id="{E3C499B9-B0AB-4BA6-8595-98FDDB6D056D}"/>
+                <a16:creationId xmlns:a16="http://schemas.microsoft.com/office/drawing/2014/main" id="{EC76A17D-3242-4BD8-B005-6B712E1D20D3}"/>
               </a:ext>
             </a:extLst>
           </p:cNvPr>
@@ -17575,7 +17235,7 @@
         </p:nvSpPr>
         <p:spPr>
           <a:xfrm>
-            <a:off x="-921548" y="4826696"/>
+            <a:off x="-910447" y="4659960"/>
             <a:ext cx="828000" cy="828000"/>
           </a:xfrm>
           <a:prstGeom prst="ellipse">
@@ -17615,10 +17275,10 @@
       </p:sp>
       <p:sp>
         <p:nvSpPr>
-          <p:cNvPr id="14" name="Ovale 13">
+          <p:cNvPr id="13" name="Ovale 12">
             <a:extLst>
               <a:ext uri="{FF2B5EF4-FFF2-40B4-BE49-F238E27FC236}">
-                <a16:creationId xmlns:a16="http://schemas.microsoft.com/office/drawing/2014/main" id="{EE97289B-6EAD-4B0B-9050-C551748A52A0}"/>
+                <a16:creationId xmlns:a16="http://schemas.microsoft.com/office/drawing/2014/main" id="{561EB7DC-28DB-4BE1-9152-D0201F3020AE}"/>
               </a:ext>
             </a:extLst>
           </p:cNvPr>
@@ -17667,10 +17327,10 @@
       </p:sp>
       <p:pic>
         <p:nvPicPr>
-          <p:cNvPr id="15" name="Elemento grafico 14" descr="Tiro a segno contorno">
+          <p:cNvPr id="14" name="Elemento grafico 13" descr="Tiro a segno contorno">
             <a:extLst>
               <a:ext uri="{FF2B5EF4-FFF2-40B4-BE49-F238E27FC236}">
-                <a16:creationId xmlns:a16="http://schemas.microsoft.com/office/drawing/2014/main" id="{EB10AEFA-EA37-450C-B6B9-A4784D75A7B9}"/>
+                <a16:creationId xmlns:a16="http://schemas.microsoft.com/office/drawing/2014/main" id="{3C27E02F-4946-4FEC-BD68-B2104A1DA230}"/>
               </a:ext>
             </a:extLst>
           </p:cNvPr>
@@ -17703,10 +17363,10 @@
       </p:pic>
       <p:pic>
         <p:nvPicPr>
-          <p:cNvPr id="17" name="Elemento grafico 16" descr="Ingranaggi contorno">
+          <p:cNvPr id="15" name="Elemento grafico 14" descr="Ingranaggi contorno">
             <a:extLst>
               <a:ext uri="{FF2B5EF4-FFF2-40B4-BE49-F238E27FC236}">
-                <a16:creationId xmlns:a16="http://schemas.microsoft.com/office/drawing/2014/main" id="{BDB117D3-9984-44AE-BBFF-E072A085F84E}"/>
+                <a16:creationId xmlns:a16="http://schemas.microsoft.com/office/drawing/2014/main" id="{C5039894-E757-4503-8F78-9ECB13AFDAED}"/>
               </a:ext>
             </a:extLst>
           </p:cNvPr>
@@ -17729,7 +17389,7 @@
         </p:blipFill>
         <p:spPr>
           <a:xfrm>
-            <a:off x="-866732" y="1233237"/>
+            <a:off x="-866732" y="1416399"/>
             <a:ext cx="718368" cy="718368"/>
           </a:xfrm>
           <a:prstGeom prst="rect">
@@ -17739,10 +17399,10 @@
       </p:pic>
       <p:pic>
         <p:nvPicPr>
-          <p:cNvPr id="18" name="Elemento grafico 17" descr="Condividi con riempimento a tinta unita">
+          <p:cNvPr id="18" name="Segnaposto contenuto 9" descr="Utente con riempimento a tinta unita">
             <a:extLst>
               <a:ext uri="{FF2B5EF4-FFF2-40B4-BE49-F238E27FC236}">
-                <a16:creationId xmlns:a16="http://schemas.microsoft.com/office/drawing/2014/main" id="{85CAC16D-90F7-42C3-A9E5-7E158169A436}"/>
+                <a16:creationId xmlns:a16="http://schemas.microsoft.com/office/drawing/2014/main" id="{641F713D-465F-4B4B-938D-2DA6E056A207}"/>
               </a:ext>
             </a:extLst>
           </p:cNvPr>
@@ -17759,49 +17419,12 @@
               </a:ext>
             </a:extLst>
           </a:blip>
-          <a:stretch>
-            <a:fillRect/>
-          </a:stretch>
+          <a:srcRect/>
+          <a:stretch/>
         </p:blipFill>
         <p:spPr>
           <a:xfrm>
-            <a:off x="-897865" y="2111908"/>
-            <a:ext cx="780634" cy="780634"/>
-          </a:xfrm>
-          <a:prstGeom prst="rect">
-            <a:avLst/>
-          </a:prstGeom>
-        </p:spPr>
-      </p:pic>
-      <p:pic>
-        <p:nvPicPr>
-          <p:cNvPr id="20" name="Segnaposto contenuto 9" descr="Utente contorno">
-            <a:extLst>
-              <a:ext uri="{FF2B5EF4-FFF2-40B4-BE49-F238E27FC236}">
-                <a16:creationId xmlns:a16="http://schemas.microsoft.com/office/drawing/2014/main" id="{05F1C3D9-E9FB-4FAF-91D3-4C851747AF7D}"/>
-              </a:ext>
-            </a:extLst>
-          </p:cNvPr>
-          <p:cNvPicPr>
-            <a:picLocks noChangeAspect="1"/>
-          </p:cNvPicPr>
-          <p:nvPr/>
-        </p:nvPicPr>
-        <p:blipFill>
-          <a:blip r:embed="rId8">
-            <a:extLst>
-              <a:ext uri="{96DAC541-7B7A-43D3-8B79-37D633B846F1}">
-                <asvg:svgBlip xmlns:asvg="http://schemas.microsoft.com/office/drawing/2016/SVG/main" r:embed="rId9"/>
-              </a:ext>
-            </a:extLst>
-          </a:blip>
-          <a:stretch>
-            <a:fillRect/>
-          </a:stretch>
-        </p:blipFill>
-        <p:spPr>
-          <a:xfrm>
-            <a:off x="-866732" y="3913277"/>
+            <a:off x="870539" y="3575173"/>
             <a:ext cx="718368" cy="718368"/>
           </a:xfrm>
           <a:prstGeom prst="rect">
@@ -17811,10 +17434,10 @@
       </p:pic>
       <p:pic>
         <p:nvPicPr>
-          <p:cNvPr id="21" name="Elemento grafico 20" descr="Database contorno">
+          <p:cNvPr id="19" name="Elemento grafico 18" descr="Database contorno">
             <a:extLst>
               <a:ext uri="{FF2B5EF4-FFF2-40B4-BE49-F238E27FC236}">
-                <a16:creationId xmlns:a16="http://schemas.microsoft.com/office/drawing/2014/main" id="{6D01C2E6-5FE9-4975-AD11-1F42B37B5AE6}"/>
+                <a16:creationId xmlns:a16="http://schemas.microsoft.com/office/drawing/2014/main" id="{6B007BB4-3D91-406F-8527-FC090EE17250}"/>
               </a:ext>
             </a:extLst>
           </p:cNvPr>
@@ -17824,10 +17447,10 @@
           <p:nvPr/>
         </p:nvPicPr>
         <p:blipFill>
-          <a:blip r:embed="rId10">
+          <a:blip r:embed="rId8">
             <a:extLst>
               <a:ext uri="{96DAC541-7B7A-43D3-8B79-37D633B846F1}">
-                <asvg:svgBlip xmlns:asvg="http://schemas.microsoft.com/office/drawing/2016/SVG/main" r:embed="rId11"/>
+                <asvg:svgBlip xmlns:asvg="http://schemas.microsoft.com/office/drawing/2016/SVG/main" r:embed="rId9"/>
               </a:ext>
             </a:extLst>
           </a:blip>
@@ -17837,7 +17460,7 @@
         </p:blipFill>
         <p:spPr>
           <a:xfrm>
-            <a:off x="-866732" y="4885375"/>
+            <a:off x="-866732" y="4703160"/>
             <a:ext cx="718368" cy="718368"/>
           </a:xfrm>
           <a:prstGeom prst="rect">
@@ -17847,10 +17470,10 @@
       </p:pic>
       <p:sp>
         <p:nvSpPr>
-          <p:cNvPr id="7" name="Ovale 6">
+          <p:cNvPr id="20" name="Ovale 19">
             <a:extLst>
               <a:ext uri="{FF2B5EF4-FFF2-40B4-BE49-F238E27FC236}">
-                <a16:creationId xmlns:a16="http://schemas.microsoft.com/office/drawing/2014/main" id="{0FF573E0-F50A-4F4C-A0F3-94A1ECF4F69F}"/>
+                <a16:creationId xmlns:a16="http://schemas.microsoft.com/office/drawing/2014/main" id="{A14AC0E5-863B-46F8-BEA7-832DDCAB9BCF}"/>
               </a:ext>
             </a:extLst>
           </p:cNvPr>
@@ -17859,7 +17482,7 @@
         </p:nvSpPr>
         <p:spPr>
           <a:xfrm>
-            <a:off x="815723" y="3004490"/>
+            <a:off x="-921548" y="2495448"/>
             <a:ext cx="828000" cy="828000"/>
           </a:xfrm>
           <a:prstGeom prst="ellipse">
@@ -17899,10 +17522,10 @@
       </p:sp>
       <p:pic>
         <p:nvPicPr>
-          <p:cNvPr id="19" name="Segnaposto contenuto 7" descr="Blockchain contorno">
+          <p:cNvPr id="21" name="Segnaposto contenuto 7" descr="Blockchain contorno">
             <a:extLst>
               <a:ext uri="{FF2B5EF4-FFF2-40B4-BE49-F238E27FC236}">
-                <a16:creationId xmlns:a16="http://schemas.microsoft.com/office/drawing/2014/main" id="{E6B1700F-9040-4682-98BB-7B2E969C0733}"/>
+                <a16:creationId xmlns:a16="http://schemas.microsoft.com/office/drawing/2014/main" id="{7A6AF9BE-EC89-47A6-9ED7-D20D7E216234}"/>
               </a:ext>
             </a:extLst>
           </p:cNvPr>
@@ -17912,10 +17535,10 @@
           <p:nvPr/>
         </p:nvPicPr>
         <p:blipFill>
-          <a:blip r:embed="rId12">
+          <a:blip r:embed="rId10">
             <a:extLst>
               <a:ext uri="{96DAC541-7B7A-43D3-8B79-37D633B846F1}">
-                <asvg:svgBlip xmlns:asvg="http://schemas.microsoft.com/office/drawing/2016/SVG/main" r:embed="rId13"/>
+                <asvg:svgBlip xmlns:asvg="http://schemas.microsoft.com/office/drawing/2016/SVG/main" r:embed="rId11"/>
               </a:ext>
             </a:extLst>
           </a:blip>
@@ -17925,7 +17548,7 @@
         </p:blipFill>
         <p:spPr>
           <a:xfrm>
-            <a:off x="870539" y="3052022"/>
+            <a:off x="-866732" y="2511986"/>
             <a:ext cx="718368" cy="718368"/>
           </a:xfrm>
           <a:prstGeom prst="rect">
@@ -17935,10 +17558,10 @@
       </p:pic>
       <p:sp>
         <p:nvSpPr>
-          <p:cNvPr id="29" name="Figura a mano libera: forma 28">
+          <p:cNvPr id="22" name="Figura a mano libera: forma 21">
             <a:extLst>
               <a:ext uri="{FF2B5EF4-FFF2-40B4-BE49-F238E27FC236}">
-                <a16:creationId xmlns:a16="http://schemas.microsoft.com/office/drawing/2014/main" id="{4C745E4D-8AD3-45CF-871D-07F126470D58}"/>
+                <a16:creationId xmlns:a16="http://schemas.microsoft.com/office/drawing/2014/main" id="{5F4D36A5-1D2D-4A2E-85BC-D6789A6158C7}"/>
               </a:ext>
             </a:extLst>
           </p:cNvPr>
@@ -17947,7 +17570,7 @@
         </p:nvSpPr>
         <p:spPr>
           <a:xfrm flipH="1">
-            <a:off x="0" y="-8067780"/>
+            <a:off x="0" y="-7512229"/>
             <a:ext cx="1229723" cy="22957972"/>
           </a:xfrm>
           <a:custGeom>
@@ -18192,47 +17815,12 @@
           </a:p>
         </p:txBody>
       </p:sp>
-      <p:sp>
-        <p:nvSpPr>
-          <p:cNvPr id="16" name="Segnaposto numero diapositiva 5">
-            <a:extLst>
-              <a:ext uri="{FF2B5EF4-FFF2-40B4-BE49-F238E27FC236}">
-                <a16:creationId xmlns:a16="http://schemas.microsoft.com/office/drawing/2014/main" id="{02CA51CB-D57C-4543-8737-F2B5C2866E1C}"/>
-              </a:ext>
-            </a:extLst>
-          </p:cNvPr>
-          <p:cNvSpPr>
-            <a:spLocks noGrp="1"/>
-          </p:cNvSpPr>
-          <p:nvPr>
-            <p:ph type="sldNum" sz="quarter" idx="12"/>
-          </p:nvPr>
-        </p:nvSpPr>
-        <p:spPr>
-          <a:xfrm>
-            <a:off x="10266795" y="6388793"/>
-            <a:ext cx="771089" cy="365125"/>
-          </a:xfrm>
-        </p:spPr>
-        <p:txBody>
-          <a:bodyPr/>
-          <a:lstStyle/>
-          <a:p>
-            <a:pPr rtl="0"/>
-            <a:fld id="{6D22F896-40B5-4ADD-8801-0D06FADFA095}" type="slidenum">
-              <a:rPr lang="it-IT" noProof="0" smtClean="0"/>
-              <a:t>4</a:t>
-            </a:fld>
-            <a:endParaRPr lang="it-IT" noProof="0" dirty="0"/>
-          </a:p>
-        </p:txBody>
-      </p:sp>
       <p:pic>
         <p:nvPicPr>
           <p:cNvPr id="23" name="Elemento grafico 22" descr="Tiro a segno con riempimento a tinta unita">
             <a:extLst>
               <a:ext uri="{FF2B5EF4-FFF2-40B4-BE49-F238E27FC236}">
-                <a16:creationId xmlns:a16="http://schemas.microsoft.com/office/drawing/2014/main" id="{D502047B-C131-42CE-9B5F-78E23B8D71FB}"/>
+                <a16:creationId xmlns:a16="http://schemas.microsoft.com/office/drawing/2014/main" id="{8CFC18D5-1549-4780-ABA0-E1A9700B8BA3}"/>
               </a:ext>
             </a:extLst>
           </p:cNvPr>
@@ -18242,10 +17830,10 @@
           <p:nvPr/>
         </p:nvPicPr>
         <p:blipFill>
-          <a:blip r:embed="rId14">
+          <a:blip r:embed="rId12">
             <a:extLst>
               <a:ext uri="{96DAC541-7B7A-43D3-8B79-37D633B846F1}">
-                <asvg:svgBlip xmlns:asvg="http://schemas.microsoft.com/office/drawing/2016/SVG/main" r:embed="rId15"/>
+                <asvg:svgBlip xmlns:asvg="http://schemas.microsoft.com/office/drawing/2016/SVG/main" r:embed="rId13"/>
               </a:ext>
             </a:extLst>
           </a:blip>
@@ -18267,7 +17855,7 @@
           <p:cNvPr id="24" name="Elemento grafico 23" descr="Singolo ingranaggio con riempimento a tinta unita">
             <a:extLst>
               <a:ext uri="{FF2B5EF4-FFF2-40B4-BE49-F238E27FC236}">
-                <a16:creationId xmlns:a16="http://schemas.microsoft.com/office/drawing/2014/main" id="{25706FE3-655D-483E-9825-9402757AD9A1}"/>
+                <a16:creationId xmlns:a16="http://schemas.microsoft.com/office/drawing/2014/main" id="{F09C701D-C4FF-49D0-8ACF-9081D6B21E82}"/>
               </a:ext>
             </a:extLst>
           </p:cNvPr>
@@ -18277,10 +17865,10 @@
           <p:nvPr/>
         </p:nvPicPr>
         <p:blipFill>
-          <a:blip r:embed="rId16">
+          <a:blip r:embed="rId14">
             <a:extLst>
               <a:ext uri="{96DAC541-7B7A-43D3-8B79-37D633B846F1}">
-                <asvg:svgBlip xmlns:asvg="http://schemas.microsoft.com/office/drawing/2016/SVG/main" r:embed="rId17"/>
+                <asvg:svgBlip xmlns:asvg="http://schemas.microsoft.com/office/drawing/2016/SVG/main" r:embed="rId15"/>
               </a:ext>
             </a:extLst>
           </a:blip>
@@ -18289,7 +17877,7 @@
         </p:blipFill>
         <p:spPr>
           <a:xfrm>
-            <a:off x="242109" y="1233237"/>
+            <a:off x="242109" y="1405599"/>
             <a:ext cx="718368" cy="718368"/>
           </a:xfrm>
           <a:prstGeom prst="rect">
@@ -18299,10 +17887,10 @@
       </p:pic>
       <p:pic>
         <p:nvPicPr>
-          <p:cNvPr id="25" name="Elemento grafico 24" descr="Condividi con riempimento a tinta unita">
+          <p:cNvPr id="26" name="Segnaposto contenuto 7" descr="Blockchain contorno">
             <a:extLst>
               <a:ext uri="{FF2B5EF4-FFF2-40B4-BE49-F238E27FC236}">
-                <a16:creationId xmlns:a16="http://schemas.microsoft.com/office/drawing/2014/main" id="{959BDCFE-0E5A-4A4D-9BC3-5B839198CAA5}"/>
+                <a16:creationId xmlns:a16="http://schemas.microsoft.com/office/drawing/2014/main" id="{51A6216D-564A-4B11-80EF-CD948BC17C72}"/>
               </a:ext>
             </a:extLst>
           </p:cNvPr>
@@ -18312,10 +17900,10 @@
           <p:nvPr/>
         </p:nvPicPr>
         <p:blipFill>
-          <a:blip r:embed="rId18">
+          <a:blip r:embed="rId16">
             <a:extLst>
               <a:ext uri="{96DAC541-7B7A-43D3-8B79-37D633B846F1}">
-                <asvg:svgBlip xmlns:asvg="http://schemas.microsoft.com/office/drawing/2016/SVG/main" r:embed="rId19"/>
+                <asvg:svgBlip xmlns:asvg="http://schemas.microsoft.com/office/drawing/2016/SVG/main" r:embed="rId17"/>
               </a:ext>
             </a:extLst>
           </a:blip>
@@ -18325,43 +17913,7 @@
         </p:blipFill>
         <p:spPr>
           <a:xfrm>
-            <a:off x="210976" y="2111908"/>
-            <a:ext cx="780634" cy="780634"/>
-          </a:xfrm>
-          <a:prstGeom prst="rect">
-            <a:avLst/>
-          </a:prstGeom>
-        </p:spPr>
-      </p:pic>
-      <p:pic>
-        <p:nvPicPr>
-          <p:cNvPr id="26" name="Segnaposto contenuto 7" descr="Blockchain contorno">
-            <a:extLst>
-              <a:ext uri="{FF2B5EF4-FFF2-40B4-BE49-F238E27FC236}">
-                <a16:creationId xmlns:a16="http://schemas.microsoft.com/office/drawing/2014/main" id="{ACB43C8A-165D-48D7-BBE6-15784402C125}"/>
-              </a:ext>
-            </a:extLst>
-          </p:cNvPr>
-          <p:cNvPicPr>
-            <a:picLocks noChangeAspect="1"/>
-          </p:cNvPicPr>
-          <p:nvPr/>
-        </p:nvPicPr>
-        <p:blipFill>
-          <a:blip r:embed="rId20">
-            <a:extLst>
-              <a:ext uri="{96DAC541-7B7A-43D3-8B79-37D633B846F1}">
-                <asvg:svgBlip xmlns:asvg="http://schemas.microsoft.com/office/drawing/2016/SVG/main" r:embed="rId21"/>
-              </a:ext>
-            </a:extLst>
-          </a:blip>
-          <a:stretch>
-            <a:fillRect/>
-          </a:stretch>
-        </p:blipFill>
-        <p:spPr>
-          <a:xfrm>
-            <a:off x="242109" y="3052022"/>
+            <a:off x="242109" y="2490386"/>
             <a:ext cx="718368" cy="718368"/>
           </a:xfrm>
           <a:prstGeom prst="rect">
@@ -18371,10 +17923,10 @@
       </p:pic>
       <p:pic>
         <p:nvPicPr>
-          <p:cNvPr id="27" name="Segnaposto contenuto 9" descr="Utente con riempimento a tinta unita">
+          <p:cNvPr id="27" name="Segnaposto contenuto 9" descr="Utente contorno">
             <a:extLst>
               <a:ext uri="{FF2B5EF4-FFF2-40B4-BE49-F238E27FC236}">
-                <a16:creationId xmlns:a16="http://schemas.microsoft.com/office/drawing/2014/main" id="{0EBA6631-9D0B-4C08-82A7-DC5114B16570}"/>
+                <a16:creationId xmlns:a16="http://schemas.microsoft.com/office/drawing/2014/main" id="{14582A50-71C2-4B6B-B5B7-5AF1C9507FE9}"/>
               </a:ext>
             </a:extLst>
           </p:cNvPr>
@@ -18384,15 +17936,16 @@
           <p:nvPr/>
         </p:nvPicPr>
         <p:blipFill>
-          <a:blip r:embed="rId22">
+          <a:blip r:embed="rId18">
             <a:extLst>
               <a:ext uri="{96DAC541-7B7A-43D3-8B79-37D633B846F1}">
-                <asvg:svgBlip xmlns:asvg="http://schemas.microsoft.com/office/drawing/2016/SVG/main" r:embed="rId23"/>
+                <asvg:svgBlip xmlns:asvg="http://schemas.microsoft.com/office/drawing/2016/SVG/main" r:embed="rId19"/>
               </a:ext>
             </a:extLst>
           </a:blip>
-          <a:srcRect/>
-          <a:stretch/>
+          <a:stretch>
+            <a:fillRect/>
+          </a:stretch>
         </p:blipFill>
         <p:spPr>
           <a:xfrm>
@@ -18409,7 +17962,7 @@
           <p:cNvPr id="28" name="Elemento grafico 27" descr="Database con riempimento a tinta unita">
             <a:extLst>
               <a:ext uri="{FF2B5EF4-FFF2-40B4-BE49-F238E27FC236}">
-                <a16:creationId xmlns:a16="http://schemas.microsoft.com/office/drawing/2014/main" id="{8F323B9E-9420-4774-911C-C367FD14FF4F}"/>
+                <a16:creationId xmlns:a16="http://schemas.microsoft.com/office/drawing/2014/main" id="{FE08B14E-79F9-4B5A-8ABF-0ED56DDC9318}"/>
               </a:ext>
             </a:extLst>
           </p:cNvPr>
@@ -18419,10 +17972,10 @@
           <p:nvPr/>
         </p:nvPicPr>
         <p:blipFill>
-          <a:blip r:embed="rId24">
+          <a:blip r:embed="rId20">
             <a:extLst>
               <a:ext uri="{96DAC541-7B7A-43D3-8B79-37D633B846F1}">
-                <asvg:svgBlip xmlns:asvg="http://schemas.microsoft.com/office/drawing/2016/SVG/main" r:embed="rId25"/>
+                <asvg:svgBlip xmlns:asvg="http://schemas.microsoft.com/office/drawing/2016/SVG/main" r:embed="rId21"/>
               </a:ext>
             </a:extLst>
           </a:blip>
@@ -18431,7 +17984,7 @@
         </p:blipFill>
         <p:spPr>
           <a:xfrm>
-            <a:off x="242109" y="4885375"/>
+            <a:off x="242109" y="4659960"/>
             <a:ext cx="718368" cy="718368"/>
           </a:xfrm>
           <a:prstGeom prst="rect">
@@ -18441,10 +17994,10 @@
       </p:pic>
       <p:pic>
         <p:nvPicPr>
-          <p:cNvPr id="30" name="Elemento grafico 29" descr="Idrante antincendio rotto con riempimento a tinta unita">
+          <p:cNvPr id="29" name="Elemento grafico 28" descr="Idrante antincendio rotto con riempimento a tinta unita">
             <a:extLst>
               <a:ext uri="{FF2B5EF4-FFF2-40B4-BE49-F238E27FC236}">
-                <a16:creationId xmlns:a16="http://schemas.microsoft.com/office/drawing/2014/main" id="{4C6B5D36-D1A9-4D89-8D81-22219E0511F6}"/>
+                <a16:creationId xmlns:a16="http://schemas.microsoft.com/office/drawing/2014/main" id="{9F24419D-4810-4125-8C07-19112F6BDF14}"/>
               </a:ext>
             </a:extLst>
           </p:cNvPr>
@@ -18454,10 +18007,10 @@
           <p:nvPr/>
         </p:nvPicPr>
         <p:blipFill>
-          <a:blip r:embed="rId26">
+          <a:blip r:embed="rId22">
             <a:extLst>
               <a:ext uri="{96DAC541-7B7A-43D3-8B79-37D633B846F1}">
-                <asvg:svgBlip xmlns:asvg="http://schemas.microsoft.com/office/drawing/2016/SVG/main" r:embed="rId27"/>
+                <asvg:svgBlip xmlns:asvg="http://schemas.microsoft.com/office/drawing/2016/SVG/main" r:embed="rId23"/>
               </a:ext>
             </a:extLst>
           </a:blip>
@@ -18479,7 +18032,7 @@
           <p:cNvPr id="31" name="CasellaDiTesto 30">
             <a:extLst>
               <a:ext uri="{FF2B5EF4-FFF2-40B4-BE49-F238E27FC236}">
-                <a16:creationId xmlns:a16="http://schemas.microsoft.com/office/drawing/2014/main" id="{567C78B4-1DD2-4EFC-9E86-4EAAAEDF675D}"/>
+                <a16:creationId xmlns:a16="http://schemas.microsoft.com/office/drawing/2014/main" id="{5F45BA78-6ED8-4582-862F-F58B9DD8CD9D}"/>
               </a:ext>
             </a:extLst>
           </p:cNvPr>
@@ -18488,8 +18041,8 @@
         </p:nvSpPr>
         <p:spPr>
           <a:xfrm>
-            <a:off x="-98232" y="3263192"/>
-            <a:ext cx="1067536" cy="523220"/>
+            <a:off x="45468" y="3780468"/>
+            <a:ext cx="718368" cy="307777"/>
           </a:xfrm>
           <a:prstGeom prst="rect">
             <a:avLst/>
@@ -18503,18 +18056,6 @@
           <a:lstStyle/>
           <a:p>
             <a:r>
-              <a:rPr lang="it-IT" sz="1300" dirty="0">
-                <a:solidFill>
-                  <a:schemeClr val="accent2">
-                    <a:lumMod val="75000"/>
-                  </a:schemeClr>
-                </a:solidFill>
-              </a:rPr>
-              <a:t>STRUTTURA</a:t>
-            </a:r>
-          </a:p>
-          <a:p>
-            <a:r>
               <a:rPr lang="it-IT" sz="1400" dirty="0">
                 <a:solidFill>
                   <a:schemeClr val="accent2">
@@ -18522,17 +18063,52 @@
                   </a:schemeClr>
                 </a:solidFill>
               </a:rPr>
-              <a:t>DATI</a:t>
+              <a:t>CLIENT</a:t>
+            </a:r>
+          </a:p>
+        </p:txBody>
+      </p:sp>
+      <p:sp>
+        <p:nvSpPr>
+          <p:cNvPr id="2" name="CasellaDiTesto 1">
+            <a:extLst>
+              <a:ext uri="{FF2B5EF4-FFF2-40B4-BE49-F238E27FC236}">
+                <a16:creationId xmlns:a16="http://schemas.microsoft.com/office/drawing/2014/main" id="{DF001900-E05C-4984-8173-33AC8EE21AE5}"/>
+              </a:ext>
+            </a:extLst>
+          </p:cNvPr>
+          <p:cNvSpPr txBox="1"/>
+          <p:nvPr/>
+        </p:nvSpPr>
+        <p:spPr>
+          <a:xfrm>
+            <a:off x="1959182" y="2151728"/>
+            <a:ext cx="3640347" cy="2554545"/>
+          </a:xfrm>
+          <a:prstGeom prst="rect">
+            <a:avLst/>
+          </a:prstGeom>
+          <a:noFill/>
+        </p:spPr>
+        <p:txBody>
+          <a:bodyPr wrap="square" rtlCol="0">
+            <a:spAutoFit/>
+          </a:bodyPr>
+          <a:lstStyle/>
+          <a:p>
+            <a:r>
+              <a:rPr lang="it-IT" sz="2000" dirty="0"/>
+              <a:t>Il Client interagisce con l’utente proponendogli ciclicamente i servizi che utilizzano le due procedure remote. Richiede gli input necessari, invoca il servizio specificato e stampa a video gli esiti delle chiamate, fino alla fine del file di input da tastiera.</a:t>
             </a:r>
           </a:p>
         </p:txBody>
       </p:sp>
       <p:pic>
         <p:nvPicPr>
-          <p:cNvPr id="32" name="Elemento grafico 31" descr="Idrante antincendio rotto con riempimento a tinta unita">
+          <p:cNvPr id="30" name="Elemento grafico 29" descr="Idrante antincendio rotto con riempimento a tinta unita">
             <a:extLst>
               <a:ext uri="{FF2B5EF4-FFF2-40B4-BE49-F238E27FC236}">
-                <a16:creationId xmlns:a16="http://schemas.microsoft.com/office/drawing/2014/main" id="{DDB8651A-C931-4084-8034-CE01FD763038}"/>
+                <a16:creationId xmlns:a16="http://schemas.microsoft.com/office/drawing/2014/main" id="{D9FA2ED8-9FF8-464E-97E7-F8738C7D56C5}"/>
               </a:ext>
             </a:extLst>
           </p:cNvPr>
@@ -18542,10 +18118,10 @@
           <p:nvPr/>
         </p:nvPicPr>
         <p:blipFill>
-          <a:blip r:embed="rId28">
+          <a:blip r:embed="rId24">
             <a:extLst>
               <a:ext uri="{96DAC541-7B7A-43D3-8B79-37D633B846F1}">
-                <asvg:svgBlip xmlns:asvg="http://schemas.microsoft.com/office/drawing/2016/SVG/main" r:embed="rId29"/>
+                <asvg:svgBlip xmlns:asvg="http://schemas.microsoft.com/office/drawing/2016/SVG/main" r:embed="rId25"/>
               </a:ext>
             </a:extLst>
           </a:blip>
@@ -18564,10 +18140,10 @@
       </p:pic>
       <p:pic>
         <p:nvPicPr>
-          <p:cNvPr id="33" name="Immagine 32">
+          <p:cNvPr id="4" name="Immagine 3">
             <a:extLst>
               <a:ext uri="{FF2B5EF4-FFF2-40B4-BE49-F238E27FC236}">
-                <a16:creationId xmlns:a16="http://schemas.microsoft.com/office/drawing/2014/main" id="{E36666CA-8085-4D9B-9492-FD96F6CEA3BA}"/>
+                <a16:creationId xmlns:a16="http://schemas.microsoft.com/office/drawing/2014/main" id="{4D166457-A572-43CA-A804-6FA157B077CF}"/>
               </a:ext>
             </a:extLst>
           </p:cNvPr>
@@ -18577,21 +18153,19 @@
           <p:nvPr/>
         </p:nvPicPr>
         <p:blipFill>
-          <a:blip r:embed="rId30">
-            <a:alphaModFix/>
-          </a:blip>
+          <a:blip r:embed="rId26"/>
           <a:stretch>
             <a:fillRect/>
           </a:stretch>
         </p:blipFill>
         <p:spPr>
           <a:xfrm>
-            <a:off x="12470270" y="2400507"/>
-            <a:ext cx="2802478" cy="1725369"/>
+            <a:off x="5599529" y="1480535"/>
+            <a:ext cx="6329694" cy="3896929"/>
           </a:xfrm>
           <a:prstGeom prst="roundRect">
             <a:avLst>
-              <a:gd name="adj" fmla="val 2487"/>
+              <a:gd name="adj" fmla="val 3881"/>
             </a:avLst>
           </a:prstGeom>
           <a:solidFill>
@@ -18605,10 +18179,45 @@
           <a:effectLst/>
         </p:spPr>
       </p:pic>
+      <p:pic>
+        <p:nvPicPr>
+          <p:cNvPr id="32" name="Segnaposto contenuto 9" descr="Utente con riempimento a tinta unita">
+            <a:extLst>
+              <a:ext uri="{FF2B5EF4-FFF2-40B4-BE49-F238E27FC236}">
+                <a16:creationId xmlns:a16="http://schemas.microsoft.com/office/drawing/2014/main" id="{6B88E99A-7F83-41B4-8469-A080F7E4B99E}"/>
+              </a:ext>
+            </a:extLst>
+          </p:cNvPr>
+          <p:cNvPicPr>
+            <a:picLocks noChangeAspect="1"/>
+          </p:cNvPicPr>
+          <p:nvPr/>
+        </p:nvPicPr>
+        <p:blipFill>
+          <a:blip r:embed="rId6">
+            <a:extLst>
+              <a:ext uri="{96DAC541-7B7A-43D3-8B79-37D633B846F1}">
+                <asvg:svgBlip xmlns:asvg="http://schemas.microsoft.com/office/drawing/2016/SVG/main" r:embed="rId7"/>
+              </a:ext>
+            </a:extLst>
+          </a:blip>
+          <a:srcRect/>
+          <a:stretch/>
+        </p:blipFill>
+        <p:spPr>
+          <a:xfrm>
+            <a:off x="-938543" y="3607573"/>
+            <a:ext cx="718368" cy="718368"/>
+          </a:xfrm>
+          <a:prstGeom prst="rect">
+            <a:avLst/>
+          </a:prstGeom>
+        </p:spPr>
+      </p:pic>
     </p:spTree>
     <p:extLst>
       <p:ext uri="{BB962C8B-B14F-4D97-AF65-F5344CB8AC3E}">
-        <p14:creationId xmlns:p14="http://schemas.microsoft.com/office/powerpoint/2010/main" val="2134410294"/>
+        <p14:creationId xmlns:p14="http://schemas.microsoft.com/office/powerpoint/2010/main" val="2451940063"/>
       </p:ext>
     </p:extLst>
   </p:cSld>
@@ -18655,6 +18264,36 @@
           <a:chExt cx="0" cy="0"/>
         </a:xfrm>
       </p:grpSpPr>
+      <p:pic>
+        <p:nvPicPr>
+          <p:cNvPr id="3" name="Immagine 2">
+            <a:extLst>
+              <a:ext uri="{FF2B5EF4-FFF2-40B4-BE49-F238E27FC236}">
+                <a16:creationId xmlns:a16="http://schemas.microsoft.com/office/drawing/2014/main" id="{9FE48885-3C1A-4AFF-A249-2136F8D4632C}"/>
+              </a:ext>
+            </a:extLst>
+          </p:cNvPr>
+          <p:cNvPicPr>
+            <a:picLocks noChangeAspect="1"/>
+          </p:cNvPicPr>
+          <p:nvPr/>
+        </p:nvPicPr>
+        <p:blipFill>
+          <a:blip r:embed="rId2"/>
+          <a:stretch>
+            <a:fillRect/>
+          </a:stretch>
+        </p:blipFill>
+        <p:spPr>
+          <a:xfrm>
+            <a:off x="17183" y="1864246"/>
+            <a:ext cx="1212540" cy="5534797"/>
+          </a:xfrm>
+          <a:prstGeom prst="rect">
+            <a:avLst/>
+          </a:prstGeom>
+        </p:spPr>
+      </p:pic>
       <p:sp>
         <p:nvSpPr>
           <p:cNvPr id="16" name="Segnaposto numero diapositiva 5">
@@ -18692,10 +18331,10 @@
       </p:sp>
       <p:sp>
         <p:nvSpPr>
-          <p:cNvPr id="7" name="Ovale 6">
+          <p:cNvPr id="8" name="Ovale 7">
             <a:extLst>
               <a:ext uri="{FF2B5EF4-FFF2-40B4-BE49-F238E27FC236}">
-                <a16:creationId xmlns:a16="http://schemas.microsoft.com/office/drawing/2014/main" id="{F936136B-0BBB-4725-A8B4-96B6E3534644}"/>
+                <a16:creationId xmlns:a16="http://schemas.microsoft.com/office/drawing/2014/main" id="{608E348B-5C5B-4BD5-BE00-FC207FEB64D5}"/>
               </a:ext>
             </a:extLst>
           </p:cNvPr>
@@ -18704,59 +18343,7 @@
         </p:nvSpPr>
         <p:spPr>
           <a:xfrm>
-            <a:off x="-921548" y="2091071"/>
-            <a:ext cx="828000" cy="828000"/>
-          </a:xfrm>
-          <a:prstGeom prst="ellipse">
-            <a:avLst/>
-          </a:prstGeom>
-          <a:solidFill>
-            <a:schemeClr val="tx1"/>
-          </a:solidFill>
-          <a:ln>
-            <a:noFill/>
-          </a:ln>
-        </p:spPr>
-        <p:style>
-          <a:lnRef idx="2">
-            <a:schemeClr val="accent1">
-              <a:shade val="50000"/>
-            </a:schemeClr>
-          </a:lnRef>
-          <a:fillRef idx="1">
-            <a:schemeClr val="accent1"/>
-          </a:fillRef>
-          <a:effectRef idx="0">
-            <a:schemeClr val="accent1"/>
-          </a:effectRef>
-          <a:fontRef idx="minor">
-            <a:schemeClr val="lt1"/>
-          </a:fontRef>
-        </p:style>
-        <p:txBody>
-          <a:bodyPr rtlCol="0" anchor="ctr"/>
-          <a:lstStyle/>
-          <a:p>
-            <a:pPr algn="ctr"/>
-            <a:endParaRPr lang="it-IT" b="1"/>
-          </a:p>
-        </p:txBody>
-      </p:sp>
-      <p:sp>
-        <p:nvSpPr>
-          <p:cNvPr id="8" name="Ovale 7">
-            <a:extLst>
-              <a:ext uri="{FF2B5EF4-FFF2-40B4-BE49-F238E27FC236}">
-                <a16:creationId xmlns:a16="http://schemas.microsoft.com/office/drawing/2014/main" id="{608E348B-5C5B-4BD5-BE00-FC207FEB64D5}"/>
-              </a:ext>
-            </a:extLst>
-          </p:cNvPr>
-          <p:cNvSpPr/>
-          <p:nvPr/>
-        </p:nvSpPr>
-        <p:spPr>
-          <a:xfrm>
-            <a:off x="-921548" y="1177652"/>
+            <a:off x="-921548" y="1364309"/>
             <a:ext cx="828000" cy="828000"/>
           </a:xfrm>
           <a:prstGeom prst="ellipse">
@@ -18860,7 +18447,7 @@
         </p:nvSpPr>
         <p:spPr>
           <a:xfrm>
-            <a:off x="815723" y="3915593"/>
+            <a:off x="-940463" y="3616422"/>
             <a:ext cx="828000" cy="828000"/>
           </a:xfrm>
           <a:prstGeom prst="ellipse">
@@ -18912,7 +18499,7 @@
         </p:nvSpPr>
         <p:spPr>
           <a:xfrm>
-            <a:off x="-921548" y="4826696"/>
+            <a:off x="815723" y="4605144"/>
             <a:ext cx="828000" cy="828000"/>
           </a:xfrm>
           <a:prstGeom prst="ellipse">
@@ -19017,10 +18604,10 @@
           <p:nvPr/>
         </p:nvPicPr>
         <p:blipFill>
-          <a:blip r:embed="rId2">
+          <a:blip r:embed="rId3">
             <a:extLst>
               <a:ext uri="{96DAC541-7B7A-43D3-8B79-37D633B846F1}">
-                <asvg:svgBlip xmlns:asvg="http://schemas.microsoft.com/office/drawing/2016/SVG/main" r:embed="rId3"/>
+                <asvg:svgBlip xmlns:asvg="http://schemas.microsoft.com/office/drawing/2016/SVG/main" r:embed="rId4"/>
               </a:ext>
             </a:extLst>
           </a:blip>
@@ -19053,10 +18640,10 @@
           <p:nvPr/>
         </p:nvPicPr>
         <p:blipFill>
-          <a:blip r:embed="rId4">
+          <a:blip r:embed="rId5">
             <a:extLst>
               <a:ext uri="{96DAC541-7B7A-43D3-8B79-37D633B846F1}">
-                <asvg:svgBlip xmlns:asvg="http://schemas.microsoft.com/office/drawing/2016/SVG/main" r:embed="rId5"/>
+                <asvg:svgBlip xmlns:asvg="http://schemas.microsoft.com/office/drawing/2016/SVG/main" r:embed="rId6"/>
               </a:ext>
             </a:extLst>
           </a:blip>
@@ -19066,7 +18653,7 @@
         </p:blipFill>
         <p:spPr>
           <a:xfrm>
-            <a:off x="-866732" y="1233237"/>
+            <a:off x="-866732" y="1416399"/>
             <a:ext cx="718368" cy="718368"/>
           </a:xfrm>
           <a:prstGeom prst="rect">
@@ -19076,10 +18663,10 @@
       </p:pic>
       <p:pic>
         <p:nvPicPr>
-          <p:cNvPr id="17" name="Elemento grafico 16" descr="Condividi con riempimento a tinta unita">
+          <p:cNvPr id="18" name="Segnaposto contenuto 9" descr="Utente contorno">
             <a:extLst>
               <a:ext uri="{FF2B5EF4-FFF2-40B4-BE49-F238E27FC236}">
-                <a16:creationId xmlns:a16="http://schemas.microsoft.com/office/drawing/2014/main" id="{40E6D582-9765-4E68-A2E2-2EA5686354B5}"/>
+                <a16:creationId xmlns:a16="http://schemas.microsoft.com/office/drawing/2014/main" id="{641F713D-465F-4B4B-938D-2DA6E056A207}"/>
               </a:ext>
             </a:extLst>
           </p:cNvPr>
@@ -19089,10 +18676,10 @@
           <p:nvPr/>
         </p:nvPicPr>
         <p:blipFill>
-          <a:blip r:embed="rId6">
+          <a:blip r:embed="rId7">
             <a:extLst>
               <a:ext uri="{96DAC541-7B7A-43D3-8B79-37D633B846F1}">
-                <asvg:svgBlip xmlns:asvg="http://schemas.microsoft.com/office/drawing/2016/SVG/main" r:embed="rId7"/>
+                <asvg:svgBlip xmlns:asvg="http://schemas.microsoft.com/office/drawing/2016/SVG/main" r:embed="rId8"/>
               </a:ext>
             </a:extLst>
           </a:blip>
@@ -19102,42 +18689,7 @@
         </p:blipFill>
         <p:spPr>
           <a:xfrm>
-            <a:off x="-897865" y="2111908"/>
-            <a:ext cx="780634" cy="780634"/>
-          </a:xfrm>
-          <a:prstGeom prst="rect">
-            <a:avLst/>
-          </a:prstGeom>
-        </p:spPr>
-      </p:pic>
-      <p:pic>
-        <p:nvPicPr>
-          <p:cNvPr id="18" name="Segnaposto contenuto 9" descr="Utente con riempimento a tinta unita">
-            <a:extLst>
-              <a:ext uri="{FF2B5EF4-FFF2-40B4-BE49-F238E27FC236}">
-                <a16:creationId xmlns:a16="http://schemas.microsoft.com/office/drawing/2014/main" id="{641F713D-465F-4B4B-938D-2DA6E056A207}"/>
-              </a:ext>
-            </a:extLst>
-          </p:cNvPr>
-          <p:cNvPicPr>
-            <a:picLocks noChangeAspect="1"/>
-          </p:cNvPicPr>
-          <p:nvPr/>
-        </p:nvPicPr>
-        <p:blipFill>
-          <a:blip r:embed="rId8">
-            <a:extLst>
-              <a:ext uri="{96DAC541-7B7A-43D3-8B79-37D633B846F1}">
-                <asvg:svgBlip xmlns:asvg="http://schemas.microsoft.com/office/drawing/2016/SVG/main" r:embed="rId9"/>
-              </a:ext>
-            </a:extLst>
-          </a:blip>
-          <a:srcRect/>
-          <a:stretch/>
-        </p:blipFill>
-        <p:spPr>
-          <a:xfrm>
-            <a:off x="870539" y="3913277"/>
+            <a:off x="-894238" y="3607573"/>
             <a:ext cx="718368" cy="718368"/>
           </a:xfrm>
           <a:prstGeom prst="rect">
@@ -19147,7 +18699,7 @@
       </p:pic>
       <p:pic>
         <p:nvPicPr>
-          <p:cNvPr id="19" name="Elemento grafico 18" descr="Database contorno">
+          <p:cNvPr id="19" name="Elemento grafico 18" descr="Database con riempimento a tinta unita">
             <a:extLst>
               <a:ext uri="{FF2B5EF4-FFF2-40B4-BE49-F238E27FC236}">
                 <a16:creationId xmlns:a16="http://schemas.microsoft.com/office/drawing/2014/main" id="{6B007BB4-3D91-406F-8527-FC090EE17250}"/>
@@ -19160,20 +18712,19 @@
           <p:nvPr/>
         </p:nvPicPr>
         <p:blipFill>
-          <a:blip r:embed="rId10">
+          <a:blip r:embed="rId9">
             <a:extLst>
               <a:ext uri="{96DAC541-7B7A-43D3-8B79-37D633B846F1}">
-                <asvg:svgBlip xmlns:asvg="http://schemas.microsoft.com/office/drawing/2016/SVG/main" r:embed="rId11"/>
+                <asvg:svgBlip xmlns:asvg="http://schemas.microsoft.com/office/drawing/2016/SVG/main" r:embed="rId10"/>
               </a:ext>
             </a:extLst>
           </a:blip>
-          <a:stretch>
-            <a:fillRect/>
-          </a:stretch>
+          <a:srcRect/>
+          <a:stretch/>
         </p:blipFill>
         <p:spPr>
           <a:xfrm>
-            <a:off x="-866732" y="4885375"/>
+            <a:off x="870539" y="4659960"/>
             <a:ext cx="718368" cy="718368"/>
           </a:xfrm>
           <a:prstGeom prst="rect">
@@ -19195,7 +18746,7 @@
         </p:nvSpPr>
         <p:spPr>
           <a:xfrm>
-            <a:off x="-921548" y="3004490"/>
+            <a:off x="-921548" y="2493019"/>
             <a:ext cx="828000" cy="828000"/>
           </a:xfrm>
           <a:prstGeom prst="ellipse">
@@ -19248,10 +18799,10 @@
           <p:nvPr/>
         </p:nvPicPr>
         <p:blipFill>
-          <a:blip r:embed="rId12">
+          <a:blip r:embed="rId11">
             <a:extLst>
               <a:ext uri="{96DAC541-7B7A-43D3-8B79-37D633B846F1}">
-                <asvg:svgBlip xmlns:asvg="http://schemas.microsoft.com/office/drawing/2016/SVG/main" r:embed="rId13"/>
+                <asvg:svgBlip xmlns:asvg="http://schemas.microsoft.com/office/drawing/2016/SVG/main" r:embed="rId12"/>
               </a:ext>
             </a:extLst>
           </a:blip>
@@ -19261,7 +18812,7 @@
         </p:blipFill>
         <p:spPr>
           <a:xfrm>
-            <a:off x="-866732" y="3052022"/>
+            <a:off x="-866732" y="2511986"/>
             <a:ext cx="718368" cy="718368"/>
           </a:xfrm>
           <a:prstGeom prst="rect">
@@ -19283,7 +18834,7 @@
         </p:nvSpPr>
         <p:spPr>
           <a:xfrm flipH="1">
-            <a:off x="0" y="-7149393"/>
+            <a:off x="0" y="-6459842"/>
             <a:ext cx="1229723" cy="22957972"/>
           </a:xfrm>
           <a:custGeom>
@@ -19543,10 +19094,10 @@
           <p:nvPr/>
         </p:nvPicPr>
         <p:blipFill>
-          <a:blip r:embed="rId14">
+          <a:blip r:embed="rId13">
             <a:extLst>
               <a:ext uri="{96DAC541-7B7A-43D3-8B79-37D633B846F1}">
-                <asvg:svgBlip xmlns:asvg="http://schemas.microsoft.com/office/drawing/2016/SVG/main" r:embed="rId15"/>
+                <asvg:svgBlip xmlns:asvg="http://schemas.microsoft.com/office/drawing/2016/SVG/main" r:embed="rId14"/>
               </a:ext>
             </a:extLst>
           </a:blip>
@@ -19578,10 +19129,10 @@
           <p:nvPr/>
         </p:nvPicPr>
         <p:blipFill>
-          <a:blip r:embed="rId16">
+          <a:blip r:embed="rId15">
             <a:extLst>
               <a:ext uri="{96DAC541-7B7A-43D3-8B79-37D633B846F1}">
-                <asvg:svgBlip xmlns:asvg="http://schemas.microsoft.com/office/drawing/2016/SVG/main" r:embed="rId17"/>
+                <asvg:svgBlip xmlns:asvg="http://schemas.microsoft.com/office/drawing/2016/SVG/main" r:embed="rId16"/>
               </a:ext>
             </a:extLst>
           </a:blip>
@@ -19590,7 +19141,7 @@
         </p:blipFill>
         <p:spPr>
           <a:xfrm>
-            <a:off x="242109" y="1233237"/>
+            <a:off x="242109" y="1405599"/>
             <a:ext cx="718368" cy="718368"/>
           </a:xfrm>
           <a:prstGeom prst="rect">
@@ -19600,10 +19151,10 @@
       </p:pic>
       <p:pic>
         <p:nvPicPr>
-          <p:cNvPr id="25" name="Elemento grafico 24" descr="Condividi con riempimento a tinta unita">
+          <p:cNvPr id="26" name="Segnaposto contenuto 7" descr="Blockchain contorno">
             <a:extLst>
               <a:ext uri="{FF2B5EF4-FFF2-40B4-BE49-F238E27FC236}">
-                <a16:creationId xmlns:a16="http://schemas.microsoft.com/office/drawing/2014/main" id="{F3E112FE-5D7F-46B8-AB3F-74FECA698A65}"/>
+                <a16:creationId xmlns:a16="http://schemas.microsoft.com/office/drawing/2014/main" id="{51A6216D-564A-4B11-80EF-CD948BC17C72}"/>
               </a:ext>
             </a:extLst>
           </p:cNvPr>
@@ -19613,10 +19164,10 @@
           <p:nvPr/>
         </p:nvPicPr>
         <p:blipFill>
-          <a:blip r:embed="rId18">
+          <a:blip r:embed="rId17">
             <a:extLst>
               <a:ext uri="{96DAC541-7B7A-43D3-8B79-37D633B846F1}">
-                <asvg:svgBlip xmlns:asvg="http://schemas.microsoft.com/office/drawing/2016/SVG/main" r:embed="rId19"/>
+                <asvg:svgBlip xmlns:asvg="http://schemas.microsoft.com/office/drawing/2016/SVG/main" r:embed="rId18"/>
               </a:ext>
             </a:extLst>
           </a:blip>
@@ -19626,43 +19177,7 @@
         </p:blipFill>
         <p:spPr>
           <a:xfrm>
-            <a:off x="210976" y="2111908"/>
-            <a:ext cx="780634" cy="780634"/>
-          </a:xfrm>
-          <a:prstGeom prst="rect">
-            <a:avLst/>
-          </a:prstGeom>
-        </p:spPr>
-      </p:pic>
-      <p:pic>
-        <p:nvPicPr>
-          <p:cNvPr id="26" name="Segnaposto contenuto 7" descr="Blockchain contorno">
-            <a:extLst>
-              <a:ext uri="{FF2B5EF4-FFF2-40B4-BE49-F238E27FC236}">
-                <a16:creationId xmlns:a16="http://schemas.microsoft.com/office/drawing/2014/main" id="{51A6216D-564A-4B11-80EF-CD948BC17C72}"/>
-              </a:ext>
-            </a:extLst>
-          </p:cNvPr>
-          <p:cNvPicPr>
-            <a:picLocks noChangeAspect="1"/>
-          </p:cNvPicPr>
-          <p:nvPr/>
-        </p:nvPicPr>
-        <p:blipFill>
-          <a:blip r:embed="rId20">
-            <a:extLst>
-              <a:ext uri="{96DAC541-7B7A-43D3-8B79-37D633B846F1}">
-                <asvg:svgBlip xmlns:asvg="http://schemas.microsoft.com/office/drawing/2016/SVG/main" r:embed="rId21"/>
-              </a:ext>
-            </a:extLst>
-          </a:blip>
-          <a:stretch>
-            <a:fillRect/>
-          </a:stretch>
-        </p:blipFill>
-        <p:spPr>
-          <a:xfrm>
-            <a:off x="242109" y="3052022"/>
+            <a:off x="242109" y="2490386"/>
             <a:ext cx="718368" cy="718368"/>
           </a:xfrm>
           <a:prstGeom prst="rect">
@@ -19672,7 +19187,7 @@
       </p:pic>
       <p:pic>
         <p:nvPicPr>
-          <p:cNvPr id="27" name="Segnaposto contenuto 9" descr="Utente contorno">
+          <p:cNvPr id="27" name="Segnaposto contenuto 9" descr="Utente con riempimento a tinta unita">
             <a:extLst>
               <a:ext uri="{FF2B5EF4-FFF2-40B4-BE49-F238E27FC236}">
                 <a16:creationId xmlns:a16="http://schemas.microsoft.com/office/drawing/2014/main" id="{14582A50-71C2-4B6B-B5B7-5AF1C9507FE9}"/>
@@ -19685,20 +19200,19 @@
           <p:nvPr/>
         </p:nvPicPr>
         <p:blipFill>
-          <a:blip r:embed="rId22">
+          <a:blip r:embed="rId19">
             <a:extLst>
               <a:ext uri="{96DAC541-7B7A-43D3-8B79-37D633B846F1}">
-                <asvg:svgBlip xmlns:asvg="http://schemas.microsoft.com/office/drawing/2016/SVG/main" r:embed="rId23"/>
+                <asvg:svgBlip xmlns:asvg="http://schemas.microsoft.com/office/drawing/2016/SVG/main" r:embed="rId20"/>
               </a:ext>
             </a:extLst>
           </a:blip>
-          <a:stretch>
-            <a:fillRect/>
-          </a:stretch>
+          <a:srcRect/>
+          <a:stretch/>
         </p:blipFill>
         <p:spPr>
           <a:xfrm>
-            <a:off x="242109" y="3913277"/>
+            <a:off x="242109" y="3575173"/>
             <a:ext cx="718368" cy="718368"/>
           </a:xfrm>
           <a:prstGeom prst="rect">
@@ -19708,7 +19222,7 @@
       </p:pic>
       <p:pic>
         <p:nvPicPr>
-          <p:cNvPr id="28" name="Elemento grafico 27" descr="Database con riempimento a tinta unita">
+          <p:cNvPr id="28" name="Elemento grafico 27" descr="Database contorno">
             <a:extLst>
               <a:ext uri="{FF2B5EF4-FFF2-40B4-BE49-F238E27FC236}">
                 <a16:creationId xmlns:a16="http://schemas.microsoft.com/office/drawing/2014/main" id="{FE08B14E-79F9-4B5A-8ABF-0ED56DDC9318}"/>
@@ -19721,15 +19235,16 @@
           <p:nvPr/>
         </p:nvPicPr>
         <p:blipFill>
-          <a:blip r:embed="rId24">
+          <a:blip r:embed="rId21">
             <a:extLst>
               <a:ext uri="{96DAC541-7B7A-43D3-8B79-37D633B846F1}">
-                <asvg:svgBlip xmlns:asvg="http://schemas.microsoft.com/office/drawing/2016/SVG/main" r:embed="rId25"/>
+                <asvg:svgBlip xmlns:asvg="http://schemas.microsoft.com/office/drawing/2016/SVG/main" r:embed="rId22"/>
               </a:ext>
             </a:extLst>
           </a:blip>
-          <a:srcRect/>
-          <a:stretch/>
+          <a:stretch>
+            <a:fillRect/>
+          </a:stretch>
         </p:blipFill>
         <p:spPr>
           <a:xfrm>
@@ -19743,10 +19258,10 @@
       </p:pic>
       <p:pic>
         <p:nvPicPr>
-          <p:cNvPr id="29" name="Elemento grafico 28" descr="Idrante antincendio rotto con riempimento a tinta unita">
+          <p:cNvPr id="30" name="Elemento grafico 29" descr="Idrante antincendio rotto con riempimento a tinta unita">
             <a:extLst>
               <a:ext uri="{FF2B5EF4-FFF2-40B4-BE49-F238E27FC236}">
-                <a16:creationId xmlns:a16="http://schemas.microsoft.com/office/drawing/2014/main" id="{9F24419D-4810-4125-8C07-19112F6BDF14}"/>
+                <a16:creationId xmlns:a16="http://schemas.microsoft.com/office/drawing/2014/main" id="{16B4B142-B9C0-4291-A17F-DBFE84992048}"/>
               </a:ext>
             </a:extLst>
           </p:cNvPr>
@@ -19756,10 +19271,10 @@
           <p:nvPr/>
         </p:nvPicPr>
         <p:blipFill>
-          <a:blip r:embed="rId26">
+          <a:blip r:embed="rId23">
             <a:extLst>
               <a:ext uri="{96DAC541-7B7A-43D3-8B79-37D633B846F1}">
-                <asvg:svgBlip xmlns:asvg="http://schemas.microsoft.com/office/drawing/2016/SVG/main" r:embed="rId27"/>
+                <asvg:svgBlip xmlns:asvg="http://schemas.microsoft.com/office/drawing/2016/SVG/main" r:embed="rId24"/>
               </a:ext>
             </a:extLst>
           </a:blip>
@@ -19778,10 +19293,10 @@
       </p:pic>
       <p:sp>
         <p:nvSpPr>
-          <p:cNvPr id="31" name="CasellaDiTesto 30">
+          <p:cNvPr id="29" name="CasellaDiTesto 28">
             <a:extLst>
               <a:ext uri="{FF2B5EF4-FFF2-40B4-BE49-F238E27FC236}">
-                <a16:creationId xmlns:a16="http://schemas.microsoft.com/office/drawing/2014/main" id="{5F45BA78-6ED8-4582-862F-F58B9DD8CD9D}"/>
+                <a16:creationId xmlns:a16="http://schemas.microsoft.com/office/drawing/2014/main" id="{7A0EA46D-D896-46C1-877F-4FFBDF137463}"/>
               </a:ext>
             </a:extLst>
           </p:cNvPr>
@@ -19790,7 +19305,7 @@
         </p:nvSpPr>
         <p:spPr>
           <a:xfrm>
-            <a:off x="77214" y="4175704"/>
+            <a:off x="9420" y="4906910"/>
             <a:ext cx="718368" cy="307777"/>
           </a:xfrm>
           <a:prstGeom prst="rect">
@@ -19812,7 +19327,7 @@
                   </a:schemeClr>
                 </a:solidFill>
               </a:rPr>
-              <a:t>CLIENT</a:t>
+              <a:t>SERVER</a:t>
             </a:r>
           </a:p>
         </p:txBody>
@@ -19822,7 +19337,7 @@
           <p:cNvPr id="2" name="CasellaDiTesto 1">
             <a:extLst>
               <a:ext uri="{FF2B5EF4-FFF2-40B4-BE49-F238E27FC236}">
-                <a16:creationId xmlns:a16="http://schemas.microsoft.com/office/drawing/2014/main" id="{DF001900-E05C-4984-8173-33AC8EE21AE5}"/>
+                <a16:creationId xmlns:a16="http://schemas.microsoft.com/office/drawing/2014/main" id="{2F1B6EEB-B3DD-41F3-A0CC-A48BAD86871F}"/>
               </a:ext>
             </a:extLst>
           </p:cNvPr>
@@ -19831,8 +19346,8 @@
         </p:nvSpPr>
         <p:spPr>
           <a:xfrm>
-            <a:off x="1959182" y="2151728"/>
-            <a:ext cx="3640347" cy="2554545"/>
+            <a:off x="1837236" y="2595598"/>
+            <a:ext cx="3165894" cy="1631216"/>
           </a:xfrm>
           <a:prstGeom prst="rect">
             <a:avLst/>
@@ -19847,17 +19362,17 @@
           <a:p>
             <a:r>
               <a:rPr lang="it-IT" sz="2000" dirty="0"/>
-              <a:t>Il Client interagisce con l’utente proponendogli ciclicamente i servizi che utilizzano le due procedure remote. Richiede gli input necessari, invoca il servizio specificato e stampa a video gli esiti delle chiamate, fino alla fine del file di input da tastiera.</a:t>
+              <a:t>Il Server implementa le procedure invocabili in remoto restituendo l’esito delle operazioni usando le RPC di SUN a default.</a:t>
             </a:r>
           </a:p>
         </p:txBody>
       </p:sp>
       <p:pic>
         <p:nvPicPr>
-          <p:cNvPr id="30" name="Elemento grafico 29" descr="Idrante antincendio rotto con riempimento a tinta unita">
+          <p:cNvPr id="31" name="Elemento grafico 30" descr="Idrante antincendio rotto con riempimento a tinta unita">
             <a:extLst>
               <a:ext uri="{FF2B5EF4-FFF2-40B4-BE49-F238E27FC236}">
-                <a16:creationId xmlns:a16="http://schemas.microsoft.com/office/drawing/2014/main" id="{D9FA2ED8-9FF8-464E-97E7-F8738C7D56C5}"/>
+                <a16:creationId xmlns:a16="http://schemas.microsoft.com/office/drawing/2014/main" id="{8F45B178-791B-4E21-ACCA-296C07446E95}"/>
               </a:ext>
             </a:extLst>
           </p:cNvPr>
@@ -19867,10 +19382,10 @@
           <p:nvPr/>
         </p:nvPicPr>
         <p:blipFill>
-          <a:blip r:embed="rId28">
+          <a:blip r:embed="rId25">
             <a:extLst>
               <a:ext uri="{96DAC541-7B7A-43D3-8B79-37D633B846F1}">
-                <asvg:svgBlip xmlns:asvg="http://schemas.microsoft.com/office/drawing/2016/SVG/main" r:embed="rId29"/>
+                <asvg:svgBlip xmlns:asvg="http://schemas.microsoft.com/office/drawing/2016/SVG/main" r:embed="rId26"/>
               </a:ext>
             </a:extLst>
           </a:blip>
@@ -19889,10 +19404,10 @@
       </p:pic>
       <p:pic>
         <p:nvPicPr>
-          <p:cNvPr id="4" name="Immagine 3">
+          <p:cNvPr id="32" name="Elemento grafico 31" descr="Database con riempimento a tinta unita">
             <a:extLst>
               <a:ext uri="{FF2B5EF4-FFF2-40B4-BE49-F238E27FC236}">
-                <a16:creationId xmlns:a16="http://schemas.microsoft.com/office/drawing/2014/main" id="{4D166457-A572-43CA-A804-6FA157B077CF}"/>
+                <a16:creationId xmlns:a16="http://schemas.microsoft.com/office/drawing/2014/main" id="{F54CADF3-EC74-49F2-AB64-45B9FAFFD5E8}"/>
               </a:ext>
             </a:extLst>
           </p:cNvPr>
@@ -19902,36 +19417,30 @@
           <p:nvPr/>
         </p:nvPicPr>
         <p:blipFill>
-          <a:blip r:embed="rId30"/>
-          <a:stretch>
-            <a:fillRect/>
-          </a:stretch>
+          <a:blip r:embed="rId9">
+            <a:extLst>
+              <a:ext uri="{96DAC541-7B7A-43D3-8B79-37D633B846F1}">
+                <asvg:svgBlip xmlns:asvg="http://schemas.microsoft.com/office/drawing/2016/SVG/main" r:embed="rId10"/>
+              </a:ext>
+            </a:extLst>
+          </a:blip>
+          <a:srcRect/>
+          <a:stretch/>
         </p:blipFill>
         <p:spPr>
           <a:xfrm>
-            <a:off x="5599529" y="1480535"/>
-            <a:ext cx="6329694" cy="3896929"/>
+            <a:off x="-921548" y="4703160"/>
+            <a:ext cx="718368" cy="718368"/>
           </a:xfrm>
-          <a:prstGeom prst="roundRect">
-            <a:avLst>
-              <a:gd name="adj" fmla="val 3881"/>
-            </a:avLst>
+          <a:prstGeom prst="rect">
+            <a:avLst/>
           </a:prstGeom>
-          <a:solidFill>
-            <a:srgbClr val="FFFFFF">
-              <a:shade val="85000"/>
-            </a:srgbClr>
-          </a:solidFill>
-          <a:ln>
-            <a:noFill/>
-          </a:ln>
-          <a:effectLst/>
         </p:spPr>
       </p:pic>
     </p:spTree>
     <p:extLst>
       <p:ext uri="{BB962C8B-B14F-4D97-AF65-F5344CB8AC3E}">
-        <p14:creationId xmlns:p14="http://schemas.microsoft.com/office/powerpoint/2010/main" val="2451940063"/>
+        <p14:creationId xmlns:p14="http://schemas.microsoft.com/office/powerpoint/2010/main" val="3851975705"/>
       </p:ext>
     </p:extLst>
   </p:cSld>
@@ -19980,10 +19489,10 @@
       </p:grpSpPr>
       <p:pic>
         <p:nvPicPr>
-          <p:cNvPr id="3" name="Immagine 2">
+          <p:cNvPr id="6" name="Immagine 5">
             <a:extLst>
               <a:ext uri="{FF2B5EF4-FFF2-40B4-BE49-F238E27FC236}">
-                <a16:creationId xmlns:a16="http://schemas.microsoft.com/office/drawing/2014/main" id="{9FE48885-3C1A-4AFF-A249-2136F8D4632C}"/>
+                <a16:creationId xmlns:a16="http://schemas.microsoft.com/office/drawing/2014/main" id="{34E6269D-AA7B-4BF2-9CDB-D2F5826A00E6}"/>
               </a:ext>
             </a:extLst>
           </p:cNvPr>
@@ -20000,8 +19509,8 @@
         </p:blipFill>
         <p:spPr>
           <a:xfrm>
-            <a:off x="17183" y="1864246"/>
-            <a:ext cx="1212540" cy="5534797"/>
+            <a:off x="25273" y="36513"/>
+            <a:ext cx="1000265" cy="6857999"/>
           </a:xfrm>
           <a:prstGeom prst="rect">
             <a:avLst/>
@@ -20010,45 +19519,10 @@
       </p:pic>
       <p:sp>
         <p:nvSpPr>
-          <p:cNvPr id="16" name="Segnaposto numero diapositiva 5">
+          <p:cNvPr id="13" name="Ovale 12">
             <a:extLst>
               <a:ext uri="{FF2B5EF4-FFF2-40B4-BE49-F238E27FC236}">
-                <a16:creationId xmlns:a16="http://schemas.microsoft.com/office/drawing/2014/main" id="{02CA51CB-D57C-4543-8737-F2B5C2866E1C}"/>
-              </a:ext>
-            </a:extLst>
-          </p:cNvPr>
-          <p:cNvSpPr>
-            <a:spLocks noGrp="1"/>
-          </p:cNvSpPr>
-          <p:nvPr>
-            <p:ph type="sldNum" sz="quarter" idx="12"/>
-          </p:nvPr>
-        </p:nvSpPr>
-        <p:spPr>
-          <a:xfrm>
-            <a:off x="10266795" y="6388793"/>
-            <a:ext cx="771089" cy="365125"/>
-          </a:xfrm>
-        </p:spPr>
-        <p:txBody>
-          <a:bodyPr/>
-          <a:lstStyle/>
-          <a:p>
-            <a:pPr rtl="0"/>
-            <a:fld id="{6D22F896-40B5-4ADD-8801-0D06FADFA095}" type="slidenum">
-              <a:rPr lang="it-IT" noProof="0" smtClean="0"/>
-              <a:t>6</a:t>
-            </a:fld>
-            <a:endParaRPr lang="it-IT" noProof="0" dirty="0"/>
-          </a:p>
-        </p:txBody>
-      </p:sp>
-      <p:sp>
-        <p:nvSpPr>
-          <p:cNvPr id="7" name="Ovale 6">
-            <a:extLst>
-              <a:ext uri="{FF2B5EF4-FFF2-40B4-BE49-F238E27FC236}">
-                <a16:creationId xmlns:a16="http://schemas.microsoft.com/office/drawing/2014/main" id="{F936136B-0BBB-4725-A8B4-96B6E3534644}"/>
+                <a16:creationId xmlns:a16="http://schemas.microsoft.com/office/drawing/2014/main" id="{561EB7DC-28DB-4BE1-9152-D0201F3020AE}"/>
               </a:ext>
             </a:extLst>
           </p:cNvPr>
@@ -20057,7 +19531,7 @@
         </p:nvSpPr>
         <p:spPr>
           <a:xfrm>
-            <a:off x="-921548" y="2091071"/>
+            <a:off x="815723" y="5753502"/>
             <a:ext cx="828000" cy="828000"/>
           </a:xfrm>
           <a:prstGeom prst="ellipse">
@@ -20095,6 +19569,76 @@
           </a:p>
         </p:txBody>
       </p:sp>
+      <p:pic>
+        <p:nvPicPr>
+          <p:cNvPr id="3" name="Elemento grafico 2" descr="Idrante antincendio rotto con riempimento a tinta unita">
+            <a:extLst>
+              <a:ext uri="{FF2B5EF4-FFF2-40B4-BE49-F238E27FC236}">
+                <a16:creationId xmlns:a16="http://schemas.microsoft.com/office/drawing/2014/main" id="{E3606FC0-F891-4ED0-8CB2-E32D0784998D}"/>
+              </a:ext>
+            </a:extLst>
+          </p:cNvPr>
+          <p:cNvPicPr>
+            <a:picLocks noChangeAspect="1"/>
+          </p:cNvPicPr>
+          <p:nvPr/>
+        </p:nvPicPr>
+        <p:blipFill>
+          <a:blip r:embed="rId3">
+            <a:extLst>
+              <a:ext uri="{96DAC541-7B7A-43D3-8B79-37D633B846F1}">
+                <asvg:svgBlip xmlns:asvg="http://schemas.microsoft.com/office/drawing/2016/SVG/main" r:embed="rId4"/>
+              </a:ext>
+            </a:extLst>
+          </a:blip>
+          <a:srcRect/>
+          <a:stretch/>
+        </p:blipFill>
+        <p:spPr>
+          <a:xfrm>
+            <a:off x="869723" y="5799444"/>
+            <a:ext cx="720000" cy="720000"/>
+          </a:xfrm>
+          <a:prstGeom prst="rect">
+            <a:avLst/>
+          </a:prstGeom>
+        </p:spPr>
+      </p:pic>
+      <p:sp>
+        <p:nvSpPr>
+          <p:cNvPr id="16" name="Segnaposto numero diapositiva 5">
+            <a:extLst>
+              <a:ext uri="{FF2B5EF4-FFF2-40B4-BE49-F238E27FC236}">
+                <a16:creationId xmlns:a16="http://schemas.microsoft.com/office/drawing/2014/main" id="{02CA51CB-D57C-4543-8737-F2B5C2866E1C}"/>
+              </a:ext>
+            </a:extLst>
+          </p:cNvPr>
+          <p:cNvSpPr>
+            <a:spLocks noGrp="1"/>
+          </p:cNvSpPr>
+          <p:nvPr>
+            <p:ph type="sldNum" sz="quarter" idx="12"/>
+          </p:nvPr>
+        </p:nvSpPr>
+        <p:spPr>
+          <a:xfrm>
+            <a:off x="10266795" y="6388793"/>
+            <a:ext cx="771089" cy="365125"/>
+          </a:xfrm>
+        </p:spPr>
+        <p:txBody>
+          <a:bodyPr/>
+          <a:lstStyle/>
+          <a:p>
+            <a:pPr rtl="0"/>
+            <a:fld id="{6D22F896-40B5-4ADD-8801-0D06FADFA095}" type="slidenum">
+              <a:rPr lang="it-IT" noProof="0" smtClean="0"/>
+              <a:t>6</a:t>
+            </a:fld>
+            <a:endParaRPr lang="it-IT" noProof="0" dirty="0"/>
+          </a:p>
+        </p:txBody>
+      </p:sp>
       <p:sp>
         <p:nvSpPr>
           <p:cNvPr id="8" name="Ovale 7">
@@ -20109,7 +19653,7 @@
         </p:nvSpPr>
         <p:spPr>
           <a:xfrm>
-            <a:off x="-921548" y="1177652"/>
+            <a:off x="-949054" y="1416538"/>
             <a:ext cx="828000" cy="828000"/>
           </a:xfrm>
           <a:prstGeom prst="ellipse">
@@ -20213,7 +19757,7 @@
         </p:nvSpPr>
         <p:spPr>
           <a:xfrm>
-            <a:off x="-949054" y="3963851"/>
+            <a:off x="-977369" y="3610306"/>
             <a:ext cx="828000" cy="828000"/>
           </a:xfrm>
           <a:prstGeom prst="ellipse">
@@ -20265,7 +19809,7 @@
         </p:nvSpPr>
         <p:spPr>
           <a:xfrm>
-            <a:off x="815723" y="4847716"/>
+            <a:off x="-977369" y="4703716"/>
             <a:ext cx="828000" cy="828000"/>
           </a:xfrm>
           <a:prstGeom prst="ellipse">
@@ -20303,12 +19847,156 @@
           </a:p>
         </p:txBody>
       </p:sp>
+      <p:pic>
+        <p:nvPicPr>
+          <p:cNvPr id="14" name="Elemento grafico 13" descr="Tiro a segno contorno">
+            <a:extLst>
+              <a:ext uri="{FF2B5EF4-FFF2-40B4-BE49-F238E27FC236}">
+                <a16:creationId xmlns:a16="http://schemas.microsoft.com/office/drawing/2014/main" id="{3C27E02F-4946-4FEC-BD68-B2104A1DA230}"/>
+              </a:ext>
+            </a:extLst>
+          </p:cNvPr>
+          <p:cNvPicPr>
+            <a:picLocks noChangeAspect="1"/>
+          </p:cNvPicPr>
+          <p:nvPr/>
+        </p:nvPicPr>
+        <p:blipFill>
+          <a:blip r:embed="rId5">
+            <a:extLst>
+              <a:ext uri="{96DAC541-7B7A-43D3-8B79-37D633B846F1}">
+                <asvg:svgBlip xmlns:asvg="http://schemas.microsoft.com/office/drawing/2016/SVG/main" r:embed="rId6"/>
+              </a:ext>
+            </a:extLst>
+          </a:blip>
+          <a:stretch>
+            <a:fillRect/>
+          </a:stretch>
+        </p:blipFill>
+        <p:spPr>
+          <a:xfrm>
+            <a:off x="-866732" y="320812"/>
+            <a:ext cx="718368" cy="718368"/>
+          </a:xfrm>
+          <a:prstGeom prst="rect">
+            <a:avLst/>
+          </a:prstGeom>
+        </p:spPr>
+      </p:pic>
+      <p:pic>
+        <p:nvPicPr>
+          <p:cNvPr id="15" name="Elemento grafico 14" descr="Ingranaggi contorno">
+            <a:extLst>
+              <a:ext uri="{FF2B5EF4-FFF2-40B4-BE49-F238E27FC236}">
+                <a16:creationId xmlns:a16="http://schemas.microsoft.com/office/drawing/2014/main" id="{C5039894-E757-4503-8F78-9ECB13AFDAED}"/>
+              </a:ext>
+            </a:extLst>
+          </p:cNvPr>
+          <p:cNvPicPr>
+            <a:picLocks noChangeAspect="1"/>
+          </p:cNvPicPr>
+          <p:nvPr/>
+        </p:nvPicPr>
+        <p:blipFill>
+          <a:blip r:embed="rId7">
+            <a:extLst>
+              <a:ext uri="{96DAC541-7B7A-43D3-8B79-37D633B846F1}">
+                <asvg:svgBlip xmlns:asvg="http://schemas.microsoft.com/office/drawing/2016/SVG/main" r:embed="rId8"/>
+              </a:ext>
+            </a:extLst>
+          </a:blip>
+          <a:stretch>
+            <a:fillRect/>
+          </a:stretch>
+        </p:blipFill>
+        <p:spPr>
+          <a:xfrm>
+            <a:off x="-894238" y="1472123"/>
+            <a:ext cx="718368" cy="718368"/>
+          </a:xfrm>
+          <a:prstGeom prst="rect">
+            <a:avLst/>
+          </a:prstGeom>
+        </p:spPr>
+      </p:pic>
+      <p:pic>
+        <p:nvPicPr>
+          <p:cNvPr id="18" name="Segnaposto contenuto 9" descr="Utente contorno">
+            <a:extLst>
+              <a:ext uri="{FF2B5EF4-FFF2-40B4-BE49-F238E27FC236}">
+                <a16:creationId xmlns:a16="http://schemas.microsoft.com/office/drawing/2014/main" id="{641F713D-465F-4B4B-938D-2DA6E056A207}"/>
+              </a:ext>
+            </a:extLst>
+          </p:cNvPr>
+          <p:cNvPicPr>
+            <a:picLocks noChangeAspect="1"/>
+          </p:cNvPicPr>
+          <p:nvPr/>
+        </p:nvPicPr>
+        <p:blipFill>
+          <a:blip r:embed="rId9">
+            <a:extLst>
+              <a:ext uri="{96DAC541-7B7A-43D3-8B79-37D633B846F1}">
+                <asvg:svgBlip xmlns:asvg="http://schemas.microsoft.com/office/drawing/2016/SVG/main" r:embed="rId10"/>
+              </a:ext>
+            </a:extLst>
+          </a:blip>
+          <a:stretch>
+            <a:fillRect/>
+          </a:stretch>
+        </p:blipFill>
+        <p:spPr>
+          <a:xfrm>
+            <a:off x="-922553" y="3607990"/>
+            <a:ext cx="718368" cy="718368"/>
+          </a:xfrm>
+          <a:prstGeom prst="rect">
+            <a:avLst/>
+          </a:prstGeom>
+        </p:spPr>
+      </p:pic>
+      <p:pic>
+        <p:nvPicPr>
+          <p:cNvPr id="19" name="Elemento grafico 18" descr="Database contorno">
+            <a:extLst>
+              <a:ext uri="{FF2B5EF4-FFF2-40B4-BE49-F238E27FC236}">
+                <a16:creationId xmlns:a16="http://schemas.microsoft.com/office/drawing/2014/main" id="{6B007BB4-3D91-406F-8527-FC090EE17250}"/>
+              </a:ext>
+            </a:extLst>
+          </p:cNvPr>
+          <p:cNvPicPr>
+            <a:picLocks noChangeAspect="1"/>
+          </p:cNvPicPr>
+          <p:nvPr/>
+        </p:nvPicPr>
+        <p:blipFill>
+          <a:blip r:embed="rId11">
+            <a:extLst>
+              <a:ext uri="{96DAC541-7B7A-43D3-8B79-37D633B846F1}">
+                <asvg:svgBlip xmlns:asvg="http://schemas.microsoft.com/office/drawing/2016/SVG/main" r:embed="rId12"/>
+              </a:ext>
+            </a:extLst>
+          </a:blip>
+          <a:stretch>
+            <a:fillRect/>
+          </a:stretch>
+        </p:blipFill>
+        <p:spPr>
+          <a:xfrm>
+            <a:off x="-922553" y="4762395"/>
+            <a:ext cx="718368" cy="718368"/>
+          </a:xfrm>
+          <a:prstGeom prst="rect">
+            <a:avLst/>
+          </a:prstGeom>
+        </p:spPr>
+      </p:pic>
       <p:sp>
         <p:nvSpPr>
-          <p:cNvPr id="13" name="Ovale 12">
+          <p:cNvPr id="20" name="Ovale 19">
             <a:extLst>
               <a:ext uri="{FF2B5EF4-FFF2-40B4-BE49-F238E27FC236}">
-                <a16:creationId xmlns:a16="http://schemas.microsoft.com/office/drawing/2014/main" id="{561EB7DC-28DB-4BE1-9152-D0201F3020AE}"/>
+                <a16:creationId xmlns:a16="http://schemas.microsoft.com/office/drawing/2014/main" id="{A14AC0E5-863B-46F8-BEA7-832DDCAB9BCF}"/>
               </a:ext>
             </a:extLst>
           </p:cNvPr>
@@ -20317,7 +20005,7 @@
         </p:nvSpPr>
         <p:spPr>
           <a:xfrm>
-            <a:off x="-921548" y="5744747"/>
+            <a:off x="-977369" y="2402514"/>
             <a:ext cx="828000" cy="828000"/>
           </a:xfrm>
           <a:prstGeom prst="ellipse">
@@ -20357,237 +20045,6 @@
       </p:sp>
       <p:pic>
         <p:nvPicPr>
-          <p:cNvPr id="14" name="Elemento grafico 13" descr="Tiro a segno contorno">
-            <a:extLst>
-              <a:ext uri="{FF2B5EF4-FFF2-40B4-BE49-F238E27FC236}">
-                <a16:creationId xmlns:a16="http://schemas.microsoft.com/office/drawing/2014/main" id="{3C27E02F-4946-4FEC-BD68-B2104A1DA230}"/>
-              </a:ext>
-            </a:extLst>
-          </p:cNvPr>
-          <p:cNvPicPr>
-            <a:picLocks noChangeAspect="1"/>
-          </p:cNvPicPr>
-          <p:nvPr/>
-        </p:nvPicPr>
-        <p:blipFill>
-          <a:blip r:embed="rId3">
-            <a:extLst>
-              <a:ext uri="{96DAC541-7B7A-43D3-8B79-37D633B846F1}">
-                <asvg:svgBlip xmlns:asvg="http://schemas.microsoft.com/office/drawing/2016/SVG/main" r:embed="rId4"/>
-              </a:ext>
-            </a:extLst>
-          </a:blip>
-          <a:stretch>
-            <a:fillRect/>
-          </a:stretch>
-        </p:blipFill>
-        <p:spPr>
-          <a:xfrm>
-            <a:off x="-866732" y="320812"/>
-            <a:ext cx="718368" cy="718368"/>
-          </a:xfrm>
-          <a:prstGeom prst="rect">
-            <a:avLst/>
-          </a:prstGeom>
-        </p:spPr>
-      </p:pic>
-      <p:pic>
-        <p:nvPicPr>
-          <p:cNvPr id="15" name="Elemento grafico 14" descr="Ingranaggi contorno">
-            <a:extLst>
-              <a:ext uri="{FF2B5EF4-FFF2-40B4-BE49-F238E27FC236}">
-                <a16:creationId xmlns:a16="http://schemas.microsoft.com/office/drawing/2014/main" id="{C5039894-E757-4503-8F78-9ECB13AFDAED}"/>
-              </a:ext>
-            </a:extLst>
-          </p:cNvPr>
-          <p:cNvPicPr>
-            <a:picLocks noChangeAspect="1"/>
-          </p:cNvPicPr>
-          <p:nvPr/>
-        </p:nvPicPr>
-        <p:blipFill>
-          <a:blip r:embed="rId5">
-            <a:extLst>
-              <a:ext uri="{96DAC541-7B7A-43D3-8B79-37D633B846F1}">
-                <asvg:svgBlip xmlns:asvg="http://schemas.microsoft.com/office/drawing/2016/SVG/main" r:embed="rId6"/>
-              </a:ext>
-            </a:extLst>
-          </a:blip>
-          <a:stretch>
-            <a:fillRect/>
-          </a:stretch>
-        </p:blipFill>
-        <p:spPr>
-          <a:xfrm>
-            <a:off x="-866732" y="1233237"/>
-            <a:ext cx="718368" cy="718368"/>
-          </a:xfrm>
-          <a:prstGeom prst="rect">
-            <a:avLst/>
-          </a:prstGeom>
-        </p:spPr>
-      </p:pic>
-      <p:pic>
-        <p:nvPicPr>
-          <p:cNvPr id="17" name="Elemento grafico 16" descr="Condividi con riempimento a tinta unita">
-            <a:extLst>
-              <a:ext uri="{FF2B5EF4-FFF2-40B4-BE49-F238E27FC236}">
-                <a16:creationId xmlns:a16="http://schemas.microsoft.com/office/drawing/2014/main" id="{40E6D582-9765-4E68-A2E2-2EA5686354B5}"/>
-              </a:ext>
-            </a:extLst>
-          </p:cNvPr>
-          <p:cNvPicPr>
-            <a:picLocks noChangeAspect="1"/>
-          </p:cNvPicPr>
-          <p:nvPr/>
-        </p:nvPicPr>
-        <p:blipFill>
-          <a:blip r:embed="rId7">
-            <a:extLst>
-              <a:ext uri="{96DAC541-7B7A-43D3-8B79-37D633B846F1}">
-                <asvg:svgBlip xmlns:asvg="http://schemas.microsoft.com/office/drawing/2016/SVG/main" r:embed="rId8"/>
-              </a:ext>
-            </a:extLst>
-          </a:blip>
-          <a:stretch>
-            <a:fillRect/>
-          </a:stretch>
-        </p:blipFill>
-        <p:spPr>
-          <a:xfrm>
-            <a:off x="-897865" y="2111908"/>
-            <a:ext cx="780634" cy="780634"/>
-          </a:xfrm>
-          <a:prstGeom prst="rect">
-            <a:avLst/>
-          </a:prstGeom>
-        </p:spPr>
-      </p:pic>
-      <p:pic>
-        <p:nvPicPr>
-          <p:cNvPr id="18" name="Segnaposto contenuto 9" descr="Utente contorno">
-            <a:extLst>
-              <a:ext uri="{FF2B5EF4-FFF2-40B4-BE49-F238E27FC236}">
-                <a16:creationId xmlns:a16="http://schemas.microsoft.com/office/drawing/2014/main" id="{641F713D-465F-4B4B-938D-2DA6E056A207}"/>
-              </a:ext>
-            </a:extLst>
-          </p:cNvPr>
-          <p:cNvPicPr>
-            <a:picLocks noChangeAspect="1"/>
-          </p:cNvPicPr>
-          <p:nvPr/>
-        </p:nvPicPr>
-        <p:blipFill>
-          <a:blip r:embed="rId9">
-            <a:extLst>
-              <a:ext uri="{96DAC541-7B7A-43D3-8B79-37D633B846F1}">
-                <asvg:svgBlip xmlns:asvg="http://schemas.microsoft.com/office/drawing/2016/SVG/main" r:embed="rId10"/>
-              </a:ext>
-            </a:extLst>
-          </a:blip>
-          <a:stretch>
-            <a:fillRect/>
-          </a:stretch>
-        </p:blipFill>
-        <p:spPr>
-          <a:xfrm>
-            <a:off x="-894238" y="3961535"/>
-            <a:ext cx="718368" cy="718368"/>
-          </a:xfrm>
-          <a:prstGeom prst="rect">
-            <a:avLst/>
-          </a:prstGeom>
-        </p:spPr>
-      </p:pic>
-      <p:pic>
-        <p:nvPicPr>
-          <p:cNvPr id="19" name="Elemento grafico 18" descr="Database con riempimento a tinta unita">
-            <a:extLst>
-              <a:ext uri="{FF2B5EF4-FFF2-40B4-BE49-F238E27FC236}">
-                <a16:creationId xmlns:a16="http://schemas.microsoft.com/office/drawing/2014/main" id="{6B007BB4-3D91-406F-8527-FC090EE17250}"/>
-              </a:ext>
-            </a:extLst>
-          </p:cNvPr>
-          <p:cNvPicPr>
-            <a:picLocks noChangeAspect="1"/>
-          </p:cNvPicPr>
-          <p:nvPr/>
-        </p:nvPicPr>
-        <p:blipFill>
-          <a:blip r:embed="rId11">
-            <a:extLst>
-              <a:ext uri="{96DAC541-7B7A-43D3-8B79-37D633B846F1}">
-                <asvg:svgBlip xmlns:asvg="http://schemas.microsoft.com/office/drawing/2016/SVG/main" r:embed="rId12"/>
-              </a:ext>
-            </a:extLst>
-          </a:blip>
-          <a:srcRect/>
-          <a:stretch/>
-        </p:blipFill>
-        <p:spPr>
-          <a:xfrm>
-            <a:off x="870539" y="4906395"/>
-            <a:ext cx="718368" cy="718368"/>
-          </a:xfrm>
-          <a:prstGeom prst="rect">
-            <a:avLst/>
-          </a:prstGeom>
-        </p:spPr>
-      </p:pic>
-      <p:sp>
-        <p:nvSpPr>
-          <p:cNvPr id="20" name="Ovale 19">
-            <a:extLst>
-              <a:ext uri="{FF2B5EF4-FFF2-40B4-BE49-F238E27FC236}">
-                <a16:creationId xmlns:a16="http://schemas.microsoft.com/office/drawing/2014/main" id="{A14AC0E5-863B-46F8-BEA7-832DDCAB9BCF}"/>
-              </a:ext>
-            </a:extLst>
-          </p:cNvPr>
-          <p:cNvSpPr/>
-          <p:nvPr/>
-        </p:nvSpPr>
-        <p:spPr>
-          <a:xfrm>
-            <a:off x="-921548" y="3004490"/>
-            <a:ext cx="828000" cy="828000"/>
-          </a:xfrm>
-          <a:prstGeom prst="ellipse">
-            <a:avLst/>
-          </a:prstGeom>
-          <a:solidFill>
-            <a:schemeClr val="tx1"/>
-          </a:solidFill>
-          <a:ln>
-            <a:noFill/>
-          </a:ln>
-        </p:spPr>
-        <p:style>
-          <a:lnRef idx="2">
-            <a:schemeClr val="accent1">
-              <a:shade val="50000"/>
-            </a:schemeClr>
-          </a:lnRef>
-          <a:fillRef idx="1">
-            <a:schemeClr val="accent1"/>
-          </a:fillRef>
-          <a:effectRef idx="0">
-            <a:schemeClr val="accent1"/>
-          </a:effectRef>
-          <a:fontRef idx="minor">
-            <a:schemeClr val="lt1"/>
-          </a:fontRef>
-        </p:style>
-        <p:txBody>
-          <a:bodyPr rtlCol="0" anchor="ctr"/>
-          <a:lstStyle/>
-          <a:p>
-            <a:pPr algn="ctr"/>
-            <a:endParaRPr lang="it-IT" b="1"/>
-          </a:p>
-        </p:txBody>
-      </p:sp>
-      <p:pic>
-        <p:nvPicPr>
           <p:cNvPr id="21" name="Segnaposto contenuto 7" descr="Blockchain contorno">
             <a:extLst>
               <a:ext uri="{FF2B5EF4-FFF2-40B4-BE49-F238E27FC236}">
@@ -20614,1355 +20071,7 @@
         </p:blipFill>
         <p:spPr>
           <a:xfrm>
-            <a:off x="-866732" y="3052022"/>
-            <a:ext cx="718368" cy="718368"/>
-          </a:xfrm>
-          <a:prstGeom prst="rect">
-            <a:avLst/>
-          </a:prstGeom>
-        </p:spPr>
-      </p:pic>
-      <p:sp>
-        <p:nvSpPr>
-          <p:cNvPr id="22" name="Figura a mano libera: forma 21">
-            <a:extLst>
-              <a:ext uri="{FF2B5EF4-FFF2-40B4-BE49-F238E27FC236}">
-                <a16:creationId xmlns:a16="http://schemas.microsoft.com/office/drawing/2014/main" id="{5F4D36A5-1D2D-4A2E-85BC-D6789A6158C7}"/>
-              </a:ext>
-            </a:extLst>
-          </p:cNvPr>
-          <p:cNvSpPr/>
-          <p:nvPr/>
-        </p:nvSpPr>
-        <p:spPr>
-          <a:xfrm flipH="1">
-            <a:off x="0" y="-6213728"/>
-            <a:ext cx="1229723" cy="22957972"/>
-          </a:xfrm>
-          <a:custGeom>
-            <a:avLst/>
-            <a:gdLst>
-              <a:gd name="connsiteX0" fmla="*/ 0 w 1229710"/>
-              <a:gd name="connsiteY0" fmla="*/ 22957972 h 22957972"/>
-              <a:gd name="connsiteX1" fmla="*/ 0 w 1229710"/>
-              <a:gd name="connsiteY1" fmla="*/ 12288883 h 22957972"/>
-              <a:gd name="connsiteX2" fmla="*/ 533915 w 1229710"/>
-              <a:gd name="connsiteY2" fmla="*/ 11478986 h 22957972"/>
-              <a:gd name="connsiteX3" fmla="*/ 0 w 1229710"/>
-              <a:gd name="connsiteY3" fmla="*/ 10669089 h 22957972"/>
-              <a:gd name="connsiteX4" fmla="*/ 0 w 1229710"/>
-              <a:gd name="connsiteY4" fmla="*/ 0 h 22957972"/>
-              <a:gd name="connsiteX5" fmla="*/ 1229710 w 1229710"/>
-              <a:gd name="connsiteY5" fmla="*/ 0 h 22957972"/>
-              <a:gd name="connsiteX6" fmla="*/ 1229710 w 1229710"/>
-              <a:gd name="connsiteY6" fmla="*/ 22957972 h 22957972"/>
-              <a:gd name="connsiteX0" fmla="*/ 0 w 1229710"/>
-              <a:gd name="connsiteY0" fmla="*/ 22957972 h 22957972"/>
-              <a:gd name="connsiteX1" fmla="*/ 0 w 1229710"/>
-              <a:gd name="connsiteY1" fmla="*/ 12288883 h 22957972"/>
-              <a:gd name="connsiteX2" fmla="*/ 533915 w 1229710"/>
-              <a:gd name="connsiteY2" fmla="*/ 11478986 h 22957972"/>
-              <a:gd name="connsiteX3" fmla="*/ 0 w 1229710"/>
-              <a:gd name="connsiteY3" fmla="*/ 10669089 h 22957972"/>
-              <a:gd name="connsiteX4" fmla="*/ 0 w 1229710"/>
-              <a:gd name="connsiteY4" fmla="*/ 0 h 22957972"/>
-              <a:gd name="connsiteX5" fmla="*/ 1229710 w 1229710"/>
-              <a:gd name="connsiteY5" fmla="*/ 0 h 22957972"/>
-              <a:gd name="connsiteX6" fmla="*/ 1229710 w 1229710"/>
-              <a:gd name="connsiteY6" fmla="*/ 22957972 h 22957972"/>
-              <a:gd name="connsiteX7" fmla="*/ 0 w 1229710"/>
-              <a:gd name="connsiteY7" fmla="*/ 22957972 h 22957972"/>
-              <a:gd name="connsiteX0" fmla="*/ 295 w 1230005"/>
-              <a:gd name="connsiteY0" fmla="*/ 22957972 h 22957972"/>
-              <a:gd name="connsiteX1" fmla="*/ 295 w 1230005"/>
-              <a:gd name="connsiteY1" fmla="*/ 12288883 h 22957972"/>
-              <a:gd name="connsiteX2" fmla="*/ 534210 w 1230005"/>
-              <a:gd name="connsiteY2" fmla="*/ 11478986 h 22957972"/>
-              <a:gd name="connsiteX3" fmla="*/ 295 w 1230005"/>
-              <a:gd name="connsiteY3" fmla="*/ 10669089 h 22957972"/>
-              <a:gd name="connsiteX4" fmla="*/ 295 w 1230005"/>
-              <a:gd name="connsiteY4" fmla="*/ 0 h 22957972"/>
-              <a:gd name="connsiteX5" fmla="*/ 1230005 w 1230005"/>
-              <a:gd name="connsiteY5" fmla="*/ 0 h 22957972"/>
-              <a:gd name="connsiteX6" fmla="*/ 1230005 w 1230005"/>
-              <a:gd name="connsiteY6" fmla="*/ 22957972 h 22957972"/>
-              <a:gd name="connsiteX7" fmla="*/ 295 w 1230005"/>
-              <a:gd name="connsiteY7" fmla="*/ 22957972 h 22957972"/>
-              <a:gd name="connsiteX0" fmla="*/ 5 w 1229715"/>
-              <a:gd name="connsiteY0" fmla="*/ 22957972 h 22957972"/>
-              <a:gd name="connsiteX1" fmla="*/ 5 w 1229715"/>
-              <a:gd name="connsiteY1" fmla="*/ 12288883 h 22957972"/>
-              <a:gd name="connsiteX2" fmla="*/ 533920 w 1229715"/>
-              <a:gd name="connsiteY2" fmla="*/ 11478986 h 22957972"/>
-              <a:gd name="connsiteX3" fmla="*/ 5 w 1229715"/>
-              <a:gd name="connsiteY3" fmla="*/ 10669089 h 22957972"/>
-              <a:gd name="connsiteX4" fmla="*/ 5 w 1229715"/>
-              <a:gd name="connsiteY4" fmla="*/ 0 h 22957972"/>
-              <a:gd name="connsiteX5" fmla="*/ 1229715 w 1229715"/>
-              <a:gd name="connsiteY5" fmla="*/ 0 h 22957972"/>
-              <a:gd name="connsiteX6" fmla="*/ 1229715 w 1229715"/>
-              <a:gd name="connsiteY6" fmla="*/ 22957972 h 22957972"/>
-              <a:gd name="connsiteX7" fmla="*/ 5 w 1229715"/>
-              <a:gd name="connsiteY7" fmla="*/ 22957972 h 22957972"/>
-              <a:gd name="connsiteX0" fmla="*/ 12 w 1229722"/>
-              <a:gd name="connsiteY0" fmla="*/ 22957972 h 22957972"/>
-              <a:gd name="connsiteX1" fmla="*/ 12 w 1229722"/>
-              <a:gd name="connsiteY1" fmla="*/ 12288883 h 22957972"/>
-              <a:gd name="connsiteX2" fmla="*/ 533927 w 1229722"/>
-              <a:gd name="connsiteY2" fmla="*/ 11478986 h 22957972"/>
-              <a:gd name="connsiteX3" fmla="*/ 12 w 1229722"/>
-              <a:gd name="connsiteY3" fmla="*/ 10669089 h 22957972"/>
-              <a:gd name="connsiteX4" fmla="*/ 12 w 1229722"/>
-              <a:gd name="connsiteY4" fmla="*/ 0 h 22957972"/>
-              <a:gd name="connsiteX5" fmla="*/ 1229722 w 1229722"/>
-              <a:gd name="connsiteY5" fmla="*/ 0 h 22957972"/>
-              <a:gd name="connsiteX6" fmla="*/ 1229722 w 1229722"/>
-              <a:gd name="connsiteY6" fmla="*/ 22957972 h 22957972"/>
-              <a:gd name="connsiteX7" fmla="*/ 12 w 1229722"/>
-              <a:gd name="connsiteY7" fmla="*/ 22957972 h 22957972"/>
-              <a:gd name="connsiteX0" fmla="*/ 12 w 1229722"/>
-              <a:gd name="connsiteY0" fmla="*/ 22957972 h 22957972"/>
-              <a:gd name="connsiteX1" fmla="*/ 12 w 1229722"/>
-              <a:gd name="connsiteY1" fmla="*/ 12288883 h 22957972"/>
-              <a:gd name="connsiteX2" fmla="*/ 533927 w 1229722"/>
-              <a:gd name="connsiteY2" fmla="*/ 11478986 h 22957972"/>
-              <a:gd name="connsiteX3" fmla="*/ 12 w 1229722"/>
-              <a:gd name="connsiteY3" fmla="*/ 10669089 h 22957972"/>
-              <a:gd name="connsiteX4" fmla="*/ 12 w 1229722"/>
-              <a:gd name="connsiteY4" fmla="*/ 0 h 22957972"/>
-              <a:gd name="connsiteX5" fmla="*/ 1229722 w 1229722"/>
-              <a:gd name="connsiteY5" fmla="*/ 0 h 22957972"/>
-              <a:gd name="connsiteX6" fmla="*/ 1229722 w 1229722"/>
-              <a:gd name="connsiteY6" fmla="*/ 22957972 h 22957972"/>
-              <a:gd name="connsiteX7" fmla="*/ 12 w 1229722"/>
-              <a:gd name="connsiteY7" fmla="*/ 22957972 h 22957972"/>
-              <a:gd name="connsiteX0" fmla="*/ 13 w 1229723"/>
-              <a:gd name="connsiteY0" fmla="*/ 22957972 h 22957972"/>
-              <a:gd name="connsiteX1" fmla="*/ 13 w 1229723"/>
-              <a:gd name="connsiteY1" fmla="*/ 12288883 h 22957972"/>
-              <a:gd name="connsiteX2" fmla="*/ 474722 w 1229723"/>
-              <a:gd name="connsiteY2" fmla="*/ 11475696 h 22957972"/>
-              <a:gd name="connsiteX3" fmla="*/ 13 w 1229723"/>
-              <a:gd name="connsiteY3" fmla="*/ 10669089 h 22957972"/>
-              <a:gd name="connsiteX4" fmla="*/ 13 w 1229723"/>
-              <a:gd name="connsiteY4" fmla="*/ 0 h 22957972"/>
-              <a:gd name="connsiteX5" fmla="*/ 1229723 w 1229723"/>
-              <a:gd name="connsiteY5" fmla="*/ 0 h 22957972"/>
-              <a:gd name="connsiteX6" fmla="*/ 1229723 w 1229723"/>
-              <a:gd name="connsiteY6" fmla="*/ 22957972 h 22957972"/>
-              <a:gd name="connsiteX7" fmla="*/ 13 w 1229723"/>
-              <a:gd name="connsiteY7" fmla="*/ 22957972 h 22957972"/>
-              <a:gd name="connsiteX0" fmla="*/ 13 w 1229723"/>
-              <a:gd name="connsiteY0" fmla="*/ 22957972 h 22957972"/>
-              <a:gd name="connsiteX1" fmla="*/ 13 w 1229723"/>
-              <a:gd name="connsiteY1" fmla="*/ 12288883 h 22957972"/>
-              <a:gd name="connsiteX2" fmla="*/ 474722 w 1229723"/>
-              <a:gd name="connsiteY2" fmla="*/ 11475696 h 22957972"/>
-              <a:gd name="connsiteX3" fmla="*/ 13 w 1229723"/>
-              <a:gd name="connsiteY3" fmla="*/ 10669089 h 22957972"/>
-              <a:gd name="connsiteX4" fmla="*/ 13 w 1229723"/>
-              <a:gd name="connsiteY4" fmla="*/ 0 h 22957972"/>
-              <a:gd name="connsiteX5" fmla="*/ 1229723 w 1229723"/>
-              <a:gd name="connsiteY5" fmla="*/ 0 h 22957972"/>
-              <a:gd name="connsiteX6" fmla="*/ 1229723 w 1229723"/>
-              <a:gd name="connsiteY6" fmla="*/ 22957972 h 22957972"/>
-              <a:gd name="connsiteX7" fmla="*/ 13 w 1229723"/>
-              <a:gd name="connsiteY7" fmla="*/ 22957972 h 22957972"/>
-              <a:gd name="connsiteX0" fmla="*/ 13 w 1229723"/>
-              <a:gd name="connsiteY0" fmla="*/ 22957972 h 22957972"/>
-              <a:gd name="connsiteX1" fmla="*/ 13 w 1229723"/>
-              <a:gd name="connsiteY1" fmla="*/ 12288883 h 22957972"/>
-              <a:gd name="connsiteX2" fmla="*/ 474722 w 1229723"/>
-              <a:gd name="connsiteY2" fmla="*/ 11475696 h 22957972"/>
-              <a:gd name="connsiteX3" fmla="*/ 13 w 1229723"/>
-              <a:gd name="connsiteY3" fmla="*/ 10669089 h 22957972"/>
-              <a:gd name="connsiteX4" fmla="*/ 13 w 1229723"/>
-              <a:gd name="connsiteY4" fmla="*/ 0 h 22957972"/>
-              <a:gd name="connsiteX5" fmla="*/ 1229723 w 1229723"/>
-              <a:gd name="connsiteY5" fmla="*/ 0 h 22957972"/>
-              <a:gd name="connsiteX6" fmla="*/ 1229723 w 1229723"/>
-              <a:gd name="connsiteY6" fmla="*/ 22957972 h 22957972"/>
-              <a:gd name="connsiteX7" fmla="*/ 13 w 1229723"/>
-              <a:gd name="connsiteY7" fmla="*/ 22957972 h 22957972"/>
-            </a:gdLst>
-            <a:ahLst/>
-            <a:cxnLst>
-              <a:cxn ang="0">
-                <a:pos x="connsiteX0" y="connsiteY0"/>
-              </a:cxn>
-              <a:cxn ang="0">
-                <a:pos x="connsiteX1" y="connsiteY1"/>
-              </a:cxn>
-              <a:cxn ang="0">
-                <a:pos x="connsiteX2" y="connsiteY2"/>
-              </a:cxn>
-              <a:cxn ang="0">
-                <a:pos x="connsiteX3" y="connsiteY3"/>
-              </a:cxn>
-              <a:cxn ang="0">
-                <a:pos x="connsiteX4" y="connsiteY4"/>
-              </a:cxn>
-              <a:cxn ang="0">
-                <a:pos x="connsiteX5" y="connsiteY5"/>
-              </a:cxn>
-              <a:cxn ang="0">
-                <a:pos x="connsiteX6" y="connsiteY6"/>
-              </a:cxn>
-              <a:cxn ang="0">
-                <a:pos x="connsiteX7" y="connsiteY7"/>
-              </a:cxn>
-            </a:cxnLst>
-            <a:rect l="l" t="t" r="r" b="b"/>
-            <a:pathLst>
-              <a:path w="1229723" h="22957972">
-                <a:moveTo>
-                  <a:pt x="13" y="22957972"/>
-                </a:moveTo>
-                <a:lnTo>
-                  <a:pt x="13" y="12288883"/>
-                </a:lnTo>
-                <a:cubicBezTo>
-                  <a:pt x="-2919" y="11887349"/>
-                  <a:pt x="475585" y="11941716"/>
-                  <a:pt x="474722" y="11475696"/>
-                </a:cubicBezTo>
-                <a:cubicBezTo>
-                  <a:pt x="473859" y="11009676"/>
-                  <a:pt x="-1690" y="11083914"/>
-                  <a:pt x="13" y="10669089"/>
-                </a:cubicBezTo>
-                <a:lnTo>
-                  <a:pt x="13" y="0"/>
-                </a:lnTo>
-                <a:lnTo>
-                  <a:pt x="1229723" y="0"/>
-                </a:lnTo>
-                <a:lnTo>
-                  <a:pt x="1229723" y="22957972"/>
-                </a:lnTo>
-                <a:lnTo>
-                  <a:pt x="13" y="22957972"/>
-                </a:lnTo>
-                <a:close/>
-              </a:path>
-            </a:pathLst>
-          </a:custGeom>
-          <a:solidFill>
-            <a:schemeClr val="tx1"/>
-          </a:solidFill>
-          <a:ln>
-            <a:noFill/>
-          </a:ln>
-        </p:spPr>
-        <p:style>
-          <a:lnRef idx="2">
-            <a:schemeClr val="accent1">
-              <a:shade val="50000"/>
-            </a:schemeClr>
-          </a:lnRef>
-          <a:fillRef idx="1">
-            <a:schemeClr val="accent1"/>
-          </a:fillRef>
-          <a:effectRef idx="0">
-            <a:schemeClr val="accent1"/>
-          </a:effectRef>
-          <a:fontRef idx="minor">
-            <a:schemeClr val="lt1"/>
-          </a:fontRef>
-        </p:style>
-        <p:txBody>
-          <a:bodyPr wrap="square" rtlCol="0" anchor="ctr">
-            <a:noAutofit/>
-          </a:bodyPr>
-          <a:lstStyle/>
-          <a:p>
-            <a:pPr algn="ctr"/>
-            <a:endParaRPr lang="it-IT" b="1" dirty="0"/>
-          </a:p>
-        </p:txBody>
-      </p:sp>
-      <p:pic>
-        <p:nvPicPr>
-          <p:cNvPr id="23" name="Elemento grafico 22" descr="Tiro a segno con riempimento a tinta unita">
-            <a:extLst>
-              <a:ext uri="{FF2B5EF4-FFF2-40B4-BE49-F238E27FC236}">
-                <a16:creationId xmlns:a16="http://schemas.microsoft.com/office/drawing/2014/main" id="{8CFC18D5-1549-4780-ABA0-E1A9700B8BA3}"/>
-              </a:ext>
-            </a:extLst>
-          </p:cNvPr>
-          <p:cNvPicPr>
-            <a:picLocks noChangeAspect="1"/>
-          </p:cNvPicPr>
-          <p:nvPr/>
-        </p:nvPicPr>
-        <p:blipFill>
-          <a:blip r:embed="rId15">
-            <a:extLst>
-              <a:ext uri="{96DAC541-7B7A-43D3-8B79-37D633B846F1}">
-                <asvg:svgBlip xmlns:asvg="http://schemas.microsoft.com/office/drawing/2016/SVG/main" r:embed="rId16"/>
-              </a:ext>
-            </a:extLst>
-          </a:blip>
-          <a:srcRect/>
-          <a:stretch/>
-        </p:blipFill>
-        <p:spPr>
-          <a:xfrm>
-            <a:off x="242109" y="320812"/>
-            <a:ext cx="718368" cy="718368"/>
-          </a:xfrm>
-          <a:prstGeom prst="rect">
-            <a:avLst/>
-          </a:prstGeom>
-        </p:spPr>
-      </p:pic>
-      <p:pic>
-        <p:nvPicPr>
-          <p:cNvPr id="24" name="Elemento grafico 23" descr="Singolo ingranaggio con riempimento a tinta unita">
-            <a:extLst>
-              <a:ext uri="{FF2B5EF4-FFF2-40B4-BE49-F238E27FC236}">
-                <a16:creationId xmlns:a16="http://schemas.microsoft.com/office/drawing/2014/main" id="{F09C701D-C4FF-49D0-8ACF-9081D6B21E82}"/>
-              </a:ext>
-            </a:extLst>
-          </p:cNvPr>
-          <p:cNvPicPr>
-            <a:picLocks noChangeAspect="1"/>
-          </p:cNvPicPr>
-          <p:nvPr/>
-        </p:nvPicPr>
-        <p:blipFill>
-          <a:blip r:embed="rId17">
-            <a:extLst>
-              <a:ext uri="{96DAC541-7B7A-43D3-8B79-37D633B846F1}">
-                <asvg:svgBlip xmlns:asvg="http://schemas.microsoft.com/office/drawing/2016/SVG/main" r:embed="rId18"/>
-              </a:ext>
-            </a:extLst>
-          </a:blip>
-          <a:srcRect/>
-          <a:stretch/>
-        </p:blipFill>
-        <p:spPr>
-          <a:xfrm>
-            <a:off x="242109" y="1233237"/>
-            <a:ext cx="718368" cy="718368"/>
-          </a:xfrm>
-          <a:prstGeom prst="rect">
-            <a:avLst/>
-          </a:prstGeom>
-        </p:spPr>
-      </p:pic>
-      <p:pic>
-        <p:nvPicPr>
-          <p:cNvPr id="25" name="Elemento grafico 24" descr="Condividi con riempimento a tinta unita">
-            <a:extLst>
-              <a:ext uri="{FF2B5EF4-FFF2-40B4-BE49-F238E27FC236}">
-                <a16:creationId xmlns:a16="http://schemas.microsoft.com/office/drawing/2014/main" id="{F3E112FE-5D7F-46B8-AB3F-74FECA698A65}"/>
-              </a:ext>
-            </a:extLst>
-          </p:cNvPr>
-          <p:cNvPicPr>
-            <a:picLocks noChangeAspect="1"/>
-          </p:cNvPicPr>
-          <p:nvPr/>
-        </p:nvPicPr>
-        <p:blipFill>
-          <a:blip r:embed="rId19">
-            <a:extLst>
-              <a:ext uri="{96DAC541-7B7A-43D3-8B79-37D633B846F1}">
-                <asvg:svgBlip xmlns:asvg="http://schemas.microsoft.com/office/drawing/2016/SVG/main" r:embed="rId20"/>
-              </a:ext>
-            </a:extLst>
-          </a:blip>
-          <a:stretch>
-            <a:fillRect/>
-          </a:stretch>
-        </p:blipFill>
-        <p:spPr>
-          <a:xfrm>
-            <a:off x="210976" y="2111908"/>
-            <a:ext cx="780634" cy="780634"/>
-          </a:xfrm>
-          <a:prstGeom prst="rect">
-            <a:avLst/>
-          </a:prstGeom>
-        </p:spPr>
-      </p:pic>
-      <p:pic>
-        <p:nvPicPr>
-          <p:cNvPr id="26" name="Segnaposto contenuto 7" descr="Blockchain contorno">
-            <a:extLst>
-              <a:ext uri="{FF2B5EF4-FFF2-40B4-BE49-F238E27FC236}">
-                <a16:creationId xmlns:a16="http://schemas.microsoft.com/office/drawing/2014/main" id="{51A6216D-564A-4B11-80EF-CD948BC17C72}"/>
-              </a:ext>
-            </a:extLst>
-          </p:cNvPr>
-          <p:cNvPicPr>
-            <a:picLocks noChangeAspect="1"/>
-          </p:cNvPicPr>
-          <p:nvPr/>
-        </p:nvPicPr>
-        <p:blipFill>
-          <a:blip r:embed="rId21">
-            <a:extLst>
-              <a:ext uri="{96DAC541-7B7A-43D3-8B79-37D633B846F1}">
-                <asvg:svgBlip xmlns:asvg="http://schemas.microsoft.com/office/drawing/2016/SVG/main" r:embed="rId22"/>
-              </a:ext>
-            </a:extLst>
-          </a:blip>
-          <a:stretch>
-            <a:fillRect/>
-          </a:stretch>
-        </p:blipFill>
-        <p:spPr>
-          <a:xfrm>
-            <a:off x="242109" y="3052022"/>
-            <a:ext cx="718368" cy="718368"/>
-          </a:xfrm>
-          <a:prstGeom prst="rect">
-            <a:avLst/>
-          </a:prstGeom>
-        </p:spPr>
-      </p:pic>
-      <p:pic>
-        <p:nvPicPr>
-          <p:cNvPr id="27" name="Segnaposto contenuto 9" descr="Utente con riempimento a tinta unita">
-            <a:extLst>
-              <a:ext uri="{FF2B5EF4-FFF2-40B4-BE49-F238E27FC236}">
-                <a16:creationId xmlns:a16="http://schemas.microsoft.com/office/drawing/2014/main" id="{14582A50-71C2-4B6B-B5B7-5AF1C9507FE9}"/>
-              </a:ext>
-            </a:extLst>
-          </p:cNvPr>
-          <p:cNvPicPr>
-            <a:picLocks noChangeAspect="1"/>
-          </p:cNvPicPr>
-          <p:nvPr/>
-        </p:nvPicPr>
-        <p:blipFill>
-          <a:blip r:embed="rId23">
-            <a:extLst>
-              <a:ext uri="{96DAC541-7B7A-43D3-8B79-37D633B846F1}">
-                <asvg:svgBlip xmlns:asvg="http://schemas.microsoft.com/office/drawing/2016/SVG/main" r:embed="rId24"/>
-              </a:ext>
-            </a:extLst>
-          </a:blip>
-          <a:srcRect/>
-          <a:stretch/>
-        </p:blipFill>
-        <p:spPr>
-          <a:xfrm>
-            <a:off x="242109" y="3913277"/>
-            <a:ext cx="718368" cy="718368"/>
-          </a:xfrm>
-          <a:prstGeom prst="rect">
-            <a:avLst/>
-          </a:prstGeom>
-        </p:spPr>
-      </p:pic>
-      <p:pic>
-        <p:nvPicPr>
-          <p:cNvPr id="28" name="Elemento grafico 27" descr="Database contorno">
-            <a:extLst>
-              <a:ext uri="{FF2B5EF4-FFF2-40B4-BE49-F238E27FC236}">
-                <a16:creationId xmlns:a16="http://schemas.microsoft.com/office/drawing/2014/main" id="{FE08B14E-79F9-4B5A-8ABF-0ED56DDC9318}"/>
-              </a:ext>
-            </a:extLst>
-          </p:cNvPr>
-          <p:cNvPicPr>
-            <a:picLocks noChangeAspect="1"/>
-          </p:cNvPicPr>
-          <p:nvPr/>
-        </p:nvPicPr>
-        <p:blipFill>
-          <a:blip r:embed="rId25">
-            <a:extLst>
-              <a:ext uri="{96DAC541-7B7A-43D3-8B79-37D633B846F1}">
-                <asvg:svgBlip xmlns:asvg="http://schemas.microsoft.com/office/drawing/2016/SVG/main" r:embed="rId26"/>
-              </a:ext>
-            </a:extLst>
-          </a:blip>
-          <a:stretch>
-            <a:fillRect/>
-          </a:stretch>
-        </p:blipFill>
-        <p:spPr>
-          <a:xfrm>
-            <a:off x="242109" y="4885375"/>
-            <a:ext cx="718368" cy="718368"/>
-          </a:xfrm>
-          <a:prstGeom prst="rect">
-            <a:avLst/>
-          </a:prstGeom>
-        </p:spPr>
-      </p:pic>
-      <p:pic>
-        <p:nvPicPr>
-          <p:cNvPr id="30" name="Elemento grafico 29" descr="Idrante antincendio rotto con riempimento a tinta unita">
-            <a:extLst>
-              <a:ext uri="{FF2B5EF4-FFF2-40B4-BE49-F238E27FC236}">
-                <a16:creationId xmlns:a16="http://schemas.microsoft.com/office/drawing/2014/main" id="{16B4B142-B9C0-4291-A17F-DBFE84992048}"/>
-              </a:ext>
-            </a:extLst>
-          </p:cNvPr>
-          <p:cNvPicPr>
-            <a:picLocks noChangeAspect="1"/>
-          </p:cNvPicPr>
-          <p:nvPr/>
-        </p:nvPicPr>
-        <p:blipFill>
-          <a:blip r:embed="rId27">
-            <a:extLst>
-              <a:ext uri="{96DAC541-7B7A-43D3-8B79-37D633B846F1}">
-                <asvg:svgBlip xmlns:asvg="http://schemas.microsoft.com/office/drawing/2016/SVG/main" r:embed="rId28"/>
-              </a:ext>
-            </a:extLst>
-          </a:blip>
-          <a:srcRect/>
-          <a:stretch/>
-        </p:blipFill>
-        <p:spPr>
-          <a:xfrm>
-            <a:off x="242109" y="5744747"/>
-            <a:ext cx="720000" cy="720000"/>
-          </a:xfrm>
-          <a:prstGeom prst="rect">
-            <a:avLst/>
-          </a:prstGeom>
-        </p:spPr>
-      </p:pic>
-      <p:sp>
-        <p:nvSpPr>
-          <p:cNvPr id="29" name="CasellaDiTesto 28">
-            <a:extLst>
-              <a:ext uri="{FF2B5EF4-FFF2-40B4-BE49-F238E27FC236}">
-                <a16:creationId xmlns:a16="http://schemas.microsoft.com/office/drawing/2014/main" id="{7A0EA46D-D896-46C1-877F-4FFBDF137463}"/>
-              </a:ext>
-            </a:extLst>
-          </p:cNvPr>
-          <p:cNvSpPr txBox="1"/>
-          <p:nvPr/>
-        </p:nvSpPr>
-        <p:spPr>
-          <a:xfrm>
-            <a:off x="62983" y="5129221"/>
-            <a:ext cx="718368" cy="307777"/>
-          </a:xfrm>
-          <a:prstGeom prst="rect">
-            <a:avLst/>
-          </a:prstGeom>
-          <a:noFill/>
-        </p:spPr>
-        <p:txBody>
-          <a:bodyPr wrap="square" rtlCol="0">
-            <a:spAutoFit/>
-          </a:bodyPr>
-          <a:lstStyle/>
-          <a:p>
-            <a:r>
-              <a:rPr lang="it-IT" sz="1400" dirty="0">
-                <a:solidFill>
-                  <a:schemeClr val="accent2">
-                    <a:lumMod val="75000"/>
-                  </a:schemeClr>
-                </a:solidFill>
-              </a:rPr>
-              <a:t>SERVER</a:t>
-            </a:r>
-          </a:p>
-        </p:txBody>
-      </p:sp>
-      <p:sp>
-        <p:nvSpPr>
-          <p:cNvPr id="2" name="CasellaDiTesto 1">
-            <a:extLst>
-              <a:ext uri="{FF2B5EF4-FFF2-40B4-BE49-F238E27FC236}">
-                <a16:creationId xmlns:a16="http://schemas.microsoft.com/office/drawing/2014/main" id="{2F1B6EEB-B3DD-41F3-A0CC-A48BAD86871F}"/>
-              </a:ext>
-            </a:extLst>
-          </p:cNvPr>
-          <p:cNvSpPr txBox="1"/>
-          <p:nvPr/>
-        </p:nvSpPr>
-        <p:spPr>
-          <a:xfrm>
-            <a:off x="1837236" y="2595598"/>
-            <a:ext cx="3165894" cy="1631216"/>
-          </a:xfrm>
-          <a:prstGeom prst="rect">
-            <a:avLst/>
-          </a:prstGeom>
-          <a:noFill/>
-        </p:spPr>
-        <p:txBody>
-          <a:bodyPr wrap="square" rtlCol="0">
-            <a:spAutoFit/>
-          </a:bodyPr>
-          <a:lstStyle/>
-          <a:p>
-            <a:r>
-              <a:rPr lang="it-IT" sz="2000" dirty="0"/>
-              <a:t>Il Server implementa le procedure invocabili in remoto restituendo l’esito delle operazioni usando le RPC di SUN a default.</a:t>
-            </a:r>
-          </a:p>
-        </p:txBody>
-      </p:sp>
-      <p:pic>
-        <p:nvPicPr>
-          <p:cNvPr id="31" name="Elemento grafico 30" descr="Idrante antincendio rotto con riempimento a tinta unita">
-            <a:extLst>
-              <a:ext uri="{FF2B5EF4-FFF2-40B4-BE49-F238E27FC236}">
-                <a16:creationId xmlns:a16="http://schemas.microsoft.com/office/drawing/2014/main" id="{8F45B178-791B-4E21-ACCA-296C07446E95}"/>
-              </a:ext>
-            </a:extLst>
-          </p:cNvPr>
-          <p:cNvPicPr>
-            <a:picLocks noChangeAspect="1"/>
-          </p:cNvPicPr>
-          <p:nvPr/>
-        </p:nvPicPr>
-        <p:blipFill>
-          <a:blip r:embed="rId29">
-            <a:extLst>
-              <a:ext uri="{96DAC541-7B7A-43D3-8B79-37D633B846F1}">
-                <asvg:svgBlip xmlns:asvg="http://schemas.microsoft.com/office/drawing/2016/SVG/main" r:embed="rId30"/>
-              </a:ext>
-            </a:extLst>
-          </a:blip>
-          <a:srcRect/>
-          <a:stretch/>
-        </p:blipFill>
-        <p:spPr>
-          <a:xfrm>
-            <a:off x="-867548" y="5798747"/>
-            <a:ext cx="720000" cy="720000"/>
-          </a:xfrm>
-          <a:prstGeom prst="rect">
-            <a:avLst/>
-          </a:prstGeom>
-        </p:spPr>
-      </p:pic>
-    </p:spTree>
-    <p:extLst>
-      <p:ext uri="{BB962C8B-B14F-4D97-AF65-F5344CB8AC3E}">
-        <p14:creationId xmlns:p14="http://schemas.microsoft.com/office/powerpoint/2010/main" val="3851975705"/>
-      </p:ext>
-    </p:extLst>
-  </p:cSld>
-  <p:clrMapOvr>
-    <a:masterClrMapping/>
-  </p:clrMapOvr>
-  <mc:AlternateContent xmlns:mc="http://schemas.openxmlformats.org/markup-compatibility/2006" xmlns:p159="http://schemas.microsoft.com/office/powerpoint/2015/09/main">
-    <mc:Choice Requires="p159">
-      <p:transition>
-        <p159:morph option="byChar"/>
-      </p:transition>
-    </mc:Choice>
-    <mc:Fallback xmlns="">
-      <p:transition>
-        <p:fade/>
-      </p:transition>
-    </mc:Fallback>
-  </mc:AlternateContent>
-</p:sld>
-</file>
-
-<file path=ppt/slides/slide7.xml><?xml version="1.0" encoding="utf-8"?>
-<p:sld xmlns:a="http://schemas.openxmlformats.org/drawingml/2006/main" xmlns:r="http://schemas.openxmlformats.org/officeDocument/2006/relationships" xmlns:p="http://schemas.openxmlformats.org/presentationml/2006/main">
-  <p:cSld>
-    <p:bg>
-      <p:bgPr>
-        <a:solidFill>
-          <a:srgbClr val="013A63"/>
-        </a:solidFill>
-        <a:effectLst/>
-      </p:bgPr>
-    </p:bg>
-    <p:spTree>
-      <p:nvGrpSpPr>
-        <p:cNvPr id="1" name=""/>
-        <p:cNvGrpSpPr/>
-        <p:nvPr/>
-      </p:nvGrpSpPr>
-      <p:grpSpPr>
-        <a:xfrm>
-          <a:off x="0" y="0"/>
-          <a:ext cx="0" cy="0"/>
-          <a:chOff x="0" y="0"/>
-          <a:chExt cx="0" cy="0"/>
-        </a:xfrm>
-      </p:grpSpPr>
-      <p:pic>
-        <p:nvPicPr>
-          <p:cNvPr id="6" name="Immagine 5">
-            <a:extLst>
-              <a:ext uri="{FF2B5EF4-FFF2-40B4-BE49-F238E27FC236}">
-                <a16:creationId xmlns:a16="http://schemas.microsoft.com/office/drawing/2014/main" id="{34E6269D-AA7B-4BF2-9CDB-D2F5826A00E6}"/>
-              </a:ext>
-            </a:extLst>
-          </p:cNvPr>
-          <p:cNvPicPr>
-            <a:picLocks noChangeAspect="1"/>
-          </p:cNvPicPr>
-          <p:nvPr/>
-        </p:nvPicPr>
-        <p:blipFill>
-          <a:blip r:embed="rId2"/>
-          <a:stretch>
-            <a:fillRect/>
-          </a:stretch>
-        </p:blipFill>
-        <p:spPr>
-          <a:xfrm>
-            <a:off x="25273" y="36513"/>
-            <a:ext cx="1000265" cy="6857999"/>
-          </a:xfrm>
-          <a:prstGeom prst="rect">
-            <a:avLst/>
-          </a:prstGeom>
-        </p:spPr>
-      </p:pic>
-      <p:sp>
-        <p:nvSpPr>
-          <p:cNvPr id="13" name="Ovale 12">
-            <a:extLst>
-              <a:ext uri="{FF2B5EF4-FFF2-40B4-BE49-F238E27FC236}">
-                <a16:creationId xmlns:a16="http://schemas.microsoft.com/office/drawing/2014/main" id="{561EB7DC-28DB-4BE1-9152-D0201F3020AE}"/>
-              </a:ext>
-            </a:extLst>
-          </p:cNvPr>
-          <p:cNvSpPr/>
-          <p:nvPr/>
-        </p:nvSpPr>
-        <p:spPr>
-          <a:xfrm>
-            <a:off x="815723" y="5753502"/>
-            <a:ext cx="828000" cy="828000"/>
-          </a:xfrm>
-          <a:prstGeom prst="ellipse">
-            <a:avLst/>
-          </a:prstGeom>
-          <a:solidFill>
-            <a:schemeClr val="tx1"/>
-          </a:solidFill>
-          <a:ln>
-            <a:noFill/>
-          </a:ln>
-        </p:spPr>
-        <p:style>
-          <a:lnRef idx="2">
-            <a:schemeClr val="accent1">
-              <a:shade val="50000"/>
-            </a:schemeClr>
-          </a:lnRef>
-          <a:fillRef idx="1">
-            <a:schemeClr val="accent1"/>
-          </a:fillRef>
-          <a:effectRef idx="0">
-            <a:schemeClr val="accent1"/>
-          </a:effectRef>
-          <a:fontRef idx="minor">
-            <a:schemeClr val="lt1"/>
-          </a:fontRef>
-        </p:style>
-        <p:txBody>
-          <a:bodyPr rtlCol="0" anchor="ctr"/>
-          <a:lstStyle/>
-          <a:p>
-            <a:pPr algn="ctr"/>
-            <a:endParaRPr lang="it-IT" b="1"/>
-          </a:p>
-        </p:txBody>
-      </p:sp>
-      <p:pic>
-        <p:nvPicPr>
-          <p:cNvPr id="3" name="Elemento grafico 2" descr="Idrante antincendio rotto con riempimento a tinta unita">
-            <a:extLst>
-              <a:ext uri="{FF2B5EF4-FFF2-40B4-BE49-F238E27FC236}">
-                <a16:creationId xmlns:a16="http://schemas.microsoft.com/office/drawing/2014/main" id="{E3606FC0-F891-4ED0-8CB2-E32D0784998D}"/>
-              </a:ext>
-            </a:extLst>
-          </p:cNvPr>
-          <p:cNvPicPr>
-            <a:picLocks noChangeAspect="1"/>
-          </p:cNvPicPr>
-          <p:nvPr/>
-        </p:nvPicPr>
-        <p:blipFill>
-          <a:blip r:embed="rId3">
-            <a:extLst>
-              <a:ext uri="{96DAC541-7B7A-43D3-8B79-37D633B846F1}">
-                <asvg:svgBlip xmlns:asvg="http://schemas.microsoft.com/office/drawing/2016/SVG/main" r:embed="rId4"/>
-              </a:ext>
-            </a:extLst>
-          </a:blip>
-          <a:srcRect/>
-          <a:stretch/>
-        </p:blipFill>
-        <p:spPr>
-          <a:xfrm>
-            <a:off x="869723" y="5799444"/>
-            <a:ext cx="720000" cy="720000"/>
-          </a:xfrm>
-          <a:prstGeom prst="rect">
-            <a:avLst/>
-          </a:prstGeom>
-        </p:spPr>
-      </p:pic>
-      <p:sp>
-        <p:nvSpPr>
-          <p:cNvPr id="16" name="Segnaposto numero diapositiva 5">
-            <a:extLst>
-              <a:ext uri="{FF2B5EF4-FFF2-40B4-BE49-F238E27FC236}">
-                <a16:creationId xmlns:a16="http://schemas.microsoft.com/office/drawing/2014/main" id="{02CA51CB-D57C-4543-8737-F2B5C2866E1C}"/>
-              </a:ext>
-            </a:extLst>
-          </p:cNvPr>
-          <p:cNvSpPr>
-            <a:spLocks noGrp="1"/>
-          </p:cNvSpPr>
-          <p:nvPr>
-            <p:ph type="sldNum" sz="quarter" idx="12"/>
-          </p:nvPr>
-        </p:nvSpPr>
-        <p:spPr>
-          <a:xfrm>
-            <a:off x="10266795" y="6388793"/>
-            <a:ext cx="771089" cy="365125"/>
-          </a:xfrm>
-        </p:spPr>
-        <p:txBody>
-          <a:bodyPr/>
-          <a:lstStyle/>
-          <a:p>
-            <a:pPr rtl="0"/>
-            <a:fld id="{6D22F896-40B5-4ADD-8801-0D06FADFA095}" type="slidenum">
-              <a:rPr lang="it-IT" noProof="0" smtClean="0"/>
-              <a:t>7</a:t>
-            </a:fld>
-            <a:endParaRPr lang="it-IT" noProof="0" dirty="0"/>
-          </a:p>
-        </p:txBody>
-      </p:sp>
-      <p:sp>
-        <p:nvSpPr>
-          <p:cNvPr id="7" name="Ovale 6">
-            <a:extLst>
-              <a:ext uri="{FF2B5EF4-FFF2-40B4-BE49-F238E27FC236}">
-                <a16:creationId xmlns:a16="http://schemas.microsoft.com/office/drawing/2014/main" id="{F936136B-0BBB-4725-A8B4-96B6E3534644}"/>
-              </a:ext>
-            </a:extLst>
-          </p:cNvPr>
-          <p:cNvSpPr/>
-          <p:nvPr/>
-        </p:nvSpPr>
-        <p:spPr>
-          <a:xfrm>
-            <a:off x="-921548" y="2091071"/>
-            <a:ext cx="828000" cy="828000"/>
-          </a:xfrm>
-          <a:prstGeom prst="ellipse">
-            <a:avLst/>
-          </a:prstGeom>
-          <a:solidFill>
-            <a:schemeClr val="tx1"/>
-          </a:solidFill>
-          <a:ln>
-            <a:noFill/>
-          </a:ln>
-        </p:spPr>
-        <p:style>
-          <a:lnRef idx="2">
-            <a:schemeClr val="accent1">
-              <a:shade val="50000"/>
-            </a:schemeClr>
-          </a:lnRef>
-          <a:fillRef idx="1">
-            <a:schemeClr val="accent1"/>
-          </a:fillRef>
-          <a:effectRef idx="0">
-            <a:schemeClr val="accent1"/>
-          </a:effectRef>
-          <a:fontRef idx="minor">
-            <a:schemeClr val="lt1"/>
-          </a:fontRef>
-        </p:style>
-        <p:txBody>
-          <a:bodyPr rtlCol="0" anchor="ctr"/>
-          <a:lstStyle/>
-          <a:p>
-            <a:pPr algn="ctr"/>
-            <a:endParaRPr lang="it-IT" b="1"/>
-          </a:p>
-        </p:txBody>
-      </p:sp>
-      <p:sp>
-        <p:nvSpPr>
-          <p:cNvPr id="8" name="Ovale 7">
-            <a:extLst>
-              <a:ext uri="{FF2B5EF4-FFF2-40B4-BE49-F238E27FC236}">
-                <a16:creationId xmlns:a16="http://schemas.microsoft.com/office/drawing/2014/main" id="{608E348B-5C5B-4BD5-BE00-FC207FEB64D5}"/>
-              </a:ext>
-            </a:extLst>
-          </p:cNvPr>
-          <p:cNvSpPr/>
-          <p:nvPr/>
-        </p:nvSpPr>
-        <p:spPr>
-          <a:xfrm>
-            <a:off x="-921548" y="1177652"/>
-            <a:ext cx="828000" cy="828000"/>
-          </a:xfrm>
-          <a:prstGeom prst="ellipse">
-            <a:avLst/>
-          </a:prstGeom>
-          <a:solidFill>
-            <a:schemeClr val="tx1"/>
-          </a:solidFill>
-          <a:ln>
-            <a:noFill/>
-          </a:ln>
-        </p:spPr>
-        <p:style>
-          <a:lnRef idx="2">
-            <a:schemeClr val="accent1">
-              <a:shade val="50000"/>
-            </a:schemeClr>
-          </a:lnRef>
-          <a:fillRef idx="1">
-            <a:schemeClr val="accent1"/>
-          </a:fillRef>
-          <a:effectRef idx="0">
-            <a:schemeClr val="accent1"/>
-          </a:effectRef>
-          <a:fontRef idx="minor">
-            <a:schemeClr val="lt1"/>
-          </a:fontRef>
-        </p:style>
-        <p:txBody>
-          <a:bodyPr rtlCol="0" anchor="ctr"/>
-          <a:lstStyle/>
-          <a:p>
-            <a:pPr algn="ctr"/>
-            <a:endParaRPr lang="it-IT" b="1"/>
-          </a:p>
-        </p:txBody>
-      </p:sp>
-      <p:sp>
-        <p:nvSpPr>
-          <p:cNvPr id="9" name="Ovale 8">
-            <a:extLst>
-              <a:ext uri="{FF2B5EF4-FFF2-40B4-BE49-F238E27FC236}">
-                <a16:creationId xmlns:a16="http://schemas.microsoft.com/office/drawing/2014/main" id="{C98B8E1B-D00E-4AB0-A4DA-EAC103B50F3F}"/>
-              </a:ext>
-            </a:extLst>
-          </p:cNvPr>
-          <p:cNvSpPr/>
-          <p:nvPr/>
-        </p:nvSpPr>
-        <p:spPr>
-          <a:xfrm>
-            <a:off x="-921548" y="264233"/>
-            <a:ext cx="828000" cy="828000"/>
-          </a:xfrm>
-          <a:prstGeom prst="ellipse">
-            <a:avLst/>
-          </a:prstGeom>
-          <a:solidFill>
-            <a:schemeClr val="tx1"/>
-          </a:solidFill>
-          <a:ln>
-            <a:noFill/>
-          </a:ln>
-        </p:spPr>
-        <p:style>
-          <a:lnRef idx="2">
-            <a:schemeClr val="accent1">
-              <a:shade val="50000"/>
-            </a:schemeClr>
-          </a:lnRef>
-          <a:fillRef idx="1">
-            <a:schemeClr val="accent1"/>
-          </a:fillRef>
-          <a:effectRef idx="0">
-            <a:schemeClr val="accent1"/>
-          </a:effectRef>
-          <a:fontRef idx="minor">
-            <a:schemeClr val="lt1"/>
-          </a:fontRef>
-        </p:style>
-        <p:txBody>
-          <a:bodyPr rtlCol="0" anchor="ctr"/>
-          <a:lstStyle/>
-          <a:p>
-            <a:pPr algn="ctr"/>
-            <a:endParaRPr lang="it-IT" b="1" dirty="0"/>
-          </a:p>
-        </p:txBody>
-      </p:sp>
-      <p:sp>
-        <p:nvSpPr>
-          <p:cNvPr id="10" name="Ovale 9">
-            <a:extLst>
-              <a:ext uri="{FF2B5EF4-FFF2-40B4-BE49-F238E27FC236}">
-                <a16:creationId xmlns:a16="http://schemas.microsoft.com/office/drawing/2014/main" id="{2769B434-B71C-4155-BB92-C9F5B3B0B0F3}"/>
-              </a:ext>
-            </a:extLst>
-          </p:cNvPr>
-          <p:cNvSpPr/>
-          <p:nvPr/>
-        </p:nvSpPr>
-        <p:spPr>
-          <a:xfrm>
-            <a:off x="-949054" y="3963851"/>
-            <a:ext cx="828000" cy="828000"/>
-          </a:xfrm>
-          <a:prstGeom prst="ellipse">
-            <a:avLst/>
-          </a:prstGeom>
-          <a:solidFill>
-            <a:schemeClr val="tx1"/>
-          </a:solidFill>
-          <a:ln>
-            <a:noFill/>
-          </a:ln>
-        </p:spPr>
-        <p:style>
-          <a:lnRef idx="2">
-            <a:schemeClr val="accent1">
-              <a:shade val="50000"/>
-            </a:schemeClr>
-          </a:lnRef>
-          <a:fillRef idx="1">
-            <a:schemeClr val="accent1"/>
-          </a:fillRef>
-          <a:effectRef idx="0">
-            <a:schemeClr val="accent1"/>
-          </a:effectRef>
-          <a:fontRef idx="minor">
-            <a:schemeClr val="lt1"/>
-          </a:fontRef>
-        </p:style>
-        <p:txBody>
-          <a:bodyPr rtlCol="0" anchor="ctr"/>
-          <a:lstStyle/>
-          <a:p>
-            <a:pPr algn="ctr"/>
-            <a:endParaRPr lang="it-IT" b="1"/>
-          </a:p>
-        </p:txBody>
-      </p:sp>
-      <p:sp>
-        <p:nvSpPr>
-          <p:cNvPr id="11" name="Ovale 10">
-            <a:extLst>
-              <a:ext uri="{FF2B5EF4-FFF2-40B4-BE49-F238E27FC236}">
-                <a16:creationId xmlns:a16="http://schemas.microsoft.com/office/drawing/2014/main" id="{EC76A17D-3242-4BD8-B005-6B712E1D20D3}"/>
-              </a:ext>
-            </a:extLst>
-          </p:cNvPr>
-          <p:cNvSpPr/>
-          <p:nvPr/>
-        </p:nvSpPr>
-        <p:spPr>
-          <a:xfrm>
-            <a:off x="-974327" y="4890281"/>
-            <a:ext cx="828000" cy="828000"/>
-          </a:xfrm>
-          <a:prstGeom prst="ellipse">
-            <a:avLst/>
-          </a:prstGeom>
-          <a:solidFill>
-            <a:schemeClr val="tx1"/>
-          </a:solidFill>
-          <a:ln>
-            <a:noFill/>
-          </a:ln>
-        </p:spPr>
-        <p:style>
-          <a:lnRef idx="2">
-            <a:schemeClr val="accent1">
-              <a:shade val="50000"/>
-            </a:schemeClr>
-          </a:lnRef>
-          <a:fillRef idx="1">
-            <a:schemeClr val="accent1"/>
-          </a:fillRef>
-          <a:effectRef idx="0">
-            <a:schemeClr val="accent1"/>
-          </a:effectRef>
-          <a:fontRef idx="minor">
-            <a:schemeClr val="lt1"/>
-          </a:fontRef>
-        </p:style>
-        <p:txBody>
-          <a:bodyPr rtlCol="0" anchor="ctr"/>
-          <a:lstStyle/>
-          <a:p>
-            <a:pPr algn="ctr"/>
-            <a:endParaRPr lang="it-IT" b="1"/>
-          </a:p>
-        </p:txBody>
-      </p:sp>
-      <p:pic>
-        <p:nvPicPr>
-          <p:cNvPr id="14" name="Elemento grafico 13" descr="Tiro a segno contorno">
-            <a:extLst>
-              <a:ext uri="{FF2B5EF4-FFF2-40B4-BE49-F238E27FC236}">
-                <a16:creationId xmlns:a16="http://schemas.microsoft.com/office/drawing/2014/main" id="{3C27E02F-4946-4FEC-BD68-B2104A1DA230}"/>
-              </a:ext>
-            </a:extLst>
-          </p:cNvPr>
-          <p:cNvPicPr>
-            <a:picLocks noChangeAspect="1"/>
-          </p:cNvPicPr>
-          <p:nvPr/>
-        </p:nvPicPr>
-        <p:blipFill>
-          <a:blip r:embed="rId5">
-            <a:extLst>
-              <a:ext uri="{96DAC541-7B7A-43D3-8B79-37D633B846F1}">
-                <asvg:svgBlip xmlns:asvg="http://schemas.microsoft.com/office/drawing/2016/SVG/main" r:embed="rId6"/>
-              </a:ext>
-            </a:extLst>
-          </a:blip>
-          <a:stretch>
-            <a:fillRect/>
-          </a:stretch>
-        </p:blipFill>
-        <p:spPr>
-          <a:xfrm>
-            <a:off x="-866732" y="320812"/>
-            <a:ext cx="718368" cy="718368"/>
-          </a:xfrm>
-          <a:prstGeom prst="rect">
-            <a:avLst/>
-          </a:prstGeom>
-        </p:spPr>
-      </p:pic>
-      <p:pic>
-        <p:nvPicPr>
-          <p:cNvPr id="15" name="Elemento grafico 14" descr="Ingranaggi contorno">
-            <a:extLst>
-              <a:ext uri="{FF2B5EF4-FFF2-40B4-BE49-F238E27FC236}">
-                <a16:creationId xmlns:a16="http://schemas.microsoft.com/office/drawing/2014/main" id="{C5039894-E757-4503-8F78-9ECB13AFDAED}"/>
-              </a:ext>
-            </a:extLst>
-          </p:cNvPr>
-          <p:cNvPicPr>
-            <a:picLocks noChangeAspect="1"/>
-          </p:cNvPicPr>
-          <p:nvPr/>
-        </p:nvPicPr>
-        <p:blipFill>
-          <a:blip r:embed="rId7">
-            <a:extLst>
-              <a:ext uri="{96DAC541-7B7A-43D3-8B79-37D633B846F1}">
-                <asvg:svgBlip xmlns:asvg="http://schemas.microsoft.com/office/drawing/2016/SVG/main" r:embed="rId8"/>
-              </a:ext>
-            </a:extLst>
-          </a:blip>
-          <a:stretch>
-            <a:fillRect/>
-          </a:stretch>
-        </p:blipFill>
-        <p:spPr>
-          <a:xfrm>
-            <a:off x="-866732" y="1233237"/>
-            <a:ext cx="718368" cy="718368"/>
-          </a:xfrm>
-          <a:prstGeom prst="rect">
-            <a:avLst/>
-          </a:prstGeom>
-        </p:spPr>
-      </p:pic>
-      <p:pic>
-        <p:nvPicPr>
-          <p:cNvPr id="17" name="Elemento grafico 16" descr="Condividi con riempimento a tinta unita">
-            <a:extLst>
-              <a:ext uri="{FF2B5EF4-FFF2-40B4-BE49-F238E27FC236}">
-                <a16:creationId xmlns:a16="http://schemas.microsoft.com/office/drawing/2014/main" id="{40E6D582-9765-4E68-A2E2-2EA5686354B5}"/>
-              </a:ext>
-            </a:extLst>
-          </p:cNvPr>
-          <p:cNvPicPr>
-            <a:picLocks noChangeAspect="1"/>
-          </p:cNvPicPr>
-          <p:nvPr/>
-        </p:nvPicPr>
-        <p:blipFill>
-          <a:blip r:embed="rId9">
-            <a:extLst>
-              <a:ext uri="{96DAC541-7B7A-43D3-8B79-37D633B846F1}">
-                <asvg:svgBlip xmlns:asvg="http://schemas.microsoft.com/office/drawing/2016/SVG/main" r:embed="rId10"/>
-              </a:ext>
-            </a:extLst>
-          </a:blip>
-          <a:stretch>
-            <a:fillRect/>
-          </a:stretch>
-        </p:blipFill>
-        <p:spPr>
-          <a:xfrm>
-            <a:off x="-897865" y="2111908"/>
-            <a:ext cx="780634" cy="780634"/>
-          </a:xfrm>
-          <a:prstGeom prst="rect">
-            <a:avLst/>
-          </a:prstGeom>
-        </p:spPr>
-      </p:pic>
-      <p:pic>
-        <p:nvPicPr>
-          <p:cNvPr id="18" name="Segnaposto contenuto 9" descr="Utente contorno">
-            <a:extLst>
-              <a:ext uri="{FF2B5EF4-FFF2-40B4-BE49-F238E27FC236}">
-                <a16:creationId xmlns:a16="http://schemas.microsoft.com/office/drawing/2014/main" id="{641F713D-465F-4B4B-938D-2DA6E056A207}"/>
-              </a:ext>
-            </a:extLst>
-          </p:cNvPr>
-          <p:cNvPicPr>
-            <a:picLocks noChangeAspect="1"/>
-          </p:cNvPicPr>
-          <p:nvPr/>
-        </p:nvPicPr>
-        <p:blipFill>
-          <a:blip r:embed="rId11">
-            <a:extLst>
-              <a:ext uri="{96DAC541-7B7A-43D3-8B79-37D633B846F1}">
-                <asvg:svgBlip xmlns:asvg="http://schemas.microsoft.com/office/drawing/2016/SVG/main" r:embed="rId12"/>
-              </a:ext>
-            </a:extLst>
-          </a:blip>
-          <a:stretch>
-            <a:fillRect/>
-          </a:stretch>
-        </p:blipFill>
-        <p:spPr>
-          <a:xfrm>
-            <a:off x="-894238" y="3961535"/>
-            <a:ext cx="718368" cy="718368"/>
-          </a:xfrm>
-          <a:prstGeom prst="rect">
-            <a:avLst/>
-          </a:prstGeom>
-        </p:spPr>
-      </p:pic>
-      <p:pic>
-        <p:nvPicPr>
-          <p:cNvPr id="19" name="Elemento grafico 18" descr="Database contorno">
-            <a:extLst>
-              <a:ext uri="{FF2B5EF4-FFF2-40B4-BE49-F238E27FC236}">
-                <a16:creationId xmlns:a16="http://schemas.microsoft.com/office/drawing/2014/main" id="{6B007BB4-3D91-406F-8527-FC090EE17250}"/>
-              </a:ext>
-            </a:extLst>
-          </p:cNvPr>
-          <p:cNvPicPr>
-            <a:picLocks noChangeAspect="1"/>
-          </p:cNvPicPr>
-          <p:nvPr/>
-        </p:nvPicPr>
-        <p:blipFill>
-          <a:blip r:embed="rId13">
-            <a:extLst>
-              <a:ext uri="{96DAC541-7B7A-43D3-8B79-37D633B846F1}">
-                <asvg:svgBlip xmlns:asvg="http://schemas.microsoft.com/office/drawing/2016/SVG/main" r:embed="rId14"/>
-              </a:ext>
-            </a:extLst>
-          </a:blip>
-          <a:stretch>
-            <a:fillRect/>
-          </a:stretch>
-        </p:blipFill>
-        <p:spPr>
-          <a:xfrm>
-            <a:off x="-919511" y="4948960"/>
-            <a:ext cx="718368" cy="718368"/>
-          </a:xfrm>
-          <a:prstGeom prst="rect">
-            <a:avLst/>
-          </a:prstGeom>
-        </p:spPr>
-      </p:pic>
-      <p:sp>
-        <p:nvSpPr>
-          <p:cNvPr id="20" name="Ovale 19">
-            <a:extLst>
-              <a:ext uri="{FF2B5EF4-FFF2-40B4-BE49-F238E27FC236}">
-                <a16:creationId xmlns:a16="http://schemas.microsoft.com/office/drawing/2014/main" id="{A14AC0E5-863B-46F8-BEA7-832DDCAB9BCF}"/>
-              </a:ext>
-            </a:extLst>
-          </p:cNvPr>
-          <p:cNvSpPr/>
-          <p:nvPr/>
-        </p:nvSpPr>
-        <p:spPr>
-          <a:xfrm>
-            <a:off x="-921548" y="3004490"/>
-            <a:ext cx="828000" cy="828000"/>
-          </a:xfrm>
-          <a:prstGeom prst="ellipse">
-            <a:avLst/>
-          </a:prstGeom>
-          <a:solidFill>
-            <a:schemeClr val="tx1"/>
-          </a:solidFill>
-          <a:ln>
-            <a:noFill/>
-          </a:ln>
-        </p:spPr>
-        <p:style>
-          <a:lnRef idx="2">
-            <a:schemeClr val="accent1">
-              <a:shade val="50000"/>
-            </a:schemeClr>
-          </a:lnRef>
-          <a:fillRef idx="1">
-            <a:schemeClr val="accent1"/>
-          </a:fillRef>
-          <a:effectRef idx="0">
-            <a:schemeClr val="accent1"/>
-          </a:effectRef>
-          <a:fontRef idx="minor">
-            <a:schemeClr val="lt1"/>
-          </a:fontRef>
-        </p:style>
-        <p:txBody>
-          <a:bodyPr rtlCol="0" anchor="ctr"/>
-          <a:lstStyle/>
-          <a:p>
-            <a:pPr algn="ctr"/>
-            <a:endParaRPr lang="it-IT" b="1"/>
-          </a:p>
-        </p:txBody>
-      </p:sp>
-      <p:pic>
-        <p:nvPicPr>
-          <p:cNvPr id="21" name="Segnaposto contenuto 7" descr="Blockchain contorno">
-            <a:extLst>
-              <a:ext uri="{FF2B5EF4-FFF2-40B4-BE49-F238E27FC236}">
-                <a16:creationId xmlns:a16="http://schemas.microsoft.com/office/drawing/2014/main" id="{7A6AF9BE-EC89-47A6-9ED7-D20D7E216234}"/>
-              </a:ext>
-            </a:extLst>
-          </p:cNvPr>
-          <p:cNvPicPr>
-            <a:picLocks noChangeAspect="1"/>
-          </p:cNvPicPr>
-          <p:nvPr/>
-        </p:nvPicPr>
-        <p:blipFill>
-          <a:blip r:embed="rId15">
-            <a:extLst>
-              <a:ext uri="{96DAC541-7B7A-43D3-8B79-37D633B846F1}">
-                <asvg:svgBlip xmlns:asvg="http://schemas.microsoft.com/office/drawing/2016/SVG/main" r:embed="rId16"/>
-              </a:ext>
-            </a:extLst>
-          </a:blip>
-          <a:stretch>
-            <a:fillRect/>
-          </a:stretch>
-        </p:blipFill>
-        <p:spPr>
-          <a:xfrm>
-            <a:off x="-866732" y="3052022"/>
+            <a:off x="-922553" y="2450046"/>
             <a:ext cx="718368" cy="718368"/>
           </a:xfrm>
           <a:prstGeom prst="rect">
@@ -22244,10 +20353,10 @@
           <p:nvPr/>
         </p:nvPicPr>
         <p:blipFill>
-          <a:blip r:embed="rId17">
+          <a:blip r:embed="rId15">
             <a:extLst>
               <a:ext uri="{96DAC541-7B7A-43D3-8B79-37D633B846F1}">
-                <asvg:svgBlip xmlns:asvg="http://schemas.microsoft.com/office/drawing/2016/SVG/main" r:embed="rId18"/>
+                <asvg:svgBlip xmlns:asvg="http://schemas.microsoft.com/office/drawing/2016/SVG/main" r:embed="rId16"/>
               </a:ext>
             </a:extLst>
           </a:blip>
@@ -22279,10 +20388,10 @@
           <p:nvPr/>
         </p:nvPicPr>
         <p:blipFill>
-          <a:blip r:embed="rId19">
+          <a:blip r:embed="rId17">
             <a:extLst>
               <a:ext uri="{96DAC541-7B7A-43D3-8B79-37D633B846F1}">
-                <asvg:svgBlip xmlns:asvg="http://schemas.microsoft.com/office/drawing/2016/SVG/main" r:embed="rId20"/>
+                <asvg:svgBlip xmlns:asvg="http://schemas.microsoft.com/office/drawing/2016/SVG/main" r:embed="rId18"/>
               </a:ext>
             </a:extLst>
           </a:blip>
@@ -22291,7 +20400,7 @@
         </p:blipFill>
         <p:spPr>
           <a:xfrm>
-            <a:off x="242109" y="1233237"/>
+            <a:off x="242109" y="1416538"/>
             <a:ext cx="718368" cy="718368"/>
           </a:xfrm>
           <a:prstGeom prst="rect">
@@ -22301,10 +20410,10 @@
       </p:pic>
       <p:pic>
         <p:nvPicPr>
-          <p:cNvPr id="25" name="Elemento grafico 24" descr="Condividi con riempimento a tinta unita">
+          <p:cNvPr id="26" name="Segnaposto contenuto 7" descr="Blockchain contorno">
             <a:extLst>
               <a:ext uri="{FF2B5EF4-FFF2-40B4-BE49-F238E27FC236}">
-                <a16:creationId xmlns:a16="http://schemas.microsoft.com/office/drawing/2014/main" id="{F3E112FE-5D7F-46B8-AB3F-74FECA698A65}"/>
+                <a16:creationId xmlns:a16="http://schemas.microsoft.com/office/drawing/2014/main" id="{51A6216D-564A-4B11-80EF-CD948BC17C72}"/>
               </a:ext>
             </a:extLst>
           </p:cNvPr>
@@ -22314,10 +20423,10 @@
           <p:nvPr/>
         </p:nvPicPr>
         <p:blipFill>
-          <a:blip r:embed="rId21">
+          <a:blip r:embed="rId19">
             <a:extLst>
               <a:ext uri="{96DAC541-7B7A-43D3-8B79-37D633B846F1}">
-                <asvg:svgBlip xmlns:asvg="http://schemas.microsoft.com/office/drawing/2016/SVG/main" r:embed="rId22"/>
+                <asvg:svgBlip xmlns:asvg="http://schemas.microsoft.com/office/drawing/2016/SVG/main" r:embed="rId20"/>
               </a:ext>
             </a:extLst>
           </a:blip>
@@ -22327,43 +20436,7 @@
         </p:blipFill>
         <p:spPr>
           <a:xfrm>
-            <a:off x="210976" y="2111908"/>
-            <a:ext cx="780634" cy="780634"/>
-          </a:xfrm>
-          <a:prstGeom prst="rect">
-            <a:avLst/>
-          </a:prstGeom>
-        </p:spPr>
-      </p:pic>
-      <p:pic>
-        <p:nvPicPr>
-          <p:cNvPr id="26" name="Segnaposto contenuto 7" descr="Blockchain contorno">
-            <a:extLst>
-              <a:ext uri="{FF2B5EF4-FFF2-40B4-BE49-F238E27FC236}">
-                <a16:creationId xmlns:a16="http://schemas.microsoft.com/office/drawing/2014/main" id="{51A6216D-564A-4B11-80EF-CD948BC17C72}"/>
-              </a:ext>
-            </a:extLst>
-          </p:cNvPr>
-          <p:cNvPicPr>
-            <a:picLocks noChangeAspect="1"/>
-          </p:cNvPicPr>
-          <p:nvPr/>
-        </p:nvPicPr>
-        <p:blipFill>
-          <a:blip r:embed="rId23">
-            <a:extLst>
-              <a:ext uri="{96DAC541-7B7A-43D3-8B79-37D633B846F1}">
-                <asvg:svgBlip xmlns:asvg="http://schemas.microsoft.com/office/drawing/2016/SVG/main" r:embed="rId24"/>
-              </a:ext>
-            </a:extLst>
-          </a:blip>
-          <a:stretch>
-            <a:fillRect/>
-          </a:stretch>
-        </p:blipFill>
-        <p:spPr>
-          <a:xfrm>
-            <a:off x="242109" y="3052022"/>
+            <a:off x="242109" y="2512264"/>
             <a:ext cx="718368" cy="718368"/>
           </a:xfrm>
           <a:prstGeom prst="rect">
@@ -22386,10 +20459,10 @@
           <p:nvPr/>
         </p:nvPicPr>
         <p:blipFill>
-          <a:blip r:embed="rId25">
+          <a:blip r:embed="rId21">
             <a:extLst>
               <a:ext uri="{96DAC541-7B7A-43D3-8B79-37D633B846F1}">
-                <asvg:svgBlip xmlns:asvg="http://schemas.microsoft.com/office/drawing/2016/SVG/main" r:embed="rId26"/>
+                <asvg:svgBlip xmlns:asvg="http://schemas.microsoft.com/office/drawing/2016/SVG/main" r:embed="rId22"/>
               </a:ext>
             </a:extLst>
           </a:blip>
@@ -22398,7 +20471,7 @@
         </p:blipFill>
         <p:spPr>
           <a:xfrm>
-            <a:off x="242109" y="3913277"/>
+            <a:off x="242109" y="3607990"/>
             <a:ext cx="718368" cy="718368"/>
           </a:xfrm>
           <a:prstGeom prst="rect">
@@ -22421,10 +20494,10 @@
           <p:nvPr/>
         </p:nvPicPr>
         <p:blipFill>
-          <a:blip r:embed="rId27">
+          <a:blip r:embed="rId23">
             <a:extLst>
               <a:ext uri="{96DAC541-7B7A-43D3-8B79-37D633B846F1}">
-                <asvg:svgBlip xmlns:asvg="http://schemas.microsoft.com/office/drawing/2016/SVG/main" r:embed="rId28"/>
+                <asvg:svgBlip xmlns:asvg="http://schemas.microsoft.com/office/drawing/2016/SVG/main" r:embed="rId24"/>
               </a:ext>
             </a:extLst>
           </a:blip>
@@ -22433,7 +20506,7 @@
         </p:blipFill>
         <p:spPr>
           <a:xfrm>
-            <a:off x="242109" y="4885375"/>
+            <a:off x="242109" y="4703716"/>
             <a:ext cx="718368" cy="718368"/>
           </a:xfrm>
           <a:prstGeom prst="rect">
@@ -22456,10 +20529,10 @@
           <p:nvPr/>
         </p:nvPicPr>
         <p:blipFill>
-          <a:blip r:embed="rId29">
+          <a:blip r:embed="rId25">
             <a:extLst>
               <a:ext uri="{96DAC541-7B7A-43D3-8B79-37D633B846F1}">
-                <asvg:svgBlip xmlns:asvg="http://schemas.microsoft.com/office/drawing/2016/SVG/main" r:embed="rId30"/>
+                <asvg:svgBlip xmlns:asvg="http://schemas.microsoft.com/office/drawing/2016/SVG/main" r:embed="rId26"/>
               </a:ext>
             </a:extLst>
           </a:blip>
@@ -23646,9 +21719,12 @@
 </file>
 
 <file path=customXml/item1.xml><?xml version="1.0" encoding="utf-8"?>
-<p:properties xmlns:p="http://schemas.microsoft.com/office/2006/metadata/properties" xmlns:xsi="http://www.w3.org/2001/XMLSchema-instance" xmlns:pc="http://schemas.microsoft.com/office/infopath/2007/PartnerControls">
-  <documentManagement/>
-</p:properties>
+<?mso-contentType ?>
+<FormTemplates xmlns="http://schemas.microsoft.com/sharepoint/v3/contenttype/forms">
+  <Display>DocumentLibraryForm</Display>
+  <Edit>DocumentLibraryForm</Edit>
+  <New>DocumentLibraryForm</New>
+</FormTemplates>
 </file>
 
 <file path=customXml/item2.xml><?xml version="1.0" encoding="utf-8"?>
@@ -23784,26 +21860,15 @@
 </file>
 
 <file path=customXml/item3.xml><?xml version="1.0" encoding="utf-8"?>
-<?mso-contentType ?>
-<FormTemplates xmlns="http://schemas.microsoft.com/sharepoint/v3/contenttype/forms">
-  <Display>DocumentLibraryForm</Display>
-  <Edit>DocumentLibraryForm</Edit>
-  <New>DocumentLibraryForm</New>
-</FormTemplates>
+<p:properties xmlns:p="http://schemas.microsoft.com/office/2006/metadata/properties" xmlns:xsi="http://www.w3.org/2001/XMLSchema-instance" xmlns:pc="http://schemas.microsoft.com/office/infopath/2007/PartnerControls">
+  <documentManagement/>
+</p:properties>
 </file>
 
 <file path=customXml/itemProps1.xml><?xml version="1.0" encoding="utf-8"?>
-<ds:datastoreItem xmlns:ds="http://schemas.openxmlformats.org/officeDocument/2006/customXml" ds:itemID="{D8463AF2-9ABC-4087-AAED-E5A30A3C4C54}">
+<ds:datastoreItem xmlns:ds="http://schemas.openxmlformats.org/officeDocument/2006/customXml" ds:itemID="{3057252C-AA3B-4053-A64D-51B970623905}">
   <ds:schemaRefs>
-    <ds:schemaRef ds:uri="http://schemas.microsoft.com/office/2006/documentManagement/types"/>
-    <ds:schemaRef ds:uri="http://schemas.microsoft.com/office/2006/metadata/properties"/>
-    <ds:schemaRef ds:uri="http://purl.org/dc/elements/1.1/"/>
-    <ds:schemaRef ds:uri="http://purl.org/dc/terms/"/>
-    <ds:schemaRef ds:uri="http://schemas.microsoft.com/office/infopath/2007/PartnerControls"/>
-    <ds:schemaRef ds:uri="http://schemas.openxmlformats.org/package/2006/metadata/core-properties"/>
-    <ds:schemaRef ds:uri="b4ea0a96-3951-4160-baca-c74dadb8c17f"/>
-    <ds:schemaRef ds:uri="http://www.w3.org/XML/1998/namespace"/>
-    <ds:schemaRef ds:uri="http://purl.org/dc/dcmitype/"/>
+    <ds:schemaRef ds:uri="http://schemas.microsoft.com/sharepoint/v3/contenttype/forms"/>
   </ds:schemaRefs>
 </ds:datastoreItem>
 </file>
@@ -23827,9 +21892,17 @@
 </file>
 
 <file path=customXml/itemProps3.xml><?xml version="1.0" encoding="utf-8"?>
-<ds:datastoreItem xmlns:ds="http://schemas.openxmlformats.org/officeDocument/2006/customXml" ds:itemID="{3057252C-AA3B-4053-A64D-51B970623905}">
+<ds:datastoreItem xmlns:ds="http://schemas.openxmlformats.org/officeDocument/2006/customXml" ds:itemID="{D8463AF2-9ABC-4087-AAED-E5A30A3C4C54}">
   <ds:schemaRefs>
-    <ds:schemaRef ds:uri="http://schemas.microsoft.com/sharepoint/v3/contenttype/forms"/>
+    <ds:schemaRef ds:uri="http://schemas.microsoft.com/office/2006/documentManagement/types"/>
+    <ds:schemaRef ds:uri="http://schemas.microsoft.com/office/2006/metadata/properties"/>
+    <ds:schemaRef ds:uri="http://purl.org/dc/elements/1.1/"/>
+    <ds:schemaRef ds:uri="http://purl.org/dc/terms/"/>
+    <ds:schemaRef ds:uri="http://schemas.microsoft.com/office/infopath/2007/PartnerControls"/>
+    <ds:schemaRef ds:uri="http://schemas.openxmlformats.org/package/2006/metadata/core-properties"/>
+    <ds:schemaRef ds:uri="b4ea0a96-3951-4160-baca-c74dadb8c17f"/>
+    <ds:schemaRef ds:uri="http://www.w3.org/XML/1998/namespace"/>
+    <ds:schemaRef ds:uri="http://purl.org/dc/dcmitype/"/>
   </ds:schemaRefs>
 </ds:datastoreItem>
 </file>
--- a/Esercitazione_8/esercitazione8.pptx
+++ b/Esercitazione_8/esercitazione8.pptx
@@ -5,18 +5,17 @@
     <p:sldMasterId id="2147483687" r:id="rId4"/>
   </p:sldMasterIdLst>
   <p:notesMasterIdLst>
-    <p:notesMasterId r:id="rId11"/>
+    <p:notesMasterId r:id="rId10"/>
   </p:notesMasterIdLst>
   <p:handoutMasterIdLst>
-    <p:handoutMasterId r:id="rId12"/>
+    <p:handoutMasterId r:id="rId11"/>
   </p:handoutMasterIdLst>
   <p:sldIdLst>
     <p:sldId id="312" r:id="rId5"/>
     <p:sldId id="329" r:id="rId6"/>
     <p:sldId id="326" r:id="rId7"/>
     <p:sldId id="327" r:id="rId8"/>
-    <p:sldId id="330" r:id="rId9"/>
-    <p:sldId id="331" r:id="rId10"/>
+    <p:sldId id="331" r:id="rId9"/>
   </p:sldIdLst>
   <p:sldSz cx="12192000" cy="6858000"/>
   <p:notesSz cx="6858000" cy="9144000"/>
@@ -747,7 +746,7 @@
           <a:noFill/>
           <a:extLst>
             <a:ext uri="{909E8E84-426E-40dd-AFC4-6F175D3DCCD1}">
-              <a14:hiddenFill xmlns="" xmlns:a14="http://schemas.microsoft.com/office/drawing/2010/main">
+              <a14:hiddenFill xmlns:a14="http://schemas.microsoft.com/office/drawing/2010/main" xmlns="">
                 <a:solidFill>
                   <a:srgbClr val="FFFFFF"/>
                 </a:solidFill>
@@ -807,7 +806,7 @@
             </a:ln>
             <a:extLst>
               <a:ext uri="{91240B29-F687-4f45-9708-019B960494DF}">
-                <a14:hiddenLine xmlns="" xmlns:a14="http://schemas.microsoft.com/office/drawing/2010/main" w="9525">
+                <a14:hiddenLine xmlns:a14="http://schemas.microsoft.com/office/drawing/2010/main" xmlns="" w="9525">
                   <a:solidFill>
                     <a:srgbClr val="000000"/>
                   </a:solidFill>
@@ -897,7 +896,7 @@
             </a:ln>
             <a:extLst>
               <a:ext uri="{91240B29-F687-4f45-9708-019B960494DF}">
-                <a14:hiddenLine xmlns="" xmlns:a14="http://schemas.microsoft.com/office/drawing/2010/main" w="9525">
+                <a14:hiddenLine xmlns:a14="http://schemas.microsoft.com/office/drawing/2010/main" xmlns="" w="9525">
                   <a:solidFill>
                     <a:srgbClr val="000000"/>
                   </a:solidFill>
@@ -987,7 +986,7 @@
             </a:ln>
             <a:extLst>
               <a:ext uri="{91240B29-F687-4f45-9708-019B960494DF}">
-                <a14:hiddenLine xmlns="" xmlns:a14="http://schemas.microsoft.com/office/drawing/2010/main" w="9525">
+                <a14:hiddenLine xmlns:a14="http://schemas.microsoft.com/office/drawing/2010/main" xmlns="" w="9525">
                   <a:solidFill>
                     <a:srgbClr val="000000"/>
                   </a:solidFill>
@@ -1021,7 +1020,7 @@
             </a:ln>
             <a:extLst>
               <a:ext uri="{91240B29-F687-4f45-9708-019B960494DF}">
-                <a14:hiddenLine xmlns="" xmlns:a14="http://schemas.microsoft.com/office/drawing/2010/main" w="9525">
+                <a14:hiddenLine xmlns:a14="http://schemas.microsoft.com/office/drawing/2010/main" xmlns="" w="9525">
                   <a:solidFill>
                     <a:srgbClr val="000000"/>
                   </a:solidFill>
@@ -1111,7 +1110,7 @@
             </a:ln>
             <a:extLst>
               <a:ext uri="{91240B29-F687-4f45-9708-019B960494DF}">
-                <a14:hiddenLine xmlns="" xmlns:a14="http://schemas.microsoft.com/office/drawing/2010/main" w="9525">
+                <a14:hiddenLine xmlns:a14="http://schemas.microsoft.com/office/drawing/2010/main" xmlns="" w="9525">
                   <a:solidFill>
                     <a:srgbClr val="000000"/>
                   </a:solidFill>
@@ -1173,7 +1172,7 @@
             </a:ln>
             <a:extLst>
               <a:ext uri="{91240B29-F687-4f45-9708-019B960494DF}">
-                <a14:hiddenLine xmlns="" xmlns:a14="http://schemas.microsoft.com/office/drawing/2010/main" w="9525">
+                <a14:hiddenLine xmlns:a14="http://schemas.microsoft.com/office/drawing/2010/main" xmlns="" w="9525">
                   <a:solidFill>
                     <a:srgbClr val="000000"/>
                   </a:solidFill>
@@ -1235,7 +1234,7 @@
             </a:ln>
             <a:extLst>
               <a:ext uri="{91240B29-F687-4f45-9708-019B960494DF}">
-                <a14:hiddenLine xmlns="" xmlns:a14="http://schemas.microsoft.com/office/drawing/2010/main" w="9525">
+                <a14:hiddenLine xmlns:a14="http://schemas.microsoft.com/office/drawing/2010/main" xmlns="" w="9525">
                   <a:solidFill>
                     <a:srgbClr val="000000"/>
                   </a:solidFill>
@@ -1325,7 +1324,7 @@
             </a:ln>
             <a:extLst>
               <a:ext uri="{91240B29-F687-4f45-9708-019B960494DF}">
-                <a14:hiddenLine xmlns="" xmlns:a14="http://schemas.microsoft.com/office/drawing/2010/main" w="9525">
+                <a14:hiddenLine xmlns:a14="http://schemas.microsoft.com/office/drawing/2010/main" xmlns="" w="9525">
                   <a:solidFill>
                     <a:srgbClr val="000000"/>
                   </a:solidFill>
@@ -1387,7 +1386,7 @@
             </a:ln>
             <a:extLst>
               <a:ext uri="{91240B29-F687-4f45-9708-019B960494DF}">
-                <a14:hiddenLine xmlns="" xmlns:a14="http://schemas.microsoft.com/office/drawing/2010/main" w="9525">
+                <a14:hiddenLine xmlns:a14="http://schemas.microsoft.com/office/drawing/2010/main" xmlns="" w="9525">
                   <a:solidFill>
                     <a:srgbClr val="000000"/>
                   </a:solidFill>
@@ -1449,7 +1448,7 @@
             </a:ln>
             <a:extLst>
               <a:ext uri="{91240B29-F687-4f45-9708-019B960494DF}">
-                <a14:hiddenLine xmlns="" xmlns:a14="http://schemas.microsoft.com/office/drawing/2010/main" w="9525">
+                <a14:hiddenLine xmlns:a14="http://schemas.microsoft.com/office/drawing/2010/main" xmlns="" w="9525">
                   <a:solidFill>
                     <a:srgbClr val="000000"/>
                   </a:solidFill>
@@ -1539,7 +1538,7 @@
             </a:ln>
             <a:extLst>
               <a:ext uri="{91240B29-F687-4f45-9708-019B960494DF}">
-                <a14:hiddenLine xmlns="" xmlns:a14="http://schemas.microsoft.com/office/drawing/2010/main" w="9525">
+                <a14:hiddenLine xmlns:a14="http://schemas.microsoft.com/office/drawing/2010/main" xmlns="" w="9525">
                   <a:solidFill>
                     <a:srgbClr val="000000"/>
                   </a:solidFill>
@@ -1629,7 +1628,7 @@
             </a:ln>
             <a:extLst>
               <a:ext uri="{91240B29-F687-4f45-9708-019B960494DF}">
-                <a14:hiddenLine xmlns="" xmlns:a14="http://schemas.microsoft.com/office/drawing/2010/main" w="9525">
+                <a14:hiddenLine xmlns:a14="http://schemas.microsoft.com/office/drawing/2010/main" xmlns="" w="9525">
                   <a:solidFill>
                     <a:srgbClr val="000000"/>
                   </a:solidFill>
@@ -1691,7 +1690,7 @@
             </a:ln>
             <a:extLst>
               <a:ext uri="{91240B29-F687-4f45-9708-019B960494DF}">
-                <a14:hiddenLine xmlns="" xmlns:a14="http://schemas.microsoft.com/office/drawing/2010/main" w="9525">
+                <a14:hiddenLine xmlns:a14="http://schemas.microsoft.com/office/drawing/2010/main" xmlns="" w="9525">
                   <a:solidFill>
                     <a:srgbClr val="000000"/>
                   </a:solidFill>
@@ -1801,7 +1800,7 @@
             </a:ln>
             <a:extLst>
               <a:ext uri="{91240B29-F687-4f45-9708-019B960494DF}">
-                <a14:hiddenLine xmlns="" xmlns:a14="http://schemas.microsoft.com/office/drawing/2010/main" w="9525">
+                <a14:hiddenLine xmlns:a14="http://schemas.microsoft.com/office/drawing/2010/main" xmlns="" w="9525">
                   <a:solidFill>
                     <a:srgbClr val="000000"/>
                   </a:solidFill>
@@ -1863,7 +1862,7 @@
             </a:ln>
             <a:extLst>
               <a:ext uri="{91240B29-F687-4f45-9708-019B960494DF}">
-                <a14:hiddenLine xmlns="" xmlns:a14="http://schemas.microsoft.com/office/drawing/2010/main" w="9525">
+                <a14:hiddenLine xmlns:a14="http://schemas.microsoft.com/office/drawing/2010/main" xmlns="" w="9525">
                   <a:solidFill>
                     <a:srgbClr val="000000"/>
                   </a:solidFill>
@@ -1953,7 +1952,7 @@
             </a:ln>
             <a:extLst>
               <a:ext uri="{91240B29-F687-4f45-9708-019B960494DF}">
-                <a14:hiddenLine xmlns="" xmlns:a14="http://schemas.microsoft.com/office/drawing/2010/main" w="9525">
+                <a14:hiddenLine xmlns:a14="http://schemas.microsoft.com/office/drawing/2010/main" xmlns="" w="9525">
                   <a:solidFill>
                     <a:srgbClr val="000000"/>
                   </a:solidFill>
@@ -2043,7 +2042,7 @@
             </a:ln>
             <a:extLst>
               <a:ext uri="{91240B29-F687-4f45-9708-019B960494DF}">
-                <a14:hiddenLine xmlns="" xmlns:a14="http://schemas.microsoft.com/office/drawing/2010/main" w="9525">
+                <a14:hiddenLine xmlns:a14="http://schemas.microsoft.com/office/drawing/2010/main" xmlns="" w="9525">
                   <a:solidFill>
                     <a:srgbClr val="000000"/>
                   </a:solidFill>
@@ -2105,7 +2104,7 @@
             </a:ln>
             <a:extLst>
               <a:ext uri="{91240B29-F687-4f45-9708-019B960494DF}">
-                <a14:hiddenLine xmlns="" xmlns:a14="http://schemas.microsoft.com/office/drawing/2010/main" w="9525">
+                <a14:hiddenLine xmlns:a14="http://schemas.microsoft.com/office/drawing/2010/main" xmlns="" w="9525">
                   <a:solidFill>
                     <a:srgbClr val="000000"/>
                   </a:solidFill>
@@ -2195,7 +2194,7 @@
             </a:ln>
             <a:extLst>
               <a:ext uri="{91240B29-F687-4f45-9708-019B960494DF}">
-                <a14:hiddenLine xmlns="" xmlns:a14="http://schemas.microsoft.com/office/drawing/2010/main" w="9525">
+                <a14:hiddenLine xmlns:a14="http://schemas.microsoft.com/office/drawing/2010/main" xmlns="" w="9525">
                   <a:solidFill>
                     <a:srgbClr val="000000"/>
                   </a:solidFill>
@@ -2285,7 +2284,7 @@
             </a:ln>
             <a:extLst>
               <a:ext uri="{91240B29-F687-4f45-9708-019B960494DF}">
-                <a14:hiddenLine xmlns="" xmlns:a14="http://schemas.microsoft.com/office/drawing/2010/main" w="9525">
+                <a14:hiddenLine xmlns:a14="http://schemas.microsoft.com/office/drawing/2010/main" xmlns="" w="9525">
                   <a:solidFill>
                     <a:srgbClr val="000000"/>
                   </a:solidFill>
@@ -2341,7 +2340,7 @@
             </a:ln>
             <a:extLst>
               <a:ext uri="{91240B29-F687-4f45-9708-019B960494DF}">
-                <a14:hiddenLine xmlns="" xmlns:a14="http://schemas.microsoft.com/office/drawing/2010/main" w="9525">
+                <a14:hiddenLine xmlns:a14="http://schemas.microsoft.com/office/drawing/2010/main" xmlns="" w="9525">
                   <a:solidFill>
                     <a:srgbClr val="000000"/>
                   </a:solidFill>
@@ -2431,7 +2430,7 @@
             </a:ln>
             <a:extLst>
               <a:ext uri="{91240B29-F687-4f45-9708-019B960494DF}">
-                <a14:hiddenLine xmlns="" xmlns:a14="http://schemas.microsoft.com/office/drawing/2010/main" w="9525">
+                <a14:hiddenLine xmlns:a14="http://schemas.microsoft.com/office/drawing/2010/main" xmlns="" w="9525">
                   <a:solidFill>
                     <a:srgbClr val="000000"/>
                   </a:solidFill>
@@ -2487,7 +2486,7 @@
             </a:ln>
             <a:extLst>
               <a:ext uri="{91240B29-F687-4f45-9708-019B960494DF}">
-                <a14:hiddenLine xmlns="" xmlns:a14="http://schemas.microsoft.com/office/drawing/2010/main" w="9525">
+                <a14:hiddenLine xmlns:a14="http://schemas.microsoft.com/office/drawing/2010/main" xmlns="" w="9525">
                   <a:solidFill>
                     <a:srgbClr val="000000"/>
                   </a:solidFill>
@@ -2577,7 +2576,7 @@
             </a:ln>
             <a:extLst>
               <a:ext uri="{91240B29-F687-4f45-9708-019B960494DF}">
-                <a14:hiddenLine xmlns="" xmlns:a14="http://schemas.microsoft.com/office/drawing/2010/main" w="9525">
+                <a14:hiddenLine xmlns:a14="http://schemas.microsoft.com/office/drawing/2010/main" xmlns="" w="9525">
                   <a:solidFill>
                     <a:srgbClr val="000000"/>
                   </a:solidFill>
@@ -2645,7 +2644,7 @@
             </a:ln>
             <a:extLst>
               <a:ext uri="{91240B29-F687-4f45-9708-019B960494DF}">
-                <a14:hiddenLine xmlns="" xmlns:a14="http://schemas.microsoft.com/office/drawing/2010/main" w="9525">
+                <a14:hiddenLine xmlns:a14="http://schemas.microsoft.com/office/drawing/2010/main" xmlns="" w="9525">
                   <a:solidFill>
                     <a:srgbClr val="000000"/>
                   </a:solidFill>
@@ -2735,7 +2734,7 @@
             </a:ln>
             <a:extLst>
               <a:ext uri="{91240B29-F687-4f45-9708-019B960494DF}">
-                <a14:hiddenLine xmlns="" xmlns:a14="http://schemas.microsoft.com/office/drawing/2010/main" w="9525">
+                <a14:hiddenLine xmlns:a14="http://schemas.microsoft.com/office/drawing/2010/main" xmlns="" w="9525">
                   <a:solidFill>
                     <a:srgbClr val="000000"/>
                   </a:solidFill>
@@ -2803,7 +2802,7 @@
             </a:ln>
             <a:extLst>
               <a:ext uri="{91240B29-F687-4f45-9708-019B960494DF}">
-                <a14:hiddenLine xmlns="" xmlns:a14="http://schemas.microsoft.com/office/drawing/2010/main" w="9525">
+                <a14:hiddenLine xmlns:a14="http://schemas.microsoft.com/office/drawing/2010/main" xmlns="" w="9525">
                   <a:solidFill>
                     <a:srgbClr val="000000"/>
                   </a:solidFill>
@@ -2893,7 +2892,7 @@
             </a:ln>
             <a:extLst>
               <a:ext uri="{91240B29-F687-4f45-9708-019B960494DF}">
-                <a14:hiddenLine xmlns="" xmlns:a14="http://schemas.microsoft.com/office/drawing/2010/main" w="9525">
+                <a14:hiddenLine xmlns:a14="http://schemas.microsoft.com/office/drawing/2010/main" xmlns="" w="9525">
                   <a:solidFill>
                     <a:srgbClr val="000000"/>
                   </a:solidFill>
@@ -2927,7 +2926,7 @@
             </a:ln>
             <a:extLst>
               <a:ext uri="{91240B29-F687-4f45-9708-019B960494DF}">
-                <a14:hiddenLine xmlns="" xmlns:a14="http://schemas.microsoft.com/office/drawing/2010/main" w="9525">
+                <a14:hiddenLine xmlns:a14="http://schemas.microsoft.com/office/drawing/2010/main" xmlns="" w="9525">
                   <a:solidFill>
                     <a:srgbClr val="000000"/>
                   </a:solidFill>
@@ -3017,7 +3016,7 @@
             </a:ln>
             <a:extLst>
               <a:ext uri="{91240B29-F687-4f45-9708-019B960494DF}">
-                <a14:hiddenLine xmlns="" xmlns:a14="http://schemas.microsoft.com/office/drawing/2010/main" w="9525">
+                <a14:hiddenLine xmlns:a14="http://schemas.microsoft.com/office/drawing/2010/main" xmlns="" w="9525">
                   <a:solidFill>
                     <a:srgbClr val="000000"/>
                   </a:solidFill>
@@ -3079,7 +3078,7 @@
             </a:ln>
             <a:extLst>
               <a:ext uri="{91240B29-F687-4f45-9708-019B960494DF}">
-                <a14:hiddenLine xmlns="" xmlns:a14="http://schemas.microsoft.com/office/drawing/2010/main" w="9525">
+                <a14:hiddenLine xmlns:a14="http://schemas.microsoft.com/office/drawing/2010/main" xmlns="" w="9525">
                   <a:solidFill>
                     <a:srgbClr val="000000"/>
                   </a:solidFill>
@@ -3141,7 +3140,7 @@
             </a:ln>
             <a:extLst>
               <a:ext uri="{91240B29-F687-4f45-9708-019B960494DF}">
-                <a14:hiddenLine xmlns="" xmlns:a14="http://schemas.microsoft.com/office/drawing/2010/main" w="9525">
+                <a14:hiddenLine xmlns:a14="http://schemas.microsoft.com/office/drawing/2010/main" xmlns="" w="9525">
                   <a:solidFill>
                     <a:srgbClr val="000000"/>
                   </a:solidFill>
@@ -3231,7 +3230,7 @@
             </a:ln>
             <a:extLst>
               <a:ext uri="{91240B29-F687-4f45-9708-019B960494DF}">
-                <a14:hiddenLine xmlns="" xmlns:a14="http://schemas.microsoft.com/office/drawing/2010/main" w="9525">
+                <a14:hiddenLine xmlns:a14="http://schemas.microsoft.com/office/drawing/2010/main" xmlns="" w="9525">
                   <a:solidFill>
                     <a:srgbClr val="000000"/>
                   </a:solidFill>
@@ -3299,7 +3298,7 @@
             </a:ln>
             <a:extLst>
               <a:ext uri="{91240B29-F687-4f45-9708-019B960494DF}">
-                <a14:hiddenLine xmlns="" xmlns:a14="http://schemas.microsoft.com/office/drawing/2010/main" w="9525">
+                <a14:hiddenLine xmlns:a14="http://schemas.microsoft.com/office/drawing/2010/main" xmlns="" w="9525">
                   <a:solidFill>
                     <a:srgbClr val="000000"/>
                   </a:solidFill>
@@ -3361,7 +3360,7 @@
             </a:ln>
             <a:extLst>
               <a:ext uri="{91240B29-F687-4f45-9708-019B960494DF}">
-                <a14:hiddenLine xmlns="" xmlns:a14="http://schemas.microsoft.com/office/drawing/2010/main" w="9525">
+                <a14:hiddenLine xmlns:a14="http://schemas.microsoft.com/office/drawing/2010/main" xmlns="" w="9525">
                   <a:solidFill>
                     <a:srgbClr val="000000"/>
                   </a:solidFill>
@@ -3451,7 +3450,7 @@
             </a:ln>
             <a:extLst>
               <a:ext uri="{91240B29-F687-4f45-9708-019B960494DF}">
-                <a14:hiddenLine xmlns="" xmlns:a14="http://schemas.microsoft.com/office/drawing/2010/main" w="9525">
+                <a14:hiddenLine xmlns:a14="http://schemas.microsoft.com/office/drawing/2010/main" xmlns="" w="9525">
                   <a:solidFill>
                     <a:srgbClr val="000000"/>
                   </a:solidFill>
@@ -3513,7 +3512,7 @@
             </a:ln>
             <a:extLst>
               <a:ext uri="{91240B29-F687-4f45-9708-019B960494DF}">
-                <a14:hiddenLine xmlns="" xmlns:a14="http://schemas.microsoft.com/office/drawing/2010/main" w="9525">
+                <a14:hiddenLine xmlns:a14="http://schemas.microsoft.com/office/drawing/2010/main" xmlns="" w="9525">
                   <a:solidFill>
                     <a:srgbClr val="000000"/>
                   </a:solidFill>
@@ -3603,7 +3602,7 @@
             </a:ln>
             <a:extLst>
               <a:ext uri="{91240B29-F687-4f45-9708-019B960494DF}">
-                <a14:hiddenLine xmlns="" xmlns:a14="http://schemas.microsoft.com/office/drawing/2010/main" w="9525">
+                <a14:hiddenLine xmlns:a14="http://schemas.microsoft.com/office/drawing/2010/main" xmlns="" w="9525">
                   <a:solidFill>
                     <a:srgbClr val="000000"/>
                   </a:solidFill>
@@ -3665,7 +3664,7 @@
             </a:ln>
             <a:extLst>
               <a:ext uri="{91240B29-F687-4f45-9708-019B960494DF}">
-                <a14:hiddenLine xmlns="" xmlns:a14="http://schemas.microsoft.com/office/drawing/2010/main" w="9525">
+                <a14:hiddenLine xmlns:a14="http://schemas.microsoft.com/office/drawing/2010/main" xmlns="" w="9525">
                   <a:solidFill>
                     <a:srgbClr val="000000"/>
                   </a:solidFill>
@@ -3755,7 +3754,7 @@
             </a:ln>
             <a:extLst>
               <a:ext uri="{91240B29-F687-4f45-9708-019B960494DF}">
-                <a14:hiddenLine xmlns="" xmlns:a14="http://schemas.microsoft.com/office/drawing/2010/main" w="9525">
+                <a14:hiddenLine xmlns:a14="http://schemas.microsoft.com/office/drawing/2010/main" xmlns="" w="9525">
                   <a:solidFill>
                     <a:srgbClr val="000000"/>
                   </a:solidFill>
@@ -3789,7 +3788,7 @@
             </a:ln>
             <a:extLst>
               <a:ext uri="{91240B29-F687-4f45-9708-019B960494DF}">
-                <a14:hiddenLine xmlns="" xmlns:a14="http://schemas.microsoft.com/office/drawing/2010/main" w="9525">
+                <a14:hiddenLine xmlns:a14="http://schemas.microsoft.com/office/drawing/2010/main" xmlns="" w="9525">
                   <a:solidFill>
                     <a:srgbClr val="000000"/>
                   </a:solidFill>
@@ -3854,7 +3853,7 @@
             </a:ln>
             <a:extLst>
               <a:ext uri="{91240B29-F687-4f45-9708-019B960494DF}">
-                <a14:hiddenLine xmlns="" xmlns:a14="http://schemas.microsoft.com/office/drawing/2010/main" w="9525">
+                <a14:hiddenLine xmlns:a14="http://schemas.microsoft.com/office/drawing/2010/main" xmlns="" w="9525">
                   <a:solidFill>
                     <a:srgbClr val="000000"/>
                   </a:solidFill>
@@ -3944,7 +3943,7 @@
             </a:ln>
             <a:extLst>
               <a:ext uri="{91240B29-F687-4f45-9708-019B960494DF}">
-                <a14:hiddenLine xmlns="" xmlns:a14="http://schemas.microsoft.com/office/drawing/2010/main" w="9525">
+                <a14:hiddenLine xmlns:a14="http://schemas.microsoft.com/office/drawing/2010/main" xmlns="" w="9525">
                   <a:solidFill>
                     <a:srgbClr val="000000"/>
                   </a:solidFill>
@@ -4006,7 +4005,7 @@
             </a:ln>
             <a:extLst>
               <a:ext uri="{91240B29-F687-4f45-9708-019B960494DF}">
-                <a14:hiddenLine xmlns="" xmlns:a14="http://schemas.microsoft.com/office/drawing/2010/main" w="9525">
+                <a14:hiddenLine xmlns:a14="http://schemas.microsoft.com/office/drawing/2010/main" xmlns="" w="9525">
                   <a:solidFill>
                     <a:srgbClr val="000000"/>
                   </a:solidFill>
@@ -4096,7 +4095,7 @@
             </a:ln>
             <a:extLst>
               <a:ext uri="{91240B29-F687-4f45-9708-019B960494DF}">
-                <a14:hiddenLine xmlns="" xmlns:a14="http://schemas.microsoft.com/office/drawing/2010/main" w="9525">
+                <a14:hiddenLine xmlns:a14="http://schemas.microsoft.com/office/drawing/2010/main" xmlns="" w="9525">
                   <a:solidFill>
                     <a:srgbClr val="000000"/>
                   </a:solidFill>
@@ -4186,7 +4185,7 @@
             </a:ln>
             <a:extLst>
               <a:ext uri="{91240B29-F687-4f45-9708-019B960494DF}">
-                <a14:hiddenLine xmlns="" xmlns:a14="http://schemas.microsoft.com/office/drawing/2010/main" w="9525">
+                <a14:hiddenLine xmlns:a14="http://schemas.microsoft.com/office/drawing/2010/main" xmlns="" w="9525">
                   <a:solidFill>
                     <a:srgbClr val="000000"/>
                   </a:solidFill>
@@ -4251,7 +4250,7 @@
             </a:ln>
             <a:extLst>
               <a:ext uri="{91240B29-F687-4f45-9708-019B960494DF}">
-                <a14:hiddenLine xmlns="" xmlns:a14="http://schemas.microsoft.com/office/drawing/2010/main" w="9525">
+                <a14:hiddenLine xmlns:a14="http://schemas.microsoft.com/office/drawing/2010/main" xmlns="" w="9525">
                   <a:solidFill>
                     <a:srgbClr val="000000"/>
                   </a:solidFill>
@@ -4313,7 +4312,7 @@
             </a:ln>
             <a:extLst>
               <a:ext uri="{91240B29-F687-4f45-9708-019B960494DF}">
-                <a14:hiddenLine xmlns="" xmlns:a14="http://schemas.microsoft.com/office/drawing/2010/main" w="9525">
+                <a14:hiddenLine xmlns:a14="http://schemas.microsoft.com/office/drawing/2010/main" xmlns="" w="9525">
                   <a:solidFill>
                     <a:srgbClr val="000000"/>
                   </a:solidFill>
@@ -4403,7 +4402,7 @@
             </a:ln>
             <a:extLst>
               <a:ext uri="{91240B29-F687-4f45-9708-019B960494DF}">
-                <a14:hiddenLine xmlns="" xmlns:a14="http://schemas.microsoft.com/office/drawing/2010/main" w="9525">
+                <a14:hiddenLine xmlns:a14="http://schemas.microsoft.com/office/drawing/2010/main" xmlns="" w="9525">
                   <a:solidFill>
                     <a:srgbClr val="000000"/>
                   </a:solidFill>
@@ -4493,7 +4492,7 @@
             </a:ln>
             <a:extLst>
               <a:ext uri="{91240B29-F687-4f45-9708-019B960494DF}">
-                <a14:hiddenLine xmlns="" xmlns:a14="http://schemas.microsoft.com/office/drawing/2010/main" w="9525">
+                <a14:hiddenLine xmlns:a14="http://schemas.microsoft.com/office/drawing/2010/main" xmlns="" w="9525">
                   <a:solidFill>
                     <a:srgbClr val="000000"/>
                   </a:solidFill>
@@ -4555,7 +4554,7 @@
             </a:ln>
             <a:extLst>
               <a:ext uri="{91240B29-F687-4f45-9708-019B960494DF}">
-                <a14:hiddenLine xmlns="" xmlns:a14="http://schemas.microsoft.com/office/drawing/2010/main" w="9525">
+                <a14:hiddenLine xmlns:a14="http://schemas.microsoft.com/office/drawing/2010/main" xmlns="" w="9525">
                   <a:solidFill>
                     <a:srgbClr val="000000"/>
                   </a:solidFill>
@@ -4675,7 +4674,7 @@
             </a:ln>
             <a:extLst>
               <a:ext uri="{91240B29-F687-4f45-9708-019B960494DF}">
-                <a14:hiddenLine xmlns="" xmlns:a14="http://schemas.microsoft.com/office/drawing/2010/main" w="9525">
+                <a14:hiddenLine xmlns:a14="http://schemas.microsoft.com/office/drawing/2010/main" xmlns="" w="9525">
                   <a:solidFill>
                     <a:srgbClr val="000000"/>
                   </a:solidFill>
@@ -4743,7 +4742,7 @@
             </a:ln>
             <a:extLst>
               <a:ext uri="{91240B29-F687-4f45-9708-019B960494DF}">
-                <a14:hiddenLine xmlns="" xmlns:a14="http://schemas.microsoft.com/office/drawing/2010/main" w="9525">
+                <a14:hiddenLine xmlns:a14="http://schemas.microsoft.com/office/drawing/2010/main" xmlns="" w="9525">
                   <a:solidFill>
                     <a:srgbClr val="000000"/>
                   </a:solidFill>
@@ -4833,7 +4832,7 @@
             </a:ln>
             <a:extLst>
               <a:ext uri="{91240B29-F687-4f45-9708-019B960494DF}">
-                <a14:hiddenLine xmlns="" xmlns:a14="http://schemas.microsoft.com/office/drawing/2010/main" w="9525">
+                <a14:hiddenLine xmlns:a14="http://schemas.microsoft.com/office/drawing/2010/main" xmlns="" w="9525">
                   <a:solidFill>
                     <a:srgbClr val="000000"/>
                   </a:solidFill>
@@ -9738,7 +9737,7 @@
           <a:noFill/>
           <a:extLst>
             <a:ext uri="{909E8E84-426E-40dd-AFC4-6F175D3DCCD1}">
-              <a14:hiddenFill xmlns="" xmlns:a14="http://schemas.microsoft.com/office/drawing/2010/main">
+              <a14:hiddenFill xmlns:a14="http://schemas.microsoft.com/office/drawing/2010/main" xmlns="">
                 <a:solidFill>
                   <a:srgbClr val="FFFFFF"/>
                 </a:solidFill>
@@ -9812,7 +9811,7 @@
               </a:ln>
               <a:extLst>
                 <a:ext uri="{91240B29-F687-4f45-9708-019B960494DF}">
-                  <a14:hiddenLine xmlns="" xmlns:a14="http://schemas.microsoft.com/office/drawing/2010/main" w="9525">
+                  <a14:hiddenLine xmlns:a14="http://schemas.microsoft.com/office/drawing/2010/main" xmlns="" w="9525">
                     <a:solidFill>
                       <a:srgbClr val="000000"/>
                     </a:solidFill>
@@ -9902,7 +9901,7 @@
               </a:ln>
               <a:extLst>
                 <a:ext uri="{91240B29-F687-4f45-9708-019B960494DF}">
-                  <a14:hiddenLine xmlns="" xmlns:a14="http://schemas.microsoft.com/office/drawing/2010/main" w="9525">
+                  <a14:hiddenLine xmlns:a14="http://schemas.microsoft.com/office/drawing/2010/main" xmlns="" w="9525">
                     <a:solidFill>
                       <a:srgbClr val="000000"/>
                     </a:solidFill>
@@ -9992,7 +9991,7 @@
               </a:ln>
               <a:extLst>
                 <a:ext uri="{91240B29-F687-4f45-9708-019B960494DF}">
-                  <a14:hiddenLine xmlns="" xmlns:a14="http://schemas.microsoft.com/office/drawing/2010/main" w="9525">
+                  <a14:hiddenLine xmlns:a14="http://schemas.microsoft.com/office/drawing/2010/main" xmlns="" w="9525">
                     <a:solidFill>
                       <a:srgbClr val="000000"/>
                     </a:solidFill>
@@ -10054,7 +10053,7 @@
               </a:ln>
               <a:extLst>
                 <a:ext uri="{91240B29-F687-4f45-9708-019B960494DF}">
-                  <a14:hiddenLine xmlns="" xmlns:a14="http://schemas.microsoft.com/office/drawing/2010/main" w="9525">
+                  <a14:hiddenLine xmlns:a14="http://schemas.microsoft.com/office/drawing/2010/main" xmlns="" w="9525">
                     <a:solidFill>
                       <a:srgbClr val="000000"/>
                     </a:solidFill>
@@ -10144,7 +10143,7 @@
               </a:ln>
               <a:extLst>
                 <a:ext uri="{91240B29-F687-4f45-9708-019B960494DF}">
-                  <a14:hiddenLine xmlns="" xmlns:a14="http://schemas.microsoft.com/office/drawing/2010/main" w="9525">
+                  <a14:hiddenLine xmlns:a14="http://schemas.microsoft.com/office/drawing/2010/main" xmlns="" w="9525">
                     <a:solidFill>
                       <a:srgbClr val="000000"/>
                     </a:solidFill>
@@ -10206,7 +10205,7 @@
               </a:ln>
               <a:extLst>
                 <a:ext uri="{91240B29-F687-4f45-9708-019B960494DF}">
-                  <a14:hiddenLine xmlns="" xmlns:a14="http://schemas.microsoft.com/office/drawing/2010/main" w="9525">
+                  <a14:hiddenLine xmlns:a14="http://schemas.microsoft.com/office/drawing/2010/main" xmlns="" w="9525">
                     <a:solidFill>
                       <a:srgbClr val="000000"/>
                     </a:solidFill>
@@ -10268,7 +10267,7 @@
               </a:ln>
               <a:extLst>
                 <a:ext uri="{91240B29-F687-4f45-9708-019B960494DF}">
-                  <a14:hiddenLine xmlns="" xmlns:a14="http://schemas.microsoft.com/office/drawing/2010/main" w="9525">
+                  <a14:hiddenLine xmlns:a14="http://schemas.microsoft.com/office/drawing/2010/main" xmlns="" w="9525">
                     <a:solidFill>
                       <a:srgbClr val="000000"/>
                     </a:solidFill>
@@ -10358,7 +10357,7 @@
               </a:ln>
               <a:extLst>
                 <a:ext uri="{91240B29-F687-4f45-9708-019B960494DF}">
-                  <a14:hiddenLine xmlns="" xmlns:a14="http://schemas.microsoft.com/office/drawing/2010/main" w="9525">
+                  <a14:hiddenLine xmlns:a14="http://schemas.microsoft.com/office/drawing/2010/main" xmlns="" w="9525">
                     <a:solidFill>
                       <a:srgbClr val="000000"/>
                     </a:solidFill>
@@ -10448,7 +10447,7 @@
               </a:ln>
               <a:extLst>
                 <a:ext uri="{91240B29-F687-4f45-9708-019B960494DF}">
-                  <a14:hiddenLine xmlns="" xmlns:a14="http://schemas.microsoft.com/office/drawing/2010/main" w="9525">
+                  <a14:hiddenLine xmlns:a14="http://schemas.microsoft.com/office/drawing/2010/main" xmlns="" w="9525">
                     <a:solidFill>
                       <a:srgbClr val="000000"/>
                     </a:solidFill>
@@ -10510,7 +10509,7 @@
               </a:ln>
               <a:extLst>
                 <a:ext uri="{91240B29-F687-4f45-9708-019B960494DF}">
-                  <a14:hiddenLine xmlns="" xmlns:a14="http://schemas.microsoft.com/office/drawing/2010/main" w="9525">
+                  <a14:hiddenLine xmlns:a14="http://schemas.microsoft.com/office/drawing/2010/main" xmlns="" w="9525">
                     <a:solidFill>
                       <a:srgbClr val="000000"/>
                     </a:solidFill>
@@ -10620,7 +10619,7 @@
               </a:ln>
               <a:extLst>
                 <a:ext uri="{91240B29-F687-4f45-9708-019B960494DF}">
-                  <a14:hiddenLine xmlns="" xmlns:a14="http://schemas.microsoft.com/office/drawing/2010/main" w="9525">
+                  <a14:hiddenLine xmlns:a14="http://schemas.microsoft.com/office/drawing/2010/main" xmlns="" w="9525">
                     <a:solidFill>
                       <a:srgbClr val="000000"/>
                     </a:solidFill>
@@ -10704,7 +10703,7 @@
               </a:ln>
               <a:extLst>
                 <a:ext uri="{91240B29-F687-4f45-9708-019B960494DF}">
-                  <a14:hiddenLine xmlns="" xmlns:a14="http://schemas.microsoft.com/office/drawing/2010/main" w="9525">
+                  <a14:hiddenLine xmlns:a14="http://schemas.microsoft.com/office/drawing/2010/main" xmlns="" w="9525">
                     <a:solidFill>
                       <a:srgbClr val="000000"/>
                     </a:solidFill>
@@ -10766,7 +10765,7 @@
               </a:ln>
               <a:extLst>
                 <a:ext uri="{91240B29-F687-4f45-9708-019B960494DF}">
-                  <a14:hiddenLine xmlns="" xmlns:a14="http://schemas.microsoft.com/office/drawing/2010/main" w="9525">
+                  <a14:hiddenLine xmlns:a14="http://schemas.microsoft.com/office/drawing/2010/main" xmlns="" w="9525">
                     <a:solidFill>
                       <a:srgbClr val="000000"/>
                     </a:solidFill>
@@ -10828,7 +10827,7 @@
               </a:ln>
               <a:extLst>
                 <a:ext uri="{91240B29-F687-4f45-9708-019B960494DF}">
-                  <a14:hiddenLine xmlns="" xmlns:a14="http://schemas.microsoft.com/office/drawing/2010/main" w="9525">
+                  <a14:hiddenLine xmlns:a14="http://schemas.microsoft.com/office/drawing/2010/main" xmlns="" w="9525">
                     <a:solidFill>
                       <a:srgbClr val="000000"/>
                     </a:solidFill>
@@ -10918,7 +10917,7 @@
               </a:ln>
               <a:extLst>
                 <a:ext uri="{91240B29-F687-4f45-9708-019B960494DF}">
-                  <a14:hiddenLine xmlns="" xmlns:a14="http://schemas.microsoft.com/office/drawing/2010/main" w="9525">
+                  <a14:hiddenLine xmlns:a14="http://schemas.microsoft.com/office/drawing/2010/main" xmlns="" w="9525">
                     <a:solidFill>
                       <a:srgbClr val="000000"/>
                     </a:solidFill>
@@ -10952,7 +10951,7 @@
               </a:ln>
               <a:extLst>
                 <a:ext uri="{91240B29-F687-4f45-9708-019B960494DF}">
-                  <a14:hiddenLine xmlns="" xmlns:a14="http://schemas.microsoft.com/office/drawing/2010/main" w="9525">
+                  <a14:hiddenLine xmlns:a14="http://schemas.microsoft.com/office/drawing/2010/main" xmlns="" w="9525">
                     <a:solidFill>
                       <a:srgbClr val="000000"/>
                     </a:solidFill>
@@ -11017,7 +11016,7 @@
               </a:ln>
               <a:extLst>
                 <a:ext uri="{91240B29-F687-4f45-9708-019B960494DF}">
-                  <a14:hiddenLine xmlns="" xmlns:a14="http://schemas.microsoft.com/office/drawing/2010/main" w="9525">
+                  <a14:hiddenLine xmlns:a14="http://schemas.microsoft.com/office/drawing/2010/main" xmlns="" w="9525">
                     <a:solidFill>
                       <a:srgbClr val="000000"/>
                     </a:solidFill>
@@ -11107,7 +11106,7 @@
               </a:ln>
               <a:extLst>
                 <a:ext uri="{91240B29-F687-4f45-9708-019B960494DF}">
-                  <a14:hiddenLine xmlns="" xmlns:a14="http://schemas.microsoft.com/office/drawing/2010/main" w="9525">
+                  <a14:hiddenLine xmlns:a14="http://schemas.microsoft.com/office/drawing/2010/main" xmlns="" w="9525">
                     <a:solidFill>
                       <a:srgbClr val="000000"/>
                     </a:solidFill>
@@ -11169,7 +11168,7 @@
               </a:ln>
               <a:extLst>
                 <a:ext uri="{91240B29-F687-4f45-9708-019B960494DF}">
-                  <a14:hiddenLine xmlns="" xmlns:a14="http://schemas.microsoft.com/office/drawing/2010/main" w="9525">
+                  <a14:hiddenLine xmlns:a14="http://schemas.microsoft.com/office/drawing/2010/main" xmlns="" w="9525">
                     <a:solidFill>
                       <a:srgbClr val="000000"/>
                     </a:solidFill>
@@ -11259,7 +11258,7 @@
               </a:ln>
               <a:extLst>
                 <a:ext uri="{91240B29-F687-4f45-9708-019B960494DF}">
-                  <a14:hiddenLine xmlns="" xmlns:a14="http://schemas.microsoft.com/office/drawing/2010/main" w="9525">
+                  <a14:hiddenLine xmlns:a14="http://schemas.microsoft.com/office/drawing/2010/main" xmlns="" w="9525">
                     <a:solidFill>
                       <a:srgbClr val="000000"/>
                     </a:solidFill>
@@ -11324,7 +11323,7 @@
               </a:ln>
               <a:extLst>
                 <a:ext uri="{91240B29-F687-4f45-9708-019B960494DF}">
-                  <a14:hiddenLine xmlns="" xmlns:a14="http://schemas.microsoft.com/office/drawing/2010/main" w="9525">
+                  <a14:hiddenLine xmlns:a14="http://schemas.microsoft.com/office/drawing/2010/main" xmlns="" w="9525">
                     <a:solidFill>
                       <a:srgbClr val="000000"/>
                     </a:solidFill>
@@ -11386,7 +11385,7 @@
               </a:ln>
               <a:extLst>
                 <a:ext uri="{91240B29-F687-4f45-9708-019B960494DF}">
-                  <a14:hiddenLine xmlns="" xmlns:a14="http://schemas.microsoft.com/office/drawing/2010/main" w="9525">
+                  <a14:hiddenLine xmlns:a14="http://schemas.microsoft.com/office/drawing/2010/main" xmlns="" w="9525">
                     <a:solidFill>
                       <a:srgbClr val="000000"/>
                     </a:solidFill>
@@ -11476,7 +11475,7 @@
               </a:ln>
               <a:extLst>
                 <a:ext uri="{91240B29-F687-4f45-9708-019B960494DF}">
-                  <a14:hiddenLine xmlns="" xmlns:a14="http://schemas.microsoft.com/office/drawing/2010/main" w="9525">
+                  <a14:hiddenLine xmlns:a14="http://schemas.microsoft.com/office/drawing/2010/main" xmlns="" w="9525">
                     <a:solidFill>
                       <a:srgbClr val="000000"/>
                     </a:solidFill>
@@ -11566,7 +11565,7 @@
               </a:ln>
               <a:extLst>
                 <a:ext uri="{91240B29-F687-4f45-9708-019B960494DF}">
-                  <a14:hiddenLine xmlns="" xmlns:a14="http://schemas.microsoft.com/office/drawing/2010/main" w="9525">
+                  <a14:hiddenLine xmlns:a14="http://schemas.microsoft.com/office/drawing/2010/main" xmlns="" w="9525">
                     <a:solidFill>
                       <a:srgbClr val="000000"/>
                     </a:solidFill>
@@ -11631,7 +11630,7 @@
               </a:ln>
               <a:extLst>
                 <a:ext uri="{91240B29-F687-4f45-9708-019B960494DF}">
-                  <a14:hiddenLine xmlns="" xmlns:a14="http://schemas.microsoft.com/office/drawing/2010/main" w="9525">
+                  <a14:hiddenLine xmlns:a14="http://schemas.microsoft.com/office/drawing/2010/main" xmlns="" w="9525">
                     <a:solidFill>
                       <a:srgbClr val="000000"/>
                     </a:solidFill>
@@ -11751,7 +11750,7 @@
               </a:ln>
               <a:extLst>
                 <a:ext uri="{91240B29-F687-4f45-9708-019B960494DF}">
-                  <a14:hiddenLine xmlns="" xmlns:a14="http://schemas.microsoft.com/office/drawing/2010/main" w="9525">
+                  <a14:hiddenLine xmlns:a14="http://schemas.microsoft.com/office/drawing/2010/main" xmlns="" w="9525">
                     <a:solidFill>
                       <a:srgbClr val="000000"/>
                     </a:solidFill>
@@ -11849,7 +11848,7 @@
               </a:ln>
               <a:extLst>
                 <a:ext uri="{91240B29-F687-4f45-9708-019B960494DF}">
-                  <a14:hiddenLine xmlns="" xmlns:a14="http://schemas.microsoft.com/office/drawing/2010/main" w="9525">
+                  <a14:hiddenLine xmlns:a14="http://schemas.microsoft.com/office/drawing/2010/main" xmlns="" w="9525">
                     <a:solidFill>
                       <a:srgbClr val="000000"/>
                     </a:solidFill>
@@ -11964,7 +11963,7 @@
               </a:ln>
               <a:extLst>
                 <a:ext uri="{91240B29-F687-4f45-9708-019B960494DF}">
-                  <a14:hiddenLine xmlns="" xmlns:a14="http://schemas.microsoft.com/office/drawing/2010/main" w="9525">
+                  <a14:hiddenLine xmlns:a14="http://schemas.microsoft.com/office/drawing/2010/main" xmlns="" w="9525">
                     <a:solidFill>
                       <a:srgbClr val="000000"/>
                     </a:solidFill>
@@ -12054,7 +12053,7 @@
               </a:ln>
               <a:extLst>
                 <a:ext uri="{91240B29-F687-4f45-9708-019B960494DF}">
-                  <a14:hiddenLine xmlns="" xmlns:a14="http://schemas.microsoft.com/office/drawing/2010/main" w="9525">
+                  <a14:hiddenLine xmlns:a14="http://schemas.microsoft.com/office/drawing/2010/main" xmlns="" w="9525">
                     <a:solidFill>
                       <a:srgbClr val="000000"/>
                     </a:solidFill>
@@ -12119,7 +12118,7 @@
               </a:ln>
               <a:extLst>
                 <a:ext uri="{91240B29-F687-4f45-9708-019B960494DF}">
-                  <a14:hiddenLine xmlns="" xmlns:a14="http://schemas.microsoft.com/office/drawing/2010/main" w="9525">
+                  <a14:hiddenLine xmlns:a14="http://schemas.microsoft.com/office/drawing/2010/main" xmlns="" w="9525">
                     <a:solidFill>
                       <a:srgbClr val="000000"/>
                     </a:solidFill>
@@ -12209,7 +12208,7 @@
               </a:ln>
               <a:extLst>
                 <a:ext uri="{91240B29-F687-4f45-9708-019B960494DF}">
-                  <a14:hiddenLine xmlns="" xmlns:a14="http://schemas.microsoft.com/office/drawing/2010/main" w="9525">
+                  <a14:hiddenLine xmlns:a14="http://schemas.microsoft.com/office/drawing/2010/main" xmlns="" w="9525">
                     <a:solidFill>
                       <a:srgbClr val="000000"/>
                     </a:solidFill>
@@ -12277,7 +12276,7 @@
               </a:ln>
               <a:extLst>
                 <a:ext uri="{91240B29-F687-4f45-9708-019B960494DF}">
-                  <a14:hiddenLine xmlns="" xmlns:a14="http://schemas.microsoft.com/office/drawing/2010/main" w="9525">
+                  <a14:hiddenLine xmlns:a14="http://schemas.microsoft.com/office/drawing/2010/main" xmlns="" w="9525">
                     <a:solidFill>
                       <a:srgbClr val="000000"/>
                     </a:solidFill>
@@ -12367,7 +12366,7 @@
               </a:ln>
               <a:extLst>
                 <a:ext uri="{91240B29-F687-4f45-9708-019B960494DF}">
-                  <a14:hiddenLine xmlns="" xmlns:a14="http://schemas.microsoft.com/office/drawing/2010/main" w="9525">
+                  <a14:hiddenLine xmlns:a14="http://schemas.microsoft.com/office/drawing/2010/main" xmlns="" w="9525">
                     <a:solidFill>
                       <a:srgbClr val="000000"/>
                     </a:solidFill>
@@ -12435,7 +12434,7 @@
               </a:ln>
               <a:extLst>
                 <a:ext uri="{91240B29-F687-4f45-9708-019B960494DF}">
-                  <a14:hiddenLine xmlns="" xmlns:a14="http://schemas.microsoft.com/office/drawing/2010/main" w="9525">
+                  <a14:hiddenLine xmlns:a14="http://schemas.microsoft.com/office/drawing/2010/main" xmlns="" w="9525">
                     <a:solidFill>
                       <a:srgbClr val="000000"/>
                     </a:solidFill>
@@ -12525,7 +12524,7 @@
               </a:ln>
               <a:extLst>
                 <a:ext uri="{91240B29-F687-4f45-9708-019B960494DF}">
-                  <a14:hiddenLine xmlns="" xmlns:a14="http://schemas.microsoft.com/office/drawing/2010/main" w="9525">
+                  <a14:hiddenLine xmlns:a14="http://schemas.microsoft.com/office/drawing/2010/main" xmlns="" w="9525">
                     <a:solidFill>
                       <a:srgbClr val="000000"/>
                     </a:solidFill>
@@ -12559,7 +12558,7 @@
               </a:ln>
               <a:extLst>
                 <a:ext uri="{91240B29-F687-4f45-9708-019B960494DF}">
-                  <a14:hiddenLine xmlns="" xmlns:a14="http://schemas.microsoft.com/office/drawing/2010/main" w="9525">
+                  <a14:hiddenLine xmlns:a14="http://schemas.microsoft.com/office/drawing/2010/main" xmlns="" w="9525">
                     <a:solidFill>
                       <a:srgbClr val="000000"/>
                     </a:solidFill>
@@ -14169,41 +14168,6 @@
           </a:prstGeom>
         </p:spPr>
       </p:pic>
-      <p:pic>
-        <p:nvPicPr>
-          <p:cNvPr id="52" name="Elemento grafico 51" descr="Database con riempimento a tinta unita">
-            <a:extLst>
-              <a:ext uri="{FF2B5EF4-FFF2-40B4-BE49-F238E27FC236}">
-                <a16:creationId xmlns:a16="http://schemas.microsoft.com/office/drawing/2014/main" id="{A970440D-786D-49FB-A39B-C9FF9F4967C1}"/>
-              </a:ext>
-            </a:extLst>
-          </p:cNvPr>
-          <p:cNvPicPr>
-            <a:picLocks noChangeAspect="1"/>
-          </p:cNvPicPr>
-          <p:nvPr/>
-        </p:nvPicPr>
-        <p:blipFill>
-          <a:blip r:embed="rId21">
-            <a:extLst>
-              <a:ext uri="{96DAC541-7B7A-43D3-8B79-37D633B846F1}">
-                <asvg:svgBlip xmlns:asvg="http://schemas.microsoft.com/office/drawing/2016/SVG/main" r:embed="rId22"/>
-              </a:ext>
-            </a:extLst>
-          </a:blip>
-          <a:srcRect/>
-          <a:stretch/>
-        </p:blipFill>
-        <p:spPr>
-          <a:xfrm>
-            <a:off x="242109" y="4616868"/>
-            <a:ext cx="718368" cy="718368"/>
-          </a:xfrm>
-          <a:prstGeom prst="rect">
-            <a:avLst/>
-          </a:prstGeom>
-        </p:spPr>
-      </p:pic>
       <p:sp>
         <p:nvSpPr>
           <p:cNvPr id="56" name="CasellaDiTesto 55">
@@ -14272,10 +14236,10 @@
           <p:nvPr/>
         </p:nvPicPr>
         <p:blipFill>
-          <a:blip r:embed="rId23">
+          <a:blip r:embed="rId21">
             <a:extLst>
               <a:ext uri="{96DAC541-7B7A-43D3-8B79-37D633B846F1}">
-                <asvg:svgBlip xmlns:asvg="http://schemas.microsoft.com/office/drawing/2016/SVG/main" r:embed="rId24"/>
+                <asvg:svgBlip xmlns:asvg="http://schemas.microsoft.com/office/drawing/2016/SVG/main" r:embed="rId22"/>
               </a:ext>
             </a:extLst>
           </a:blip>
@@ -14284,7 +14248,7 @@
         </p:blipFill>
         <p:spPr>
           <a:xfrm>
-            <a:off x="242109" y="5744747"/>
+            <a:off x="310747" y="4616868"/>
             <a:ext cx="720000" cy="720000"/>
           </a:xfrm>
           <a:prstGeom prst="rect">
@@ -14347,8 +14311,8 @@
         </p:nvSpPr>
         <p:spPr>
           <a:xfrm>
-            <a:off x="2449901" y="2502225"/>
-            <a:ext cx="8039819" cy="1938992"/>
+            <a:off x="2612520" y="1834915"/>
+            <a:ext cx="8039819" cy="3416320"/>
           </a:xfrm>
           <a:prstGeom prst="rect">
             <a:avLst/>
@@ -14367,8 +14331,15 @@
             </a:pPr>
             <a:r>
               <a:rPr lang="it-IT" sz="2400" dirty="0"/>
-              <a:t>contare i caratteri, le parole e le linee di un file di testo presente sul server remoto.</a:t>
+              <a:t>Contare i caratteri, le parole e le linee di un file di testo presente sul server remoto.</a:t>
             </a:r>
+          </a:p>
+          <a:p>
+            <a:pPr marL="285750" indent="-285750">
+              <a:buFont typeface="Arial" panose="020B0604020202020204" pitchFamily="34" charset="0"/>
+              <a:buChar char="•"/>
+            </a:pPr>
+            <a:endParaRPr lang="it-IT" sz="2400" dirty="0"/>
           </a:p>
           <a:p>
             <a:pPr marL="285750" indent="-285750">
@@ -14377,7 +14348,24 @@
             </a:pPr>
             <a:r>
               <a:rPr lang="it-IT" sz="2400" dirty="0"/>
-              <a:t>contare il numero di file (presenti nel direttorio remoto indicato dal client) la cui dimensione è maggiore di un intero indicato dal client.</a:t>
+              <a:t>Contare il numero di file (presenti nel direttorio remoto indicato dal client) la cui dimensione è maggiore di un intero indicato dal client.</a:t>
+            </a:r>
+          </a:p>
+          <a:p>
+            <a:pPr marL="285750" indent="-285750">
+              <a:buFont typeface="Arial" panose="020B0604020202020204" pitchFamily="34" charset="0"/>
+              <a:buChar char="•"/>
+            </a:pPr>
+            <a:endParaRPr lang="it-IT" sz="2400" dirty="0"/>
+          </a:p>
+          <a:p>
+            <a:pPr marL="285750" indent="-285750">
+              <a:buFont typeface="Arial" panose="020B0604020202020204" pitchFamily="34" charset="0"/>
+              <a:buChar char="•"/>
+            </a:pPr>
+            <a:r>
+              <a:rPr lang="it-IT" sz="2400" dirty="0"/>
+              <a:t>Richiedere le operazioni mediante una chiamata ad operazione remota (RPC)</a:t>
             </a:r>
           </a:p>
         </p:txBody>
@@ -14397,10 +14385,10 @@
           <p:nvPr/>
         </p:nvPicPr>
         <p:blipFill>
-          <a:blip r:embed="rId25">
+          <a:blip r:embed="rId23">
             <a:extLst>
               <a:ext uri="{96DAC541-7B7A-43D3-8B79-37D633B846F1}">
-                <asvg:svgBlip xmlns:asvg="http://schemas.microsoft.com/office/drawing/2016/SVG/main" r:embed="rId26"/>
+                <asvg:svgBlip xmlns:asvg="http://schemas.microsoft.com/office/drawing/2016/SVG/main" r:embed="rId24"/>
               </a:ext>
             </a:extLst>
           </a:blip>
@@ -14432,7 +14420,7 @@
           <p:nvPr/>
         </p:nvPicPr>
         <p:blipFill>
-          <a:blip r:embed="rId27"/>
+          <a:blip r:embed="rId25"/>
           <a:stretch>
             <a:fillRect/>
           </a:stretch>
@@ -14473,7 +14461,7 @@
           <p:nvPr/>
         </p:nvPicPr>
         <p:blipFill>
-          <a:blip r:embed="rId28"/>
+          <a:blip r:embed="rId26"/>
           <a:stretch>
             <a:fillRect/>
           </a:stretch>
@@ -15508,10 +15496,10 @@
       </p:pic>
       <p:pic>
         <p:nvPicPr>
-          <p:cNvPr id="28" name="Elemento grafico 27" descr="Database con riempimento a tinta unita">
+          <p:cNvPr id="30" name="Elemento grafico 29" descr="Idrante antincendio rotto con riempimento a tinta unita">
             <a:extLst>
               <a:ext uri="{FF2B5EF4-FFF2-40B4-BE49-F238E27FC236}">
-                <a16:creationId xmlns:a16="http://schemas.microsoft.com/office/drawing/2014/main" id="{1DAD710D-6D99-4E58-A029-1FA40864DD91}"/>
+                <a16:creationId xmlns:a16="http://schemas.microsoft.com/office/drawing/2014/main" id="{B86FA234-F9F0-4DC7-B194-841544775C90}"/>
               </a:ext>
             </a:extLst>
           </p:cNvPr>
@@ -15533,42 +15521,7 @@
         </p:blipFill>
         <p:spPr>
           <a:xfrm>
-            <a:off x="242109" y="4659960"/>
-            <a:ext cx="718368" cy="718368"/>
-          </a:xfrm>
-          <a:prstGeom prst="rect">
-            <a:avLst/>
-          </a:prstGeom>
-        </p:spPr>
-      </p:pic>
-      <p:pic>
-        <p:nvPicPr>
-          <p:cNvPr id="30" name="Elemento grafico 29" descr="Idrante antincendio rotto con riempimento a tinta unita">
-            <a:extLst>
-              <a:ext uri="{FF2B5EF4-FFF2-40B4-BE49-F238E27FC236}">
-                <a16:creationId xmlns:a16="http://schemas.microsoft.com/office/drawing/2014/main" id="{B86FA234-F9F0-4DC7-B194-841544775C90}"/>
-              </a:ext>
-            </a:extLst>
-          </p:cNvPr>
-          <p:cNvPicPr>
-            <a:picLocks noChangeAspect="1"/>
-          </p:cNvPicPr>
-          <p:nvPr/>
-        </p:nvPicPr>
-        <p:blipFill>
-          <a:blip r:embed="rId23">
-            <a:extLst>
-              <a:ext uri="{96DAC541-7B7A-43D3-8B79-37D633B846F1}">
-                <asvg:svgBlip xmlns:asvg="http://schemas.microsoft.com/office/drawing/2016/SVG/main" r:embed="rId24"/>
-              </a:ext>
-            </a:extLst>
-          </a:blip>
-          <a:srcRect/>
-          <a:stretch/>
-        </p:blipFill>
-        <p:spPr>
-          <a:xfrm>
-            <a:off x="242109" y="5744747"/>
+            <a:off x="367550" y="4715658"/>
             <a:ext cx="720000" cy="720000"/>
           </a:xfrm>
           <a:prstGeom prst="rect">
@@ -15590,8 +15543,8 @@
         </p:nvSpPr>
         <p:spPr>
           <a:xfrm>
-            <a:off x="-93548" y="1456406"/>
-            <a:ext cx="1030139" cy="292388"/>
+            <a:off x="-54816" y="1466923"/>
+            <a:ext cx="1054025" cy="276999"/>
           </a:xfrm>
           <a:prstGeom prst="rect">
             <a:avLst/>
@@ -15605,88 +15558,15 @@
           <a:lstStyle/>
           <a:p>
             <a:r>
-              <a:rPr lang="it-IT" sz="1300" dirty="0">
+              <a:rPr lang="it-IT" sz="1200" dirty="0">
                 <a:solidFill>
                   <a:schemeClr val="accent2">
                     <a:lumMod val="75000"/>
                   </a:schemeClr>
                 </a:solidFill>
               </a:rPr>
-              <a:t>PROCEDURE</a:t>
+              <a:t>OPERAZIONI</a:t>
             </a:r>
-          </a:p>
-        </p:txBody>
-      </p:sp>
-      <p:sp>
-        <p:nvSpPr>
-          <p:cNvPr id="2" name="CasellaDiTesto 1">
-            <a:extLst>
-              <a:ext uri="{FF2B5EF4-FFF2-40B4-BE49-F238E27FC236}">
-                <a16:creationId xmlns:a16="http://schemas.microsoft.com/office/drawing/2014/main" id="{72D924BB-7FB1-4C82-91A5-C34F9D2F547A}"/>
-              </a:ext>
-            </a:extLst>
-          </p:cNvPr>
-          <p:cNvSpPr txBox="1"/>
-          <p:nvPr/>
-        </p:nvSpPr>
-        <p:spPr>
-          <a:xfrm>
-            <a:off x="2102950" y="805253"/>
-            <a:ext cx="3027872" cy="2246769"/>
-          </a:xfrm>
-          <a:prstGeom prst="rect">
-            <a:avLst/>
-          </a:prstGeom>
-          <a:noFill/>
-        </p:spPr>
-        <p:txBody>
-          <a:bodyPr wrap="square" rtlCol="0">
-            <a:spAutoFit/>
-          </a:bodyPr>
-          <a:lstStyle/>
-          <a:p>
-            <a:r>
-              <a:rPr lang="it-IT" sz="2000" dirty="0"/>
-              <a:t>• FILE_SCAN: accetta come parametro d’ingresso il nome del file e restituisce tre interi che indicano: numero di caratteri, parole e linee nel file. Altrimenti un codice di errore.</a:t>
-            </a:r>
-          </a:p>
-        </p:txBody>
-      </p:sp>
-      <p:sp>
-        <p:nvSpPr>
-          <p:cNvPr id="3" name="CasellaDiTesto 2">
-            <a:extLst>
-              <a:ext uri="{FF2B5EF4-FFF2-40B4-BE49-F238E27FC236}">
-                <a16:creationId xmlns:a16="http://schemas.microsoft.com/office/drawing/2014/main" id="{DF07D647-1EBF-4A37-A91B-9D9732B72F6B}"/>
-              </a:ext>
-            </a:extLst>
-          </p:cNvPr>
-          <p:cNvSpPr txBox="1"/>
-          <p:nvPr/>
-        </p:nvSpPr>
-        <p:spPr>
-          <a:xfrm>
-            <a:off x="2102950" y="3633203"/>
-            <a:ext cx="3140015" cy="2831544"/>
-          </a:xfrm>
-          <a:prstGeom prst="rect">
-            <a:avLst/>
-          </a:prstGeom>
-          <a:noFill/>
-        </p:spPr>
-        <p:txBody>
-          <a:bodyPr wrap="square" rtlCol="0">
-            <a:spAutoFit/>
-          </a:bodyPr>
-          <a:lstStyle/>
-          <a:p>
-            <a:r>
-              <a:rPr lang="it-IT" sz="2000" dirty="0"/>
-              <a:t>• DIR_SCAN: accetta come parametro d’ingresso il nome del direttorio remoto e una soglia numerica. In caso di successo, restituisce un intero positivo con il numero di file la cui dimensione supera la soglia inserita, altrimenti -1.</a:t>
-            </a:r>
-          </a:p>
-          <a:p>
-            <a:endParaRPr lang="it-IT" dirty="0"/>
           </a:p>
         </p:txBody>
       </p:sp>
@@ -15705,10 +15585,10 @@
           <p:nvPr/>
         </p:nvPicPr>
         <p:blipFill>
-          <a:blip r:embed="rId25">
+          <a:blip r:embed="rId23">
             <a:extLst>
               <a:ext uri="{96DAC541-7B7A-43D3-8B79-37D633B846F1}">
-                <asvg:svgBlip xmlns:asvg="http://schemas.microsoft.com/office/drawing/2016/SVG/main" r:embed="rId26"/>
+                <asvg:svgBlip xmlns:asvg="http://schemas.microsoft.com/office/drawing/2016/SVG/main" r:embed="rId24"/>
               </a:ext>
             </a:extLst>
           </a:blip>
@@ -15727,10 +15607,10 @@
       </p:pic>
       <p:pic>
         <p:nvPicPr>
-          <p:cNvPr id="35" name="Immagine 34">
+          <p:cNvPr id="3" name="Immagine 2">
             <a:extLst>
               <a:ext uri="{FF2B5EF4-FFF2-40B4-BE49-F238E27FC236}">
-                <a16:creationId xmlns:a16="http://schemas.microsoft.com/office/drawing/2014/main" id="{DBD411AA-9CB3-462B-AE4F-A0E1D77F85C4}"/>
+                <a16:creationId xmlns:a16="http://schemas.microsoft.com/office/drawing/2014/main" id="{C7234D6C-672E-4E70-AC90-63DCCC28CAA5}"/>
               </a:ext>
             </a:extLst>
           </p:cNvPr>
@@ -15740,19 +15620,714 @@
           <p:nvPr/>
         </p:nvPicPr>
         <p:blipFill>
-          <a:blip r:embed="rId27"/>
+          <a:blip r:embed="rId25"/>
           <a:stretch>
             <a:fillRect/>
           </a:stretch>
         </p:blipFill>
         <p:spPr>
           <a:xfrm>
-            <a:off x="7061180" y="471108"/>
-            <a:ext cx="2848373" cy="2915057"/>
+            <a:off x="2166451" y="969777"/>
+            <a:ext cx="4157693" cy="1509724"/>
           </a:xfrm>
           <a:prstGeom prst="roundRect">
             <a:avLst>
-              <a:gd name="adj" fmla="val 5263"/>
+              <a:gd name="adj" fmla="val 8594"/>
+            </a:avLst>
+          </a:prstGeom>
+          <a:solidFill>
+            <a:srgbClr val="FFFFFF">
+              <a:shade val="85000"/>
+            </a:srgbClr>
+          </a:solidFill>
+          <a:ln>
+            <a:noFill/>
+          </a:ln>
+          <a:effectLst/>
+        </p:spPr>
+      </p:pic>
+      <p:sp>
+        <p:nvSpPr>
+          <p:cNvPr id="4" name="CasellaDiTesto 3">
+            <a:extLst>
+              <a:ext uri="{FF2B5EF4-FFF2-40B4-BE49-F238E27FC236}">
+                <a16:creationId xmlns:a16="http://schemas.microsoft.com/office/drawing/2014/main" id="{F3E4BD03-C697-464A-9DB6-F75D9F444A44}"/>
+              </a:ext>
+            </a:extLst>
+          </p:cNvPr>
+          <p:cNvSpPr txBox="1"/>
+          <p:nvPr/>
+        </p:nvSpPr>
+        <p:spPr>
+          <a:xfrm>
+            <a:off x="5858096" y="1324529"/>
+            <a:ext cx="4042708" cy="400110"/>
+          </a:xfrm>
+          <a:prstGeom prst="rect">
+            <a:avLst/>
+          </a:prstGeom>
+          <a:noFill/>
+        </p:spPr>
+        <p:txBody>
+          <a:bodyPr wrap="square" rtlCol="0">
+            <a:spAutoFit/>
+          </a:bodyPr>
+          <a:lstStyle/>
+          <a:p>
+            <a:pPr algn="ctr"/>
+            <a:r>
+              <a:rPr lang="it-IT" sz="2000" i="1" dirty="0" err="1">
+                <a:solidFill>
+                  <a:schemeClr val="accent2"/>
+                </a:solidFill>
+              </a:rPr>
+              <a:t>rpcgen</a:t>
+            </a:r>
+            <a:r>
+              <a:rPr lang="it-IT" sz="2000" i="1" dirty="0">
+                <a:solidFill>
+                  <a:schemeClr val="accent2"/>
+                </a:solidFill>
+              </a:rPr>
+              <a:t> </a:t>
+            </a:r>
+            <a:r>
+              <a:rPr lang="it-IT" sz="2000" i="1" dirty="0" err="1">
+                <a:solidFill>
+                  <a:schemeClr val="accent2"/>
+                </a:solidFill>
+              </a:rPr>
+              <a:t>operazioni.x</a:t>
+            </a:r>
+            <a:endParaRPr lang="it-IT" sz="2000" i="1" dirty="0">
+              <a:solidFill>
+                <a:schemeClr val="accent2"/>
+              </a:solidFill>
+            </a:endParaRPr>
+          </a:p>
+        </p:txBody>
+      </p:sp>
+      <p:cxnSp>
+        <p:nvCxnSpPr>
+          <p:cNvPr id="7" name="Connettore 2 6">
+            <a:extLst>
+              <a:ext uri="{FF2B5EF4-FFF2-40B4-BE49-F238E27FC236}">
+                <a16:creationId xmlns:a16="http://schemas.microsoft.com/office/drawing/2014/main" id="{CAC17FF8-6389-4E5E-9D90-D2B22278FD83}"/>
+              </a:ext>
+            </a:extLst>
+          </p:cNvPr>
+          <p:cNvCxnSpPr>
+            <a:cxnSpLocks/>
+          </p:cNvCxnSpPr>
+          <p:nvPr/>
+        </p:nvCxnSpPr>
+        <p:spPr>
+          <a:xfrm>
+            <a:off x="6443730" y="1724639"/>
+            <a:ext cx="2770608" cy="0"/>
+          </a:xfrm>
+          <a:prstGeom prst="straightConnector1">
+            <a:avLst/>
+          </a:prstGeom>
+          <a:ln w="28575">
+            <a:solidFill>
+              <a:schemeClr val="tx1"/>
+            </a:solidFill>
+            <a:tailEnd type="triangle"/>
+          </a:ln>
+        </p:spPr>
+        <p:style>
+          <a:lnRef idx="1">
+            <a:schemeClr val="accent1"/>
+          </a:lnRef>
+          <a:fillRef idx="0">
+            <a:schemeClr val="accent1"/>
+          </a:fillRef>
+          <a:effectRef idx="0">
+            <a:schemeClr val="accent1"/>
+          </a:effectRef>
+          <a:fontRef idx="minor">
+            <a:schemeClr val="tx1"/>
+          </a:fontRef>
+        </p:style>
+      </p:cxnSp>
+      <p:sp>
+        <p:nvSpPr>
+          <p:cNvPr id="32" name="CasellaDiTesto 31">
+            <a:extLst>
+              <a:ext uri="{FF2B5EF4-FFF2-40B4-BE49-F238E27FC236}">
+                <a16:creationId xmlns:a16="http://schemas.microsoft.com/office/drawing/2014/main" id="{7AE69949-F4ED-4A40-A8CF-C28956555C4E}"/>
+              </a:ext>
+            </a:extLst>
+          </p:cNvPr>
+          <p:cNvSpPr txBox="1"/>
+          <p:nvPr/>
+        </p:nvSpPr>
+        <p:spPr>
+          <a:xfrm>
+            <a:off x="2341229" y="569667"/>
+            <a:ext cx="4042708" cy="400110"/>
+          </a:xfrm>
+          <a:prstGeom prst="rect">
+            <a:avLst/>
+          </a:prstGeom>
+          <a:noFill/>
+        </p:spPr>
+        <p:txBody>
+          <a:bodyPr wrap="square" rtlCol="0">
+            <a:spAutoFit/>
+          </a:bodyPr>
+          <a:lstStyle/>
+          <a:p>
+            <a:pPr algn="ctr"/>
+            <a:r>
+              <a:rPr lang="it-IT" sz="2000" dirty="0"/>
+              <a:t>FILE OPERATION.X</a:t>
+            </a:r>
+          </a:p>
+        </p:txBody>
+      </p:sp>
+      <p:pic>
+        <p:nvPicPr>
+          <p:cNvPr id="33" name="Immagine 32">
+            <a:extLst>
+              <a:ext uri="{FF2B5EF4-FFF2-40B4-BE49-F238E27FC236}">
+                <a16:creationId xmlns:a16="http://schemas.microsoft.com/office/drawing/2014/main" id="{CA2A0B02-D349-46A2-8C41-5D8DD6DA6FB4}"/>
+              </a:ext>
+            </a:extLst>
+          </p:cNvPr>
+          <p:cNvPicPr>
+            <a:picLocks noChangeAspect="1"/>
+          </p:cNvPicPr>
+          <p:nvPr/>
+        </p:nvPicPr>
+        <p:blipFill rotWithShape="1">
+          <a:blip r:embed="rId26"/>
+          <a:srcRect t="2370" b="3301"/>
+          <a:stretch/>
+        </p:blipFill>
+        <p:spPr>
+          <a:xfrm>
+            <a:off x="9432612" y="1145518"/>
+            <a:ext cx="1812550" cy="1158241"/>
+          </a:xfrm>
+          <a:prstGeom prst="roundRect">
+            <a:avLst>
+              <a:gd name="adj" fmla="val 8594"/>
+            </a:avLst>
+          </a:prstGeom>
+          <a:solidFill>
+            <a:srgbClr val="FFFFFF">
+              <a:shade val="85000"/>
+            </a:srgbClr>
+          </a:solidFill>
+          <a:ln>
+            <a:noFill/>
+          </a:ln>
+          <a:effectLst/>
+        </p:spPr>
+      </p:pic>
+      <p:cxnSp>
+        <p:nvCxnSpPr>
+          <p:cNvPr id="35" name="Connettore 2 34">
+            <a:extLst>
+              <a:ext uri="{FF2B5EF4-FFF2-40B4-BE49-F238E27FC236}">
+                <a16:creationId xmlns:a16="http://schemas.microsoft.com/office/drawing/2014/main" id="{9784F236-D8AF-445B-A57F-D77E4A6C7DBA}"/>
+              </a:ext>
+            </a:extLst>
+          </p:cNvPr>
+          <p:cNvCxnSpPr>
+            <a:cxnSpLocks/>
+          </p:cNvCxnSpPr>
+          <p:nvPr/>
+        </p:nvCxnSpPr>
+        <p:spPr>
+          <a:xfrm flipH="1">
+            <a:off x="4643181" y="5249452"/>
+            <a:ext cx="5717205" cy="0"/>
+          </a:xfrm>
+          <a:prstGeom prst="straightConnector1">
+            <a:avLst/>
+          </a:prstGeom>
+          <a:ln w="28575">
+            <a:solidFill>
+              <a:schemeClr val="tx1"/>
+            </a:solidFill>
+            <a:tailEnd type="triangle"/>
+          </a:ln>
+        </p:spPr>
+        <p:style>
+          <a:lnRef idx="1">
+            <a:schemeClr val="accent1"/>
+          </a:lnRef>
+          <a:fillRef idx="0">
+            <a:schemeClr val="accent1"/>
+          </a:fillRef>
+          <a:effectRef idx="0">
+            <a:schemeClr val="accent1"/>
+          </a:effectRef>
+          <a:fontRef idx="minor">
+            <a:schemeClr val="tx1"/>
+          </a:fontRef>
+        </p:style>
+      </p:cxnSp>
+      <p:cxnSp>
+        <p:nvCxnSpPr>
+          <p:cNvPr id="39" name="Connettore diritto 38">
+            <a:extLst>
+              <a:ext uri="{FF2B5EF4-FFF2-40B4-BE49-F238E27FC236}">
+                <a16:creationId xmlns:a16="http://schemas.microsoft.com/office/drawing/2014/main" id="{749A97FC-1FC2-4A5D-A32C-95F2D3490187}"/>
+              </a:ext>
+            </a:extLst>
+          </p:cNvPr>
+          <p:cNvCxnSpPr>
+            <a:cxnSpLocks/>
+          </p:cNvCxnSpPr>
+          <p:nvPr/>
+        </p:nvCxnSpPr>
+        <p:spPr>
+          <a:xfrm>
+            <a:off x="10360385" y="2369395"/>
+            <a:ext cx="0" cy="2900228"/>
+          </a:xfrm>
+          <a:prstGeom prst="line">
+            <a:avLst/>
+          </a:prstGeom>
+          <a:ln w="28575">
+            <a:solidFill>
+              <a:schemeClr val="tx1"/>
+            </a:solidFill>
+          </a:ln>
+        </p:spPr>
+        <p:style>
+          <a:lnRef idx="1">
+            <a:schemeClr val="accent1"/>
+          </a:lnRef>
+          <a:fillRef idx="0">
+            <a:schemeClr val="accent1"/>
+          </a:fillRef>
+          <a:effectRef idx="0">
+            <a:schemeClr val="accent1"/>
+          </a:effectRef>
+          <a:fontRef idx="minor">
+            <a:schemeClr val="tx1"/>
+          </a:fontRef>
+        </p:style>
+      </p:cxnSp>
+      <p:pic>
+        <p:nvPicPr>
+          <p:cNvPr id="34" name="Immagine 33">
+            <a:extLst>
+              <a:ext uri="{FF2B5EF4-FFF2-40B4-BE49-F238E27FC236}">
+                <a16:creationId xmlns:a16="http://schemas.microsoft.com/office/drawing/2014/main" id="{553C87B1-C2E6-4196-9ED8-EAB9ABAD5378}"/>
+              </a:ext>
+            </a:extLst>
+          </p:cNvPr>
+          <p:cNvPicPr>
+            <a:picLocks noChangeAspect="1"/>
+          </p:cNvPicPr>
+          <p:nvPr/>
+        </p:nvPicPr>
+        <p:blipFill rotWithShape="1">
+          <a:blip r:embed="rId27"/>
+          <a:srcRect l="1" t="465" r="4814" b="2312"/>
+          <a:stretch/>
+        </p:blipFill>
+        <p:spPr>
+          <a:xfrm>
+            <a:off x="2152360" y="4227844"/>
+            <a:ext cx="2310377" cy="2412363"/>
+          </a:xfrm>
+          <a:prstGeom prst="roundRect">
+            <a:avLst>
+              <a:gd name="adj" fmla="val 8594"/>
+            </a:avLst>
+          </a:prstGeom>
+          <a:solidFill>
+            <a:srgbClr val="FFFFFF">
+              <a:shade val="85000"/>
+            </a:srgbClr>
+          </a:solidFill>
+          <a:ln>
+            <a:noFill/>
+          </a:ln>
+          <a:effectLst/>
+        </p:spPr>
+      </p:pic>
+      <p:sp>
+        <p:nvSpPr>
+          <p:cNvPr id="36" name="CasellaDiTesto 35">
+            <a:extLst>
+              <a:ext uri="{FF2B5EF4-FFF2-40B4-BE49-F238E27FC236}">
+                <a16:creationId xmlns:a16="http://schemas.microsoft.com/office/drawing/2014/main" id="{9F77A682-111A-42C8-AB12-4E196E9731D9}"/>
+              </a:ext>
+            </a:extLst>
+          </p:cNvPr>
+          <p:cNvSpPr txBox="1"/>
+          <p:nvPr/>
+        </p:nvSpPr>
+        <p:spPr>
+          <a:xfrm>
+            <a:off x="2542323" y="3797608"/>
+            <a:ext cx="1500273" cy="400110"/>
+          </a:xfrm>
+          <a:prstGeom prst="rect">
+            <a:avLst/>
+          </a:prstGeom>
+          <a:noFill/>
+        </p:spPr>
+        <p:txBody>
+          <a:bodyPr wrap="square" rtlCol="0">
+            <a:spAutoFit/>
+          </a:bodyPr>
+          <a:lstStyle/>
+          <a:p>
+            <a:pPr algn="ctr"/>
+            <a:r>
+              <a:rPr lang="it-IT" sz="2000" i="1" dirty="0" err="1"/>
+              <a:t>operation.h</a:t>
+            </a:r>
+            <a:endParaRPr lang="it-IT" sz="2000" i="1" dirty="0"/>
+          </a:p>
+        </p:txBody>
+      </p:sp>
+      <p:cxnSp>
+        <p:nvCxnSpPr>
+          <p:cNvPr id="37" name="Connettore 2 36">
+            <a:extLst>
+              <a:ext uri="{FF2B5EF4-FFF2-40B4-BE49-F238E27FC236}">
+                <a16:creationId xmlns:a16="http://schemas.microsoft.com/office/drawing/2014/main" id="{F865180F-564D-453B-8FE9-F97E01A6F415}"/>
+              </a:ext>
+            </a:extLst>
+          </p:cNvPr>
+          <p:cNvCxnSpPr>
+            <a:cxnSpLocks/>
+          </p:cNvCxnSpPr>
+          <p:nvPr/>
+        </p:nvCxnSpPr>
+        <p:spPr>
+          <a:xfrm flipH="1" flipV="1">
+            <a:off x="6096000" y="4293541"/>
+            <a:ext cx="4264386" cy="20342"/>
+          </a:xfrm>
+          <a:prstGeom prst="straightConnector1">
+            <a:avLst/>
+          </a:prstGeom>
+          <a:ln w="28575">
+            <a:solidFill>
+              <a:schemeClr val="tx1"/>
+            </a:solidFill>
+            <a:tailEnd type="triangle"/>
+          </a:ln>
+        </p:spPr>
+        <p:style>
+          <a:lnRef idx="1">
+            <a:schemeClr val="accent1"/>
+          </a:lnRef>
+          <a:fillRef idx="0">
+            <a:schemeClr val="accent1"/>
+          </a:fillRef>
+          <a:effectRef idx="0">
+            <a:schemeClr val="accent1"/>
+          </a:effectRef>
+          <a:fontRef idx="minor">
+            <a:schemeClr val="tx1"/>
+          </a:fontRef>
+        </p:style>
+      </p:cxnSp>
+      <p:cxnSp>
+        <p:nvCxnSpPr>
+          <p:cNvPr id="41" name="Connettore 2 40">
+            <a:extLst>
+              <a:ext uri="{FF2B5EF4-FFF2-40B4-BE49-F238E27FC236}">
+                <a16:creationId xmlns:a16="http://schemas.microsoft.com/office/drawing/2014/main" id="{BA6254EF-5445-4CE2-8B26-ED11EC26E15F}"/>
+              </a:ext>
+            </a:extLst>
+          </p:cNvPr>
+          <p:cNvCxnSpPr>
+            <a:cxnSpLocks/>
+          </p:cNvCxnSpPr>
+          <p:nvPr/>
+        </p:nvCxnSpPr>
+        <p:spPr>
+          <a:xfrm flipH="1" flipV="1">
+            <a:off x="6095999" y="3293741"/>
+            <a:ext cx="4264386" cy="20342"/>
+          </a:xfrm>
+          <a:prstGeom prst="straightConnector1">
+            <a:avLst/>
+          </a:prstGeom>
+          <a:ln w="28575">
+            <a:solidFill>
+              <a:schemeClr val="tx1"/>
+            </a:solidFill>
+            <a:tailEnd type="triangle"/>
+          </a:ln>
+        </p:spPr>
+        <p:style>
+          <a:lnRef idx="1">
+            <a:schemeClr val="accent1"/>
+          </a:lnRef>
+          <a:fillRef idx="0">
+            <a:schemeClr val="accent1"/>
+          </a:fillRef>
+          <a:effectRef idx="0">
+            <a:schemeClr val="accent1"/>
+          </a:effectRef>
+          <a:fontRef idx="minor">
+            <a:schemeClr val="tx1"/>
+          </a:fontRef>
+        </p:style>
+      </p:cxnSp>
+      <p:sp>
+        <p:nvSpPr>
+          <p:cNvPr id="42" name="CasellaDiTesto 41">
+            <a:extLst>
+              <a:ext uri="{FF2B5EF4-FFF2-40B4-BE49-F238E27FC236}">
+                <a16:creationId xmlns:a16="http://schemas.microsoft.com/office/drawing/2014/main" id="{E72CCFA8-2599-414C-B061-52F1A8B9BF3C}"/>
+              </a:ext>
+            </a:extLst>
+          </p:cNvPr>
+          <p:cNvSpPr txBox="1"/>
+          <p:nvPr/>
+        </p:nvSpPr>
+        <p:spPr>
+          <a:xfrm>
+            <a:off x="6322554" y="3667552"/>
+            <a:ext cx="3816920" cy="646331"/>
+          </a:xfrm>
+          <a:prstGeom prst="rect">
+            <a:avLst/>
+          </a:prstGeom>
+          <a:noFill/>
+        </p:spPr>
+        <p:txBody>
+          <a:bodyPr wrap="square" rtlCol="0">
+            <a:spAutoFit/>
+          </a:bodyPr>
+          <a:lstStyle/>
+          <a:p>
+            <a:r>
+              <a:rPr lang="it-IT" i="1" dirty="0" err="1">
+                <a:solidFill>
+                  <a:schemeClr val="accent2"/>
+                </a:solidFill>
+              </a:rPr>
+              <a:t>gcc</a:t>
+            </a:r>
+            <a:r>
+              <a:rPr lang="it-IT" i="1" dirty="0">
+                <a:solidFill>
+                  <a:schemeClr val="accent2"/>
+                </a:solidFill>
+              </a:rPr>
+              <a:t> –o </a:t>
+            </a:r>
+            <a:r>
+              <a:rPr lang="it-IT" i="1" dirty="0" err="1">
+                <a:solidFill>
+                  <a:schemeClr val="accent2"/>
+                </a:solidFill>
+              </a:rPr>
+              <a:t>client_rpc</a:t>
+            </a:r>
+            <a:r>
+              <a:rPr lang="it-IT" i="1" dirty="0">
+                <a:solidFill>
+                  <a:schemeClr val="accent2"/>
+                </a:solidFill>
+              </a:rPr>
+              <a:t> </a:t>
+            </a:r>
+            <a:r>
+              <a:rPr lang="it-IT" i="1" dirty="0" err="1">
+                <a:solidFill>
+                  <a:schemeClr val="accent2"/>
+                </a:solidFill>
+              </a:rPr>
+              <a:t>client.c</a:t>
+            </a:r>
+            <a:r>
+              <a:rPr lang="it-IT" i="1" dirty="0">
+                <a:solidFill>
+                  <a:schemeClr val="accent2"/>
+                </a:solidFill>
+              </a:rPr>
+              <a:t>    </a:t>
+            </a:r>
+            <a:r>
+              <a:rPr lang="it-IT" i="1" dirty="0" err="1">
+                <a:solidFill>
+                  <a:schemeClr val="accent2"/>
+                </a:solidFill>
+              </a:rPr>
+              <a:t>operazioni_clnt.c</a:t>
+            </a:r>
+            <a:r>
+              <a:rPr lang="it-IT" i="1" dirty="0">
+                <a:solidFill>
+                  <a:schemeClr val="accent2"/>
+                </a:solidFill>
+              </a:rPr>
+              <a:t> </a:t>
+            </a:r>
+            <a:r>
+              <a:rPr lang="it-IT" i="1" dirty="0" err="1">
+                <a:solidFill>
+                  <a:schemeClr val="accent2"/>
+                </a:solidFill>
+              </a:rPr>
+              <a:t>operazioni_xdr.c</a:t>
+            </a:r>
+            <a:r>
+              <a:rPr lang="it-IT" i="1" dirty="0">
+                <a:solidFill>
+                  <a:schemeClr val="accent2"/>
+                </a:solidFill>
+              </a:rPr>
+              <a:t> </a:t>
+            </a:r>
+          </a:p>
+        </p:txBody>
+      </p:sp>
+      <p:sp>
+        <p:nvSpPr>
+          <p:cNvPr id="43" name="CasellaDiTesto 42">
+            <a:extLst>
+              <a:ext uri="{FF2B5EF4-FFF2-40B4-BE49-F238E27FC236}">
+                <a16:creationId xmlns:a16="http://schemas.microsoft.com/office/drawing/2014/main" id="{F274043B-A782-473F-80A2-CA3EB0E07996}"/>
+              </a:ext>
+            </a:extLst>
+          </p:cNvPr>
+          <p:cNvSpPr txBox="1"/>
+          <p:nvPr/>
+        </p:nvSpPr>
+        <p:spPr>
+          <a:xfrm>
+            <a:off x="6319732" y="2592997"/>
+            <a:ext cx="3816920" cy="646331"/>
+          </a:xfrm>
+          <a:prstGeom prst="rect">
+            <a:avLst/>
+          </a:prstGeom>
+          <a:noFill/>
+        </p:spPr>
+        <p:txBody>
+          <a:bodyPr wrap="square" rtlCol="0">
+            <a:spAutoFit/>
+          </a:bodyPr>
+          <a:lstStyle/>
+          <a:p>
+            <a:r>
+              <a:rPr lang="it-IT" i="1" dirty="0" err="1">
+                <a:solidFill>
+                  <a:schemeClr val="accent2"/>
+                </a:solidFill>
+              </a:rPr>
+              <a:t>gcc</a:t>
+            </a:r>
+            <a:r>
+              <a:rPr lang="it-IT" i="1" dirty="0">
+                <a:solidFill>
+                  <a:schemeClr val="accent2"/>
+                </a:solidFill>
+              </a:rPr>
+              <a:t> –o </a:t>
+            </a:r>
+            <a:r>
+              <a:rPr lang="it-IT" i="1" dirty="0" err="1">
+                <a:solidFill>
+                  <a:schemeClr val="accent2"/>
+                </a:solidFill>
+              </a:rPr>
+              <a:t>server_rpc</a:t>
+            </a:r>
+            <a:r>
+              <a:rPr lang="it-IT" i="1" dirty="0">
+                <a:solidFill>
+                  <a:schemeClr val="accent2"/>
+                </a:solidFill>
+              </a:rPr>
+              <a:t> </a:t>
+            </a:r>
+            <a:r>
+              <a:rPr lang="it-IT" i="1" dirty="0" err="1">
+                <a:solidFill>
+                  <a:schemeClr val="accent2"/>
+                </a:solidFill>
+              </a:rPr>
+              <a:t>implemetazione.c</a:t>
+            </a:r>
+            <a:r>
+              <a:rPr lang="it-IT" i="1" dirty="0">
+                <a:solidFill>
+                  <a:schemeClr val="accent2"/>
+                </a:solidFill>
+              </a:rPr>
+              <a:t>    </a:t>
+            </a:r>
+            <a:r>
+              <a:rPr lang="it-IT" i="1" dirty="0" err="1">
+                <a:solidFill>
+                  <a:schemeClr val="accent2"/>
+                </a:solidFill>
+              </a:rPr>
+              <a:t>operazioni_svc.c</a:t>
+            </a:r>
+            <a:r>
+              <a:rPr lang="it-IT" i="1" dirty="0">
+                <a:solidFill>
+                  <a:schemeClr val="accent2"/>
+                </a:solidFill>
+              </a:rPr>
+              <a:t> </a:t>
+            </a:r>
+            <a:r>
+              <a:rPr lang="it-IT" i="1" dirty="0" err="1">
+                <a:solidFill>
+                  <a:schemeClr val="accent2"/>
+                </a:solidFill>
+              </a:rPr>
+              <a:t>operazioni_xdr.c</a:t>
+            </a:r>
+            <a:r>
+              <a:rPr lang="it-IT" i="1" dirty="0">
+                <a:solidFill>
+                  <a:schemeClr val="accent2"/>
+                </a:solidFill>
+              </a:rPr>
+              <a:t> </a:t>
+            </a:r>
+          </a:p>
+        </p:txBody>
+      </p:sp>
+      <p:pic>
+        <p:nvPicPr>
+          <p:cNvPr id="44" name="Immagine 43">
+            <a:extLst>
+              <a:ext uri="{FF2B5EF4-FFF2-40B4-BE49-F238E27FC236}">
+                <a16:creationId xmlns:a16="http://schemas.microsoft.com/office/drawing/2014/main" id="{77AC0043-88D4-456D-8A0E-F09EC2F7BA66}"/>
+              </a:ext>
+            </a:extLst>
+          </p:cNvPr>
+          <p:cNvPicPr>
+            <a:picLocks noChangeAspect="1"/>
+          </p:cNvPicPr>
+          <p:nvPr/>
+        </p:nvPicPr>
+        <p:blipFill rotWithShape="1">
+          <a:blip r:embed="rId28"/>
+          <a:srcRect l="1305" r="7310"/>
+          <a:stretch/>
+        </p:blipFill>
+        <p:spPr>
+          <a:xfrm>
+            <a:off x="4712808" y="3145803"/>
+            <a:ext cx="1230307" cy="336559"/>
+          </a:xfrm>
+          <a:prstGeom prst="roundRect">
+            <a:avLst>
+              <a:gd name="adj" fmla="val 34625"/>
             </a:avLst>
           </a:prstGeom>
           <a:solidFill>
@@ -15768,10 +16343,10 @@
       </p:pic>
       <p:pic>
         <p:nvPicPr>
-          <p:cNvPr id="39" name="Immagine 38">
+          <p:cNvPr id="47" name="Immagine 46">
             <a:extLst>
               <a:ext uri="{FF2B5EF4-FFF2-40B4-BE49-F238E27FC236}">
-                <a16:creationId xmlns:a16="http://schemas.microsoft.com/office/drawing/2014/main" id="{17265EAE-8FA3-470E-B353-457A084FEAD8}"/>
+                <a16:creationId xmlns:a16="http://schemas.microsoft.com/office/drawing/2014/main" id="{2DAD581F-4F4C-4E51-B9DA-823BF1FA8431}"/>
               </a:ext>
             </a:extLst>
           </p:cNvPr>
@@ -15780,20 +16355,19 @@
           </p:cNvPicPr>
           <p:nvPr/>
         </p:nvPicPr>
-        <p:blipFill>
-          <a:blip r:embed="rId28"/>
-          <a:stretch>
-            <a:fillRect/>
-          </a:stretch>
+        <p:blipFill rotWithShape="1">
+          <a:blip r:embed="rId29"/>
+          <a:srcRect l="2220" t="9830" r="4465" b="5905"/>
+          <a:stretch/>
         </p:blipFill>
         <p:spPr>
           <a:xfrm>
-            <a:off x="5813230" y="3730426"/>
-            <a:ext cx="5344271" cy="2448267"/>
+            <a:off x="4707106" y="4135433"/>
+            <a:ext cx="1277151" cy="316216"/>
           </a:xfrm>
           <a:prstGeom prst="roundRect">
             <a:avLst>
-              <a:gd name="adj" fmla="val 5106"/>
+              <a:gd name="adj" fmla="val 34625"/>
             </a:avLst>
           </a:prstGeom>
           <a:solidFill>
@@ -16363,7 +16937,7 @@
         </p:nvSpPr>
         <p:spPr>
           <a:xfrm flipH="1">
-            <a:off x="0" y="-8574600"/>
+            <a:off x="0" y="-8582156"/>
             <a:ext cx="1229723" cy="22957972"/>
           </a:xfrm>
           <a:custGeom>
@@ -16786,10 +17360,10 @@
       </p:pic>
       <p:pic>
         <p:nvPicPr>
-          <p:cNvPr id="28" name="Elemento grafico 27" descr="Database con riempimento a tinta unita">
+          <p:cNvPr id="30" name="Elemento grafico 29" descr="Idrante antincendio rotto con riempimento a tinta unita">
             <a:extLst>
               <a:ext uri="{FF2B5EF4-FFF2-40B4-BE49-F238E27FC236}">
-                <a16:creationId xmlns:a16="http://schemas.microsoft.com/office/drawing/2014/main" id="{8F323B9E-9420-4774-911C-C367FD14FF4F}"/>
+                <a16:creationId xmlns:a16="http://schemas.microsoft.com/office/drawing/2014/main" id="{4C6B5D36-D1A9-4D89-8D81-22219E0511F6}"/>
               </a:ext>
             </a:extLst>
           </p:cNvPr>
@@ -16811,42 +17385,7 @@
         </p:blipFill>
         <p:spPr>
           <a:xfrm>
-            <a:off x="242109" y="4659960"/>
-            <a:ext cx="718368" cy="718368"/>
-          </a:xfrm>
-          <a:prstGeom prst="rect">
-            <a:avLst/>
-          </a:prstGeom>
-        </p:spPr>
-      </p:pic>
-      <p:pic>
-        <p:nvPicPr>
-          <p:cNvPr id="30" name="Elemento grafico 29" descr="Idrante antincendio rotto con riempimento a tinta unita">
-            <a:extLst>
-              <a:ext uri="{FF2B5EF4-FFF2-40B4-BE49-F238E27FC236}">
-                <a16:creationId xmlns:a16="http://schemas.microsoft.com/office/drawing/2014/main" id="{4C6B5D36-D1A9-4D89-8D81-22219E0511F6}"/>
-              </a:ext>
-            </a:extLst>
-          </p:cNvPr>
-          <p:cNvPicPr>
-            <a:picLocks noChangeAspect="1"/>
-          </p:cNvPicPr>
-          <p:nvPr/>
-        </p:nvPicPr>
-        <p:blipFill>
-          <a:blip r:embed="rId22">
-            <a:extLst>
-              <a:ext uri="{96DAC541-7B7A-43D3-8B79-37D633B846F1}">
-                <asvg:svgBlip xmlns:asvg="http://schemas.microsoft.com/office/drawing/2016/SVG/main" r:embed="rId23"/>
-              </a:ext>
-            </a:extLst>
-          </a:blip>
-          <a:srcRect/>
-          <a:stretch/>
-        </p:blipFill>
-        <p:spPr>
-          <a:xfrm>
-            <a:off x="242109" y="5744747"/>
+            <a:off x="284132" y="4658328"/>
             <a:ext cx="720000" cy="720000"/>
           </a:xfrm>
           <a:prstGeom prst="rect">
@@ -16868,8 +17407,8 @@
         </p:nvSpPr>
         <p:spPr>
           <a:xfrm>
-            <a:off x="-97938" y="2404387"/>
-            <a:ext cx="1067536" cy="292388"/>
+            <a:off x="-107059" y="2743426"/>
+            <a:ext cx="1067536" cy="492443"/>
           </a:xfrm>
           <a:prstGeom prst="rect">
             <a:avLst/>
@@ -16882,6 +17421,7 @@
           </a:bodyPr>
           <a:lstStyle/>
           <a:p>
+            <a:pPr algn="ctr"/>
             <a:r>
               <a:rPr lang="it-IT" sz="1300" dirty="0">
                 <a:solidFill>
@@ -16890,15 +17430,20 @@
                   </a:schemeClr>
                 </a:solidFill>
               </a:rPr>
-              <a:t>OPERAZIONI</a:t>
+              <a:t>IMPL.</a:t>
             </a:r>
-            <a:endParaRPr lang="it-IT" sz="1400" dirty="0">
-              <a:solidFill>
-                <a:schemeClr val="accent2">
-                  <a:lumMod val="75000"/>
-                </a:schemeClr>
-              </a:solidFill>
-            </a:endParaRPr>
+          </a:p>
+          <a:p>
+            <a:r>
+              <a:rPr lang="it-IT" sz="1300" dirty="0">
+                <a:solidFill>
+                  <a:schemeClr val="accent2">
+                    <a:lumMod val="75000"/>
+                  </a:schemeClr>
+                </a:solidFill>
+              </a:rPr>
+              <a:t>PROCEDURE</a:t>
+            </a:r>
           </a:p>
         </p:txBody>
       </p:sp>
@@ -16917,10 +17462,10 @@
           <p:nvPr/>
         </p:nvPicPr>
         <p:blipFill>
-          <a:blip r:embed="rId24">
+          <a:blip r:embed="rId22">
             <a:extLst>
               <a:ext uri="{96DAC541-7B7A-43D3-8B79-37D633B846F1}">
-                <asvg:svgBlip xmlns:asvg="http://schemas.microsoft.com/office/drawing/2016/SVG/main" r:embed="rId25"/>
+                <asvg:svgBlip xmlns:asvg="http://schemas.microsoft.com/office/drawing/2016/SVG/main" r:embed="rId23"/>
               </a:ext>
             </a:extLst>
           </a:blip>
@@ -16952,7 +17497,7 @@
           <p:nvPr/>
         </p:nvPicPr>
         <p:blipFill>
-          <a:blip r:embed="rId26">
+          <a:blip r:embed="rId24">
             <a:alphaModFix/>
           </a:blip>
           <a:stretch>
@@ -16967,6 +17512,168 @@
           <a:prstGeom prst="roundRect">
             <a:avLst>
               <a:gd name="adj" fmla="val 2487"/>
+            </a:avLst>
+          </a:prstGeom>
+          <a:solidFill>
+            <a:srgbClr val="FFFFFF">
+              <a:shade val="85000"/>
+            </a:srgbClr>
+          </a:solidFill>
+          <a:ln>
+            <a:noFill/>
+          </a:ln>
+          <a:effectLst/>
+        </p:spPr>
+      </p:pic>
+      <p:sp>
+        <p:nvSpPr>
+          <p:cNvPr id="25" name="CasellaDiTesto 24">
+            <a:extLst>
+              <a:ext uri="{FF2B5EF4-FFF2-40B4-BE49-F238E27FC236}">
+                <a16:creationId xmlns:a16="http://schemas.microsoft.com/office/drawing/2014/main" id="{437F2F27-4E98-40E2-A7FA-B5CDFA75C7EA}"/>
+              </a:ext>
+            </a:extLst>
+          </p:cNvPr>
+          <p:cNvSpPr txBox="1"/>
+          <p:nvPr/>
+        </p:nvSpPr>
+        <p:spPr>
+          <a:xfrm>
+            <a:off x="1901229" y="472363"/>
+            <a:ext cx="3027872" cy="2246769"/>
+          </a:xfrm>
+          <a:prstGeom prst="rect">
+            <a:avLst/>
+          </a:prstGeom>
+          <a:noFill/>
+        </p:spPr>
+        <p:txBody>
+          <a:bodyPr wrap="square" rtlCol="0">
+            <a:spAutoFit/>
+          </a:bodyPr>
+          <a:lstStyle/>
+          <a:p>
+            <a:r>
+              <a:rPr lang="it-IT" sz="2000" u="sng" dirty="0"/>
+              <a:t>• FILE_SCAN</a:t>
+            </a:r>
+            <a:r>
+              <a:rPr lang="it-IT" sz="2000" dirty="0"/>
+              <a:t>: accetta come parametro d’ingresso il nome del file e restituisce tre interi che indicano: numero di caratteri, parole e linee nel file. Altrimenti un codice di errore.</a:t>
+            </a:r>
+          </a:p>
+        </p:txBody>
+      </p:sp>
+      <p:sp>
+        <p:nvSpPr>
+          <p:cNvPr id="34" name="CasellaDiTesto 33">
+            <a:extLst>
+              <a:ext uri="{FF2B5EF4-FFF2-40B4-BE49-F238E27FC236}">
+                <a16:creationId xmlns:a16="http://schemas.microsoft.com/office/drawing/2014/main" id="{9044BE1C-6833-49D6-906D-5E888C1596E0}"/>
+              </a:ext>
+            </a:extLst>
+          </p:cNvPr>
+          <p:cNvSpPr txBox="1"/>
+          <p:nvPr/>
+        </p:nvSpPr>
+        <p:spPr>
+          <a:xfrm>
+            <a:off x="1979967" y="3554093"/>
+            <a:ext cx="3140015" cy="2831544"/>
+          </a:xfrm>
+          <a:prstGeom prst="rect">
+            <a:avLst/>
+          </a:prstGeom>
+          <a:noFill/>
+        </p:spPr>
+        <p:txBody>
+          <a:bodyPr wrap="square" rtlCol="0">
+            <a:spAutoFit/>
+          </a:bodyPr>
+          <a:lstStyle/>
+          <a:p>
+            <a:r>
+              <a:rPr lang="it-IT" sz="2000" u="sng" dirty="0"/>
+              <a:t>• DIR_SCAN</a:t>
+            </a:r>
+            <a:r>
+              <a:rPr lang="it-IT" sz="2000" dirty="0"/>
+              <a:t>: accetta come parametro d’ingresso il nome del direttorio remoto e una soglia numerica. In caso di successo, restituisce un intero positivo con il numero di file la cui dimensione supera la soglia inserita, altrimenti -1.</a:t>
+            </a:r>
+          </a:p>
+          <a:p>
+            <a:endParaRPr lang="it-IT" dirty="0"/>
+          </a:p>
+        </p:txBody>
+      </p:sp>
+      <p:pic>
+        <p:nvPicPr>
+          <p:cNvPr id="35" name="Immagine 34">
+            <a:extLst>
+              <a:ext uri="{FF2B5EF4-FFF2-40B4-BE49-F238E27FC236}">
+                <a16:creationId xmlns:a16="http://schemas.microsoft.com/office/drawing/2014/main" id="{AB39CB46-B4D6-4CA0-8CB6-F37E20A76180}"/>
+              </a:ext>
+            </a:extLst>
+          </p:cNvPr>
+          <p:cNvPicPr>
+            <a:picLocks noChangeAspect="1"/>
+          </p:cNvPicPr>
+          <p:nvPr/>
+        </p:nvPicPr>
+        <p:blipFill>
+          <a:blip r:embed="rId25"/>
+          <a:stretch>
+            <a:fillRect/>
+          </a:stretch>
+        </p:blipFill>
+        <p:spPr>
+          <a:xfrm>
+            <a:off x="6553100" y="74590"/>
+            <a:ext cx="2848373" cy="2915057"/>
+          </a:xfrm>
+          <a:prstGeom prst="roundRect">
+            <a:avLst>
+              <a:gd name="adj" fmla="val 5263"/>
+            </a:avLst>
+          </a:prstGeom>
+          <a:solidFill>
+            <a:srgbClr val="FFFFFF">
+              <a:shade val="85000"/>
+            </a:srgbClr>
+          </a:solidFill>
+          <a:ln>
+            <a:noFill/>
+          </a:ln>
+          <a:effectLst/>
+        </p:spPr>
+      </p:pic>
+      <p:pic>
+        <p:nvPicPr>
+          <p:cNvPr id="36" name="Immagine 35">
+            <a:extLst>
+              <a:ext uri="{FF2B5EF4-FFF2-40B4-BE49-F238E27FC236}">
+                <a16:creationId xmlns:a16="http://schemas.microsoft.com/office/drawing/2014/main" id="{8D05AEB4-190E-4321-82A0-392CD1955B55}"/>
+              </a:ext>
+            </a:extLst>
+          </p:cNvPr>
+          <p:cNvPicPr>
+            <a:picLocks noChangeAspect="1"/>
+          </p:cNvPicPr>
+          <p:nvPr/>
+        </p:nvPicPr>
+        <p:blipFill rotWithShape="1">
+          <a:blip r:embed="rId26"/>
+          <a:srcRect t="-17" b="871"/>
+          <a:stretch/>
+        </p:blipFill>
+        <p:spPr>
+          <a:xfrm>
+            <a:off x="5533982" y="3110945"/>
+            <a:ext cx="5344271" cy="3575468"/>
+          </a:xfrm>
+          <a:prstGeom prst="roundRect">
+            <a:avLst>
+              <a:gd name="adj" fmla="val 5106"/>
             </a:avLst>
           </a:prstGeom>
           <a:solidFill>
@@ -17959,10 +18666,10 @@
       </p:pic>
       <p:pic>
         <p:nvPicPr>
-          <p:cNvPr id="28" name="Elemento grafico 27" descr="Database con riempimento a tinta unita">
+          <p:cNvPr id="29" name="Elemento grafico 28" descr="Idrante antincendio rotto con riempimento a tinta unita">
             <a:extLst>
               <a:ext uri="{FF2B5EF4-FFF2-40B4-BE49-F238E27FC236}">
-                <a16:creationId xmlns:a16="http://schemas.microsoft.com/office/drawing/2014/main" id="{FE08B14E-79F9-4B5A-8ABF-0ED56DDC9318}"/>
+                <a16:creationId xmlns:a16="http://schemas.microsoft.com/office/drawing/2014/main" id="{9F24419D-4810-4125-8C07-19112F6BDF14}"/>
               </a:ext>
             </a:extLst>
           </p:cNvPr>
@@ -17984,42 +18691,7 @@
         </p:blipFill>
         <p:spPr>
           <a:xfrm>
-            <a:off x="242109" y="4659960"/>
-            <a:ext cx="718368" cy="718368"/>
-          </a:xfrm>
-          <a:prstGeom prst="rect">
-            <a:avLst/>
-          </a:prstGeom>
-        </p:spPr>
-      </p:pic>
-      <p:pic>
-        <p:nvPicPr>
-          <p:cNvPr id="29" name="Elemento grafico 28" descr="Idrante antincendio rotto con riempimento a tinta unita">
-            <a:extLst>
-              <a:ext uri="{FF2B5EF4-FFF2-40B4-BE49-F238E27FC236}">
-                <a16:creationId xmlns:a16="http://schemas.microsoft.com/office/drawing/2014/main" id="{9F24419D-4810-4125-8C07-19112F6BDF14}"/>
-              </a:ext>
-            </a:extLst>
-          </p:cNvPr>
-          <p:cNvPicPr>
-            <a:picLocks noChangeAspect="1"/>
-          </p:cNvPicPr>
-          <p:nvPr/>
-        </p:nvPicPr>
-        <p:blipFill>
-          <a:blip r:embed="rId22">
-            <a:extLst>
-              <a:ext uri="{96DAC541-7B7A-43D3-8B79-37D633B846F1}">
-                <asvg:svgBlip xmlns:asvg="http://schemas.microsoft.com/office/drawing/2016/SVG/main" r:embed="rId23"/>
-              </a:ext>
-            </a:extLst>
-          </a:blip>
-          <a:srcRect/>
-          <a:stretch/>
-        </p:blipFill>
-        <p:spPr>
-          <a:xfrm>
-            <a:off x="242109" y="5744747"/>
+            <a:off x="262777" y="4703160"/>
             <a:ext cx="720000" cy="720000"/>
           </a:xfrm>
           <a:prstGeom prst="rect">
@@ -18082,7 +18754,7 @@
         </p:nvSpPr>
         <p:spPr>
           <a:xfrm>
-            <a:off x="1959182" y="2151728"/>
+            <a:off x="1804952" y="2046175"/>
             <a:ext cx="3640347" cy="2554545"/>
           </a:xfrm>
           <a:prstGeom prst="rect">
@@ -18118,10 +18790,10 @@
           <p:nvPr/>
         </p:nvPicPr>
         <p:blipFill>
-          <a:blip r:embed="rId24">
+          <a:blip r:embed="rId22">
             <a:extLst>
               <a:ext uri="{96DAC541-7B7A-43D3-8B79-37D633B846F1}">
-                <asvg:svgBlip xmlns:asvg="http://schemas.microsoft.com/office/drawing/2016/SVG/main" r:embed="rId25"/>
+                <asvg:svgBlip xmlns:asvg="http://schemas.microsoft.com/office/drawing/2016/SVG/main" r:embed="rId23"/>
               </a:ext>
             </a:extLst>
           </a:blip>
@@ -18140,10 +18812,10 @@
       </p:pic>
       <p:pic>
         <p:nvPicPr>
-          <p:cNvPr id="4" name="Immagine 3">
+          <p:cNvPr id="32" name="Segnaposto contenuto 9" descr="Utente con riempimento a tinta unita">
             <a:extLst>
               <a:ext uri="{FF2B5EF4-FFF2-40B4-BE49-F238E27FC236}">
-                <a16:creationId xmlns:a16="http://schemas.microsoft.com/office/drawing/2014/main" id="{4D166457-A572-43CA-A804-6FA157B077CF}"/>
+                <a16:creationId xmlns:a16="http://schemas.microsoft.com/office/drawing/2014/main" id="{6B88E99A-7F83-41B4-8469-A080F7E4B99E}"/>
               </a:ext>
             </a:extLst>
           </p:cNvPr>
@@ -18153,19 +18825,53 @@
           <p:nvPr/>
         </p:nvPicPr>
         <p:blipFill>
-          <a:blip r:embed="rId26"/>
-          <a:stretch>
-            <a:fillRect/>
-          </a:stretch>
+          <a:blip r:embed="rId6">
+            <a:extLst>
+              <a:ext uri="{96DAC541-7B7A-43D3-8B79-37D633B846F1}">
+                <asvg:svgBlip xmlns:asvg="http://schemas.microsoft.com/office/drawing/2016/SVG/main" r:embed="rId7"/>
+              </a:ext>
+            </a:extLst>
+          </a:blip>
+          <a:srcRect/>
+          <a:stretch/>
         </p:blipFill>
         <p:spPr>
           <a:xfrm>
-            <a:off x="5599529" y="1480535"/>
-            <a:ext cx="6329694" cy="3896929"/>
+            <a:off x="-938543" y="3607573"/>
+            <a:ext cx="718368" cy="718368"/>
+          </a:xfrm>
+          <a:prstGeom prst="rect">
+            <a:avLst/>
+          </a:prstGeom>
+        </p:spPr>
+      </p:pic>
+      <p:pic>
+        <p:nvPicPr>
+          <p:cNvPr id="7" name="Immagine 6">
+            <a:extLst>
+              <a:ext uri="{FF2B5EF4-FFF2-40B4-BE49-F238E27FC236}">
+                <a16:creationId xmlns:a16="http://schemas.microsoft.com/office/drawing/2014/main" id="{545A04B0-7A22-4D0F-BE76-1E260CB3CFAB}"/>
+              </a:ext>
+            </a:extLst>
+          </p:cNvPr>
+          <p:cNvPicPr>
+            <a:picLocks noChangeAspect="1"/>
+          </p:cNvPicPr>
+          <p:nvPr/>
+        </p:nvPicPr>
+        <p:blipFill rotWithShape="1">
+          <a:blip r:embed="rId24"/>
+          <a:srcRect t="2458" b="1916"/>
+          <a:stretch/>
+        </p:blipFill>
+        <p:spPr>
+          <a:xfrm>
+            <a:off x="6361970" y="211460"/>
+            <a:ext cx="3732764" cy="1336864"/>
           </a:xfrm>
           <a:prstGeom prst="roundRect">
             <a:avLst>
-              <a:gd name="adj" fmla="val 3881"/>
+              <a:gd name="adj" fmla="val 8594"/>
             </a:avLst>
           </a:prstGeom>
           <a:solidFill>
@@ -18181,10 +18887,10 @@
       </p:pic>
       <p:pic>
         <p:nvPicPr>
-          <p:cNvPr id="32" name="Segnaposto contenuto 9" descr="Utente con riempimento a tinta unita">
+          <p:cNvPr id="33" name="Immagine 32">
             <a:extLst>
               <a:ext uri="{FF2B5EF4-FFF2-40B4-BE49-F238E27FC236}">
-                <a16:creationId xmlns:a16="http://schemas.microsoft.com/office/drawing/2014/main" id="{6B88E99A-7F83-41B4-8469-A080F7E4B99E}"/>
+                <a16:creationId xmlns:a16="http://schemas.microsoft.com/office/drawing/2014/main" id="{E50D6B47-9A1B-4B06-AF1A-AE9847C7C84A}"/>
               </a:ext>
             </a:extLst>
           </p:cNvPr>
@@ -18193,25 +18899,70 @@
           </p:cNvPicPr>
           <p:nvPr/>
         </p:nvPicPr>
-        <p:blipFill>
-          <a:blip r:embed="rId6">
-            <a:extLst>
-              <a:ext uri="{96DAC541-7B7A-43D3-8B79-37D633B846F1}">
-                <asvg:svgBlip xmlns:asvg="http://schemas.microsoft.com/office/drawing/2016/SVG/main" r:embed="rId7"/>
-              </a:ext>
-            </a:extLst>
-          </a:blip>
-          <a:srcRect/>
+        <p:blipFill rotWithShape="1">
+          <a:blip r:embed="rId25"/>
+          <a:srcRect t="167" r="-817" b="-1795"/>
           <a:stretch/>
         </p:blipFill>
         <p:spPr>
           <a:xfrm>
-            <a:off x="-938543" y="3607573"/>
-            <a:ext cx="718368" cy="718368"/>
+            <a:off x="6128544" y="1704416"/>
+            <a:ext cx="4295937" cy="2333508"/>
           </a:xfrm>
-          <a:prstGeom prst="rect">
-            <a:avLst/>
+          <a:prstGeom prst="roundRect">
+            <a:avLst>
+              <a:gd name="adj" fmla="val 8594"/>
+            </a:avLst>
           </a:prstGeom>
+          <a:solidFill>
+            <a:srgbClr val="FFFFFF">
+              <a:shade val="85000"/>
+            </a:srgbClr>
+          </a:solidFill>
+          <a:ln>
+            <a:noFill/>
+          </a:ln>
+          <a:effectLst/>
+        </p:spPr>
+      </p:pic>
+      <p:pic>
+        <p:nvPicPr>
+          <p:cNvPr id="35" name="Immagine 34">
+            <a:extLst>
+              <a:ext uri="{FF2B5EF4-FFF2-40B4-BE49-F238E27FC236}">
+                <a16:creationId xmlns:a16="http://schemas.microsoft.com/office/drawing/2014/main" id="{D53F7807-0E17-4B92-BD9D-DC79B3289039}"/>
+              </a:ext>
+            </a:extLst>
+          </p:cNvPr>
+          <p:cNvPicPr>
+            <a:picLocks noChangeAspect="1"/>
+          </p:cNvPicPr>
+          <p:nvPr/>
+        </p:nvPicPr>
+        <p:blipFill rotWithShape="1">
+          <a:blip r:embed="rId26"/>
+          <a:srcRect t="318" b="318"/>
+          <a:stretch/>
+        </p:blipFill>
+        <p:spPr>
+          <a:xfrm>
+            <a:off x="5716978" y="4223703"/>
+            <a:ext cx="5119070" cy="2149089"/>
+          </a:xfrm>
+          <a:prstGeom prst="roundRect">
+            <a:avLst>
+              <a:gd name="adj" fmla="val 8594"/>
+            </a:avLst>
+          </a:prstGeom>
+          <a:solidFill>
+            <a:srgbClr val="FFFFFF">
+              <a:shade val="85000"/>
+            </a:srgbClr>
+          </a:solidFill>
+          <a:ln>
+            <a:noFill/>
+          </a:ln>
+          <a:effectLst/>
         </p:spPr>
       </p:pic>
     </p:spTree>
@@ -18266,10 +19017,10 @@
       </p:grpSpPr>
       <p:pic>
         <p:nvPicPr>
-          <p:cNvPr id="3" name="Immagine 2">
+          <p:cNvPr id="6" name="Immagine 5">
             <a:extLst>
               <a:ext uri="{FF2B5EF4-FFF2-40B4-BE49-F238E27FC236}">
-                <a16:creationId xmlns:a16="http://schemas.microsoft.com/office/drawing/2014/main" id="{9FE48885-3C1A-4AFF-A249-2136F8D4632C}"/>
+                <a16:creationId xmlns:a16="http://schemas.microsoft.com/office/drawing/2014/main" id="{34E6269D-AA7B-4BF2-9CDB-D2F5826A00E6}"/>
               </a:ext>
             </a:extLst>
           </p:cNvPr>
@@ -18286,8 +19037,95 @@
         </p:blipFill>
         <p:spPr>
           <a:xfrm>
-            <a:off x="17183" y="1864246"/>
-            <a:ext cx="1212540" cy="5534797"/>
+            <a:off x="25273" y="36513"/>
+            <a:ext cx="1000265" cy="6857999"/>
+          </a:xfrm>
+          <a:prstGeom prst="rect">
+            <a:avLst/>
+          </a:prstGeom>
+        </p:spPr>
+      </p:pic>
+      <p:sp>
+        <p:nvSpPr>
+          <p:cNvPr id="13" name="Ovale 12">
+            <a:extLst>
+              <a:ext uri="{FF2B5EF4-FFF2-40B4-BE49-F238E27FC236}">
+                <a16:creationId xmlns:a16="http://schemas.microsoft.com/office/drawing/2014/main" id="{561EB7DC-28DB-4BE1-9152-D0201F3020AE}"/>
+              </a:ext>
+            </a:extLst>
+          </p:cNvPr>
+          <p:cNvSpPr/>
+          <p:nvPr/>
+        </p:nvSpPr>
+        <p:spPr>
+          <a:xfrm>
+            <a:off x="862867" y="4926709"/>
+            <a:ext cx="828000" cy="828000"/>
+          </a:xfrm>
+          <a:prstGeom prst="ellipse">
+            <a:avLst/>
+          </a:prstGeom>
+          <a:solidFill>
+            <a:schemeClr val="tx1"/>
+          </a:solidFill>
+          <a:ln>
+            <a:noFill/>
+          </a:ln>
+        </p:spPr>
+        <p:style>
+          <a:lnRef idx="2">
+            <a:schemeClr val="accent1">
+              <a:shade val="50000"/>
+            </a:schemeClr>
+          </a:lnRef>
+          <a:fillRef idx="1">
+            <a:schemeClr val="accent1"/>
+          </a:fillRef>
+          <a:effectRef idx="0">
+            <a:schemeClr val="accent1"/>
+          </a:effectRef>
+          <a:fontRef idx="minor">
+            <a:schemeClr val="lt1"/>
+          </a:fontRef>
+        </p:style>
+        <p:txBody>
+          <a:bodyPr rtlCol="0" anchor="ctr"/>
+          <a:lstStyle/>
+          <a:p>
+            <a:pPr algn="ctr"/>
+            <a:endParaRPr lang="it-IT" b="1"/>
+          </a:p>
+        </p:txBody>
+      </p:sp>
+      <p:pic>
+        <p:nvPicPr>
+          <p:cNvPr id="3" name="Elemento grafico 2" descr="Idrante antincendio rotto con riempimento a tinta unita">
+            <a:extLst>
+              <a:ext uri="{FF2B5EF4-FFF2-40B4-BE49-F238E27FC236}">
+                <a16:creationId xmlns:a16="http://schemas.microsoft.com/office/drawing/2014/main" id="{E3606FC0-F891-4ED0-8CB2-E32D0784998D}"/>
+              </a:ext>
+            </a:extLst>
+          </p:cNvPr>
+          <p:cNvPicPr>
+            <a:picLocks noChangeAspect="1"/>
+          </p:cNvPicPr>
+          <p:nvPr/>
+        </p:nvPicPr>
+        <p:blipFill>
+          <a:blip r:embed="rId3">
+            <a:extLst>
+              <a:ext uri="{96DAC541-7B7A-43D3-8B79-37D633B846F1}">
+                <asvg:svgBlip xmlns:asvg="http://schemas.microsoft.com/office/drawing/2016/SVG/main" r:embed="rId4"/>
+              </a:ext>
+            </a:extLst>
+          </a:blip>
+          <a:srcRect/>
+          <a:stretch/>
+        </p:blipFill>
+        <p:spPr>
+          <a:xfrm>
+            <a:off x="916867" y="4972651"/>
+            <a:ext cx="720000" cy="720000"/>
           </a:xfrm>
           <a:prstGeom prst="rect">
             <a:avLst/>
@@ -18343,7 +19181,7 @@
         </p:nvSpPr>
         <p:spPr>
           <a:xfrm>
-            <a:off x="-921548" y="1364309"/>
+            <a:off x="-949054" y="1416538"/>
             <a:ext cx="828000" cy="828000"/>
           </a:xfrm>
           <a:prstGeom prst="ellipse">
@@ -18447,7 +19285,7 @@
         </p:nvSpPr>
         <p:spPr>
           <a:xfrm>
-            <a:off x="-940463" y="3616422"/>
+            <a:off x="-977369" y="3610306"/>
             <a:ext cx="828000" cy="828000"/>
           </a:xfrm>
           <a:prstGeom prst="ellipse">
@@ -18499,7 +19337,7 @@
         </p:nvSpPr>
         <p:spPr>
           <a:xfrm>
-            <a:off x="815723" y="4605144"/>
+            <a:off x="-977369" y="4703716"/>
             <a:ext cx="828000" cy="828000"/>
           </a:xfrm>
           <a:prstGeom prst="ellipse">
@@ -18537,12 +19375,156 @@
           </a:p>
         </p:txBody>
       </p:sp>
+      <p:pic>
+        <p:nvPicPr>
+          <p:cNvPr id="14" name="Elemento grafico 13" descr="Tiro a segno contorno">
+            <a:extLst>
+              <a:ext uri="{FF2B5EF4-FFF2-40B4-BE49-F238E27FC236}">
+                <a16:creationId xmlns:a16="http://schemas.microsoft.com/office/drawing/2014/main" id="{3C27E02F-4946-4FEC-BD68-B2104A1DA230}"/>
+              </a:ext>
+            </a:extLst>
+          </p:cNvPr>
+          <p:cNvPicPr>
+            <a:picLocks noChangeAspect="1"/>
+          </p:cNvPicPr>
+          <p:nvPr/>
+        </p:nvPicPr>
+        <p:blipFill>
+          <a:blip r:embed="rId5">
+            <a:extLst>
+              <a:ext uri="{96DAC541-7B7A-43D3-8B79-37D633B846F1}">
+                <asvg:svgBlip xmlns:asvg="http://schemas.microsoft.com/office/drawing/2016/SVG/main" r:embed="rId6"/>
+              </a:ext>
+            </a:extLst>
+          </a:blip>
+          <a:stretch>
+            <a:fillRect/>
+          </a:stretch>
+        </p:blipFill>
+        <p:spPr>
+          <a:xfrm>
+            <a:off x="-866732" y="320812"/>
+            <a:ext cx="718368" cy="718368"/>
+          </a:xfrm>
+          <a:prstGeom prst="rect">
+            <a:avLst/>
+          </a:prstGeom>
+        </p:spPr>
+      </p:pic>
+      <p:pic>
+        <p:nvPicPr>
+          <p:cNvPr id="15" name="Elemento grafico 14" descr="Ingranaggi contorno">
+            <a:extLst>
+              <a:ext uri="{FF2B5EF4-FFF2-40B4-BE49-F238E27FC236}">
+                <a16:creationId xmlns:a16="http://schemas.microsoft.com/office/drawing/2014/main" id="{C5039894-E757-4503-8F78-9ECB13AFDAED}"/>
+              </a:ext>
+            </a:extLst>
+          </p:cNvPr>
+          <p:cNvPicPr>
+            <a:picLocks noChangeAspect="1"/>
+          </p:cNvPicPr>
+          <p:nvPr/>
+        </p:nvPicPr>
+        <p:blipFill>
+          <a:blip r:embed="rId7">
+            <a:extLst>
+              <a:ext uri="{96DAC541-7B7A-43D3-8B79-37D633B846F1}">
+                <asvg:svgBlip xmlns:asvg="http://schemas.microsoft.com/office/drawing/2016/SVG/main" r:embed="rId8"/>
+              </a:ext>
+            </a:extLst>
+          </a:blip>
+          <a:stretch>
+            <a:fillRect/>
+          </a:stretch>
+        </p:blipFill>
+        <p:spPr>
+          <a:xfrm>
+            <a:off x="-894238" y="1472123"/>
+            <a:ext cx="718368" cy="718368"/>
+          </a:xfrm>
+          <a:prstGeom prst="rect">
+            <a:avLst/>
+          </a:prstGeom>
+        </p:spPr>
+      </p:pic>
+      <p:pic>
+        <p:nvPicPr>
+          <p:cNvPr id="18" name="Segnaposto contenuto 9" descr="Utente contorno">
+            <a:extLst>
+              <a:ext uri="{FF2B5EF4-FFF2-40B4-BE49-F238E27FC236}">
+                <a16:creationId xmlns:a16="http://schemas.microsoft.com/office/drawing/2014/main" id="{641F713D-465F-4B4B-938D-2DA6E056A207}"/>
+              </a:ext>
+            </a:extLst>
+          </p:cNvPr>
+          <p:cNvPicPr>
+            <a:picLocks noChangeAspect="1"/>
+          </p:cNvPicPr>
+          <p:nvPr/>
+        </p:nvPicPr>
+        <p:blipFill>
+          <a:blip r:embed="rId9">
+            <a:extLst>
+              <a:ext uri="{96DAC541-7B7A-43D3-8B79-37D633B846F1}">
+                <asvg:svgBlip xmlns:asvg="http://schemas.microsoft.com/office/drawing/2016/SVG/main" r:embed="rId10"/>
+              </a:ext>
+            </a:extLst>
+          </a:blip>
+          <a:stretch>
+            <a:fillRect/>
+          </a:stretch>
+        </p:blipFill>
+        <p:spPr>
+          <a:xfrm>
+            <a:off x="-922553" y="3607990"/>
+            <a:ext cx="718368" cy="718368"/>
+          </a:xfrm>
+          <a:prstGeom prst="rect">
+            <a:avLst/>
+          </a:prstGeom>
+        </p:spPr>
+      </p:pic>
+      <p:pic>
+        <p:nvPicPr>
+          <p:cNvPr id="19" name="Elemento grafico 18" descr="Database contorno">
+            <a:extLst>
+              <a:ext uri="{FF2B5EF4-FFF2-40B4-BE49-F238E27FC236}">
+                <a16:creationId xmlns:a16="http://schemas.microsoft.com/office/drawing/2014/main" id="{6B007BB4-3D91-406F-8527-FC090EE17250}"/>
+              </a:ext>
+            </a:extLst>
+          </p:cNvPr>
+          <p:cNvPicPr>
+            <a:picLocks noChangeAspect="1"/>
+          </p:cNvPicPr>
+          <p:nvPr/>
+        </p:nvPicPr>
+        <p:blipFill>
+          <a:blip r:embed="rId11">
+            <a:extLst>
+              <a:ext uri="{96DAC541-7B7A-43D3-8B79-37D633B846F1}">
+                <asvg:svgBlip xmlns:asvg="http://schemas.microsoft.com/office/drawing/2016/SVG/main" r:embed="rId12"/>
+              </a:ext>
+            </a:extLst>
+          </a:blip>
+          <a:stretch>
+            <a:fillRect/>
+          </a:stretch>
+        </p:blipFill>
+        <p:spPr>
+          <a:xfrm>
+            <a:off x="-922553" y="4762395"/>
+            <a:ext cx="718368" cy="718368"/>
+          </a:xfrm>
+          <a:prstGeom prst="rect">
+            <a:avLst/>
+          </a:prstGeom>
+        </p:spPr>
+      </p:pic>
       <p:sp>
         <p:nvSpPr>
-          <p:cNvPr id="13" name="Ovale 12">
+          <p:cNvPr id="20" name="Ovale 19">
             <a:extLst>
               <a:ext uri="{FF2B5EF4-FFF2-40B4-BE49-F238E27FC236}">
-                <a16:creationId xmlns:a16="http://schemas.microsoft.com/office/drawing/2014/main" id="{561EB7DC-28DB-4BE1-9152-D0201F3020AE}"/>
+                <a16:creationId xmlns:a16="http://schemas.microsoft.com/office/drawing/2014/main" id="{A14AC0E5-863B-46F8-BEA7-832DDCAB9BCF}"/>
               </a:ext>
             </a:extLst>
           </p:cNvPr>
@@ -18551,7 +19533,7 @@
         </p:nvSpPr>
         <p:spPr>
           <a:xfrm>
-            <a:off x="-921548" y="5744747"/>
+            <a:off x="-977369" y="2402514"/>
             <a:ext cx="828000" cy="828000"/>
           </a:xfrm>
           <a:prstGeom prst="ellipse">
@@ -18591,10 +19573,10 @@
       </p:sp>
       <p:pic>
         <p:nvPicPr>
-          <p:cNvPr id="14" name="Elemento grafico 13" descr="Tiro a segno contorno">
+          <p:cNvPr id="21" name="Segnaposto contenuto 7" descr="Blockchain contorno">
             <a:extLst>
               <a:ext uri="{FF2B5EF4-FFF2-40B4-BE49-F238E27FC236}">
-                <a16:creationId xmlns:a16="http://schemas.microsoft.com/office/drawing/2014/main" id="{3C27E02F-4946-4FEC-BD68-B2104A1DA230}"/>
+                <a16:creationId xmlns:a16="http://schemas.microsoft.com/office/drawing/2014/main" id="{7A6AF9BE-EC89-47A6-9ED7-D20D7E216234}"/>
               </a:ext>
             </a:extLst>
           </p:cNvPr>
@@ -18604,10 +19586,10 @@
           <p:nvPr/>
         </p:nvPicPr>
         <p:blipFill>
-          <a:blip r:embed="rId3">
+          <a:blip r:embed="rId13">
             <a:extLst>
               <a:ext uri="{96DAC541-7B7A-43D3-8B79-37D633B846F1}">
-                <asvg:svgBlip xmlns:asvg="http://schemas.microsoft.com/office/drawing/2016/SVG/main" r:embed="rId4"/>
+                <asvg:svgBlip xmlns:asvg="http://schemas.microsoft.com/office/drawing/2016/SVG/main" r:embed="rId14"/>
               </a:ext>
             </a:extLst>
           </a:blip>
@@ -18617,202 +19599,7 @@
         </p:blipFill>
         <p:spPr>
           <a:xfrm>
-            <a:off x="-866732" y="320812"/>
-            <a:ext cx="718368" cy="718368"/>
-          </a:xfrm>
-          <a:prstGeom prst="rect">
-            <a:avLst/>
-          </a:prstGeom>
-        </p:spPr>
-      </p:pic>
-      <p:pic>
-        <p:nvPicPr>
-          <p:cNvPr id="15" name="Elemento grafico 14" descr="Ingranaggi contorno">
-            <a:extLst>
-              <a:ext uri="{FF2B5EF4-FFF2-40B4-BE49-F238E27FC236}">
-                <a16:creationId xmlns:a16="http://schemas.microsoft.com/office/drawing/2014/main" id="{C5039894-E757-4503-8F78-9ECB13AFDAED}"/>
-              </a:ext>
-            </a:extLst>
-          </p:cNvPr>
-          <p:cNvPicPr>
-            <a:picLocks noChangeAspect="1"/>
-          </p:cNvPicPr>
-          <p:nvPr/>
-        </p:nvPicPr>
-        <p:blipFill>
-          <a:blip r:embed="rId5">
-            <a:extLst>
-              <a:ext uri="{96DAC541-7B7A-43D3-8B79-37D633B846F1}">
-                <asvg:svgBlip xmlns:asvg="http://schemas.microsoft.com/office/drawing/2016/SVG/main" r:embed="rId6"/>
-              </a:ext>
-            </a:extLst>
-          </a:blip>
-          <a:stretch>
-            <a:fillRect/>
-          </a:stretch>
-        </p:blipFill>
-        <p:spPr>
-          <a:xfrm>
-            <a:off x="-866732" y="1416399"/>
-            <a:ext cx="718368" cy="718368"/>
-          </a:xfrm>
-          <a:prstGeom prst="rect">
-            <a:avLst/>
-          </a:prstGeom>
-        </p:spPr>
-      </p:pic>
-      <p:pic>
-        <p:nvPicPr>
-          <p:cNvPr id="18" name="Segnaposto contenuto 9" descr="Utente contorno">
-            <a:extLst>
-              <a:ext uri="{FF2B5EF4-FFF2-40B4-BE49-F238E27FC236}">
-                <a16:creationId xmlns:a16="http://schemas.microsoft.com/office/drawing/2014/main" id="{641F713D-465F-4B4B-938D-2DA6E056A207}"/>
-              </a:ext>
-            </a:extLst>
-          </p:cNvPr>
-          <p:cNvPicPr>
-            <a:picLocks noChangeAspect="1"/>
-          </p:cNvPicPr>
-          <p:nvPr/>
-        </p:nvPicPr>
-        <p:blipFill>
-          <a:blip r:embed="rId7">
-            <a:extLst>
-              <a:ext uri="{96DAC541-7B7A-43D3-8B79-37D633B846F1}">
-                <asvg:svgBlip xmlns:asvg="http://schemas.microsoft.com/office/drawing/2016/SVG/main" r:embed="rId8"/>
-              </a:ext>
-            </a:extLst>
-          </a:blip>
-          <a:stretch>
-            <a:fillRect/>
-          </a:stretch>
-        </p:blipFill>
-        <p:spPr>
-          <a:xfrm>
-            <a:off x="-894238" y="3607573"/>
-            <a:ext cx="718368" cy="718368"/>
-          </a:xfrm>
-          <a:prstGeom prst="rect">
-            <a:avLst/>
-          </a:prstGeom>
-        </p:spPr>
-      </p:pic>
-      <p:pic>
-        <p:nvPicPr>
-          <p:cNvPr id="19" name="Elemento grafico 18" descr="Database con riempimento a tinta unita">
-            <a:extLst>
-              <a:ext uri="{FF2B5EF4-FFF2-40B4-BE49-F238E27FC236}">
-                <a16:creationId xmlns:a16="http://schemas.microsoft.com/office/drawing/2014/main" id="{6B007BB4-3D91-406F-8527-FC090EE17250}"/>
-              </a:ext>
-            </a:extLst>
-          </p:cNvPr>
-          <p:cNvPicPr>
-            <a:picLocks noChangeAspect="1"/>
-          </p:cNvPicPr>
-          <p:nvPr/>
-        </p:nvPicPr>
-        <p:blipFill>
-          <a:blip r:embed="rId9">
-            <a:extLst>
-              <a:ext uri="{96DAC541-7B7A-43D3-8B79-37D633B846F1}">
-                <asvg:svgBlip xmlns:asvg="http://schemas.microsoft.com/office/drawing/2016/SVG/main" r:embed="rId10"/>
-              </a:ext>
-            </a:extLst>
-          </a:blip>
-          <a:srcRect/>
-          <a:stretch/>
-        </p:blipFill>
-        <p:spPr>
-          <a:xfrm>
-            <a:off x="870539" y="4659960"/>
-            <a:ext cx="718368" cy="718368"/>
-          </a:xfrm>
-          <a:prstGeom prst="rect">
-            <a:avLst/>
-          </a:prstGeom>
-        </p:spPr>
-      </p:pic>
-      <p:sp>
-        <p:nvSpPr>
-          <p:cNvPr id="20" name="Ovale 19">
-            <a:extLst>
-              <a:ext uri="{FF2B5EF4-FFF2-40B4-BE49-F238E27FC236}">
-                <a16:creationId xmlns:a16="http://schemas.microsoft.com/office/drawing/2014/main" id="{A14AC0E5-863B-46F8-BEA7-832DDCAB9BCF}"/>
-              </a:ext>
-            </a:extLst>
-          </p:cNvPr>
-          <p:cNvSpPr/>
-          <p:nvPr/>
-        </p:nvSpPr>
-        <p:spPr>
-          <a:xfrm>
-            <a:off x="-921548" y="2493019"/>
-            <a:ext cx="828000" cy="828000"/>
-          </a:xfrm>
-          <a:prstGeom prst="ellipse">
-            <a:avLst/>
-          </a:prstGeom>
-          <a:solidFill>
-            <a:schemeClr val="tx1"/>
-          </a:solidFill>
-          <a:ln>
-            <a:noFill/>
-          </a:ln>
-        </p:spPr>
-        <p:style>
-          <a:lnRef idx="2">
-            <a:schemeClr val="accent1">
-              <a:shade val="50000"/>
-            </a:schemeClr>
-          </a:lnRef>
-          <a:fillRef idx="1">
-            <a:schemeClr val="accent1"/>
-          </a:fillRef>
-          <a:effectRef idx="0">
-            <a:schemeClr val="accent1"/>
-          </a:effectRef>
-          <a:fontRef idx="minor">
-            <a:schemeClr val="lt1"/>
-          </a:fontRef>
-        </p:style>
-        <p:txBody>
-          <a:bodyPr rtlCol="0" anchor="ctr"/>
-          <a:lstStyle/>
-          <a:p>
-            <a:pPr algn="ctr"/>
-            <a:endParaRPr lang="it-IT" b="1"/>
-          </a:p>
-        </p:txBody>
-      </p:sp>
-      <p:pic>
-        <p:nvPicPr>
-          <p:cNvPr id="21" name="Segnaposto contenuto 7" descr="Blockchain contorno">
-            <a:extLst>
-              <a:ext uri="{FF2B5EF4-FFF2-40B4-BE49-F238E27FC236}">
-                <a16:creationId xmlns:a16="http://schemas.microsoft.com/office/drawing/2014/main" id="{7A6AF9BE-EC89-47A6-9ED7-D20D7E216234}"/>
-              </a:ext>
-            </a:extLst>
-          </p:cNvPr>
-          <p:cNvPicPr>
-            <a:picLocks noChangeAspect="1"/>
-          </p:cNvPicPr>
-          <p:nvPr/>
-        </p:nvPicPr>
-        <p:blipFill>
-          <a:blip r:embed="rId11">
-            <a:extLst>
-              <a:ext uri="{96DAC541-7B7A-43D3-8B79-37D633B846F1}">
-                <asvg:svgBlip xmlns:asvg="http://schemas.microsoft.com/office/drawing/2016/SVG/main" r:embed="rId12"/>
-              </a:ext>
-            </a:extLst>
-          </a:blip>
-          <a:stretch>
-            <a:fillRect/>
-          </a:stretch>
-        </p:blipFill>
-        <p:spPr>
-          <a:xfrm>
-            <a:off x="-866732" y="2511986"/>
+            <a:off x="-922553" y="2450046"/>
             <a:ext cx="718368" cy="718368"/>
           </a:xfrm>
           <a:prstGeom prst="rect">
@@ -18834,7 +19621,7 @@
         </p:nvSpPr>
         <p:spPr>
           <a:xfrm flipH="1">
-            <a:off x="0" y="-6459842"/>
+            <a:off x="-8202" y="-6124433"/>
             <a:ext cx="1229723" cy="22957972"/>
           </a:xfrm>
           <a:custGeom>
@@ -19094,1265 +19881,6 @@
           <p:nvPr/>
         </p:nvPicPr>
         <p:blipFill>
-          <a:blip r:embed="rId13">
-            <a:extLst>
-              <a:ext uri="{96DAC541-7B7A-43D3-8B79-37D633B846F1}">
-                <asvg:svgBlip xmlns:asvg="http://schemas.microsoft.com/office/drawing/2016/SVG/main" r:embed="rId14"/>
-              </a:ext>
-            </a:extLst>
-          </a:blip>
-          <a:srcRect/>
-          <a:stretch/>
-        </p:blipFill>
-        <p:spPr>
-          <a:xfrm>
-            <a:off x="242109" y="320812"/>
-            <a:ext cx="718368" cy="718368"/>
-          </a:xfrm>
-          <a:prstGeom prst="rect">
-            <a:avLst/>
-          </a:prstGeom>
-        </p:spPr>
-      </p:pic>
-      <p:pic>
-        <p:nvPicPr>
-          <p:cNvPr id="24" name="Elemento grafico 23" descr="Singolo ingranaggio con riempimento a tinta unita">
-            <a:extLst>
-              <a:ext uri="{FF2B5EF4-FFF2-40B4-BE49-F238E27FC236}">
-                <a16:creationId xmlns:a16="http://schemas.microsoft.com/office/drawing/2014/main" id="{F09C701D-C4FF-49D0-8ACF-9081D6B21E82}"/>
-              </a:ext>
-            </a:extLst>
-          </p:cNvPr>
-          <p:cNvPicPr>
-            <a:picLocks noChangeAspect="1"/>
-          </p:cNvPicPr>
-          <p:nvPr/>
-        </p:nvPicPr>
-        <p:blipFill>
-          <a:blip r:embed="rId15">
-            <a:extLst>
-              <a:ext uri="{96DAC541-7B7A-43D3-8B79-37D633B846F1}">
-                <asvg:svgBlip xmlns:asvg="http://schemas.microsoft.com/office/drawing/2016/SVG/main" r:embed="rId16"/>
-              </a:ext>
-            </a:extLst>
-          </a:blip>
-          <a:srcRect/>
-          <a:stretch/>
-        </p:blipFill>
-        <p:spPr>
-          <a:xfrm>
-            <a:off x="242109" y="1405599"/>
-            <a:ext cx="718368" cy="718368"/>
-          </a:xfrm>
-          <a:prstGeom prst="rect">
-            <a:avLst/>
-          </a:prstGeom>
-        </p:spPr>
-      </p:pic>
-      <p:pic>
-        <p:nvPicPr>
-          <p:cNvPr id="26" name="Segnaposto contenuto 7" descr="Blockchain contorno">
-            <a:extLst>
-              <a:ext uri="{FF2B5EF4-FFF2-40B4-BE49-F238E27FC236}">
-                <a16:creationId xmlns:a16="http://schemas.microsoft.com/office/drawing/2014/main" id="{51A6216D-564A-4B11-80EF-CD948BC17C72}"/>
-              </a:ext>
-            </a:extLst>
-          </p:cNvPr>
-          <p:cNvPicPr>
-            <a:picLocks noChangeAspect="1"/>
-          </p:cNvPicPr>
-          <p:nvPr/>
-        </p:nvPicPr>
-        <p:blipFill>
-          <a:blip r:embed="rId17">
-            <a:extLst>
-              <a:ext uri="{96DAC541-7B7A-43D3-8B79-37D633B846F1}">
-                <asvg:svgBlip xmlns:asvg="http://schemas.microsoft.com/office/drawing/2016/SVG/main" r:embed="rId18"/>
-              </a:ext>
-            </a:extLst>
-          </a:blip>
-          <a:stretch>
-            <a:fillRect/>
-          </a:stretch>
-        </p:blipFill>
-        <p:spPr>
-          <a:xfrm>
-            <a:off x="242109" y="2490386"/>
-            <a:ext cx="718368" cy="718368"/>
-          </a:xfrm>
-          <a:prstGeom prst="rect">
-            <a:avLst/>
-          </a:prstGeom>
-        </p:spPr>
-      </p:pic>
-      <p:pic>
-        <p:nvPicPr>
-          <p:cNvPr id="27" name="Segnaposto contenuto 9" descr="Utente con riempimento a tinta unita">
-            <a:extLst>
-              <a:ext uri="{FF2B5EF4-FFF2-40B4-BE49-F238E27FC236}">
-                <a16:creationId xmlns:a16="http://schemas.microsoft.com/office/drawing/2014/main" id="{14582A50-71C2-4B6B-B5B7-5AF1C9507FE9}"/>
-              </a:ext>
-            </a:extLst>
-          </p:cNvPr>
-          <p:cNvPicPr>
-            <a:picLocks noChangeAspect="1"/>
-          </p:cNvPicPr>
-          <p:nvPr/>
-        </p:nvPicPr>
-        <p:blipFill>
-          <a:blip r:embed="rId19">
-            <a:extLst>
-              <a:ext uri="{96DAC541-7B7A-43D3-8B79-37D633B846F1}">
-                <asvg:svgBlip xmlns:asvg="http://schemas.microsoft.com/office/drawing/2016/SVG/main" r:embed="rId20"/>
-              </a:ext>
-            </a:extLst>
-          </a:blip>
-          <a:srcRect/>
-          <a:stretch/>
-        </p:blipFill>
-        <p:spPr>
-          <a:xfrm>
-            <a:off x="242109" y="3575173"/>
-            <a:ext cx="718368" cy="718368"/>
-          </a:xfrm>
-          <a:prstGeom prst="rect">
-            <a:avLst/>
-          </a:prstGeom>
-        </p:spPr>
-      </p:pic>
-      <p:pic>
-        <p:nvPicPr>
-          <p:cNvPr id="28" name="Elemento grafico 27" descr="Database contorno">
-            <a:extLst>
-              <a:ext uri="{FF2B5EF4-FFF2-40B4-BE49-F238E27FC236}">
-                <a16:creationId xmlns:a16="http://schemas.microsoft.com/office/drawing/2014/main" id="{FE08B14E-79F9-4B5A-8ABF-0ED56DDC9318}"/>
-              </a:ext>
-            </a:extLst>
-          </p:cNvPr>
-          <p:cNvPicPr>
-            <a:picLocks noChangeAspect="1"/>
-          </p:cNvPicPr>
-          <p:nvPr/>
-        </p:nvPicPr>
-        <p:blipFill>
-          <a:blip r:embed="rId21">
-            <a:extLst>
-              <a:ext uri="{96DAC541-7B7A-43D3-8B79-37D633B846F1}">
-                <asvg:svgBlip xmlns:asvg="http://schemas.microsoft.com/office/drawing/2016/SVG/main" r:embed="rId22"/>
-              </a:ext>
-            </a:extLst>
-          </a:blip>
-          <a:stretch>
-            <a:fillRect/>
-          </a:stretch>
-        </p:blipFill>
-        <p:spPr>
-          <a:xfrm>
-            <a:off x="242109" y="4885375"/>
-            <a:ext cx="718368" cy="718368"/>
-          </a:xfrm>
-          <a:prstGeom prst="rect">
-            <a:avLst/>
-          </a:prstGeom>
-        </p:spPr>
-      </p:pic>
-      <p:pic>
-        <p:nvPicPr>
-          <p:cNvPr id="30" name="Elemento grafico 29" descr="Idrante antincendio rotto con riempimento a tinta unita">
-            <a:extLst>
-              <a:ext uri="{FF2B5EF4-FFF2-40B4-BE49-F238E27FC236}">
-                <a16:creationId xmlns:a16="http://schemas.microsoft.com/office/drawing/2014/main" id="{16B4B142-B9C0-4291-A17F-DBFE84992048}"/>
-              </a:ext>
-            </a:extLst>
-          </p:cNvPr>
-          <p:cNvPicPr>
-            <a:picLocks noChangeAspect="1"/>
-          </p:cNvPicPr>
-          <p:nvPr/>
-        </p:nvPicPr>
-        <p:blipFill>
-          <a:blip r:embed="rId23">
-            <a:extLst>
-              <a:ext uri="{96DAC541-7B7A-43D3-8B79-37D633B846F1}">
-                <asvg:svgBlip xmlns:asvg="http://schemas.microsoft.com/office/drawing/2016/SVG/main" r:embed="rId24"/>
-              </a:ext>
-            </a:extLst>
-          </a:blip>
-          <a:srcRect/>
-          <a:stretch/>
-        </p:blipFill>
-        <p:spPr>
-          <a:xfrm>
-            <a:off x="242109" y="5744747"/>
-            <a:ext cx="720000" cy="720000"/>
-          </a:xfrm>
-          <a:prstGeom prst="rect">
-            <a:avLst/>
-          </a:prstGeom>
-        </p:spPr>
-      </p:pic>
-      <p:sp>
-        <p:nvSpPr>
-          <p:cNvPr id="29" name="CasellaDiTesto 28">
-            <a:extLst>
-              <a:ext uri="{FF2B5EF4-FFF2-40B4-BE49-F238E27FC236}">
-                <a16:creationId xmlns:a16="http://schemas.microsoft.com/office/drawing/2014/main" id="{7A0EA46D-D896-46C1-877F-4FFBDF137463}"/>
-              </a:ext>
-            </a:extLst>
-          </p:cNvPr>
-          <p:cNvSpPr txBox="1"/>
-          <p:nvPr/>
-        </p:nvSpPr>
-        <p:spPr>
-          <a:xfrm>
-            <a:off x="9420" y="4906910"/>
-            <a:ext cx="718368" cy="307777"/>
-          </a:xfrm>
-          <a:prstGeom prst="rect">
-            <a:avLst/>
-          </a:prstGeom>
-          <a:noFill/>
-        </p:spPr>
-        <p:txBody>
-          <a:bodyPr wrap="square" rtlCol="0">
-            <a:spAutoFit/>
-          </a:bodyPr>
-          <a:lstStyle/>
-          <a:p>
-            <a:r>
-              <a:rPr lang="it-IT" sz="1400" dirty="0">
-                <a:solidFill>
-                  <a:schemeClr val="accent2">
-                    <a:lumMod val="75000"/>
-                  </a:schemeClr>
-                </a:solidFill>
-              </a:rPr>
-              <a:t>SERVER</a:t>
-            </a:r>
-          </a:p>
-        </p:txBody>
-      </p:sp>
-      <p:sp>
-        <p:nvSpPr>
-          <p:cNvPr id="2" name="CasellaDiTesto 1">
-            <a:extLst>
-              <a:ext uri="{FF2B5EF4-FFF2-40B4-BE49-F238E27FC236}">
-                <a16:creationId xmlns:a16="http://schemas.microsoft.com/office/drawing/2014/main" id="{2F1B6EEB-B3DD-41F3-A0CC-A48BAD86871F}"/>
-              </a:ext>
-            </a:extLst>
-          </p:cNvPr>
-          <p:cNvSpPr txBox="1"/>
-          <p:nvPr/>
-        </p:nvSpPr>
-        <p:spPr>
-          <a:xfrm>
-            <a:off x="1837236" y="2595598"/>
-            <a:ext cx="3165894" cy="1631216"/>
-          </a:xfrm>
-          <a:prstGeom prst="rect">
-            <a:avLst/>
-          </a:prstGeom>
-          <a:noFill/>
-        </p:spPr>
-        <p:txBody>
-          <a:bodyPr wrap="square" rtlCol="0">
-            <a:spAutoFit/>
-          </a:bodyPr>
-          <a:lstStyle/>
-          <a:p>
-            <a:r>
-              <a:rPr lang="it-IT" sz="2000" dirty="0"/>
-              <a:t>Il Server implementa le procedure invocabili in remoto restituendo l’esito delle operazioni usando le RPC di SUN a default.</a:t>
-            </a:r>
-          </a:p>
-        </p:txBody>
-      </p:sp>
-      <p:pic>
-        <p:nvPicPr>
-          <p:cNvPr id="31" name="Elemento grafico 30" descr="Idrante antincendio rotto con riempimento a tinta unita">
-            <a:extLst>
-              <a:ext uri="{FF2B5EF4-FFF2-40B4-BE49-F238E27FC236}">
-                <a16:creationId xmlns:a16="http://schemas.microsoft.com/office/drawing/2014/main" id="{8F45B178-791B-4E21-ACCA-296C07446E95}"/>
-              </a:ext>
-            </a:extLst>
-          </p:cNvPr>
-          <p:cNvPicPr>
-            <a:picLocks noChangeAspect="1"/>
-          </p:cNvPicPr>
-          <p:nvPr/>
-        </p:nvPicPr>
-        <p:blipFill>
-          <a:blip r:embed="rId25">
-            <a:extLst>
-              <a:ext uri="{96DAC541-7B7A-43D3-8B79-37D633B846F1}">
-                <asvg:svgBlip xmlns:asvg="http://schemas.microsoft.com/office/drawing/2016/SVG/main" r:embed="rId26"/>
-              </a:ext>
-            </a:extLst>
-          </a:blip>
-          <a:srcRect/>
-          <a:stretch/>
-        </p:blipFill>
-        <p:spPr>
-          <a:xfrm>
-            <a:off x="-867548" y="5798747"/>
-            <a:ext cx="720000" cy="720000"/>
-          </a:xfrm>
-          <a:prstGeom prst="rect">
-            <a:avLst/>
-          </a:prstGeom>
-        </p:spPr>
-      </p:pic>
-      <p:pic>
-        <p:nvPicPr>
-          <p:cNvPr id="32" name="Elemento grafico 31" descr="Database con riempimento a tinta unita">
-            <a:extLst>
-              <a:ext uri="{FF2B5EF4-FFF2-40B4-BE49-F238E27FC236}">
-                <a16:creationId xmlns:a16="http://schemas.microsoft.com/office/drawing/2014/main" id="{F54CADF3-EC74-49F2-AB64-45B9FAFFD5E8}"/>
-              </a:ext>
-            </a:extLst>
-          </p:cNvPr>
-          <p:cNvPicPr>
-            <a:picLocks noChangeAspect="1"/>
-          </p:cNvPicPr>
-          <p:nvPr/>
-        </p:nvPicPr>
-        <p:blipFill>
-          <a:blip r:embed="rId9">
-            <a:extLst>
-              <a:ext uri="{96DAC541-7B7A-43D3-8B79-37D633B846F1}">
-                <asvg:svgBlip xmlns:asvg="http://schemas.microsoft.com/office/drawing/2016/SVG/main" r:embed="rId10"/>
-              </a:ext>
-            </a:extLst>
-          </a:blip>
-          <a:srcRect/>
-          <a:stretch/>
-        </p:blipFill>
-        <p:spPr>
-          <a:xfrm>
-            <a:off x="-921548" y="4703160"/>
-            <a:ext cx="718368" cy="718368"/>
-          </a:xfrm>
-          <a:prstGeom prst="rect">
-            <a:avLst/>
-          </a:prstGeom>
-        </p:spPr>
-      </p:pic>
-    </p:spTree>
-    <p:extLst>
-      <p:ext uri="{BB962C8B-B14F-4D97-AF65-F5344CB8AC3E}">
-        <p14:creationId xmlns:p14="http://schemas.microsoft.com/office/powerpoint/2010/main" val="3851975705"/>
-      </p:ext>
-    </p:extLst>
-  </p:cSld>
-  <p:clrMapOvr>
-    <a:masterClrMapping/>
-  </p:clrMapOvr>
-  <mc:AlternateContent xmlns:mc="http://schemas.openxmlformats.org/markup-compatibility/2006" xmlns:p159="http://schemas.microsoft.com/office/powerpoint/2015/09/main">
-    <mc:Choice Requires="p159">
-      <p:transition>
-        <p159:morph option="byChar"/>
-      </p:transition>
-    </mc:Choice>
-    <mc:Fallback xmlns="">
-      <p:transition>
-        <p:fade/>
-      </p:transition>
-    </mc:Fallback>
-  </mc:AlternateContent>
-</p:sld>
-</file>
-
-<file path=ppt/slides/slide6.xml><?xml version="1.0" encoding="utf-8"?>
-<p:sld xmlns:a="http://schemas.openxmlformats.org/drawingml/2006/main" xmlns:r="http://schemas.openxmlformats.org/officeDocument/2006/relationships" xmlns:p="http://schemas.openxmlformats.org/presentationml/2006/main">
-  <p:cSld>
-    <p:bg>
-      <p:bgPr>
-        <a:solidFill>
-          <a:srgbClr val="013A63"/>
-        </a:solidFill>
-        <a:effectLst/>
-      </p:bgPr>
-    </p:bg>
-    <p:spTree>
-      <p:nvGrpSpPr>
-        <p:cNvPr id="1" name=""/>
-        <p:cNvGrpSpPr/>
-        <p:nvPr/>
-      </p:nvGrpSpPr>
-      <p:grpSpPr>
-        <a:xfrm>
-          <a:off x="0" y="0"/>
-          <a:ext cx="0" cy="0"/>
-          <a:chOff x="0" y="0"/>
-          <a:chExt cx="0" cy="0"/>
-        </a:xfrm>
-      </p:grpSpPr>
-      <p:pic>
-        <p:nvPicPr>
-          <p:cNvPr id="6" name="Immagine 5">
-            <a:extLst>
-              <a:ext uri="{FF2B5EF4-FFF2-40B4-BE49-F238E27FC236}">
-                <a16:creationId xmlns:a16="http://schemas.microsoft.com/office/drawing/2014/main" id="{34E6269D-AA7B-4BF2-9CDB-D2F5826A00E6}"/>
-              </a:ext>
-            </a:extLst>
-          </p:cNvPr>
-          <p:cNvPicPr>
-            <a:picLocks noChangeAspect="1"/>
-          </p:cNvPicPr>
-          <p:nvPr/>
-        </p:nvPicPr>
-        <p:blipFill>
-          <a:blip r:embed="rId2"/>
-          <a:stretch>
-            <a:fillRect/>
-          </a:stretch>
-        </p:blipFill>
-        <p:spPr>
-          <a:xfrm>
-            <a:off x="25273" y="36513"/>
-            <a:ext cx="1000265" cy="6857999"/>
-          </a:xfrm>
-          <a:prstGeom prst="rect">
-            <a:avLst/>
-          </a:prstGeom>
-        </p:spPr>
-      </p:pic>
-      <p:sp>
-        <p:nvSpPr>
-          <p:cNvPr id="13" name="Ovale 12">
-            <a:extLst>
-              <a:ext uri="{FF2B5EF4-FFF2-40B4-BE49-F238E27FC236}">
-                <a16:creationId xmlns:a16="http://schemas.microsoft.com/office/drawing/2014/main" id="{561EB7DC-28DB-4BE1-9152-D0201F3020AE}"/>
-              </a:ext>
-            </a:extLst>
-          </p:cNvPr>
-          <p:cNvSpPr/>
-          <p:nvPr/>
-        </p:nvSpPr>
-        <p:spPr>
-          <a:xfrm>
-            <a:off x="815723" y="5753502"/>
-            <a:ext cx="828000" cy="828000"/>
-          </a:xfrm>
-          <a:prstGeom prst="ellipse">
-            <a:avLst/>
-          </a:prstGeom>
-          <a:solidFill>
-            <a:schemeClr val="tx1"/>
-          </a:solidFill>
-          <a:ln>
-            <a:noFill/>
-          </a:ln>
-        </p:spPr>
-        <p:style>
-          <a:lnRef idx="2">
-            <a:schemeClr val="accent1">
-              <a:shade val="50000"/>
-            </a:schemeClr>
-          </a:lnRef>
-          <a:fillRef idx="1">
-            <a:schemeClr val="accent1"/>
-          </a:fillRef>
-          <a:effectRef idx="0">
-            <a:schemeClr val="accent1"/>
-          </a:effectRef>
-          <a:fontRef idx="minor">
-            <a:schemeClr val="lt1"/>
-          </a:fontRef>
-        </p:style>
-        <p:txBody>
-          <a:bodyPr rtlCol="0" anchor="ctr"/>
-          <a:lstStyle/>
-          <a:p>
-            <a:pPr algn="ctr"/>
-            <a:endParaRPr lang="it-IT" b="1"/>
-          </a:p>
-        </p:txBody>
-      </p:sp>
-      <p:pic>
-        <p:nvPicPr>
-          <p:cNvPr id="3" name="Elemento grafico 2" descr="Idrante antincendio rotto con riempimento a tinta unita">
-            <a:extLst>
-              <a:ext uri="{FF2B5EF4-FFF2-40B4-BE49-F238E27FC236}">
-                <a16:creationId xmlns:a16="http://schemas.microsoft.com/office/drawing/2014/main" id="{E3606FC0-F891-4ED0-8CB2-E32D0784998D}"/>
-              </a:ext>
-            </a:extLst>
-          </p:cNvPr>
-          <p:cNvPicPr>
-            <a:picLocks noChangeAspect="1"/>
-          </p:cNvPicPr>
-          <p:nvPr/>
-        </p:nvPicPr>
-        <p:blipFill>
-          <a:blip r:embed="rId3">
-            <a:extLst>
-              <a:ext uri="{96DAC541-7B7A-43D3-8B79-37D633B846F1}">
-                <asvg:svgBlip xmlns:asvg="http://schemas.microsoft.com/office/drawing/2016/SVG/main" r:embed="rId4"/>
-              </a:ext>
-            </a:extLst>
-          </a:blip>
-          <a:srcRect/>
-          <a:stretch/>
-        </p:blipFill>
-        <p:spPr>
-          <a:xfrm>
-            <a:off x="869723" y="5799444"/>
-            <a:ext cx="720000" cy="720000"/>
-          </a:xfrm>
-          <a:prstGeom prst="rect">
-            <a:avLst/>
-          </a:prstGeom>
-        </p:spPr>
-      </p:pic>
-      <p:sp>
-        <p:nvSpPr>
-          <p:cNvPr id="16" name="Segnaposto numero diapositiva 5">
-            <a:extLst>
-              <a:ext uri="{FF2B5EF4-FFF2-40B4-BE49-F238E27FC236}">
-                <a16:creationId xmlns:a16="http://schemas.microsoft.com/office/drawing/2014/main" id="{02CA51CB-D57C-4543-8737-F2B5C2866E1C}"/>
-              </a:ext>
-            </a:extLst>
-          </p:cNvPr>
-          <p:cNvSpPr>
-            <a:spLocks noGrp="1"/>
-          </p:cNvSpPr>
-          <p:nvPr>
-            <p:ph type="sldNum" sz="quarter" idx="12"/>
-          </p:nvPr>
-        </p:nvSpPr>
-        <p:spPr>
-          <a:xfrm>
-            <a:off x="10266795" y="6388793"/>
-            <a:ext cx="771089" cy="365125"/>
-          </a:xfrm>
-        </p:spPr>
-        <p:txBody>
-          <a:bodyPr/>
-          <a:lstStyle/>
-          <a:p>
-            <a:pPr rtl="0"/>
-            <a:fld id="{6D22F896-40B5-4ADD-8801-0D06FADFA095}" type="slidenum">
-              <a:rPr lang="it-IT" noProof="0" smtClean="0"/>
-              <a:t>6</a:t>
-            </a:fld>
-            <a:endParaRPr lang="it-IT" noProof="0" dirty="0"/>
-          </a:p>
-        </p:txBody>
-      </p:sp>
-      <p:sp>
-        <p:nvSpPr>
-          <p:cNvPr id="8" name="Ovale 7">
-            <a:extLst>
-              <a:ext uri="{FF2B5EF4-FFF2-40B4-BE49-F238E27FC236}">
-                <a16:creationId xmlns:a16="http://schemas.microsoft.com/office/drawing/2014/main" id="{608E348B-5C5B-4BD5-BE00-FC207FEB64D5}"/>
-              </a:ext>
-            </a:extLst>
-          </p:cNvPr>
-          <p:cNvSpPr/>
-          <p:nvPr/>
-        </p:nvSpPr>
-        <p:spPr>
-          <a:xfrm>
-            <a:off x="-949054" y="1416538"/>
-            <a:ext cx="828000" cy="828000"/>
-          </a:xfrm>
-          <a:prstGeom prst="ellipse">
-            <a:avLst/>
-          </a:prstGeom>
-          <a:solidFill>
-            <a:schemeClr val="tx1"/>
-          </a:solidFill>
-          <a:ln>
-            <a:noFill/>
-          </a:ln>
-        </p:spPr>
-        <p:style>
-          <a:lnRef idx="2">
-            <a:schemeClr val="accent1">
-              <a:shade val="50000"/>
-            </a:schemeClr>
-          </a:lnRef>
-          <a:fillRef idx="1">
-            <a:schemeClr val="accent1"/>
-          </a:fillRef>
-          <a:effectRef idx="0">
-            <a:schemeClr val="accent1"/>
-          </a:effectRef>
-          <a:fontRef idx="minor">
-            <a:schemeClr val="lt1"/>
-          </a:fontRef>
-        </p:style>
-        <p:txBody>
-          <a:bodyPr rtlCol="0" anchor="ctr"/>
-          <a:lstStyle/>
-          <a:p>
-            <a:pPr algn="ctr"/>
-            <a:endParaRPr lang="it-IT" b="1"/>
-          </a:p>
-        </p:txBody>
-      </p:sp>
-      <p:sp>
-        <p:nvSpPr>
-          <p:cNvPr id="9" name="Ovale 8">
-            <a:extLst>
-              <a:ext uri="{FF2B5EF4-FFF2-40B4-BE49-F238E27FC236}">
-                <a16:creationId xmlns:a16="http://schemas.microsoft.com/office/drawing/2014/main" id="{C98B8E1B-D00E-4AB0-A4DA-EAC103B50F3F}"/>
-              </a:ext>
-            </a:extLst>
-          </p:cNvPr>
-          <p:cNvSpPr/>
-          <p:nvPr/>
-        </p:nvSpPr>
-        <p:spPr>
-          <a:xfrm>
-            <a:off x="-921548" y="264233"/>
-            <a:ext cx="828000" cy="828000"/>
-          </a:xfrm>
-          <a:prstGeom prst="ellipse">
-            <a:avLst/>
-          </a:prstGeom>
-          <a:solidFill>
-            <a:schemeClr val="tx1"/>
-          </a:solidFill>
-          <a:ln>
-            <a:noFill/>
-          </a:ln>
-        </p:spPr>
-        <p:style>
-          <a:lnRef idx="2">
-            <a:schemeClr val="accent1">
-              <a:shade val="50000"/>
-            </a:schemeClr>
-          </a:lnRef>
-          <a:fillRef idx="1">
-            <a:schemeClr val="accent1"/>
-          </a:fillRef>
-          <a:effectRef idx="0">
-            <a:schemeClr val="accent1"/>
-          </a:effectRef>
-          <a:fontRef idx="minor">
-            <a:schemeClr val="lt1"/>
-          </a:fontRef>
-        </p:style>
-        <p:txBody>
-          <a:bodyPr rtlCol="0" anchor="ctr"/>
-          <a:lstStyle/>
-          <a:p>
-            <a:pPr algn="ctr"/>
-            <a:endParaRPr lang="it-IT" b="1" dirty="0"/>
-          </a:p>
-        </p:txBody>
-      </p:sp>
-      <p:sp>
-        <p:nvSpPr>
-          <p:cNvPr id="10" name="Ovale 9">
-            <a:extLst>
-              <a:ext uri="{FF2B5EF4-FFF2-40B4-BE49-F238E27FC236}">
-                <a16:creationId xmlns:a16="http://schemas.microsoft.com/office/drawing/2014/main" id="{2769B434-B71C-4155-BB92-C9F5B3B0B0F3}"/>
-              </a:ext>
-            </a:extLst>
-          </p:cNvPr>
-          <p:cNvSpPr/>
-          <p:nvPr/>
-        </p:nvSpPr>
-        <p:spPr>
-          <a:xfrm>
-            <a:off x="-977369" y="3610306"/>
-            <a:ext cx="828000" cy="828000"/>
-          </a:xfrm>
-          <a:prstGeom prst="ellipse">
-            <a:avLst/>
-          </a:prstGeom>
-          <a:solidFill>
-            <a:schemeClr val="tx1"/>
-          </a:solidFill>
-          <a:ln>
-            <a:noFill/>
-          </a:ln>
-        </p:spPr>
-        <p:style>
-          <a:lnRef idx="2">
-            <a:schemeClr val="accent1">
-              <a:shade val="50000"/>
-            </a:schemeClr>
-          </a:lnRef>
-          <a:fillRef idx="1">
-            <a:schemeClr val="accent1"/>
-          </a:fillRef>
-          <a:effectRef idx="0">
-            <a:schemeClr val="accent1"/>
-          </a:effectRef>
-          <a:fontRef idx="minor">
-            <a:schemeClr val="lt1"/>
-          </a:fontRef>
-        </p:style>
-        <p:txBody>
-          <a:bodyPr rtlCol="0" anchor="ctr"/>
-          <a:lstStyle/>
-          <a:p>
-            <a:pPr algn="ctr"/>
-            <a:endParaRPr lang="it-IT" b="1"/>
-          </a:p>
-        </p:txBody>
-      </p:sp>
-      <p:sp>
-        <p:nvSpPr>
-          <p:cNvPr id="11" name="Ovale 10">
-            <a:extLst>
-              <a:ext uri="{FF2B5EF4-FFF2-40B4-BE49-F238E27FC236}">
-                <a16:creationId xmlns:a16="http://schemas.microsoft.com/office/drawing/2014/main" id="{EC76A17D-3242-4BD8-B005-6B712E1D20D3}"/>
-              </a:ext>
-            </a:extLst>
-          </p:cNvPr>
-          <p:cNvSpPr/>
-          <p:nvPr/>
-        </p:nvSpPr>
-        <p:spPr>
-          <a:xfrm>
-            <a:off x="-977369" y="4703716"/>
-            <a:ext cx="828000" cy="828000"/>
-          </a:xfrm>
-          <a:prstGeom prst="ellipse">
-            <a:avLst/>
-          </a:prstGeom>
-          <a:solidFill>
-            <a:schemeClr val="tx1"/>
-          </a:solidFill>
-          <a:ln>
-            <a:noFill/>
-          </a:ln>
-        </p:spPr>
-        <p:style>
-          <a:lnRef idx="2">
-            <a:schemeClr val="accent1">
-              <a:shade val="50000"/>
-            </a:schemeClr>
-          </a:lnRef>
-          <a:fillRef idx="1">
-            <a:schemeClr val="accent1"/>
-          </a:fillRef>
-          <a:effectRef idx="0">
-            <a:schemeClr val="accent1"/>
-          </a:effectRef>
-          <a:fontRef idx="minor">
-            <a:schemeClr val="lt1"/>
-          </a:fontRef>
-        </p:style>
-        <p:txBody>
-          <a:bodyPr rtlCol="0" anchor="ctr"/>
-          <a:lstStyle/>
-          <a:p>
-            <a:pPr algn="ctr"/>
-            <a:endParaRPr lang="it-IT" b="1"/>
-          </a:p>
-        </p:txBody>
-      </p:sp>
-      <p:pic>
-        <p:nvPicPr>
-          <p:cNvPr id="14" name="Elemento grafico 13" descr="Tiro a segno contorno">
-            <a:extLst>
-              <a:ext uri="{FF2B5EF4-FFF2-40B4-BE49-F238E27FC236}">
-                <a16:creationId xmlns:a16="http://schemas.microsoft.com/office/drawing/2014/main" id="{3C27E02F-4946-4FEC-BD68-B2104A1DA230}"/>
-              </a:ext>
-            </a:extLst>
-          </p:cNvPr>
-          <p:cNvPicPr>
-            <a:picLocks noChangeAspect="1"/>
-          </p:cNvPicPr>
-          <p:nvPr/>
-        </p:nvPicPr>
-        <p:blipFill>
-          <a:blip r:embed="rId5">
-            <a:extLst>
-              <a:ext uri="{96DAC541-7B7A-43D3-8B79-37D633B846F1}">
-                <asvg:svgBlip xmlns:asvg="http://schemas.microsoft.com/office/drawing/2016/SVG/main" r:embed="rId6"/>
-              </a:ext>
-            </a:extLst>
-          </a:blip>
-          <a:stretch>
-            <a:fillRect/>
-          </a:stretch>
-        </p:blipFill>
-        <p:spPr>
-          <a:xfrm>
-            <a:off x="-866732" y="320812"/>
-            <a:ext cx="718368" cy="718368"/>
-          </a:xfrm>
-          <a:prstGeom prst="rect">
-            <a:avLst/>
-          </a:prstGeom>
-        </p:spPr>
-      </p:pic>
-      <p:pic>
-        <p:nvPicPr>
-          <p:cNvPr id="15" name="Elemento grafico 14" descr="Ingranaggi contorno">
-            <a:extLst>
-              <a:ext uri="{FF2B5EF4-FFF2-40B4-BE49-F238E27FC236}">
-                <a16:creationId xmlns:a16="http://schemas.microsoft.com/office/drawing/2014/main" id="{C5039894-E757-4503-8F78-9ECB13AFDAED}"/>
-              </a:ext>
-            </a:extLst>
-          </p:cNvPr>
-          <p:cNvPicPr>
-            <a:picLocks noChangeAspect="1"/>
-          </p:cNvPicPr>
-          <p:nvPr/>
-        </p:nvPicPr>
-        <p:blipFill>
-          <a:blip r:embed="rId7">
-            <a:extLst>
-              <a:ext uri="{96DAC541-7B7A-43D3-8B79-37D633B846F1}">
-                <asvg:svgBlip xmlns:asvg="http://schemas.microsoft.com/office/drawing/2016/SVG/main" r:embed="rId8"/>
-              </a:ext>
-            </a:extLst>
-          </a:blip>
-          <a:stretch>
-            <a:fillRect/>
-          </a:stretch>
-        </p:blipFill>
-        <p:spPr>
-          <a:xfrm>
-            <a:off x="-894238" y="1472123"/>
-            <a:ext cx="718368" cy="718368"/>
-          </a:xfrm>
-          <a:prstGeom prst="rect">
-            <a:avLst/>
-          </a:prstGeom>
-        </p:spPr>
-      </p:pic>
-      <p:pic>
-        <p:nvPicPr>
-          <p:cNvPr id="18" name="Segnaposto contenuto 9" descr="Utente contorno">
-            <a:extLst>
-              <a:ext uri="{FF2B5EF4-FFF2-40B4-BE49-F238E27FC236}">
-                <a16:creationId xmlns:a16="http://schemas.microsoft.com/office/drawing/2014/main" id="{641F713D-465F-4B4B-938D-2DA6E056A207}"/>
-              </a:ext>
-            </a:extLst>
-          </p:cNvPr>
-          <p:cNvPicPr>
-            <a:picLocks noChangeAspect="1"/>
-          </p:cNvPicPr>
-          <p:nvPr/>
-        </p:nvPicPr>
-        <p:blipFill>
-          <a:blip r:embed="rId9">
-            <a:extLst>
-              <a:ext uri="{96DAC541-7B7A-43D3-8B79-37D633B846F1}">
-                <asvg:svgBlip xmlns:asvg="http://schemas.microsoft.com/office/drawing/2016/SVG/main" r:embed="rId10"/>
-              </a:ext>
-            </a:extLst>
-          </a:blip>
-          <a:stretch>
-            <a:fillRect/>
-          </a:stretch>
-        </p:blipFill>
-        <p:spPr>
-          <a:xfrm>
-            <a:off x="-922553" y="3607990"/>
-            <a:ext cx="718368" cy="718368"/>
-          </a:xfrm>
-          <a:prstGeom prst="rect">
-            <a:avLst/>
-          </a:prstGeom>
-        </p:spPr>
-      </p:pic>
-      <p:pic>
-        <p:nvPicPr>
-          <p:cNvPr id="19" name="Elemento grafico 18" descr="Database contorno">
-            <a:extLst>
-              <a:ext uri="{FF2B5EF4-FFF2-40B4-BE49-F238E27FC236}">
-                <a16:creationId xmlns:a16="http://schemas.microsoft.com/office/drawing/2014/main" id="{6B007BB4-3D91-406F-8527-FC090EE17250}"/>
-              </a:ext>
-            </a:extLst>
-          </p:cNvPr>
-          <p:cNvPicPr>
-            <a:picLocks noChangeAspect="1"/>
-          </p:cNvPicPr>
-          <p:nvPr/>
-        </p:nvPicPr>
-        <p:blipFill>
-          <a:blip r:embed="rId11">
-            <a:extLst>
-              <a:ext uri="{96DAC541-7B7A-43D3-8B79-37D633B846F1}">
-                <asvg:svgBlip xmlns:asvg="http://schemas.microsoft.com/office/drawing/2016/SVG/main" r:embed="rId12"/>
-              </a:ext>
-            </a:extLst>
-          </a:blip>
-          <a:stretch>
-            <a:fillRect/>
-          </a:stretch>
-        </p:blipFill>
-        <p:spPr>
-          <a:xfrm>
-            <a:off x="-922553" y="4762395"/>
-            <a:ext cx="718368" cy="718368"/>
-          </a:xfrm>
-          <a:prstGeom prst="rect">
-            <a:avLst/>
-          </a:prstGeom>
-        </p:spPr>
-      </p:pic>
-      <p:sp>
-        <p:nvSpPr>
-          <p:cNvPr id="20" name="Ovale 19">
-            <a:extLst>
-              <a:ext uri="{FF2B5EF4-FFF2-40B4-BE49-F238E27FC236}">
-                <a16:creationId xmlns:a16="http://schemas.microsoft.com/office/drawing/2014/main" id="{A14AC0E5-863B-46F8-BEA7-832DDCAB9BCF}"/>
-              </a:ext>
-            </a:extLst>
-          </p:cNvPr>
-          <p:cNvSpPr/>
-          <p:nvPr/>
-        </p:nvSpPr>
-        <p:spPr>
-          <a:xfrm>
-            <a:off x="-977369" y="2402514"/>
-            <a:ext cx="828000" cy="828000"/>
-          </a:xfrm>
-          <a:prstGeom prst="ellipse">
-            <a:avLst/>
-          </a:prstGeom>
-          <a:solidFill>
-            <a:schemeClr val="tx1"/>
-          </a:solidFill>
-          <a:ln>
-            <a:noFill/>
-          </a:ln>
-        </p:spPr>
-        <p:style>
-          <a:lnRef idx="2">
-            <a:schemeClr val="accent1">
-              <a:shade val="50000"/>
-            </a:schemeClr>
-          </a:lnRef>
-          <a:fillRef idx="1">
-            <a:schemeClr val="accent1"/>
-          </a:fillRef>
-          <a:effectRef idx="0">
-            <a:schemeClr val="accent1"/>
-          </a:effectRef>
-          <a:fontRef idx="minor">
-            <a:schemeClr val="lt1"/>
-          </a:fontRef>
-        </p:style>
-        <p:txBody>
-          <a:bodyPr rtlCol="0" anchor="ctr"/>
-          <a:lstStyle/>
-          <a:p>
-            <a:pPr algn="ctr"/>
-            <a:endParaRPr lang="it-IT" b="1"/>
-          </a:p>
-        </p:txBody>
-      </p:sp>
-      <p:pic>
-        <p:nvPicPr>
-          <p:cNvPr id="21" name="Segnaposto contenuto 7" descr="Blockchain contorno">
-            <a:extLst>
-              <a:ext uri="{FF2B5EF4-FFF2-40B4-BE49-F238E27FC236}">
-                <a16:creationId xmlns:a16="http://schemas.microsoft.com/office/drawing/2014/main" id="{7A6AF9BE-EC89-47A6-9ED7-D20D7E216234}"/>
-              </a:ext>
-            </a:extLst>
-          </p:cNvPr>
-          <p:cNvPicPr>
-            <a:picLocks noChangeAspect="1"/>
-          </p:cNvPicPr>
-          <p:nvPr/>
-        </p:nvPicPr>
-        <p:blipFill>
-          <a:blip r:embed="rId13">
-            <a:extLst>
-              <a:ext uri="{96DAC541-7B7A-43D3-8B79-37D633B846F1}">
-                <asvg:svgBlip xmlns:asvg="http://schemas.microsoft.com/office/drawing/2016/SVG/main" r:embed="rId14"/>
-              </a:ext>
-            </a:extLst>
-          </a:blip>
-          <a:stretch>
-            <a:fillRect/>
-          </a:stretch>
-        </p:blipFill>
-        <p:spPr>
-          <a:xfrm>
-            <a:off x="-922553" y="2450046"/>
-            <a:ext cx="718368" cy="718368"/>
-          </a:xfrm>
-          <a:prstGeom prst="rect">
-            <a:avLst/>
-          </a:prstGeom>
-        </p:spPr>
-      </p:pic>
-      <p:sp>
-        <p:nvSpPr>
-          <p:cNvPr id="22" name="Figura a mano libera: forma 21">
-            <a:extLst>
-              <a:ext uri="{FF2B5EF4-FFF2-40B4-BE49-F238E27FC236}">
-                <a16:creationId xmlns:a16="http://schemas.microsoft.com/office/drawing/2014/main" id="{5F4D36A5-1D2D-4A2E-85BC-D6789A6158C7}"/>
-              </a:ext>
-            </a:extLst>
-          </p:cNvPr>
-          <p:cNvSpPr/>
-          <p:nvPr/>
-        </p:nvSpPr>
-        <p:spPr>
-          <a:xfrm flipH="1">
-            <a:off x="0" y="-5319542"/>
-            <a:ext cx="1229723" cy="22957972"/>
-          </a:xfrm>
-          <a:custGeom>
-            <a:avLst/>
-            <a:gdLst>
-              <a:gd name="connsiteX0" fmla="*/ 0 w 1229710"/>
-              <a:gd name="connsiteY0" fmla="*/ 22957972 h 22957972"/>
-              <a:gd name="connsiteX1" fmla="*/ 0 w 1229710"/>
-              <a:gd name="connsiteY1" fmla="*/ 12288883 h 22957972"/>
-              <a:gd name="connsiteX2" fmla="*/ 533915 w 1229710"/>
-              <a:gd name="connsiteY2" fmla="*/ 11478986 h 22957972"/>
-              <a:gd name="connsiteX3" fmla="*/ 0 w 1229710"/>
-              <a:gd name="connsiteY3" fmla="*/ 10669089 h 22957972"/>
-              <a:gd name="connsiteX4" fmla="*/ 0 w 1229710"/>
-              <a:gd name="connsiteY4" fmla="*/ 0 h 22957972"/>
-              <a:gd name="connsiteX5" fmla="*/ 1229710 w 1229710"/>
-              <a:gd name="connsiteY5" fmla="*/ 0 h 22957972"/>
-              <a:gd name="connsiteX6" fmla="*/ 1229710 w 1229710"/>
-              <a:gd name="connsiteY6" fmla="*/ 22957972 h 22957972"/>
-              <a:gd name="connsiteX0" fmla="*/ 0 w 1229710"/>
-              <a:gd name="connsiteY0" fmla="*/ 22957972 h 22957972"/>
-              <a:gd name="connsiteX1" fmla="*/ 0 w 1229710"/>
-              <a:gd name="connsiteY1" fmla="*/ 12288883 h 22957972"/>
-              <a:gd name="connsiteX2" fmla="*/ 533915 w 1229710"/>
-              <a:gd name="connsiteY2" fmla="*/ 11478986 h 22957972"/>
-              <a:gd name="connsiteX3" fmla="*/ 0 w 1229710"/>
-              <a:gd name="connsiteY3" fmla="*/ 10669089 h 22957972"/>
-              <a:gd name="connsiteX4" fmla="*/ 0 w 1229710"/>
-              <a:gd name="connsiteY4" fmla="*/ 0 h 22957972"/>
-              <a:gd name="connsiteX5" fmla="*/ 1229710 w 1229710"/>
-              <a:gd name="connsiteY5" fmla="*/ 0 h 22957972"/>
-              <a:gd name="connsiteX6" fmla="*/ 1229710 w 1229710"/>
-              <a:gd name="connsiteY6" fmla="*/ 22957972 h 22957972"/>
-              <a:gd name="connsiteX7" fmla="*/ 0 w 1229710"/>
-              <a:gd name="connsiteY7" fmla="*/ 22957972 h 22957972"/>
-              <a:gd name="connsiteX0" fmla="*/ 295 w 1230005"/>
-              <a:gd name="connsiteY0" fmla="*/ 22957972 h 22957972"/>
-              <a:gd name="connsiteX1" fmla="*/ 295 w 1230005"/>
-              <a:gd name="connsiteY1" fmla="*/ 12288883 h 22957972"/>
-              <a:gd name="connsiteX2" fmla="*/ 534210 w 1230005"/>
-              <a:gd name="connsiteY2" fmla="*/ 11478986 h 22957972"/>
-              <a:gd name="connsiteX3" fmla="*/ 295 w 1230005"/>
-              <a:gd name="connsiteY3" fmla="*/ 10669089 h 22957972"/>
-              <a:gd name="connsiteX4" fmla="*/ 295 w 1230005"/>
-              <a:gd name="connsiteY4" fmla="*/ 0 h 22957972"/>
-              <a:gd name="connsiteX5" fmla="*/ 1230005 w 1230005"/>
-              <a:gd name="connsiteY5" fmla="*/ 0 h 22957972"/>
-              <a:gd name="connsiteX6" fmla="*/ 1230005 w 1230005"/>
-              <a:gd name="connsiteY6" fmla="*/ 22957972 h 22957972"/>
-              <a:gd name="connsiteX7" fmla="*/ 295 w 1230005"/>
-              <a:gd name="connsiteY7" fmla="*/ 22957972 h 22957972"/>
-              <a:gd name="connsiteX0" fmla="*/ 5 w 1229715"/>
-              <a:gd name="connsiteY0" fmla="*/ 22957972 h 22957972"/>
-              <a:gd name="connsiteX1" fmla="*/ 5 w 1229715"/>
-              <a:gd name="connsiteY1" fmla="*/ 12288883 h 22957972"/>
-              <a:gd name="connsiteX2" fmla="*/ 533920 w 1229715"/>
-              <a:gd name="connsiteY2" fmla="*/ 11478986 h 22957972"/>
-              <a:gd name="connsiteX3" fmla="*/ 5 w 1229715"/>
-              <a:gd name="connsiteY3" fmla="*/ 10669089 h 22957972"/>
-              <a:gd name="connsiteX4" fmla="*/ 5 w 1229715"/>
-              <a:gd name="connsiteY4" fmla="*/ 0 h 22957972"/>
-              <a:gd name="connsiteX5" fmla="*/ 1229715 w 1229715"/>
-              <a:gd name="connsiteY5" fmla="*/ 0 h 22957972"/>
-              <a:gd name="connsiteX6" fmla="*/ 1229715 w 1229715"/>
-              <a:gd name="connsiteY6" fmla="*/ 22957972 h 22957972"/>
-              <a:gd name="connsiteX7" fmla="*/ 5 w 1229715"/>
-              <a:gd name="connsiteY7" fmla="*/ 22957972 h 22957972"/>
-              <a:gd name="connsiteX0" fmla="*/ 12 w 1229722"/>
-              <a:gd name="connsiteY0" fmla="*/ 22957972 h 22957972"/>
-              <a:gd name="connsiteX1" fmla="*/ 12 w 1229722"/>
-              <a:gd name="connsiteY1" fmla="*/ 12288883 h 22957972"/>
-              <a:gd name="connsiteX2" fmla="*/ 533927 w 1229722"/>
-              <a:gd name="connsiteY2" fmla="*/ 11478986 h 22957972"/>
-              <a:gd name="connsiteX3" fmla="*/ 12 w 1229722"/>
-              <a:gd name="connsiteY3" fmla="*/ 10669089 h 22957972"/>
-              <a:gd name="connsiteX4" fmla="*/ 12 w 1229722"/>
-              <a:gd name="connsiteY4" fmla="*/ 0 h 22957972"/>
-              <a:gd name="connsiteX5" fmla="*/ 1229722 w 1229722"/>
-              <a:gd name="connsiteY5" fmla="*/ 0 h 22957972"/>
-              <a:gd name="connsiteX6" fmla="*/ 1229722 w 1229722"/>
-              <a:gd name="connsiteY6" fmla="*/ 22957972 h 22957972"/>
-              <a:gd name="connsiteX7" fmla="*/ 12 w 1229722"/>
-              <a:gd name="connsiteY7" fmla="*/ 22957972 h 22957972"/>
-              <a:gd name="connsiteX0" fmla="*/ 12 w 1229722"/>
-              <a:gd name="connsiteY0" fmla="*/ 22957972 h 22957972"/>
-              <a:gd name="connsiteX1" fmla="*/ 12 w 1229722"/>
-              <a:gd name="connsiteY1" fmla="*/ 12288883 h 22957972"/>
-              <a:gd name="connsiteX2" fmla="*/ 533927 w 1229722"/>
-              <a:gd name="connsiteY2" fmla="*/ 11478986 h 22957972"/>
-              <a:gd name="connsiteX3" fmla="*/ 12 w 1229722"/>
-              <a:gd name="connsiteY3" fmla="*/ 10669089 h 22957972"/>
-              <a:gd name="connsiteX4" fmla="*/ 12 w 1229722"/>
-              <a:gd name="connsiteY4" fmla="*/ 0 h 22957972"/>
-              <a:gd name="connsiteX5" fmla="*/ 1229722 w 1229722"/>
-              <a:gd name="connsiteY5" fmla="*/ 0 h 22957972"/>
-              <a:gd name="connsiteX6" fmla="*/ 1229722 w 1229722"/>
-              <a:gd name="connsiteY6" fmla="*/ 22957972 h 22957972"/>
-              <a:gd name="connsiteX7" fmla="*/ 12 w 1229722"/>
-              <a:gd name="connsiteY7" fmla="*/ 22957972 h 22957972"/>
-              <a:gd name="connsiteX0" fmla="*/ 13 w 1229723"/>
-              <a:gd name="connsiteY0" fmla="*/ 22957972 h 22957972"/>
-              <a:gd name="connsiteX1" fmla="*/ 13 w 1229723"/>
-              <a:gd name="connsiteY1" fmla="*/ 12288883 h 22957972"/>
-              <a:gd name="connsiteX2" fmla="*/ 474722 w 1229723"/>
-              <a:gd name="connsiteY2" fmla="*/ 11475696 h 22957972"/>
-              <a:gd name="connsiteX3" fmla="*/ 13 w 1229723"/>
-              <a:gd name="connsiteY3" fmla="*/ 10669089 h 22957972"/>
-              <a:gd name="connsiteX4" fmla="*/ 13 w 1229723"/>
-              <a:gd name="connsiteY4" fmla="*/ 0 h 22957972"/>
-              <a:gd name="connsiteX5" fmla="*/ 1229723 w 1229723"/>
-              <a:gd name="connsiteY5" fmla="*/ 0 h 22957972"/>
-              <a:gd name="connsiteX6" fmla="*/ 1229723 w 1229723"/>
-              <a:gd name="connsiteY6" fmla="*/ 22957972 h 22957972"/>
-              <a:gd name="connsiteX7" fmla="*/ 13 w 1229723"/>
-              <a:gd name="connsiteY7" fmla="*/ 22957972 h 22957972"/>
-              <a:gd name="connsiteX0" fmla="*/ 13 w 1229723"/>
-              <a:gd name="connsiteY0" fmla="*/ 22957972 h 22957972"/>
-              <a:gd name="connsiteX1" fmla="*/ 13 w 1229723"/>
-              <a:gd name="connsiteY1" fmla="*/ 12288883 h 22957972"/>
-              <a:gd name="connsiteX2" fmla="*/ 474722 w 1229723"/>
-              <a:gd name="connsiteY2" fmla="*/ 11475696 h 22957972"/>
-              <a:gd name="connsiteX3" fmla="*/ 13 w 1229723"/>
-              <a:gd name="connsiteY3" fmla="*/ 10669089 h 22957972"/>
-              <a:gd name="connsiteX4" fmla="*/ 13 w 1229723"/>
-              <a:gd name="connsiteY4" fmla="*/ 0 h 22957972"/>
-              <a:gd name="connsiteX5" fmla="*/ 1229723 w 1229723"/>
-              <a:gd name="connsiteY5" fmla="*/ 0 h 22957972"/>
-              <a:gd name="connsiteX6" fmla="*/ 1229723 w 1229723"/>
-              <a:gd name="connsiteY6" fmla="*/ 22957972 h 22957972"/>
-              <a:gd name="connsiteX7" fmla="*/ 13 w 1229723"/>
-              <a:gd name="connsiteY7" fmla="*/ 22957972 h 22957972"/>
-              <a:gd name="connsiteX0" fmla="*/ 13 w 1229723"/>
-              <a:gd name="connsiteY0" fmla="*/ 22957972 h 22957972"/>
-              <a:gd name="connsiteX1" fmla="*/ 13 w 1229723"/>
-              <a:gd name="connsiteY1" fmla="*/ 12288883 h 22957972"/>
-              <a:gd name="connsiteX2" fmla="*/ 474722 w 1229723"/>
-              <a:gd name="connsiteY2" fmla="*/ 11475696 h 22957972"/>
-              <a:gd name="connsiteX3" fmla="*/ 13 w 1229723"/>
-              <a:gd name="connsiteY3" fmla="*/ 10669089 h 22957972"/>
-              <a:gd name="connsiteX4" fmla="*/ 13 w 1229723"/>
-              <a:gd name="connsiteY4" fmla="*/ 0 h 22957972"/>
-              <a:gd name="connsiteX5" fmla="*/ 1229723 w 1229723"/>
-              <a:gd name="connsiteY5" fmla="*/ 0 h 22957972"/>
-              <a:gd name="connsiteX6" fmla="*/ 1229723 w 1229723"/>
-              <a:gd name="connsiteY6" fmla="*/ 22957972 h 22957972"/>
-              <a:gd name="connsiteX7" fmla="*/ 13 w 1229723"/>
-              <a:gd name="connsiteY7" fmla="*/ 22957972 h 22957972"/>
-            </a:gdLst>
-            <a:ahLst/>
-            <a:cxnLst>
-              <a:cxn ang="0">
-                <a:pos x="connsiteX0" y="connsiteY0"/>
-              </a:cxn>
-              <a:cxn ang="0">
-                <a:pos x="connsiteX1" y="connsiteY1"/>
-              </a:cxn>
-              <a:cxn ang="0">
-                <a:pos x="connsiteX2" y="connsiteY2"/>
-              </a:cxn>
-              <a:cxn ang="0">
-                <a:pos x="connsiteX3" y="connsiteY3"/>
-              </a:cxn>
-              <a:cxn ang="0">
-                <a:pos x="connsiteX4" y="connsiteY4"/>
-              </a:cxn>
-              <a:cxn ang="0">
-                <a:pos x="connsiteX5" y="connsiteY5"/>
-              </a:cxn>
-              <a:cxn ang="0">
-                <a:pos x="connsiteX6" y="connsiteY6"/>
-              </a:cxn>
-              <a:cxn ang="0">
-                <a:pos x="connsiteX7" y="connsiteY7"/>
-              </a:cxn>
-            </a:cxnLst>
-            <a:rect l="l" t="t" r="r" b="b"/>
-            <a:pathLst>
-              <a:path w="1229723" h="22957972">
-                <a:moveTo>
-                  <a:pt x="13" y="22957972"/>
-                </a:moveTo>
-                <a:lnTo>
-                  <a:pt x="13" y="12288883"/>
-                </a:lnTo>
-                <a:cubicBezTo>
-                  <a:pt x="-2919" y="11887349"/>
-                  <a:pt x="475585" y="11941716"/>
-                  <a:pt x="474722" y="11475696"/>
-                </a:cubicBezTo>
-                <a:cubicBezTo>
-                  <a:pt x="473859" y="11009676"/>
-                  <a:pt x="-1690" y="11083914"/>
-                  <a:pt x="13" y="10669089"/>
-                </a:cubicBezTo>
-                <a:lnTo>
-                  <a:pt x="13" y="0"/>
-                </a:lnTo>
-                <a:lnTo>
-                  <a:pt x="1229723" y="0"/>
-                </a:lnTo>
-                <a:lnTo>
-                  <a:pt x="1229723" y="22957972"/>
-                </a:lnTo>
-                <a:lnTo>
-                  <a:pt x="13" y="22957972"/>
-                </a:lnTo>
-                <a:close/>
-              </a:path>
-            </a:pathLst>
-          </a:custGeom>
-          <a:solidFill>
-            <a:schemeClr val="tx1"/>
-          </a:solidFill>
-          <a:ln>
-            <a:noFill/>
-          </a:ln>
-        </p:spPr>
-        <p:style>
-          <a:lnRef idx="2">
-            <a:schemeClr val="accent1">
-              <a:shade val="50000"/>
-            </a:schemeClr>
-          </a:lnRef>
-          <a:fillRef idx="1">
-            <a:schemeClr val="accent1"/>
-          </a:fillRef>
-          <a:effectRef idx="0">
-            <a:schemeClr val="accent1"/>
-          </a:effectRef>
-          <a:fontRef idx="minor">
-            <a:schemeClr val="lt1"/>
-          </a:fontRef>
-        </p:style>
-        <p:txBody>
-          <a:bodyPr wrap="square" rtlCol="0" anchor="ctr">
-            <a:noAutofit/>
-          </a:bodyPr>
-          <a:lstStyle/>
-          <a:p>
-            <a:pPr algn="ctr"/>
-            <a:endParaRPr lang="it-IT" b="1" dirty="0"/>
-          </a:p>
-        </p:txBody>
-      </p:sp>
-      <p:pic>
-        <p:nvPicPr>
-          <p:cNvPr id="23" name="Elemento grafico 22" descr="Tiro a segno con riempimento a tinta unita">
-            <a:extLst>
-              <a:ext uri="{FF2B5EF4-FFF2-40B4-BE49-F238E27FC236}">
-                <a16:creationId xmlns:a16="http://schemas.microsoft.com/office/drawing/2014/main" id="{8CFC18D5-1549-4780-ABA0-E1A9700B8BA3}"/>
-              </a:ext>
-            </a:extLst>
-          </p:cNvPr>
-          <p:cNvPicPr>
-            <a:picLocks noChangeAspect="1"/>
-          </p:cNvPicPr>
-          <p:nvPr/>
-        </p:nvPicPr>
-        <p:blipFill>
           <a:blip r:embed="rId15">
             <a:extLst>
               <a:ext uri="{96DAC541-7B7A-43D3-8B79-37D633B846F1}">
@@ -20481,10 +20009,10 @@
       </p:pic>
       <p:pic>
         <p:nvPicPr>
-          <p:cNvPr id="28" name="Elemento grafico 27" descr="Database con riempimento a tinta unita">
+          <p:cNvPr id="29" name="Elemento grafico 28" descr="Cactus con riempimento a tinta unita">
             <a:extLst>
               <a:ext uri="{FF2B5EF4-FFF2-40B4-BE49-F238E27FC236}">
-                <a16:creationId xmlns:a16="http://schemas.microsoft.com/office/drawing/2014/main" id="{FE08B14E-79F9-4B5A-8ABF-0ED56DDC9318}"/>
+                <a16:creationId xmlns:a16="http://schemas.microsoft.com/office/drawing/2014/main" id="{6D4452B6-B4C6-4806-9174-223EF4BA0F11}"/>
               </a:ext>
             </a:extLst>
           </p:cNvPr>
@@ -20501,48 +20029,13 @@
               </a:ext>
             </a:extLst>
           </a:blip>
-          <a:srcRect/>
-          <a:stretch/>
-        </p:blipFill>
-        <p:spPr>
-          <a:xfrm>
-            <a:off x="242109" y="4703716"/>
-            <a:ext cx="718368" cy="718368"/>
-          </a:xfrm>
-          <a:prstGeom prst="rect">
-            <a:avLst/>
-          </a:prstGeom>
-        </p:spPr>
-      </p:pic>
-      <p:pic>
-        <p:nvPicPr>
-          <p:cNvPr id="29" name="Elemento grafico 28" descr="Cactus con riempimento a tinta unita">
-            <a:extLst>
-              <a:ext uri="{FF2B5EF4-FFF2-40B4-BE49-F238E27FC236}">
-                <a16:creationId xmlns:a16="http://schemas.microsoft.com/office/drawing/2014/main" id="{6D4452B6-B4C6-4806-9174-223EF4BA0F11}"/>
-              </a:ext>
-            </a:extLst>
-          </p:cNvPr>
-          <p:cNvPicPr>
-            <a:picLocks noChangeAspect="1"/>
-          </p:cNvPicPr>
-          <p:nvPr/>
-        </p:nvPicPr>
-        <p:blipFill>
-          <a:blip r:embed="rId25">
-            <a:extLst>
-              <a:ext uri="{96DAC541-7B7A-43D3-8B79-37D633B846F1}">
-                <asvg:svgBlip xmlns:asvg="http://schemas.microsoft.com/office/drawing/2016/SVG/main" r:embed="rId26"/>
-              </a:ext>
-            </a:extLst>
-          </a:blip>
           <a:stretch>
             <a:fillRect/>
           </a:stretch>
         </p:blipFill>
         <p:spPr>
           <a:xfrm>
-            <a:off x="240477" y="5861502"/>
+            <a:off x="287621" y="5034709"/>
             <a:ext cx="720000" cy="720000"/>
           </a:xfrm>
           <a:prstGeom prst="rect">
@@ -20825,7 +20318,7 @@
         </p:nvSpPr>
         <p:spPr>
           <a:xfrm>
-            <a:off x="172426" y="6067613"/>
+            <a:off x="102964" y="5172986"/>
             <a:ext cx="530445" cy="307777"/>
           </a:xfrm>
           <a:prstGeom prst="rect">
@@ -21719,12 +21212,9 @@
 </file>
 
 <file path=customXml/item1.xml><?xml version="1.0" encoding="utf-8"?>
-<?mso-contentType ?>
-<FormTemplates xmlns="http://schemas.microsoft.com/sharepoint/v3/contenttype/forms">
-  <Display>DocumentLibraryForm</Display>
-  <Edit>DocumentLibraryForm</Edit>
-  <New>DocumentLibraryForm</New>
-</FormTemplates>
+<p:properties xmlns:p="http://schemas.microsoft.com/office/2006/metadata/properties" xmlns:xsi="http://www.w3.org/2001/XMLSchema-instance" xmlns:pc="http://schemas.microsoft.com/office/infopath/2007/PartnerControls">
+  <documentManagement/>
+</p:properties>
 </file>
 
 <file path=customXml/item2.xml><?xml version="1.0" encoding="utf-8"?>
@@ -21860,15 +21350,26 @@
 </file>
 
 <file path=customXml/item3.xml><?xml version="1.0" encoding="utf-8"?>
-<p:properties xmlns:p="http://schemas.microsoft.com/office/2006/metadata/properties" xmlns:xsi="http://www.w3.org/2001/XMLSchema-instance" xmlns:pc="http://schemas.microsoft.com/office/infopath/2007/PartnerControls">
-  <documentManagement/>
-</p:properties>
+<?mso-contentType ?>
+<FormTemplates xmlns="http://schemas.microsoft.com/sharepoint/v3/contenttype/forms">
+  <Display>DocumentLibraryForm</Display>
+  <Edit>DocumentLibraryForm</Edit>
+  <New>DocumentLibraryForm</New>
+</FormTemplates>
 </file>
 
 <file path=customXml/itemProps1.xml><?xml version="1.0" encoding="utf-8"?>
-<ds:datastoreItem xmlns:ds="http://schemas.openxmlformats.org/officeDocument/2006/customXml" ds:itemID="{3057252C-AA3B-4053-A64D-51B970623905}">
+<ds:datastoreItem xmlns:ds="http://schemas.openxmlformats.org/officeDocument/2006/customXml" ds:itemID="{D8463AF2-9ABC-4087-AAED-E5A30A3C4C54}">
   <ds:schemaRefs>
-    <ds:schemaRef ds:uri="http://schemas.microsoft.com/sharepoint/v3/contenttype/forms"/>
+    <ds:schemaRef ds:uri="http://schemas.microsoft.com/office/2006/documentManagement/types"/>
+    <ds:schemaRef ds:uri="http://schemas.microsoft.com/office/2006/metadata/properties"/>
+    <ds:schemaRef ds:uri="http://purl.org/dc/elements/1.1/"/>
+    <ds:schemaRef ds:uri="http://purl.org/dc/terms/"/>
+    <ds:schemaRef ds:uri="http://schemas.microsoft.com/office/infopath/2007/PartnerControls"/>
+    <ds:schemaRef ds:uri="http://schemas.openxmlformats.org/package/2006/metadata/core-properties"/>
+    <ds:schemaRef ds:uri="b4ea0a96-3951-4160-baca-c74dadb8c17f"/>
+    <ds:schemaRef ds:uri="http://www.w3.org/XML/1998/namespace"/>
+    <ds:schemaRef ds:uri="http://purl.org/dc/dcmitype/"/>
   </ds:schemaRefs>
 </ds:datastoreItem>
 </file>
@@ -21892,17 +21393,9 @@
 </file>
 
 <file path=customXml/itemProps3.xml><?xml version="1.0" encoding="utf-8"?>
-<ds:datastoreItem xmlns:ds="http://schemas.openxmlformats.org/officeDocument/2006/customXml" ds:itemID="{D8463AF2-9ABC-4087-AAED-E5A30A3C4C54}">
+<ds:datastoreItem xmlns:ds="http://schemas.openxmlformats.org/officeDocument/2006/customXml" ds:itemID="{3057252C-AA3B-4053-A64D-51B970623905}">
   <ds:schemaRefs>
-    <ds:schemaRef ds:uri="http://schemas.microsoft.com/office/2006/documentManagement/types"/>
-    <ds:schemaRef ds:uri="http://schemas.microsoft.com/office/2006/metadata/properties"/>
-    <ds:schemaRef ds:uri="http://purl.org/dc/elements/1.1/"/>
-    <ds:schemaRef ds:uri="http://purl.org/dc/terms/"/>
-    <ds:schemaRef ds:uri="http://schemas.microsoft.com/office/infopath/2007/PartnerControls"/>
-    <ds:schemaRef ds:uri="http://schemas.openxmlformats.org/package/2006/metadata/core-properties"/>
-    <ds:schemaRef ds:uri="b4ea0a96-3951-4160-baca-c74dadb8c17f"/>
-    <ds:schemaRef ds:uri="http://www.w3.org/XML/1998/namespace"/>
-    <ds:schemaRef ds:uri="http://purl.org/dc/dcmitype/"/>
+    <ds:schemaRef ds:uri="http://schemas.microsoft.com/sharepoint/v3/contenttype/forms"/>
   </ds:schemaRefs>
 </ds:datastoreItem>
 </file>
--- a/Esercitazione_8/esercitazione8.pptx
+++ b/Esercitazione_8/esercitazione8.pptx
@@ -746,7 +746,7 @@
           <a:noFill/>
           <a:extLst>
             <a:ext uri="{909E8E84-426E-40dd-AFC4-6F175D3DCCD1}">
-              <a14:hiddenFill xmlns:a14="http://schemas.microsoft.com/office/drawing/2010/main" xmlns="">
+              <a14:hiddenFill xmlns="" xmlns:a14="http://schemas.microsoft.com/office/drawing/2010/main">
                 <a:solidFill>
                   <a:srgbClr val="FFFFFF"/>
                 </a:solidFill>
@@ -806,7 +806,7 @@
             </a:ln>
             <a:extLst>
               <a:ext uri="{91240B29-F687-4f45-9708-019B960494DF}">
-                <a14:hiddenLine xmlns:a14="http://schemas.microsoft.com/office/drawing/2010/main" xmlns="" w="9525">
+                <a14:hiddenLine xmlns="" xmlns:a14="http://schemas.microsoft.com/office/drawing/2010/main" w="9525">
                   <a:solidFill>
                     <a:srgbClr val="000000"/>
                   </a:solidFill>
@@ -896,7 +896,7 @@
             </a:ln>
             <a:extLst>
               <a:ext uri="{91240B29-F687-4f45-9708-019B960494DF}">
-                <a14:hiddenLine xmlns:a14="http://schemas.microsoft.com/office/drawing/2010/main" xmlns="" w="9525">
+                <a14:hiddenLine xmlns="" xmlns:a14="http://schemas.microsoft.com/office/drawing/2010/main" w="9525">
                   <a:solidFill>
                     <a:srgbClr val="000000"/>
                   </a:solidFill>
@@ -986,7 +986,7 @@
             </a:ln>
             <a:extLst>
               <a:ext uri="{91240B29-F687-4f45-9708-019B960494DF}">
-                <a14:hiddenLine xmlns:a14="http://schemas.microsoft.com/office/drawing/2010/main" xmlns="" w="9525">
+                <a14:hiddenLine xmlns="" xmlns:a14="http://schemas.microsoft.com/office/drawing/2010/main" w="9525">
                   <a:solidFill>
                     <a:srgbClr val="000000"/>
                   </a:solidFill>
@@ -1020,7 +1020,7 @@
             </a:ln>
             <a:extLst>
               <a:ext uri="{91240B29-F687-4f45-9708-019B960494DF}">
-                <a14:hiddenLine xmlns:a14="http://schemas.microsoft.com/office/drawing/2010/main" xmlns="" w="9525">
+                <a14:hiddenLine xmlns="" xmlns:a14="http://schemas.microsoft.com/office/drawing/2010/main" w="9525">
                   <a:solidFill>
                     <a:srgbClr val="000000"/>
                   </a:solidFill>
@@ -1110,7 +1110,7 @@
             </a:ln>
             <a:extLst>
               <a:ext uri="{91240B29-F687-4f45-9708-019B960494DF}">
-                <a14:hiddenLine xmlns:a14="http://schemas.microsoft.com/office/drawing/2010/main" xmlns="" w="9525">
+                <a14:hiddenLine xmlns="" xmlns:a14="http://schemas.microsoft.com/office/drawing/2010/main" w="9525">
                   <a:solidFill>
                     <a:srgbClr val="000000"/>
                   </a:solidFill>
@@ -1172,7 +1172,7 @@
             </a:ln>
             <a:extLst>
               <a:ext uri="{91240B29-F687-4f45-9708-019B960494DF}">
-                <a14:hiddenLine xmlns:a14="http://schemas.microsoft.com/office/drawing/2010/main" xmlns="" w="9525">
+                <a14:hiddenLine xmlns="" xmlns:a14="http://schemas.microsoft.com/office/drawing/2010/main" w="9525">
                   <a:solidFill>
                     <a:srgbClr val="000000"/>
                   </a:solidFill>
@@ -1234,7 +1234,7 @@
             </a:ln>
             <a:extLst>
               <a:ext uri="{91240B29-F687-4f45-9708-019B960494DF}">
-                <a14:hiddenLine xmlns:a14="http://schemas.microsoft.com/office/drawing/2010/main" xmlns="" w="9525">
+                <a14:hiddenLine xmlns="" xmlns:a14="http://schemas.microsoft.com/office/drawing/2010/main" w="9525">
                   <a:solidFill>
                     <a:srgbClr val="000000"/>
                   </a:solidFill>
@@ -1324,7 +1324,7 @@
             </a:ln>
             <a:extLst>
               <a:ext uri="{91240B29-F687-4f45-9708-019B960494DF}">
-                <a14:hiddenLine xmlns:a14="http://schemas.microsoft.com/office/drawing/2010/main" xmlns="" w="9525">
+                <a14:hiddenLine xmlns="" xmlns:a14="http://schemas.microsoft.com/office/drawing/2010/main" w="9525">
                   <a:solidFill>
                     <a:srgbClr val="000000"/>
                   </a:solidFill>
@@ -1386,7 +1386,7 @@
             </a:ln>
             <a:extLst>
               <a:ext uri="{91240B29-F687-4f45-9708-019B960494DF}">
-                <a14:hiddenLine xmlns:a14="http://schemas.microsoft.com/office/drawing/2010/main" xmlns="" w="9525">
+                <a14:hiddenLine xmlns="" xmlns:a14="http://schemas.microsoft.com/office/drawing/2010/main" w="9525">
                   <a:solidFill>
                     <a:srgbClr val="000000"/>
                   </a:solidFill>
@@ -1448,7 +1448,7 @@
             </a:ln>
             <a:extLst>
               <a:ext uri="{91240B29-F687-4f45-9708-019B960494DF}">
-                <a14:hiddenLine xmlns:a14="http://schemas.microsoft.com/office/drawing/2010/main" xmlns="" w="9525">
+                <a14:hiddenLine xmlns="" xmlns:a14="http://schemas.microsoft.com/office/drawing/2010/main" w="9525">
                   <a:solidFill>
                     <a:srgbClr val="000000"/>
                   </a:solidFill>
@@ -1538,7 +1538,7 @@
             </a:ln>
             <a:extLst>
               <a:ext uri="{91240B29-F687-4f45-9708-019B960494DF}">
-                <a14:hiddenLine xmlns:a14="http://schemas.microsoft.com/office/drawing/2010/main" xmlns="" w="9525">
+                <a14:hiddenLine xmlns="" xmlns:a14="http://schemas.microsoft.com/office/drawing/2010/main" w="9525">
                   <a:solidFill>
                     <a:srgbClr val="000000"/>
                   </a:solidFill>
@@ -1628,7 +1628,7 @@
             </a:ln>
             <a:extLst>
               <a:ext uri="{91240B29-F687-4f45-9708-019B960494DF}">
-                <a14:hiddenLine xmlns:a14="http://schemas.microsoft.com/office/drawing/2010/main" xmlns="" w="9525">
+                <a14:hiddenLine xmlns="" xmlns:a14="http://schemas.microsoft.com/office/drawing/2010/main" w="9525">
                   <a:solidFill>
                     <a:srgbClr val="000000"/>
                   </a:solidFill>
@@ -1690,7 +1690,7 @@
             </a:ln>
             <a:extLst>
               <a:ext uri="{91240B29-F687-4f45-9708-019B960494DF}">
-                <a14:hiddenLine xmlns:a14="http://schemas.microsoft.com/office/drawing/2010/main" xmlns="" w="9525">
+                <a14:hiddenLine xmlns="" xmlns:a14="http://schemas.microsoft.com/office/drawing/2010/main" w="9525">
                   <a:solidFill>
                     <a:srgbClr val="000000"/>
                   </a:solidFill>
@@ -1800,7 +1800,7 @@
             </a:ln>
             <a:extLst>
               <a:ext uri="{91240B29-F687-4f45-9708-019B960494DF}">
-                <a14:hiddenLine xmlns:a14="http://schemas.microsoft.com/office/drawing/2010/main" xmlns="" w="9525">
+                <a14:hiddenLine xmlns="" xmlns:a14="http://schemas.microsoft.com/office/drawing/2010/main" w="9525">
                   <a:solidFill>
                     <a:srgbClr val="000000"/>
                   </a:solidFill>
@@ -1862,7 +1862,7 @@
             </a:ln>
             <a:extLst>
               <a:ext uri="{91240B29-F687-4f45-9708-019B960494DF}">
-                <a14:hiddenLine xmlns:a14="http://schemas.microsoft.com/office/drawing/2010/main" xmlns="" w="9525">
+                <a14:hiddenLine xmlns="" xmlns:a14="http://schemas.microsoft.com/office/drawing/2010/main" w="9525">
                   <a:solidFill>
                     <a:srgbClr val="000000"/>
                   </a:solidFill>
@@ -1952,7 +1952,7 @@
             </a:ln>
             <a:extLst>
               <a:ext uri="{91240B29-F687-4f45-9708-019B960494DF}">
-                <a14:hiddenLine xmlns:a14="http://schemas.microsoft.com/office/drawing/2010/main" xmlns="" w="9525">
+                <a14:hiddenLine xmlns="" xmlns:a14="http://schemas.microsoft.com/office/drawing/2010/main" w="9525">
                   <a:solidFill>
                     <a:srgbClr val="000000"/>
                   </a:solidFill>
@@ -2042,7 +2042,7 @@
             </a:ln>
             <a:extLst>
               <a:ext uri="{91240B29-F687-4f45-9708-019B960494DF}">
-                <a14:hiddenLine xmlns:a14="http://schemas.microsoft.com/office/drawing/2010/main" xmlns="" w="9525">
+                <a14:hiddenLine xmlns="" xmlns:a14="http://schemas.microsoft.com/office/drawing/2010/main" w="9525">
                   <a:solidFill>
                     <a:srgbClr val="000000"/>
                   </a:solidFill>
@@ -2104,7 +2104,7 @@
             </a:ln>
             <a:extLst>
               <a:ext uri="{91240B29-F687-4f45-9708-019B960494DF}">
-                <a14:hiddenLine xmlns:a14="http://schemas.microsoft.com/office/drawing/2010/main" xmlns="" w="9525">
+                <a14:hiddenLine xmlns="" xmlns:a14="http://schemas.microsoft.com/office/drawing/2010/main" w="9525">
                   <a:solidFill>
                     <a:srgbClr val="000000"/>
                   </a:solidFill>
@@ -2194,7 +2194,7 @@
             </a:ln>
             <a:extLst>
               <a:ext uri="{91240B29-F687-4f45-9708-019B960494DF}">
-                <a14:hiddenLine xmlns:a14="http://schemas.microsoft.com/office/drawing/2010/main" xmlns="" w="9525">
+                <a14:hiddenLine xmlns="" xmlns:a14="http://schemas.microsoft.com/office/drawing/2010/main" w="9525">
                   <a:solidFill>
                     <a:srgbClr val="000000"/>
                   </a:solidFill>
@@ -2284,7 +2284,7 @@
             </a:ln>
             <a:extLst>
               <a:ext uri="{91240B29-F687-4f45-9708-019B960494DF}">
-                <a14:hiddenLine xmlns:a14="http://schemas.microsoft.com/office/drawing/2010/main" xmlns="" w="9525">
+                <a14:hiddenLine xmlns="" xmlns:a14="http://schemas.microsoft.com/office/drawing/2010/main" w="9525">
                   <a:solidFill>
                     <a:srgbClr val="000000"/>
                   </a:solidFill>
@@ -2340,7 +2340,7 @@
             </a:ln>
             <a:extLst>
               <a:ext uri="{91240B29-F687-4f45-9708-019B960494DF}">
-                <a14:hiddenLine xmlns:a14="http://schemas.microsoft.com/office/drawing/2010/main" xmlns="" w="9525">
+                <a14:hiddenLine xmlns="" xmlns:a14="http://schemas.microsoft.com/office/drawing/2010/main" w="9525">
                   <a:solidFill>
                     <a:srgbClr val="000000"/>
                   </a:solidFill>
@@ -2430,7 +2430,7 @@
             </a:ln>
             <a:extLst>
               <a:ext uri="{91240B29-F687-4f45-9708-019B960494DF}">
-                <a14:hiddenLine xmlns:a14="http://schemas.microsoft.com/office/drawing/2010/main" xmlns="" w="9525">
+                <a14:hiddenLine xmlns="" xmlns:a14="http://schemas.microsoft.com/office/drawing/2010/main" w="9525">
                   <a:solidFill>
                     <a:srgbClr val="000000"/>
                   </a:solidFill>
@@ -2486,7 +2486,7 @@
             </a:ln>
             <a:extLst>
               <a:ext uri="{91240B29-F687-4f45-9708-019B960494DF}">
-                <a14:hiddenLine xmlns:a14="http://schemas.microsoft.com/office/drawing/2010/main" xmlns="" w="9525">
+                <a14:hiddenLine xmlns="" xmlns:a14="http://schemas.microsoft.com/office/drawing/2010/main" w="9525">
                   <a:solidFill>
                     <a:srgbClr val="000000"/>
                   </a:solidFill>
@@ -2576,7 +2576,7 @@
             </a:ln>
             <a:extLst>
               <a:ext uri="{91240B29-F687-4f45-9708-019B960494DF}">
-                <a14:hiddenLine xmlns:a14="http://schemas.microsoft.com/office/drawing/2010/main" xmlns="" w="9525">
+                <a14:hiddenLine xmlns="" xmlns:a14="http://schemas.microsoft.com/office/drawing/2010/main" w="9525">
                   <a:solidFill>
                     <a:srgbClr val="000000"/>
                   </a:solidFill>
@@ -2644,7 +2644,7 @@
             </a:ln>
             <a:extLst>
               <a:ext uri="{91240B29-F687-4f45-9708-019B960494DF}">
-                <a14:hiddenLine xmlns:a14="http://schemas.microsoft.com/office/drawing/2010/main" xmlns="" w="9525">
+                <a14:hiddenLine xmlns="" xmlns:a14="http://schemas.microsoft.com/office/drawing/2010/main" w="9525">
                   <a:solidFill>
                     <a:srgbClr val="000000"/>
                   </a:solidFill>
@@ -2734,7 +2734,7 @@
             </a:ln>
             <a:extLst>
               <a:ext uri="{91240B29-F687-4f45-9708-019B960494DF}">
-                <a14:hiddenLine xmlns:a14="http://schemas.microsoft.com/office/drawing/2010/main" xmlns="" w="9525">
+                <a14:hiddenLine xmlns="" xmlns:a14="http://schemas.microsoft.com/office/drawing/2010/main" w="9525">
                   <a:solidFill>
                     <a:srgbClr val="000000"/>
                   </a:solidFill>
@@ -2802,7 +2802,7 @@
             </a:ln>
             <a:extLst>
               <a:ext uri="{91240B29-F687-4f45-9708-019B960494DF}">
-                <a14:hiddenLine xmlns:a14="http://schemas.microsoft.com/office/drawing/2010/main" xmlns="" w="9525">
+                <a14:hiddenLine xmlns="" xmlns:a14="http://schemas.microsoft.com/office/drawing/2010/main" w="9525">
                   <a:solidFill>
                     <a:srgbClr val="000000"/>
                   </a:solidFill>
@@ -2892,7 +2892,7 @@
             </a:ln>
             <a:extLst>
               <a:ext uri="{91240B29-F687-4f45-9708-019B960494DF}">
-                <a14:hiddenLine xmlns:a14="http://schemas.microsoft.com/office/drawing/2010/main" xmlns="" w="9525">
+                <a14:hiddenLine xmlns="" xmlns:a14="http://schemas.microsoft.com/office/drawing/2010/main" w="9525">
                   <a:solidFill>
                     <a:srgbClr val="000000"/>
                   </a:solidFill>
@@ -2926,7 +2926,7 @@
             </a:ln>
             <a:extLst>
               <a:ext uri="{91240B29-F687-4f45-9708-019B960494DF}">
-                <a14:hiddenLine xmlns:a14="http://schemas.microsoft.com/office/drawing/2010/main" xmlns="" w="9525">
+                <a14:hiddenLine xmlns="" xmlns:a14="http://schemas.microsoft.com/office/drawing/2010/main" w="9525">
                   <a:solidFill>
                     <a:srgbClr val="000000"/>
                   </a:solidFill>
@@ -3016,7 +3016,7 @@
             </a:ln>
             <a:extLst>
               <a:ext uri="{91240B29-F687-4f45-9708-019B960494DF}">
-                <a14:hiddenLine xmlns:a14="http://schemas.microsoft.com/office/drawing/2010/main" xmlns="" w="9525">
+                <a14:hiddenLine xmlns="" xmlns:a14="http://schemas.microsoft.com/office/drawing/2010/main" w="9525">
                   <a:solidFill>
                     <a:srgbClr val="000000"/>
                   </a:solidFill>
@@ -3078,7 +3078,7 @@
             </a:ln>
             <a:extLst>
               <a:ext uri="{91240B29-F687-4f45-9708-019B960494DF}">
-                <a14:hiddenLine xmlns:a14="http://schemas.microsoft.com/office/drawing/2010/main" xmlns="" w="9525">
+                <a14:hiddenLine xmlns="" xmlns:a14="http://schemas.microsoft.com/office/drawing/2010/main" w="9525">
                   <a:solidFill>
                     <a:srgbClr val="000000"/>
                   </a:solidFill>
@@ -3140,7 +3140,7 @@
             </a:ln>
             <a:extLst>
               <a:ext uri="{91240B29-F687-4f45-9708-019B960494DF}">
-                <a14:hiddenLine xmlns:a14="http://schemas.microsoft.com/office/drawing/2010/main" xmlns="" w="9525">
+                <a14:hiddenLine xmlns="" xmlns:a14="http://schemas.microsoft.com/office/drawing/2010/main" w="9525">
                   <a:solidFill>
                     <a:srgbClr val="000000"/>
                   </a:solidFill>
@@ -3230,7 +3230,7 @@
             </a:ln>
             <a:extLst>
               <a:ext uri="{91240B29-F687-4f45-9708-019B960494DF}">
-                <a14:hiddenLine xmlns:a14="http://schemas.microsoft.com/office/drawing/2010/main" xmlns="" w="9525">
+                <a14:hiddenLine xmlns="" xmlns:a14="http://schemas.microsoft.com/office/drawing/2010/main" w="9525">
                   <a:solidFill>
                     <a:srgbClr val="000000"/>
                   </a:solidFill>
@@ -3298,7 +3298,7 @@
             </a:ln>
             <a:extLst>
               <a:ext uri="{91240B29-F687-4f45-9708-019B960494DF}">
-                <a14:hiddenLine xmlns:a14="http://schemas.microsoft.com/office/drawing/2010/main" xmlns="" w="9525">
+                <a14:hiddenLine xmlns="" xmlns:a14="http://schemas.microsoft.com/office/drawing/2010/main" w="9525">
                   <a:solidFill>
                     <a:srgbClr val="000000"/>
                   </a:solidFill>
@@ -3360,7 +3360,7 @@
             </a:ln>
             <a:extLst>
               <a:ext uri="{91240B29-F687-4f45-9708-019B960494DF}">
-                <a14:hiddenLine xmlns:a14="http://schemas.microsoft.com/office/drawing/2010/main" xmlns="" w="9525">
+                <a14:hiddenLine xmlns="" xmlns:a14="http://schemas.microsoft.com/office/drawing/2010/main" w="9525">
                   <a:solidFill>
                     <a:srgbClr val="000000"/>
                   </a:solidFill>
@@ -3450,7 +3450,7 @@
             </a:ln>
             <a:extLst>
               <a:ext uri="{91240B29-F687-4f45-9708-019B960494DF}">
-                <a14:hiddenLine xmlns:a14="http://schemas.microsoft.com/office/drawing/2010/main" xmlns="" w="9525">
+                <a14:hiddenLine xmlns="" xmlns:a14="http://schemas.microsoft.com/office/drawing/2010/main" w="9525">
                   <a:solidFill>
                     <a:srgbClr val="000000"/>
                   </a:solidFill>
@@ -3512,7 +3512,7 @@
             </a:ln>
             <a:extLst>
               <a:ext uri="{91240B29-F687-4f45-9708-019B960494DF}">
-                <a14:hiddenLine xmlns:a14="http://schemas.microsoft.com/office/drawing/2010/main" xmlns="" w="9525">
+                <a14:hiddenLine xmlns="" xmlns:a14="http://schemas.microsoft.com/office/drawing/2010/main" w="9525">
                   <a:solidFill>
                     <a:srgbClr val="000000"/>
                   </a:solidFill>
@@ -3602,7 +3602,7 @@
             </a:ln>
             <a:extLst>
               <a:ext uri="{91240B29-F687-4f45-9708-019B960494DF}">
-                <a14:hiddenLine xmlns:a14="http://schemas.microsoft.com/office/drawing/2010/main" xmlns="" w="9525">
+                <a14:hiddenLine xmlns="" xmlns:a14="http://schemas.microsoft.com/office/drawing/2010/main" w="9525">
                   <a:solidFill>
                     <a:srgbClr val="000000"/>
                   </a:solidFill>
@@ -3664,7 +3664,7 @@
             </a:ln>
             <a:extLst>
               <a:ext uri="{91240B29-F687-4f45-9708-019B960494DF}">
-                <a14:hiddenLine xmlns:a14="http://schemas.microsoft.com/office/drawing/2010/main" xmlns="" w="9525">
+                <a14:hiddenLine xmlns="" xmlns:a14="http://schemas.microsoft.com/office/drawing/2010/main" w="9525">
                   <a:solidFill>
                     <a:srgbClr val="000000"/>
                   </a:solidFill>
@@ -3754,7 +3754,7 @@
             </a:ln>
             <a:extLst>
               <a:ext uri="{91240B29-F687-4f45-9708-019B960494DF}">
-                <a14:hiddenLine xmlns:a14="http://schemas.microsoft.com/office/drawing/2010/main" xmlns="" w="9525">
+                <a14:hiddenLine xmlns="" xmlns:a14="http://schemas.microsoft.com/office/drawing/2010/main" w="9525">
                   <a:solidFill>
                     <a:srgbClr val="000000"/>
                   </a:solidFill>
@@ -3788,7 +3788,7 @@
             </a:ln>
             <a:extLst>
               <a:ext uri="{91240B29-F687-4f45-9708-019B960494DF}">
-                <a14:hiddenLine xmlns:a14="http://schemas.microsoft.com/office/drawing/2010/main" xmlns="" w="9525">
+                <a14:hiddenLine xmlns="" xmlns:a14="http://schemas.microsoft.com/office/drawing/2010/main" w="9525">
                   <a:solidFill>
                     <a:srgbClr val="000000"/>
                   </a:solidFill>
@@ -3853,7 +3853,7 @@
             </a:ln>
             <a:extLst>
               <a:ext uri="{91240B29-F687-4f45-9708-019B960494DF}">
-                <a14:hiddenLine xmlns:a14="http://schemas.microsoft.com/office/drawing/2010/main" xmlns="" w="9525">
+                <a14:hiddenLine xmlns="" xmlns:a14="http://schemas.microsoft.com/office/drawing/2010/main" w="9525">
                   <a:solidFill>
                     <a:srgbClr val="000000"/>
                   </a:solidFill>
@@ -3943,7 +3943,7 @@
             </a:ln>
             <a:extLst>
               <a:ext uri="{91240B29-F687-4f45-9708-019B960494DF}">
-                <a14:hiddenLine xmlns:a14="http://schemas.microsoft.com/office/drawing/2010/main" xmlns="" w="9525">
+                <a14:hiddenLine xmlns="" xmlns:a14="http://schemas.microsoft.com/office/drawing/2010/main" w="9525">
                   <a:solidFill>
                     <a:srgbClr val="000000"/>
                   </a:solidFill>
@@ -4005,7 +4005,7 @@
             </a:ln>
             <a:extLst>
               <a:ext uri="{91240B29-F687-4f45-9708-019B960494DF}">
-                <a14:hiddenLine xmlns:a14="http://schemas.microsoft.com/office/drawing/2010/main" xmlns="" w="9525">
+                <a14:hiddenLine xmlns="" xmlns:a14="http://schemas.microsoft.com/office/drawing/2010/main" w="9525">
                   <a:solidFill>
                     <a:srgbClr val="000000"/>
                   </a:solidFill>
@@ -4095,7 +4095,7 @@
             </a:ln>
             <a:extLst>
               <a:ext uri="{91240B29-F687-4f45-9708-019B960494DF}">
-                <a14:hiddenLine xmlns:a14="http://schemas.microsoft.com/office/drawing/2010/main" xmlns="" w="9525">
+                <a14:hiddenLine xmlns="" xmlns:a14="http://schemas.microsoft.com/office/drawing/2010/main" w="9525">
                   <a:solidFill>
                     <a:srgbClr val="000000"/>
                   </a:solidFill>
@@ -4185,7 +4185,7 @@
             </a:ln>
             <a:extLst>
               <a:ext uri="{91240B29-F687-4f45-9708-019B960494DF}">
-                <a14:hiddenLine xmlns:a14="http://schemas.microsoft.com/office/drawing/2010/main" xmlns="" w="9525">
+                <a14:hiddenLine xmlns="" xmlns:a14="http://schemas.microsoft.com/office/drawing/2010/main" w="9525">
                   <a:solidFill>
                     <a:srgbClr val="000000"/>
                   </a:solidFill>
@@ -4250,7 +4250,7 @@
             </a:ln>
             <a:extLst>
               <a:ext uri="{91240B29-F687-4f45-9708-019B960494DF}">
-                <a14:hiddenLine xmlns:a14="http://schemas.microsoft.com/office/drawing/2010/main" xmlns="" w="9525">
+                <a14:hiddenLine xmlns="" xmlns:a14="http://schemas.microsoft.com/office/drawing/2010/main" w="9525">
                   <a:solidFill>
                     <a:srgbClr val="000000"/>
                   </a:solidFill>
@@ -4312,7 +4312,7 @@
             </a:ln>
             <a:extLst>
               <a:ext uri="{91240B29-F687-4f45-9708-019B960494DF}">
-                <a14:hiddenLine xmlns:a14="http://schemas.microsoft.com/office/drawing/2010/main" xmlns="" w="9525">
+                <a14:hiddenLine xmlns="" xmlns:a14="http://schemas.microsoft.com/office/drawing/2010/main" w="9525">
                   <a:solidFill>
                     <a:srgbClr val="000000"/>
                   </a:solidFill>
@@ -4402,7 +4402,7 @@
             </a:ln>
             <a:extLst>
               <a:ext uri="{91240B29-F687-4f45-9708-019B960494DF}">
-                <a14:hiddenLine xmlns:a14="http://schemas.microsoft.com/office/drawing/2010/main" xmlns="" w="9525">
+                <a14:hiddenLine xmlns="" xmlns:a14="http://schemas.microsoft.com/office/drawing/2010/main" w="9525">
                   <a:solidFill>
                     <a:srgbClr val="000000"/>
                   </a:solidFill>
@@ -4492,7 +4492,7 @@
             </a:ln>
             <a:extLst>
               <a:ext uri="{91240B29-F687-4f45-9708-019B960494DF}">
-                <a14:hiddenLine xmlns:a14="http://schemas.microsoft.com/office/drawing/2010/main" xmlns="" w="9525">
+                <a14:hiddenLine xmlns="" xmlns:a14="http://schemas.microsoft.com/office/drawing/2010/main" w="9525">
                   <a:solidFill>
                     <a:srgbClr val="000000"/>
                   </a:solidFill>
@@ -4554,7 +4554,7 @@
             </a:ln>
             <a:extLst>
               <a:ext uri="{91240B29-F687-4f45-9708-019B960494DF}">
-                <a14:hiddenLine xmlns:a14="http://schemas.microsoft.com/office/drawing/2010/main" xmlns="" w="9525">
+                <a14:hiddenLine xmlns="" xmlns:a14="http://schemas.microsoft.com/office/drawing/2010/main" w="9525">
                   <a:solidFill>
                     <a:srgbClr val="000000"/>
                   </a:solidFill>
@@ -4674,7 +4674,7 @@
             </a:ln>
             <a:extLst>
               <a:ext uri="{91240B29-F687-4f45-9708-019B960494DF}">
-                <a14:hiddenLine xmlns:a14="http://schemas.microsoft.com/office/drawing/2010/main" xmlns="" w="9525">
+                <a14:hiddenLine xmlns="" xmlns:a14="http://schemas.microsoft.com/office/drawing/2010/main" w="9525">
                   <a:solidFill>
                     <a:srgbClr val="000000"/>
                   </a:solidFill>
@@ -4742,7 +4742,7 @@
             </a:ln>
             <a:extLst>
               <a:ext uri="{91240B29-F687-4f45-9708-019B960494DF}">
-                <a14:hiddenLine xmlns:a14="http://schemas.microsoft.com/office/drawing/2010/main" xmlns="" w="9525">
+                <a14:hiddenLine xmlns="" xmlns:a14="http://schemas.microsoft.com/office/drawing/2010/main" w="9525">
                   <a:solidFill>
                     <a:srgbClr val="000000"/>
                   </a:solidFill>
@@ -4832,7 +4832,7 @@
             </a:ln>
             <a:extLst>
               <a:ext uri="{91240B29-F687-4f45-9708-019B960494DF}">
-                <a14:hiddenLine xmlns:a14="http://schemas.microsoft.com/office/drawing/2010/main" xmlns="" w="9525">
+                <a14:hiddenLine xmlns="" xmlns:a14="http://schemas.microsoft.com/office/drawing/2010/main" w="9525">
                   <a:solidFill>
                     <a:srgbClr val="000000"/>
                   </a:solidFill>
@@ -9737,7 +9737,7 @@
           <a:noFill/>
           <a:extLst>
             <a:ext uri="{909E8E84-426E-40dd-AFC4-6F175D3DCCD1}">
-              <a14:hiddenFill xmlns:a14="http://schemas.microsoft.com/office/drawing/2010/main" xmlns="">
+              <a14:hiddenFill xmlns="" xmlns:a14="http://schemas.microsoft.com/office/drawing/2010/main">
                 <a:solidFill>
                   <a:srgbClr val="FFFFFF"/>
                 </a:solidFill>
@@ -9811,7 +9811,7 @@
               </a:ln>
               <a:extLst>
                 <a:ext uri="{91240B29-F687-4f45-9708-019B960494DF}">
-                  <a14:hiddenLine xmlns:a14="http://schemas.microsoft.com/office/drawing/2010/main" xmlns="" w="9525">
+                  <a14:hiddenLine xmlns="" xmlns:a14="http://schemas.microsoft.com/office/drawing/2010/main" w="9525">
                     <a:solidFill>
                       <a:srgbClr val="000000"/>
                     </a:solidFill>
@@ -9901,7 +9901,7 @@
               </a:ln>
               <a:extLst>
                 <a:ext uri="{91240B29-F687-4f45-9708-019B960494DF}">
-                  <a14:hiddenLine xmlns:a14="http://schemas.microsoft.com/office/drawing/2010/main" xmlns="" w="9525">
+                  <a14:hiddenLine xmlns="" xmlns:a14="http://schemas.microsoft.com/office/drawing/2010/main" w="9525">
                     <a:solidFill>
                       <a:srgbClr val="000000"/>
                     </a:solidFill>
@@ -9991,7 +9991,7 @@
               </a:ln>
               <a:extLst>
                 <a:ext uri="{91240B29-F687-4f45-9708-019B960494DF}">
-                  <a14:hiddenLine xmlns:a14="http://schemas.microsoft.com/office/drawing/2010/main" xmlns="" w="9525">
+                  <a14:hiddenLine xmlns="" xmlns:a14="http://schemas.microsoft.com/office/drawing/2010/main" w="9525">
                     <a:solidFill>
                       <a:srgbClr val="000000"/>
                     </a:solidFill>
@@ -10053,7 +10053,7 @@
               </a:ln>
               <a:extLst>
                 <a:ext uri="{91240B29-F687-4f45-9708-019B960494DF}">
-                  <a14:hiddenLine xmlns:a14="http://schemas.microsoft.com/office/drawing/2010/main" xmlns="" w="9525">
+                  <a14:hiddenLine xmlns="" xmlns:a14="http://schemas.microsoft.com/office/drawing/2010/main" w="9525">
                     <a:solidFill>
                       <a:srgbClr val="000000"/>
                     </a:solidFill>
@@ -10143,7 +10143,7 @@
               </a:ln>
               <a:extLst>
                 <a:ext uri="{91240B29-F687-4f45-9708-019B960494DF}">
-                  <a14:hiddenLine xmlns:a14="http://schemas.microsoft.com/office/drawing/2010/main" xmlns="" w="9525">
+                  <a14:hiddenLine xmlns="" xmlns:a14="http://schemas.microsoft.com/office/drawing/2010/main" w="9525">
                     <a:solidFill>
                       <a:srgbClr val="000000"/>
                     </a:solidFill>
@@ -10205,7 +10205,7 @@
               </a:ln>
               <a:extLst>
                 <a:ext uri="{91240B29-F687-4f45-9708-019B960494DF}">
-                  <a14:hiddenLine xmlns:a14="http://schemas.microsoft.com/office/drawing/2010/main" xmlns="" w="9525">
+                  <a14:hiddenLine xmlns="" xmlns:a14="http://schemas.microsoft.com/office/drawing/2010/main" w="9525">
                     <a:solidFill>
                       <a:srgbClr val="000000"/>
                     </a:solidFill>
@@ -10267,7 +10267,7 @@
               </a:ln>
               <a:extLst>
                 <a:ext uri="{91240B29-F687-4f45-9708-019B960494DF}">
-                  <a14:hiddenLine xmlns:a14="http://schemas.microsoft.com/office/drawing/2010/main" xmlns="" w="9525">
+                  <a14:hiddenLine xmlns="" xmlns:a14="http://schemas.microsoft.com/office/drawing/2010/main" w="9525">
                     <a:solidFill>
                       <a:srgbClr val="000000"/>
                     </a:solidFill>
@@ -10357,7 +10357,7 @@
               </a:ln>
               <a:extLst>
                 <a:ext uri="{91240B29-F687-4f45-9708-019B960494DF}">
-                  <a14:hiddenLine xmlns:a14="http://schemas.microsoft.com/office/drawing/2010/main" xmlns="" w="9525">
+                  <a14:hiddenLine xmlns="" xmlns:a14="http://schemas.microsoft.com/office/drawing/2010/main" w="9525">
                     <a:solidFill>
                       <a:srgbClr val="000000"/>
                     </a:solidFill>
@@ -10447,7 +10447,7 @@
               </a:ln>
               <a:extLst>
                 <a:ext uri="{91240B29-F687-4f45-9708-019B960494DF}">
-                  <a14:hiddenLine xmlns:a14="http://schemas.microsoft.com/office/drawing/2010/main" xmlns="" w="9525">
+                  <a14:hiddenLine xmlns="" xmlns:a14="http://schemas.microsoft.com/office/drawing/2010/main" w="9525">
                     <a:solidFill>
                       <a:srgbClr val="000000"/>
                     </a:solidFill>
@@ -10509,7 +10509,7 @@
               </a:ln>
               <a:extLst>
                 <a:ext uri="{91240B29-F687-4f45-9708-019B960494DF}">
-                  <a14:hiddenLine xmlns:a14="http://schemas.microsoft.com/office/drawing/2010/main" xmlns="" w="9525">
+                  <a14:hiddenLine xmlns="" xmlns:a14="http://schemas.microsoft.com/office/drawing/2010/main" w="9525">
                     <a:solidFill>
                       <a:srgbClr val="000000"/>
                     </a:solidFill>
@@ -10619,7 +10619,7 @@
               </a:ln>
               <a:extLst>
                 <a:ext uri="{91240B29-F687-4f45-9708-019B960494DF}">
-                  <a14:hiddenLine xmlns:a14="http://schemas.microsoft.com/office/drawing/2010/main" xmlns="" w="9525">
+                  <a14:hiddenLine xmlns="" xmlns:a14="http://schemas.microsoft.com/office/drawing/2010/main" w="9525">
                     <a:solidFill>
                       <a:srgbClr val="000000"/>
                     </a:solidFill>
@@ -10703,7 +10703,7 @@
               </a:ln>
               <a:extLst>
                 <a:ext uri="{91240B29-F687-4f45-9708-019B960494DF}">
-                  <a14:hiddenLine xmlns:a14="http://schemas.microsoft.com/office/drawing/2010/main" xmlns="" w="9525">
+                  <a14:hiddenLine xmlns="" xmlns:a14="http://schemas.microsoft.com/office/drawing/2010/main" w="9525">
                     <a:solidFill>
                       <a:srgbClr val="000000"/>
                     </a:solidFill>
@@ -10765,7 +10765,7 @@
               </a:ln>
               <a:extLst>
                 <a:ext uri="{91240B29-F687-4f45-9708-019B960494DF}">
-                  <a14:hiddenLine xmlns:a14="http://schemas.microsoft.com/office/drawing/2010/main" xmlns="" w="9525">
+                  <a14:hiddenLine xmlns="" xmlns:a14="http://schemas.microsoft.com/office/drawing/2010/main" w="9525">
                     <a:solidFill>
                       <a:srgbClr val="000000"/>
                     </a:solidFill>
@@ -10827,7 +10827,7 @@
               </a:ln>
               <a:extLst>
                 <a:ext uri="{91240B29-F687-4f45-9708-019B960494DF}">
-                  <a14:hiddenLine xmlns:a14="http://schemas.microsoft.com/office/drawing/2010/main" xmlns="" w="9525">
+                  <a14:hiddenLine xmlns="" xmlns:a14="http://schemas.microsoft.com/office/drawing/2010/main" w="9525">
                     <a:solidFill>
                       <a:srgbClr val="000000"/>
                     </a:solidFill>
@@ -10917,7 +10917,7 @@
               </a:ln>
               <a:extLst>
                 <a:ext uri="{91240B29-F687-4f45-9708-019B960494DF}">
-                  <a14:hiddenLine xmlns:a14="http://schemas.microsoft.com/office/drawing/2010/main" xmlns="" w="9525">
+                  <a14:hiddenLine xmlns="" xmlns:a14="http://schemas.microsoft.com/office/drawing/2010/main" w="9525">
                     <a:solidFill>
                       <a:srgbClr val="000000"/>
                     </a:solidFill>
@@ -10951,7 +10951,7 @@
               </a:ln>
               <a:extLst>
                 <a:ext uri="{91240B29-F687-4f45-9708-019B960494DF}">
-                  <a14:hiddenLine xmlns:a14="http://schemas.microsoft.com/office/drawing/2010/main" xmlns="" w="9525">
+                  <a14:hiddenLine xmlns="" xmlns:a14="http://schemas.microsoft.com/office/drawing/2010/main" w="9525">
                     <a:solidFill>
                       <a:srgbClr val="000000"/>
                     </a:solidFill>
@@ -11016,7 +11016,7 @@
               </a:ln>
               <a:extLst>
                 <a:ext uri="{91240B29-F687-4f45-9708-019B960494DF}">
-                  <a14:hiddenLine xmlns:a14="http://schemas.microsoft.com/office/drawing/2010/main" xmlns="" w="9525">
+                  <a14:hiddenLine xmlns="" xmlns:a14="http://schemas.microsoft.com/office/drawing/2010/main" w="9525">
                     <a:solidFill>
                       <a:srgbClr val="000000"/>
                     </a:solidFill>
@@ -11106,7 +11106,7 @@
               </a:ln>
               <a:extLst>
                 <a:ext uri="{91240B29-F687-4f45-9708-019B960494DF}">
-                  <a14:hiddenLine xmlns:a14="http://schemas.microsoft.com/office/drawing/2010/main" xmlns="" w="9525">
+                  <a14:hiddenLine xmlns="" xmlns:a14="http://schemas.microsoft.com/office/drawing/2010/main" w="9525">
                     <a:solidFill>
                       <a:srgbClr val="000000"/>
                     </a:solidFill>
@@ -11168,7 +11168,7 @@
               </a:ln>
               <a:extLst>
                 <a:ext uri="{91240B29-F687-4f45-9708-019B960494DF}">
-                  <a14:hiddenLine xmlns:a14="http://schemas.microsoft.com/office/drawing/2010/main" xmlns="" w="9525">
+                  <a14:hiddenLine xmlns="" xmlns:a14="http://schemas.microsoft.com/office/drawing/2010/main" w="9525">
                     <a:solidFill>
                       <a:srgbClr val="000000"/>
                     </a:solidFill>
@@ -11258,7 +11258,7 @@
               </a:ln>
               <a:extLst>
                 <a:ext uri="{91240B29-F687-4f45-9708-019B960494DF}">
-                  <a14:hiddenLine xmlns:a14="http://schemas.microsoft.com/office/drawing/2010/main" xmlns="" w="9525">
+                  <a14:hiddenLine xmlns="" xmlns:a14="http://schemas.microsoft.com/office/drawing/2010/main" w="9525">
                     <a:solidFill>
                       <a:srgbClr val="000000"/>
                     </a:solidFill>
@@ -11323,7 +11323,7 @@
               </a:ln>
               <a:extLst>
                 <a:ext uri="{91240B29-F687-4f45-9708-019B960494DF}">
-                  <a14:hiddenLine xmlns:a14="http://schemas.microsoft.com/office/drawing/2010/main" xmlns="" w="9525">
+                  <a14:hiddenLine xmlns="" xmlns:a14="http://schemas.microsoft.com/office/drawing/2010/main" w="9525">
                     <a:solidFill>
                       <a:srgbClr val="000000"/>
                     </a:solidFill>
@@ -11385,7 +11385,7 @@
               </a:ln>
               <a:extLst>
                 <a:ext uri="{91240B29-F687-4f45-9708-019B960494DF}">
-                  <a14:hiddenLine xmlns:a14="http://schemas.microsoft.com/office/drawing/2010/main" xmlns="" w="9525">
+                  <a14:hiddenLine xmlns="" xmlns:a14="http://schemas.microsoft.com/office/drawing/2010/main" w="9525">
                     <a:solidFill>
                       <a:srgbClr val="000000"/>
                     </a:solidFill>
@@ -11475,7 +11475,7 @@
               </a:ln>
               <a:extLst>
                 <a:ext uri="{91240B29-F687-4f45-9708-019B960494DF}">
-                  <a14:hiddenLine xmlns:a14="http://schemas.microsoft.com/office/drawing/2010/main" xmlns="" w="9525">
+                  <a14:hiddenLine xmlns="" xmlns:a14="http://schemas.microsoft.com/office/drawing/2010/main" w="9525">
                     <a:solidFill>
                       <a:srgbClr val="000000"/>
                     </a:solidFill>
@@ -11565,7 +11565,7 @@
               </a:ln>
               <a:extLst>
                 <a:ext uri="{91240B29-F687-4f45-9708-019B960494DF}">
-                  <a14:hiddenLine xmlns:a14="http://schemas.microsoft.com/office/drawing/2010/main" xmlns="" w="9525">
+                  <a14:hiddenLine xmlns="" xmlns:a14="http://schemas.microsoft.com/office/drawing/2010/main" w="9525">
                     <a:solidFill>
                       <a:srgbClr val="000000"/>
                     </a:solidFill>
@@ -11630,7 +11630,7 @@
               </a:ln>
               <a:extLst>
                 <a:ext uri="{91240B29-F687-4f45-9708-019B960494DF}">
-                  <a14:hiddenLine xmlns:a14="http://schemas.microsoft.com/office/drawing/2010/main" xmlns="" w="9525">
+                  <a14:hiddenLine xmlns="" xmlns:a14="http://schemas.microsoft.com/office/drawing/2010/main" w="9525">
                     <a:solidFill>
                       <a:srgbClr val="000000"/>
                     </a:solidFill>
@@ -11750,7 +11750,7 @@
               </a:ln>
               <a:extLst>
                 <a:ext uri="{91240B29-F687-4f45-9708-019B960494DF}">
-                  <a14:hiddenLine xmlns:a14="http://schemas.microsoft.com/office/drawing/2010/main" xmlns="" w="9525">
+                  <a14:hiddenLine xmlns="" xmlns:a14="http://schemas.microsoft.com/office/drawing/2010/main" w="9525">
                     <a:solidFill>
                       <a:srgbClr val="000000"/>
                     </a:solidFill>
@@ -11848,7 +11848,7 @@
               </a:ln>
               <a:extLst>
                 <a:ext uri="{91240B29-F687-4f45-9708-019B960494DF}">
-                  <a14:hiddenLine xmlns:a14="http://schemas.microsoft.com/office/drawing/2010/main" xmlns="" w="9525">
+                  <a14:hiddenLine xmlns="" xmlns:a14="http://schemas.microsoft.com/office/drawing/2010/main" w="9525">
                     <a:solidFill>
                       <a:srgbClr val="000000"/>
                     </a:solidFill>
@@ -11963,7 +11963,7 @@
               </a:ln>
               <a:extLst>
                 <a:ext uri="{91240B29-F687-4f45-9708-019B960494DF}">
-                  <a14:hiddenLine xmlns:a14="http://schemas.microsoft.com/office/drawing/2010/main" xmlns="" w="9525">
+                  <a14:hiddenLine xmlns="" xmlns:a14="http://schemas.microsoft.com/office/drawing/2010/main" w="9525">
                     <a:solidFill>
                       <a:srgbClr val="000000"/>
                     </a:solidFill>
@@ -12053,7 +12053,7 @@
               </a:ln>
               <a:extLst>
                 <a:ext uri="{91240B29-F687-4f45-9708-019B960494DF}">
-                  <a14:hiddenLine xmlns:a14="http://schemas.microsoft.com/office/drawing/2010/main" xmlns="" w="9525">
+                  <a14:hiddenLine xmlns="" xmlns:a14="http://schemas.microsoft.com/office/drawing/2010/main" w="9525">
                     <a:solidFill>
                       <a:srgbClr val="000000"/>
                     </a:solidFill>
@@ -12118,7 +12118,7 @@
               </a:ln>
               <a:extLst>
                 <a:ext uri="{91240B29-F687-4f45-9708-019B960494DF}">
-                  <a14:hiddenLine xmlns:a14="http://schemas.microsoft.com/office/drawing/2010/main" xmlns="" w="9525">
+                  <a14:hiddenLine xmlns="" xmlns:a14="http://schemas.microsoft.com/office/drawing/2010/main" w="9525">
                     <a:solidFill>
                       <a:srgbClr val="000000"/>
                     </a:solidFill>
@@ -12208,7 +12208,7 @@
               </a:ln>
               <a:extLst>
                 <a:ext uri="{91240B29-F687-4f45-9708-019B960494DF}">
-                  <a14:hiddenLine xmlns:a14="http://schemas.microsoft.com/office/drawing/2010/main" xmlns="" w="9525">
+                  <a14:hiddenLine xmlns="" xmlns:a14="http://schemas.microsoft.com/office/drawing/2010/main" w="9525">
                     <a:solidFill>
                       <a:srgbClr val="000000"/>
                     </a:solidFill>
@@ -12276,7 +12276,7 @@
               </a:ln>
               <a:extLst>
                 <a:ext uri="{91240B29-F687-4f45-9708-019B960494DF}">
-                  <a14:hiddenLine xmlns:a14="http://schemas.microsoft.com/office/drawing/2010/main" xmlns="" w="9525">
+                  <a14:hiddenLine xmlns="" xmlns:a14="http://schemas.microsoft.com/office/drawing/2010/main" w="9525">
                     <a:solidFill>
                       <a:srgbClr val="000000"/>
                     </a:solidFill>
@@ -12366,7 +12366,7 @@
               </a:ln>
               <a:extLst>
                 <a:ext uri="{91240B29-F687-4f45-9708-019B960494DF}">
-                  <a14:hiddenLine xmlns:a14="http://schemas.microsoft.com/office/drawing/2010/main" xmlns="" w="9525">
+                  <a14:hiddenLine xmlns="" xmlns:a14="http://schemas.microsoft.com/office/drawing/2010/main" w="9525">
                     <a:solidFill>
                       <a:srgbClr val="000000"/>
                     </a:solidFill>
@@ -12434,7 +12434,7 @@
               </a:ln>
               <a:extLst>
                 <a:ext uri="{91240B29-F687-4f45-9708-019B960494DF}">
-                  <a14:hiddenLine xmlns:a14="http://schemas.microsoft.com/office/drawing/2010/main" xmlns="" w="9525">
+                  <a14:hiddenLine xmlns="" xmlns:a14="http://schemas.microsoft.com/office/drawing/2010/main" w="9525">
                     <a:solidFill>
                       <a:srgbClr val="000000"/>
                     </a:solidFill>
@@ -12524,7 +12524,7 @@
               </a:ln>
               <a:extLst>
                 <a:ext uri="{91240B29-F687-4f45-9708-019B960494DF}">
-                  <a14:hiddenLine xmlns:a14="http://schemas.microsoft.com/office/drawing/2010/main" xmlns="" w="9525">
+                  <a14:hiddenLine xmlns="" xmlns:a14="http://schemas.microsoft.com/office/drawing/2010/main" w="9525">
                     <a:solidFill>
                       <a:srgbClr val="000000"/>
                     </a:solidFill>
@@ -12558,7 +12558,7 @@
               </a:ln>
               <a:extLst>
                 <a:ext uri="{91240B29-F687-4f45-9708-019B960494DF}">
-                  <a14:hiddenLine xmlns:a14="http://schemas.microsoft.com/office/drawing/2010/main" xmlns="" w="9525">
+                  <a14:hiddenLine xmlns="" xmlns:a14="http://schemas.microsoft.com/office/drawing/2010/main" w="9525">
                     <a:solidFill>
                       <a:srgbClr val="000000"/>
                     </a:solidFill>
@@ -13549,7 +13549,7 @@
         </p:nvSpPr>
         <p:spPr>
           <a:xfrm>
-            <a:off x="-921548" y="1177652"/>
+            <a:off x="-918452" y="1475213"/>
             <a:ext cx="828000" cy="828000"/>
           </a:xfrm>
           <a:prstGeom prst="ellipse">
@@ -13653,7 +13653,7 @@
         </p:nvSpPr>
         <p:spPr>
           <a:xfrm>
-            <a:off x="-983587" y="3468215"/>
+            <a:off x="-1053478" y="4093992"/>
             <a:ext cx="828000" cy="828000"/>
           </a:xfrm>
           <a:prstGeom prst="ellipse">
@@ -13693,10 +13693,10 @@
       </p:sp>
       <p:sp>
         <p:nvSpPr>
-          <p:cNvPr id="37" name="Ovale 36">
+          <p:cNvPr id="38" name="Ovale 37">
             <a:extLst>
               <a:ext uri="{FF2B5EF4-FFF2-40B4-BE49-F238E27FC236}">
-                <a16:creationId xmlns:a16="http://schemas.microsoft.com/office/drawing/2014/main" id="{1D88484A-4A5C-4C39-8803-41B298BC713B}"/>
+                <a16:creationId xmlns:a16="http://schemas.microsoft.com/office/drawing/2014/main" id="{FF876CDD-7F74-4DEF-811F-4600E883D877}"/>
               </a:ext>
             </a:extLst>
           </p:cNvPr>
@@ -13705,7 +13705,7 @@
         </p:nvSpPr>
         <p:spPr>
           <a:xfrm>
-            <a:off x="-986948" y="4579481"/>
+            <a:off x="-928771" y="5302528"/>
             <a:ext cx="828000" cy="828000"/>
           </a:xfrm>
           <a:prstGeom prst="ellipse">
@@ -13743,12 +13743,119 @@
           </a:p>
         </p:txBody>
       </p:sp>
+      <p:pic>
+        <p:nvPicPr>
+          <p:cNvPr id="39" name="Elemento grafico 38" descr="Tiro a segno con riempimento a tinta unita">
+            <a:extLst>
+              <a:ext uri="{FF2B5EF4-FFF2-40B4-BE49-F238E27FC236}">
+                <a16:creationId xmlns:a16="http://schemas.microsoft.com/office/drawing/2014/main" id="{4EDBAD58-44A3-4A31-B226-F37D3021A305}"/>
+              </a:ext>
+            </a:extLst>
+          </p:cNvPr>
+          <p:cNvPicPr>
+            <a:picLocks noChangeAspect="1"/>
+          </p:cNvPicPr>
+          <p:nvPr/>
+        </p:nvPicPr>
+        <p:blipFill>
+          <a:blip r:embed="rId3">
+            <a:extLst>
+              <a:ext uri="{96DAC541-7B7A-43D3-8B79-37D633B846F1}">
+                <asvg:svgBlip xmlns:asvg="http://schemas.microsoft.com/office/drawing/2016/SVG/main" r:embed="rId4"/>
+              </a:ext>
+            </a:extLst>
+          </a:blip>
+          <a:srcRect/>
+          <a:stretch/>
+        </p:blipFill>
+        <p:spPr>
+          <a:xfrm>
+            <a:off x="897828" y="297120"/>
+            <a:ext cx="718368" cy="718368"/>
+          </a:xfrm>
+          <a:prstGeom prst="rect">
+            <a:avLst/>
+          </a:prstGeom>
+        </p:spPr>
+      </p:pic>
+      <p:pic>
+        <p:nvPicPr>
+          <p:cNvPr id="40" name="Elemento grafico 39" descr="Ingranaggi contorno">
+            <a:extLst>
+              <a:ext uri="{FF2B5EF4-FFF2-40B4-BE49-F238E27FC236}">
+                <a16:creationId xmlns:a16="http://schemas.microsoft.com/office/drawing/2014/main" id="{3A7A700C-B01E-448A-A477-893FF62DCCEB}"/>
+              </a:ext>
+            </a:extLst>
+          </p:cNvPr>
+          <p:cNvPicPr>
+            <a:picLocks noChangeAspect="1"/>
+          </p:cNvPicPr>
+          <p:nvPr/>
+        </p:nvPicPr>
+        <p:blipFill>
+          <a:blip r:embed="rId5">
+            <a:extLst>
+              <a:ext uri="{96DAC541-7B7A-43D3-8B79-37D633B846F1}">
+                <asvg:svgBlip xmlns:asvg="http://schemas.microsoft.com/office/drawing/2016/SVG/main" r:embed="rId6"/>
+              </a:ext>
+            </a:extLst>
+          </a:blip>
+          <a:stretch>
+            <a:fillRect/>
+          </a:stretch>
+        </p:blipFill>
+        <p:spPr>
+          <a:xfrm>
+            <a:off x="-863636" y="1530798"/>
+            <a:ext cx="718368" cy="718368"/>
+          </a:xfrm>
+          <a:prstGeom prst="rect">
+            <a:avLst/>
+          </a:prstGeom>
+        </p:spPr>
+      </p:pic>
+      <p:pic>
+        <p:nvPicPr>
+          <p:cNvPr id="42" name="Segnaposto contenuto 9" descr="Utente contorno">
+            <a:extLst>
+              <a:ext uri="{FF2B5EF4-FFF2-40B4-BE49-F238E27FC236}">
+                <a16:creationId xmlns:a16="http://schemas.microsoft.com/office/drawing/2014/main" id="{3A26241F-080B-4A12-A8E3-A13007E69F79}"/>
+              </a:ext>
+            </a:extLst>
+          </p:cNvPr>
+          <p:cNvPicPr>
+            <a:picLocks noChangeAspect="1"/>
+          </p:cNvPicPr>
+          <p:nvPr/>
+        </p:nvPicPr>
+        <p:blipFill>
+          <a:blip r:embed="rId7">
+            <a:extLst>
+              <a:ext uri="{96DAC541-7B7A-43D3-8B79-37D633B846F1}">
+                <asvg:svgBlip xmlns:asvg="http://schemas.microsoft.com/office/drawing/2016/SVG/main" r:embed="rId8"/>
+              </a:ext>
+            </a:extLst>
+          </a:blip>
+          <a:stretch>
+            <a:fillRect/>
+          </a:stretch>
+        </p:blipFill>
+        <p:spPr>
+          <a:xfrm>
+            <a:off x="-998662" y="4091676"/>
+            <a:ext cx="718368" cy="718368"/>
+          </a:xfrm>
+          <a:prstGeom prst="rect">
+            <a:avLst/>
+          </a:prstGeom>
+        </p:spPr>
+      </p:pic>
       <p:sp>
         <p:nvSpPr>
-          <p:cNvPr id="38" name="Ovale 37">
+          <p:cNvPr id="44" name="Ovale 43">
             <a:extLst>
               <a:ext uri="{FF2B5EF4-FFF2-40B4-BE49-F238E27FC236}">
-                <a16:creationId xmlns:a16="http://schemas.microsoft.com/office/drawing/2014/main" id="{FF876CDD-7F74-4DEF-811F-4600E883D877}"/>
+                <a16:creationId xmlns:a16="http://schemas.microsoft.com/office/drawing/2014/main" id="{01323FF3-ACC8-44A0-89B9-06F650FAD869}"/>
               </a:ext>
             </a:extLst>
           </p:cNvPr>
@@ -13757,7 +13864,7 @@
         </p:nvSpPr>
         <p:spPr>
           <a:xfrm>
-            <a:off x="-987764" y="5690747"/>
+            <a:off x="-971267" y="2756796"/>
             <a:ext cx="828000" cy="828000"/>
           </a:xfrm>
           <a:prstGeom prst="ellipse">
@@ -13797,117 +13904,10 @@
       </p:sp>
       <p:pic>
         <p:nvPicPr>
-          <p:cNvPr id="39" name="Elemento grafico 38" descr="Tiro a segno con riempimento a tinta unita">
+          <p:cNvPr id="45" name="Segnaposto contenuto 7" descr="Blockchain contorno">
             <a:extLst>
               <a:ext uri="{FF2B5EF4-FFF2-40B4-BE49-F238E27FC236}">
-                <a16:creationId xmlns:a16="http://schemas.microsoft.com/office/drawing/2014/main" id="{4EDBAD58-44A3-4A31-B226-F37D3021A305}"/>
-              </a:ext>
-            </a:extLst>
-          </p:cNvPr>
-          <p:cNvPicPr>
-            <a:picLocks noChangeAspect="1"/>
-          </p:cNvPicPr>
-          <p:nvPr/>
-        </p:nvPicPr>
-        <p:blipFill>
-          <a:blip r:embed="rId3">
-            <a:extLst>
-              <a:ext uri="{96DAC541-7B7A-43D3-8B79-37D633B846F1}">
-                <asvg:svgBlip xmlns:asvg="http://schemas.microsoft.com/office/drawing/2016/SVG/main" r:embed="rId4"/>
-              </a:ext>
-            </a:extLst>
-          </a:blip>
-          <a:srcRect/>
-          <a:stretch/>
-        </p:blipFill>
-        <p:spPr>
-          <a:xfrm>
-            <a:off x="897828" y="297120"/>
-            <a:ext cx="718368" cy="718368"/>
-          </a:xfrm>
-          <a:prstGeom prst="rect">
-            <a:avLst/>
-          </a:prstGeom>
-        </p:spPr>
-      </p:pic>
-      <p:pic>
-        <p:nvPicPr>
-          <p:cNvPr id="40" name="Elemento grafico 39" descr="Ingranaggi contorno">
-            <a:extLst>
-              <a:ext uri="{FF2B5EF4-FFF2-40B4-BE49-F238E27FC236}">
-                <a16:creationId xmlns:a16="http://schemas.microsoft.com/office/drawing/2014/main" id="{3A7A700C-B01E-448A-A477-893FF62DCCEB}"/>
-              </a:ext>
-            </a:extLst>
-          </p:cNvPr>
-          <p:cNvPicPr>
-            <a:picLocks noChangeAspect="1"/>
-          </p:cNvPicPr>
-          <p:nvPr/>
-        </p:nvPicPr>
-        <p:blipFill>
-          <a:blip r:embed="rId5">
-            <a:extLst>
-              <a:ext uri="{96DAC541-7B7A-43D3-8B79-37D633B846F1}">
-                <asvg:svgBlip xmlns:asvg="http://schemas.microsoft.com/office/drawing/2016/SVG/main" r:embed="rId6"/>
-              </a:ext>
-            </a:extLst>
-          </a:blip>
-          <a:stretch>
-            <a:fillRect/>
-          </a:stretch>
-        </p:blipFill>
-        <p:spPr>
-          <a:xfrm>
-            <a:off x="-866732" y="1233237"/>
-            <a:ext cx="718368" cy="718368"/>
-          </a:xfrm>
-          <a:prstGeom prst="rect">
-            <a:avLst/>
-          </a:prstGeom>
-        </p:spPr>
-      </p:pic>
-      <p:pic>
-        <p:nvPicPr>
-          <p:cNvPr id="42" name="Segnaposto contenuto 9" descr="Utente contorno">
-            <a:extLst>
-              <a:ext uri="{FF2B5EF4-FFF2-40B4-BE49-F238E27FC236}">
-                <a16:creationId xmlns:a16="http://schemas.microsoft.com/office/drawing/2014/main" id="{3A26241F-080B-4A12-A8E3-A13007E69F79}"/>
-              </a:ext>
-            </a:extLst>
-          </p:cNvPr>
-          <p:cNvPicPr>
-            <a:picLocks noChangeAspect="1"/>
-          </p:cNvPicPr>
-          <p:nvPr/>
-        </p:nvPicPr>
-        <p:blipFill>
-          <a:blip r:embed="rId7">
-            <a:extLst>
-              <a:ext uri="{96DAC541-7B7A-43D3-8B79-37D633B846F1}">
-                <asvg:svgBlip xmlns:asvg="http://schemas.microsoft.com/office/drawing/2016/SVG/main" r:embed="rId8"/>
-              </a:ext>
-            </a:extLst>
-          </a:blip>
-          <a:stretch>
-            <a:fillRect/>
-          </a:stretch>
-        </p:blipFill>
-        <p:spPr>
-          <a:xfrm>
-            <a:off x="-928771" y="3465899"/>
-            <a:ext cx="718368" cy="718368"/>
-          </a:xfrm>
-          <a:prstGeom prst="rect">
-            <a:avLst/>
-          </a:prstGeom>
-        </p:spPr>
-      </p:pic>
-      <p:pic>
-        <p:nvPicPr>
-          <p:cNvPr id="43" name="Elemento grafico 42" descr="Database contorno">
-            <a:extLst>
-              <a:ext uri="{FF2B5EF4-FFF2-40B4-BE49-F238E27FC236}">
-                <a16:creationId xmlns:a16="http://schemas.microsoft.com/office/drawing/2014/main" id="{96F0F38F-E0F4-408E-9A36-88D708B31BF9}"/>
+                <a16:creationId xmlns:a16="http://schemas.microsoft.com/office/drawing/2014/main" id="{299EA23F-0317-4158-B586-5389499EF169}"/>
               </a:ext>
             </a:extLst>
           </p:cNvPr>
@@ -13930,95 +13930,7 @@
         </p:blipFill>
         <p:spPr>
           <a:xfrm>
-            <a:off x="-932132" y="4638160"/>
-            <a:ext cx="718368" cy="718368"/>
-          </a:xfrm>
-          <a:prstGeom prst="rect">
-            <a:avLst/>
-          </a:prstGeom>
-        </p:spPr>
-      </p:pic>
-      <p:sp>
-        <p:nvSpPr>
-          <p:cNvPr id="44" name="Ovale 43">
-            <a:extLst>
-              <a:ext uri="{FF2B5EF4-FFF2-40B4-BE49-F238E27FC236}">
-                <a16:creationId xmlns:a16="http://schemas.microsoft.com/office/drawing/2014/main" id="{01323FF3-ACC8-44A0-89B9-06F650FAD869}"/>
-              </a:ext>
-            </a:extLst>
-          </p:cNvPr>
-          <p:cNvSpPr/>
-          <p:nvPr/>
-        </p:nvSpPr>
-        <p:spPr>
-          <a:xfrm>
-            <a:off x="-921548" y="2306298"/>
-            <a:ext cx="828000" cy="828000"/>
-          </a:xfrm>
-          <a:prstGeom prst="ellipse">
-            <a:avLst/>
-          </a:prstGeom>
-          <a:solidFill>
-            <a:schemeClr val="tx1"/>
-          </a:solidFill>
-          <a:ln>
-            <a:noFill/>
-          </a:ln>
-        </p:spPr>
-        <p:style>
-          <a:lnRef idx="2">
-            <a:schemeClr val="accent1">
-              <a:shade val="50000"/>
-            </a:schemeClr>
-          </a:lnRef>
-          <a:fillRef idx="1">
-            <a:schemeClr val="accent1"/>
-          </a:fillRef>
-          <a:effectRef idx="0">
-            <a:schemeClr val="accent1"/>
-          </a:effectRef>
-          <a:fontRef idx="minor">
-            <a:schemeClr val="lt1"/>
-          </a:fontRef>
-        </p:style>
-        <p:txBody>
-          <a:bodyPr rtlCol="0" anchor="ctr"/>
-          <a:lstStyle/>
-          <a:p>
-            <a:pPr algn="ctr"/>
-            <a:endParaRPr lang="it-IT" b="1"/>
-          </a:p>
-        </p:txBody>
-      </p:sp>
-      <p:pic>
-        <p:nvPicPr>
-          <p:cNvPr id="45" name="Segnaposto contenuto 7" descr="Blockchain contorno">
-            <a:extLst>
-              <a:ext uri="{FF2B5EF4-FFF2-40B4-BE49-F238E27FC236}">
-                <a16:creationId xmlns:a16="http://schemas.microsoft.com/office/drawing/2014/main" id="{299EA23F-0317-4158-B586-5389499EF169}"/>
-              </a:ext>
-            </a:extLst>
-          </p:cNvPr>
-          <p:cNvPicPr>
-            <a:picLocks noChangeAspect="1"/>
-          </p:cNvPicPr>
-          <p:nvPr/>
-        </p:nvPicPr>
-        <p:blipFill>
-          <a:blip r:embed="rId11">
-            <a:extLst>
-              <a:ext uri="{96DAC541-7B7A-43D3-8B79-37D633B846F1}">
-                <asvg:svgBlip xmlns:asvg="http://schemas.microsoft.com/office/drawing/2016/SVG/main" r:embed="rId12"/>
-              </a:ext>
-            </a:extLst>
-          </a:blip>
-          <a:stretch>
-            <a:fillRect/>
-          </a:stretch>
-        </p:blipFill>
-        <p:spPr>
-          <a:xfrm>
-            <a:off x="-863636" y="2361114"/>
+            <a:off x="-913355" y="2811612"/>
             <a:ext cx="718368" cy="718368"/>
           </a:xfrm>
           <a:prstGeom prst="rect">
@@ -14041,10 +13953,10 @@
           <p:nvPr/>
         </p:nvPicPr>
         <p:blipFill>
-          <a:blip r:embed="rId13">
+          <a:blip r:embed="rId11">
             <a:extLst>
               <a:ext uri="{96DAC541-7B7A-43D3-8B79-37D633B846F1}">
-                <asvg:svgBlip xmlns:asvg="http://schemas.microsoft.com/office/drawing/2016/SVG/main" r:embed="rId14"/>
+                <asvg:svgBlip xmlns:asvg="http://schemas.microsoft.com/office/drawing/2016/SVG/main" r:embed="rId12"/>
               </a:ext>
             </a:extLst>
           </a:blip>
@@ -14077,10 +13989,10 @@
           <p:nvPr/>
         </p:nvPicPr>
         <p:blipFill>
-          <a:blip r:embed="rId15">
+          <a:blip r:embed="rId13">
             <a:extLst>
               <a:ext uri="{96DAC541-7B7A-43D3-8B79-37D633B846F1}">
-                <asvg:svgBlip xmlns:asvg="http://schemas.microsoft.com/office/drawing/2016/SVG/main" r:embed="rId16"/>
+                <asvg:svgBlip xmlns:asvg="http://schemas.microsoft.com/office/drawing/2016/SVG/main" r:embed="rId14"/>
               </a:ext>
             </a:extLst>
           </a:blip>
@@ -14089,7 +14001,7 @@
         </p:blipFill>
         <p:spPr>
           <a:xfrm>
-            <a:off x="242109" y="1233237"/>
+            <a:off x="267411" y="1561972"/>
             <a:ext cx="718368" cy="718368"/>
           </a:xfrm>
           <a:prstGeom prst="rect">
@@ -14112,10 +14024,10 @@
           <p:nvPr/>
         </p:nvPicPr>
         <p:blipFill>
-          <a:blip r:embed="rId17">
+          <a:blip r:embed="rId15">
             <a:extLst>
               <a:ext uri="{96DAC541-7B7A-43D3-8B79-37D633B846F1}">
-                <asvg:svgBlip xmlns:asvg="http://schemas.microsoft.com/office/drawing/2016/SVG/main" r:embed="rId18"/>
+                <asvg:svgBlip xmlns:asvg="http://schemas.microsoft.com/office/drawing/2016/SVG/main" r:embed="rId16"/>
               </a:ext>
             </a:extLst>
           </a:blip>
@@ -14125,7 +14037,7 @@
         </p:blipFill>
         <p:spPr>
           <a:xfrm>
-            <a:off x="242109" y="2361114"/>
+            <a:off x="267411" y="2826824"/>
             <a:ext cx="718368" cy="718368"/>
           </a:xfrm>
           <a:prstGeom prst="rect">
@@ -14148,10 +14060,10 @@
           <p:nvPr/>
         </p:nvPicPr>
         <p:blipFill>
-          <a:blip r:embed="rId19">
+          <a:blip r:embed="rId17">
             <a:extLst>
               <a:ext uri="{96DAC541-7B7A-43D3-8B79-37D633B846F1}">
-                <asvg:svgBlip xmlns:asvg="http://schemas.microsoft.com/office/drawing/2016/SVG/main" r:embed="rId20"/>
+                <asvg:svgBlip xmlns:asvg="http://schemas.microsoft.com/office/drawing/2016/SVG/main" r:embed="rId18"/>
               </a:ext>
             </a:extLst>
           </a:blip>
@@ -14160,7 +14072,7 @@
         </p:blipFill>
         <p:spPr>
           <a:xfrm>
-            <a:off x="242109" y="3488991"/>
+            <a:off x="267411" y="4091676"/>
             <a:ext cx="718368" cy="718368"/>
           </a:xfrm>
           <a:prstGeom prst="rect">
@@ -14236,10 +14148,10 @@
           <p:nvPr/>
         </p:nvPicPr>
         <p:blipFill>
-          <a:blip r:embed="rId21">
+          <a:blip r:embed="rId19">
             <a:extLst>
               <a:ext uri="{96DAC541-7B7A-43D3-8B79-37D633B846F1}">
-                <asvg:svgBlip xmlns:asvg="http://schemas.microsoft.com/office/drawing/2016/SVG/main" r:embed="rId22"/>
+                <asvg:svgBlip xmlns:asvg="http://schemas.microsoft.com/office/drawing/2016/SVG/main" r:embed="rId20"/>
               </a:ext>
             </a:extLst>
           </a:blip>
@@ -14248,7 +14160,7 @@
         </p:blipFill>
         <p:spPr>
           <a:xfrm>
-            <a:off x="310747" y="4616868"/>
+            <a:off x="336049" y="5356528"/>
             <a:ext cx="720000" cy="720000"/>
           </a:xfrm>
           <a:prstGeom prst="rect">
@@ -14385,10 +14297,10 @@
           <p:nvPr/>
         </p:nvPicPr>
         <p:blipFill>
-          <a:blip r:embed="rId23">
+          <a:blip r:embed="rId21">
             <a:extLst>
               <a:ext uri="{96DAC541-7B7A-43D3-8B79-37D633B846F1}">
-                <asvg:svgBlip xmlns:asvg="http://schemas.microsoft.com/office/drawing/2016/SVG/main" r:embed="rId24"/>
+                <asvg:svgBlip xmlns:asvg="http://schemas.microsoft.com/office/drawing/2016/SVG/main" r:embed="rId22"/>
               </a:ext>
             </a:extLst>
           </a:blip>
@@ -14397,7 +14309,7 @@
         </p:blipFill>
         <p:spPr>
           <a:xfrm>
-            <a:off x="-933764" y="5744747"/>
+            <a:off x="-874771" y="5356528"/>
             <a:ext cx="720000" cy="720000"/>
           </a:xfrm>
           <a:prstGeom prst="rect">
@@ -14407,10 +14319,10 @@
       </p:pic>
       <p:pic>
         <p:nvPicPr>
-          <p:cNvPr id="30" name="Immagine 29">
+          <p:cNvPr id="28" name="Immagine 27">
             <a:extLst>
               <a:ext uri="{FF2B5EF4-FFF2-40B4-BE49-F238E27FC236}">
-                <a16:creationId xmlns:a16="http://schemas.microsoft.com/office/drawing/2014/main" id="{5AC1F13B-A53C-4375-BF94-1B5158675E9B}"/>
+                <a16:creationId xmlns:a16="http://schemas.microsoft.com/office/drawing/2014/main" id="{5EC07061-CEB5-481C-B6C4-1C2C76EC2ABC}"/>
               </a:ext>
             </a:extLst>
           </p:cNvPr>
@@ -14420,19 +14332,19 @@
           <p:nvPr/>
         </p:nvPicPr>
         <p:blipFill>
-          <a:blip r:embed="rId25"/>
+          <a:blip r:embed="rId23"/>
           <a:stretch>
             <a:fillRect/>
           </a:stretch>
         </p:blipFill>
         <p:spPr>
           <a:xfrm>
-            <a:off x="8075300" y="-1854076"/>
-            <a:ext cx="1372494" cy="1404626"/>
+            <a:off x="5421787" y="-3011327"/>
+            <a:ext cx="4157693" cy="1509724"/>
           </a:xfrm>
           <a:prstGeom prst="roundRect">
             <a:avLst>
-              <a:gd name="adj" fmla="val 5263"/>
+              <a:gd name="adj" fmla="val 8594"/>
             </a:avLst>
           </a:prstGeom>
           <a:solidFill>
@@ -14448,10 +14360,10 @@
       </p:pic>
       <p:pic>
         <p:nvPicPr>
-          <p:cNvPr id="31" name="Immagine 30">
+          <p:cNvPr id="32" name="Immagine 31">
             <a:extLst>
               <a:ext uri="{FF2B5EF4-FFF2-40B4-BE49-F238E27FC236}">
-                <a16:creationId xmlns:a16="http://schemas.microsoft.com/office/drawing/2014/main" id="{490B36B6-BBC5-484B-A361-6113D03E7959}"/>
+                <a16:creationId xmlns:a16="http://schemas.microsoft.com/office/drawing/2014/main" id="{851B73D0-9518-4246-9FB2-E88EC98014DB}"/>
               </a:ext>
             </a:extLst>
           </p:cNvPr>
@@ -14460,20 +14372,135 @@
           </p:cNvPicPr>
           <p:nvPr/>
         </p:nvPicPr>
-        <p:blipFill>
-          <a:blip r:embed="rId26"/>
-          <a:stretch>
-            <a:fillRect/>
-          </a:stretch>
+        <p:blipFill rotWithShape="1">
+          <a:blip r:embed="rId24"/>
+          <a:srcRect t="2370" b="3301"/>
+          <a:stretch/>
         </p:blipFill>
         <p:spPr>
           <a:xfrm>
-            <a:off x="7855367" y="7538824"/>
-            <a:ext cx="1812359" cy="830261"/>
+            <a:off x="12687948" y="1147663"/>
+            <a:ext cx="1812550" cy="1158241"/>
           </a:xfrm>
           <a:prstGeom prst="roundRect">
             <a:avLst>
-              <a:gd name="adj" fmla="val 4366"/>
+              <a:gd name="adj" fmla="val 8594"/>
+            </a:avLst>
+          </a:prstGeom>
+          <a:noFill/>
+          <a:ln>
+            <a:noFill/>
+          </a:ln>
+          <a:effectLst/>
+        </p:spPr>
+      </p:pic>
+      <p:pic>
+        <p:nvPicPr>
+          <p:cNvPr id="33" name="Immagine 32">
+            <a:extLst>
+              <a:ext uri="{FF2B5EF4-FFF2-40B4-BE49-F238E27FC236}">
+                <a16:creationId xmlns:a16="http://schemas.microsoft.com/office/drawing/2014/main" id="{E941189A-E92C-4586-BA16-3C13321F0C0D}"/>
+              </a:ext>
+            </a:extLst>
+          </p:cNvPr>
+          <p:cNvPicPr>
+            <a:picLocks noChangeAspect="1"/>
+          </p:cNvPicPr>
+          <p:nvPr/>
+        </p:nvPicPr>
+        <p:blipFill rotWithShape="1">
+          <a:blip r:embed="rId25"/>
+          <a:srcRect l="1" t="465" r="4814" b="2312"/>
+          <a:stretch/>
+        </p:blipFill>
+        <p:spPr>
+          <a:xfrm>
+            <a:off x="5894599" y="7864905"/>
+            <a:ext cx="2310377" cy="2412363"/>
+          </a:xfrm>
+          <a:prstGeom prst="roundRect">
+            <a:avLst>
+              <a:gd name="adj" fmla="val 8594"/>
+            </a:avLst>
+          </a:prstGeom>
+          <a:solidFill>
+            <a:srgbClr val="FFFFFF">
+              <a:shade val="85000"/>
+            </a:srgbClr>
+          </a:solidFill>
+          <a:ln>
+            <a:noFill/>
+          </a:ln>
+          <a:effectLst/>
+        </p:spPr>
+      </p:pic>
+      <p:pic>
+        <p:nvPicPr>
+          <p:cNvPr id="41" name="Immagine 40">
+            <a:extLst>
+              <a:ext uri="{FF2B5EF4-FFF2-40B4-BE49-F238E27FC236}">
+                <a16:creationId xmlns:a16="http://schemas.microsoft.com/office/drawing/2014/main" id="{319E6F76-B514-4FBC-8FA6-28F855050989}"/>
+              </a:ext>
+            </a:extLst>
+          </p:cNvPr>
+          <p:cNvPicPr>
+            <a:picLocks noChangeAspect="1"/>
+          </p:cNvPicPr>
+          <p:nvPr/>
+        </p:nvPicPr>
+        <p:blipFill rotWithShape="1">
+          <a:blip r:embed="rId26"/>
+          <a:srcRect l="1305" r="7310"/>
+          <a:stretch/>
+        </p:blipFill>
+        <p:spPr>
+          <a:xfrm>
+            <a:off x="13229049" y="2811612"/>
+            <a:ext cx="1230307" cy="336559"/>
+          </a:xfrm>
+          <a:prstGeom prst="roundRect">
+            <a:avLst>
+              <a:gd name="adj" fmla="val 34625"/>
+            </a:avLst>
+          </a:prstGeom>
+          <a:solidFill>
+            <a:srgbClr val="FFFFFF">
+              <a:shade val="85000"/>
+            </a:srgbClr>
+          </a:solidFill>
+          <a:ln>
+            <a:noFill/>
+          </a:ln>
+          <a:effectLst/>
+        </p:spPr>
+      </p:pic>
+      <p:pic>
+        <p:nvPicPr>
+          <p:cNvPr id="49" name="Immagine 48">
+            <a:extLst>
+              <a:ext uri="{FF2B5EF4-FFF2-40B4-BE49-F238E27FC236}">
+                <a16:creationId xmlns:a16="http://schemas.microsoft.com/office/drawing/2014/main" id="{0E00F22F-94E3-410C-B0C2-50CABB444DC3}"/>
+              </a:ext>
+            </a:extLst>
+          </p:cNvPr>
+          <p:cNvPicPr>
+            <a:picLocks noChangeAspect="1"/>
+          </p:cNvPicPr>
+          <p:nvPr/>
+        </p:nvPicPr>
+        <p:blipFill rotWithShape="1">
+          <a:blip r:embed="rId27"/>
+          <a:srcRect l="2220" t="9830" r="4465" b="5905"/>
+          <a:stretch/>
+        </p:blipFill>
+        <p:spPr>
+          <a:xfrm>
+            <a:off x="13223347" y="3801242"/>
+            <a:ext cx="1277151" cy="316216"/>
+          </a:xfrm>
+          <a:prstGeom prst="roundRect">
+            <a:avLst>
+              <a:gd name="adj" fmla="val 34625"/>
             </a:avLst>
           </a:prstGeom>
           <a:solidFill>
@@ -14616,7 +14643,7 @@
         </p:nvSpPr>
         <p:spPr>
           <a:xfrm>
-            <a:off x="892022" y="1361167"/>
+            <a:off x="886697" y="1653503"/>
             <a:ext cx="828000" cy="828000"/>
           </a:xfrm>
           <a:prstGeom prst="ellipse">
@@ -14720,7 +14747,7 @@
         </p:nvSpPr>
         <p:spPr>
           <a:xfrm>
-            <a:off x="-921548" y="3548529"/>
+            <a:off x="-921548" y="4093992"/>
             <a:ext cx="828000" cy="828000"/>
           </a:xfrm>
           <a:prstGeom prst="ellipse">
@@ -14760,10 +14787,10 @@
       </p:sp>
       <p:sp>
         <p:nvSpPr>
-          <p:cNvPr id="11" name="Ovale 10">
+          <p:cNvPr id="13" name="Ovale 12">
             <a:extLst>
               <a:ext uri="{FF2B5EF4-FFF2-40B4-BE49-F238E27FC236}">
-                <a16:creationId xmlns:a16="http://schemas.microsoft.com/office/drawing/2014/main" id="{F45D1D58-5653-4B97-8C87-4DF368AF30AC}"/>
+                <a16:creationId xmlns:a16="http://schemas.microsoft.com/office/drawing/2014/main" id="{74E17BCF-9E84-4DAD-B1CA-6C9D26666E93}"/>
               </a:ext>
             </a:extLst>
           </p:cNvPr>
@@ -14772,7 +14799,7 @@
         </p:nvSpPr>
         <p:spPr>
           <a:xfrm>
-            <a:off x="-976364" y="4656979"/>
+            <a:off x="-922364" y="5302528"/>
             <a:ext cx="828000" cy="828000"/>
           </a:xfrm>
           <a:prstGeom prst="ellipse">
@@ -14810,12 +14837,84 @@
           </a:p>
         </p:txBody>
       </p:sp>
+      <p:pic>
+        <p:nvPicPr>
+          <p:cNvPr id="14" name="Elemento grafico 13" descr="Tiro a segno contorno">
+            <a:extLst>
+              <a:ext uri="{FF2B5EF4-FFF2-40B4-BE49-F238E27FC236}">
+                <a16:creationId xmlns:a16="http://schemas.microsoft.com/office/drawing/2014/main" id="{67F7D67F-E6A7-4DC1-A06C-072C775790D4}"/>
+              </a:ext>
+            </a:extLst>
+          </p:cNvPr>
+          <p:cNvPicPr>
+            <a:picLocks noChangeAspect="1"/>
+          </p:cNvPicPr>
+          <p:nvPr/>
+        </p:nvPicPr>
+        <p:blipFill>
+          <a:blip r:embed="rId3">
+            <a:extLst>
+              <a:ext uri="{96DAC541-7B7A-43D3-8B79-37D633B846F1}">
+                <asvg:svgBlip xmlns:asvg="http://schemas.microsoft.com/office/drawing/2016/SVG/main" r:embed="rId4"/>
+              </a:ext>
+            </a:extLst>
+          </a:blip>
+          <a:stretch>
+            <a:fillRect/>
+          </a:stretch>
+        </p:blipFill>
+        <p:spPr>
+          <a:xfrm>
+            <a:off x="-866732" y="320812"/>
+            <a:ext cx="718368" cy="718368"/>
+          </a:xfrm>
+          <a:prstGeom prst="rect">
+            <a:avLst/>
+          </a:prstGeom>
+        </p:spPr>
+      </p:pic>
+      <p:pic>
+        <p:nvPicPr>
+          <p:cNvPr id="18" name="Segnaposto contenuto 9" descr="Utente contorno">
+            <a:extLst>
+              <a:ext uri="{FF2B5EF4-FFF2-40B4-BE49-F238E27FC236}">
+                <a16:creationId xmlns:a16="http://schemas.microsoft.com/office/drawing/2014/main" id="{5FE9CD15-FB94-408C-B105-59C0C8EC610E}"/>
+              </a:ext>
+            </a:extLst>
+          </p:cNvPr>
+          <p:cNvPicPr>
+            <a:picLocks noChangeAspect="1"/>
+          </p:cNvPicPr>
+          <p:nvPr/>
+        </p:nvPicPr>
+        <p:blipFill>
+          <a:blip r:embed="rId5">
+            <a:extLst>
+              <a:ext uri="{96DAC541-7B7A-43D3-8B79-37D633B846F1}">
+                <asvg:svgBlip xmlns:asvg="http://schemas.microsoft.com/office/drawing/2016/SVG/main" r:embed="rId6"/>
+              </a:ext>
+            </a:extLst>
+          </a:blip>
+          <a:stretch>
+            <a:fillRect/>
+          </a:stretch>
+        </p:blipFill>
+        <p:spPr>
+          <a:xfrm>
+            <a:off x="-866732" y="4091676"/>
+            <a:ext cx="718368" cy="718368"/>
+          </a:xfrm>
+          <a:prstGeom prst="rect">
+            <a:avLst/>
+          </a:prstGeom>
+        </p:spPr>
+      </p:pic>
       <p:sp>
         <p:nvSpPr>
-          <p:cNvPr id="13" name="Ovale 12">
+          <p:cNvPr id="20" name="Ovale 19">
             <a:extLst>
               <a:ext uri="{FF2B5EF4-FFF2-40B4-BE49-F238E27FC236}">
-                <a16:creationId xmlns:a16="http://schemas.microsoft.com/office/drawing/2014/main" id="{74E17BCF-9E84-4DAD-B1CA-6C9D26666E93}"/>
+                <a16:creationId xmlns:a16="http://schemas.microsoft.com/office/drawing/2014/main" id="{FADC2B51-9DB8-4F38-A295-33F7A4103BA1}"/>
               </a:ext>
             </a:extLst>
           </p:cNvPr>
@@ -14824,7 +14923,7 @@
         </p:nvSpPr>
         <p:spPr>
           <a:xfrm>
-            <a:off x="-920732" y="5690747"/>
+            <a:off x="-885959" y="2832612"/>
             <a:ext cx="828000" cy="828000"/>
           </a:xfrm>
           <a:prstGeom prst="ellipse">
@@ -14864,81 +14963,10 @@
       </p:sp>
       <p:pic>
         <p:nvPicPr>
-          <p:cNvPr id="14" name="Elemento grafico 13" descr="Tiro a segno contorno">
+          <p:cNvPr id="21" name="Segnaposto contenuto 7" descr="Blockchain contorno">
             <a:extLst>
               <a:ext uri="{FF2B5EF4-FFF2-40B4-BE49-F238E27FC236}">
-                <a16:creationId xmlns:a16="http://schemas.microsoft.com/office/drawing/2014/main" id="{67F7D67F-E6A7-4DC1-A06C-072C775790D4}"/>
-              </a:ext>
-            </a:extLst>
-          </p:cNvPr>
-          <p:cNvPicPr>
-            <a:picLocks noChangeAspect="1"/>
-          </p:cNvPicPr>
-          <p:nvPr/>
-        </p:nvPicPr>
-        <p:blipFill>
-          <a:blip r:embed="rId3">
-            <a:extLst>
-              <a:ext uri="{96DAC541-7B7A-43D3-8B79-37D633B846F1}">
-                <asvg:svgBlip xmlns:asvg="http://schemas.microsoft.com/office/drawing/2016/SVG/main" r:embed="rId4"/>
-              </a:ext>
-            </a:extLst>
-          </a:blip>
-          <a:stretch>
-            <a:fillRect/>
-          </a:stretch>
-        </p:blipFill>
-        <p:spPr>
-          <a:xfrm>
-            <a:off x="-866732" y="320812"/>
-            <a:ext cx="718368" cy="718368"/>
-          </a:xfrm>
-          <a:prstGeom prst="rect">
-            <a:avLst/>
-          </a:prstGeom>
-        </p:spPr>
-      </p:pic>
-      <p:pic>
-        <p:nvPicPr>
-          <p:cNvPr id="15" name="Elemento grafico 14" descr="Singolo ingranaggio con riempimento a tinta unita">
-            <a:extLst>
-              <a:ext uri="{FF2B5EF4-FFF2-40B4-BE49-F238E27FC236}">
-                <a16:creationId xmlns:a16="http://schemas.microsoft.com/office/drawing/2014/main" id="{7A983A31-68C2-4D8D-91CA-020486551B05}"/>
-              </a:ext>
-            </a:extLst>
-          </p:cNvPr>
-          <p:cNvPicPr>
-            <a:picLocks noChangeAspect="1"/>
-          </p:cNvPicPr>
-          <p:nvPr/>
-        </p:nvPicPr>
-        <p:blipFill>
-          <a:blip r:embed="rId5">
-            <a:extLst>
-              <a:ext uri="{96DAC541-7B7A-43D3-8B79-37D633B846F1}">
-                <asvg:svgBlip xmlns:asvg="http://schemas.microsoft.com/office/drawing/2016/SVG/main" r:embed="rId6"/>
-              </a:ext>
-            </a:extLst>
-          </a:blip>
-          <a:srcRect/>
-          <a:stretch/>
-        </p:blipFill>
-        <p:spPr>
-          <a:xfrm>
-            <a:off x="946838" y="1427294"/>
-            <a:ext cx="718368" cy="718368"/>
-          </a:xfrm>
-          <a:prstGeom prst="rect">
-            <a:avLst/>
-          </a:prstGeom>
-        </p:spPr>
-      </p:pic>
-      <p:pic>
-        <p:nvPicPr>
-          <p:cNvPr id="18" name="Segnaposto contenuto 9" descr="Utente contorno">
-            <a:extLst>
-              <a:ext uri="{FF2B5EF4-FFF2-40B4-BE49-F238E27FC236}">
-                <a16:creationId xmlns:a16="http://schemas.microsoft.com/office/drawing/2014/main" id="{5FE9CD15-FB94-408C-B105-59C0C8EC610E}"/>
+                <a16:creationId xmlns:a16="http://schemas.microsoft.com/office/drawing/2014/main" id="{A7F4AB94-7AC0-4E1D-BB56-43BED00D0F78}"/>
               </a:ext>
             </a:extLst>
           </p:cNvPr>
@@ -14961,131 +14989,7 @@
         </p:blipFill>
         <p:spPr>
           <a:xfrm>
-            <a:off x="-866732" y="3546213"/>
-            <a:ext cx="718368" cy="718368"/>
-          </a:xfrm>
-          <a:prstGeom prst="rect">
-            <a:avLst/>
-          </a:prstGeom>
-        </p:spPr>
-      </p:pic>
-      <p:pic>
-        <p:nvPicPr>
-          <p:cNvPr id="19" name="Elemento grafico 18" descr="Database contorno">
-            <a:extLst>
-              <a:ext uri="{FF2B5EF4-FFF2-40B4-BE49-F238E27FC236}">
-                <a16:creationId xmlns:a16="http://schemas.microsoft.com/office/drawing/2014/main" id="{C1FDE6B0-852D-4F07-8435-68C4B37E9C01}"/>
-              </a:ext>
-            </a:extLst>
-          </p:cNvPr>
-          <p:cNvPicPr>
-            <a:picLocks noChangeAspect="1"/>
-          </p:cNvPicPr>
-          <p:nvPr/>
-        </p:nvPicPr>
-        <p:blipFill>
-          <a:blip r:embed="rId9">
-            <a:extLst>
-              <a:ext uri="{96DAC541-7B7A-43D3-8B79-37D633B846F1}">
-                <asvg:svgBlip xmlns:asvg="http://schemas.microsoft.com/office/drawing/2016/SVG/main" r:embed="rId10"/>
-              </a:ext>
-            </a:extLst>
-          </a:blip>
-          <a:stretch>
-            <a:fillRect/>
-          </a:stretch>
-        </p:blipFill>
-        <p:spPr>
-          <a:xfrm>
-            <a:off x="-921548" y="4715658"/>
-            <a:ext cx="718368" cy="718368"/>
-          </a:xfrm>
-          <a:prstGeom prst="rect">
-            <a:avLst/>
-          </a:prstGeom>
-        </p:spPr>
-      </p:pic>
-      <p:sp>
-        <p:nvSpPr>
-          <p:cNvPr id="20" name="Ovale 19">
-            <a:extLst>
-              <a:ext uri="{FF2B5EF4-FFF2-40B4-BE49-F238E27FC236}">
-                <a16:creationId xmlns:a16="http://schemas.microsoft.com/office/drawing/2014/main" id="{FADC2B51-9DB8-4F38-A295-33F7A4103BA1}"/>
-              </a:ext>
-            </a:extLst>
-          </p:cNvPr>
-          <p:cNvSpPr/>
-          <p:nvPr/>
-        </p:nvSpPr>
-        <p:spPr>
-          <a:xfrm>
-            <a:off x="-921548" y="2440079"/>
-            <a:ext cx="828000" cy="828000"/>
-          </a:xfrm>
-          <a:prstGeom prst="ellipse">
-            <a:avLst/>
-          </a:prstGeom>
-          <a:solidFill>
-            <a:schemeClr val="tx1"/>
-          </a:solidFill>
-          <a:ln>
-            <a:noFill/>
-          </a:ln>
-        </p:spPr>
-        <p:style>
-          <a:lnRef idx="2">
-            <a:schemeClr val="accent1">
-              <a:shade val="50000"/>
-            </a:schemeClr>
-          </a:lnRef>
-          <a:fillRef idx="1">
-            <a:schemeClr val="accent1"/>
-          </a:fillRef>
-          <a:effectRef idx="0">
-            <a:schemeClr val="accent1"/>
-          </a:effectRef>
-          <a:fontRef idx="minor">
-            <a:schemeClr val="lt1"/>
-          </a:fontRef>
-        </p:style>
-        <p:txBody>
-          <a:bodyPr rtlCol="0" anchor="ctr"/>
-          <a:lstStyle/>
-          <a:p>
-            <a:pPr algn="ctr"/>
-            <a:endParaRPr lang="it-IT" b="1"/>
-          </a:p>
-        </p:txBody>
-      </p:sp>
-      <p:pic>
-        <p:nvPicPr>
-          <p:cNvPr id="21" name="Segnaposto contenuto 7" descr="Blockchain contorno">
-            <a:extLst>
-              <a:ext uri="{FF2B5EF4-FFF2-40B4-BE49-F238E27FC236}">
-                <a16:creationId xmlns:a16="http://schemas.microsoft.com/office/drawing/2014/main" id="{A7F4AB94-7AC0-4E1D-BB56-43BED00D0F78}"/>
-              </a:ext>
-            </a:extLst>
-          </p:cNvPr>
-          <p:cNvPicPr>
-            <a:picLocks noChangeAspect="1"/>
-          </p:cNvPicPr>
-          <p:nvPr/>
-        </p:nvPicPr>
-        <p:blipFill>
-          <a:blip r:embed="rId11">
-            <a:extLst>
-              <a:ext uri="{96DAC541-7B7A-43D3-8B79-37D633B846F1}">
-                <asvg:svgBlip xmlns:asvg="http://schemas.microsoft.com/office/drawing/2016/SVG/main" r:embed="rId12"/>
-              </a:ext>
-            </a:extLst>
-          </a:blip>
-          <a:stretch>
-            <a:fillRect/>
-          </a:stretch>
-        </p:blipFill>
-        <p:spPr>
-          <a:xfrm>
-            <a:off x="-866732" y="2487611"/>
+            <a:off x="-831143" y="2880144"/>
             <a:ext cx="718368" cy="718368"/>
           </a:xfrm>
           <a:prstGeom prst="rect">
@@ -15107,7 +15011,7 @@
         </p:nvSpPr>
         <p:spPr>
           <a:xfrm flipH="1">
-            <a:off x="0" y="-9714203"/>
+            <a:off x="0" y="-9411483"/>
             <a:ext cx="1337094" cy="22957972"/>
           </a:xfrm>
           <a:custGeom>
@@ -15354,10 +15258,10 @@
       </p:sp>
       <p:pic>
         <p:nvPicPr>
-          <p:cNvPr id="23" name="Elemento grafico 22" descr="Tiro a segno con riempimento a tinta unita">
+          <p:cNvPr id="24" name="Elemento grafico 23" descr="Ingranaggi contorno">
             <a:extLst>
               <a:ext uri="{FF2B5EF4-FFF2-40B4-BE49-F238E27FC236}">
-                <a16:creationId xmlns:a16="http://schemas.microsoft.com/office/drawing/2014/main" id="{879820B3-FCCA-41F1-864B-997EE45B50B6}"/>
+                <a16:creationId xmlns:a16="http://schemas.microsoft.com/office/drawing/2014/main" id="{FC474AD0-13F6-43C1-BC58-CCB35736CF8E}"/>
               </a:ext>
             </a:extLst>
           </p:cNvPr>
@@ -15367,45 +15271,10 @@
           <p:nvPr/>
         </p:nvPicPr>
         <p:blipFill>
-          <a:blip r:embed="rId13">
+          <a:blip r:embed="rId9">
             <a:extLst>
               <a:ext uri="{96DAC541-7B7A-43D3-8B79-37D633B846F1}">
-                <asvg:svgBlip xmlns:asvg="http://schemas.microsoft.com/office/drawing/2016/SVG/main" r:embed="rId14"/>
-              </a:ext>
-            </a:extLst>
-          </a:blip>
-          <a:srcRect/>
-          <a:stretch/>
-        </p:blipFill>
-        <p:spPr>
-          <a:xfrm>
-            <a:off x="242109" y="320812"/>
-            <a:ext cx="718368" cy="718368"/>
-          </a:xfrm>
-          <a:prstGeom prst="rect">
-            <a:avLst/>
-          </a:prstGeom>
-        </p:spPr>
-      </p:pic>
-      <p:pic>
-        <p:nvPicPr>
-          <p:cNvPr id="24" name="Elemento grafico 23" descr="Ingranaggi contorno">
-            <a:extLst>
-              <a:ext uri="{FF2B5EF4-FFF2-40B4-BE49-F238E27FC236}">
-                <a16:creationId xmlns:a16="http://schemas.microsoft.com/office/drawing/2014/main" id="{FC474AD0-13F6-43C1-BC58-CCB35736CF8E}"/>
-              </a:ext>
-            </a:extLst>
-          </p:cNvPr>
-          <p:cNvPicPr>
-            <a:picLocks noChangeAspect="1"/>
-          </p:cNvPicPr>
-          <p:nvPr/>
-        </p:nvPicPr>
-        <p:blipFill>
-          <a:blip r:embed="rId15">
-            <a:extLst>
-              <a:ext uri="{96DAC541-7B7A-43D3-8B79-37D633B846F1}">
-                <asvg:svgBlip xmlns:asvg="http://schemas.microsoft.com/office/drawing/2016/SVG/main" r:embed="rId16"/>
+                <asvg:svgBlip xmlns:asvg="http://schemas.microsoft.com/office/drawing/2016/SVG/main" r:embed="rId10"/>
               </a:ext>
             </a:extLst>
           </a:blip>
@@ -15423,112 +15292,6 @@
           </a:prstGeom>
         </p:spPr>
       </p:pic>
-      <p:pic>
-        <p:nvPicPr>
-          <p:cNvPr id="26" name="Segnaposto contenuto 7" descr="Blockchain contorno">
-            <a:extLst>
-              <a:ext uri="{FF2B5EF4-FFF2-40B4-BE49-F238E27FC236}">
-                <a16:creationId xmlns:a16="http://schemas.microsoft.com/office/drawing/2014/main" id="{0D521C08-D3A5-4783-A799-1FFF1521F409}"/>
-              </a:ext>
-            </a:extLst>
-          </p:cNvPr>
-          <p:cNvPicPr>
-            <a:picLocks noChangeAspect="1"/>
-          </p:cNvPicPr>
-          <p:nvPr/>
-        </p:nvPicPr>
-        <p:blipFill>
-          <a:blip r:embed="rId17">
-            <a:extLst>
-              <a:ext uri="{96DAC541-7B7A-43D3-8B79-37D633B846F1}">
-                <asvg:svgBlip xmlns:asvg="http://schemas.microsoft.com/office/drawing/2016/SVG/main" r:embed="rId18"/>
-              </a:ext>
-            </a:extLst>
-          </a:blip>
-          <a:stretch>
-            <a:fillRect/>
-          </a:stretch>
-        </p:blipFill>
-        <p:spPr>
-          <a:xfrm>
-            <a:off x="242109" y="2490386"/>
-            <a:ext cx="718368" cy="718368"/>
-          </a:xfrm>
-          <a:prstGeom prst="rect">
-            <a:avLst/>
-          </a:prstGeom>
-        </p:spPr>
-      </p:pic>
-      <p:pic>
-        <p:nvPicPr>
-          <p:cNvPr id="27" name="Segnaposto contenuto 9" descr="Utente con riempimento a tinta unita">
-            <a:extLst>
-              <a:ext uri="{FF2B5EF4-FFF2-40B4-BE49-F238E27FC236}">
-                <a16:creationId xmlns:a16="http://schemas.microsoft.com/office/drawing/2014/main" id="{DB618DFC-AF08-47B5-ACAD-654A0E8A31CE}"/>
-              </a:ext>
-            </a:extLst>
-          </p:cNvPr>
-          <p:cNvPicPr>
-            <a:picLocks noChangeAspect="1"/>
-          </p:cNvPicPr>
-          <p:nvPr/>
-        </p:nvPicPr>
-        <p:blipFill>
-          <a:blip r:embed="rId19">
-            <a:extLst>
-              <a:ext uri="{96DAC541-7B7A-43D3-8B79-37D633B846F1}">
-                <asvg:svgBlip xmlns:asvg="http://schemas.microsoft.com/office/drawing/2016/SVG/main" r:embed="rId20"/>
-              </a:ext>
-            </a:extLst>
-          </a:blip>
-          <a:srcRect/>
-          <a:stretch/>
-        </p:blipFill>
-        <p:spPr>
-          <a:xfrm>
-            <a:off x="242109" y="3575173"/>
-            <a:ext cx="718368" cy="718368"/>
-          </a:xfrm>
-          <a:prstGeom prst="rect">
-            <a:avLst/>
-          </a:prstGeom>
-        </p:spPr>
-      </p:pic>
-      <p:pic>
-        <p:nvPicPr>
-          <p:cNvPr id="30" name="Elemento grafico 29" descr="Idrante antincendio rotto con riempimento a tinta unita">
-            <a:extLst>
-              <a:ext uri="{FF2B5EF4-FFF2-40B4-BE49-F238E27FC236}">
-                <a16:creationId xmlns:a16="http://schemas.microsoft.com/office/drawing/2014/main" id="{B86FA234-F9F0-4DC7-B194-841544775C90}"/>
-              </a:ext>
-            </a:extLst>
-          </p:cNvPr>
-          <p:cNvPicPr>
-            <a:picLocks noChangeAspect="1"/>
-          </p:cNvPicPr>
-          <p:nvPr/>
-        </p:nvPicPr>
-        <p:blipFill>
-          <a:blip r:embed="rId21">
-            <a:extLst>
-              <a:ext uri="{96DAC541-7B7A-43D3-8B79-37D633B846F1}">
-                <asvg:svgBlip xmlns:asvg="http://schemas.microsoft.com/office/drawing/2016/SVG/main" r:embed="rId22"/>
-              </a:ext>
-            </a:extLst>
-          </a:blip>
-          <a:srcRect/>
-          <a:stretch/>
-        </p:blipFill>
-        <p:spPr>
-          <a:xfrm>
-            <a:off x="367550" y="4715658"/>
-            <a:ext cx="720000" cy="720000"/>
-          </a:xfrm>
-          <a:prstGeom prst="rect">
-            <a:avLst/>
-          </a:prstGeom>
-        </p:spPr>
-      </p:pic>
       <p:sp>
         <p:nvSpPr>
           <p:cNvPr id="31" name="CasellaDiTesto 30">
@@ -15543,7 +15306,7 @@
         </p:nvSpPr>
         <p:spPr>
           <a:xfrm>
-            <a:off x="-54816" y="1466923"/>
+            <a:off x="-82558" y="1929003"/>
             <a:ext cx="1054025" cy="276999"/>
           </a:xfrm>
           <a:prstGeom prst="rect">
@@ -15585,10 +15348,10 @@
           <p:nvPr/>
         </p:nvPicPr>
         <p:blipFill>
-          <a:blip r:embed="rId23">
+          <a:blip r:embed="rId11">
             <a:extLst>
               <a:ext uri="{96DAC541-7B7A-43D3-8B79-37D633B846F1}">
-                <asvg:svgBlip xmlns:asvg="http://schemas.microsoft.com/office/drawing/2016/SVG/main" r:embed="rId24"/>
+                <asvg:svgBlip xmlns:asvg="http://schemas.microsoft.com/office/drawing/2016/SVG/main" r:embed="rId12"/>
               </a:ext>
             </a:extLst>
           </a:blip>
@@ -15597,7 +15360,7 @@
         </p:blipFill>
         <p:spPr>
           <a:xfrm>
-            <a:off x="-866732" y="5744747"/>
+            <a:off x="-868364" y="5356528"/>
             <a:ext cx="720000" cy="720000"/>
           </a:xfrm>
           <a:prstGeom prst="rect">
@@ -15620,7 +15383,7 @@
           <p:nvPr/>
         </p:nvPicPr>
         <p:blipFill>
-          <a:blip r:embed="rId25"/>
+          <a:blip r:embed="rId13"/>
           <a:stretch>
             <a:fillRect/>
           </a:stretch>
@@ -15802,7 +15565,7 @@
           <p:nvPr/>
         </p:nvPicPr>
         <p:blipFill rotWithShape="1">
-          <a:blip r:embed="rId26"/>
+          <a:blip r:embed="rId14"/>
           <a:srcRect t="2370" b="3301"/>
           <a:stretch/>
         </p:blipFill>
@@ -15929,7 +15692,7 @@
           <p:nvPr/>
         </p:nvPicPr>
         <p:blipFill rotWithShape="1">
-          <a:blip r:embed="rId27"/>
+          <a:blip r:embed="rId15"/>
           <a:srcRect l="1" t="465" r="4814" b="2312"/>
           <a:stretch/>
         </p:blipFill>
@@ -16316,7 +16079,7 @@
           <p:nvPr/>
         </p:nvPicPr>
         <p:blipFill rotWithShape="1">
-          <a:blip r:embed="rId28"/>
+          <a:blip r:embed="rId16"/>
           <a:srcRect l="1305" r="7310"/>
           <a:stretch/>
         </p:blipFill>
@@ -16356,7 +16119,7 @@
           <p:nvPr/>
         </p:nvPicPr>
         <p:blipFill rotWithShape="1">
-          <a:blip r:embed="rId29"/>
+          <a:blip r:embed="rId17"/>
           <a:srcRect l="2220" t="9830" r="4465" b="5905"/>
           <a:stretch/>
         </p:blipFill>
@@ -16368,6 +16131,263 @@
           <a:prstGeom prst="roundRect">
             <a:avLst>
               <a:gd name="adj" fmla="val 34625"/>
+            </a:avLst>
+          </a:prstGeom>
+          <a:solidFill>
+            <a:srgbClr val="FFFFFF">
+              <a:shade val="85000"/>
+            </a:srgbClr>
+          </a:solidFill>
+          <a:ln>
+            <a:noFill/>
+          </a:ln>
+          <a:effectLst/>
+        </p:spPr>
+      </p:pic>
+      <p:pic>
+        <p:nvPicPr>
+          <p:cNvPr id="38" name="Elemento grafico 37" descr="Tiro a segno con riempimento a tinta unita">
+            <a:extLst>
+              <a:ext uri="{FF2B5EF4-FFF2-40B4-BE49-F238E27FC236}">
+                <a16:creationId xmlns:a16="http://schemas.microsoft.com/office/drawing/2014/main" id="{C3A35248-9301-43A9-B8CB-69107FDD28E1}"/>
+              </a:ext>
+            </a:extLst>
+          </p:cNvPr>
+          <p:cNvPicPr>
+            <a:picLocks noChangeAspect="1"/>
+          </p:cNvPicPr>
+          <p:nvPr/>
+        </p:nvPicPr>
+        <p:blipFill>
+          <a:blip r:embed="rId18">
+            <a:extLst>
+              <a:ext uri="{96DAC541-7B7A-43D3-8B79-37D633B846F1}">
+                <asvg:svgBlip xmlns:asvg="http://schemas.microsoft.com/office/drawing/2016/SVG/main" r:embed="rId19"/>
+              </a:ext>
+            </a:extLst>
+          </a:blip>
+          <a:srcRect/>
+          <a:stretch/>
+        </p:blipFill>
+        <p:spPr>
+          <a:xfrm>
+            <a:off x="242109" y="319049"/>
+            <a:ext cx="718368" cy="718368"/>
+          </a:xfrm>
+          <a:prstGeom prst="rect">
+            <a:avLst/>
+          </a:prstGeom>
+        </p:spPr>
+      </p:pic>
+      <p:pic>
+        <p:nvPicPr>
+          <p:cNvPr id="40" name="Elemento grafico 39" descr="Singolo ingranaggio con riempimento a tinta unita">
+            <a:extLst>
+              <a:ext uri="{FF2B5EF4-FFF2-40B4-BE49-F238E27FC236}">
+                <a16:creationId xmlns:a16="http://schemas.microsoft.com/office/drawing/2014/main" id="{2837C82D-18B8-4590-8B87-E5319650BA9C}"/>
+              </a:ext>
+            </a:extLst>
+          </p:cNvPr>
+          <p:cNvPicPr>
+            <a:picLocks noChangeAspect="1"/>
+          </p:cNvPicPr>
+          <p:nvPr/>
+        </p:nvPicPr>
+        <p:blipFill>
+          <a:blip r:embed="rId20">
+            <a:extLst>
+              <a:ext uri="{96DAC541-7B7A-43D3-8B79-37D633B846F1}">
+                <asvg:svgBlip xmlns:asvg="http://schemas.microsoft.com/office/drawing/2016/SVG/main" r:embed="rId21"/>
+              </a:ext>
+            </a:extLst>
+          </a:blip>
+          <a:srcRect/>
+          <a:stretch/>
+        </p:blipFill>
+        <p:spPr>
+          <a:xfrm>
+            <a:off x="941513" y="1708319"/>
+            <a:ext cx="718368" cy="718368"/>
+          </a:xfrm>
+          <a:prstGeom prst="rect">
+            <a:avLst/>
+          </a:prstGeom>
+        </p:spPr>
+      </p:pic>
+      <p:pic>
+        <p:nvPicPr>
+          <p:cNvPr id="45" name="Segnaposto contenuto 7" descr="Blockchain contorno">
+            <a:extLst>
+              <a:ext uri="{FF2B5EF4-FFF2-40B4-BE49-F238E27FC236}">
+                <a16:creationId xmlns:a16="http://schemas.microsoft.com/office/drawing/2014/main" id="{8F95948D-AE46-47D0-913B-B536D2374C5B}"/>
+              </a:ext>
+            </a:extLst>
+          </p:cNvPr>
+          <p:cNvPicPr>
+            <a:picLocks noChangeAspect="1"/>
+          </p:cNvPicPr>
+          <p:nvPr/>
+        </p:nvPicPr>
+        <p:blipFill>
+          <a:blip r:embed="rId22">
+            <a:extLst>
+              <a:ext uri="{96DAC541-7B7A-43D3-8B79-37D633B846F1}">
+                <asvg:svgBlip xmlns:asvg="http://schemas.microsoft.com/office/drawing/2016/SVG/main" r:embed="rId23"/>
+              </a:ext>
+            </a:extLst>
+          </a:blip>
+          <a:stretch>
+            <a:fillRect/>
+          </a:stretch>
+        </p:blipFill>
+        <p:spPr>
+          <a:xfrm>
+            <a:off x="267411" y="2826824"/>
+            <a:ext cx="718368" cy="718368"/>
+          </a:xfrm>
+          <a:prstGeom prst="rect">
+            <a:avLst/>
+          </a:prstGeom>
+        </p:spPr>
+      </p:pic>
+      <p:pic>
+        <p:nvPicPr>
+          <p:cNvPr id="46" name="Segnaposto contenuto 9" descr="Utente con riempimento a tinta unita">
+            <a:extLst>
+              <a:ext uri="{FF2B5EF4-FFF2-40B4-BE49-F238E27FC236}">
+                <a16:creationId xmlns:a16="http://schemas.microsoft.com/office/drawing/2014/main" id="{9CAA819A-CF9E-4650-A095-A917D0E1C58B}"/>
+              </a:ext>
+            </a:extLst>
+          </p:cNvPr>
+          <p:cNvPicPr>
+            <a:picLocks noChangeAspect="1"/>
+          </p:cNvPicPr>
+          <p:nvPr/>
+        </p:nvPicPr>
+        <p:blipFill>
+          <a:blip r:embed="rId24">
+            <a:extLst>
+              <a:ext uri="{96DAC541-7B7A-43D3-8B79-37D633B846F1}">
+                <asvg:svgBlip xmlns:asvg="http://schemas.microsoft.com/office/drawing/2016/SVG/main" r:embed="rId25"/>
+              </a:ext>
+            </a:extLst>
+          </a:blip>
+          <a:srcRect/>
+          <a:stretch/>
+        </p:blipFill>
+        <p:spPr>
+          <a:xfrm>
+            <a:off x="267411" y="4091676"/>
+            <a:ext cx="718368" cy="718368"/>
+          </a:xfrm>
+          <a:prstGeom prst="rect">
+            <a:avLst/>
+          </a:prstGeom>
+        </p:spPr>
+      </p:pic>
+      <p:pic>
+        <p:nvPicPr>
+          <p:cNvPr id="48" name="Elemento grafico 47" descr="Idrante antincendio rotto con riempimento a tinta unita">
+            <a:extLst>
+              <a:ext uri="{FF2B5EF4-FFF2-40B4-BE49-F238E27FC236}">
+                <a16:creationId xmlns:a16="http://schemas.microsoft.com/office/drawing/2014/main" id="{77986A8B-8143-43DE-906E-1AA66FC5B1A3}"/>
+              </a:ext>
+            </a:extLst>
+          </p:cNvPr>
+          <p:cNvPicPr>
+            <a:picLocks noChangeAspect="1"/>
+          </p:cNvPicPr>
+          <p:nvPr/>
+        </p:nvPicPr>
+        <p:blipFill>
+          <a:blip r:embed="rId26">
+            <a:extLst>
+              <a:ext uri="{96DAC541-7B7A-43D3-8B79-37D633B846F1}">
+                <asvg:svgBlip xmlns:asvg="http://schemas.microsoft.com/office/drawing/2016/SVG/main" r:embed="rId27"/>
+              </a:ext>
+            </a:extLst>
+          </a:blip>
+          <a:srcRect/>
+          <a:stretch/>
+        </p:blipFill>
+        <p:spPr>
+          <a:xfrm>
+            <a:off x="336049" y="5356528"/>
+            <a:ext cx="720000" cy="720000"/>
+          </a:xfrm>
+          <a:prstGeom prst="rect">
+            <a:avLst/>
+          </a:prstGeom>
+        </p:spPr>
+      </p:pic>
+      <p:pic>
+        <p:nvPicPr>
+          <p:cNvPr id="54" name="Immagine 53">
+            <a:extLst>
+              <a:ext uri="{FF2B5EF4-FFF2-40B4-BE49-F238E27FC236}">
+                <a16:creationId xmlns:a16="http://schemas.microsoft.com/office/drawing/2014/main" id="{90B1AA0C-1841-45CB-B7D5-A255E827DE7D}"/>
+              </a:ext>
+            </a:extLst>
+          </p:cNvPr>
+          <p:cNvPicPr>
+            <a:picLocks noChangeAspect="1"/>
+          </p:cNvPicPr>
+          <p:nvPr/>
+        </p:nvPicPr>
+        <p:blipFill>
+          <a:blip r:embed="rId28"/>
+          <a:stretch>
+            <a:fillRect/>
+          </a:stretch>
+        </p:blipFill>
+        <p:spPr>
+          <a:xfrm>
+            <a:off x="9503427" y="-1872932"/>
+            <a:ext cx="835460" cy="855019"/>
+          </a:xfrm>
+          <a:prstGeom prst="roundRect">
+            <a:avLst>
+              <a:gd name="adj" fmla="val 5263"/>
+            </a:avLst>
+          </a:prstGeom>
+          <a:solidFill>
+            <a:srgbClr val="FFFFFF">
+              <a:shade val="85000"/>
+            </a:srgbClr>
+          </a:solidFill>
+          <a:ln>
+            <a:noFill/>
+          </a:ln>
+          <a:effectLst/>
+        </p:spPr>
+      </p:pic>
+      <p:pic>
+        <p:nvPicPr>
+          <p:cNvPr id="55" name="Immagine 54">
+            <a:extLst>
+              <a:ext uri="{FF2B5EF4-FFF2-40B4-BE49-F238E27FC236}">
+                <a16:creationId xmlns:a16="http://schemas.microsoft.com/office/drawing/2014/main" id="{D43A6F59-7944-4AD0-9DE0-C084A4C4AEBE}"/>
+              </a:ext>
+            </a:extLst>
+          </p:cNvPr>
+          <p:cNvPicPr>
+            <a:picLocks noChangeAspect="1"/>
+          </p:cNvPicPr>
+          <p:nvPr/>
+        </p:nvPicPr>
+        <p:blipFill rotWithShape="1">
+          <a:blip r:embed="rId29"/>
+          <a:srcRect t="-17" b="871"/>
+          <a:stretch/>
+        </p:blipFill>
+        <p:spPr>
+          <a:xfrm>
+            <a:off x="9341426" y="7472006"/>
+            <a:ext cx="1567535" cy="1048725"/>
+          </a:xfrm>
+          <a:prstGeom prst="roundRect">
+            <a:avLst>
+              <a:gd name="adj" fmla="val 5106"/>
             </a:avLst>
           </a:prstGeom>
           <a:solidFill>
@@ -16431,6 +16451,126 @@
           <a:chExt cx="0" cy="0"/>
         </a:xfrm>
       </p:grpSpPr>
+      <p:pic>
+        <p:nvPicPr>
+          <p:cNvPr id="46" name="Immagine 45">
+            <a:extLst>
+              <a:ext uri="{FF2B5EF4-FFF2-40B4-BE49-F238E27FC236}">
+                <a16:creationId xmlns:a16="http://schemas.microsoft.com/office/drawing/2014/main" id="{D9F03F04-D0CC-4CA4-82AF-975792F9BD15}"/>
+              </a:ext>
+            </a:extLst>
+          </p:cNvPr>
+          <p:cNvPicPr>
+            <a:picLocks noChangeAspect="1"/>
+          </p:cNvPicPr>
+          <p:nvPr/>
+        </p:nvPicPr>
+        <p:blipFill rotWithShape="1">
+          <a:blip r:embed="rId2"/>
+          <a:srcRect t="2458" b="1916"/>
+          <a:stretch/>
+        </p:blipFill>
+        <p:spPr>
+          <a:xfrm flipV="1">
+            <a:off x="7695433" y="760768"/>
+            <a:ext cx="563705" cy="201887"/>
+          </a:xfrm>
+          <a:prstGeom prst="roundRect">
+            <a:avLst>
+              <a:gd name="adj" fmla="val 8594"/>
+            </a:avLst>
+          </a:prstGeom>
+          <a:solidFill>
+            <a:srgbClr val="FFFFFF">
+              <a:shade val="85000"/>
+            </a:srgbClr>
+          </a:solidFill>
+          <a:ln>
+            <a:noFill/>
+          </a:ln>
+          <a:effectLst/>
+        </p:spPr>
+      </p:pic>
+      <p:pic>
+        <p:nvPicPr>
+          <p:cNvPr id="47" name="Immagine 46">
+            <a:extLst>
+              <a:ext uri="{FF2B5EF4-FFF2-40B4-BE49-F238E27FC236}">
+                <a16:creationId xmlns:a16="http://schemas.microsoft.com/office/drawing/2014/main" id="{3AA4EB89-5454-41BC-80FB-B84F00FD6DB6}"/>
+              </a:ext>
+            </a:extLst>
+          </p:cNvPr>
+          <p:cNvPicPr>
+            <a:picLocks noChangeAspect="1"/>
+          </p:cNvPicPr>
+          <p:nvPr/>
+        </p:nvPicPr>
+        <p:blipFill rotWithShape="1">
+          <a:blip r:embed="rId3"/>
+          <a:srcRect t="167" r="-817" b="-1795"/>
+          <a:stretch/>
+        </p:blipFill>
+        <p:spPr>
+          <a:xfrm flipV="1">
+            <a:off x="7610385" y="2345518"/>
+            <a:ext cx="648753" cy="352396"/>
+          </a:xfrm>
+          <a:prstGeom prst="roundRect">
+            <a:avLst>
+              <a:gd name="adj" fmla="val 8594"/>
+            </a:avLst>
+          </a:prstGeom>
+          <a:solidFill>
+            <a:srgbClr val="FFFFFF">
+              <a:shade val="85000"/>
+            </a:srgbClr>
+          </a:solidFill>
+          <a:ln>
+            <a:noFill/>
+          </a:ln>
+          <a:effectLst/>
+        </p:spPr>
+      </p:pic>
+      <p:pic>
+        <p:nvPicPr>
+          <p:cNvPr id="48" name="Immagine 47">
+            <a:extLst>
+              <a:ext uri="{FF2B5EF4-FFF2-40B4-BE49-F238E27FC236}">
+                <a16:creationId xmlns:a16="http://schemas.microsoft.com/office/drawing/2014/main" id="{407B6974-4095-4B65-ADC8-31FB66E04697}"/>
+              </a:ext>
+            </a:extLst>
+          </p:cNvPr>
+          <p:cNvPicPr>
+            <a:picLocks noChangeAspect="1"/>
+          </p:cNvPicPr>
+          <p:nvPr/>
+        </p:nvPicPr>
+        <p:blipFill rotWithShape="1">
+          <a:blip r:embed="rId4"/>
+          <a:srcRect t="318" b="318"/>
+          <a:stretch/>
+        </p:blipFill>
+        <p:spPr>
+          <a:xfrm flipV="1">
+            <a:off x="7819588" y="5140255"/>
+            <a:ext cx="773057" cy="324545"/>
+          </a:xfrm>
+          <a:prstGeom prst="roundRect">
+            <a:avLst>
+              <a:gd name="adj" fmla="val 8594"/>
+            </a:avLst>
+          </a:prstGeom>
+          <a:solidFill>
+            <a:srgbClr val="FFFFFF">
+              <a:shade val="85000"/>
+            </a:srgbClr>
+          </a:solidFill>
+          <a:ln>
+            <a:noFill/>
+          </a:ln>
+          <a:effectLst/>
+        </p:spPr>
+      </p:pic>
       <p:sp>
         <p:nvSpPr>
           <p:cNvPr id="9" name="Ovale 8">
@@ -16445,7 +16585,7 @@
         </p:nvSpPr>
         <p:spPr>
           <a:xfrm>
-            <a:off x="-921548" y="1177652"/>
+            <a:off x="-926754" y="1571565"/>
             <a:ext cx="828000" cy="828000"/>
           </a:xfrm>
           <a:prstGeom prst="ellipse">
@@ -16549,7 +16689,7 @@
         </p:nvSpPr>
         <p:spPr>
           <a:xfrm>
-            <a:off x="-925122" y="3556409"/>
+            <a:off x="-933560" y="3982044"/>
             <a:ext cx="828000" cy="828000"/>
           </a:xfrm>
           <a:prstGeom prst="ellipse">
@@ -16589,10 +16729,10 @@
       </p:sp>
       <p:sp>
         <p:nvSpPr>
-          <p:cNvPr id="13" name="Ovale 12">
+          <p:cNvPr id="14" name="Ovale 13">
             <a:extLst>
               <a:ext uri="{FF2B5EF4-FFF2-40B4-BE49-F238E27FC236}">
-                <a16:creationId xmlns:a16="http://schemas.microsoft.com/office/drawing/2014/main" id="{E3C499B9-B0AB-4BA6-8595-98FDDB6D056D}"/>
+                <a16:creationId xmlns:a16="http://schemas.microsoft.com/office/drawing/2014/main" id="{EE97289B-6EAD-4B0B-9050-C551748A52A0}"/>
               </a:ext>
             </a:extLst>
           </p:cNvPr>
@@ -16601,7 +16741,7 @@
         </p:nvSpPr>
         <p:spPr>
           <a:xfrm>
-            <a:off x="-925122" y="4605144"/>
+            <a:off x="-908188" y="5302528"/>
             <a:ext cx="828000" cy="828000"/>
           </a:xfrm>
           <a:prstGeom prst="ellipse">
@@ -16639,12 +16779,120 @@
           </a:p>
         </p:txBody>
       </p:sp>
+      <p:pic>
+        <p:nvPicPr>
+          <p:cNvPr id="15" name="Elemento grafico 14" descr="Tiro a segno contorno">
+            <a:extLst>
+              <a:ext uri="{FF2B5EF4-FFF2-40B4-BE49-F238E27FC236}">
+                <a16:creationId xmlns:a16="http://schemas.microsoft.com/office/drawing/2014/main" id="{EB10AEFA-EA37-450C-B6B9-A4784D75A7B9}"/>
+              </a:ext>
+            </a:extLst>
+          </p:cNvPr>
+          <p:cNvPicPr>
+            <a:picLocks noChangeAspect="1"/>
+          </p:cNvPicPr>
+          <p:nvPr/>
+        </p:nvPicPr>
+        <p:blipFill>
+          <a:blip r:embed="rId5">
+            <a:extLst>
+              <a:ext uri="{96DAC541-7B7A-43D3-8B79-37D633B846F1}">
+                <asvg:svgBlip xmlns:asvg="http://schemas.microsoft.com/office/drawing/2016/SVG/main" r:embed="rId6"/>
+              </a:ext>
+            </a:extLst>
+          </a:blip>
+          <a:stretch>
+            <a:fillRect/>
+          </a:stretch>
+        </p:blipFill>
+        <p:spPr>
+          <a:xfrm>
+            <a:off x="-866732" y="320812"/>
+            <a:ext cx="718368" cy="718368"/>
+          </a:xfrm>
+          <a:prstGeom prst="rect">
+            <a:avLst/>
+          </a:prstGeom>
+        </p:spPr>
+      </p:pic>
+      <p:pic>
+        <p:nvPicPr>
+          <p:cNvPr id="17" name="Elemento grafico 16" descr="Ingranaggi contorno">
+            <a:extLst>
+              <a:ext uri="{FF2B5EF4-FFF2-40B4-BE49-F238E27FC236}">
+                <a16:creationId xmlns:a16="http://schemas.microsoft.com/office/drawing/2014/main" id="{BDB117D3-9984-44AE-BBFF-E072A085F84E}"/>
+              </a:ext>
+            </a:extLst>
+          </p:cNvPr>
+          <p:cNvPicPr>
+            <a:picLocks noChangeAspect="1"/>
+          </p:cNvPicPr>
+          <p:nvPr/>
+        </p:nvPicPr>
+        <p:blipFill>
+          <a:blip r:embed="rId7">
+            <a:extLst>
+              <a:ext uri="{96DAC541-7B7A-43D3-8B79-37D633B846F1}">
+                <asvg:svgBlip xmlns:asvg="http://schemas.microsoft.com/office/drawing/2016/SVG/main" r:embed="rId8"/>
+              </a:ext>
+            </a:extLst>
+          </a:blip>
+          <a:stretch>
+            <a:fillRect/>
+          </a:stretch>
+        </p:blipFill>
+        <p:spPr>
+          <a:xfrm>
+            <a:off x="-871938" y="1627150"/>
+            <a:ext cx="718368" cy="718368"/>
+          </a:xfrm>
+          <a:prstGeom prst="rect">
+            <a:avLst/>
+          </a:prstGeom>
+        </p:spPr>
+      </p:pic>
+      <p:pic>
+        <p:nvPicPr>
+          <p:cNvPr id="20" name="Segnaposto contenuto 9" descr="Utente contorno">
+            <a:extLst>
+              <a:ext uri="{FF2B5EF4-FFF2-40B4-BE49-F238E27FC236}">
+                <a16:creationId xmlns:a16="http://schemas.microsoft.com/office/drawing/2014/main" id="{05F1C3D9-E9FB-4FAF-91D3-4C851747AF7D}"/>
+              </a:ext>
+            </a:extLst>
+          </p:cNvPr>
+          <p:cNvPicPr>
+            <a:picLocks noChangeAspect="1"/>
+          </p:cNvPicPr>
+          <p:nvPr/>
+        </p:nvPicPr>
+        <p:blipFill>
+          <a:blip r:embed="rId9">
+            <a:extLst>
+              <a:ext uri="{96DAC541-7B7A-43D3-8B79-37D633B846F1}">
+                <asvg:svgBlip xmlns:asvg="http://schemas.microsoft.com/office/drawing/2016/SVG/main" r:embed="rId10"/>
+              </a:ext>
+            </a:extLst>
+          </a:blip>
+          <a:stretch>
+            <a:fillRect/>
+          </a:stretch>
+        </p:blipFill>
+        <p:spPr>
+          <a:xfrm>
+            <a:off x="-878744" y="3979728"/>
+            <a:ext cx="718368" cy="718368"/>
+          </a:xfrm>
+          <a:prstGeom prst="rect">
+            <a:avLst/>
+          </a:prstGeom>
+        </p:spPr>
+      </p:pic>
       <p:sp>
         <p:nvSpPr>
-          <p:cNvPr id="14" name="Ovale 13">
+          <p:cNvPr id="7" name="Ovale 6">
             <a:extLst>
               <a:ext uri="{FF2B5EF4-FFF2-40B4-BE49-F238E27FC236}">
-                <a16:creationId xmlns:a16="http://schemas.microsoft.com/office/drawing/2014/main" id="{EE97289B-6EAD-4B0B-9050-C551748A52A0}"/>
+                <a16:creationId xmlns:a16="http://schemas.microsoft.com/office/drawing/2014/main" id="{0FF573E0-F50A-4F4C-A0F3-94A1ECF4F69F}"/>
               </a:ext>
             </a:extLst>
           </p:cNvPr>
@@ -16653,7 +16901,7 @@
         </p:nvSpPr>
         <p:spPr>
           <a:xfrm>
-            <a:off x="-925938" y="5690747"/>
+            <a:off x="813888" y="2756428"/>
             <a:ext cx="828000" cy="828000"/>
           </a:xfrm>
           <a:prstGeom prst="ellipse">
@@ -16691,238 +16939,6 @@
           </a:p>
         </p:txBody>
       </p:sp>
-      <p:pic>
-        <p:nvPicPr>
-          <p:cNvPr id="15" name="Elemento grafico 14" descr="Tiro a segno contorno">
-            <a:extLst>
-              <a:ext uri="{FF2B5EF4-FFF2-40B4-BE49-F238E27FC236}">
-                <a16:creationId xmlns:a16="http://schemas.microsoft.com/office/drawing/2014/main" id="{EB10AEFA-EA37-450C-B6B9-A4784D75A7B9}"/>
-              </a:ext>
-            </a:extLst>
-          </p:cNvPr>
-          <p:cNvPicPr>
-            <a:picLocks noChangeAspect="1"/>
-          </p:cNvPicPr>
-          <p:nvPr/>
-        </p:nvPicPr>
-        <p:blipFill>
-          <a:blip r:embed="rId2">
-            <a:extLst>
-              <a:ext uri="{96DAC541-7B7A-43D3-8B79-37D633B846F1}">
-                <asvg:svgBlip xmlns:asvg="http://schemas.microsoft.com/office/drawing/2016/SVG/main" r:embed="rId3"/>
-              </a:ext>
-            </a:extLst>
-          </a:blip>
-          <a:stretch>
-            <a:fillRect/>
-          </a:stretch>
-        </p:blipFill>
-        <p:spPr>
-          <a:xfrm>
-            <a:off x="-866732" y="320812"/>
-            <a:ext cx="718368" cy="718368"/>
-          </a:xfrm>
-          <a:prstGeom prst="rect">
-            <a:avLst/>
-          </a:prstGeom>
-        </p:spPr>
-      </p:pic>
-      <p:pic>
-        <p:nvPicPr>
-          <p:cNvPr id="17" name="Elemento grafico 16" descr="Ingranaggi contorno">
-            <a:extLst>
-              <a:ext uri="{FF2B5EF4-FFF2-40B4-BE49-F238E27FC236}">
-                <a16:creationId xmlns:a16="http://schemas.microsoft.com/office/drawing/2014/main" id="{BDB117D3-9984-44AE-BBFF-E072A085F84E}"/>
-              </a:ext>
-            </a:extLst>
-          </p:cNvPr>
-          <p:cNvPicPr>
-            <a:picLocks noChangeAspect="1"/>
-          </p:cNvPicPr>
-          <p:nvPr/>
-        </p:nvPicPr>
-        <p:blipFill>
-          <a:blip r:embed="rId4">
-            <a:extLst>
-              <a:ext uri="{96DAC541-7B7A-43D3-8B79-37D633B846F1}">
-                <asvg:svgBlip xmlns:asvg="http://schemas.microsoft.com/office/drawing/2016/SVG/main" r:embed="rId5"/>
-              </a:ext>
-            </a:extLst>
-          </a:blip>
-          <a:stretch>
-            <a:fillRect/>
-          </a:stretch>
-        </p:blipFill>
-        <p:spPr>
-          <a:xfrm>
-            <a:off x="-866732" y="1233237"/>
-            <a:ext cx="718368" cy="718368"/>
-          </a:xfrm>
-          <a:prstGeom prst="rect">
-            <a:avLst/>
-          </a:prstGeom>
-        </p:spPr>
-      </p:pic>
-      <p:pic>
-        <p:nvPicPr>
-          <p:cNvPr id="20" name="Segnaposto contenuto 9" descr="Utente contorno">
-            <a:extLst>
-              <a:ext uri="{FF2B5EF4-FFF2-40B4-BE49-F238E27FC236}">
-                <a16:creationId xmlns:a16="http://schemas.microsoft.com/office/drawing/2014/main" id="{05F1C3D9-E9FB-4FAF-91D3-4C851747AF7D}"/>
-              </a:ext>
-            </a:extLst>
-          </p:cNvPr>
-          <p:cNvPicPr>
-            <a:picLocks noChangeAspect="1"/>
-          </p:cNvPicPr>
-          <p:nvPr/>
-        </p:nvPicPr>
-        <p:blipFill>
-          <a:blip r:embed="rId6">
-            <a:extLst>
-              <a:ext uri="{96DAC541-7B7A-43D3-8B79-37D633B846F1}">
-                <asvg:svgBlip xmlns:asvg="http://schemas.microsoft.com/office/drawing/2016/SVG/main" r:embed="rId7"/>
-              </a:ext>
-            </a:extLst>
-          </a:blip>
-          <a:stretch>
-            <a:fillRect/>
-          </a:stretch>
-        </p:blipFill>
-        <p:spPr>
-          <a:xfrm>
-            <a:off x="-870306" y="3554093"/>
-            <a:ext cx="718368" cy="718368"/>
-          </a:xfrm>
-          <a:prstGeom prst="rect">
-            <a:avLst/>
-          </a:prstGeom>
-        </p:spPr>
-      </p:pic>
-      <p:pic>
-        <p:nvPicPr>
-          <p:cNvPr id="21" name="Elemento grafico 20" descr="Database contorno">
-            <a:extLst>
-              <a:ext uri="{FF2B5EF4-FFF2-40B4-BE49-F238E27FC236}">
-                <a16:creationId xmlns:a16="http://schemas.microsoft.com/office/drawing/2014/main" id="{6D01C2E6-5FE9-4975-AD11-1F42B37B5AE6}"/>
-              </a:ext>
-            </a:extLst>
-          </p:cNvPr>
-          <p:cNvPicPr>
-            <a:picLocks noChangeAspect="1"/>
-          </p:cNvPicPr>
-          <p:nvPr/>
-        </p:nvPicPr>
-        <p:blipFill>
-          <a:blip r:embed="rId8">
-            <a:extLst>
-              <a:ext uri="{96DAC541-7B7A-43D3-8B79-37D633B846F1}">
-                <asvg:svgBlip xmlns:asvg="http://schemas.microsoft.com/office/drawing/2016/SVG/main" r:embed="rId9"/>
-              </a:ext>
-            </a:extLst>
-          </a:blip>
-          <a:stretch>
-            <a:fillRect/>
-          </a:stretch>
-        </p:blipFill>
-        <p:spPr>
-          <a:xfrm>
-            <a:off x="-870306" y="4659960"/>
-            <a:ext cx="718368" cy="718368"/>
-          </a:xfrm>
-          <a:prstGeom prst="rect">
-            <a:avLst/>
-          </a:prstGeom>
-        </p:spPr>
-      </p:pic>
-      <p:sp>
-        <p:nvSpPr>
-          <p:cNvPr id="7" name="Ovale 6">
-            <a:extLst>
-              <a:ext uri="{FF2B5EF4-FFF2-40B4-BE49-F238E27FC236}">
-                <a16:creationId xmlns:a16="http://schemas.microsoft.com/office/drawing/2014/main" id="{0FF573E0-F50A-4F4C-A0F3-94A1ECF4F69F}"/>
-              </a:ext>
-            </a:extLst>
-          </p:cNvPr>
-          <p:cNvSpPr/>
-          <p:nvPr/>
-        </p:nvSpPr>
-        <p:spPr>
-          <a:xfrm>
-            <a:off x="815723" y="2490386"/>
-            <a:ext cx="828000" cy="828000"/>
-          </a:xfrm>
-          <a:prstGeom prst="ellipse">
-            <a:avLst/>
-          </a:prstGeom>
-          <a:solidFill>
-            <a:schemeClr val="tx1"/>
-          </a:solidFill>
-          <a:ln>
-            <a:noFill/>
-          </a:ln>
-        </p:spPr>
-        <p:style>
-          <a:lnRef idx="2">
-            <a:schemeClr val="accent1">
-              <a:shade val="50000"/>
-            </a:schemeClr>
-          </a:lnRef>
-          <a:fillRef idx="1">
-            <a:schemeClr val="accent1"/>
-          </a:fillRef>
-          <a:effectRef idx="0">
-            <a:schemeClr val="accent1"/>
-          </a:effectRef>
-          <a:fontRef idx="minor">
-            <a:schemeClr val="lt1"/>
-          </a:fontRef>
-        </p:style>
-        <p:txBody>
-          <a:bodyPr rtlCol="0" anchor="ctr"/>
-          <a:lstStyle/>
-          <a:p>
-            <a:pPr algn="ctr"/>
-            <a:endParaRPr lang="it-IT" b="1"/>
-          </a:p>
-        </p:txBody>
-      </p:sp>
-      <p:pic>
-        <p:nvPicPr>
-          <p:cNvPr id="19" name="Segnaposto contenuto 7" descr="Blockchain contorno">
-            <a:extLst>
-              <a:ext uri="{FF2B5EF4-FFF2-40B4-BE49-F238E27FC236}">
-                <a16:creationId xmlns:a16="http://schemas.microsoft.com/office/drawing/2014/main" id="{E6B1700F-9040-4682-98BB-7B2E969C0733}"/>
-              </a:ext>
-            </a:extLst>
-          </p:cNvPr>
-          <p:cNvPicPr>
-            <a:picLocks noChangeAspect="1"/>
-          </p:cNvPicPr>
-          <p:nvPr/>
-        </p:nvPicPr>
-        <p:blipFill>
-          <a:blip r:embed="rId10">
-            <a:extLst>
-              <a:ext uri="{96DAC541-7B7A-43D3-8B79-37D633B846F1}">
-                <asvg:svgBlip xmlns:asvg="http://schemas.microsoft.com/office/drawing/2016/SVG/main" r:embed="rId11"/>
-              </a:ext>
-            </a:extLst>
-          </a:blip>
-          <a:stretch>
-            <a:fillRect/>
-          </a:stretch>
-        </p:blipFill>
-        <p:spPr>
-          <a:xfrm>
-            <a:off x="870539" y="2490386"/>
-            <a:ext cx="718368" cy="718368"/>
-          </a:xfrm>
-          <a:prstGeom prst="rect">
-            <a:avLst/>
-          </a:prstGeom>
-        </p:spPr>
-      </p:pic>
       <p:sp>
         <p:nvSpPr>
           <p:cNvPr id="29" name="Figura a mano libera: forma 28">
@@ -16937,7 +16953,7 @@
         </p:nvSpPr>
         <p:spPr>
           <a:xfrm flipH="1">
-            <a:off x="0" y="-8582156"/>
+            <a:off x="0" y="-8311530"/>
             <a:ext cx="1229723" cy="22957972"/>
           </a:xfrm>
           <a:custGeom>
@@ -17219,10 +17235,10 @@
       </p:sp>
       <p:pic>
         <p:nvPicPr>
-          <p:cNvPr id="23" name="Elemento grafico 22" descr="Tiro a segno con riempimento a tinta unita">
+          <p:cNvPr id="26" name="Segnaposto contenuto 7" descr="Blockchain contorno">
             <a:extLst>
               <a:ext uri="{FF2B5EF4-FFF2-40B4-BE49-F238E27FC236}">
-                <a16:creationId xmlns:a16="http://schemas.microsoft.com/office/drawing/2014/main" id="{D502047B-C131-42CE-9B5F-78E23B8D71FB}"/>
+                <a16:creationId xmlns:a16="http://schemas.microsoft.com/office/drawing/2014/main" id="{ACB43C8A-165D-48D7-BBE6-15784402C125}"/>
               </a:ext>
             </a:extLst>
           </p:cNvPr>
@@ -17232,80 +17248,10 @@
           <p:nvPr/>
         </p:nvPicPr>
         <p:blipFill>
-          <a:blip r:embed="rId12">
+          <a:blip r:embed="rId11">
             <a:extLst>
               <a:ext uri="{96DAC541-7B7A-43D3-8B79-37D633B846F1}">
-                <asvg:svgBlip xmlns:asvg="http://schemas.microsoft.com/office/drawing/2016/SVG/main" r:embed="rId13"/>
-              </a:ext>
-            </a:extLst>
-          </a:blip>
-          <a:srcRect/>
-          <a:stretch/>
-        </p:blipFill>
-        <p:spPr>
-          <a:xfrm>
-            <a:off x="242109" y="320812"/>
-            <a:ext cx="718368" cy="718368"/>
-          </a:xfrm>
-          <a:prstGeom prst="rect">
-            <a:avLst/>
-          </a:prstGeom>
-        </p:spPr>
-      </p:pic>
-      <p:pic>
-        <p:nvPicPr>
-          <p:cNvPr id="24" name="Elemento grafico 23" descr="Singolo ingranaggio con riempimento a tinta unita">
-            <a:extLst>
-              <a:ext uri="{FF2B5EF4-FFF2-40B4-BE49-F238E27FC236}">
-                <a16:creationId xmlns:a16="http://schemas.microsoft.com/office/drawing/2014/main" id="{25706FE3-655D-483E-9825-9402757AD9A1}"/>
-              </a:ext>
-            </a:extLst>
-          </p:cNvPr>
-          <p:cNvPicPr>
-            <a:picLocks noChangeAspect="1"/>
-          </p:cNvPicPr>
-          <p:nvPr/>
-        </p:nvPicPr>
-        <p:blipFill>
-          <a:blip r:embed="rId14">
-            <a:extLst>
-              <a:ext uri="{96DAC541-7B7A-43D3-8B79-37D633B846F1}">
-                <asvg:svgBlip xmlns:asvg="http://schemas.microsoft.com/office/drawing/2016/SVG/main" r:embed="rId15"/>
-              </a:ext>
-            </a:extLst>
-          </a:blip>
-          <a:srcRect/>
-          <a:stretch/>
-        </p:blipFill>
-        <p:spPr>
-          <a:xfrm>
-            <a:off x="242109" y="1405599"/>
-            <a:ext cx="718368" cy="718368"/>
-          </a:xfrm>
-          <a:prstGeom prst="rect">
-            <a:avLst/>
-          </a:prstGeom>
-        </p:spPr>
-      </p:pic>
-      <p:pic>
-        <p:nvPicPr>
-          <p:cNvPr id="26" name="Segnaposto contenuto 7" descr="Blockchain contorno">
-            <a:extLst>
-              <a:ext uri="{FF2B5EF4-FFF2-40B4-BE49-F238E27FC236}">
-                <a16:creationId xmlns:a16="http://schemas.microsoft.com/office/drawing/2014/main" id="{ACB43C8A-165D-48D7-BBE6-15784402C125}"/>
-              </a:ext>
-            </a:extLst>
-          </p:cNvPr>
-          <p:cNvPicPr>
-            <a:picLocks noChangeAspect="1"/>
-          </p:cNvPicPr>
-          <p:nvPr/>
-        </p:nvPicPr>
-        <p:blipFill>
-          <a:blip r:embed="rId16">
-            <a:extLst>
-              <a:ext uri="{96DAC541-7B7A-43D3-8B79-37D633B846F1}">
-                <asvg:svgBlip xmlns:asvg="http://schemas.microsoft.com/office/drawing/2016/SVG/main" r:embed="rId17"/>
+                <asvg:svgBlip xmlns:asvg="http://schemas.microsoft.com/office/drawing/2016/SVG/main" r:embed="rId12"/>
               </a:ext>
             </a:extLst>
           </a:blip>
@@ -17323,76 +17269,6 @@
           </a:prstGeom>
         </p:spPr>
       </p:pic>
-      <p:pic>
-        <p:nvPicPr>
-          <p:cNvPr id="27" name="Segnaposto contenuto 9" descr="Utente con riempimento a tinta unita">
-            <a:extLst>
-              <a:ext uri="{FF2B5EF4-FFF2-40B4-BE49-F238E27FC236}">
-                <a16:creationId xmlns:a16="http://schemas.microsoft.com/office/drawing/2014/main" id="{0EBA6631-9D0B-4C08-82A7-DC5114B16570}"/>
-              </a:ext>
-            </a:extLst>
-          </p:cNvPr>
-          <p:cNvPicPr>
-            <a:picLocks noChangeAspect="1"/>
-          </p:cNvPicPr>
-          <p:nvPr/>
-        </p:nvPicPr>
-        <p:blipFill>
-          <a:blip r:embed="rId18">
-            <a:extLst>
-              <a:ext uri="{96DAC541-7B7A-43D3-8B79-37D633B846F1}">
-                <asvg:svgBlip xmlns:asvg="http://schemas.microsoft.com/office/drawing/2016/SVG/main" r:embed="rId19"/>
-              </a:ext>
-            </a:extLst>
-          </a:blip>
-          <a:srcRect/>
-          <a:stretch/>
-        </p:blipFill>
-        <p:spPr>
-          <a:xfrm>
-            <a:off x="242109" y="3555251"/>
-            <a:ext cx="718368" cy="718368"/>
-          </a:xfrm>
-          <a:prstGeom prst="rect">
-            <a:avLst/>
-          </a:prstGeom>
-        </p:spPr>
-      </p:pic>
-      <p:pic>
-        <p:nvPicPr>
-          <p:cNvPr id="30" name="Elemento grafico 29" descr="Idrante antincendio rotto con riempimento a tinta unita">
-            <a:extLst>
-              <a:ext uri="{FF2B5EF4-FFF2-40B4-BE49-F238E27FC236}">
-                <a16:creationId xmlns:a16="http://schemas.microsoft.com/office/drawing/2014/main" id="{4C6B5D36-D1A9-4D89-8D81-22219E0511F6}"/>
-              </a:ext>
-            </a:extLst>
-          </p:cNvPr>
-          <p:cNvPicPr>
-            <a:picLocks noChangeAspect="1"/>
-          </p:cNvPicPr>
-          <p:nvPr/>
-        </p:nvPicPr>
-        <p:blipFill>
-          <a:blip r:embed="rId20">
-            <a:extLst>
-              <a:ext uri="{96DAC541-7B7A-43D3-8B79-37D633B846F1}">
-                <asvg:svgBlip xmlns:asvg="http://schemas.microsoft.com/office/drawing/2016/SVG/main" r:embed="rId21"/>
-              </a:ext>
-            </a:extLst>
-          </a:blip>
-          <a:srcRect/>
-          <a:stretch/>
-        </p:blipFill>
-        <p:spPr>
-          <a:xfrm>
-            <a:off x="284132" y="4658328"/>
-            <a:ext cx="720000" cy="720000"/>
-          </a:xfrm>
-          <a:prstGeom prst="rect">
-            <a:avLst/>
-          </a:prstGeom>
-        </p:spPr>
-      </p:pic>
       <p:sp>
         <p:nvSpPr>
           <p:cNvPr id="31" name="CasellaDiTesto 30">
@@ -17407,7 +17283,7 @@
         </p:nvSpPr>
         <p:spPr>
           <a:xfrm>
-            <a:off x="-107059" y="2743426"/>
+            <a:off x="-88223" y="3079770"/>
             <a:ext cx="1067536" cy="492443"/>
           </a:xfrm>
           <a:prstGeom prst="rect">
@@ -17462,10 +17338,10 @@
           <p:nvPr/>
         </p:nvPicPr>
         <p:blipFill>
-          <a:blip r:embed="rId22">
+          <a:blip r:embed="rId13">
             <a:extLst>
               <a:ext uri="{96DAC541-7B7A-43D3-8B79-37D633B846F1}">
-                <asvg:svgBlip xmlns:asvg="http://schemas.microsoft.com/office/drawing/2016/SVG/main" r:embed="rId23"/>
+                <asvg:svgBlip xmlns:asvg="http://schemas.microsoft.com/office/drawing/2016/SVG/main" r:embed="rId14"/>
               </a:ext>
             </a:extLst>
           </a:blip>
@@ -17474,55 +17350,12 @@
         </p:blipFill>
         <p:spPr>
           <a:xfrm>
-            <a:off x="-871938" y="5744747"/>
+            <a:off x="-854188" y="5356528"/>
             <a:ext cx="720000" cy="720000"/>
           </a:xfrm>
           <a:prstGeom prst="rect">
             <a:avLst/>
           </a:prstGeom>
-        </p:spPr>
-      </p:pic>
-      <p:pic>
-        <p:nvPicPr>
-          <p:cNvPr id="33" name="Immagine 32">
-            <a:extLst>
-              <a:ext uri="{FF2B5EF4-FFF2-40B4-BE49-F238E27FC236}">
-                <a16:creationId xmlns:a16="http://schemas.microsoft.com/office/drawing/2014/main" id="{E36666CA-8085-4D9B-9492-FD96F6CEA3BA}"/>
-              </a:ext>
-            </a:extLst>
-          </p:cNvPr>
-          <p:cNvPicPr>
-            <a:picLocks noChangeAspect="1"/>
-          </p:cNvPicPr>
-          <p:nvPr/>
-        </p:nvPicPr>
-        <p:blipFill>
-          <a:blip r:embed="rId24">
-            <a:alphaModFix/>
-          </a:blip>
-          <a:stretch>
-            <a:fillRect/>
-          </a:stretch>
-        </p:blipFill>
-        <p:spPr>
-          <a:xfrm>
-            <a:off x="12470270" y="2400507"/>
-            <a:ext cx="2802478" cy="1725369"/>
-          </a:xfrm>
-          <a:prstGeom prst="roundRect">
-            <a:avLst>
-              <a:gd name="adj" fmla="val 2487"/>
-            </a:avLst>
-          </a:prstGeom>
-          <a:solidFill>
-            <a:srgbClr val="FFFFFF">
-              <a:shade val="85000"/>
-            </a:srgbClr>
-          </a:solidFill>
-          <a:ln>
-            <a:noFill/>
-          </a:ln>
-          <a:effectLst/>
         </p:spPr>
       </p:pic>
       <p:sp>
@@ -17621,7 +17454,7 @@
           <p:nvPr/>
         </p:nvPicPr>
         <p:blipFill>
-          <a:blip r:embed="rId25"/>
+          <a:blip r:embed="rId15"/>
           <a:stretch>
             <a:fillRect/>
           </a:stretch>
@@ -17662,7 +17495,7 @@
           <p:nvPr/>
         </p:nvPicPr>
         <p:blipFill rotWithShape="1">
-          <a:blip r:embed="rId26"/>
+          <a:blip r:embed="rId16"/>
           <a:srcRect t="-17" b="871"/>
           <a:stretch/>
         </p:blipFill>
@@ -17685,6 +17518,182 @@
             <a:noFill/>
           </a:ln>
           <a:effectLst/>
+        </p:spPr>
+      </p:pic>
+      <p:pic>
+        <p:nvPicPr>
+          <p:cNvPr id="28" name="Elemento grafico 27" descr="Tiro a segno con riempimento a tinta unita">
+            <a:extLst>
+              <a:ext uri="{FF2B5EF4-FFF2-40B4-BE49-F238E27FC236}">
+                <a16:creationId xmlns:a16="http://schemas.microsoft.com/office/drawing/2014/main" id="{687B9EF0-D763-490B-80C1-227F2A2EC11B}"/>
+              </a:ext>
+            </a:extLst>
+          </p:cNvPr>
+          <p:cNvPicPr>
+            <a:picLocks noChangeAspect="1"/>
+          </p:cNvPicPr>
+          <p:nvPr/>
+        </p:nvPicPr>
+        <p:blipFill>
+          <a:blip r:embed="rId17">
+            <a:extLst>
+              <a:ext uri="{96DAC541-7B7A-43D3-8B79-37D633B846F1}">
+                <asvg:svgBlip xmlns:asvg="http://schemas.microsoft.com/office/drawing/2016/SVG/main" r:embed="rId18"/>
+              </a:ext>
+            </a:extLst>
+          </a:blip>
+          <a:srcRect/>
+          <a:stretch/>
+        </p:blipFill>
+        <p:spPr>
+          <a:xfrm>
+            <a:off x="267411" y="320812"/>
+            <a:ext cx="718368" cy="718368"/>
+          </a:xfrm>
+          <a:prstGeom prst="rect">
+            <a:avLst/>
+          </a:prstGeom>
+        </p:spPr>
+      </p:pic>
+      <p:pic>
+        <p:nvPicPr>
+          <p:cNvPr id="37" name="Elemento grafico 36" descr="Singolo ingranaggio con riempimento a tinta unita">
+            <a:extLst>
+              <a:ext uri="{FF2B5EF4-FFF2-40B4-BE49-F238E27FC236}">
+                <a16:creationId xmlns:a16="http://schemas.microsoft.com/office/drawing/2014/main" id="{83C767FF-FE7E-42A0-AA40-94D63479EECE}"/>
+              </a:ext>
+            </a:extLst>
+          </p:cNvPr>
+          <p:cNvPicPr>
+            <a:picLocks noChangeAspect="1"/>
+          </p:cNvPicPr>
+          <p:nvPr/>
+        </p:nvPicPr>
+        <p:blipFill>
+          <a:blip r:embed="rId19">
+            <a:extLst>
+              <a:ext uri="{96DAC541-7B7A-43D3-8B79-37D633B846F1}">
+                <asvg:svgBlip xmlns:asvg="http://schemas.microsoft.com/office/drawing/2016/SVG/main" r:embed="rId20"/>
+              </a:ext>
+            </a:extLst>
+          </a:blip>
+          <a:srcRect/>
+          <a:stretch/>
+        </p:blipFill>
+        <p:spPr>
+          <a:xfrm>
+            <a:off x="267411" y="1561972"/>
+            <a:ext cx="718368" cy="718368"/>
+          </a:xfrm>
+          <a:prstGeom prst="rect">
+            <a:avLst/>
+          </a:prstGeom>
+        </p:spPr>
+      </p:pic>
+      <p:pic>
+        <p:nvPicPr>
+          <p:cNvPr id="38" name="Segnaposto contenuto 7" descr="Blockchain contorno">
+            <a:extLst>
+              <a:ext uri="{FF2B5EF4-FFF2-40B4-BE49-F238E27FC236}">
+                <a16:creationId xmlns:a16="http://schemas.microsoft.com/office/drawing/2014/main" id="{F6EE8100-9EAC-4588-A0C6-9BD35F3389FB}"/>
+              </a:ext>
+            </a:extLst>
+          </p:cNvPr>
+          <p:cNvPicPr>
+            <a:picLocks noChangeAspect="1"/>
+          </p:cNvPicPr>
+          <p:nvPr/>
+        </p:nvPicPr>
+        <p:blipFill>
+          <a:blip r:embed="rId21">
+            <a:extLst>
+              <a:ext uri="{96DAC541-7B7A-43D3-8B79-37D633B846F1}">
+                <asvg:svgBlip xmlns:asvg="http://schemas.microsoft.com/office/drawing/2016/SVG/main" r:embed="rId22"/>
+              </a:ext>
+            </a:extLst>
+          </a:blip>
+          <a:stretch>
+            <a:fillRect/>
+          </a:stretch>
+        </p:blipFill>
+        <p:spPr>
+          <a:xfrm>
+            <a:off x="868704" y="2808272"/>
+            <a:ext cx="718368" cy="718368"/>
+          </a:xfrm>
+          <a:prstGeom prst="rect">
+            <a:avLst/>
+          </a:prstGeom>
+        </p:spPr>
+      </p:pic>
+      <p:pic>
+        <p:nvPicPr>
+          <p:cNvPr id="39" name="Segnaposto contenuto 9" descr="Utente con riempimento a tinta unita">
+            <a:extLst>
+              <a:ext uri="{FF2B5EF4-FFF2-40B4-BE49-F238E27FC236}">
+                <a16:creationId xmlns:a16="http://schemas.microsoft.com/office/drawing/2014/main" id="{791C0862-4B4B-480B-B0C8-3D8CD03FEC90}"/>
+              </a:ext>
+            </a:extLst>
+          </p:cNvPr>
+          <p:cNvPicPr>
+            <a:picLocks noChangeAspect="1"/>
+          </p:cNvPicPr>
+          <p:nvPr/>
+        </p:nvPicPr>
+        <p:blipFill>
+          <a:blip r:embed="rId23">
+            <a:extLst>
+              <a:ext uri="{96DAC541-7B7A-43D3-8B79-37D633B846F1}">
+                <asvg:svgBlip xmlns:asvg="http://schemas.microsoft.com/office/drawing/2016/SVG/main" r:embed="rId24"/>
+              </a:ext>
+            </a:extLst>
+          </a:blip>
+          <a:srcRect/>
+          <a:stretch/>
+        </p:blipFill>
+        <p:spPr>
+          <a:xfrm>
+            <a:off x="267411" y="4091676"/>
+            <a:ext cx="718368" cy="718368"/>
+          </a:xfrm>
+          <a:prstGeom prst="rect">
+            <a:avLst/>
+          </a:prstGeom>
+        </p:spPr>
+      </p:pic>
+      <p:pic>
+        <p:nvPicPr>
+          <p:cNvPr id="40" name="Elemento grafico 39" descr="Idrante antincendio rotto con riempimento a tinta unita">
+            <a:extLst>
+              <a:ext uri="{FF2B5EF4-FFF2-40B4-BE49-F238E27FC236}">
+                <a16:creationId xmlns:a16="http://schemas.microsoft.com/office/drawing/2014/main" id="{57E5ABCA-0D4C-48B8-B903-686A9A9DB714}"/>
+              </a:ext>
+            </a:extLst>
+          </p:cNvPr>
+          <p:cNvPicPr>
+            <a:picLocks noChangeAspect="1"/>
+          </p:cNvPicPr>
+          <p:nvPr/>
+        </p:nvPicPr>
+        <p:blipFill>
+          <a:blip r:embed="rId25">
+            <a:extLst>
+              <a:ext uri="{96DAC541-7B7A-43D3-8B79-37D633B846F1}">
+                <asvg:svgBlip xmlns:asvg="http://schemas.microsoft.com/office/drawing/2016/SVG/main" r:embed="rId26"/>
+              </a:ext>
+            </a:extLst>
+          </a:blip>
+          <a:srcRect/>
+          <a:stretch/>
+        </p:blipFill>
+        <p:spPr>
+          <a:xfrm>
+            <a:off x="336049" y="5356528"/>
+            <a:ext cx="720000" cy="720000"/>
+          </a:xfrm>
+          <a:prstGeom prst="rect">
+            <a:avLst/>
+          </a:prstGeom>
         </p:spPr>
       </p:pic>
     </p:spTree>
@@ -17890,59 +17899,7 @@
         </p:nvSpPr>
         <p:spPr>
           <a:xfrm>
-            <a:off x="815723" y="3552757"/>
-            <a:ext cx="828000" cy="828000"/>
-          </a:xfrm>
-          <a:prstGeom prst="ellipse">
-            <a:avLst/>
-          </a:prstGeom>
-          <a:solidFill>
-            <a:schemeClr val="tx1"/>
-          </a:solidFill>
-          <a:ln>
-            <a:noFill/>
-          </a:ln>
-        </p:spPr>
-        <p:style>
-          <a:lnRef idx="2">
-            <a:schemeClr val="accent1">
-              <a:shade val="50000"/>
-            </a:schemeClr>
-          </a:lnRef>
-          <a:fillRef idx="1">
-            <a:schemeClr val="accent1"/>
-          </a:fillRef>
-          <a:effectRef idx="0">
-            <a:schemeClr val="accent1"/>
-          </a:effectRef>
-          <a:fontRef idx="minor">
-            <a:schemeClr val="lt1"/>
-          </a:fontRef>
-        </p:style>
-        <p:txBody>
-          <a:bodyPr rtlCol="0" anchor="ctr"/>
-          <a:lstStyle/>
-          <a:p>
-            <a:pPr algn="ctr"/>
-            <a:endParaRPr lang="it-IT" b="1"/>
-          </a:p>
-        </p:txBody>
-      </p:sp>
-      <p:sp>
-        <p:nvSpPr>
-          <p:cNvPr id="11" name="Ovale 10">
-            <a:extLst>
-              <a:ext uri="{FF2B5EF4-FFF2-40B4-BE49-F238E27FC236}">
-                <a16:creationId xmlns:a16="http://schemas.microsoft.com/office/drawing/2014/main" id="{EC76A17D-3242-4BD8-B005-6B712E1D20D3}"/>
-              </a:ext>
-            </a:extLst>
-          </p:cNvPr>
-          <p:cNvSpPr/>
-          <p:nvPr/>
-        </p:nvSpPr>
-        <p:spPr>
-          <a:xfrm>
-            <a:off x="-910447" y="4659960"/>
+            <a:off x="815723" y="4036860"/>
             <a:ext cx="828000" cy="828000"/>
           </a:xfrm>
           <a:prstGeom prst="ellipse">
@@ -18104,77 +18061,6 @@
           </a:prstGeom>
         </p:spPr>
       </p:pic>
-      <p:pic>
-        <p:nvPicPr>
-          <p:cNvPr id="18" name="Segnaposto contenuto 9" descr="Utente con riempimento a tinta unita">
-            <a:extLst>
-              <a:ext uri="{FF2B5EF4-FFF2-40B4-BE49-F238E27FC236}">
-                <a16:creationId xmlns:a16="http://schemas.microsoft.com/office/drawing/2014/main" id="{641F713D-465F-4B4B-938D-2DA6E056A207}"/>
-              </a:ext>
-            </a:extLst>
-          </p:cNvPr>
-          <p:cNvPicPr>
-            <a:picLocks noChangeAspect="1"/>
-          </p:cNvPicPr>
-          <p:nvPr/>
-        </p:nvPicPr>
-        <p:blipFill>
-          <a:blip r:embed="rId6">
-            <a:extLst>
-              <a:ext uri="{96DAC541-7B7A-43D3-8B79-37D633B846F1}">
-                <asvg:svgBlip xmlns:asvg="http://schemas.microsoft.com/office/drawing/2016/SVG/main" r:embed="rId7"/>
-              </a:ext>
-            </a:extLst>
-          </a:blip>
-          <a:srcRect/>
-          <a:stretch/>
-        </p:blipFill>
-        <p:spPr>
-          <a:xfrm>
-            <a:off x="870539" y="3575173"/>
-            <a:ext cx="718368" cy="718368"/>
-          </a:xfrm>
-          <a:prstGeom prst="rect">
-            <a:avLst/>
-          </a:prstGeom>
-        </p:spPr>
-      </p:pic>
-      <p:pic>
-        <p:nvPicPr>
-          <p:cNvPr id="19" name="Elemento grafico 18" descr="Database contorno">
-            <a:extLst>
-              <a:ext uri="{FF2B5EF4-FFF2-40B4-BE49-F238E27FC236}">
-                <a16:creationId xmlns:a16="http://schemas.microsoft.com/office/drawing/2014/main" id="{6B007BB4-3D91-406F-8527-FC090EE17250}"/>
-              </a:ext>
-            </a:extLst>
-          </p:cNvPr>
-          <p:cNvPicPr>
-            <a:picLocks noChangeAspect="1"/>
-          </p:cNvPicPr>
-          <p:nvPr/>
-        </p:nvPicPr>
-        <p:blipFill>
-          <a:blip r:embed="rId8">
-            <a:extLst>
-              <a:ext uri="{96DAC541-7B7A-43D3-8B79-37D633B846F1}">
-                <asvg:svgBlip xmlns:asvg="http://schemas.microsoft.com/office/drawing/2016/SVG/main" r:embed="rId9"/>
-              </a:ext>
-            </a:extLst>
-          </a:blip>
-          <a:stretch>
-            <a:fillRect/>
-          </a:stretch>
-        </p:blipFill>
-        <p:spPr>
-          <a:xfrm>
-            <a:off x="-866732" y="4703160"/>
-            <a:ext cx="718368" cy="718368"/>
-          </a:xfrm>
-          <a:prstGeom prst="rect">
-            <a:avLst/>
-          </a:prstGeom>
-        </p:spPr>
-      </p:pic>
       <p:sp>
         <p:nvSpPr>
           <p:cNvPr id="20" name="Ovale 19">
@@ -18242,10 +18128,10 @@
           <p:nvPr/>
         </p:nvPicPr>
         <p:blipFill>
-          <a:blip r:embed="rId10">
+          <a:blip r:embed="rId6">
             <a:extLst>
               <a:ext uri="{96DAC541-7B7A-43D3-8B79-37D633B846F1}">
-                <asvg:svgBlip xmlns:asvg="http://schemas.microsoft.com/office/drawing/2016/SVG/main" r:embed="rId11"/>
+                <asvg:svgBlip xmlns:asvg="http://schemas.microsoft.com/office/drawing/2016/SVG/main" r:embed="rId7"/>
               </a:ext>
             </a:extLst>
           </a:blip>
@@ -18277,7 +18163,7 @@
         </p:nvSpPr>
         <p:spPr>
           <a:xfrm flipH="1">
-            <a:off x="0" y="-7512229"/>
+            <a:off x="0" y="-7028126"/>
             <a:ext cx="1229723" cy="22957972"/>
           </a:xfrm>
           <a:custGeom>
@@ -18522,183 +18408,6 @@
           </a:p>
         </p:txBody>
       </p:sp>
-      <p:pic>
-        <p:nvPicPr>
-          <p:cNvPr id="23" name="Elemento grafico 22" descr="Tiro a segno con riempimento a tinta unita">
-            <a:extLst>
-              <a:ext uri="{FF2B5EF4-FFF2-40B4-BE49-F238E27FC236}">
-                <a16:creationId xmlns:a16="http://schemas.microsoft.com/office/drawing/2014/main" id="{8CFC18D5-1549-4780-ABA0-E1A9700B8BA3}"/>
-              </a:ext>
-            </a:extLst>
-          </p:cNvPr>
-          <p:cNvPicPr>
-            <a:picLocks noChangeAspect="1"/>
-          </p:cNvPicPr>
-          <p:nvPr/>
-        </p:nvPicPr>
-        <p:blipFill>
-          <a:blip r:embed="rId12">
-            <a:extLst>
-              <a:ext uri="{96DAC541-7B7A-43D3-8B79-37D633B846F1}">
-                <asvg:svgBlip xmlns:asvg="http://schemas.microsoft.com/office/drawing/2016/SVG/main" r:embed="rId13"/>
-              </a:ext>
-            </a:extLst>
-          </a:blip>
-          <a:srcRect/>
-          <a:stretch/>
-        </p:blipFill>
-        <p:spPr>
-          <a:xfrm>
-            <a:off x="242109" y="320812"/>
-            <a:ext cx="718368" cy="718368"/>
-          </a:xfrm>
-          <a:prstGeom prst="rect">
-            <a:avLst/>
-          </a:prstGeom>
-        </p:spPr>
-      </p:pic>
-      <p:pic>
-        <p:nvPicPr>
-          <p:cNvPr id="24" name="Elemento grafico 23" descr="Singolo ingranaggio con riempimento a tinta unita">
-            <a:extLst>
-              <a:ext uri="{FF2B5EF4-FFF2-40B4-BE49-F238E27FC236}">
-                <a16:creationId xmlns:a16="http://schemas.microsoft.com/office/drawing/2014/main" id="{F09C701D-C4FF-49D0-8ACF-9081D6B21E82}"/>
-              </a:ext>
-            </a:extLst>
-          </p:cNvPr>
-          <p:cNvPicPr>
-            <a:picLocks noChangeAspect="1"/>
-          </p:cNvPicPr>
-          <p:nvPr/>
-        </p:nvPicPr>
-        <p:blipFill>
-          <a:blip r:embed="rId14">
-            <a:extLst>
-              <a:ext uri="{96DAC541-7B7A-43D3-8B79-37D633B846F1}">
-                <asvg:svgBlip xmlns:asvg="http://schemas.microsoft.com/office/drawing/2016/SVG/main" r:embed="rId15"/>
-              </a:ext>
-            </a:extLst>
-          </a:blip>
-          <a:srcRect/>
-          <a:stretch/>
-        </p:blipFill>
-        <p:spPr>
-          <a:xfrm>
-            <a:off x="242109" y="1405599"/>
-            <a:ext cx="718368" cy="718368"/>
-          </a:xfrm>
-          <a:prstGeom prst="rect">
-            <a:avLst/>
-          </a:prstGeom>
-        </p:spPr>
-      </p:pic>
-      <p:pic>
-        <p:nvPicPr>
-          <p:cNvPr id="26" name="Segnaposto contenuto 7" descr="Blockchain contorno">
-            <a:extLst>
-              <a:ext uri="{FF2B5EF4-FFF2-40B4-BE49-F238E27FC236}">
-                <a16:creationId xmlns:a16="http://schemas.microsoft.com/office/drawing/2014/main" id="{51A6216D-564A-4B11-80EF-CD948BC17C72}"/>
-              </a:ext>
-            </a:extLst>
-          </p:cNvPr>
-          <p:cNvPicPr>
-            <a:picLocks noChangeAspect="1"/>
-          </p:cNvPicPr>
-          <p:nvPr/>
-        </p:nvPicPr>
-        <p:blipFill>
-          <a:blip r:embed="rId16">
-            <a:extLst>
-              <a:ext uri="{96DAC541-7B7A-43D3-8B79-37D633B846F1}">
-                <asvg:svgBlip xmlns:asvg="http://schemas.microsoft.com/office/drawing/2016/SVG/main" r:embed="rId17"/>
-              </a:ext>
-            </a:extLst>
-          </a:blip>
-          <a:stretch>
-            <a:fillRect/>
-          </a:stretch>
-        </p:blipFill>
-        <p:spPr>
-          <a:xfrm>
-            <a:off x="242109" y="2490386"/>
-            <a:ext cx="718368" cy="718368"/>
-          </a:xfrm>
-          <a:prstGeom prst="rect">
-            <a:avLst/>
-          </a:prstGeom>
-        </p:spPr>
-      </p:pic>
-      <p:pic>
-        <p:nvPicPr>
-          <p:cNvPr id="27" name="Segnaposto contenuto 9" descr="Utente contorno">
-            <a:extLst>
-              <a:ext uri="{FF2B5EF4-FFF2-40B4-BE49-F238E27FC236}">
-                <a16:creationId xmlns:a16="http://schemas.microsoft.com/office/drawing/2014/main" id="{14582A50-71C2-4B6B-B5B7-5AF1C9507FE9}"/>
-              </a:ext>
-            </a:extLst>
-          </p:cNvPr>
-          <p:cNvPicPr>
-            <a:picLocks noChangeAspect="1"/>
-          </p:cNvPicPr>
-          <p:nvPr/>
-        </p:nvPicPr>
-        <p:blipFill>
-          <a:blip r:embed="rId18">
-            <a:extLst>
-              <a:ext uri="{96DAC541-7B7A-43D3-8B79-37D633B846F1}">
-                <asvg:svgBlip xmlns:asvg="http://schemas.microsoft.com/office/drawing/2016/SVG/main" r:embed="rId19"/>
-              </a:ext>
-            </a:extLst>
-          </a:blip>
-          <a:stretch>
-            <a:fillRect/>
-          </a:stretch>
-        </p:blipFill>
-        <p:spPr>
-          <a:xfrm>
-            <a:off x="242109" y="3913277"/>
-            <a:ext cx="718368" cy="718368"/>
-          </a:xfrm>
-          <a:prstGeom prst="rect">
-            <a:avLst/>
-          </a:prstGeom>
-        </p:spPr>
-      </p:pic>
-      <p:pic>
-        <p:nvPicPr>
-          <p:cNvPr id="29" name="Elemento grafico 28" descr="Idrante antincendio rotto con riempimento a tinta unita">
-            <a:extLst>
-              <a:ext uri="{FF2B5EF4-FFF2-40B4-BE49-F238E27FC236}">
-                <a16:creationId xmlns:a16="http://schemas.microsoft.com/office/drawing/2014/main" id="{9F24419D-4810-4125-8C07-19112F6BDF14}"/>
-              </a:ext>
-            </a:extLst>
-          </p:cNvPr>
-          <p:cNvPicPr>
-            <a:picLocks noChangeAspect="1"/>
-          </p:cNvPicPr>
-          <p:nvPr/>
-        </p:nvPicPr>
-        <p:blipFill>
-          <a:blip r:embed="rId20">
-            <a:extLst>
-              <a:ext uri="{96DAC541-7B7A-43D3-8B79-37D633B846F1}">
-                <asvg:svgBlip xmlns:asvg="http://schemas.microsoft.com/office/drawing/2016/SVG/main" r:embed="rId21"/>
-              </a:ext>
-            </a:extLst>
-          </a:blip>
-          <a:srcRect/>
-          <a:stretch/>
-        </p:blipFill>
-        <p:spPr>
-          <a:xfrm>
-            <a:off x="262777" y="4703160"/>
-            <a:ext cx="720000" cy="720000"/>
-          </a:xfrm>
-          <a:prstGeom prst="rect">
-            <a:avLst/>
-          </a:prstGeom>
-        </p:spPr>
-      </p:pic>
       <p:sp>
         <p:nvSpPr>
           <p:cNvPr id="31" name="CasellaDiTesto 30">
@@ -18713,7 +18422,7 @@
         </p:nvSpPr>
         <p:spPr>
           <a:xfrm>
-            <a:off x="45468" y="3780468"/>
+            <a:off x="16741" y="4172052"/>
             <a:ext cx="718368" cy="307777"/>
           </a:xfrm>
           <a:prstGeom prst="rect">
@@ -18790,10 +18499,10 @@
           <p:nvPr/>
         </p:nvPicPr>
         <p:blipFill>
-          <a:blip r:embed="rId22">
+          <a:blip r:embed="rId8">
             <a:extLst>
               <a:ext uri="{96DAC541-7B7A-43D3-8B79-37D633B846F1}">
-                <asvg:svgBlip xmlns:asvg="http://schemas.microsoft.com/office/drawing/2016/SVG/main" r:embed="rId23"/>
+                <asvg:svgBlip xmlns:asvg="http://schemas.microsoft.com/office/drawing/2016/SVG/main" r:embed="rId9"/>
               </a:ext>
             </a:extLst>
           </a:blip>
@@ -18825,10 +18534,10 @@
           <p:nvPr/>
         </p:nvPicPr>
         <p:blipFill>
-          <a:blip r:embed="rId6">
+          <a:blip r:embed="rId10">
             <a:extLst>
               <a:ext uri="{96DAC541-7B7A-43D3-8B79-37D633B846F1}">
-                <asvg:svgBlip xmlns:asvg="http://schemas.microsoft.com/office/drawing/2016/SVG/main" r:embed="rId7"/>
+                <asvg:svgBlip xmlns:asvg="http://schemas.microsoft.com/office/drawing/2016/SVG/main" r:embed="rId11"/>
               </a:ext>
             </a:extLst>
           </a:blip>
@@ -18860,7 +18569,7 @@
           <p:nvPr/>
         </p:nvPicPr>
         <p:blipFill rotWithShape="1">
-          <a:blip r:embed="rId24"/>
+          <a:blip r:embed="rId12"/>
           <a:srcRect t="2458" b="1916"/>
           <a:stretch/>
         </p:blipFill>
@@ -18900,13 +18609,13 @@
           <p:nvPr/>
         </p:nvPicPr>
         <p:blipFill rotWithShape="1">
-          <a:blip r:embed="rId25"/>
+          <a:blip r:embed="rId13"/>
           <a:srcRect t="167" r="-817" b="-1795"/>
           <a:stretch/>
         </p:blipFill>
         <p:spPr>
           <a:xfrm>
-            <a:off x="6128544" y="1704416"/>
+            <a:off x="6128543" y="1623153"/>
             <a:ext cx="4295937" cy="2333508"/>
           </a:xfrm>
           <a:prstGeom prst="roundRect">
@@ -18940,14 +18649,14 @@
           <p:nvPr/>
         </p:nvPicPr>
         <p:blipFill rotWithShape="1">
-          <a:blip r:embed="rId26"/>
-          <a:srcRect t="318" b="318"/>
+          <a:blip r:embed="rId14"/>
+          <a:srcRect t="362" b="-308"/>
           <a:stretch/>
         </p:blipFill>
         <p:spPr>
           <a:xfrm>
-            <a:off x="5716978" y="4223703"/>
-            <a:ext cx="5119070" cy="2149089"/>
+            <a:off x="5716977" y="4031491"/>
+            <a:ext cx="5119070" cy="2650074"/>
           </a:xfrm>
           <a:prstGeom prst="roundRect">
             <a:avLst>
@@ -18963,6 +18672,182 @@
             <a:noFill/>
           </a:ln>
           <a:effectLst/>
+        </p:spPr>
+      </p:pic>
+      <p:pic>
+        <p:nvPicPr>
+          <p:cNvPr id="28" name="Elemento grafico 27" descr="Tiro a segno con riempimento a tinta unita">
+            <a:extLst>
+              <a:ext uri="{FF2B5EF4-FFF2-40B4-BE49-F238E27FC236}">
+                <a16:creationId xmlns:a16="http://schemas.microsoft.com/office/drawing/2014/main" id="{59CDCCCA-0D69-4A27-A773-89F64770AF5A}"/>
+              </a:ext>
+            </a:extLst>
+          </p:cNvPr>
+          <p:cNvPicPr>
+            <a:picLocks noChangeAspect="1"/>
+          </p:cNvPicPr>
+          <p:nvPr/>
+        </p:nvPicPr>
+        <p:blipFill>
+          <a:blip r:embed="rId15">
+            <a:extLst>
+              <a:ext uri="{96DAC541-7B7A-43D3-8B79-37D633B846F1}">
+                <asvg:svgBlip xmlns:asvg="http://schemas.microsoft.com/office/drawing/2016/SVG/main" r:embed="rId16"/>
+              </a:ext>
+            </a:extLst>
+          </a:blip>
+          <a:srcRect/>
+          <a:stretch/>
+        </p:blipFill>
+        <p:spPr>
+          <a:xfrm>
+            <a:off x="267411" y="319049"/>
+            <a:ext cx="718368" cy="718368"/>
+          </a:xfrm>
+          <a:prstGeom prst="rect">
+            <a:avLst/>
+          </a:prstGeom>
+        </p:spPr>
+      </p:pic>
+      <p:pic>
+        <p:nvPicPr>
+          <p:cNvPr id="34" name="Elemento grafico 33" descr="Singolo ingranaggio con riempimento a tinta unita">
+            <a:extLst>
+              <a:ext uri="{FF2B5EF4-FFF2-40B4-BE49-F238E27FC236}">
+                <a16:creationId xmlns:a16="http://schemas.microsoft.com/office/drawing/2014/main" id="{EB5C527B-19AF-4C85-B8D8-3C3EB2D444E2}"/>
+              </a:ext>
+            </a:extLst>
+          </p:cNvPr>
+          <p:cNvPicPr>
+            <a:picLocks noChangeAspect="1"/>
+          </p:cNvPicPr>
+          <p:nvPr/>
+        </p:nvPicPr>
+        <p:blipFill>
+          <a:blip r:embed="rId17">
+            <a:extLst>
+              <a:ext uri="{96DAC541-7B7A-43D3-8B79-37D633B846F1}">
+                <asvg:svgBlip xmlns:asvg="http://schemas.microsoft.com/office/drawing/2016/SVG/main" r:embed="rId18"/>
+              </a:ext>
+            </a:extLst>
+          </a:blip>
+          <a:srcRect/>
+          <a:stretch/>
+        </p:blipFill>
+        <p:spPr>
+          <a:xfrm>
+            <a:off x="267411" y="1561972"/>
+            <a:ext cx="718368" cy="718368"/>
+          </a:xfrm>
+          <a:prstGeom prst="rect">
+            <a:avLst/>
+          </a:prstGeom>
+        </p:spPr>
+      </p:pic>
+      <p:pic>
+        <p:nvPicPr>
+          <p:cNvPr id="36" name="Segnaposto contenuto 7" descr="Blockchain contorno">
+            <a:extLst>
+              <a:ext uri="{FF2B5EF4-FFF2-40B4-BE49-F238E27FC236}">
+                <a16:creationId xmlns:a16="http://schemas.microsoft.com/office/drawing/2014/main" id="{1DE9A0EF-5C97-44E5-8C1B-333F694D5EAD}"/>
+              </a:ext>
+            </a:extLst>
+          </p:cNvPr>
+          <p:cNvPicPr>
+            <a:picLocks noChangeAspect="1"/>
+          </p:cNvPicPr>
+          <p:nvPr/>
+        </p:nvPicPr>
+        <p:blipFill>
+          <a:blip r:embed="rId19">
+            <a:extLst>
+              <a:ext uri="{96DAC541-7B7A-43D3-8B79-37D633B846F1}">
+                <asvg:svgBlip xmlns:asvg="http://schemas.microsoft.com/office/drawing/2016/SVG/main" r:embed="rId20"/>
+              </a:ext>
+            </a:extLst>
+          </a:blip>
+          <a:stretch>
+            <a:fillRect/>
+          </a:stretch>
+        </p:blipFill>
+        <p:spPr>
+          <a:xfrm>
+            <a:off x="267411" y="2826824"/>
+            <a:ext cx="718368" cy="718368"/>
+          </a:xfrm>
+          <a:prstGeom prst="rect">
+            <a:avLst/>
+          </a:prstGeom>
+        </p:spPr>
+      </p:pic>
+      <p:pic>
+        <p:nvPicPr>
+          <p:cNvPr id="37" name="Segnaposto contenuto 9" descr="Utente con riempimento a tinta unita">
+            <a:extLst>
+              <a:ext uri="{FF2B5EF4-FFF2-40B4-BE49-F238E27FC236}">
+                <a16:creationId xmlns:a16="http://schemas.microsoft.com/office/drawing/2014/main" id="{C4B9FE2C-632A-4250-8C54-36B077BF44F1}"/>
+              </a:ext>
+            </a:extLst>
+          </p:cNvPr>
+          <p:cNvPicPr>
+            <a:picLocks noChangeAspect="1"/>
+          </p:cNvPicPr>
+          <p:nvPr/>
+        </p:nvPicPr>
+        <p:blipFill>
+          <a:blip r:embed="rId10">
+            <a:extLst>
+              <a:ext uri="{96DAC541-7B7A-43D3-8B79-37D633B846F1}">
+                <asvg:svgBlip xmlns:asvg="http://schemas.microsoft.com/office/drawing/2016/SVG/main" r:embed="rId11"/>
+              </a:ext>
+            </a:extLst>
+          </a:blip>
+          <a:srcRect/>
+          <a:stretch/>
+        </p:blipFill>
+        <p:spPr>
+          <a:xfrm>
+            <a:off x="868684" y="4091676"/>
+            <a:ext cx="718368" cy="718368"/>
+          </a:xfrm>
+          <a:prstGeom prst="rect">
+            <a:avLst/>
+          </a:prstGeom>
+        </p:spPr>
+      </p:pic>
+      <p:pic>
+        <p:nvPicPr>
+          <p:cNvPr id="38" name="Elemento grafico 37" descr="Idrante antincendio rotto con riempimento a tinta unita">
+            <a:extLst>
+              <a:ext uri="{FF2B5EF4-FFF2-40B4-BE49-F238E27FC236}">
+                <a16:creationId xmlns:a16="http://schemas.microsoft.com/office/drawing/2014/main" id="{4DE0180C-9E5C-48AB-8BED-BA3476449E7C}"/>
+              </a:ext>
+            </a:extLst>
+          </p:cNvPr>
+          <p:cNvPicPr>
+            <a:picLocks noChangeAspect="1"/>
+          </p:cNvPicPr>
+          <p:nvPr/>
+        </p:nvPicPr>
+        <p:blipFill>
+          <a:blip r:embed="rId21">
+            <a:extLst>
+              <a:ext uri="{96DAC541-7B7A-43D3-8B79-37D633B846F1}">
+                <asvg:svgBlip xmlns:asvg="http://schemas.microsoft.com/office/drawing/2016/SVG/main" r:embed="rId22"/>
+              </a:ext>
+            </a:extLst>
+          </a:blip>
+          <a:srcRect/>
+          <a:stretch/>
+        </p:blipFill>
+        <p:spPr>
+          <a:xfrm>
+            <a:off x="336049" y="5356528"/>
+            <a:ext cx="720000" cy="720000"/>
+          </a:xfrm>
+          <a:prstGeom prst="rect">
+            <a:avLst/>
+          </a:prstGeom>
         </p:spPr>
       </p:pic>
     </p:spTree>
@@ -19059,7 +18944,7 @@
         </p:nvSpPr>
         <p:spPr>
           <a:xfrm>
-            <a:off x="862867" y="4926709"/>
+            <a:off x="862867" y="5349126"/>
             <a:ext cx="828000" cy="828000"/>
           </a:xfrm>
           <a:prstGeom prst="ellipse">
@@ -19097,41 +18982,6 @@
           </a:p>
         </p:txBody>
       </p:sp>
-      <p:pic>
-        <p:nvPicPr>
-          <p:cNvPr id="3" name="Elemento grafico 2" descr="Idrante antincendio rotto con riempimento a tinta unita">
-            <a:extLst>
-              <a:ext uri="{FF2B5EF4-FFF2-40B4-BE49-F238E27FC236}">
-                <a16:creationId xmlns:a16="http://schemas.microsoft.com/office/drawing/2014/main" id="{E3606FC0-F891-4ED0-8CB2-E32D0784998D}"/>
-              </a:ext>
-            </a:extLst>
-          </p:cNvPr>
-          <p:cNvPicPr>
-            <a:picLocks noChangeAspect="1"/>
-          </p:cNvPicPr>
-          <p:nvPr/>
-        </p:nvPicPr>
-        <p:blipFill>
-          <a:blip r:embed="rId3">
-            <a:extLst>
-              <a:ext uri="{96DAC541-7B7A-43D3-8B79-37D633B846F1}">
-                <asvg:svgBlip xmlns:asvg="http://schemas.microsoft.com/office/drawing/2016/SVG/main" r:embed="rId4"/>
-              </a:ext>
-            </a:extLst>
-          </a:blip>
-          <a:srcRect/>
-          <a:stretch/>
-        </p:blipFill>
-        <p:spPr>
-          <a:xfrm>
-            <a:off x="916867" y="4972651"/>
-            <a:ext cx="720000" cy="720000"/>
-          </a:xfrm>
-          <a:prstGeom prst="rect">
-            <a:avLst/>
-          </a:prstGeom>
-        </p:spPr>
-      </p:pic>
       <p:sp>
         <p:nvSpPr>
           <p:cNvPr id="16" name="Segnaposto numero diapositiva 5">
@@ -19390,10 +19240,10 @@
           <p:nvPr/>
         </p:nvPicPr>
         <p:blipFill>
-          <a:blip r:embed="rId5">
+          <a:blip r:embed="rId3">
             <a:extLst>
               <a:ext uri="{96DAC541-7B7A-43D3-8B79-37D633B846F1}">
-                <asvg:svgBlip xmlns:asvg="http://schemas.microsoft.com/office/drawing/2016/SVG/main" r:embed="rId6"/>
+                <asvg:svgBlip xmlns:asvg="http://schemas.microsoft.com/office/drawing/2016/SVG/main" r:embed="rId4"/>
               </a:ext>
             </a:extLst>
           </a:blip>
@@ -19426,10 +19276,10 @@
           <p:nvPr/>
         </p:nvPicPr>
         <p:blipFill>
-          <a:blip r:embed="rId7">
+          <a:blip r:embed="rId5">
             <a:extLst>
               <a:ext uri="{96DAC541-7B7A-43D3-8B79-37D633B846F1}">
-                <asvg:svgBlip xmlns:asvg="http://schemas.microsoft.com/office/drawing/2016/SVG/main" r:embed="rId8"/>
+                <asvg:svgBlip xmlns:asvg="http://schemas.microsoft.com/office/drawing/2016/SVG/main" r:embed="rId6"/>
               </a:ext>
             </a:extLst>
           </a:blip>
@@ -19462,10 +19312,10 @@
           <p:nvPr/>
         </p:nvPicPr>
         <p:blipFill>
-          <a:blip r:embed="rId9">
+          <a:blip r:embed="rId7">
             <a:extLst>
               <a:ext uri="{96DAC541-7B7A-43D3-8B79-37D633B846F1}">
-                <asvg:svgBlip xmlns:asvg="http://schemas.microsoft.com/office/drawing/2016/SVG/main" r:embed="rId10"/>
+                <asvg:svgBlip xmlns:asvg="http://schemas.microsoft.com/office/drawing/2016/SVG/main" r:embed="rId8"/>
               </a:ext>
             </a:extLst>
           </a:blip>
@@ -19498,10 +19348,10 @@
           <p:nvPr/>
         </p:nvPicPr>
         <p:blipFill>
-          <a:blip r:embed="rId11">
+          <a:blip r:embed="rId9">
             <a:extLst>
               <a:ext uri="{96DAC541-7B7A-43D3-8B79-37D633B846F1}">
-                <asvg:svgBlip xmlns:asvg="http://schemas.microsoft.com/office/drawing/2016/SVG/main" r:embed="rId12"/>
+                <asvg:svgBlip xmlns:asvg="http://schemas.microsoft.com/office/drawing/2016/SVG/main" r:embed="rId10"/>
               </a:ext>
             </a:extLst>
           </a:blip>
@@ -19586,10 +19436,10 @@
           <p:nvPr/>
         </p:nvPicPr>
         <p:blipFill>
-          <a:blip r:embed="rId13">
+          <a:blip r:embed="rId11">
             <a:extLst>
               <a:ext uri="{96DAC541-7B7A-43D3-8B79-37D633B846F1}">
-                <asvg:svgBlip xmlns:asvg="http://schemas.microsoft.com/office/drawing/2016/SVG/main" r:embed="rId14"/>
+                <asvg:svgBlip xmlns:asvg="http://schemas.microsoft.com/office/drawing/2016/SVG/main" r:embed="rId12"/>
               </a:ext>
             </a:extLst>
           </a:blip>
@@ -19621,7 +19471,7 @@
         </p:nvSpPr>
         <p:spPr>
           <a:xfrm flipH="1">
-            <a:off x="-8202" y="-6124433"/>
+            <a:off x="-8202" y="-5715860"/>
             <a:ext cx="1229723" cy="22957972"/>
           </a:xfrm>
           <a:custGeom>
@@ -19866,183 +19716,6 @@
           </a:p>
         </p:txBody>
       </p:sp>
-      <p:pic>
-        <p:nvPicPr>
-          <p:cNvPr id="23" name="Elemento grafico 22" descr="Tiro a segno con riempimento a tinta unita">
-            <a:extLst>
-              <a:ext uri="{FF2B5EF4-FFF2-40B4-BE49-F238E27FC236}">
-                <a16:creationId xmlns:a16="http://schemas.microsoft.com/office/drawing/2014/main" id="{8CFC18D5-1549-4780-ABA0-E1A9700B8BA3}"/>
-              </a:ext>
-            </a:extLst>
-          </p:cNvPr>
-          <p:cNvPicPr>
-            <a:picLocks noChangeAspect="1"/>
-          </p:cNvPicPr>
-          <p:nvPr/>
-        </p:nvPicPr>
-        <p:blipFill>
-          <a:blip r:embed="rId15">
-            <a:extLst>
-              <a:ext uri="{96DAC541-7B7A-43D3-8B79-37D633B846F1}">
-                <asvg:svgBlip xmlns:asvg="http://schemas.microsoft.com/office/drawing/2016/SVG/main" r:embed="rId16"/>
-              </a:ext>
-            </a:extLst>
-          </a:blip>
-          <a:srcRect/>
-          <a:stretch/>
-        </p:blipFill>
-        <p:spPr>
-          <a:xfrm>
-            <a:off x="242109" y="320812"/>
-            <a:ext cx="718368" cy="718368"/>
-          </a:xfrm>
-          <a:prstGeom prst="rect">
-            <a:avLst/>
-          </a:prstGeom>
-        </p:spPr>
-      </p:pic>
-      <p:pic>
-        <p:nvPicPr>
-          <p:cNvPr id="24" name="Elemento grafico 23" descr="Singolo ingranaggio con riempimento a tinta unita">
-            <a:extLst>
-              <a:ext uri="{FF2B5EF4-FFF2-40B4-BE49-F238E27FC236}">
-                <a16:creationId xmlns:a16="http://schemas.microsoft.com/office/drawing/2014/main" id="{F09C701D-C4FF-49D0-8ACF-9081D6B21E82}"/>
-              </a:ext>
-            </a:extLst>
-          </p:cNvPr>
-          <p:cNvPicPr>
-            <a:picLocks noChangeAspect="1"/>
-          </p:cNvPicPr>
-          <p:nvPr/>
-        </p:nvPicPr>
-        <p:blipFill>
-          <a:blip r:embed="rId17">
-            <a:extLst>
-              <a:ext uri="{96DAC541-7B7A-43D3-8B79-37D633B846F1}">
-                <asvg:svgBlip xmlns:asvg="http://schemas.microsoft.com/office/drawing/2016/SVG/main" r:embed="rId18"/>
-              </a:ext>
-            </a:extLst>
-          </a:blip>
-          <a:srcRect/>
-          <a:stretch/>
-        </p:blipFill>
-        <p:spPr>
-          <a:xfrm>
-            <a:off x="242109" y="1416538"/>
-            <a:ext cx="718368" cy="718368"/>
-          </a:xfrm>
-          <a:prstGeom prst="rect">
-            <a:avLst/>
-          </a:prstGeom>
-        </p:spPr>
-      </p:pic>
-      <p:pic>
-        <p:nvPicPr>
-          <p:cNvPr id="26" name="Segnaposto contenuto 7" descr="Blockchain contorno">
-            <a:extLst>
-              <a:ext uri="{FF2B5EF4-FFF2-40B4-BE49-F238E27FC236}">
-                <a16:creationId xmlns:a16="http://schemas.microsoft.com/office/drawing/2014/main" id="{51A6216D-564A-4B11-80EF-CD948BC17C72}"/>
-              </a:ext>
-            </a:extLst>
-          </p:cNvPr>
-          <p:cNvPicPr>
-            <a:picLocks noChangeAspect="1"/>
-          </p:cNvPicPr>
-          <p:nvPr/>
-        </p:nvPicPr>
-        <p:blipFill>
-          <a:blip r:embed="rId19">
-            <a:extLst>
-              <a:ext uri="{96DAC541-7B7A-43D3-8B79-37D633B846F1}">
-                <asvg:svgBlip xmlns:asvg="http://schemas.microsoft.com/office/drawing/2016/SVG/main" r:embed="rId20"/>
-              </a:ext>
-            </a:extLst>
-          </a:blip>
-          <a:stretch>
-            <a:fillRect/>
-          </a:stretch>
-        </p:blipFill>
-        <p:spPr>
-          <a:xfrm>
-            <a:off x="242109" y="2512264"/>
-            <a:ext cx="718368" cy="718368"/>
-          </a:xfrm>
-          <a:prstGeom prst="rect">
-            <a:avLst/>
-          </a:prstGeom>
-        </p:spPr>
-      </p:pic>
-      <p:pic>
-        <p:nvPicPr>
-          <p:cNvPr id="27" name="Segnaposto contenuto 9" descr="Utente con riempimento a tinta unita">
-            <a:extLst>
-              <a:ext uri="{FF2B5EF4-FFF2-40B4-BE49-F238E27FC236}">
-                <a16:creationId xmlns:a16="http://schemas.microsoft.com/office/drawing/2014/main" id="{14582A50-71C2-4B6B-B5B7-5AF1C9507FE9}"/>
-              </a:ext>
-            </a:extLst>
-          </p:cNvPr>
-          <p:cNvPicPr>
-            <a:picLocks noChangeAspect="1"/>
-          </p:cNvPicPr>
-          <p:nvPr/>
-        </p:nvPicPr>
-        <p:blipFill>
-          <a:blip r:embed="rId21">
-            <a:extLst>
-              <a:ext uri="{96DAC541-7B7A-43D3-8B79-37D633B846F1}">
-                <asvg:svgBlip xmlns:asvg="http://schemas.microsoft.com/office/drawing/2016/SVG/main" r:embed="rId22"/>
-              </a:ext>
-            </a:extLst>
-          </a:blip>
-          <a:srcRect/>
-          <a:stretch/>
-        </p:blipFill>
-        <p:spPr>
-          <a:xfrm>
-            <a:off x="242109" y="3607990"/>
-            <a:ext cx="718368" cy="718368"/>
-          </a:xfrm>
-          <a:prstGeom prst="rect">
-            <a:avLst/>
-          </a:prstGeom>
-        </p:spPr>
-      </p:pic>
-      <p:pic>
-        <p:nvPicPr>
-          <p:cNvPr id="29" name="Elemento grafico 28" descr="Cactus con riempimento a tinta unita">
-            <a:extLst>
-              <a:ext uri="{FF2B5EF4-FFF2-40B4-BE49-F238E27FC236}">
-                <a16:creationId xmlns:a16="http://schemas.microsoft.com/office/drawing/2014/main" id="{6D4452B6-B4C6-4806-9174-223EF4BA0F11}"/>
-              </a:ext>
-            </a:extLst>
-          </p:cNvPr>
-          <p:cNvPicPr>
-            <a:picLocks noChangeAspect="1"/>
-          </p:cNvPicPr>
-          <p:nvPr/>
-        </p:nvPicPr>
-        <p:blipFill>
-          <a:blip r:embed="rId23">
-            <a:extLst>
-              <a:ext uri="{96DAC541-7B7A-43D3-8B79-37D633B846F1}">
-                <asvg:svgBlip xmlns:asvg="http://schemas.microsoft.com/office/drawing/2016/SVG/main" r:embed="rId24"/>
-              </a:ext>
-            </a:extLst>
-          </a:blip>
-          <a:stretch>
-            <a:fillRect/>
-          </a:stretch>
-        </p:blipFill>
-        <p:spPr>
-          <a:xfrm>
-            <a:off x="287621" y="5034709"/>
-            <a:ext cx="720000" cy="720000"/>
-          </a:xfrm>
-          <a:prstGeom prst="rect">
-            <a:avLst/>
-          </a:prstGeom>
-        </p:spPr>
-      </p:pic>
       <p:sp>
         <p:nvSpPr>
           <p:cNvPr id="30" name="Figura a mano libera: forma 29">
@@ -20318,7 +19991,7 @@
         </p:nvSpPr>
         <p:spPr>
           <a:xfrm>
-            <a:off x="102964" y="5172986"/>
+            <a:off x="115481" y="5609237"/>
             <a:ext cx="530445" cy="307777"/>
           </a:xfrm>
           <a:prstGeom prst="rect">
@@ -20341,6 +20014,337 @@
                 </a:solidFill>
               </a:rPr>
               <a:t>FINE</a:t>
+            </a:r>
+          </a:p>
+        </p:txBody>
+      </p:sp>
+      <p:pic>
+        <p:nvPicPr>
+          <p:cNvPr id="25" name="Elemento grafico 24" descr="Tiro a segno con riempimento a tinta unita">
+            <a:extLst>
+              <a:ext uri="{FF2B5EF4-FFF2-40B4-BE49-F238E27FC236}">
+                <a16:creationId xmlns:a16="http://schemas.microsoft.com/office/drawing/2014/main" id="{B9407CC0-A32A-4F95-8DE6-831D20E1159F}"/>
+              </a:ext>
+            </a:extLst>
+          </p:cNvPr>
+          <p:cNvPicPr>
+            <a:picLocks noChangeAspect="1"/>
+          </p:cNvPicPr>
+          <p:nvPr/>
+        </p:nvPicPr>
+        <p:blipFill>
+          <a:blip r:embed="rId13">
+            <a:extLst>
+              <a:ext uri="{96DAC541-7B7A-43D3-8B79-37D633B846F1}">
+                <asvg:svgBlip xmlns:asvg="http://schemas.microsoft.com/office/drawing/2016/SVG/main" r:embed="rId14"/>
+              </a:ext>
+            </a:extLst>
+          </a:blip>
+          <a:srcRect/>
+          <a:stretch/>
+        </p:blipFill>
+        <p:spPr>
+          <a:xfrm>
+            <a:off x="287621" y="297120"/>
+            <a:ext cx="718368" cy="718368"/>
+          </a:xfrm>
+          <a:prstGeom prst="rect">
+            <a:avLst/>
+          </a:prstGeom>
+        </p:spPr>
+      </p:pic>
+      <p:pic>
+        <p:nvPicPr>
+          <p:cNvPr id="28" name="Elemento grafico 27" descr="Singolo ingranaggio con riempimento a tinta unita">
+            <a:extLst>
+              <a:ext uri="{FF2B5EF4-FFF2-40B4-BE49-F238E27FC236}">
+                <a16:creationId xmlns:a16="http://schemas.microsoft.com/office/drawing/2014/main" id="{78D3DB00-8217-4DEE-9417-F3A918710C8E}"/>
+              </a:ext>
+            </a:extLst>
+          </p:cNvPr>
+          <p:cNvPicPr>
+            <a:picLocks noChangeAspect="1"/>
+          </p:cNvPicPr>
+          <p:nvPr/>
+        </p:nvPicPr>
+        <p:blipFill>
+          <a:blip r:embed="rId15">
+            <a:extLst>
+              <a:ext uri="{96DAC541-7B7A-43D3-8B79-37D633B846F1}">
+                <asvg:svgBlip xmlns:asvg="http://schemas.microsoft.com/office/drawing/2016/SVG/main" r:embed="rId16"/>
+              </a:ext>
+            </a:extLst>
+          </a:blip>
+          <a:srcRect/>
+          <a:stretch/>
+        </p:blipFill>
+        <p:spPr>
+          <a:xfrm>
+            <a:off x="267411" y="1561972"/>
+            <a:ext cx="718368" cy="718368"/>
+          </a:xfrm>
+          <a:prstGeom prst="rect">
+            <a:avLst/>
+          </a:prstGeom>
+        </p:spPr>
+      </p:pic>
+      <p:pic>
+        <p:nvPicPr>
+          <p:cNvPr id="32" name="Segnaposto contenuto 7" descr="Blockchain contorno">
+            <a:extLst>
+              <a:ext uri="{FF2B5EF4-FFF2-40B4-BE49-F238E27FC236}">
+                <a16:creationId xmlns:a16="http://schemas.microsoft.com/office/drawing/2014/main" id="{59DCDA2F-DCE7-4798-9D7A-7CDA4AF573E7}"/>
+              </a:ext>
+            </a:extLst>
+          </p:cNvPr>
+          <p:cNvPicPr>
+            <a:picLocks noChangeAspect="1"/>
+          </p:cNvPicPr>
+          <p:nvPr/>
+        </p:nvPicPr>
+        <p:blipFill>
+          <a:blip r:embed="rId17">
+            <a:extLst>
+              <a:ext uri="{96DAC541-7B7A-43D3-8B79-37D633B846F1}">
+                <asvg:svgBlip xmlns:asvg="http://schemas.microsoft.com/office/drawing/2016/SVG/main" r:embed="rId18"/>
+              </a:ext>
+            </a:extLst>
+          </a:blip>
+          <a:stretch>
+            <a:fillRect/>
+          </a:stretch>
+        </p:blipFill>
+        <p:spPr>
+          <a:xfrm>
+            <a:off x="267411" y="2826824"/>
+            <a:ext cx="718368" cy="718368"/>
+          </a:xfrm>
+          <a:prstGeom prst="rect">
+            <a:avLst/>
+          </a:prstGeom>
+        </p:spPr>
+      </p:pic>
+      <p:pic>
+        <p:nvPicPr>
+          <p:cNvPr id="33" name="Segnaposto contenuto 9" descr="Utente con riempimento a tinta unita">
+            <a:extLst>
+              <a:ext uri="{FF2B5EF4-FFF2-40B4-BE49-F238E27FC236}">
+                <a16:creationId xmlns:a16="http://schemas.microsoft.com/office/drawing/2014/main" id="{6A29DEE7-3CD7-4E5C-894C-1AD58F9F6819}"/>
+              </a:ext>
+            </a:extLst>
+          </p:cNvPr>
+          <p:cNvPicPr>
+            <a:picLocks noChangeAspect="1"/>
+          </p:cNvPicPr>
+          <p:nvPr/>
+        </p:nvPicPr>
+        <p:blipFill>
+          <a:blip r:embed="rId19">
+            <a:extLst>
+              <a:ext uri="{96DAC541-7B7A-43D3-8B79-37D633B846F1}">
+                <asvg:svgBlip xmlns:asvg="http://schemas.microsoft.com/office/drawing/2016/SVG/main" r:embed="rId20"/>
+              </a:ext>
+            </a:extLst>
+          </a:blip>
+          <a:srcRect/>
+          <a:stretch/>
+        </p:blipFill>
+        <p:spPr>
+          <a:xfrm>
+            <a:off x="267411" y="4091676"/>
+            <a:ext cx="718368" cy="718368"/>
+          </a:xfrm>
+          <a:prstGeom prst="rect">
+            <a:avLst/>
+          </a:prstGeom>
+        </p:spPr>
+      </p:pic>
+      <p:pic>
+        <p:nvPicPr>
+          <p:cNvPr id="34" name="Elemento grafico 33" descr="Idrante antincendio rotto con riempimento a tinta unita">
+            <a:extLst>
+              <a:ext uri="{FF2B5EF4-FFF2-40B4-BE49-F238E27FC236}">
+                <a16:creationId xmlns:a16="http://schemas.microsoft.com/office/drawing/2014/main" id="{FAE47147-8688-4F1C-9CB4-37838A50856C}"/>
+              </a:ext>
+            </a:extLst>
+          </p:cNvPr>
+          <p:cNvPicPr>
+            <a:picLocks noChangeAspect="1"/>
+          </p:cNvPicPr>
+          <p:nvPr/>
+        </p:nvPicPr>
+        <p:blipFill>
+          <a:blip r:embed="rId21">
+            <a:extLst>
+              <a:ext uri="{96DAC541-7B7A-43D3-8B79-37D633B846F1}">
+                <asvg:svgBlip xmlns:asvg="http://schemas.microsoft.com/office/drawing/2016/SVG/main" r:embed="rId22"/>
+              </a:ext>
+            </a:extLst>
+          </a:blip>
+          <a:srcRect/>
+          <a:stretch/>
+        </p:blipFill>
+        <p:spPr>
+          <a:xfrm>
+            <a:off x="927886" y="5356528"/>
+            <a:ext cx="720000" cy="720000"/>
+          </a:xfrm>
+          <a:prstGeom prst="rect">
+            <a:avLst/>
+          </a:prstGeom>
+        </p:spPr>
+      </p:pic>
+      <p:sp>
+        <p:nvSpPr>
+          <p:cNvPr id="2" name="CasellaDiTesto 1">
+            <a:extLst>
+              <a:ext uri="{FF2B5EF4-FFF2-40B4-BE49-F238E27FC236}">
+                <a16:creationId xmlns:a16="http://schemas.microsoft.com/office/drawing/2014/main" id="{7BC9401A-8619-441E-B92A-AA50D95F378F}"/>
+              </a:ext>
+            </a:extLst>
+          </p:cNvPr>
+          <p:cNvSpPr txBox="1"/>
+          <p:nvPr/>
+        </p:nvSpPr>
+        <p:spPr>
+          <a:xfrm>
+            <a:off x="2677758" y="592171"/>
+            <a:ext cx="7449670" cy="707886"/>
+          </a:xfrm>
+          <a:prstGeom prst="rect">
+            <a:avLst/>
+          </a:prstGeom>
+          <a:noFill/>
+        </p:spPr>
+        <p:txBody>
+          <a:bodyPr wrap="square" rtlCol="0">
+            <a:spAutoFit/>
+          </a:bodyPr>
+          <a:lstStyle/>
+          <a:p>
+            <a:pPr algn="ctr"/>
+            <a:r>
+              <a:rPr lang="it-IT" sz="4000" dirty="0"/>
+              <a:t>CONCLUSIONI</a:t>
+            </a:r>
+          </a:p>
+        </p:txBody>
+      </p:sp>
+      <p:sp>
+        <p:nvSpPr>
+          <p:cNvPr id="3" name="CasellaDiTesto 2">
+            <a:extLst>
+              <a:ext uri="{FF2B5EF4-FFF2-40B4-BE49-F238E27FC236}">
+                <a16:creationId xmlns:a16="http://schemas.microsoft.com/office/drawing/2014/main" id="{CB72E34E-9390-47F5-A96A-606715F23094}"/>
+              </a:ext>
+            </a:extLst>
+          </p:cNvPr>
+          <p:cNvSpPr txBox="1"/>
+          <p:nvPr/>
+        </p:nvSpPr>
+        <p:spPr>
+          <a:xfrm>
+            <a:off x="2286000" y="1416538"/>
+            <a:ext cx="8676277" cy="4893647"/>
+          </a:xfrm>
+          <a:prstGeom prst="rect">
+            <a:avLst/>
+          </a:prstGeom>
+          <a:noFill/>
+        </p:spPr>
+        <p:txBody>
+          <a:bodyPr wrap="square" rtlCol="0">
+            <a:spAutoFit/>
+          </a:bodyPr>
+          <a:lstStyle/>
+          <a:p>
+            <a:pPr marL="285750" indent="-285750">
+              <a:buFont typeface="Arial" panose="020B0604020202020204" pitchFamily="34" charset="0"/>
+              <a:buChar char="•"/>
+            </a:pPr>
+            <a:r>
+              <a:rPr lang="it-IT" sz="2400" dirty="0"/>
+              <a:t>Creazione e gestione delle </a:t>
+            </a:r>
+            <a:r>
+              <a:rPr lang="it-IT" sz="2400" dirty="0" err="1"/>
+              <a:t>socket</a:t>
+            </a:r>
+            <a:r>
+              <a:rPr lang="it-IT" sz="2400" dirty="0"/>
+              <a:t> UDP o TCP automaticamente generata da </a:t>
+            </a:r>
+            <a:r>
+              <a:rPr lang="it-IT" sz="2400" dirty="0" err="1"/>
+              <a:t>rpc</a:t>
+            </a:r>
+            <a:endParaRPr lang="it-IT" sz="2400" dirty="0"/>
+          </a:p>
+          <a:p>
+            <a:pPr marL="285750" indent="-285750">
+              <a:buFont typeface="Arial" panose="020B0604020202020204" pitchFamily="34" charset="0"/>
+              <a:buChar char="•"/>
+            </a:pPr>
+            <a:endParaRPr lang="it-IT" sz="2400" dirty="0"/>
+          </a:p>
+          <a:p>
+            <a:pPr marL="285750" indent="-285750">
+              <a:buFont typeface="Arial" panose="020B0604020202020204" pitchFamily="34" charset="0"/>
+              <a:buChar char="•"/>
+            </a:pPr>
+            <a:r>
+              <a:rPr lang="it-IT" sz="2400" dirty="0"/>
+              <a:t>Implementazione delle procedure più semplice, in quanto è necessario «dichiarare» i metodi nel file .x e implementarli quindi in un file .c</a:t>
+            </a:r>
+          </a:p>
+          <a:p>
+            <a:pPr marL="285750" indent="-285750">
+              <a:buFont typeface="Arial" panose="020B0604020202020204" pitchFamily="34" charset="0"/>
+              <a:buChar char="•"/>
+            </a:pPr>
+            <a:endParaRPr lang="it-IT" sz="2400" dirty="0"/>
+          </a:p>
+          <a:p>
+            <a:pPr marL="285750" indent="-285750">
+              <a:buFont typeface="Arial" panose="020B0604020202020204" pitchFamily="34" charset="0"/>
+              <a:buChar char="•"/>
+            </a:pPr>
+            <a:r>
+              <a:rPr lang="it-IT" sz="2400" dirty="0"/>
+              <a:t>Utilizzo delle procedure più immediato, dato che il client deve solo includere il file .h generato da </a:t>
+            </a:r>
+            <a:r>
+              <a:rPr lang="it-IT" sz="2400" dirty="0" err="1"/>
+              <a:t>rpcgen</a:t>
+            </a:r>
+            <a:r>
+              <a:rPr lang="it-IT" sz="2400" dirty="0"/>
+              <a:t> per richiamare i metodi</a:t>
+            </a:r>
+          </a:p>
+          <a:p>
+            <a:pPr marL="285750" indent="-285750">
+              <a:buFont typeface="Arial" panose="020B0604020202020204" pitchFamily="34" charset="0"/>
+              <a:buChar char="•"/>
+            </a:pPr>
+            <a:endParaRPr lang="it-IT" sz="2400" dirty="0"/>
+          </a:p>
+          <a:p>
+            <a:pPr marL="285750" indent="-285750">
+              <a:buFont typeface="Arial" panose="020B0604020202020204" pitchFamily="34" charset="0"/>
+              <a:buChar char="•"/>
+            </a:pPr>
+            <a:r>
+              <a:rPr lang="it-IT" sz="2400" dirty="0"/>
+              <a:t>Output di compilazione limitato soltanto a due eseguibili (server e client), necessaria l’esecuzione del </a:t>
+            </a:r>
+            <a:r>
+              <a:rPr lang="it-IT" sz="2400" dirty="0" err="1"/>
+              <a:t>rpcbind</a:t>
+            </a:r>
+            <a:r>
+              <a:rPr lang="it-IT" sz="2400" dirty="0"/>
+              <a:t> (port-mapper) lato server</a:t>
             </a:r>
           </a:p>
         </p:txBody>
@@ -21212,12 +21216,6 @@
 </file>
 
 <file path=customXml/item1.xml><?xml version="1.0" encoding="utf-8"?>
-<p:properties xmlns:p="http://schemas.microsoft.com/office/2006/metadata/properties" xmlns:xsi="http://www.w3.org/2001/XMLSchema-instance" xmlns:pc="http://schemas.microsoft.com/office/infopath/2007/PartnerControls">
-  <documentManagement/>
-</p:properties>
-</file>
-
-<file path=customXml/item2.xml><?xml version="1.0" encoding="utf-8"?>
 <ct:contentTypeSchema xmlns:ct="http://schemas.microsoft.com/office/2006/metadata/contentType" xmlns:ma="http://schemas.microsoft.com/office/2006/metadata/properties/metaAttributes" ct:_="" ma:_="" ma:contentTypeName="Document" ma:contentTypeID="0x010100F6544C1E39CC704E9B655547C2A8EEA9" ma:contentTypeVersion="2" ma:contentTypeDescription="Create a new document." ma:contentTypeScope="" ma:versionID="3fe2086bbb13892a04151ef672109fb5">
   <xsd:schema xmlns:xsd="http://www.w3.org/2001/XMLSchema" xmlns:xs="http://www.w3.org/2001/XMLSchema" xmlns:p="http://schemas.microsoft.com/office/2006/metadata/properties" xmlns:ns3="b4ea0a96-3951-4160-baca-c74dadb8c17f" targetNamespace="http://schemas.microsoft.com/office/2006/metadata/properties" ma:root="true" ma:fieldsID="00c6c909f9b37d6c43d157d3aea4a463" ns3:_="">
     <xsd:import namespace="b4ea0a96-3951-4160-baca-c74dadb8c17f"/>
@@ -21349,6 +21347,12 @@
 </ct:contentTypeSchema>
 </file>
 
+<file path=customXml/item2.xml><?xml version="1.0" encoding="utf-8"?>
+<p:properties xmlns:p="http://schemas.microsoft.com/office/2006/metadata/properties" xmlns:xsi="http://www.w3.org/2001/XMLSchema-instance" xmlns:pc="http://schemas.microsoft.com/office/infopath/2007/PartnerControls">
+  <documentManagement/>
+</p:properties>
+</file>
+
 <file path=customXml/item3.xml><?xml version="1.0" encoding="utf-8"?>
 <?mso-contentType ?>
 <FormTemplates xmlns="http://schemas.microsoft.com/sharepoint/v3/contenttype/forms">
@@ -21359,22 +21363,6 @@
 </file>
 
 <file path=customXml/itemProps1.xml><?xml version="1.0" encoding="utf-8"?>
-<ds:datastoreItem xmlns:ds="http://schemas.openxmlformats.org/officeDocument/2006/customXml" ds:itemID="{D8463AF2-9ABC-4087-AAED-E5A30A3C4C54}">
-  <ds:schemaRefs>
-    <ds:schemaRef ds:uri="http://schemas.microsoft.com/office/2006/documentManagement/types"/>
-    <ds:schemaRef ds:uri="http://schemas.microsoft.com/office/2006/metadata/properties"/>
-    <ds:schemaRef ds:uri="http://purl.org/dc/elements/1.1/"/>
-    <ds:schemaRef ds:uri="http://purl.org/dc/terms/"/>
-    <ds:schemaRef ds:uri="http://schemas.microsoft.com/office/infopath/2007/PartnerControls"/>
-    <ds:schemaRef ds:uri="http://schemas.openxmlformats.org/package/2006/metadata/core-properties"/>
-    <ds:schemaRef ds:uri="b4ea0a96-3951-4160-baca-c74dadb8c17f"/>
-    <ds:schemaRef ds:uri="http://www.w3.org/XML/1998/namespace"/>
-    <ds:schemaRef ds:uri="http://purl.org/dc/dcmitype/"/>
-  </ds:schemaRefs>
-</ds:datastoreItem>
-</file>
-
-<file path=customXml/itemProps2.xml><?xml version="1.0" encoding="utf-8"?>
 <ds:datastoreItem xmlns:ds="http://schemas.openxmlformats.org/officeDocument/2006/customXml" ds:itemID="{44ED1FCC-97A6-4B60-A765-2D292F04234A}">
   <ds:schemaRefs>
     <ds:schemaRef ds:uri="http://schemas.microsoft.com/office/2006/metadata/contentType"/>
@@ -21392,6 +21380,22 @@
 </ds:datastoreItem>
 </file>
 
+<file path=customXml/itemProps2.xml><?xml version="1.0" encoding="utf-8"?>
+<ds:datastoreItem xmlns:ds="http://schemas.openxmlformats.org/officeDocument/2006/customXml" ds:itemID="{D8463AF2-9ABC-4087-AAED-E5A30A3C4C54}">
+  <ds:schemaRefs>
+    <ds:schemaRef ds:uri="http://schemas.microsoft.com/office/2006/documentManagement/types"/>
+    <ds:schemaRef ds:uri="http://schemas.microsoft.com/office/2006/metadata/properties"/>
+    <ds:schemaRef ds:uri="http://purl.org/dc/elements/1.1/"/>
+    <ds:schemaRef ds:uri="http://purl.org/dc/terms/"/>
+    <ds:schemaRef ds:uri="http://schemas.microsoft.com/office/infopath/2007/PartnerControls"/>
+    <ds:schemaRef ds:uri="http://schemas.openxmlformats.org/package/2006/metadata/core-properties"/>
+    <ds:schemaRef ds:uri="b4ea0a96-3951-4160-baca-c74dadb8c17f"/>
+    <ds:schemaRef ds:uri="http://www.w3.org/XML/1998/namespace"/>
+    <ds:schemaRef ds:uri="http://purl.org/dc/dcmitype/"/>
+  </ds:schemaRefs>
+</ds:datastoreItem>
+</file>
+
 <file path=customXml/itemProps3.xml><?xml version="1.0" encoding="utf-8"?>
 <ds:datastoreItem xmlns:ds="http://schemas.openxmlformats.org/officeDocument/2006/customXml" ds:itemID="{3057252C-AA3B-4053-A64D-51B970623905}">
   <ds:schemaRefs>

--- a/Esercitazione_8/esercitazione8.pptx
+++ b/Esercitazione_8/esercitazione8.pptx
@@ -746,7 +746,7 @@
           <a:noFill/>
           <a:extLst>
             <a:ext uri="{909E8E84-426E-40dd-AFC4-6F175D3DCCD1}">
-              <a14:hiddenFill xmlns="" xmlns:a14="http://schemas.microsoft.com/office/drawing/2010/main">
+              <a14:hiddenFill xmlns:a14="http://schemas.microsoft.com/office/drawing/2010/main" xmlns="">
                 <a:solidFill>
                   <a:srgbClr val="FFFFFF"/>
                 </a:solidFill>
@@ -806,7 +806,7 @@
             </a:ln>
             <a:extLst>
               <a:ext uri="{91240B29-F687-4f45-9708-019B960494DF}">
-                <a14:hiddenLine xmlns="" xmlns:a14="http://schemas.microsoft.com/office/drawing/2010/main" w="9525">
+                <a14:hiddenLine xmlns:a14="http://schemas.microsoft.com/office/drawing/2010/main" xmlns="" w="9525">
                   <a:solidFill>
                     <a:srgbClr val="000000"/>
                   </a:solidFill>
@@ -896,7 +896,7 @@
             </a:ln>
             <a:extLst>
               <a:ext uri="{91240B29-F687-4f45-9708-019B960494DF}">
-                <a14:hiddenLine xmlns="" xmlns:a14="http://schemas.microsoft.com/office/drawing/2010/main" w="9525">
+                <a14:hiddenLine xmlns:a14="http://schemas.microsoft.com/office/drawing/2010/main" xmlns="" w="9525">
                   <a:solidFill>
                     <a:srgbClr val="000000"/>
                   </a:solidFill>
@@ -986,7 +986,7 @@
             </a:ln>
             <a:extLst>
               <a:ext uri="{91240B29-F687-4f45-9708-019B960494DF}">
-                <a14:hiddenLine xmlns="" xmlns:a14="http://schemas.microsoft.com/office/drawing/2010/main" w="9525">
+                <a14:hiddenLine xmlns:a14="http://schemas.microsoft.com/office/drawing/2010/main" xmlns="" w="9525">
                   <a:solidFill>
                     <a:srgbClr val="000000"/>
                   </a:solidFill>
@@ -1020,7 +1020,7 @@
             </a:ln>
             <a:extLst>
               <a:ext uri="{91240B29-F687-4f45-9708-019B960494DF}">
-                <a14:hiddenLine xmlns="" xmlns:a14="http://schemas.microsoft.com/office/drawing/2010/main" w="9525">
+                <a14:hiddenLine xmlns:a14="http://schemas.microsoft.com/office/drawing/2010/main" xmlns="" w="9525">
                   <a:solidFill>
                     <a:srgbClr val="000000"/>
                   </a:solidFill>
@@ -1110,7 +1110,7 @@
             </a:ln>
             <a:extLst>
               <a:ext uri="{91240B29-F687-4f45-9708-019B960494DF}">
-                <a14:hiddenLine xmlns="" xmlns:a14="http://schemas.microsoft.com/office/drawing/2010/main" w="9525">
+                <a14:hiddenLine xmlns:a14="http://schemas.microsoft.com/office/drawing/2010/main" xmlns="" w="9525">
                   <a:solidFill>
                     <a:srgbClr val="000000"/>
                   </a:solidFill>
@@ -1172,7 +1172,7 @@
             </a:ln>
             <a:extLst>
               <a:ext uri="{91240B29-F687-4f45-9708-019B960494DF}">
-                <a14:hiddenLine xmlns="" xmlns:a14="http://schemas.microsoft.com/office/drawing/2010/main" w="9525">
+                <a14:hiddenLine xmlns:a14="http://schemas.microsoft.com/office/drawing/2010/main" xmlns="" w="9525">
                   <a:solidFill>
                     <a:srgbClr val="000000"/>
                   </a:solidFill>
@@ -1234,7 +1234,7 @@
             </a:ln>
             <a:extLst>
               <a:ext uri="{91240B29-F687-4f45-9708-019B960494DF}">
-                <a14:hiddenLine xmlns="" xmlns:a14="http://schemas.microsoft.com/office/drawing/2010/main" w="9525">
+                <a14:hiddenLine xmlns:a14="http://schemas.microsoft.com/office/drawing/2010/main" xmlns="" w="9525">
                   <a:solidFill>
                     <a:srgbClr val="000000"/>
                   </a:solidFill>
@@ -1324,7 +1324,7 @@
             </a:ln>
             <a:extLst>
               <a:ext uri="{91240B29-F687-4f45-9708-019B960494DF}">
-                <a14:hiddenLine xmlns="" xmlns:a14="http://schemas.microsoft.com/office/drawing/2010/main" w="9525">
+                <a14:hiddenLine xmlns:a14="http://schemas.microsoft.com/office/drawing/2010/main" xmlns="" w="9525">
                   <a:solidFill>
                     <a:srgbClr val="000000"/>
                   </a:solidFill>
@@ -1386,7 +1386,7 @@
             </a:ln>
             <a:extLst>
               <a:ext uri="{91240B29-F687-4f45-9708-019B960494DF}">
-                <a14:hiddenLine xmlns="" xmlns:a14="http://schemas.microsoft.com/office/drawing/2010/main" w="9525">
+                <a14:hiddenLine xmlns:a14="http://schemas.microsoft.com/office/drawing/2010/main" xmlns="" w="9525">
                   <a:solidFill>
                     <a:srgbClr val="000000"/>
                   </a:solidFill>
@@ -1448,7 +1448,7 @@
             </a:ln>
             <a:extLst>
               <a:ext uri="{91240B29-F687-4f45-9708-019B960494DF}">
-                <a14:hiddenLine xmlns="" xmlns:a14="http://schemas.microsoft.com/office/drawing/2010/main" w="9525">
+                <a14:hiddenLine xmlns:a14="http://schemas.microsoft.com/office/drawing/2010/main" xmlns="" w="9525">
                   <a:solidFill>
                     <a:srgbClr val="000000"/>
                   </a:solidFill>
@@ -1538,7 +1538,7 @@
             </a:ln>
             <a:extLst>
               <a:ext uri="{91240B29-F687-4f45-9708-019B960494DF}">
-                <a14:hiddenLine xmlns="" xmlns:a14="http://schemas.microsoft.com/office/drawing/2010/main" w="9525">
+                <a14:hiddenLine xmlns:a14="http://schemas.microsoft.com/office/drawing/2010/main" xmlns="" w="9525">
                   <a:solidFill>
                     <a:srgbClr val="000000"/>
                   </a:solidFill>
@@ -1628,7 +1628,7 @@
             </a:ln>
             <a:extLst>
               <a:ext uri="{91240B29-F687-4f45-9708-019B960494DF}">
-                <a14:hiddenLine xmlns="" xmlns:a14="http://schemas.microsoft.com/office/drawing/2010/main" w="9525">
+                <a14:hiddenLine xmlns:a14="http://schemas.microsoft.com/office/drawing/2010/main" xmlns="" w="9525">
                   <a:solidFill>
                     <a:srgbClr val="000000"/>
                   </a:solidFill>
@@ -1690,7 +1690,7 @@
             </a:ln>
             <a:extLst>
               <a:ext uri="{91240B29-F687-4f45-9708-019B960494DF}">
-                <a14:hiddenLine xmlns="" xmlns:a14="http://schemas.microsoft.com/office/drawing/2010/main" w="9525">
+                <a14:hiddenLine xmlns:a14="http://schemas.microsoft.com/office/drawing/2010/main" xmlns="" w="9525">
                   <a:solidFill>
                     <a:srgbClr val="000000"/>
                   </a:solidFill>
@@ -1800,7 +1800,7 @@
             </a:ln>
             <a:extLst>
               <a:ext uri="{91240B29-F687-4f45-9708-019B960494DF}">
-                <a14:hiddenLine xmlns="" xmlns:a14="http://schemas.microsoft.com/office/drawing/2010/main" w="9525">
+                <a14:hiddenLine xmlns:a14="http://schemas.microsoft.com/office/drawing/2010/main" xmlns="" w="9525">
                   <a:solidFill>
                     <a:srgbClr val="000000"/>
                   </a:solidFill>
@@ -1862,7 +1862,7 @@
             </a:ln>
             <a:extLst>
               <a:ext uri="{91240B29-F687-4f45-9708-019B960494DF}">
-                <a14:hiddenLine xmlns="" xmlns:a14="http://schemas.microsoft.com/office/drawing/2010/main" w="9525">
+                <a14:hiddenLine xmlns:a14="http://schemas.microsoft.com/office/drawing/2010/main" xmlns="" w="9525">
                   <a:solidFill>
                     <a:srgbClr val="000000"/>
                   </a:solidFill>
@@ -1952,7 +1952,7 @@
             </a:ln>
             <a:extLst>
               <a:ext uri="{91240B29-F687-4f45-9708-019B960494DF}">
-                <a14:hiddenLine xmlns="" xmlns:a14="http://schemas.microsoft.com/office/drawing/2010/main" w="9525">
+                <a14:hiddenLine xmlns:a14="http://schemas.microsoft.com/office/drawing/2010/main" xmlns="" w="9525">
                   <a:solidFill>
                     <a:srgbClr val="000000"/>
                   </a:solidFill>
@@ -2042,7 +2042,7 @@
             </a:ln>
             <a:extLst>
               <a:ext uri="{91240B29-F687-4f45-9708-019B960494DF}">
-                <a14:hiddenLine xmlns="" xmlns:a14="http://schemas.microsoft.com/office/drawing/2010/main" w="9525">
+                <a14:hiddenLine xmlns:a14="http://schemas.microsoft.com/office/drawing/2010/main" xmlns="" w="9525">
                   <a:solidFill>
                     <a:srgbClr val="000000"/>
                   </a:solidFill>
@@ -2104,7 +2104,7 @@
             </a:ln>
             <a:extLst>
               <a:ext uri="{91240B29-F687-4f45-9708-019B960494DF}">
-                <a14:hiddenLine xmlns="" xmlns:a14="http://schemas.microsoft.com/office/drawing/2010/main" w="9525">
+                <a14:hiddenLine xmlns:a14="http://schemas.microsoft.com/office/drawing/2010/main" xmlns="" w="9525">
                   <a:solidFill>
                     <a:srgbClr val="000000"/>
                   </a:solidFill>
@@ -2194,7 +2194,7 @@
             </a:ln>
             <a:extLst>
               <a:ext uri="{91240B29-F687-4f45-9708-019B960494DF}">
-                <a14:hiddenLine xmlns="" xmlns:a14="http://schemas.microsoft.com/office/drawing/2010/main" w="9525">
+                <a14:hiddenLine xmlns:a14="http://schemas.microsoft.com/office/drawing/2010/main" xmlns="" w="9525">
                   <a:solidFill>
                     <a:srgbClr val="000000"/>
                   </a:solidFill>
@@ -2284,7 +2284,7 @@
             </a:ln>
             <a:extLst>
               <a:ext uri="{91240B29-F687-4f45-9708-019B960494DF}">
-                <a14:hiddenLine xmlns="" xmlns:a14="http://schemas.microsoft.com/office/drawing/2010/main" w="9525">
+                <a14:hiddenLine xmlns:a14="http://schemas.microsoft.com/office/drawing/2010/main" xmlns="" w="9525">
                   <a:solidFill>
                     <a:srgbClr val="000000"/>
                   </a:solidFill>
@@ -2340,7 +2340,7 @@
             </a:ln>
             <a:extLst>
               <a:ext uri="{91240B29-F687-4f45-9708-019B960494DF}">
-                <a14:hiddenLine xmlns="" xmlns:a14="http://schemas.microsoft.com/office/drawing/2010/main" w="9525">
+                <a14:hiddenLine xmlns:a14="http://schemas.microsoft.com/office/drawing/2010/main" xmlns="" w="9525">
                   <a:solidFill>
                     <a:srgbClr val="000000"/>
                   </a:solidFill>
@@ -2430,7 +2430,7 @@
             </a:ln>
             <a:extLst>
               <a:ext uri="{91240B29-F687-4f45-9708-019B960494DF}">
-                <a14:hiddenLine xmlns="" xmlns:a14="http://schemas.microsoft.com/office/drawing/2010/main" w="9525">
+                <a14:hiddenLine xmlns:a14="http://schemas.microsoft.com/office/drawing/2010/main" xmlns="" w="9525">
                   <a:solidFill>
                     <a:srgbClr val="000000"/>
                   </a:solidFill>
@@ -2486,7 +2486,7 @@
             </a:ln>
             <a:extLst>
               <a:ext uri="{91240B29-F687-4f45-9708-019B960494DF}">
-                <a14:hiddenLine xmlns="" xmlns:a14="http://schemas.microsoft.com/office/drawing/2010/main" w="9525">
+                <a14:hiddenLine xmlns:a14="http://schemas.microsoft.com/office/drawing/2010/main" xmlns="" w="9525">
                   <a:solidFill>
                     <a:srgbClr val="000000"/>
                   </a:solidFill>
@@ -2576,7 +2576,7 @@
             </a:ln>
             <a:extLst>
               <a:ext uri="{91240B29-F687-4f45-9708-019B960494DF}">
-                <a14:hiddenLine xmlns="" xmlns:a14="http://schemas.microsoft.com/office/drawing/2010/main" w="9525">
+                <a14:hiddenLine xmlns:a14="http://schemas.microsoft.com/office/drawing/2010/main" xmlns="" w="9525">
                   <a:solidFill>
                     <a:srgbClr val="000000"/>
                   </a:solidFill>
@@ -2644,7 +2644,7 @@
             </a:ln>
             <a:extLst>
               <a:ext uri="{91240B29-F687-4f45-9708-019B960494DF}">
-                <a14:hiddenLine xmlns="" xmlns:a14="http://schemas.microsoft.com/office/drawing/2010/main" w="9525">
+                <a14:hiddenLine xmlns:a14="http://schemas.microsoft.com/office/drawing/2010/main" xmlns="" w="9525">
                   <a:solidFill>
                     <a:srgbClr val="000000"/>
                   </a:solidFill>
@@ -2734,7 +2734,7 @@
             </a:ln>
             <a:extLst>
               <a:ext uri="{91240B29-F687-4f45-9708-019B960494DF}">
-                <a14:hiddenLine xmlns="" xmlns:a14="http://schemas.microsoft.com/office/drawing/2010/main" w="9525">
+                <a14:hiddenLine xmlns:a14="http://schemas.microsoft.com/office/drawing/2010/main" xmlns="" w="9525">
                   <a:solidFill>
                     <a:srgbClr val="000000"/>
                   </a:solidFill>
@@ -2802,7 +2802,7 @@
             </a:ln>
             <a:extLst>
               <a:ext uri="{91240B29-F687-4f45-9708-019B960494DF}">
-                <a14:hiddenLine xmlns="" xmlns:a14="http://schemas.microsoft.com/office/drawing/2010/main" w="9525">
+                <a14:hiddenLine xmlns:a14="http://schemas.microsoft.com/office/drawing/2010/main" xmlns="" w="9525">
                   <a:solidFill>
                     <a:srgbClr val="000000"/>
                   </a:solidFill>
@@ -2892,7 +2892,7 @@
             </a:ln>
             <a:extLst>
               <a:ext uri="{91240B29-F687-4f45-9708-019B960494DF}">
-                <a14:hiddenLine xmlns="" xmlns:a14="http://schemas.microsoft.com/office/drawing/2010/main" w="9525">
+                <a14:hiddenLine xmlns:a14="http://schemas.microsoft.com/office/drawing/2010/main" xmlns="" w="9525">
                   <a:solidFill>
                     <a:srgbClr val="000000"/>
                   </a:solidFill>
@@ -2926,7 +2926,7 @@
             </a:ln>
             <a:extLst>
               <a:ext uri="{91240B29-F687-4f45-9708-019B960494DF}">
-                <a14:hiddenLine xmlns="" xmlns:a14="http://schemas.microsoft.com/office/drawing/2010/main" w="9525">
+                <a14:hiddenLine xmlns:a14="http://schemas.microsoft.com/office/drawing/2010/main" xmlns="" w="9525">
                   <a:solidFill>
                     <a:srgbClr val="000000"/>
                   </a:solidFill>
@@ -3016,7 +3016,7 @@
             </a:ln>
             <a:extLst>
               <a:ext uri="{91240B29-F687-4f45-9708-019B960494DF}">
-                <a14:hiddenLine xmlns="" xmlns:a14="http://schemas.microsoft.com/office/drawing/2010/main" w="9525">
+                <a14:hiddenLine xmlns:a14="http://schemas.microsoft.com/office/drawing/2010/main" xmlns="" w="9525">
                   <a:solidFill>
                     <a:srgbClr val="000000"/>
                   </a:solidFill>
@@ -3078,7 +3078,7 @@
             </a:ln>
             <a:extLst>
               <a:ext uri="{91240B29-F687-4f45-9708-019B960494DF}">
-                <a14:hiddenLine xmlns="" xmlns:a14="http://schemas.microsoft.com/office/drawing/2010/main" w="9525">
+                <a14:hiddenLine xmlns:a14="http://schemas.microsoft.com/office/drawing/2010/main" xmlns="" w="9525">
                   <a:solidFill>
                     <a:srgbClr val="000000"/>
                   </a:solidFill>
@@ -3140,7 +3140,7 @@
             </a:ln>
             <a:extLst>
               <a:ext uri="{91240B29-F687-4f45-9708-019B960494DF}">
-                <a14:hiddenLine xmlns="" xmlns:a14="http://schemas.microsoft.com/office/drawing/2010/main" w="9525">
+                <a14:hiddenLine xmlns:a14="http://schemas.microsoft.com/office/drawing/2010/main" xmlns="" w="9525">
                   <a:solidFill>
                     <a:srgbClr val="000000"/>
                   </a:solidFill>
@@ -3230,7 +3230,7 @@
             </a:ln>
             <a:extLst>
               <a:ext uri="{91240B29-F687-4f45-9708-019B960494DF}">
-                <a14:hiddenLine xmlns="" xmlns:a14="http://schemas.microsoft.com/office/drawing/2010/main" w="9525">
+                <a14:hiddenLine xmlns:a14="http://schemas.microsoft.com/office/drawing/2010/main" xmlns="" w="9525">
                   <a:solidFill>
                     <a:srgbClr val="000000"/>
                   </a:solidFill>
@@ -3298,7 +3298,7 @@
             </a:ln>
             <a:extLst>
               <a:ext uri="{91240B29-F687-4f45-9708-019B960494DF}">
-                <a14:hiddenLine xmlns="" xmlns:a14="http://schemas.microsoft.com/office/drawing/2010/main" w="9525">
+                <a14:hiddenLine xmlns:a14="http://schemas.microsoft.com/office/drawing/2010/main" xmlns="" w="9525">
                   <a:solidFill>
                     <a:srgbClr val="000000"/>
                   </a:solidFill>
@@ -3360,7 +3360,7 @@
             </a:ln>
             <a:extLst>
               <a:ext uri="{91240B29-F687-4f45-9708-019B960494DF}">
-                <a14:hiddenLine xmlns="" xmlns:a14="http://schemas.microsoft.com/office/drawing/2010/main" w="9525">
+                <a14:hiddenLine xmlns:a14="http://schemas.microsoft.com/office/drawing/2010/main" xmlns="" w="9525">
                   <a:solidFill>
                     <a:srgbClr val="000000"/>
                   </a:solidFill>
@@ -3450,7 +3450,7 @@
             </a:ln>
             <a:extLst>
               <a:ext uri="{91240B29-F687-4f45-9708-019B960494DF}">
-                <a14:hiddenLine xmlns="" xmlns:a14="http://schemas.microsoft.com/office/drawing/2010/main" w="9525">
+                <a14:hiddenLine xmlns:a14="http://schemas.microsoft.com/office/drawing/2010/main" xmlns="" w="9525">
                   <a:solidFill>
                     <a:srgbClr val="000000"/>
                   </a:solidFill>
@@ -3512,7 +3512,7 @@
             </a:ln>
             <a:extLst>
               <a:ext uri="{91240B29-F687-4f45-9708-019B960494DF}">
-                <a14:hiddenLine xmlns="" xmlns:a14="http://schemas.microsoft.com/office/drawing/2010/main" w="9525">
+                <a14:hiddenLine xmlns:a14="http://schemas.microsoft.com/office/drawing/2010/main" xmlns="" w="9525">
                   <a:solidFill>
                     <a:srgbClr val="000000"/>
                   </a:solidFill>
@@ -3602,7 +3602,7 @@
             </a:ln>
             <a:extLst>
               <a:ext uri="{91240B29-F687-4f45-9708-019B960494DF}">
-                <a14:hiddenLine xmlns="" xmlns:a14="http://schemas.microsoft.com/office/drawing/2010/main" w="9525">
+                <a14:hiddenLine xmlns:a14="http://schemas.microsoft.com/office/drawing/2010/main" xmlns="" w="9525">
                   <a:solidFill>
                     <a:srgbClr val="000000"/>
                   </a:solidFill>
@@ -3664,7 +3664,7 @@
             </a:ln>
             <a:extLst>
               <a:ext uri="{91240B29-F687-4f45-9708-019B960494DF}">
-                <a14:hiddenLine xmlns="" xmlns:a14="http://schemas.microsoft.com/office/drawing/2010/main" w="9525">
+                <a14:hiddenLine xmlns:a14="http://schemas.microsoft.com/office/drawing/2010/main" xmlns="" w="9525">
                   <a:solidFill>
                     <a:srgbClr val="000000"/>
                   </a:solidFill>
@@ -3754,7 +3754,7 @@
             </a:ln>
             <a:extLst>
               <a:ext uri="{91240B29-F687-4f45-9708-019B960494DF}">
-                <a14:hiddenLine xmlns="" xmlns:a14="http://schemas.microsoft.com/office/drawing/2010/main" w="9525">
+                <a14:hiddenLine xmlns:a14="http://schemas.microsoft.com/office/drawing/2010/main" xmlns="" w="9525">
                   <a:solidFill>
                     <a:srgbClr val="000000"/>
                   </a:solidFill>
@@ -3788,7 +3788,7 @@
             </a:ln>
             <a:extLst>
               <a:ext uri="{91240B29-F687-4f45-9708-019B960494DF}">
-                <a14:hiddenLine xmlns="" xmlns:a14="http://schemas.microsoft.com/office/drawing/2010/main" w="9525">
+                <a14:hiddenLine xmlns:a14="http://schemas.microsoft.com/office/drawing/2010/main" xmlns="" w="9525">
                   <a:solidFill>
                     <a:srgbClr val="000000"/>
                   </a:solidFill>
@@ -3853,7 +3853,7 @@
             </a:ln>
             <a:extLst>
               <a:ext uri="{91240B29-F687-4f45-9708-019B960494DF}">
-                <a14:hiddenLine xmlns="" xmlns:a14="http://schemas.microsoft.com/office/drawing/2010/main" w="9525">
+                <a14:hiddenLine xmlns:a14="http://schemas.microsoft.com/office/drawing/2010/main" xmlns="" w="9525">
                   <a:solidFill>
                     <a:srgbClr val="000000"/>
                   </a:solidFill>
@@ -3943,7 +3943,7 @@
             </a:ln>
             <a:extLst>
               <a:ext uri="{91240B29-F687-4f45-9708-019B960494DF}">
-                <a14:hiddenLine xmlns="" xmlns:a14="http://schemas.microsoft.com/office/drawing/2010/main" w="9525">
+                <a14:hiddenLine xmlns:a14="http://schemas.microsoft.com/office/drawing/2010/main" xmlns="" w="9525">
                   <a:solidFill>
                     <a:srgbClr val="000000"/>
                   </a:solidFill>
@@ -4005,7 +4005,7 @@
             </a:ln>
             <a:extLst>
               <a:ext uri="{91240B29-F687-4f45-9708-019B960494DF}">
-                <a14:hiddenLine xmlns="" xmlns:a14="http://schemas.microsoft.com/office/drawing/2010/main" w="9525">
+                <a14:hiddenLine xmlns:a14="http://schemas.microsoft.com/office/drawing/2010/main" xmlns="" w="9525">
                   <a:solidFill>
                     <a:srgbClr val="000000"/>
                   </a:solidFill>
@@ -4095,7 +4095,7 @@
             </a:ln>
             <a:extLst>
               <a:ext uri="{91240B29-F687-4f45-9708-019B960494DF}">
-                <a14:hiddenLine xmlns="" xmlns:a14="http://schemas.microsoft.com/office/drawing/2010/main" w="9525">
+                <a14:hiddenLine xmlns:a14="http://schemas.microsoft.com/office/drawing/2010/main" xmlns="" w="9525">
                   <a:solidFill>
                     <a:srgbClr val="000000"/>
                   </a:solidFill>
@@ -4185,7 +4185,7 @@
             </a:ln>
             <a:extLst>
               <a:ext uri="{91240B29-F687-4f45-9708-019B960494DF}">
-                <a14:hiddenLine xmlns="" xmlns:a14="http://schemas.microsoft.com/office/drawing/2010/main" w="9525">
+                <a14:hiddenLine xmlns:a14="http://schemas.microsoft.com/office/drawing/2010/main" xmlns="" w="9525">
                   <a:solidFill>
                     <a:srgbClr val="000000"/>
                   </a:solidFill>
@@ -4250,7 +4250,7 @@
             </a:ln>
             <a:extLst>
               <a:ext uri="{91240B29-F687-4f45-9708-019B960494DF}">
-                <a14:hiddenLine xmlns="" xmlns:a14="http://schemas.microsoft.com/office/drawing/2010/main" w="9525">
+                <a14:hiddenLine xmlns:a14="http://schemas.microsoft.com/office/drawing/2010/main" xmlns="" w="9525">
                   <a:solidFill>
                     <a:srgbClr val="000000"/>
                   </a:solidFill>
@@ -4312,7 +4312,7 @@
             </a:ln>
             <a:extLst>
               <a:ext uri="{91240B29-F687-4f45-9708-019B960494DF}">
-                <a14:hiddenLine xmlns="" xmlns:a14="http://schemas.microsoft.com/office/drawing/2010/main" w="9525">
+                <a14:hiddenLine xmlns:a14="http://schemas.microsoft.com/office/drawing/2010/main" xmlns="" w="9525">
                   <a:solidFill>
                     <a:srgbClr val="000000"/>
                   </a:solidFill>
@@ -4402,7 +4402,7 @@
             </a:ln>
             <a:extLst>
               <a:ext uri="{91240B29-F687-4f45-9708-019B960494DF}">
-                <a14:hiddenLine xmlns="" xmlns:a14="http://schemas.microsoft.com/office/drawing/2010/main" w="9525">
+                <a14:hiddenLine xmlns:a14="http://schemas.microsoft.com/office/drawing/2010/main" xmlns="" w="9525">
                   <a:solidFill>
                     <a:srgbClr val="000000"/>
                   </a:solidFill>
@@ -4492,7 +4492,7 @@
             </a:ln>
             <a:extLst>
               <a:ext uri="{91240B29-F687-4f45-9708-019B960494DF}">
-                <a14:hiddenLine xmlns="" xmlns:a14="http://schemas.microsoft.com/office/drawing/2010/main" w="9525">
+                <a14:hiddenLine xmlns:a14="http://schemas.microsoft.com/office/drawing/2010/main" xmlns="" w="9525">
                   <a:solidFill>
                     <a:srgbClr val="000000"/>
                   </a:solidFill>
@@ -4554,7 +4554,7 @@
             </a:ln>
             <a:extLst>
               <a:ext uri="{91240B29-F687-4f45-9708-019B960494DF}">
-                <a14:hiddenLine xmlns="" xmlns:a14="http://schemas.microsoft.com/office/drawing/2010/main" w="9525">
+                <a14:hiddenLine xmlns:a14="http://schemas.microsoft.com/office/drawing/2010/main" xmlns="" w="9525">
                   <a:solidFill>
                     <a:srgbClr val="000000"/>
                   </a:solidFill>
@@ -4674,7 +4674,7 @@
             </a:ln>
             <a:extLst>
               <a:ext uri="{91240B29-F687-4f45-9708-019B960494DF}">
-                <a14:hiddenLine xmlns="" xmlns:a14="http://schemas.microsoft.com/office/drawing/2010/main" w="9525">
+                <a14:hiddenLine xmlns:a14="http://schemas.microsoft.com/office/drawing/2010/main" xmlns="" w="9525">
                   <a:solidFill>
                     <a:srgbClr val="000000"/>
                   </a:solidFill>
@@ -4742,7 +4742,7 @@
             </a:ln>
             <a:extLst>
               <a:ext uri="{91240B29-F687-4f45-9708-019B960494DF}">
-                <a14:hiddenLine xmlns="" xmlns:a14="http://schemas.microsoft.com/office/drawing/2010/main" w="9525">
+                <a14:hiddenLine xmlns:a14="http://schemas.microsoft.com/office/drawing/2010/main" xmlns="" w="9525">
                   <a:solidFill>
                     <a:srgbClr val="000000"/>
                   </a:solidFill>
@@ -4832,7 +4832,7 @@
             </a:ln>
             <a:extLst>
               <a:ext uri="{91240B29-F687-4f45-9708-019B960494DF}">
-                <a14:hiddenLine xmlns="" xmlns:a14="http://schemas.microsoft.com/office/drawing/2010/main" w="9525">
+                <a14:hiddenLine xmlns:a14="http://schemas.microsoft.com/office/drawing/2010/main" xmlns="" w="9525">
                   <a:solidFill>
                     <a:srgbClr val="000000"/>
                   </a:solidFill>
@@ -9737,7 +9737,7 @@
           <a:noFill/>
           <a:extLst>
             <a:ext uri="{909E8E84-426E-40dd-AFC4-6F175D3DCCD1}">
-              <a14:hiddenFill xmlns="" xmlns:a14="http://schemas.microsoft.com/office/drawing/2010/main">
+              <a14:hiddenFill xmlns:a14="http://schemas.microsoft.com/office/drawing/2010/main" xmlns="">
                 <a:solidFill>
                   <a:srgbClr val="FFFFFF"/>
                 </a:solidFill>
@@ -9811,7 +9811,7 @@
               </a:ln>
               <a:extLst>
                 <a:ext uri="{91240B29-F687-4f45-9708-019B960494DF}">
-                  <a14:hiddenLine xmlns="" xmlns:a14="http://schemas.microsoft.com/office/drawing/2010/main" w="9525">
+                  <a14:hiddenLine xmlns:a14="http://schemas.microsoft.com/office/drawing/2010/main" xmlns="" w="9525">
                     <a:solidFill>
                       <a:srgbClr val="000000"/>
                     </a:solidFill>
@@ -9901,7 +9901,7 @@
               </a:ln>
               <a:extLst>
                 <a:ext uri="{91240B29-F687-4f45-9708-019B960494DF}">
-                  <a14:hiddenLine xmlns="" xmlns:a14="http://schemas.microsoft.com/office/drawing/2010/main" w="9525">
+                  <a14:hiddenLine xmlns:a14="http://schemas.microsoft.com/office/drawing/2010/main" xmlns="" w="9525">
                     <a:solidFill>
                       <a:srgbClr val="000000"/>
                     </a:solidFill>
@@ -9991,7 +9991,7 @@
               </a:ln>
               <a:extLst>
                 <a:ext uri="{91240B29-F687-4f45-9708-019B960494DF}">
-                  <a14:hiddenLine xmlns="" xmlns:a14="http://schemas.microsoft.com/office/drawing/2010/main" w="9525">
+                  <a14:hiddenLine xmlns:a14="http://schemas.microsoft.com/office/drawing/2010/main" xmlns="" w="9525">
                     <a:solidFill>
                       <a:srgbClr val="000000"/>
                     </a:solidFill>
@@ -10053,7 +10053,7 @@
               </a:ln>
               <a:extLst>
                 <a:ext uri="{91240B29-F687-4f45-9708-019B960494DF}">
-                  <a14:hiddenLine xmlns="" xmlns:a14="http://schemas.microsoft.com/office/drawing/2010/main" w="9525">
+                  <a14:hiddenLine xmlns:a14="http://schemas.microsoft.com/office/drawing/2010/main" xmlns="" w="9525">
                     <a:solidFill>
                       <a:srgbClr val="000000"/>
                     </a:solidFill>
@@ -10143,7 +10143,7 @@
               </a:ln>
               <a:extLst>
                 <a:ext uri="{91240B29-F687-4f45-9708-019B960494DF}">
-                  <a14:hiddenLine xmlns="" xmlns:a14="http://schemas.microsoft.com/office/drawing/2010/main" w="9525">
+                  <a14:hiddenLine xmlns:a14="http://schemas.microsoft.com/office/drawing/2010/main" xmlns="" w="9525">
                     <a:solidFill>
                       <a:srgbClr val="000000"/>
                     </a:solidFill>
@@ -10205,7 +10205,7 @@
               </a:ln>
               <a:extLst>
                 <a:ext uri="{91240B29-F687-4f45-9708-019B960494DF}">
-                  <a14:hiddenLine xmlns="" xmlns:a14="http://schemas.microsoft.com/office/drawing/2010/main" w="9525">
+                  <a14:hiddenLine xmlns:a14="http://schemas.microsoft.com/office/drawing/2010/main" xmlns="" w="9525">
                     <a:solidFill>
                       <a:srgbClr val="000000"/>
                     </a:solidFill>
@@ -10267,7 +10267,7 @@
               </a:ln>
               <a:extLst>
                 <a:ext uri="{91240B29-F687-4f45-9708-019B960494DF}">
-                  <a14:hiddenLine xmlns="" xmlns:a14="http://schemas.microsoft.com/office/drawing/2010/main" w="9525">
+                  <a14:hiddenLine xmlns:a14="http://schemas.microsoft.com/office/drawing/2010/main" xmlns="" w="9525">
                     <a:solidFill>
                       <a:srgbClr val="000000"/>
                     </a:solidFill>
@@ -10357,7 +10357,7 @@
               </a:ln>
               <a:extLst>
                 <a:ext uri="{91240B29-F687-4f45-9708-019B960494DF}">
-                  <a14:hiddenLine xmlns="" xmlns:a14="http://schemas.microsoft.com/office/drawing/2010/main" w="9525">
+                  <a14:hiddenLine xmlns:a14="http://schemas.microsoft.com/office/drawing/2010/main" xmlns="" w="9525">
                     <a:solidFill>
                       <a:srgbClr val="000000"/>
                     </a:solidFill>
@@ -10447,7 +10447,7 @@
               </a:ln>
               <a:extLst>
                 <a:ext uri="{91240B29-F687-4f45-9708-019B960494DF}">
-                  <a14:hiddenLine xmlns="" xmlns:a14="http://schemas.microsoft.com/office/drawing/2010/main" w="9525">
+                  <a14:hiddenLine xmlns:a14="http://schemas.microsoft.com/office/drawing/2010/main" xmlns="" w="9525">
                     <a:solidFill>
                       <a:srgbClr val="000000"/>
                     </a:solidFill>
@@ -10509,7 +10509,7 @@
               </a:ln>
               <a:extLst>
                 <a:ext uri="{91240B29-F687-4f45-9708-019B960494DF}">
-                  <a14:hiddenLine xmlns="" xmlns:a14="http://schemas.microsoft.com/office/drawing/2010/main" w="9525">
+                  <a14:hiddenLine xmlns:a14="http://schemas.microsoft.com/office/drawing/2010/main" xmlns="" w="9525">
                     <a:solidFill>
                       <a:srgbClr val="000000"/>
                     </a:solidFill>
@@ -10619,7 +10619,7 @@
               </a:ln>
               <a:extLst>
                 <a:ext uri="{91240B29-F687-4f45-9708-019B960494DF}">
-                  <a14:hiddenLine xmlns="" xmlns:a14="http://schemas.microsoft.com/office/drawing/2010/main" w="9525">
+                  <a14:hiddenLine xmlns:a14="http://schemas.microsoft.com/office/drawing/2010/main" xmlns="" w="9525">
                     <a:solidFill>
                       <a:srgbClr val="000000"/>
                     </a:solidFill>
@@ -10703,7 +10703,7 @@
               </a:ln>
               <a:extLst>
                 <a:ext uri="{91240B29-F687-4f45-9708-019B960494DF}">
-                  <a14:hiddenLine xmlns="" xmlns:a14="http://schemas.microsoft.com/office/drawing/2010/main" w="9525">
+                  <a14:hiddenLine xmlns:a14="http://schemas.microsoft.com/office/drawing/2010/main" xmlns="" w="9525">
                     <a:solidFill>
                       <a:srgbClr val="000000"/>
                     </a:solidFill>
@@ -10765,7 +10765,7 @@
               </a:ln>
               <a:extLst>
                 <a:ext uri="{91240B29-F687-4f45-9708-019B960494DF}">
-                  <a14:hiddenLine xmlns="" xmlns:a14="http://schemas.microsoft.com/office/drawing/2010/main" w="9525">
+                  <a14:hiddenLine xmlns:a14="http://schemas.microsoft.com/office/drawing/2010/main" xmlns="" w="9525">
                     <a:solidFill>
                       <a:srgbClr val="000000"/>
                     </a:solidFill>
@@ -10827,7 +10827,7 @@
               </a:ln>
               <a:extLst>
                 <a:ext uri="{91240B29-F687-4f45-9708-019B960494DF}">
-                  <a14:hiddenLine xmlns="" xmlns:a14="http://schemas.microsoft.com/office/drawing/2010/main" w="9525">
+                  <a14:hiddenLine xmlns:a14="http://schemas.microsoft.com/office/drawing/2010/main" xmlns="" w="9525">
                     <a:solidFill>
                       <a:srgbClr val="000000"/>
                     </a:solidFill>
@@ -10917,7 +10917,7 @@
               </a:ln>
               <a:extLst>
                 <a:ext uri="{91240B29-F687-4f45-9708-019B960494DF}">
-                  <a14:hiddenLine xmlns="" xmlns:a14="http://schemas.microsoft.com/office/drawing/2010/main" w="9525">
+                  <a14:hiddenLine xmlns:a14="http://schemas.microsoft.com/office/drawing/2010/main" xmlns="" w="9525">
                     <a:solidFill>
                       <a:srgbClr val="000000"/>
                     </a:solidFill>
@@ -10951,7 +10951,7 @@
               </a:ln>
               <a:extLst>
                 <a:ext uri="{91240B29-F687-4f45-9708-019B960494DF}">
-                  <a14:hiddenLine xmlns="" xmlns:a14="http://schemas.microsoft.com/office/drawing/2010/main" w="9525">
+                  <a14:hiddenLine xmlns:a14="http://schemas.microsoft.com/office/drawing/2010/main" xmlns="" w="9525">
                     <a:solidFill>
                       <a:srgbClr val="000000"/>
                     </a:solidFill>
@@ -11016,7 +11016,7 @@
               </a:ln>
               <a:extLst>
                 <a:ext uri="{91240B29-F687-4f45-9708-019B960494DF}">
-                  <a14:hiddenLine xmlns="" xmlns:a14="http://schemas.microsoft.com/office/drawing/2010/main" w="9525">
+                  <a14:hiddenLine xmlns:a14="http://schemas.microsoft.com/office/drawing/2010/main" xmlns="" w="9525">
                     <a:solidFill>
                       <a:srgbClr val="000000"/>
                     </a:solidFill>
@@ -11106,7 +11106,7 @@
               </a:ln>
               <a:extLst>
                 <a:ext uri="{91240B29-F687-4f45-9708-019B960494DF}">
-                  <a14:hiddenLine xmlns="" xmlns:a14="http://schemas.microsoft.com/office/drawing/2010/main" w="9525">
+                  <a14:hiddenLine xmlns:a14="http://schemas.microsoft.com/office/drawing/2010/main" xmlns="" w="9525">
                     <a:solidFill>
                       <a:srgbClr val="000000"/>
                     </a:solidFill>
@@ -11168,7 +11168,7 @@
               </a:ln>
               <a:extLst>
                 <a:ext uri="{91240B29-F687-4f45-9708-019B960494DF}">
-                  <a14:hiddenLine xmlns="" xmlns:a14="http://schemas.microsoft.com/office/drawing/2010/main" w="9525">
+                  <a14:hiddenLine xmlns:a14="http://schemas.microsoft.com/office/drawing/2010/main" xmlns="" w="9525">
                     <a:solidFill>
                       <a:srgbClr val="000000"/>
                     </a:solidFill>
@@ -11258,7 +11258,7 @@
               </a:ln>
               <a:extLst>
                 <a:ext uri="{91240B29-F687-4f45-9708-019B960494DF}">
-                  <a14:hiddenLine xmlns="" xmlns:a14="http://schemas.microsoft.com/office/drawing/2010/main" w="9525">
+                  <a14:hiddenLine xmlns:a14="http://schemas.microsoft.com/office/drawing/2010/main" xmlns="" w="9525">
                     <a:solidFill>
                       <a:srgbClr val="000000"/>
                     </a:solidFill>
@@ -11323,7 +11323,7 @@
               </a:ln>
               <a:extLst>
                 <a:ext uri="{91240B29-F687-4f45-9708-019B960494DF}">
-                  <a14:hiddenLine xmlns="" xmlns:a14="http://schemas.microsoft.com/office/drawing/2010/main" w="9525">
+                  <a14:hiddenLine xmlns:a14="http://schemas.microsoft.com/office/drawing/2010/main" xmlns="" w="9525">
                     <a:solidFill>
                       <a:srgbClr val="000000"/>
                     </a:solidFill>
@@ -11385,7 +11385,7 @@
               </a:ln>
               <a:extLst>
                 <a:ext uri="{91240B29-F687-4f45-9708-019B960494DF}">
-                  <a14:hiddenLine xmlns="" xmlns:a14="http://schemas.microsoft.com/office/drawing/2010/main" w="9525">
+                  <a14:hiddenLine xmlns:a14="http://schemas.microsoft.com/office/drawing/2010/main" xmlns="" w="9525">
                     <a:solidFill>
                       <a:srgbClr val="000000"/>
                     </a:solidFill>
@@ -11475,7 +11475,7 @@
               </a:ln>
               <a:extLst>
                 <a:ext uri="{91240B29-F687-4f45-9708-019B960494DF}">
-                  <a14:hiddenLine xmlns="" xmlns:a14="http://schemas.microsoft.com/office/drawing/2010/main" w="9525">
+                  <a14:hiddenLine xmlns:a14="http://schemas.microsoft.com/office/drawing/2010/main" xmlns="" w="9525">
                     <a:solidFill>
                       <a:srgbClr val="000000"/>
                     </a:solidFill>
@@ -11565,7 +11565,7 @@
               </a:ln>
               <a:extLst>
                 <a:ext uri="{91240B29-F687-4f45-9708-019B960494DF}">
-                  <a14:hiddenLine xmlns="" xmlns:a14="http://schemas.microsoft.com/office/drawing/2010/main" w="9525">
+                  <a14:hiddenLine xmlns:a14="http://schemas.microsoft.com/office/drawing/2010/main" xmlns="" w="9525">
                     <a:solidFill>
                       <a:srgbClr val="000000"/>
                     </a:solidFill>
@@ -11630,7 +11630,7 @@
               </a:ln>
               <a:extLst>
                 <a:ext uri="{91240B29-F687-4f45-9708-019B960494DF}">
-                  <a14:hiddenLine xmlns="" xmlns:a14="http://schemas.microsoft.com/office/drawing/2010/main" w="9525">
+                  <a14:hiddenLine xmlns:a14="http://schemas.microsoft.com/office/drawing/2010/main" xmlns="" w="9525">
                     <a:solidFill>
                       <a:srgbClr val="000000"/>
                     </a:solidFill>
@@ -11750,7 +11750,7 @@
               </a:ln>
               <a:extLst>
                 <a:ext uri="{91240B29-F687-4f45-9708-019B960494DF}">
-                  <a14:hiddenLine xmlns="" xmlns:a14="http://schemas.microsoft.com/office/drawing/2010/main" w="9525">
+                  <a14:hiddenLine xmlns:a14="http://schemas.microsoft.com/office/drawing/2010/main" xmlns="" w="9525">
                     <a:solidFill>
                       <a:srgbClr val="000000"/>
                     </a:solidFill>
@@ -11848,7 +11848,7 @@
               </a:ln>
               <a:extLst>
                 <a:ext uri="{91240B29-F687-4f45-9708-019B960494DF}">
-                  <a14:hiddenLine xmlns="" xmlns:a14="http://schemas.microsoft.com/office/drawing/2010/main" w="9525">
+                  <a14:hiddenLine xmlns:a14="http://schemas.microsoft.com/office/drawing/2010/main" xmlns="" w="9525">
                     <a:solidFill>
                       <a:srgbClr val="000000"/>
                     </a:solidFill>
@@ -11963,7 +11963,7 @@
               </a:ln>
               <a:extLst>
                 <a:ext uri="{91240B29-F687-4f45-9708-019B960494DF}">
-                  <a14:hiddenLine xmlns="" xmlns:a14="http://schemas.microsoft.com/office/drawing/2010/main" w="9525">
+                  <a14:hiddenLine xmlns:a14="http://schemas.microsoft.com/office/drawing/2010/main" xmlns="" w="9525">
                     <a:solidFill>
                       <a:srgbClr val="000000"/>
                     </a:solidFill>
@@ -12053,7 +12053,7 @@
               </a:ln>
               <a:extLst>
                 <a:ext uri="{91240B29-F687-4f45-9708-019B960494DF}">
-                  <a14:hiddenLine xmlns="" xmlns:a14="http://schemas.microsoft.com/office/drawing/2010/main" w="9525">
+                  <a14:hiddenLine xmlns:a14="http://schemas.microsoft.com/office/drawing/2010/main" xmlns="" w="9525">
                     <a:solidFill>
                       <a:srgbClr val="000000"/>
                     </a:solidFill>
@@ -12118,7 +12118,7 @@
               </a:ln>
               <a:extLst>
                 <a:ext uri="{91240B29-F687-4f45-9708-019B960494DF}">
-                  <a14:hiddenLine xmlns="" xmlns:a14="http://schemas.microsoft.com/office/drawing/2010/main" w="9525">
+                  <a14:hiddenLine xmlns:a14="http://schemas.microsoft.com/office/drawing/2010/main" xmlns="" w="9525">
                     <a:solidFill>
                       <a:srgbClr val="000000"/>
                     </a:solidFill>
@@ -12208,7 +12208,7 @@
               </a:ln>
               <a:extLst>
                 <a:ext uri="{91240B29-F687-4f45-9708-019B960494DF}">
-                  <a14:hiddenLine xmlns="" xmlns:a14="http://schemas.microsoft.com/office/drawing/2010/main" w="9525">
+                  <a14:hiddenLine xmlns:a14="http://schemas.microsoft.com/office/drawing/2010/main" xmlns="" w="9525">
                     <a:solidFill>
                       <a:srgbClr val="000000"/>
                     </a:solidFill>
@@ -12276,7 +12276,7 @@
               </a:ln>
               <a:extLst>
                 <a:ext uri="{91240B29-F687-4f45-9708-019B960494DF}">
-                  <a14:hiddenLine xmlns="" xmlns:a14="http://schemas.microsoft.com/office/drawing/2010/main" w="9525">
+                  <a14:hiddenLine xmlns:a14="http://schemas.microsoft.com/office/drawing/2010/main" xmlns="" w="9525">
                     <a:solidFill>
                       <a:srgbClr val="000000"/>
                     </a:solidFill>
@@ -12366,7 +12366,7 @@
               </a:ln>
               <a:extLst>
                 <a:ext uri="{91240B29-F687-4f45-9708-019B960494DF}">
-                  <a14:hiddenLine xmlns="" xmlns:a14="http://schemas.microsoft.com/office/drawing/2010/main" w="9525">
+                  <a14:hiddenLine xmlns:a14="http://schemas.microsoft.com/office/drawing/2010/main" xmlns="" w="9525">
                     <a:solidFill>
                       <a:srgbClr val="000000"/>
                     </a:solidFill>
@@ -12434,7 +12434,7 @@
               </a:ln>
               <a:extLst>
                 <a:ext uri="{91240B29-F687-4f45-9708-019B960494DF}">
-                  <a14:hiddenLine xmlns="" xmlns:a14="http://schemas.microsoft.com/office/drawing/2010/main" w="9525">
+                  <a14:hiddenLine xmlns:a14="http://schemas.microsoft.com/office/drawing/2010/main" xmlns="" w="9525">
                     <a:solidFill>
                       <a:srgbClr val="000000"/>
                     </a:solidFill>
@@ -12524,7 +12524,7 @@
               </a:ln>
               <a:extLst>
                 <a:ext uri="{91240B29-F687-4f45-9708-019B960494DF}">
-                  <a14:hiddenLine xmlns="" xmlns:a14="http://schemas.microsoft.com/office/drawing/2010/main" w="9525">
+                  <a14:hiddenLine xmlns:a14="http://schemas.microsoft.com/office/drawing/2010/main" xmlns="" w="9525">
                     <a:solidFill>
                       <a:srgbClr val="000000"/>
                     </a:solidFill>
@@ -12558,7 +12558,7 @@
               </a:ln>
               <a:extLst>
                 <a:ext uri="{91240B29-F687-4f45-9708-019B960494DF}">
-                  <a14:hiddenLine xmlns="" xmlns:a14="http://schemas.microsoft.com/office/drawing/2010/main" w="9525">
+                  <a14:hiddenLine xmlns:a14="http://schemas.microsoft.com/office/drawing/2010/main" xmlns="" w="9525">
                     <a:solidFill>
                       <a:srgbClr val="000000"/>
                     </a:solidFill>
@@ -17216,7 +17216,7 @@
         </p:nvSpPr>
         <p:spPr>
           <a:xfrm>
-            <a:off x="10266795" y="6388793"/>
+            <a:off x="10250659" y="6389131"/>
             <a:ext cx="771089" cy="365125"/>
           </a:xfrm>
         </p:spPr>
@@ -17453,16 +17453,15 @@
           </p:cNvPicPr>
           <p:nvPr/>
         </p:nvPicPr>
-        <p:blipFill>
+        <p:blipFill rotWithShape="1">
           <a:blip r:embed="rId15"/>
-          <a:stretch>
-            <a:fillRect/>
-          </a:stretch>
+          <a:srcRect t="204" b="-115"/>
+          <a:stretch/>
         </p:blipFill>
         <p:spPr>
           <a:xfrm>
-            <a:off x="6553100" y="74590"/>
-            <a:ext cx="2848373" cy="2915057"/>
+            <a:off x="6320728" y="19365"/>
+            <a:ext cx="2848373" cy="3517751"/>
           </a:xfrm>
           <a:prstGeom prst="roundRect">
             <a:avLst>
@@ -17496,13 +17495,13 @@
         </p:nvPicPr>
         <p:blipFill rotWithShape="1">
           <a:blip r:embed="rId16"/>
-          <a:srcRect t="-17" b="871"/>
+          <a:srcRect t="-356" b="360"/>
           <a:stretch/>
         </p:blipFill>
         <p:spPr>
           <a:xfrm>
-            <a:off x="5533982" y="3110945"/>
-            <a:ext cx="5344271" cy="3575468"/>
+            <a:off x="5900020" y="3554093"/>
+            <a:ext cx="3839136" cy="3231798"/>
           </a:xfrm>
           <a:prstGeom prst="roundRect">
             <a:avLst>
@@ -18575,7 +18574,7 @@
         </p:blipFill>
         <p:spPr>
           <a:xfrm>
-            <a:off x="6361970" y="211460"/>
+            <a:off x="1804952" y="368985"/>
             <a:ext cx="3732764" cy="1336864"/>
           </a:xfrm>
           <a:prstGeom prst="roundRect">
@@ -18610,13 +18609,13 @@
         </p:nvPicPr>
         <p:blipFill rotWithShape="1">
           <a:blip r:embed="rId13"/>
-          <a:srcRect t="167" r="-817" b="-1795"/>
+          <a:srcRect t="-1938" b="-429"/>
           <a:stretch/>
         </p:blipFill>
         <p:spPr>
           <a:xfrm>
-            <a:off x="6128543" y="1623153"/>
-            <a:ext cx="4295937" cy="2333508"/>
+            <a:off x="6091111" y="86359"/>
+            <a:ext cx="4295937" cy="2660079"/>
           </a:xfrm>
           <a:prstGeom prst="roundRect">
             <a:avLst>
@@ -18650,13 +18649,13 @@
         </p:nvPicPr>
         <p:blipFill rotWithShape="1">
           <a:blip r:embed="rId14"/>
-          <a:srcRect t="362" b="-308"/>
+          <a:srcRect t="-2914" b="481"/>
           <a:stretch/>
         </p:blipFill>
         <p:spPr>
           <a:xfrm>
-            <a:off x="5716977" y="4031491"/>
-            <a:ext cx="5119070" cy="2650074"/>
+            <a:off x="5679544" y="2990055"/>
+            <a:ext cx="5119070" cy="3506446"/>
           </a:xfrm>
           <a:prstGeom prst="roundRect">
             <a:avLst>
@@ -21216,6 +21215,21 @@
 </file>
 
 <file path=customXml/item1.xml><?xml version="1.0" encoding="utf-8"?>
+<?mso-contentType ?>
+<FormTemplates xmlns="http://schemas.microsoft.com/sharepoint/v3/contenttype/forms">
+  <Display>DocumentLibraryForm</Display>
+  <Edit>DocumentLibraryForm</Edit>
+  <New>DocumentLibraryForm</New>
+</FormTemplates>
+</file>
+
+<file path=customXml/item2.xml><?xml version="1.0" encoding="utf-8"?>
+<p:properties xmlns:p="http://schemas.microsoft.com/office/2006/metadata/properties" xmlns:xsi="http://www.w3.org/2001/XMLSchema-instance" xmlns:pc="http://schemas.microsoft.com/office/infopath/2007/PartnerControls">
+  <documentManagement/>
+</p:properties>
+</file>
+
+<file path=customXml/item3.xml><?xml version="1.0" encoding="utf-8"?>
 <ct:contentTypeSchema xmlns:ct="http://schemas.microsoft.com/office/2006/metadata/contentType" xmlns:ma="http://schemas.microsoft.com/office/2006/metadata/properties/metaAttributes" ct:_="" ma:_="" ma:contentTypeName="Document" ma:contentTypeID="0x010100F6544C1E39CC704E9B655547C2A8EEA9" ma:contentTypeVersion="2" ma:contentTypeDescription="Create a new document." ma:contentTypeScope="" ma:versionID="3fe2086bbb13892a04151ef672109fb5">
   <xsd:schema xmlns:xsd="http://www.w3.org/2001/XMLSchema" xmlns:xs="http://www.w3.org/2001/XMLSchema" xmlns:p="http://schemas.microsoft.com/office/2006/metadata/properties" xmlns:ns3="b4ea0a96-3951-4160-baca-c74dadb8c17f" targetNamespace="http://schemas.microsoft.com/office/2006/metadata/properties" ma:root="true" ma:fieldsID="00c6c909f9b37d6c43d157d3aea4a463" ns3:_="">
     <xsd:import namespace="b4ea0a96-3951-4160-baca-c74dadb8c17f"/>
@@ -21347,35 +21361,10 @@
 </ct:contentTypeSchema>
 </file>
 
-<file path=customXml/item2.xml><?xml version="1.0" encoding="utf-8"?>
-<p:properties xmlns:p="http://schemas.microsoft.com/office/2006/metadata/properties" xmlns:xsi="http://www.w3.org/2001/XMLSchema-instance" xmlns:pc="http://schemas.microsoft.com/office/infopath/2007/PartnerControls">
-  <documentManagement/>
-</p:properties>
-</file>
-
-<file path=customXml/item3.xml><?xml version="1.0" encoding="utf-8"?>
-<?mso-contentType ?>
-<FormTemplates xmlns="http://schemas.microsoft.com/sharepoint/v3/contenttype/forms">
-  <Display>DocumentLibraryForm</Display>
-  <Edit>DocumentLibraryForm</Edit>
-  <New>DocumentLibraryForm</New>
-</FormTemplates>
-</file>
-
 <file path=customXml/itemProps1.xml><?xml version="1.0" encoding="utf-8"?>
-<ds:datastoreItem xmlns:ds="http://schemas.openxmlformats.org/officeDocument/2006/customXml" ds:itemID="{44ED1FCC-97A6-4B60-A765-2D292F04234A}">
+<ds:datastoreItem xmlns:ds="http://schemas.openxmlformats.org/officeDocument/2006/customXml" ds:itemID="{3057252C-AA3B-4053-A64D-51B970623905}">
   <ds:schemaRefs>
-    <ds:schemaRef ds:uri="http://schemas.microsoft.com/office/2006/metadata/contentType"/>
-    <ds:schemaRef ds:uri="http://schemas.microsoft.com/office/2006/metadata/properties/metaAttributes"/>
-    <ds:schemaRef ds:uri="http://www.w3.org/2001/XMLSchema"/>
-    <ds:schemaRef ds:uri="http://schemas.microsoft.com/office/2006/metadata/properties"/>
-    <ds:schemaRef ds:uri="b4ea0a96-3951-4160-baca-c74dadb8c17f"/>
-    <ds:schemaRef ds:uri="http://schemas.microsoft.com/office/2006/documentManagement/types"/>
-    <ds:schemaRef ds:uri="http://schemas.microsoft.com/office/infopath/2007/PartnerControls"/>
-    <ds:schemaRef ds:uri="http://schemas.openxmlformats.org/package/2006/metadata/core-properties"/>
-    <ds:schemaRef ds:uri="http://purl.org/dc/elements/1.1/"/>
-    <ds:schemaRef ds:uri="http://purl.org/dc/terms/"/>
-    <ds:schemaRef ds:uri="http://schemas.microsoft.com/internal/obd"/>
+    <ds:schemaRef ds:uri="http://schemas.microsoft.com/sharepoint/v3/contenttype/forms"/>
   </ds:schemaRefs>
 </ds:datastoreItem>
 </file>
@@ -21397,9 +21386,19 @@
 </file>
 
 <file path=customXml/itemProps3.xml><?xml version="1.0" encoding="utf-8"?>
-<ds:datastoreItem xmlns:ds="http://schemas.openxmlformats.org/officeDocument/2006/customXml" ds:itemID="{3057252C-AA3B-4053-A64D-51B970623905}">
+<ds:datastoreItem xmlns:ds="http://schemas.openxmlformats.org/officeDocument/2006/customXml" ds:itemID="{44ED1FCC-97A6-4B60-A765-2D292F04234A}">
   <ds:schemaRefs>
-    <ds:schemaRef ds:uri="http://schemas.microsoft.com/sharepoint/v3/contenttype/forms"/>
+    <ds:schemaRef ds:uri="http://schemas.microsoft.com/office/2006/metadata/contentType"/>
+    <ds:schemaRef ds:uri="http://schemas.microsoft.com/office/2006/metadata/properties/metaAttributes"/>
+    <ds:schemaRef ds:uri="http://www.w3.org/2001/XMLSchema"/>
+    <ds:schemaRef ds:uri="http://schemas.microsoft.com/office/2006/metadata/properties"/>
+    <ds:schemaRef ds:uri="b4ea0a96-3951-4160-baca-c74dadb8c17f"/>
+    <ds:schemaRef ds:uri="http://schemas.microsoft.com/office/2006/documentManagement/types"/>
+    <ds:schemaRef ds:uri="http://schemas.microsoft.com/office/infopath/2007/PartnerControls"/>
+    <ds:schemaRef ds:uri="http://schemas.openxmlformats.org/package/2006/metadata/core-properties"/>
+    <ds:schemaRef ds:uri="http://purl.org/dc/elements/1.1/"/>
+    <ds:schemaRef ds:uri="http://purl.org/dc/terms/"/>
+    <ds:schemaRef ds:uri="http://schemas.microsoft.com/internal/obd"/>
   </ds:schemaRefs>
 </ds:datastoreItem>
 </file>
--- a/Esercitazione_8/esercitazione8.pptx
+++ b/Esercitazione_8/esercitazione8.pptx
@@ -746,7 +746,7 @@
           <a:noFill/>
           <a:extLst>
             <a:ext uri="{909E8E84-426E-40dd-AFC4-6F175D3DCCD1}">
-              <a14:hiddenFill xmlns:a14="http://schemas.microsoft.com/office/drawing/2010/main" xmlns="">
+              <a14:hiddenFill xmlns="" xmlns:a14="http://schemas.microsoft.com/office/drawing/2010/main">
                 <a:solidFill>
                   <a:srgbClr val="FFFFFF"/>
                 </a:solidFill>
@@ -806,7 +806,7 @@
             </a:ln>
             <a:extLst>
               <a:ext uri="{91240B29-F687-4f45-9708-019B960494DF}">
-                <a14:hiddenLine xmlns:a14="http://schemas.microsoft.com/office/drawing/2010/main" xmlns="" w="9525">
+                <a14:hiddenLine xmlns="" xmlns:a14="http://schemas.microsoft.com/office/drawing/2010/main" w="9525">
                   <a:solidFill>
                     <a:srgbClr val="000000"/>
                   </a:solidFill>
@@ -896,7 +896,7 @@
             </a:ln>
             <a:extLst>
               <a:ext uri="{91240B29-F687-4f45-9708-019B960494DF}">
-                <a14:hiddenLine xmlns:a14="http://schemas.microsoft.com/office/drawing/2010/main" xmlns="" w="9525">
+                <a14:hiddenLine xmlns="" xmlns:a14="http://schemas.microsoft.com/office/drawing/2010/main" w="9525">
                   <a:solidFill>
                     <a:srgbClr val="000000"/>
                   </a:solidFill>
@@ -986,7 +986,7 @@
             </a:ln>
             <a:extLst>
               <a:ext uri="{91240B29-F687-4f45-9708-019B960494DF}">
-                <a14:hiddenLine xmlns:a14="http://schemas.microsoft.com/office/drawing/2010/main" xmlns="" w="9525">
+                <a14:hiddenLine xmlns="" xmlns:a14="http://schemas.microsoft.com/office/drawing/2010/main" w="9525">
                   <a:solidFill>
                     <a:srgbClr val="000000"/>
                   </a:solidFill>
@@ -1020,7 +1020,7 @@
             </a:ln>
             <a:extLst>
               <a:ext uri="{91240B29-F687-4f45-9708-019B960494DF}">
-                <a14:hiddenLine xmlns:a14="http://schemas.microsoft.com/office/drawing/2010/main" xmlns="" w="9525">
+                <a14:hiddenLine xmlns="" xmlns:a14="http://schemas.microsoft.com/office/drawing/2010/main" w="9525">
                   <a:solidFill>
                     <a:srgbClr val="000000"/>
                   </a:solidFill>
@@ -1110,7 +1110,7 @@
             </a:ln>
             <a:extLst>
               <a:ext uri="{91240B29-F687-4f45-9708-019B960494DF}">
-                <a14:hiddenLine xmlns:a14="http://schemas.microsoft.com/office/drawing/2010/main" xmlns="" w="9525">
+                <a14:hiddenLine xmlns="" xmlns:a14="http://schemas.microsoft.com/office/drawing/2010/main" w="9525">
                   <a:solidFill>
                     <a:srgbClr val="000000"/>
                   </a:solidFill>
@@ -1172,7 +1172,7 @@
             </a:ln>
             <a:extLst>
               <a:ext uri="{91240B29-F687-4f45-9708-019B960494DF}">
-                <a14:hiddenLine xmlns:a14="http://schemas.microsoft.com/office/drawing/2010/main" xmlns="" w="9525">
+                <a14:hiddenLine xmlns="" xmlns:a14="http://schemas.microsoft.com/office/drawing/2010/main" w="9525">
                   <a:solidFill>
                     <a:srgbClr val="000000"/>
                   </a:solidFill>
@@ -1234,7 +1234,7 @@
             </a:ln>
             <a:extLst>
               <a:ext uri="{91240B29-F687-4f45-9708-019B960494DF}">
-                <a14:hiddenLine xmlns:a14="http://schemas.microsoft.com/office/drawing/2010/main" xmlns="" w="9525">
+                <a14:hiddenLine xmlns="" xmlns:a14="http://schemas.microsoft.com/office/drawing/2010/main" w="9525">
                   <a:solidFill>
                     <a:srgbClr val="000000"/>
                   </a:solidFill>
@@ -1324,7 +1324,7 @@
             </a:ln>
             <a:extLst>
               <a:ext uri="{91240B29-F687-4f45-9708-019B960494DF}">
-                <a14:hiddenLine xmlns:a14="http://schemas.microsoft.com/office/drawing/2010/main" xmlns="" w="9525">
+                <a14:hiddenLine xmlns="" xmlns:a14="http://schemas.microsoft.com/office/drawing/2010/main" w="9525">
                   <a:solidFill>
                     <a:srgbClr val="000000"/>
                   </a:solidFill>
@@ -1386,7 +1386,7 @@
             </a:ln>
             <a:extLst>
               <a:ext uri="{91240B29-F687-4f45-9708-019B960494DF}">
-                <a14:hiddenLine xmlns:a14="http://schemas.microsoft.com/office/drawing/2010/main" xmlns="" w="9525">
+                <a14:hiddenLine xmlns="" xmlns:a14="http://schemas.microsoft.com/office/drawing/2010/main" w="9525">
                   <a:solidFill>
                     <a:srgbClr val="000000"/>
                   </a:solidFill>
@@ -1448,7 +1448,7 @@
             </a:ln>
             <a:extLst>
               <a:ext uri="{91240B29-F687-4f45-9708-019B960494DF}">
-                <a14:hiddenLine xmlns:a14="http://schemas.microsoft.com/office/drawing/2010/main" xmlns="" w="9525">
+                <a14:hiddenLine xmlns="" xmlns:a14="http://schemas.microsoft.com/office/drawing/2010/main" w="9525">
                   <a:solidFill>
                     <a:srgbClr val="000000"/>
                   </a:solidFill>
@@ -1538,7 +1538,7 @@
             </a:ln>
             <a:extLst>
               <a:ext uri="{91240B29-F687-4f45-9708-019B960494DF}">
-                <a14:hiddenLine xmlns:a14="http://schemas.microsoft.com/office/drawing/2010/main" xmlns="" w="9525">
+                <a14:hiddenLine xmlns="" xmlns:a14="http://schemas.microsoft.com/office/drawing/2010/main" w="9525">
                   <a:solidFill>
                     <a:srgbClr val="000000"/>
                   </a:solidFill>
@@ -1628,7 +1628,7 @@
             </a:ln>
             <a:extLst>
               <a:ext uri="{91240B29-F687-4f45-9708-019B960494DF}">
-                <a14:hiddenLine xmlns:a14="http://schemas.microsoft.com/office/drawing/2010/main" xmlns="" w="9525">
+                <a14:hiddenLine xmlns="" xmlns:a14="http://schemas.microsoft.com/office/drawing/2010/main" w="9525">
                   <a:solidFill>
                     <a:srgbClr val="000000"/>
                   </a:solidFill>
@@ -1690,7 +1690,7 @@
             </a:ln>
             <a:extLst>
               <a:ext uri="{91240B29-F687-4f45-9708-019B960494DF}">
-                <a14:hiddenLine xmlns:a14="http://schemas.microsoft.com/office/drawing/2010/main" xmlns="" w="9525">
+                <a14:hiddenLine xmlns="" xmlns:a14="http://schemas.microsoft.com/office/drawing/2010/main" w="9525">
                   <a:solidFill>
                     <a:srgbClr val="000000"/>
                   </a:solidFill>
@@ -1800,7 +1800,7 @@
             </a:ln>
             <a:extLst>
               <a:ext uri="{91240B29-F687-4f45-9708-019B960494DF}">
-                <a14:hiddenLine xmlns:a14="http://schemas.microsoft.com/office/drawing/2010/main" xmlns="" w="9525">
+                <a14:hiddenLine xmlns="" xmlns:a14="http://schemas.microsoft.com/office/drawing/2010/main" w="9525">
                   <a:solidFill>
                     <a:srgbClr val="000000"/>
                   </a:solidFill>
@@ -1862,7 +1862,7 @@
             </a:ln>
             <a:extLst>
               <a:ext uri="{91240B29-F687-4f45-9708-019B960494DF}">
-                <a14:hiddenLine xmlns:a14="http://schemas.microsoft.com/office/drawing/2010/main" xmlns="" w="9525">
+                <a14:hiddenLine xmlns="" xmlns:a14="http://schemas.microsoft.com/office/drawing/2010/main" w="9525">
                   <a:solidFill>
                     <a:srgbClr val="000000"/>
                   </a:solidFill>
@@ -1952,7 +1952,7 @@
             </a:ln>
             <a:extLst>
               <a:ext uri="{91240B29-F687-4f45-9708-019B960494DF}">
-                <a14:hiddenLine xmlns:a14="http://schemas.microsoft.com/office/drawing/2010/main" xmlns="" w="9525">
+                <a14:hiddenLine xmlns="" xmlns:a14="http://schemas.microsoft.com/office/drawing/2010/main" w="9525">
                   <a:solidFill>
                     <a:srgbClr val="000000"/>
                   </a:solidFill>
@@ -2042,7 +2042,7 @@
             </a:ln>
             <a:extLst>
               <a:ext uri="{91240B29-F687-4f45-9708-019B960494DF}">
-                <a14:hiddenLine xmlns:a14="http://schemas.microsoft.com/office/drawing/2010/main" xmlns="" w="9525">
+                <a14:hiddenLine xmlns="" xmlns:a14="http://schemas.microsoft.com/office/drawing/2010/main" w="9525">
                   <a:solidFill>
                     <a:srgbClr val="000000"/>
                   </a:solidFill>
@@ -2104,7 +2104,7 @@
             </a:ln>
             <a:extLst>
               <a:ext uri="{91240B29-F687-4f45-9708-019B960494DF}">
-                <a14:hiddenLine xmlns:a14="http://schemas.microsoft.com/office/drawing/2010/main" xmlns="" w="9525">
+                <a14:hiddenLine xmlns="" xmlns:a14="http://schemas.microsoft.com/office/drawing/2010/main" w="9525">
                   <a:solidFill>
                     <a:srgbClr val="000000"/>
                   </a:solidFill>
@@ -2194,7 +2194,7 @@
             </a:ln>
             <a:extLst>
               <a:ext uri="{91240B29-F687-4f45-9708-019B960494DF}">
-                <a14:hiddenLine xmlns:a14="http://schemas.microsoft.com/office/drawing/2010/main" xmlns="" w="9525">
+                <a14:hiddenLine xmlns="" xmlns:a14="http://schemas.microsoft.com/office/drawing/2010/main" w="9525">
                   <a:solidFill>
                     <a:srgbClr val="000000"/>
                   </a:solidFill>
@@ -2284,7 +2284,7 @@
             </a:ln>
             <a:extLst>
               <a:ext uri="{91240B29-F687-4f45-9708-019B960494DF}">
-                <a14:hiddenLine xmlns:a14="http://schemas.microsoft.com/office/drawing/2010/main" xmlns="" w="9525">
+                <a14:hiddenLine xmlns="" xmlns:a14="http://schemas.microsoft.com/office/drawing/2010/main" w="9525">
                   <a:solidFill>
                     <a:srgbClr val="000000"/>
                   </a:solidFill>
@@ -2340,7 +2340,7 @@
             </a:ln>
             <a:extLst>
               <a:ext uri="{91240B29-F687-4f45-9708-019B960494DF}">
-                <a14:hiddenLine xmlns:a14="http://schemas.microsoft.com/office/drawing/2010/main" xmlns="" w="9525">
+                <a14:hiddenLine xmlns="" xmlns:a14="http://schemas.microsoft.com/office/drawing/2010/main" w="9525">
                   <a:solidFill>
                     <a:srgbClr val="000000"/>
                   </a:solidFill>
@@ -2430,7 +2430,7 @@
             </a:ln>
             <a:extLst>
               <a:ext uri="{91240B29-F687-4f45-9708-019B960494DF}">
-                <a14:hiddenLine xmlns:a14="http://schemas.microsoft.com/office/drawing/2010/main" xmlns="" w="9525">
+                <a14:hiddenLine xmlns="" xmlns:a14="http://schemas.microsoft.com/office/drawing/2010/main" w="9525">
                   <a:solidFill>
                     <a:srgbClr val="000000"/>
                   </a:solidFill>
@@ -2486,7 +2486,7 @@
             </a:ln>
             <a:extLst>
               <a:ext uri="{91240B29-F687-4f45-9708-019B960494DF}">
-                <a14:hiddenLine xmlns:a14="http://schemas.microsoft.com/office/drawing/2010/main" xmlns="" w="9525">
+                <a14:hiddenLine xmlns="" xmlns:a14="http://schemas.microsoft.com/office/drawing/2010/main" w="9525">
                   <a:solidFill>
                     <a:srgbClr val="000000"/>
                   </a:solidFill>
@@ -2576,7 +2576,7 @@
             </a:ln>
             <a:extLst>
               <a:ext uri="{91240B29-F687-4f45-9708-019B960494DF}">
-                <a14:hiddenLine xmlns:a14="http://schemas.microsoft.com/office/drawing/2010/main" xmlns="" w="9525">
+                <a14:hiddenLine xmlns="" xmlns:a14="http://schemas.microsoft.com/office/drawing/2010/main" w="9525">
                   <a:solidFill>
                     <a:srgbClr val="000000"/>
                   </a:solidFill>
@@ -2644,7 +2644,7 @@
             </a:ln>
             <a:extLst>
               <a:ext uri="{91240B29-F687-4f45-9708-019B960494DF}">
-                <a14:hiddenLine xmlns:a14="http://schemas.microsoft.com/office/drawing/2010/main" xmlns="" w="9525">
+                <a14:hiddenLine xmlns="" xmlns:a14="http://schemas.microsoft.com/office/drawing/2010/main" w="9525">
                   <a:solidFill>
                     <a:srgbClr val="000000"/>
                   </a:solidFill>
@@ -2734,7 +2734,7 @@
             </a:ln>
             <a:extLst>
               <a:ext uri="{91240B29-F687-4f45-9708-019B960494DF}">
-                <a14:hiddenLine xmlns:a14="http://schemas.microsoft.com/office/drawing/2010/main" xmlns="" w="9525">
+                <a14:hiddenLine xmlns="" xmlns:a14="http://schemas.microsoft.com/office/drawing/2010/main" w="9525">
                   <a:solidFill>
                     <a:srgbClr val="000000"/>
                   </a:solidFill>
@@ -2802,7 +2802,7 @@
             </a:ln>
             <a:extLst>
               <a:ext uri="{91240B29-F687-4f45-9708-019B960494DF}">
-                <a14:hiddenLine xmlns:a14="http://schemas.microsoft.com/office/drawing/2010/main" xmlns="" w="9525">
+                <a14:hiddenLine xmlns="" xmlns:a14="http://schemas.microsoft.com/office/drawing/2010/main" w="9525">
                   <a:solidFill>
                     <a:srgbClr val="000000"/>
                   </a:solidFill>
@@ -2892,7 +2892,7 @@
             </a:ln>
             <a:extLst>
               <a:ext uri="{91240B29-F687-4f45-9708-019B960494DF}">
-                <a14:hiddenLine xmlns:a14="http://schemas.microsoft.com/office/drawing/2010/main" xmlns="" w="9525">
+                <a14:hiddenLine xmlns="" xmlns:a14="http://schemas.microsoft.com/office/drawing/2010/main" w="9525">
                   <a:solidFill>
                     <a:srgbClr val="000000"/>
                   </a:solidFill>
@@ -2926,7 +2926,7 @@
             </a:ln>
             <a:extLst>
               <a:ext uri="{91240B29-F687-4f45-9708-019B960494DF}">
-                <a14:hiddenLine xmlns:a14="http://schemas.microsoft.com/office/drawing/2010/main" xmlns="" w="9525">
+                <a14:hiddenLine xmlns="" xmlns:a14="http://schemas.microsoft.com/office/drawing/2010/main" w="9525">
                   <a:solidFill>
                     <a:srgbClr val="000000"/>
                   </a:solidFill>
@@ -3016,7 +3016,7 @@
             </a:ln>
             <a:extLst>
               <a:ext uri="{91240B29-F687-4f45-9708-019B960494DF}">
-                <a14:hiddenLine xmlns:a14="http://schemas.microsoft.com/office/drawing/2010/main" xmlns="" w="9525">
+                <a14:hiddenLine xmlns="" xmlns:a14="http://schemas.microsoft.com/office/drawing/2010/main" w="9525">
                   <a:solidFill>
                     <a:srgbClr val="000000"/>
                   </a:solidFill>
@@ -3078,7 +3078,7 @@
             </a:ln>
             <a:extLst>
               <a:ext uri="{91240B29-F687-4f45-9708-019B960494DF}">
-                <a14:hiddenLine xmlns:a14="http://schemas.microsoft.com/office/drawing/2010/main" xmlns="" w="9525">
+                <a14:hiddenLine xmlns="" xmlns:a14="http://schemas.microsoft.com/office/drawing/2010/main" w="9525">
                   <a:solidFill>
                     <a:srgbClr val="000000"/>
                   </a:solidFill>
@@ -3140,7 +3140,7 @@
             </a:ln>
             <a:extLst>
               <a:ext uri="{91240B29-F687-4f45-9708-019B960494DF}">
-                <a14:hiddenLine xmlns:a14="http://schemas.microsoft.com/office/drawing/2010/main" xmlns="" w="9525">
+                <a14:hiddenLine xmlns="" xmlns:a14="http://schemas.microsoft.com/office/drawing/2010/main" w="9525">
                   <a:solidFill>
                     <a:srgbClr val="000000"/>
                   </a:solidFill>
@@ -3230,7 +3230,7 @@
             </a:ln>
             <a:extLst>
               <a:ext uri="{91240B29-F687-4f45-9708-019B960494DF}">
-                <a14:hiddenLine xmlns:a14="http://schemas.microsoft.com/office/drawing/2010/main" xmlns="" w="9525">
+                <a14:hiddenLine xmlns="" xmlns:a14="http://schemas.microsoft.com/office/drawing/2010/main" w="9525">
                   <a:solidFill>
                     <a:srgbClr val="000000"/>
                   </a:solidFill>
@@ -3298,7 +3298,7 @@
             </a:ln>
             <a:extLst>
               <a:ext uri="{91240B29-F687-4f45-9708-019B960494DF}">
-                <a14:hiddenLine xmlns:a14="http://schemas.microsoft.com/office/drawing/2010/main" xmlns="" w="9525">
+                <a14:hiddenLine xmlns="" xmlns:a14="http://schemas.microsoft.com/office/drawing/2010/main" w="9525">
                   <a:solidFill>
                     <a:srgbClr val="000000"/>
                   </a:solidFill>
@@ -3360,7 +3360,7 @@
             </a:ln>
             <a:extLst>
               <a:ext uri="{91240B29-F687-4f45-9708-019B960494DF}">
-                <a14:hiddenLine xmlns:a14="http://schemas.microsoft.com/office/drawing/2010/main" xmlns="" w="9525">
+                <a14:hiddenLine xmlns="" xmlns:a14="http://schemas.microsoft.com/office/drawing/2010/main" w="9525">
                   <a:solidFill>
                     <a:srgbClr val="000000"/>
                   </a:solidFill>
@@ -3450,7 +3450,7 @@
             </a:ln>
             <a:extLst>
               <a:ext uri="{91240B29-F687-4f45-9708-019B960494DF}">
-                <a14:hiddenLine xmlns:a14="http://schemas.microsoft.com/office/drawing/2010/main" xmlns="" w="9525">
+                <a14:hiddenLine xmlns="" xmlns:a14="http://schemas.microsoft.com/office/drawing/2010/main" w="9525">
                   <a:solidFill>
                     <a:srgbClr val="000000"/>
                   </a:solidFill>
@@ -3512,7 +3512,7 @@
             </a:ln>
             <a:extLst>
               <a:ext uri="{91240B29-F687-4f45-9708-019B960494DF}">
-                <a14:hiddenLine xmlns:a14="http://schemas.microsoft.com/office/drawing/2010/main" xmlns="" w="9525">
+                <a14:hiddenLine xmlns="" xmlns:a14="http://schemas.microsoft.com/office/drawing/2010/main" w="9525">
                   <a:solidFill>
                     <a:srgbClr val="000000"/>
                   </a:solidFill>
@@ -3602,7 +3602,7 @@
             </a:ln>
             <a:extLst>
               <a:ext uri="{91240B29-F687-4f45-9708-019B960494DF}">
-                <a14:hiddenLine xmlns:a14="http://schemas.microsoft.com/office/drawing/2010/main" xmlns="" w="9525">
+                <a14:hiddenLine xmlns="" xmlns:a14="http://schemas.microsoft.com/office/drawing/2010/main" w="9525">
                   <a:solidFill>
                     <a:srgbClr val="000000"/>
                   </a:solidFill>
@@ -3664,7 +3664,7 @@
             </a:ln>
             <a:extLst>
               <a:ext uri="{91240B29-F687-4f45-9708-019B960494DF}">
-                <a14:hiddenLine xmlns:a14="http://schemas.microsoft.com/office/drawing/2010/main" xmlns="" w="9525">
+                <a14:hiddenLine xmlns="" xmlns:a14="http://schemas.microsoft.com/office/drawing/2010/main" w="9525">
                   <a:solidFill>
                     <a:srgbClr val="000000"/>
                   </a:solidFill>
@@ -3754,7 +3754,7 @@
             </a:ln>
             <a:extLst>
               <a:ext uri="{91240B29-F687-4f45-9708-019B960494DF}">
-                <a14:hiddenLine xmlns:a14="http://schemas.microsoft.com/office/drawing/2010/main" xmlns="" w="9525">
+                <a14:hiddenLine xmlns="" xmlns:a14="http://schemas.microsoft.com/office/drawing/2010/main" w="9525">
                   <a:solidFill>
                     <a:srgbClr val="000000"/>
                   </a:solidFill>
@@ -3788,7 +3788,7 @@
             </a:ln>
             <a:extLst>
               <a:ext uri="{91240B29-F687-4f45-9708-019B960494DF}">
-                <a14:hiddenLine xmlns:a14="http://schemas.microsoft.com/office/drawing/2010/main" xmlns="" w="9525">
+                <a14:hiddenLine xmlns="" xmlns:a14="http://schemas.microsoft.com/office/drawing/2010/main" w="9525">
                   <a:solidFill>
                     <a:srgbClr val="000000"/>
                   </a:solidFill>
@@ -3853,7 +3853,7 @@
             </a:ln>
             <a:extLst>
               <a:ext uri="{91240B29-F687-4f45-9708-019B960494DF}">
-                <a14:hiddenLine xmlns:a14="http://schemas.microsoft.com/office/drawing/2010/main" xmlns="" w="9525">
+                <a14:hiddenLine xmlns="" xmlns:a14="http://schemas.microsoft.com/office/drawing/2010/main" w="9525">
                   <a:solidFill>
                     <a:srgbClr val="000000"/>
                   </a:solidFill>
@@ -3943,7 +3943,7 @@
             </a:ln>
             <a:extLst>
               <a:ext uri="{91240B29-F687-4f45-9708-019B960494DF}">
-                <a14:hiddenLine xmlns:a14="http://schemas.microsoft.com/office/drawing/2010/main" xmlns="" w="9525">
+                <a14:hiddenLine xmlns="" xmlns:a14="http://schemas.microsoft.com/office/drawing/2010/main" w="9525">
                   <a:solidFill>
                     <a:srgbClr val="000000"/>
                   </a:solidFill>
@@ -4005,7 +4005,7 @@
             </a:ln>
             <a:extLst>
               <a:ext uri="{91240B29-F687-4f45-9708-019B960494DF}">
-                <a14:hiddenLine xmlns:a14="http://schemas.microsoft.com/office/drawing/2010/main" xmlns="" w="9525">
+                <a14:hiddenLine xmlns="" xmlns:a14="http://schemas.microsoft.com/office/drawing/2010/main" w="9525">
                   <a:solidFill>
                     <a:srgbClr val="000000"/>
                   </a:solidFill>
@@ -4095,7 +4095,7 @@
             </a:ln>
             <a:extLst>
               <a:ext uri="{91240B29-F687-4f45-9708-019B960494DF}">
-                <a14:hiddenLine xmlns:a14="http://schemas.microsoft.com/office/drawing/2010/main" xmlns="" w="9525">
+                <a14:hiddenLine xmlns="" xmlns:a14="http://schemas.microsoft.com/office/drawing/2010/main" w="9525">
                   <a:solidFill>
                     <a:srgbClr val="000000"/>
                   </a:solidFill>
@@ -4185,7 +4185,7 @@
             </a:ln>
             <a:extLst>
               <a:ext uri="{91240B29-F687-4f45-9708-019B960494DF}">
-                <a14:hiddenLine xmlns:a14="http://schemas.microsoft.com/office/drawing/2010/main" xmlns="" w="9525">
+                <a14:hiddenLine xmlns="" xmlns:a14="http://schemas.microsoft.com/office/drawing/2010/main" w="9525">
                   <a:solidFill>
                     <a:srgbClr val="000000"/>
                   </a:solidFill>
@@ -4250,7 +4250,7 @@
             </a:ln>
             <a:extLst>
               <a:ext uri="{91240B29-F687-4f45-9708-019B960494DF}">
-                <a14:hiddenLine xmlns:a14="http://schemas.microsoft.com/office/drawing/2010/main" xmlns="" w="9525">
+                <a14:hiddenLine xmlns="" xmlns:a14="http://schemas.microsoft.com/office/drawing/2010/main" w="9525">
                   <a:solidFill>
                     <a:srgbClr val="000000"/>
                   </a:solidFill>
@@ -4312,7 +4312,7 @@
             </a:ln>
             <a:extLst>
               <a:ext uri="{91240B29-F687-4f45-9708-019B960494DF}">
-                <a14:hiddenLine xmlns:a14="http://schemas.microsoft.com/office/drawing/2010/main" xmlns="" w="9525">
+                <a14:hiddenLine xmlns="" xmlns:a14="http://schemas.microsoft.com/office/drawing/2010/main" w="9525">
                   <a:solidFill>
                     <a:srgbClr val="000000"/>
                   </a:solidFill>
@@ -4402,7 +4402,7 @@
             </a:ln>
             <a:extLst>
               <a:ext uri="{91240B29-F687-4f45-9708-019B960494DF}">
-                <a14:hiddenLine xmlns:a14="http://schemas.microsoft.com/office/drawing/2010/main" xmlns="" w="9525">
+                <a14:hiddenLine xmlns="" xmlns:a14="http://schemas.microsoft.com/office/drawing/2010/main" w="9525">
                   <a:solidFill>
                     <a:srgbClr val="000000"/>
                   </a:solidFill>
@@ -4492,7 +4492,7 @@
             </a:ln>
             <a:extLst>
               <a:ext uri="{91240B29-F687-4f45-9708-019B960494DF}">
-                <a14:hiddenLine xmlns:a14="http://schemas.microsoft.com/office/drawing/2010/main" xmlns="" w="9525">
+                <a14:hiddenLine xmlns="" xmlns:a14="http://schemas.microsoft.com/office/drawing/2010/main" w="9525">
                   <a:solidFill>
                     <a:srgbClr val="000000"/>
                   </a:solidFill>
@@ -4554,7 +4554,7 @@
             </a:ln>
             <a:extLst>
               <a:ext uri="{91240B29-F687-4f45-9708-019B960494DF}">
-                <a14:hiddenLine xmlns:a14="http://schemas.microsoft.com/office/drawing/2010/main" xmlns="" w="9525">
+                <a14:hiddenLine xmlns="" xmlns:a14="http://schemas.microsoft.com/office/drawing/2010/main" w="9525">
                   <a:solidFill>
                     <a:srgbClr val="000000"/>
                   </a:solidFill>
@@ -4674,7 +4674,7 @@
             </a:ln>
             <a:extLst>
               <a:ext uri="{91240B29-F687-4f45-9708-019B960494DF}">
-                <a14:hiddenLine xmlns:a14="http://schemas.microsoft.com/office/drawing/2010/main" xmlns="" w="9525">
+                <a14:hiddenLine xmlns="" xmlns:a14="http://schemas.microsoft.com/office/drawing/2010/main" w="9525">
                   <a:solidFill>
                     <a:srgbClr val="000000"/>
                   </a:solidFill>
@@ -4742,7 +4742,7 @@
             </a:ln>
             <a:extLst>
               <a:ext uri="{91240B29-F687-4f45-9708-019B960494DF}">
-                <a14:hiddenLine xmlns:a14="http://schemas.microsoft.com/office/drawing/2010/main" xmlns="" w="9525">
+                <a14:hiddenLine xmlns="" xmlns:a14="http://schemas.microsoft.com/office/drawing/2010/main" w="9525">
                   <a:solidFill>
                     <a:srgbClr val="000000"/>
                   </a:solidFill>
@@ -4832,7 +4832,7 @@
             </a:ln>
             <a:extLst>
               <a:ext uri="{91240B29-F687-4f45-9708-019B960494DF}">
-                <a14:hiddenLine xmlns:a14="http://schemas.microsoft.com/office/drawing/2010/main" xmlns="" w="9525">
+                <a14:hiddenLine xmlns="" xmlns:a14="http://schemas.microsoft.com/office/drawing/2010/main" w="9525">
                   <a:solidFill>
                     <a:srgbClr val="000000"/>
                   </a:solidFill>
@@ -9737,7 +9737,7 @@
           <a:noFill/>
           <a:extLst>
             <a:ext uri="{909E8E84-426E-40dd-AFC4-6F175D3DCCD1}">
-              <a14:hiddenFill xmlns:a14="http://schemas.microsoft.com/office/drawing/2010/main" xmlns="">
+              <a14:hiddenFill xmlns="" xmlns:a14="http://schemas.microsoft.com/office/drawing/2010/main">
                 <a:solidFill>
                   <a:srgbClr val="FFFFFF"/>
                 </a:solidFill>
@@ -9811,7 +9811,7 @@
               </a:ln>
               <a:extLst>
                 <a:ext uri="{91240B29-F687-4f45-9708-019B960494DF}">
-                  <a14:hiddenLine xmlns:a14="http://schemas.microsoft.com/office/drawing/2010/main" xmlns="" w="9525">
+                  <a14:hiddenLine xmlns="" xmlns:a14="http://schemas.microsoft.com/office/drawing/2010/main" w="9525">
                     <a:solidFill>
                       <a:srgbClr val="000000"/>
                     </a:solidFill>
@@ -9901,7 +9901,7 @@
               </a:ln>
               <a:extLst>
                 <a:ext uri="{91240B29-F687-4f45-9708-019B960494DF}">
-                  <a14:hiddenLine xmlns:a14="http://schemas.microsoft.com/office/drawing/2010/main" xmlns="" w="9525">
+                  <a14:hiddenLine xmlns="" xmlns:a14="http://schemas.microsoft.com/office/drawing/2010/main" w="9525">
                     <a:solidFill>
                       <a:srgbClr val="000000"/>
                     </a:solidFill>
@@ -9991,7 +9991,7 @@
               </a:ln>
               <a:extLst>
                 <a:ext uri="{91240B29-F687-4f45-9708-019B960494DF}">
-                  <a14:hiddenLine xmlns:a14="http://schemas.microsoft.com/office/drawing/2010/main" xmlns="" w="9525">
+                  <a14:hiddenLine xmlns="" xmlns:a14="http://schemas.microsoft.com/office/drawing/2010/main" w="9525">
                     <a:solidFill>
                       <a:srgbClr val="000000"/>
                     </a:solidFill>
@@ -10053,7 +10053,7 @@
               </a:ln>
               <a:extLst>
                 <a:ext uri="{91240B29-F687-4f45-9708-019B960494DF}">
-                  <a14:hiddenLine xmlns:a14="http://schemas.microsoft.com/office/drawing/2010/main" xmlns="" w="9525">
+                  <a14:hiddenLine xmlns="" xmlns:a14="http://schemas.microsoft.com/office/drawing/2010/main" w="9525">
                     <a:solidFill>
                       <a:srgbClr val="000000"/>
                     </a:solidFill>
@@ -10143,7 +10143,7 @@
               </a:ln>
               <a:extLst>
                 <a:ext uri="{91240B29-F687-4f45-9708-019B960494DF}">
-                  <a14:hiddenLine xmlns:a14="http://schemas.microsoft.com/office/drawing/2010/main" xmlns="" w="9525">
+                  <a14:hiddenLine xmlns="" xmlns:a14="http://schemas.microsoft.com/office/drawing/2010/main" w="9525">
                     <a:solidFill>
                       <a:srgbClr val="000000"/>
                     </a:solidFill>
@@ -10205,7 +10205,7 @@
               </a:ln>
               <a:extLst>
                 <a:ext uri="{91240B29-F687-4f45-9708-019B960494DF}">
-                  <a14:hiddenLine xmlns:a14="http://schemas.microsoft.com/office/drawing/2010/main" xmlns="" w="9525">
+                  <a14:hiddenLine xmlns="" xmlns:a14="http://schemas.microsoft.com/office/drawing/2010/main" w="9525">
                     <a:solidFill>
                       <a:srgbClr val="000000"/>
                     </a:solidFill>
@@ -10267,7 +10267,7 @@
               </a:ln>
               <a:extLst>
                 <a:ext uri="{91240B29-F687-4f45-9708-019B960494DF}">
-                  <a14:hiddenLine xmlns:a14="http://schemas.microsoft.com/office/drawing/2010/main" xmlns="" w="9525">
+                  <a14:hiddenLine xmlns="" xmlns:a14="http://schemas.microsoft.com/office/drawing/2010/main" w="9525">
                     <a:solidFill>
                       <a:srgbClr val="000000"/>
                     </a:solidFill>
@@ -10357,7 +10357,7 @@
               </a:ln>
               <a:extLst>
                 <a:ext uri="{91240B29-F687-4f45-9708-019B960494DF}">
-                  <a14:hiddenLine xmlns:a14="http://schemas.microsoft.com/office/drawing/2010/main" xmlns="" w="9525">
+                  <a14:hiddenLine xmlns="" xmlns:a14="http://schemas.microsoft.com/office/drawing/2010/main" w="9525">
                     <a:solidFill>
                       <a:srgbClr val="000000"/>
                     </a:solidFill>
@@ -10447,7 +10447,7 @@
               </a:ln>
               <a:extLst>
                 <a:ext uri="{91240B29-F687-4f45-9708-019B960494DF}">
-                  <a14:hiddenLine xmlns:a14="http://schemas.microsoft.com/office/drawing/2010/main" xmlns="" w="9525">
+                  <a14:hiddenLine xmlns="" xmlns:a14="http://schemas.microsoft.com/office/drawing/2010/main" w="9525">
                     <a:solidFill>
                       <a:srgbClr val="000000"/>
                     </a:solidFill>
@@ -10509,7 +10509,7 @@
               </a:ln>
               <a:extLst>
                 <a:ext uri="{91240B29-F687-4f45-9708-019B960494DF}">
-                  <a14:hiddenLine xmlns:a14="http://schemas.microsoft.com/office/drawing/2010/main" xmlns="" w="9525">
+                  <a14:hiddenLine xmlns="" xmlns:a14="http://schemas.microsoft.com/office/drawing/2010/main" w="9525">
                     <a:solidFill>
                       <a:srgbClr val="000000"/>
                     </a:solidFill>
@@ -10619,7 +10619,7 @@
               </a:ln>
               <a:extLst>
                 <a:ext uri="{91240B29-F687-4f45-9708-019B960494DF}">
-                  <a14:hiddenLine xmlns:a14="http://schemas.microsoft.com/office/drawing/2010/main" xmlns="" w="9525">
+                  <a14:hiddenLine xmlns="" xmlns:a14="http://schemas.microsoft.com/office/drawing/2010/main" w="9525">
                     <a:solidFill>
                       <a:srgbClr val="000000"/>
                     </a:solidFill>
@@ -10703,7 +10703,7 @@
               </a:ln>
               <a:extLst>
                 <a:ext uri="{91240B29-F687-4f45-9708-019B960494DF}">
-                  <a14:hiddenLine xmlns:a14="http://schemas.microsoft.com/office/drawing/2010/main" xmlns="" w="9525">
+                  <a14:hiddenLine xmlns="" xmlns:a14="http://schemas.microsoft.com/office/drawing/2010/main" w="9525">
                     <a:solidFill>
                       <a:srgbClr val="000000"/>
                     </a:solidFill>
@@ -10765,7 +10765,7 @@
               </a:ln>
               <a:extLst>
                 <a:ext uri="{91240B29-F687-4f45-9708-019B960494DF}">
-                  <a14:hiddenLine xmlns:a14="http://schemas.microsoft.com/office/drawing/2010/main" xmlns="" w="9525">
+                  <a14:hiddenLine xmlns="" xmlns:a14="http://schemas.microsoft.com/office/drawing/2010/main" w="9525">
                     <a:solidFill>
                       <a:srgbClr val="000000"/>
                     </a:solidFill>
@@ -10827,7 +10827,7 @@
               </a:ln>
               <a:extLst>
                 <a:ext uri="{91240B29-F687-4f45-9708-019B960494DF}">
-                  <a14:hiddenLine xmlns:a14="http://schemas.microsoft.com/office/drawing/2010/main" xmlns="" w="9525">
+                  <a14:hiddenLine xmlns="" xmlns:a14="http://schemas.microsoft.com/office/drawing/2010/main" w="9525">
                     <a:solidFill>
                       <a:srgbClr val="000000"/>
                     </a:solidFill>
@@ -10917,7 +10917,7 @@
               </a:ln>
               <a:extLst>
                 <a:ext uri="{91240B29-F687-4f45-9708-019B960494DF}">
-                  <a14:hiddenLine xmlns:a14="http://schemas.microsoft.com/office/drawing/2010/main" xmlns="" w="9525">
+                  <a14:hiddenLine xmlns="" xmlns:a14="http://schemas.microsoft.com/office/drawing/2010/main" w="9525">
                     <a:solidFill>
                       <a:srgbClr val="000000"/>
                     </a:solidFill>
@@ -10951,7 +10951,7 @@
               </a:ln>
               <a:extLst>
                 <a:ext uri="{91240B29-F687-4f45-9708-019B960494DF}">
-                  <a14:hiddenLine xmlns:a14="http://schemas.microsoft.com/office/drawing/2010/main" xmlns="" w="9525">
+                  <a14:hiddenLine xmlns="" xmlns:a14="http://schemas.microsoft.com/office/drawing/2010/main" w="9525">
                     <a:solidFill>
                       <a:srgbClr val="000000"/>
                     </a:solidFill>
@@ -11016,7 +11016,7 @@
               </a:ln>
               <a:extLst>
                 <a:ext uri="{91240B29-F687-4f45-9708-019B960494DF}">
-                  <a14:hiddenLine xmlns:a14="http://schemas.microsoft.com/office/drawing/2010/main" xmlns="" w="9525">
+                  <a14:hiddenLine xmlns="" xmlns:a14="http://schemas.microsoft.com/office/drawing/2010/main" w="9525">
                     <a:solidFill>
                       <a:srgbClr val="000000"/>
                     </a:solidFill>
@@ -11106,7 +11106,7 @@
               </a:ln>
               <a:extLst>
                 <a:ext uri="{91240B29-F687-4f45-9708-019B960494DF}">
-                  <a14:hiddenLine xmlns:a14="http://schemas.microsoft.com/office/drawing/2010/main" xmlns="" w="9525">
+                  <a14:hiddenLine xmlns="" xmlns:a14="http://schemas.microsoft.com/office/drawing/2010/main" w="9525">
                     <a:solidFill>
                       <a:srgbClr val="000000"/>
                     </a:solidFill>
@@ -11168,7 +11168,7 @@
               </a:ln>
               <a:extLst>
                 <a:ext uri="{91240B29-F687-4f45-9708-019B960494DF}">
-                  <a14:hiddenLine xmlns:a14="http://schemas.microsoft.com/office/drawing/2010/main" xmlns="" w="9525">
+                  <a14:hiddenLine xmlns="" xmlns:a14="http://schemas.microsoft.com/office/drawing/2010/main" w="9525">
                     <a:solidFill>
                       <a:srgbClr val="000000"/>
                     </a:solidFill>
@@ -11258,7 +11258,7 @@
               </a:ln>
               <a:extLst>
                 <a:ext uri="{91240B29-F687-4f45-9708-019B960494DF}">
-                  <a14:hiddenLine xmlns:a14="http://schemas.microsoft.com/office/drawing/2010/main" xmlns="" w="9525">
+                  <a14:hiddenLine xmlns="" xmlns:a14="http://schemas.microsoft.com/office/drawing/2010/main" w="9525">
                     <a:solidFill>
                       <a:srgbClr val="000000"/>
                     </a:solidFill>
@@ -11323,7 +11323,7 @@
               </a:ln>
               <a:extLst>
                 <a:ext uri="{91240B29-F687-4f45-9708-019B960494DF}">
-                  <a14:hiddenLine xmlns:a14="http://schemas.microsoft.com/office/drawing/2010/main" xmlns="" w="9525">
+                  <a14:hiddenLine xmlns="" xmlns:a14="http://schemas.microsoft.com/office/drawing/2010/main" w="9525">
                     <a:solidFill>
                       <a:srgbClr val="000000"/>
                     </a:solidFill>
@@ -11385,7 +11385,7 @@
               </a:ln>
               <a:extLst>
                 <a:ext uri="{91240B29-F687-4f45-9708-019B960494DF}">
-                  <a14:hiddenLine xmlns:a14="http://schemas.microsoft.com/office/drawing/2010/main" xmlns="" w="9525">
+                  <a14:hiddenLine xmlns="" xmlns:a14="http://schemas.microsoft.com/office/drawing/2010/main" w="9525">
                     <a:solidFill>
                       <a:srgbClr val="000000"/>
                     </a:solidFill>
@@ -11475,7 +11475,7 @@
               </a:ln>
               <a:extLst>
                 <a:ext uri="{91240B29-F687-4f45-9708-019B960494DF}">
-                  <a14:hiddenLine xmlns:a14="http://schemas.microsoft.com/office/drawing/2010/main" xmlns="" w="9525">
+                  <a14:hiddenLine xmlns="" xmlns:a14="http://schemas.microsoft.com/office/drawing/2010/main" w="9525">
                     <a:solidFill>
                       <a:srgbClr val="000000"/>
                     </a:solidFill>
@@ -11565,7 +11565,7 @@
               </a:ln>
               <a:extLst>
                 <a:ext uri="{91240B29-F687-4f45-9708-019B960494DF}">
-                  <a14:hiddenLine xmlns:a14="http://schemas.microsoft.com/office/drawing/2010/main" xmlns="" w="9525">
+                  <a14:hiddenLine xmlns="" xmlns:a14="http://schemas.microsoft.com/office/drawing/2010/main" w="9525">
                     <a:solidFill>
                       <a:srgbClr val="000000"/>
                     </a:solidFill>
@@ -11630,7 +11630,7 @@
               </a:ln>
               <a:extLst>
                 <a:ext uri="{91240B29-F687-4f45-9708-019B960494DF}">
-                  <a14:hiddenLine xmlns:a14="http://schemas.microsoft.com/office/drawing/2010/main" xmlns="" w="9525">
+                  <a14:hiddenLine xmlns="" xmlns:a14="http://schemas.microsoft.com/office/drawing/2010/main" w="9525">
                     <a:solidFill>
                       <a:srgbClr val="000000"/>
                     </a:solidFill>
@@ -11750,7 +11750,7 @@
               </a:ln>
               <a:extLst>
                 <a:ext uri="{91240B29-F687-4f45-9708-019B960494DF}">
-                  <a14:hiddenLine xmlns:a14="http://schemas.microsoft.com/office/drawing/2010/main" xmlns="" w="9525">
+                  <a14:hiddenLine xmlns="" xmlns:a14="http://schemas.microsoft.com/office/drawing/2010/main" w="9525">
                     <a:solidFill>
                       <a:srgbClr val="000000"/>
                     </a:solidFill>
@@ -11848,7 +11848,7 @@
               </a:ln>
               <a:extLst>
                 <a:ext uri="{91240B29-F687-4f45-9708-019B960494DF}">
-                  <a14:hiddenLine xmlns:a14="http://schemas.microsoft.com/office/drawing/2010/main" xmlns="" w="9525">
+                  <a14:hiddenLine xmlns="" xmlns:a14="http://schemas.microsoft.com/office/drawing/2010/main" w="9525">
                     <a:solidFill>
                       <a:srgbClr val="000000"/>
                     </a:solidFill>
@@ -11963,7 +11963,7 @@
               </a:ln>
               <a:extLst>
                 <a:ext uri="{91240B29-F687-4f45-9708-019B960494DF}">
-                  <a14:hiddenLine xmlns:a14="http://schemas.microsoft.com/office/drawing/2010/main" xmlns="" w="9525">
+                  <a14:hiddenLine xmlns="" xmlns:a14="http://schemas.microsoft.com/office/drawing/2010/main" w="9525">
                     <a:solidFill>
                       <a:srgbClr val="000000"/>
                     </a:solidFill>
@@ -12053,7 +12053,7 @@
               </a:ln>
               <a:extLst>
                 <a:ext uri="{91240B29-F687-4f45-9708-019B960494DF}">
-                  <a14:hiddenLine xmlns:a14="http://schemas.microsoft.com/office/drawing/2010/main" xmlns="" w="9525">
+                  <a14:hiddenLine xmlns="" xmlns:a14="http://schemas.microsoft.com/office/drawing/2010/main" w="9525">
                     <a:solidFill>
                       <a:srgbClr val="000000"/>
                     </a:solidFill>
@@ -12118,7 +12118,7 @@
               </a:ln>
               <a:extLst>
                 <a:ext uri="{91240B29-F687-4f45-9708-019B960494DF}">
-                  <a14:hiddenLine xmlns:a14="http://schemas.microsoft.com/office/drawing/2010/main" xmlns="" w="9525">
+                  <a14:hiddenLine xmlns="" xmlns:a14="http://schemas.microsoft.com/office/drawing/2010/main" w="9525">
                     <a:solidFill>
                       <a:srgbClr val="000000"/>
                     </a:solidFill>
@@ -12208,7 +12208,7 @@
               </a:ln>
               <a:extLst>
                 <a:ext uri="{91240B29-F687-4f45-9708-019B960494DF}">
-                  <a14:hiddenLine xmlns:a14="http://schemas.microsoft.com/office/drawing/2010/main" xmlns="" w="9525">
+                  <a14:hiddenLine xmlns="" xmlns:a14="http://schemas.microsoft.com/office/drawing/2010/main" w="9525">
                     <a:solidFill>
                       <a:srgbClr val="000000"/>
                     </a:solidFill>
@@ -12276,7 +12276,7 @@
               </a:ln>
               <a:extLst>
                 <a:ext uri="{91240B29-F687-4f45-9708-019B960494DF}">
-                  <a14:hiddenLine xmlns:a14="http://schemas.microsoft.com/office/drawing/2010/main" xmlns="" w="9525">
+                  <a14:hiddenLine xmlns="" xmlns:a14="http://schemas.microsoft.com/office/drawing/2010/main" w="9525">
                     <a:solidFill>
                       <a:srgbClr val="000000"/>
                     </a:solidFill>
@@ -12366,7 +12366,7 @@
               </a:ln>
               <a:extLst>
                 <a:ext uri="{91240B29-F687-4f45-9708-019B960494DF}">
-                  <a14:hiddenLine xmlns:a14="http://schemas.microsoft.com/office/drawing/2010/main" xmlns="" w="9525">
+                  <a14:hiddenLine xmlns="" xmlns:a14="http://schemas.microsoft.com/office/drawing/2010/main" w="9525">
                     <a:solidFill>
                       <a:srgbClr val="000000"/>
                     </a:solidFill>
@@ -12434,7 +12434,7 @@
               </a:ln>
               <a:extLst>
                 <a:ext uri="{91240B29-F687-4f45-9708-019B960494DF}">
-                  <a14:hiddenLine xmlns:a14="http://schemas.microsoft.com/office/drawing/2010/main" xmlns="" w="9525">
+                  <a14:hiddenLine xmlns="" xmlns:a14="http://schemas.microsoft.com/office/drawing/2010/main" w="9525">
                     <a:solidFill>
                       <a:srgbClr val="000000"/>
                     </a:solidFill>
@@ -12524,7 +12524,7 @@
               </a:ln>
               <a:extLst>
                 <a:ext uri="{91240B29-F687-4f45-9708-019B960494DF}">
-                  <a14:hiddenLine xmlns:a14="http://schemas.microsoft.com/office/drawing/2010/main" xmlns="" w="9525">
+                  <a14:hiddenLine xmlns="" xmlns:a14="http://schemas.microsoft.com/office/drawing/2010/main" w="9525">
                     <a:solidFill>
                       <a:srgbClr val="000000"/>
                     </a:solidFill>
@@ -12558,7 +12558,7 @@
               </a:ln>
               <a:extLst>
                 <a:ext uri="{91240B29-F687-4f45-9708-019B960494DF}">
-                  <a14:hiddenLine xmlns:a14="http://schemas.microsoft.com/office/drawing/2010/main" xmlns="" w="9525">
+                  <a14:hiddenLine xmlns="" xmlns:a14="http://schemas.microsoft.com/office/drawing/2010/main" w="9525">
                     <a:solidFill>
                       <a:srgbClr val="000000"/>
                     </a:solidFill>
@@ -16472,7 +16472,7 @@
         </p:blipFill>
         <p:spPr>
           <a:xfrm flipV="1">
-            <a:off x="7695433" y="760768"/>
+            <a:off x="3010478" y="4572971"/>
             <a:ext cx="563705" cy="201887"/>
           </a:xfrm>
           <a:prstGeom prst="roundRect">
@@ -16512,7 +16512,7 @@
         </p:blipFill>
         <p:spPr>
           <a:xfrm flipV="1">
-            <a:off x="7610385" y="2345518"/>
+            <a:off x="3350421" y="2875824"/>
             <a:ext cx="648753" cy="352396"/>
           </a:xfrm>
           <a:prstGeom prst="roundRect">
@@ -17372,7 +17372,7 @@
         </p:nvSpPr>
         <p:spPr>
           <a:xfrm>
-            <a:off x="1901229" y="472363"/>
+            <a:off x="1837135" y="264233"/>
             <a:ext cx="3027872" cy="2246769"/>
           </a:xfrm>
           <a:prstGeom prst="rect">
@@ -17411,7 +17411,7 @@
         </p:nvSpPr>
         <p:spPr>
           <a:xfrm>
-            <a:off x="1979967" y="3554093"/>
+            <a:off x="7216867" y="155793"/>
             <a:ext cx="3140015" cy="2831544"/>
           </a:xfrm>
           <a:prstGeom prst="rect">
@@ -17460,8 +17460,8 @@
         </p:blipFill>
         <p:spPr>
           <a:xfrm>
-            <a:off x="6320728" y="19365"/>
-            <a:ext cx="2848373" cy="3517751"/>
+            <a:off x="1741225" y="2511001"/>
+            <a:ext cx="3502685" cy="4325829"/>
           </a:xfrm>
           <a:prstGeom prst="roundRect">
             <a:avLst>
@@ -17500,8 +17500,8 @@
         </p:blipFill>
         <p:spPr>
           <a:xfrm>
-            <a:off x="5900020" y="3554093"/>
-            <a:ext cx="3839136" cy="3231798"/>
+            <a:off x="6418729" y="2756428"/>
+            <a:ext cx="4736293" cy="3987028"/>
           </a:xfrm>
           <a:prstGeom prst="roundRect">
             <a:avLst>
@@ -21215,21 +21215,6 @@
 </file>
 
 <file path=customXml/item1.xml><?xml version="1.0" encoding="utf-8"?>
-<?mso-contentType ?>
-<FormTemplates xmlns="http://schemas.microsoft.com/sharepoint/v3/contenttype/forms">
-  <Display>DocumentLibraryForm</Display>
-  <Edit>DocumentLibraryForm</Edit>
-  <New>DocumentLibraryForm</New>
-</FormTemplates>
-</file>
-
-<file path=customXml/item2.xml><?xml version="1.0" encoding="utf-8"?>
-<p:properties xmlns:p="http://schemas.microsoft.com/office/2006/metadata/properties" xmlns:xsi="http://www.w3.org/2001/XMLSchema-instance" xmlns:pc="http://schemas.microsoft.com/office/infopath/2007/PartnerControls">
-  <documentManagement/>
-</p:properties>
-</file>
-
-<file path=customXml/item3.xml><?xml version="1.0" encoding="utf-8"?>
 <ct:contentTypeSchema xmlns:ct="http://schemas.microsoft.com/office/2006/metadata/contentType" xmlns:ma="http://schemas.microsoft.com/office/2006/metadata/properties/metaAttributes" ct:_="" ma:_="" ma:contentTypeName="Document" ma:contentTypeID="0x010100F6544C1E39CC704E9B655547C2A8EEA9" ma:contentTypeVersion="2" ma:contentTypeDescription="Create a new document." ma:contentTypeScope="" ma:versionID="3fe2086bbb13892a04151ef672109fb5">
   <xsd:schema xmlns:xsd="http://www.w3.org/2001/XMLSchema" xmlns:xs="http://www.w3.org/2001/XMLSchema" xmlns:p="http://schemas.microsoft.com/office/2006/metadata/properties" xmlns:ns3="b4ea0a96-3951-4160-baca-c74dadb8c17f" targetNamespace="http://schemas.microsoft.com/office/2006/metadata/properties" ma:root="true" ma:fieldsID="00c6c909f9b37d6c43d157d3aea4a463" ns3:_="">
     <xsd:import namespace="b4ea0a96-3951-4160-baca-c74dadb8c17f"/>
@@ -21361,10 +21346,35 @@
 </ct:contentTypeSchema>
 </file>
 
+<file path=customXml/item2.xml><?xml version="1.0" encoding="utf-8"?>
+<p:properties xmlns:p="http://schemas.microsoft.com/office/2006/metadata/properties" xmlns:xsi="http://www.w3.org/2001/XMLSchema-instance" xmlns:pc="http://schemas.microsoft.com/office/infopath/2007/PartnerControls">
+  <documentManagement/>
+</p:properties>
+</file>
+
+<file path=customXml/item3.xml><?xml version="1.0" encoding="utf-8"?>
+<?mso-contentType ?>
+<FormTemplates xmlns="http://schemas.microsoft.com/sharepoint/v3/contenttype/forms">
+  <Display>DocumentLibraryForm</Display>
+  <Edit>DocumentLibraryForm</Edit>
+  <New>DocumentLibraryForm</New>
+</FormTemplates>
+</file>
+
 <file path=customXml/itemProps1.xml><?xml version="1.0" encoding="utf-8"?>
-<ds:datastoreItem xmlns:ds="http://schemas.openxmlformats.org/officeDocument/2006/customXml" ds:itemID="{3057252C-AA3B-4053-A64D-51B970623905}">
+<ds:datastoreItem xmlns:ds="http://schemas.openxmlformats.org/officeDocument/2006/customXml" ds:itemID="{44ED1FCC-97A6-4B60-A765-2D292F04234A}">
   <ds:schemaRefs>
-    <ds:schemaRef ds:uri="http://schemas.microsoft.com/sharepoint/v3/contenttype/forms"/>
+    <ds:schemaRef ds:uri="http://schemas.microsoft.com/office/2006/metadata/contentType"/>
+    <ds:schemaRef ds:uri="http://schemas.microsoft.com/office/2006/metadata/properties/metaAttributes"/>
+    <ds:schemaRef ds:uri="http://www.w3.org/2001/XMLSchema"/>
+    <ds:schemaRef ds:uri="http://schemas.microsoft.com/office/2006/metadata/properties"/>
+    <ds:schemaRef ds:uri="b4ea0a96-3951-4160-baca-c74dadb8c17f"/>
+    <ds:schemaRef ds:uri="http://schemas.microsoft.com/office/2006/documentManagement/types"/>
+    <ds:schemaRef ds:uri="http://schemas.microsoft.com/office/infopath/2007/PartnerControls"/>
+    <ds:schemaRef ds:uri="http://schemas.openxmlformats.org/package/2006/metadata/core-properties"/>
+    <ds:schemaRef ds:uri="http://purl.org/dc/elements/1.1/"/>
+    <ds:schemaRef ds:uri="http://purl.org/dc/terms/"/>
+    <ds:schemaRef ds:uri="http://schemas.microsoft.com/internal/obd"/>
   </ds:schemaRefs>
 </ds:datastoreItem>
 </file>
@@ -21386,19 +21396,9 @@
 </file>
 
 <file path=customXml/itemProps3.xml><?xml version="1.0" encoding="utf-8"?>
-<ds:datastoreItem xmlns:ds="http://schemas.openxmlformats.org/officeDocument/2006/customXml" ds:itemID="{44ED1FCC-97A6-4B60-A765-2D292F04234A}">
+<ds:datastoreItem xmlns:ds="http://schemas.openxmlformats.org/officeDocument/2006/customXml" ds:itemID="{3057252C-AA3B-4053-A64D-51B970623905}">
   <ds:schemaRefs>
-    <ds:schemaRef ds:uri="http://schemas.microsoft.com/office/2006/metadata/contentType"/>
-    <ds:schemaRef ds:uri="http://schemas.microsoft.com/office/2006/metadata/properties/metaAttributes"/>
-    <ds:schemaRef ds:uri="http://www.w3.org/2001/XMLSchema"/>
-    <ds:schemaRef ds:uri="http://schemas.microsoft.com/office/2006/metadata/properties"/>
-    <ds:schemaRef ds:uri="b4ea0a96-3951-4160-baca-c74dadb8c17f"/>
-    <ds:schemaRef ds:uri="http://schemas.microsoft.com/office/2006/documentManagement/types"/>
-    <ds:schemaRef ds:uri="http://schemas.microsoft.com/office/infopath/2007/PartnerControls"/>
-    <ds:schemaRef ds:uri="http://schemas.openxmlformats.org/package/2006/metadata/core-properties"/>
-    <ds:schemaRef ds:uri="http://purl.org/dc/elements/1.1/"/>
-    <ds:schemaRef ds:uri="http://purl.org/dc/terms/"/>
-    <ds:schemaRef ds:uri="http://schemas.microsoft.com/internal/obd"/>
+    <ds:schemaRef ds:uri="http://schemas.microsoft.com/sharepoint/v3/contenttype/forms"/>
   </ds:schemaRefs>
 </ds:datastoreItem>
 </file>